--- a/praesi.pptx
+++ b/praesi.pptx
@@ -3,22 +3,23 @@
 <p:presentation xmlns:a="http://schemas.openxmlformats.org/drawingml/2006/main" xmlns:p="http://schemas.openxmlformats.org/presentationml/2006/main" xmlns:r="http://schemas.openxmlformats.org/officeDocument/2006/relationships" xmlns:p14="http://schemas.microsoft.com/office/powerpoint/2010/main" xmlns:p15="http://schemas.microsoft.com/office/powerpoint/2012/main" xmlns:mc="http://schemas.openxmlformats.org/markup-compatibility/2006">
   <p:sldMasterIdLst>
     <p:sldMasterId id="2147483648" r:id="rId2"/>
+    <p:sldMasterId id="2147483661" r:id="rId3"/>
   </p:sldMasterIdLst>
   <p:sldIdLst>
-    <p:sldId id="256" r:id="rId3"/>
-    <p:sldId id="257" r:id="rId4"/>
-    <p:sldId id="258" r:id="rId5"/>
-    <p:sldId id="259" r:id="rId6"/>
-    <p:sldId id="260" r:id="rId7"/>
-    <p:sldId id="261" r:id="rId8"/>
-    <p:sldId id="262" r:id="rId9"/>
-    <p:sldId id="263" r:id="rId10"/>
-    <p:sldId id="264" r:id="rId11"/>
-    <p:sldId id="265" r:id="rId12"/>
-    <p:sldId id="266" r:id="rId13"/>
-    <p:sldId id="267" r:id="rId14"/>
-    <p:sldId id="268" r:id="rId15"/>
-    <p:sldId id="269" r:id="rId16"/>
+    <p:sldId id="256" r:id="rId4"/>
+    <p:sldId id="257" r:id="rId5"/>
+    <p:sldId id="258" r:id="rId6"/>
+    <p:sldId id="259" r:id="rId7"/>
+    <p:sldId id="260" r:id="rId8"/>
+    <p:sldId id="261" r:id="rId9"/>
+    <p:sldId id="262" r:id="rId10"/>
+    <p:sldId id="263" r:id="rId11"/>
+    <p:sldId id="264" r:id="rId12"/>
+    <p:sldId id="265" r:id="rId13"/>
+    <p:sldId id="266" r:id="rId14"/>
+    <p:sldId id="267" r:id="rId15"/>
+    <p:sldId id="268" r:id="rId16"/>
+    <p:sldId id="269" r:id="rId17"/>
   </p:sldIdLst>
   <p:sldSz cx="10080625" cy="7559675"/>
   <p:notesSz cx="7772400" cy="10058400"/>
@@ -66,7 +67,7 @@
       </p:grpSpPr>
       <p:sp>
         <p:nvSpPr>
-          <p:cNvPr id="26" name="PlaceHolder 1"/>
+          <p:cNvPr id="23" name="PlaceHolder 1"/>
           <p:cNvSpPr>
             <a:spLocks noGrp="1"/>
           </p:cNvSpPr>
@@ -77,7 +78,7 @@
         <p:spPr>
           <a:xfrm>
             <a:off x="504000" y="301320"/>
-            <a:ext cx="9071640" cy="1262160"/>
+            <a:ext cx="9071280" cy="1261800"/>
           </a:xfrm>
           <a:prstGeom prst="rect">
             <a:avLst/>
@@ -103,7 +104,7 @@
       </p:sp>
       <p:sp>
         <p:nvSpPr>
-          <p:cNvPr id="27" name="PlaceHolder 2"/>
+          <p:cNvPr id="24" name="PlaceHolder 2"/>
           <p:cNvSpPr>
             <a:spLocks noGrp="1"/>
           </p:cNvSpPr>
@@ -114,7 +115,7 @@
         <p:spPr>
           <a:xfrm>
             <a:off x="504000" y="1769040"/>
-            <a:ext cx="9071640" cy="2091240"/>
+            <a:ext cx="9071280" cy="2090880"/>
           </a:xfrm>
           <a:prstGeom prst="rect">
             <a:avLst/>
@@ -139,7 +140,7 @@
       </p:sp>
       <p:sp>
         <p:nvSpPr>
-          <p:cNvPr id="28" name="PlaceHolder 3"/>
+          <p:cNvPr id="25" name="PlaceHolder 3"/>
           <p:cNvSpPr>
             <a:spLocks noGrp="1"/>
           </p:cNvSpPr>
@@ -149,8 +150,8 @@
         </p:nvSpPr>
         <p:spPr>
           <a:xfrm>
-            <a:off x="504000" y="4059360"/>
-            <a:ext cx="9071640" cy="2091240"/>
+            <a:off x="504000" y="4059000"/>
+            <a:ext cx="9071280" cy="2090880"/>
           </a:xfrm>
           <a:prstGeom prst="rect">
             <a:avLst/>
@@ -197,7 +198,7 @@
       </p:grpSpPr>
       <p:sp>
         <p:nvSpPr>
-          <p:cNvPr id="29" name="PlaceHolder 1"/>
+          <p:cNvPr id="26" name="PlaceHolder 1"/>
           <p:cNvSpPr>
             <a:spLocks noGrp="1"/>
           </p:cNvSpPr>
@@ -208,7 +209,7 @@
         <p:spPr>
           <a:xfrm>
             <a:off x="504000" y="301320"/>
-            <a:ext cx="9071640" cy="1262160"/>
+            <a:ext cx="9071280" cy="1261800"/>
           </a:xfrm>
           <a:prstGeom prst="rect">
             <a:avLst/>
@@ -234,7 +235,7 @@
       </p:sp>
       <p:sp>
         <p:nvSpPr>
-          <p:cNvPr id="30" name="PlaceHolder 2"/>
+          <p:cNvPr id="27" name="PlaceHolder 2"/>
           <p:cNvSpPr>
             <a:spLocks noGrp="1"/>
           </p:cNvSpPr>
@@ -245,7 +246,7 @@
         <p:spPr>
           <a:xfrm>
             <a:off x="504000" y="1769040"/>
-            <a:ext cx="4426920" cy="2091240"/>
+            <a:ext cx="4426560" cy="2090880"/>
           </a:xfrm>
           <a:prstGeom prst="rect">
             <a:avLst/>
@@ -270,7 +271,7 @@
       </p:sp>
       <p:sp>
         <p:nvSpPr>
-          <p:cNvPr id="31" name="PlaceHolder 3"/>
+          <p:cNvPr id="28" name="PlaceHolder 3"/>
           <p:cNvSpPr>
             <a:spLocks noGrp="1"/>
           </p:cNvSpPr>
@@ -280,8 +281,8 @@
         </p:nvSpPr>
         <p:spPr>
           <a:xfrm>
-            <a:off x="5152680" y="1769040"/>
-            <a:ext cx="4426920" cy="2091240"/>
+            <a:off x="5152320" y="1769040"/>
+            <a:ext cx="4426560" cy="2090880"/>
           </a:xfrm>
           <a:prstGeom prst="rect">
             <a:avLst/>
@@ -306,7 +307,7 @@
       </p:sp>
       <p:sp>
         <p:nvSpPr>
-          <p:cNvPr id="32" name="PlaceHolder 4"/>
+          <p:cNvPr id="29" name="PlaceHolder 4"/>
           <p:cNvSpPr>
             <a:spLocks noGrp="1"/>
           </p:cNvSpPr>
@@ -316,8 +317,8 @@
         </p:nvSpPr>
         <p:spPr>
           <a:xfrm>
-            <a:off x="5152680" y="4059360"/>
-            <a:ext cx="4426920" cy="2091240"/>
+            <a:off x="5152320" y="4059000"/>
+            <a:ext cx="4426560" cy="2090880"/>
           </a:xfrm>
           <a:prstGeom prst="rect">
             <a:avLst/>
@@ -342,7 +343,7 @@
       </p:sp>
       <p:sp>
         <p:nvSpPr>
-          <p:cNvPr id="33" name="PlaceHolder 5"/>
+          <p:cNvPr id="30" name="PlaceHolder 5"/>
           <p:cNvSpPr>
             <a:spLocks noGrp="1"/>
           </p:cNvSpPr>
@@ -352,8 +353,8 @@
         </p:nvSpPr>
         <p:spPr>
           <a:xfrm>
-            <a:off x="504000" y="4059360"/>
-            <a:ext cx="4426920" cy="2091240"/>
+            <a:off x="504000" y="4059000"/>
+            <a:ext cx="4426560" cy="2090880"/>
           </a:xfrm>
           <a:prstGeom prst="rect">
             <a:avLst/>
@@ -400,7 +401,7 @@
       </p:grpSpPr>
       <p:sp>
         <p:nvSpPr>
-          <p:cNvPr id="34" name="PlaceHolder 1"/>
+          <p:cNvPr id="31" name="PlaceHolder 1"/>
           <p:cNvSpPr>
             <a:spLocks noGrp="1"/>
           </p:cNvSpPr>
@@ -411,7 +412,7 @@
         <p:spPr>
           <a:xfrm>
             <a:off x="504000" y="301320"/>
-            <a:ext cx="9071640" cy="1262160"/>
+            <a:ext cx="9071280" cy="1261800"/>
           </a:xfrm>
           <a:prstGeom prst="rect">
             <a:avLst/>
@@ -437,7 +438,7 @@
       </p:sp>
       <p:sp>
         <p:nvSpPr>
-          <p:cNvPr id="35" name="PlaceHolder 2"/>
+          <p:cNvPr id="32" name="PlaceHolder 2"/>
           <p:cNvSpPr>
             <a:spLocks noGrp="1"/>
           </p:cNvSpPr>
@@ -448,7 +449,7 @@
         <p:spPr>
           <a:xfrm>
             <a:off x="504000" y="1769040"/>
-            <a:ext cx="9071640" cy="4384440"/>
+            <a:ext cx="9071280" cy="4384080"/>
           </a:xfrm>
           <a:prstGeom prst="rect">
             <a:avLst/>
@@ -473,7 +474,7 @@
       </p:sp>
       <p:sp>
         <p:nvSpPr>
-          <p:cNvPr id="36" name="PlaceHolder 3"/>
+          <p:cNvPr id="33" name="PlaceHolder 3"/>
           <p:cNvSpPr>
             <a:spLocks noGrp="1"/>
           </p:cNvSpPr>
@@ -484,7 +485,7 @@
         <p:spPr>
           <a:xfrm>
             <a:off x="504000" y="1769040"/>
-            <a:ext cx="9071640" cy="4384440"/>
+            <a:ext cx="9071280" cy="4384080"/>
           </a:xfrm>
           <a:prstGeom prst="rect">
             <a:avLst/>
@@ -509,7 +510,7 @@
       </p:sp>
       <p:pic>
         <p:nvPicPr>
-          <p:cNvPr id="37" name="" descr=""/>
+          <p:cNvPr id="34" name="" descr=""/>
           <p:cNvPicPr/>
           <p:nvPr/>
         </p:nvPicPr>
@@ -519,8 +520,8 @@
         </p:blipFill>
         <p:spPr>
           <a:xfrm>
-            <a:off x="2292120" y="1768680"/>
-            <a:ext cx="5495040" cy="4384440"/>
+            <a:off x="2292120" y="1769040"/>
+            <a:ext cx="5494680" cy="4384080"/>
           </a:xfrm>
           <a:prstGeom prst="rect">
             <a:avLst/>
@@ -532,7 +533,7 @@
       </p:pic>
       <p:pic>
         <p:nvPicPr>
-          <p:cNvPr id="38" name="" descr=""/>
+          <p:cNvPr id="35" name="" descr=""/>
           <p:cNvPicPr/>
           <p:nvPr/>
         </p:nvPicPr>
@@ -542,8 +543,8 @@
         </p:blipFill>
         <p:spPr>
           <a:xfrm>
-            <a:off x="2292120" y="1768680"/>
-            <a:ext cx="5495040" cy="4384440"/>
+            <a:off x="2292120" y="1769040"/>
+            <a:ext cx="5494680" cy="4384080"/>
           </a:xfrm>
           <a:prstGeom prst="rect">
             <a:avLst/>
@@ -553,6 +554,635 @@
           </a:ln>
         </p:spPr>
       </p:pic>
+    </p:spTree>
+  </p:cSld>
+</p:sldLayout>
+</file>
+
+<file path=ppt/slideLayouts/slideLayout13.xml><?xml version="1.0" encoding="utf-8"?>
+<p:sldLayout xmlns:a="http://schemas.openxmlformats.org/drawingml/2006/main" xmlns:p="http://schemas.openxmlformats.org/presentationml/2006/main" xmlns:r="http://schemas.openxmlformats.org/officeDocument/2006/relationships" xmlns:p14="http://schemas.microsoft.com/office/powerpoint/2010/main" xmlns:p15="http://schemas.microsoft.com/office/powerpoint/2012/main" xmlns:mc="http://schemas.openxmlformats.org/markup-compatibility/2006" type="blank" preserve="1">
+  <p:cSld name="Blank Slide">
+    <p:spTree>
+      <p:nvGrpSpPr>
+        <p:cNvPr id="1" name=""/>
+        <p:cNvGrpSpPr/>
+        <p:nvPr/>
+      </p:nvGrpSpPr>
+      <p:grpSpPr>
+        <a:xfrm>
+          <a:off x="0" y="0"/>
+          <a:ext cx="0" cy="0"/>
+          <a:chOff x="0" y="0"/>
+          <a:chExt cx="0" cy="0"/>
+        </a:xfrm>
+      </p:grpSpPr>
+    </p:spTree>
+  </p:cSld>
+</p:sldLayout>
+</file>
+
+<file path=ppt/slideLayouts/slideLayout14.xml><?xml version="1.0" encoding="utf-8"?>
+<p:sldLayout xmlns:a="http://schemas.openxmlformats.org/drawingml/2006/main" xmlns:p="http://schemas.openxmlformats.org/presentationml/2006/main" xmlns:r="http://schemas.openxmlformats.org/officeDocument/2006/relationships" xmlns:p14="http://schemas.microsoft.com/office/powerpoint/2010/main" xmlns:p15="http://schemas.microsoft.com/office/powerpoint/2012/main" xmlns:mc="http://schemas.openxmlformats.org/markup-compatibility/2006" type="tx" preserve="1">
+  <p:cSld name="Title Slide">
+    <p:spTree>
+      <p:nvGrpSpPr>
+        <p:cNvPr id="1" name=""/>
+        <p:cNvGrpSpPr/>
+        <p:nvPr/>
+      </p:nvGrpSpPr>
+      <p:grpSpPr>
+        <a:xfrm>
+          <a:off x="0" y="0"/>
+          <a:ext cx="0" cy="0"/>
+          <a:chOff x="0" y="0"/>
+          <a:chExt cx="0" cy="0"/>
+        </a:xfrm>
+      </p:grpSpPr>
+      <p:sp>
+        <p:nvSpPr>
+          <p:cNvPr id="38" name="PlaceHolder 1"/>
+          <p:cNvSpPr>
+            <a:spLocks noGrp="1"/>
+          </p:cNvSpPr>
+          <p:nvPr>
+            <p:ph type="title"/>
+          </p:nvPr>
+        </p:nvSpPr>
+        <p:spPr>
+          <a:xfrm>
+            <a:off x="504000" y="301320"/>
+            <a:ext cx="9071280" cy="1261800"/>
+          </a:xfrm>
+          <a:prstGeom prst="rect">
+            <a:avLst/>
+          </a:prstGeom>
+        </p:spPr>
+        <p:txBody>
+          <a:bodyPr lIns="0" rIns="0" tIns="0" bIns="0" anchor="ctr"/>
+          <a:p>
+            <a:pPr algn="ctr"/>
+            <a:endParaRPr b="0" lang="de-DE" sz="4400" spc="-1" strike="noStrike">
+              <a:solidFill>
+                <a:srgbClr val="000000"/>
+              </a:solidFill>
+              <a:uFill>
+                <a:solidFill>
+                  <a:srgbClr val="ffffff"/>
+                </a:solidFill>
+              </a:uFill>
+              <a:latin typeface="Arial"/>
+            </a:endParaRPr>
+          </a:p>
+        </p:txBody>
+      </p:sp>
+      <p:sp>
+        <p:nvSpPr>
+          <p:cNvPr id="39" name="PlaceHolder 2"/>
+          <p:cNvSpPr>
+            <a:spLocks noGrp="1"/>
+          </p:cNvSpPr>
+          <p:nvPr>
+            <p:ph type="subTitle"/>
+          </p:nvPr>
+        </p:nvSpPr>
+        <p:spPr>
+          <a:xfrm>
+            <a:off x="504000" y="1769040"/>
+            <a:ext cx="9071280" cy="4384080"/>
+          </a:xfrm>
+          <a:prstGeom prst="rect">
+            <a:avLst/>
+          </a:prstGeom>
+        </p:spPr>
+        <p:txBody>
+          <a:bodyPr lIns="0" rIns="0" tIns="0" bIns="0" anchor="ctr"/>
+          <a:p>
+            <a:pPr algn="ctr"/>
+            <a:endParaRPr b="0" lang="de-DE" sz="3200" spc="-1" strike="noStrike">
+              <a:solidFill>
+                <a:srgbClr val="000000"/>
+              </a:solidFill>
+              <a:uFill>
+                <a:solidFill>
+                  <a:srgbClr val="ffffff"/>
+                </a:solidFill>
+              </a:uFill>
+              <a:latin typeface="Arial"/>
+            </a:endParaRPr>
+          </a:p>
+        </p:txBody>
+      </p:sp>
+    </p:spTree>
+  </p:cSld>
+</p:sldLayout>
+</file>
+
+<file path=ppt/slideLayouts/slideLayout15.xml><?xml version="1.0" encoding="utf-8"?>
+<p:sldLayout xmlns:a="http://schemas.openxmlformats.org/drawingml/2006/main" xmlns:p="http://schemas.openxmlformats.org/presentationml/2006/main" xmlns:r="http://schemas.openxmlformats.org/officeDocument/2006/relationships" xmlns:p14="http://schemas.microsoft.com/office/powerpoint/2010/main" xmlns:p15="http://schemas.microsoft.com/office/powerpoint/2012/main" xmlns:mc="http://schemas.openxmlformats.org/markup-compatibility/2006" type="obj" preserve="1">
+  <p:cSld name="Title, Content">
+    <p:spTree>
+      <p:nvGrpSpPr>
+        <p:cNvPr id="1" name=""/>
+        <p:cNvGrpSpPr/>
+        <p:nvPr/>
+      </p:nvGrpSpPr>
+      <p:grpSpPr>
+        <a:xfrm>
+          <a:off x="0" y="0"/>
+          <a:ext cx="0" cy="0"/>
+          <a:chOff x="0" y="0"/>
+          <a:chExt cx="0" cy="0"/>
+        </a:xfrm>
+      </p:grpSpPr>
+      <p:sp>
+        <p:nvSpPr>
+          <p:cNvPr id="40" name="PlaceHolder 1"/>
+          <p:cNvSpPr>
+            <a:spLocks noGrp="1"/>
+          </p:cNvSpPr>
+          <p:nvPr>
+            <p:ph type="title"/>
+          </p:nvPr>
+        </p:nvSpPr>
+        <p:spPr>
+          <a:xfrm>
+            <a:off x="504000" y="301320"/>
+            <a:ext cx="9071280" cy="1261800"/>
+          </a:xfrm>
+          <a:prstGeom prst="rect">
+            <a:avLst/>
+          </a:prstGeom>
+        </p:spPr>
+        <p:txBody>
+          <a:bodyPr lIns="0" rIns="0" tIns="0" bIns="0" anchor="ctr"/>
+          <a:p>
+            <a:pPr algn="ctr"/>
+            <a:endParaRPr b="0" lang="de-DE" sz="4400" spc="-1" strike="noStrike">
+              <a:solidFill>
+                <a:srgbClr val="000000"/>
+              </a:solidFill>
+              <a:uFill>
+                <a:solidFill>
+                  <a:srgbClr val="ffffff"/>
+                </a:solidFill>
+              </a:uFill>
+              <a:latin typeface="Arial"/>
+            </a:endParaRPr>
+          </a:p>
+        </p:txBody>
+      </p:sp>
+      <p:sp>
+        <p:nvSpPr>
+          <p:cNvPr id="41" name="PlaceHolder 2"/>
+          <p:cNvSpPr>
+            <a:spLocks noGrp="1"/>
+          </p:cNvSpPr>
+          <p:nvPr>
+            <p:ph type="body"/>
+          </p:nvPr>
+        </p:nvSpPr>
+        <p:spPr>
+          <a:xfrm>
+            <a:off x="504000" y="1769040"/>
+            <a:ext cx="9071280" cy="4384080"/>
+          </a:xfrm>
+          <a:prstGeom prst="rect">
+            <a:avLst/>
+          </a:prstGeom>
+        </p:spPr>
+        <p:txBody>
+          <a:bodyPr lIns="0" rIns="0" tIns="0" bIns="0"/>
+          <a:p>
+            <a:endParaRPr b="0" lang="de-DE" sz="3200" spc="-1" strike="noStrike">
+              <a:solidFill>
+                <a:srgbClr val="000000"/>
+              </a:solidFill>
+              <a:uFill>
+                <a:solidFill>
+                  <a:srgbClr val="ffffff"/>
+                </a:solidFill>
+              </a:uFill>
+              <a:latin typeface="Arial"/>
+            </a:endParaRPr>
+          </a:p>
+        </p:txBody>
+      </p:sp>
+    </p:spTree>
+  </p:cSld>
+</p:sldLayout>
+</file>
+
+<file path=ppt/slideLayouts/slideLayout16.xml><?xml version="1.0" encoding="utf-8"?>
+<p:sldLayout xmlns:a="http://schemas.openxmlformats.org/drawingml/2006/main" xmlns:p="http://schemas.openxmlformats.org/presentationml/2006/main" xmlns:r="http://schemas.openxmlformats.org/officeDocument/2006/relationships" xmlns:p14="http://schemas.microsoft.com/office/powerpoint/2010/main" xmlns:p15="http://schemas.microsoft.com/office/powerpoint/2012/main" xmlns:mc="http://schemas.openxmlformats.org/markup-compatibility/2006" type="twoObj" preserve="1">
+  <p:cSld name="Title, 2 Content">
+    <p:spTree>
+      <p:nvGrpSpPr>
+        <p:cNvPr id="1" name=""/>
+        <p:cNvGrpSpPr/>
+        <p:nvPr/>
+      </p:nvGrpSpPr>
+      <p:grpSpPr>
+        <a:xfrm>
+          <a:off x="0" y="0"/>
+          <a:ext cx="0" cy="0"/>
+          <a:chOff x="0" y="0"/>
+          <a:chExt cx="0" cy="0"/>
+        </a:xfrm>
+      </p:grpSpPr>
+      <p:sp>
+        <p:nvSpPr>
+          <p:cNvPr id="42" name="PlaceHolder 1"/>
+          <p:cNvSpPr>
+            <a:spLocks noGrp="1"/>
+          </p:cNvSpPr>
+          <p:nvPr>
+            <p:ph type="title"/>
+          </p:nvPr>
+        </p:nvSpPr>
+        <p:spPr>
+          <a:xfrm>
+            <a:off x="504000" y="301320"/>
+            <a:ext cx="9071280" cy="1261800"/>
+          </a:xfrm>
+          <a:prstGeom prst="rect">
+            <a:avLst/>
+          </a:prstGeom>
+        </p:spPr>
+        <p:txBody>
+          <a:bodyPr lIns="0" rIns="0" tIns="0" bIns="0" anchor="ctr"/>
+          <a:p>
+            <a:pPr algn="ctr"/>
+            <a:endParaRPr b="0" lang="de-DE" sz="4400" spc="-1" strike="noStrike">
+              <a:solidFill>
+                <a:srgbClr val="000000"/>
+              </a:solidFill>
+              <a:uFill>
+                <a:solidFill>
+                  <a:srgbClr val="ffffff"/>
+                </a:solidFill>
+              </a:uFill>
+              <a:latin typeface="Arial"/>
+            </a:endParaRPr>
+          </a:p>
+        </p:txBody>
+      </p:sp>
+      <p:sp>
+        <p:nvSpPr>
+          <p:cNvPr id="43" name="PlaceHolder 2"/>
+          <p:cNvSpPr>
+            <a:spLocks noGrp="1"/>
+          </p:cNvSpPr>
+          <p:nvPr>
+            <p:ph type="body"/>
+          </p:nvPr>
+        </p:nvSpPr>
+        <p:spPr>
+          <a:xfrm>
+            <a:off x="504000" y="1769040"/>
+            <a:ext cx="4426560" cy="4384080"/>
+          </a:xfrm>
+          <a:prstGeom prst="rect">
+            <a:avLst/>
+          </a:prstGeom>
+        </p:spPr>
+        <p:txBody>
+          <a:bodyPr lIns="0" rIns="0" tIns="0" bIns="0"/>
+          <a:p>
+            <a:endParaRPr b="0" lang="de-DE" sz="3200" spc="-1" strike="noStrike">
+              <a:solidFill>
+                <a:srgbClr val="000000"/>
+              </a:solidFill>
+              <a:uFill>
+                <a:solidFill>
+                  <a:srgbClr val="ffffff"/>
+                </a:solidFill>
+              </a:uFill>
+              <a:latin typeface="Arial"/>
+            </a:endParaRPr>
+          </a:p>
+        </p:txBody>
+      </p:sp>
+      <p:sp>
+        <p:nvSpPr>
+          <p:cNvPr id="44" name="PlaceHolder 3"/>
+          <p:cNvSpPr>
+            <a:spLocks noGrp="1"/>
+          </p:cNvSpPr>
+          <p:nvPr>
+            <p:ph type="body"/>
+          </p:nvPr>
+        </p:nvSpPr>
+        <p:spPr>
+          <a:xfrm>
+            <a:off x="5152320" y="1769040"/>
+            <a:ext cx="4426560" cy="4384080"/>
+          </a:xfrm>
+          <a:prstGeom prst="rect">
+            <a:avLst/>
+          </a:prstGeom>
+        </p:spPr>
+        <p:txBody>
+          <a:bodyPr lIns="0" rIns="0" tIns="0" bIns="0"/>
+          <a:p>
+            <a:endParaRPr b="0" lang="de-DE" sz="3200" spc="-1" strike="noStrike">
+              <a:solidFill>
+                <a:srgbClr val="000000"/>
+              </a:solidFill>
+              <a:uFill>
+                <a:solidFill>
+                  <a:srgbClr val="ffffff"/>
+                </a:solidFill>
+              </a:uFill>
+              <a:latin typeface="Arial"/>
+            </a:endParaRPr>
+          </a:p>
+        </p:txBody>
+      </p:sp>
+    </p:spTree>
+  </p:cSld>
+</p:sldLayout>
+</file>
+
+<file path=ppt/slideLayouts/slideLayout17.xml><?xml version="1.0" encoding="utf-8"?>
+<p:sldLayout xmlns:a="http://schemas.openxmlformats.org/drawingml/2006/main" xmlns:p="http://schemas.openxmlformats.org/presentationml/2006/main" xmlns:r="http://schemas.openxmlformats.org/officeDocument/2006/relationships" xmlns:p14="http://schemas.microsoft.com/office/powerpoint/2010/main" xmlns:p15="http://schemas.microsoft.com/office/powerpoint/2012/main" xmlns:mc="http://schemas.openxmlformats.org/markup-compatibility/2006" type="titleOnly" preserve="1">
+  <p:cSld name="Title Only">
+    <p:spTree>
+      <p:nvGrpSpPr>
+        <p:cNvPr id="1" name=""/>
+        <p:cNvGrpSpPr/>
+        <p:nvPr/>
+      </p:nvGrpSpPr>
+      <p:grpSpPr>
+        <a:xfrm>
+          <a:off x="0" y="0"/>
+          <a:ext cx="0" cy="0"/>
+          <a:chOff x="0" y="0"/>
+          <a:chExt cx="0" cy="0"/>
+        </a:xfrm>
+      </p:grpSpPr>
+      <p:sp>
+        <p:nvSpPr>
+          <p:cNvPr id="45" name="PlaceHolder 1"/>
+          <p:cNvSpPr>
+            <a:spLocks noGrp="1"/>
+          </p:cNvSpPr>
+          <p:nvPr>
+            <p:ph type="title"/>
+          </p:nvPr>
+        </p:nvSpPr>
+        <p:spPr>
+          <a:xfrm>
+            <a:off x="504000" y="301320"/>
+            <a:ext cx="9071280" cy="1261800"/>
+          </a:xfrm>
+          <a:prstGeom prst="rect">
+            <a:avLst/>
+          </a:prstGeom>
+        </p:spPr>
+        <p:txBody>
+          <a:bodyPr lIns="0" rIns="0" tIns="0" bIns="0" anchor="ctr"/>
+          <a:p>
+            <a:pPr algn="ctr"/>
+            <a:endParaRPr b="0" lang="de-DE" sz="4400" spc="-1" strike="noStrike">
+              <a:solidFill>
+                <a:srgbClr val="000000"/>
+              </a:solidFill>
+              <a:uFill>
+                <a:solidFill>
+                  <a:srgbClr val="ffffff"/>
+                </a:solidFill>
+              </a:uFill>
+              <a:latin typeface="Arial"/>
+            </a:endParaRPr>
+          </a:p>
+        </p:txBody>
+      </p:sp>
+    </p:spTree>
+  </p:cSld>
+</p:sldLayout>
+</file>
+
+<file path=ppt/slideLayouts/slideLayout18.xml><?xml version="1.0" encoding="utf-8"?>
+<p:sldLayout xmlns:a="http://schemas.openxmlformats.org/drawingml/2006/main" xmlns:p="http://schemas.openxmlformats.org/presentationml/2006/main" xmlns:r="http://schemas.openxmlformats.org/officeDocument/2006/relationships" xmlns:p14="http://schemas.microsoft.com/office/powerpoint/2010/main" xmlns:p15="http://schemas.microsoft.com/office/powerpoint/2012/main" xmlns:mc="http://schemas.openxmlformats.org/markup-compatibility/2006" type="objOnly" preserve="1">
+  <p:cSld name="Centered Text">
+    <p:spTree>
+      <p:nvGrpSpPr>
+        <p:cNvPr id="1" name=""/>
+        <p:cNvGrpSpPr/>
+        <p:nvPr/>
+      </p:nvGrpSpPr>
+      <p:grpSpPr>
+        <a:xfrm>
+          <a:off x="0" y="0"/>
+          <a:ext cx="0" cy="0"/>
+          <a:chOff x="0" y="0"/>
+          <a:chExt cx="0" cy="0"/>
+        </a:xfrm>
+      </p:grpSpPr>
+      <p:sp>
+        <p:nvSpPr>
+          <p:cNvPr id="46" name="PlaceHolder 1"/>
+          <p:cNvSpPr>
+            <a:spLocks noGrp="1"/>
+          </p:cNvSpPr>
+          <p:nvPr>
+            <p:ph type="subTitle"/>
+          </p:nvPr>
+        </p:nvSpPr>
+        <p:spPr>
+          <a:xfrm>
+            <a:off x="504000" y="301320"/>
+            <a:ext cx="9071280" cy="5850360"/>
+          </a:xfrm>
+          <a:prstGeom prst="rect">
+            <a:avLst/>
+          </a:prstGeom>
+        </p:spPr>
+        <p:txBody>
+          <a:bodyPr lIns="0" rIns="0" tIns="0" bIns="0" anchor="ctr"/>
+          <a:p>
+            <a:pPr algn="ctr"/>
+            <a:endParaRPr b="0" lang="de-DE" sz="3200" spc="-1" strike="noStrike">
+              <a:solidFill>
+                <a:srgbClr val="000000"/>
+              </a:solidFill>
+              <a:uFill>
+                <a:solidFill>
+                  <a:srgbClr val="ffffff"/>
+                </a:solidFill>
+              </a:uFill>
+              <a:latin typeface="Arial"/>
+            </a:endParaRPr>
+          </a:p>
+        </p:txBody>
+      </p:sp>
+    </p:spTree>
+  </p:cSld>
+</p:sldLayout>
+</file>
+
+<file path=ppt/slideLayouts/slideLayout19.xml><?xml version="1.0" encoding="utf-8"?>
+<p:sldLayout xmlns:a="http://schemas.openxmlformats.org/drawingml/2006/main" xmlns:p="http://schemas.openxmlformats.org/presentationml/2006/main" xmlns:r="http://schemas.openxmlformats.org/officeDocument/2006/relationships" xmlns:p14="http://schemas.microsoft.com/office/powerpoint/2010/main" xmlns:p15="http://schemas.microsoft.com/office/powerpoint/2012/main" xmlns:mc="http://schemas.openxmlformats.org/markup-compatibility/2006" type="twoObjAndObj" preserve="1">
+  <p:cSld name="Title, 2 Content and Content">
+    <p:spTree>
+      <p:nvGrpSpPr>
+        <p:cNvPr id="1" name=""/>
+        <p:cNvGrpSpPr/>
+        <p:nvPr/>
+      </p:nvGrpSpPr>
+      <p:grpSpPr>
+        <a:xfrm>
+          <a:off x="0" y="0"/>
+          <a:ext cx="0" cy="0"/>
+          <a:chOff x="0" y="0"/>
+          <a:chExt cx="0" cy="0"/>
+        </a:xfrm>
+      </p:grpSpPr>
+      <p:sp>
+        <p:nvSpPr>
+          <p:cNvPr id="47" name="PlaceHolder 1"/>
+          <p:cNvSpPr>
+            <a:spLocks noGrp="1"/>
+          </p:cNvSpPr>
+          <p:nvPr>
+            <p:ph type="title"/>
+          </p:nvPr>
+        </p:nvSpPr>
+        <p:spPr>
+          <a:xfrm>
+            <a:off x="504000" y="301320"/>
+            <a:ext cx="9071280" cy="1261800"/>
+          </a:xfrm>
+          <a:prstGeom prst="rect">
+            <a:avLst/>
+          </a:prstGeom>
+        </p:spPr>
+        <p:txBody>
+          <a:bodyPr lIns="0" rIns="0" tIns="0" bIns="0" anchor="ctr"/>
+          <a:p>
+            <a:pPr algn="ctr"/>
+            <a:endParaRPr b="0" lang="de-DE" sz="4400" spc="-1" strike="noStrike">
+              <a:solidFill>
+                <a:srgbClr val="000000"/>
+              </a:solidFill>
+              <a:uFill>
+                <a:solidFill>
+                  <a:srgbClr val="ffffff"/>
+                </a:solidFill>
+              </a:uFill>
+              <a:latin typeface="Arial"/>
+            </a:endParaRPr>
+          </a:p>
+        </p:txBody>
+      </p:sp>
+      <p:sp>
+        <p:nvSpPr>
+          <p:cNvPr id="48" name="PlaceHolder 2"/>
+          <p:cNvSpPr>
+            <a:spLocks noGrp="1"/>
+          </p:cNvSpPr>
+          <p:nvPr>
+            <p:ph type="body"/>
+          </p:nvPr>
+        </p:nvSpPr>
+        <p:spPr>
+          <a:xfrm>
+            <a:off x="504000" y="1769040"/>
+            <a:ext cx="4426560" cy="2090880"/>
+          </a:xfrm>
+          <a:prstGeom prst="rect">
+            <a:avLst/>
+          </a:prstGeom>
+        </p:spPr>
+        <p:txBody>
+          <a:bodyPr lIns="0" rIns="0" tIns="0" bIns="0"/>
+          <a:p>
+            <a:endParaRPr b="0" lang="de-DE" sz="3200" spc="-1" strike="noStrike">
+              <a:solidFill>
+                <a:srgbClr val="000000"/>
+              </a:solidFill>
+              <a:uFill>
+                <a:solidFill>
+                  <a:srgbClr val="ffffff"/>
+                </a:solidFill>
+              </a:uFill>
+              <a:latin typeface="Arial"/>
+            </a:endParaRPr>
+          </a:p>
+        </p:txBody>
+      </p:sp>
+      <p:sp>
+        <p:nvSpPr>
+          <p:cNvPr id="49" name="PlaceHolder 3"/>
+          <p:cNvSpPr>
+            <a:spLocks noGrp="1"/>
+          </p:cNvSpPr>
+          <p:nvPr>
+            <p:ph type="body"/>
+          </p:nvPr>
+        </p:nvSpPr>
+        <p:spPr>
+          <a:xfrm>
+            <a:off x="504000" y="4059000"/>
+            <a:ext cx="4426560" cy="2090880"/>
+          </a:xfrm>
+          <a:prstGeom prst="rect">
+            <a:avLst/>
+          </a:prstGeom>
+        </p:spPr>
+        <p:txBody>
+          <a:bodyPr lIns="0" rIns="0" tIns="0" bIns="0"/>
+          <a:p>
+            <a:endParaRPr b="0" lang="de-DE" sz="3200" spc="-1" strike="noStrike">
+              <a:solidFill>
+                <a:srgbClr val="000000"/>
+              </a:solidFill>
+              <a:uFill>
+                <a:solidFill>
+                  <a:srgbClr val="ffffff"/>
+                </a:solidFill>
+              </a:uFill>
+              <a:latin typeface="Arial"/>
+            </a:endParaRPr>
+          </a:p>
+        </p:txBody>
+      </p:sp>
+      <p:sp>
+        <p:nvSpPr>
+          <p:cNvPr id="50" name="PlaceHolder 4"/>
+          <p:cNvSpPr>
+            <a:spLocks noGrp="1"/>
+          </p:cNvSpPr>
+          <p:nvPr>
+            <p:ph type="body"/>
+          </p:nvPr>
+        </p:nvSpPr>
+        <p:spPr>
+          <a:xfrm>
+            <a:off x="5152320" y="1769040"/>
+            <a:ext cx="4426560" cy="4384080"/>
+          </a:xfrm>
+          <a:prstGeom prst="rect">
+            <a:avLst/>
+          </a:prstGeom>
+        </p:spPr>
+        <p:txBody>
+          <a:bodyPr lIns="0" rIns="0" tIns="0" bIns="0"/>
+          <a:p>
+            <a:endParaRPr b="0" lang="de-DE" sz="3200" spc="-1" strike="noStrike">
+              <a:solidFill>
+                <a:srgbClr val="000000"/>
+              </a:solidFill>
+              <a:uFill>
+                <a:solidFill>
+                  <a:srgbClr val="ffffff"/>
+                </a:solidFill>
+              </a:uFill>
+              <a:latin typeface="Arial"/>
+            </a:endParaRPr>
+          </a:p>
+        </p:txBody>
+      </p:sp>
     </p:spTree>
   </p:cSld>
 </p:sldLayout>
@@ -577,7 +1207,7 @@
       </p:grpSpPr>
       <p:sp>
         <p:nvSpPr>
-          <p:cNvPr id="5" name="PlaceHolder 1"/>
+          <p:cNvPr id="2" name="PlaceHolder 1"/>
           <p:cNvSpPr>
             <a:spLocks noGrp="1"/>
           </p:cNvSpPr>
@@ -588,7 +1218,7 @@
         <p:spPr>
           <a:xfrm>
             <a:off x="504000" y="301320"/>
-            <a:ext cx="9071640" cy="1262160"/>
+            <a:ext cx="9071280" cy="1261800"/>
           </a:xfrm>
           <a:prstGeom prst="rect">
             <a:avLst/>
@@ -614,7 +1244,7 @@
       </p:sp>
       <p:sp>
         <p:nvSpPr>
-          <p:cNvPr id="6" name="PlaceHolder 2"/>
+          <p:cNvPr id="3" name="PlaceHolder 2"/>
           <p:cNvSpPr>
             <a:spLocks noGrp="1"/>
           </p:cNvSpPr>
@@ -625,7 +1255,7 @@
         <p:spPr>
           <a:xfrm>
             <a:off x="504000" y="1769040"/>
-            <a:ext cx="9071640" cy="4384440"/>
+            <a:ext cx="9071280" cy="4384080"/>
           </a:xfrm>
           <a:prstGeom prst="rect">
             <a:avLst/>
@@ -649,6 +1279,851 @@
           </a:p>
         </p:txBody>
       </p:sp>
+    </p:spTree>
+  </p:cSld>
+</p:sldLayout>
+</file>
+
+<file path=ppt/slideLayouts/slideLayout20.xml><?xml version="1.0" encoding="utf-8"?>
+<p:sldLayout xmlns:a="http://schemas.openxmlformats.org/drawingml/2006/main" xmlns:p="http://schemas.openxmlformats.org/presentationml/2006/main" xmlns:r="http://schemas.openxmlformats.org/officeDocument/2006/relationships" xmlns:p14="http://schemas.microsoft.com/office/powerpoint/2010/main" xmlns:p15="http://schemas.microsoft.com/office/powerpoint/2012/main" xmlns:mc="http://schemas.openxmlformats.org/markup-compatibility/2006" type="objAndTwoObj" preserve="1">
+  <p:cSld name="Title Content and 2 Content">
+    <p:spTree>
+      <p:nvGrpSpPr>
+        <p:cNvPr id="1" name=""/>
+        <p:cNvGrpSpPr/>
+        <p:nvPr/>
+      </p:nvGrpSpPr>
+      <p:grpSpPr>
+        <a:xfrm>
+          <a:off x="0" y="0"/>
+          <a:ext cx="0" cy="0"/>
+          <a:chOff x="0" y="0"/>
+          <a:chExt cx="0" cy="0"/>
+        </a:xfrm>
+      </p:grpSpPr>
+      <p:sp>
+        <p:nvSpPr>
+          <p:cNvPr id="51" name="PlaceHolder 1"/>
+          <p:cNvSpPr>
+            <a:spLocks noGrp="1"/>
+          </p:cNvSpPr>
+          <p:nvPr>
+            <p:ph type="title"/>
+          </p:nvPr>
+        </p:nvSpPr>
+        <p:spPr>
+          <a:xfrm>
+            <a:off x="504000" y="301320"/>
+            <a:ext cx="9071280" cy="1261800"/>
+          </a:xfrm>
+          <a:prstGeom prst="rect">
+            <a:avLst/>
+          </a:prstGeom>
+        </p:spPr>
+        <p:txBody>
+          <a:bodyPr lIns="0" rIns="0" tIns="0" bIns="0" anchor="ctr"/>
+          <a:p>
+            <a:pPr algn="ctr"/>
+            <a:endParaRPr b="0" lang="de-DE" sz="4400" spc="-1" strike="noStrike">
+              <a:solidFill>
+                <a:srgbClr val="000000"/>
+              </a:solidFill>
+              <a:uFill>
+                <a:solidFill>
+                  <a:srgbClr val="ffffff"/>
+                </a:solidFill>
+              </a:uFill>
+              <a:latin typeface="Arial"/>
+            </a:endParaRPr>
+          </a:p>
+        </p:txBody>
+      </p:sp>
+      <p:sp>
+        <p:nvSpPr>
+          <p:cNvPr id="52" name="PlaceHolder 2"/>
+          <p:cNvSpPr>
+            <a:spLocks noGrp="1"/>
+          </p:cNvSpPr>
+          <p:nvPr>
+            <p:ph type="body"/>
+          </p:nvPr>
+        </p:nvSpPr>
+        <p:spPr>
+          <a:xfrm>
+            <a:off x="504000" y="1769040"/>
+            <a:ext cx="4426560" cy="4384080"/>
+          </a:xfrm>
+          <a:prstGeom prst="rect">
+            <a:avLst/>
+          </a:prstGeom>
+        </p:spPr>
+        <p:txBody>
+          <a:bodyPr lIns="0" rIns="0" tIns="0" bIns="0"/>
+          <a:p>
+            <a:endParaRPr b="0" lang="de-DE" sz="3200" spc="-1" strike="noStrike">
+              <a:solidFill>
+                <a:srgbClr val="000000"/>
+              </a:solidFill>
+              <a:uFill>
+                <a:solidFill>
+                  <a:srgbClr val="ffffff"/>
+                </a:solidFill>
+              </a:uFill>
+              <a:latin typeface="Arial"/>
+            </a:endParaRPr>
+          </a:p>
+        </p:txBody>
+      </p:sp>
+      <p:sp>
+        <p:nvSpPr>
+          <p:cNvPr id="53" name="PlaceHolder 3"/>
+          <p:cNvSpPr>
+            <a:spLocks noGrp="1"/>
+          </p:cNvSpPr>
+          <p:nvPr>
+            <p:ph type="body"/>
+          </p:nvPr>
+        </p:nvSpPr>
+        <p:spPr>
+          <a:xfrm>
+            <a:off x="5152320" y="1769040"/>
+            <a:ext cx="4426560" cy="2090880"/>
+          </a:xfrm>
+          <a:prstGeom prst="rect">
+            <a:avLst/>
+          </a:prstGeom>
+        </p:spPr>
+        <p:txBody>
+          <a:bodyPr lIns="0" rIns="0" tIns="0" bIns="0"/>
+          <a:p>
+            <a:endParaRPr b="0" lang="de-DE" sz="3200" spc="-1" strike="noStrike">
+              <a:solidFill>
+                <a:srgbClr val="000000"/>
+              </a:solidFill>
+              <a:uFill>
+                <a:solidFill>
+                  <a:srgbClr val="ffffff"/>
+                </a:solidFill>
+              </a:uFill>
+              <a:latin typeface="Arial"/>
+            </a:endParaRPr>
+          </a:p>
+        </p:txBody>
+      </p:sp>
+      <p:sp>
+        <p:nvSpPr>
+          <p:cNvPr id="54" name="PlaceHolder 4"/>
+          <p:cNvSpPr>
+            <a:spLocks noGrp="1"/>
+          </p:cNvSpPr>
+          <p:nvPr>
+            <p:ph type="body"/>
+          </p:nvPr>
+        </p:nvSpPr>
+        <p:spPr>
+          <a:xfrm>
+            <a:off x="5152320" y="4059000"/>
+            <a:ext cx="4426560" cy="2090880"/>
+          </a:xfrm>
+          <a:prstGeom prst="rect">
+            <a:avLst/>
+          </a:prstGeom>
+        </p:spPr>
+        <p:txBody>
+          <a:bodyPr lIns="0" rIns="0" tIns="0" bIns="0"/>
+          <a:p>
+            <a:endParaRPr b="0" lang="de-DE" sz="3200" spc="-1" strike="noStrike">
+              <a:solidFill>
+                <a:srgbClr val="000000"/>
+              </a:solidFill>
+              <a:uFill>
+                <a:solidFill>
+                  <a:srgbClr val="ffffff"/>
+                </a:solidFill>
+              </a:uFill>
+              <a:latin typeface="Arial"/>
+            </a:endParaRPr>
+          </a:p>
+        </p:txBody>
+      </p:sp>
+    </p:spTree>
+  </p:cSld>
+</p:sldLayout>
+</file>
+
+<file path=ppt/slideLayouts/slideLayout21.xml><?xml version="1.0" encoding="utf-8"?>
+<p:sldLayout xmlns:a="http://schemas.openxmlformats.org/drawingml/2006/main" xmlns:p="http://schemas.openxmlformats.org/presentationml/2006/main" xmlns:r="http://schemas.openxmlformats.org/officeDocument/2006/relationships" xmlns:p14="http://schemas.microsoft.com/office/powerpoint/2010/main" xmlns:p15="http://schemas.microsoft.com/office/powerpoint/2012/main" xmlns:mc="http://schemas.openxmlformats.org/markup-compatibility/2006" type="twoObjOverTx" preserve="1">
+  <p:cSld name="Title, 2 Content over Content">
+    <p:spTree>
+      <p:nvGrpSpPr>
+        <p:cNvPr id="1" name=""/>
+        <p:cNvGrpSpPr/>
+        <p:nvPr/>
+      </p:nvGrpSpPr>
+      <p:grpSpPr>
+        <a:xfrm>
+          <a:off x="0" y="0"/>
+          <a:ext cx="0" cy="0"/>
+          <a:chOff x="0" y="0"/>
+          <a:chExt cx="0" cy="0"/>
+        </a:xfrm>
+      </p:grpSpPr>
+      <p:sp>
+        <p:nvSpPr>
+          <p:cNvPr id="55" name="PlaceHolder 1"/>
+          <p:cNvSpPr>
+            <a:spLocks noGrp="1"/>
+          </p:cNvSpPr>
+          <p:nvPr>
+            <p:ph type="title"/>
+          </p:nvPr>
+        </p:nvSpPr>
+        <p:spPr>
+          <a:xfrm>
+            <a:off x="504000" y="301320"/>
+            <a:ext cx="9071280" cy="1261800"/>
+          </a:xfrm>
+          <a:prstGeom prst="rect">
+            <a:avLst/>
+          </a:prstGeom>
+        </p:spPr>
+        <p:txBody>
+          <a:bodyPr lIns="0" rIns="0" tIns="0" bIns="0" anchor="ctr"/>
+          <a:p>
+            <a:pPr algn="ctr"/>
+            <a:endParaRPr b="0" lang="de-DE" sz="4400" spc="-1" strike="noStrike">
+              <a:solidFill>
+                <a:srgbClr val="000000"/>
+              </a:solidFill>
+              <a:uFill>
+                <a:solidFill>
+                  <a:srgbClr val="ffffff"/>
+                </a:solidFill>
+              </a:uFill>
+              <a:latin typeface="Arial"/>
+            </a:endParaRPr>
+          </a:p>
+        </p:txBody>
+      </p:sp>
+      <p:sp>
+        <p:nvSpPr>
+          <p:cNvPr id="56" name="PlaceHolder 2"/>
+          <p:cNvSpPr>
+            <a:spLocks noGrp="1"/>
+          </p:cNvSpPr>
+          <p:nvPr>
+            <p:ph type="body"/>
+          </p:nvPr>
+        </p:nvSpPr>
+        <p:spPr>
+          <a:xfrm>
+            <a:off x="504000" y="1769040"/>
+            <a:ext cx="4426560" cy="2090880"/>
+          </a:xfrm>
+          <a:prstGeom prst="rect">
+            <a:avLst/>
+          </a:prstGeom>
+        </p:spPr>
+        <p:txBody>
+          <a:bodyPr lIns="0" rIns="0" tIns="0" bIns="0"/>
+          <a:p>
+            <a:endParaRPr b="0" lang="de-DE" sz="3200" spc="-1" strike="noStrike">
+              <a:solidFill>
+                <a:srgbClr val="000000"/>
+              </a:solidFill>
+              <a:uFill>
+                <a:solidFill>
+                  <a:srgbClr val="ffffff"/>
+                </a:solidFill>
+              </a:uFill>
+              <a:latin typeface="Arial"/>
+            </a:endParaRPr>
+          </a:p>
+        </p:txBody>
+      </p:sp>
+      <p:sp>
+        <p:nvSpPr>
+          <p:cNvPr id="57" name="PlaceHolder 3"/>
+          <p:cNvSpPr>
+            <a:spLocks noGrp="1"/>
+          </p:cNvSpPr>
+          <p:nvPr>
+            <p:ph type="body"/>
+          </p:nvPr>
+        </p:nvSpPr>
+        <p:spPr>
+          <a:xfrm>
+            <a:off x="5152320" y="1769040"/>
+            <a:ext cx="4426560" cy="2090880"/>
+          </a:xfrm>
+          <a:prstGeom prst="rect">
+            <a:avLst/>
+          </a:prstGeom>
+        </p:spPr>
+        <p:txBody>
+          <a:bodyPr lIns="0" rIns="0" tIns="0" bIns="0"/>
+          <a:p>
+            <a:endParaRPr b="0" lang="de-DE" sz="3200" spc="-1" strike="noStrike">
+              <a:solidFill>
+                <a:srgbClr val="000000"/>
+              </a:solidFill>
+              <a:uFill>
+                <a:solidFill>
+                  <a:srgbClr val="ffffff"/>
+                </a:solidFill>
+              </a:uFill>
+              <a:latin typeface="Arial"/>
+            </a:endParaRPr>
+          </a:p>
+        </p:txBody>
+      </p:sp>
+      <p:sp>
+        <p:nvSpPr>
+          <p:cNvPr id="58" name="PlaceHolder 4"/>
+          <p:cNvSpPr>
+            <a:spLocks noGrp="1"/>
+          </p:cNvSpPr>
+          <p:nvPr>
+            <p:ph type="body"/>
+          </p:nvPr>
+        </p:nvSpPr>
+        <p:spPr>
+          <a:xfrm>
+            <a:off x="504000" y="4059000"/>
+            <a:ext cx="9071280" cy="2090880"/>
+          </a:xfrm>
+          <a:prstGeom prst="rect">
+            <a:avLst/>
+          </a:prstGeom>
+        </p:spPr>
+        <p:txBody>
+          <a:bodyPr lIns="0" rIns="0" tIns="0" bIns="0"/>
+          <a:p>
+            <a:endParaRPr b="0" lang="de-DE" sz="3200" spc="-1" strike="noStrike">
+              <a:solidFill>
+                <a:srgbClr val="000000"/>
+              </a:solidFill>
+              <a:uFill>
+                <a:solidFill>
+                  <a:srgbClr val="ffffff"/>
+                </a:solidFill>
+              </a:uFill>
+              <a:latin typeface="Arial"/>
+            </a:endParaRPr>
+          </a:p>
+        </p:txBody>
+      </p:sp>
+    </p:spTree>
+  </p:cSld>
+</p:sldLayout>
+</file>
+
+<file path=ppt/slideLayouts/slideLayout22.xml><?xml version="1.0" encoding="utf-8"?>
+<p:sldLayout xmlns:a="http://schemas.openxmlformats.org/drawingml/2006/main" xmlns:p="http://schemas.openxmlformats.org/presentationml/2006/main" xmlns:r="http://schemas.openxmlformats.org/officeDocument/2006/relationships" xmlns:p14="http://schemas.microsoft.com/office/powerpoint/2010/main" xmlns:p15="http://schemas.microsoft.com/office/powerpoint/2012/main" xmlns:mc="http://schemas.openxmlformats.org/markup-compatibility/2006" type="objOverTx" preserve="1">
+  <p:cSld name="Title, Content over Content">
+    <p:spTree>
+      <p:nvGrpSpPr>
+        <p:cNvPr id="1" name=""/>
+        <p:cNvGrpSpPr/>
+        <p:nvPr/>
+      </p:nvGrpSpPr>
+      <p:grpSpPr>
+        <a:xfrm>
+          <a:off x="0" y="0"/>
+          <a:ext cx="0" cy="0"/>
+          <a:chOff x="0" y="0"/>
+          <a:chExt cx="0" cy="0"/>
+        </a:xfrm>
+      </p:grpSpPr>
+      <p:sp>
+        <p:nvSpPr>
+          <p:cNvPr id="59" name="PlaceHolder 1"/>
+          <p:cNvSpPr>
+            <a:spLocks noGrp="1"/>
+          </p:cNvSpPr>
+          <p:nvPr>
+            <p:ph type="title"/>
+          </p:nvPr>
+        </p:nvSpPr>
+        <p:spPr>
+          <a:xfrm>
+            <a:off x="504000" y="301320"/>
+            <a:ext cx="9071280" cy="1261800"/>
+          </a:xfrm>
+          <a:prstGeom prst="rect">
+            <a:avLst/>
+          </a:prstGeom>
+        </p:spPr>
+        <p:txBody>
+          <a:bodyPr lIns="0" rIns="0" tIns="0" bIns="0" anchor="ctr"/>
+          <a:p>
+            <a:pPr algn="ctr"/>
+            <a:endParaRPr b="0" lang="de-DE" sz="4400" spc="-1" strike="noStrike">
+              <a:solidFill>
+                <a:srgbClr val="000000"/>
+              </a:solidFill>
+              <a:uFill>
+                <a:solidFill>
+                  <a:srgbClr val="ffffff"/>
+                </a:solidFill>
+              </a:uFill>
+              <a:latin typeface="Arial"/>
+            </a:endParaRPr>
+          </a:p>
+        </p:txBody>
+      </p:sp>
+      <p:sp>
+        <p:nvSpPr>
+          <p:cNvPr id="60" name="PlaceHolder 2"/>
+          <p:cNvSpPr>
+            <a:spLocks noGrp="1"/>
+          </p:cNvSpPr>
+          <p:nvPr>
+            <p:ph type="body"/>
+          </p:nvPr>
+        </p:nvSpPr>
+        <p:spPr>
+          <a:xfrm>
+            <a:off x="504000" y="1769040"/>
+            <a:ext cx="9071280" cy="2090880"/>
+          </a:xfrm>
+          <a:prstGeom prst="rect">
+            <a:avLst/>
+          </a:prstGeom>
+        </p:spPr>
+        <p:txBody>
+          <a:bodyPr lIns="0" rIns="0" tIns="0" bIns="0"/>
+          <a:p>
+            <a:endParaRPr b="0" lang="de-DE" sz="3200" spc="-1" strike="noStrike">
+              <a:solidFill>
+                <a:srgbClr val="000000"/>
+              </a:solidFill>
+              <a:uFill>
+                <a:solidFill>
+                  <a:srgbClr val="ffffff"/>
+                </a:solidFill>
+              </a:uFill>
+              <a:latin typeface="Arial"/>
+            </a:endParaRPr>
+          </a:p>
+        </p:txBody>
+      </p:sp>
+      <p:sp>
+        <p:nvSpPr>
+          <p:cNvPr id="61" name="PlaceHolder 3"/>
+          <p:cNvSpPr>
+            <a:spLocks noGrp="1"/>
+          </p:cNvSpPr>
+          <p:nvPr>
+            <p:ph type="body"/>
+          </p:nvPr>
+        </p:nvSpPr>
+        <p:spPr>
+          <a:xfrm>
+            <a:off x="504000" y="4059000"/>
+            <a:ext cx="9071280" cy="2090880"/>
+          </a:xfrm>
+          <a:prstGeom prst="rect">
+            <a:avLst/>
+          </a:prstGeom>
+        </p:spPr>
+        <p:txBody>
+          <a:bodyPr lIns="0" rIns="0" tIns="0" bIns="0"/>
+          <a:p>
+            <a:endParaRPr b="0" lang="de-DE" sz="3200" spc="-1" strike="noStrike">
+              <a:solidFill>
+                <a:srgbClr val="000000"/>
+              </a:solidFill>
+              <a:uFill>
+                <a:solidFill>
+                  <a:srgbClr val="ffffff"/>
+                </a:solidFill>
+              </a:uFill>
+              <a:latin typeface="Arial"/>
+            </a:endParaRPr>
+          </a:p>
+        </p:txBody>
+      </p:sp>
+    </p:spTree>
+  </p:cSld>
+</p:sldLayout>
+</file>
+
+<file path=ppt/slideLayouts/slideLayout23.xml><?xml version="1.0" encoding="utf-8"?>
+<p:sldLayout xmlns:a="http://schemas.openxmlformats.org/drawingml/2006/main" xmlns:p="http://schemas.openxmlformats.org/presentationml/2006/main" xmlns:r="http://schemas.openxmlformats.org/officeDocument/2006/relationships" xmlns:p14="http://schemas.microsoft.com/office/powerpoint/2010/main" xmlns:p15="http://schemas.microsoft.com/office/powerpoint/2012/main" xmlns:mc="http://schemas.openxmlformats.org/markup-compatibility/2006" type="fourObj" preserve="1">
+  <p:cSld name="Title, 4 Content">
+    <p:spTree>
+      <p:nvGrpSpPr>
+        <p:cNvPr id="1" name=""/>
+        <p:cNvGrpSpPr/>
+        <p:nvPr/>
+      </p:nvGrpSpPr>
+      <p:grpSpPr>
+        <a:xfrm>
+          <a:off x="0" y="0"/>
+          <a:ext cx="0" cy="0"/>
+          <a:chOff x="0" y="0"/>
+          <a:chExt cx="0" cy="0"/>
+        </a:xfrm>
+      </p:grpSpPr>
+      <p:sp>
+        <p:nvSpPr>
+          <p:cNvPr id="62" name="PlaceHolder 1"/>
+          <p:cNvSpPr>
+            <a:spLocks noGrp="1"/>
+          </p:cNvSpPr>
+          <p:nvPr>
+            <p:ph type="title"/>
+          </p:nvPr>
+        </p:nvSpPr>
+        <p:spPr>
+          <a:xfrm>
+            <a:off x="504000" y="301320"/>
+            <a:ext cx="9071280" cy="1261800"/>
+          </a:xfrm>
+          <a:prstGeom prst="rect">
+            <a:avLst/>
+          </a:prstGeom>
+        </p:spPr>
+        <p:txBody>
+          <a:bodyPr lIns="0" rIns="0" tIns="0" bIns="0" anchor="ctr"/>
+          <a:p>
+            <a:pPr algn="ctr"/>
+            <a:endParaRPr b="0" lang="de-DE" sz="4400" spc="-1" strike="noStrike">
+              <a:solidFill>
+                <a:srgbClr val="000000"/>
+              </a:solidFill>
+              <a:uFill>
+                <a:solidFill>
+                  <a:srgbClr val="ffffff"/>
+                </a:solidFill>
+              </a:uFill>
+              <a:latin typeface="Arial"/>
+            </a:endParaRPr>
+          </a:p>
+        </p:txBody>
+      </p:sp>
+      <p:sp>
+        <p:nvSpPr>
+          <p:cNvPr id="63" name="PlaceHolder 2"/>
+          <p:cNvSpPr>
+            <a:spLocks noGrp="1"/>
+          </p:cNvSpPr>
+          <p:nvPr>
+            <p:ph type="body"/>
+          </p:nvPr>
+        </p:nvSpPr>
+        <p:spPr>
+          <a:xfrm>
+            <a:off x="504000" y="1769040"/>
+            <a:ext cx="4426560" cy="2090880"/>
+          </a:xfrm>
+          <a:prstGeom prst="rect">
+            <a:avLst/>
+          </a:prstGeom>
+        </p:spPr>
+        <p:txBody>
+          <a:bodyPr lIns="0" rIns="0" tIns="0" bIns="0"/>
+          <a:p>
+            <a:endParaRPr b="0" lang="de-DE" sz="3200" spc="-1" strike="noStrike">
+              <a:solidFill>
+                <a:srgbClr val="000000"/>
+              </a:solidFill>
+              <a:uFill>
+                <a:solidFill>
+                  <a:srgbClr val="ffffff"/>
+                </a:solidFill>
+              </a:uFill>
+              <a:latin typeface="Arial"/>
+            </a:endParaRPr>
+          </a:p>
+        </p:txBody>
+      </p:sp>
+      <p:sp>
+        <p:nvSpPr>
+          <p:cNvPr id="64" name="PlaceHolder 3"/>
+          <p:cNvSpPr>
+            <a:spLocks noGrp="1"/>
+          </p:cNvSpPr>
+          <p:nvPr>
+            <p:ph type="body"/>
+          </p:nvPr>
+        </p:nvSpPr>
+        <p:spPr>
+          <a:xfrm>
+            <a:off x="5152320" y="1769040"/>
+            <a:ext cx="4426560" cy="2090880"/>
+          </a:xfrm>
+          <a:prstGeom prst="rect">
+            <a:avLst/>
+          </a:prstGeom>
+        </p:spPr>
+        <p:txBody>
+          <a:bodyPr lIns="0" rIns="0" tIns="0" bIns="0"/>
+          <a:p>
+            <a:endParaRPr b="0" lang="de-DE" sz="3200" spc="-1" strike="noStrike">
+              <a:solidFill>
+                <a:srgbClr val="000000"/>
+              </a:solidFill>
+              <a:uFill>
+                <a:solidFill>
+                  <a:srgbClr val="ffffff"/>
+                </a:solidFill>
+              </a:uFill>
+              <a:latin typeface="Arial"/>
+            </a:endParaRPr>
+          </a:p>
+        </p:txBody>
+      </p:sp>
+      <p:sp>
+        <p:nvSpPr>
+          <p:cNvPr id="65" name="PlaceHolder 4"/>
+          <p:cNvSpPr>
+            <a:spLocks noGrp="1"/>
+          </p:cNvSpPr>
+          <p:nvPr>
+            <p:ph type="body"/>
+          </p:nvPr>
+        </p:nvSpPr>
+        <p:spPr>
+          <a:xfrm>
+            <a:off x="5152320" y="4059000"/>
+            <a:ext cx="4426560" cy="2090880"/>
+          </a:xfrm>
+          <a:prstGeom prst="rect">
+            <a:avLst/>
+          </a:prstGeom>
+        </p:spPr>
+        <p:txBody>
+          <a:bodyPr lIns="0" rIns="0" tIns="0" bIns="0"/>
+          <a:p>
+            <a:endParaRPr b="0" lang="de-DE" sz="3200" spc="-1" strike="noStrike">
+              <a:solidFill>
+                <a:srgbClr val="000000"/>
+              </a:solidFill>
+              <a:uFill>
+                <a:solidFill>
+                  <a:srgbClr val="ffffff"/>
+                </a:solidFill>
+              </a:uFill>
+              <a:latin typeface="Arial"/>
+            </a:endParaRPr>
+          </a:p>
+        </p:txBody>
+      </p:sp>
+      <p:sp>
+        <p:nvSpPr>
+          <p:cNvPr id="66" name="PlaceHolder 5"/>
+          <p:cNvSpPr>
+            <a:spLocks noGrp="1"/>
+          </p:cNvSpPr>
+          <p:nvPr>
+            <p:ph type="body"/>
+          </p:nvPr>
+        </p:nvSpPr>
+        <p:spPr>
+          <a:xfrm>
+            <a:off x="504000" y="4059000"/>
+            <a:ext cx="4426560" cy="2090880"/>
+          </a:xfrm>
+          <a:prstGeom prst="rect">
+            <a:avLst/>
+          </a:prstGeom>
+        </p:spPr>
+        <p:txBody>
+          <a:bodyPr lIns="0" rIns="0" tIns="0" bIns="0"/>
+          <a:p>
+            <a:endParaRPr b="0" lang="de-DE" sz="3200" spc="-1" strike="noStrike">
+              <a:solidFill>
+                <a:srgbClr val="000000"/>
+              </a:solidFill>
+              <a:uFill>
+                <a:solidFill>
+                  <a:srgbClr val="ffffff"/>
+                </a:solidFill>
+              </a:uFill>
+              <a:latin typeface="Arial"/>
+            </a:endParaRPr>
+          </a:p>
+        </p:txBody>
+      </p:sp>
+    </p:spTree>
+  </p:cSld>
+</p:sldLayout>
+</file>
+
+<file path=ppt/slideLayouts/slideLayout24.xml><?xml version="1.0" encoding="utf-8"?>
+<p:sldLayout xmlns:a="http://schemas.openxmlformats.org/drawingml/2006/main" xmlns:p="http://schemas.openxmlformats.org/presentationml/2006/main" xmlns:r="http://schemas.openxmlformats.org/officeDocument/2006/relationships" xmlns:p14="http://schemas.microsoft.com/office/powerpoint/2010/main" xmlns:p15="http://schemas.microsoft.com/office/powerpoint/2012/main" xmlns:mc="http://schemas.openxmlformats.org/markup-compatibility/2006" type="blank" preserve="1">
+  <p:cSld name="Title, 6 Content">
+    <p:spTree>
+      <p:nvGrpSpPr>
+        <p:cNvPr id="1" name=""/>
+        <p:cNvGrpSpPr/>
+        <p:nvPr/>
+      </p:nvGrpSpPr>
+      <p:grpSpPr>
+        <a:xfrm>
+          <a:off x="0" y="0"/>
+          <a:ext cx="0" cy="0"/>
+          <a:chOff x="0" y="0"/>
+          <a:chExt cx="0" cy="0"/>
+        </a:xfrm>
+      </p:grpSpPr>
+      <p:sp>
+        <p:nvSpPr>
+          <p:cNvPr id="67" name="PlaceHolder 1"/>
+          <p:cNvSpPr>
+            <a:spLocks noGrp="1"/>
+          </p:cNvSpPr>
+          <p:nvPr>
+            <p:ph type="title"/>
+          </p:nvPr>
+        </p:nvSpPr>
+        <p:spPr>
+          <a:xfrm>
+            <a:off x="504000" y="301320"/>
+            <a:ext cx="9071280" cy="1261800"/>
+          </a:xfrm>
+          <a:prstGeom prst="rect">
+            <a:avLst/>
+          </a:prstGeom>
+        </p:spPr>
+        <p:txBody>
+          <a:bodyPr lIns="0" rIns="0" tIns="0" bIns="0" anchor="ctr"/>
+          <a:p>
+            <a:pPr algn="ctr"/>
+            <a:endParaRPr b="0" lang="de-DE" sz="4400" spc="-1" strike="noStrike">
+              <a:solidFill>
+                <a:srgbClr val="000000"/>
+              </a:solidFill>
+              <a:uFill>
+                <a:solidFill>
+                  <a:srgbClr val="ffffff"/>
+                </a:solidFill>
+              </a:uFill>
+              <a:latin typeface="Arial"/>
+            </a:endParaRPr>
+          </a:p>
+        </p:txBody>
+      </p:sp>
+      <p:sp>
+        <p:nvSpPr>
+          <p:cNvPr id="68" name="PlaceHolder 2"/>
+          <p:cNvSpPr>
+            <a:spLocks noGrp="1"/>
+          </p:cNvSpPr>
+          <p:nvPr>
+            <p:ph type="body"/>
+          </p:nvPr>
+        </p:nvSpPr>
+        <p:spPr>
+          <a:xfrm>
+            <a:off x="504000" y="1769040"/>
+            <a:ext cx="9071280" cy="4384080"/>
+          </a:xfrm>
+          <a:prstGeom prst="rect">
+            <a:avLst/>
+          </a:prstGeom>
+        </p:spPr>
+        <p:txBody>
+          <a:bodyPr lIns="0" rIns="0" tIns="0" bIns="0"/>
+          <a:p>
+            <a:endParaRPr b="0" lang="de-DE" sz="3200" spc="-1" strike="noStrike">
+              <a:solidFill>
+                <a:srgbClr val="000000"/>
+              </a:solidFill>
+              <a:uFill>
+                <a:solidFill>
+                  <a:srgbClr val="ffffff"/>
+                </a:solidFill>
+              </a:uFill>
+              <a:latin typeface="Arial"/>
+            </a:endParaRPr>
+          </a:p>
+        </p:txBody>
+      </p:sp>
+      <p:sp>
+        <p:nvSpPr>
+          <p:cNvPr id="69" name="PlaceHolder 3"/>
+          <p:cNvSpPr>
+            <a:spLocks noGrp="1"/>
+          </p:cNvSpPr>
+          <p:nvPr>
+            <p:ph type="body"/>
+          </p:nvPr>
+        </p:nvSpPr>
+        <p:spPr>
+          <a:xfrm>
+            <a:off x="504000" y="1769040"/>
+            <a:ext cx="9071280" cy="4384080"/>
+          </a:xfrm>
+          <a:prstGeom prst="rect">
+            <a:avLst/>
+          </a:prstGeom>
+        </p:spPr>
+        <p:txBody>
+          <a:bodyPr lIns="0" rIns="0" tIns="0" bIns="0"/>
+          <a:p>
+            <a:endParaRPr b="0" lang="de-DE" sz="3200" spc="-1" strike="noStrike">
+              <a:solidFill>
+                <a:srgbClr val="000000"/>
+              </a:solidFill>
+              <a:uFill>
+                <a:solidFill>
+                  <a:srgbClr val="ffffff"/>
+                </a:solidFill>
+              </a:uFill>
+              <a:latin typeface="Arial"/>
+            </a:endParaRPr>
+          </a:p>
+        </p:txBody>
+      </p:sp>
+      <p:pic>
+        <p:nvPicPr>
+          <p:cNvPr id="70" name="" descr=""/>
+          <p:cNvPicPr/>
+          <p:nvPr/>
+        </p:nvPicPr>
+        <p:blipFill>
+          <a:blip r:embed="rId2"/>
+          <a:stretch/>
+        </p:blipFill>
+        <p:spPr>
+          <a:xfrm>
+            <a:off x="2292120" y="1769040"/>
+            <a:ext cx="5494680" cy="4384080"/>
+          </a:xfrm>
+          <a:prstGeom prst="rect">
+            <a:avLst/>
+          </a:prstGeom>
+          <a:ln>
+            <a:noFill/>
+          </a:ln>
+        </p:spPr>
+      </p:pic>
+      <p:pic>
+        <p:nvPicPr>
+          <p:cNvPr id="71" name="" descr=""/>
+          <p:cNvPicPr/>
+          <p:nvPr/>
+        </p:nvPicPr>
+        <p:blipFill>
+          <a:blip r:embed="rId3"/>
+          <a:stretch/>
+        </p:blipFill>
+        <p:spPr>
+          <a:xfrm>
+            <a:off x="2292120" y="1769040"/>
+            <a:ext cx="5494680" cy="4384080"/>
+          </a:xfrm>
+          <a:prstGeom prst="rect">
+            <a:avLst/>
+          </a:prstGeom>
+          <a:ln>
+            <a:noFill/>
+          </a:ln>
+        </p:spPr>
+      </p:pic>
     </p:spTree>
   </p:cSld>
 </p:sldLayout>
@@ -673,7 +2148,7 @@
       </p:grpSpPr>
       <p:sp>
         <p:nvSpPr>
-          <p:cNvPr id="7" name="PlaceHolder 1"/>
+          <p:cNvPr id="4" name="PlaceHolder 1"/>
           <p:cNvSpPr>
             <a:spLocks noGrp="1"/>
           </p:cNvSpPr>
@@ -684,7 +2159,7 @@
         <p:spPr>
           <a:xfrm>
             <a:off x="504000" y="301320"/>
-            <a:ext cx="9071640" cy="1262160"/>
+            <a:ext cx="9071280" cy="1261800"/>
           </a:xfrm>
           <a:prstGeom prst="rect">
             <a:avLst/>
@@ -710,7 +2185,7 @@
       </p:sp>
       <p:sp>
         <p:nvSpPr>
-          <p:cNvPr id="8" name="PlaceHolder 2"/>
+          <p:cNvPr id="5" name="PlaceHolder 2"/>
           <p:cNvSpPr>
             <a:spLocks noGrp="1"/>
           </p:cNvSpPr>
@@ -721,7 +2196,7 @@
         <p:spPr>
           <a:xfrm>
             <a:off x="504000" y="1769040"/>
-            <a:ext cx="9071640" cy="4384440"/>
+            <a:ext cx="9071280" cy="4384080"/>
           </a:xfrm>
           <a:prstGeom prst="rect">
             <a:avLst/>
@@ -768,7 +2243,7 @@
       </p:grpSpPr>
       <p:sp>
         <p:nvSpPr>
-          <p:cNvPr id="9" name="PlaceHolder 1"/>
+          <p:cNvPr id="6" name="PlaceHolder 1"/>
           <p:cNvSpPr>
             <a:spLocks noGrp="1"/>
           </p:cNvSpPr>
@@ -779,7 +2254,7 @@
         <p:spPr>
           <a:xfrm>
             <a:off x="504000" y="301320"/>
-            <a:ext cx="9071640" cy="1262160"/>
+            <a:ext cx="9071280" cy="1261800"/>
           </a:xfrm>
           <a:prstGeom prst="rect">
             <a:avLst/>
@@ -805,7 +2280,7 @@
       </p:sp>
       <p:sp>
         <p:nvSpPr>
-          <p:cNvPr id="10" name="PlaceHolder 2"/>
+          <p:cNvPr id="7" name="PlaceHolder 2"/>
           <p:cNvSpPr>
             <a:spLocks noGrp="1"/>
           </p:cNvSpPr>
@@ -816,7 +2291,7 @@
         <p:spPr>
           <a:xfrm>
             <a:off x="504000" y="1769040"/>
-            <a:ext cx="4426920" cy="4384440"/>
+            <a:ext cx="4426560" cy="4384080"/>
           </a:xfrm>
           <a:prstGeom prst="rect">
             <a:avLst/>
@@ -841,7 +2316,7 @@
       </p:sp>
       <p:sp>
         <p:nvSpPr>
-          <p:cNvPr id="11" name="PlaceHolder 3"/>
+          <p:cNvPr id="8" name="PlaceHolder 3"/>
           <p:cNvSpPr>
             <a:spLocks noGrp="1"/>
           </p:cNvSpPr>
@@ -851,8 +2326,8 @@
         </p:nvSpPr>
         <p:spPr>
           <a:xfrm>
-            <a:off x="5152680" y="1769040"/>
-            <a:ext cx="4426920" cy="4384440"/>
+            <a:off x="5152320" y="1769040"/>
+            <a:ext cx="4426560" cy="4384080"/>
           </a:xfrm>
           <a:prstGeom prst="rect">
             <a:avLst/>
@@ -899,7 +2374,7 @@
       </p:grpSpPr>
       <p:sp>
         <p:nvSpPr>
-          <p:cNvPr id="12" name="PlaceHolder 1"/>
+          <p:cNvPr id="9" name="PlaceHolder 1"/>
           <p:cNvSpPr>
             <a:spLocks noGrp="1"/>
           </p:cNvSpPr>
@@ -910,7 +2385,7 @@
         <p:spPr>
           <a:xfrm>
             <a:off x="504000" y="301320"/>
-            <a:ext cx="9071640" cy="1262160"/>
+            <a:ext cx="9071280" cy="1261800"/>
           </a:xfrm>
           <a:prstGeom prst="rect">
             <a:avLst/>
@@ -958,7 +2433,7 @@
       </p:grpSpPr>
       <p:sp>
         <p:nvSpPr>
-          <p:cNvPr id="13" name="PlaceHolder 1"/>
+          <p:cNvPr id="10" name="PlaceHolder 1"/>
           <p:cNvSpPr>
             <a:spLocks noGrp="1"/>
           </p:cNvSpPr>
@@ -969,7 +2444,7 @@
         <p:spPr>
           <a:xfrm>
             <a:off x="504000" y="301320"/>
-            <a:ext cx="9071640" cy="5851800"/>
+            <a:ext cx="9071280" cy="5850360"/>
           </a:xfrm>
           <a:prstGeom prst="rect">
             <a:avLst/>
@@ -1017,7 +2492,7 @@
       </p:grpSpPr>
       <p:sp>
         <p:nvSpPr>
-          <p:cNvPr id="14" name="PlaceHolder 1"/>
+          <p:cNvPr id="11" name="PlaceHolder 1"/>
           <p:cNvSpPr>
             <a:spLocks noGrp="1"/>
           </p:cNvSpPr>
@@ -1028,7 +2503,7 @@
         <p:spPr>
           <a:xfrm>
             <a:off x="504000" y="301320"/>
-            <a:ext cx="9071640" cy="1262160"/>
+            <a:ext cx="9071280" cy="1261800"/>
           </a:xfrm>
           <a:prstGeom prst="rect">
             <a:avLst/>
@@ -1054,7 +2529,7 @@
       </p:sp>
       <p:sp>
         <p:nvSpPr>
-          <p:cNvPr id="15" name="PlaceHolder 2"/>
+          <p:cNvPr id="12" name="PlaceHolder 2"/>
           <p:cNvSpPr>
             <a:spLocks noGrp="1"/>
           </p:cNvSpPr>
@@ -1065,7 +2540,7 @@
         <p:spPr>
           <a:xfrm>
             <a:off x="504000" y="1769040"/>
-            <a:ext cx="4426920" cy="2091240"/>
+            <a:ext cx="4426560" cy="2090880"/>
           </a:xfrm>
           <a:prstGeom prst="rect">
             <a:avLst/>
@@ -1090,7 +2565,7 @@
       </p:sp>
       <p:sp>
         <p:nvSpPr>
-          <p:cNvPr id="16" name="PlaceHolder 3"/>
+          <p:cNvPr id="13" name="PlaceHolder 3"/>
           <p:cNvSpPr>
             <a:spLocks noGrp="1"/>
           </p:cNvSpPr>
@@ -1100,8 +2575,8 @@
         </p:nvSpPr>
         <p:spPr>
           <a:xfrm>
-            <a:off x="504000" y="4059360"/>
-            <a:ext cx="4426920" cy="2091240"/>
+            <a:off x="504000" y="4059000"/>
+            <a:ext cx="4426560" cy="2090880"/>
           </a:xfrm>
           <a:prstGeom prst="rect">
             <a:avLst/>
@@ -1126,7 +2601,7 @@
       </p:sp>
       <p:sp>
         <p:nvSpPr>
-          <p:cNvPr id="17" name="PlaceHolder 4"/>
+          <p:cNvPr id="14" name="PlaceHolder 4"/>
           <p:cNvSpPr>
             <a:spLocks noGrp="1"/>
           </p:cNvSpPr>
@@ -1136,8 +2611,8 @@
         </p:nvSpPr>
         <p:spPr>
           <a:xfrm>
-            <a:off x="5152680" y="1769040"/>
-            <a:ext cx="4426920" cy="4384440"/>
+            <a:off x="5152320" y="1769040"/>
+            <a:ext cx="4426560" cy="4384080"/>
           </a:xfrm>
           <a:prstGeom prst="rect">
             <a:avLst/>
@@ -1184,7 +2659,7 @@
       </p:grpSpPr>
       <p:sp>
         <p:nvSpPr>
-          <p:cNvPr id="18" name="PlaceHolder 1"/>
+          <p:cNvPr id="15" name="PlaceHolder 1"/>
           <p:cNvSpPr>
             <a:spLocks noGrp="1"/>
           </p:cNvSpPr>
@@ -1195,7 +2670,7 @@
         <p:spPr>
           <a:xfrm>
             <a:off x="504000" y="301320"/>
-            <a:ext cx="9071640" cy="1262160"/>
+            <a:ext cx="9071280" cy="1261800"/>
           </a:xfrm>
           <a:prstGeom prst="rect">
             <a:avLst/>
@@ -1221,7 +2696,7 @@
       </p:sp>
       <p:sp>
         <p:nvSpPr>
-          <p:cNvPr id="19" name="PlaceHolder 2"/>
+          <p:cNvPr id="16" name="PlaceHolder 2"/>
           <p:cNvSpPr>
             <a:spLocks noGrp="1"/>
           </p:cNvSpPr>
@@ -1232,7 +2707,7 @@
         <p:spPr>
           <a:xfrm>
             <a:off x="504000" y="1769040"/>
-            <a:ext cx="4426920" cy="4384440"/>
+            <a:ext cx="4426560" cy="4384080"/>
           </a:xfrm>
           <a:prstGeom prst="rect">
             <a:avLst/>
@@ -1257,7 +2732,7 @@
       </p:sp>
       <p:sp>
         <p:nvSpPr>
-          <p:cNvPr id="20" name="PlaceHolder 3"/>
+          <p:cNvPr id="17" name="PlaceHolder 3"/>
           <p:cNvSpPr>
             <a:spLocks noGrp="1"/>
           </p:cNvSpPr>
@@ -1267,8 +2742,8 @@
         </p:nvSpPr>
         <p:spPr>
           <a:xfrm>
-            <a:off x="5152680" y="1769040"/>
-            <a:ext cx="4426920" cy="2091240"/>
+            <a:off x="5152320" y="1769040"/>
+            <a:ext cx="4426560" cy="2090880"/>
           </a:xfrm>
           <a:prstGeom prst="rect">
             <a:avLst/>
@@ -1293,7 +2768,7 @@
       </p:sp>
       <p:sp>
         <p:nvSpPr>
-          <p:cNvPr id="21" name="PlaceHolder 4"/>
+          <p:cNvPr id="18" name="PlaceHolder 4"/>
           <p:cNvSpPr>
             <a:spLocks noGrp="1"/>
           </p:cNvSpPr>
@@ -1303,8 +2778,8 @@
         </p:nvSpPr>
         <p:spPr>
           <a:xfrm>
-            <a:off x="5152680" y="4059360"/>
-            <a:ext cx="4426920" cy="2091240"/>
+            <a:off x="5152320" y="4059000"/>
+            <a:ext cx="4426560" cy="2090880"/>
           </a:xfrm>
           <a:prstGeom prst="rect">
             <a:avLst/>
@@ -1351,7 +2826,7 @@
       </p:grpSpPr>
       <p:sp>
         <p:nvSpPr>
-          <p:cNvPr id="22" name="PlaceHolder 1"/>
+          <p:cNvPr id="19" name="PlaceHolder 1"/>
           <p:cNvSpPr>
             <a:spLocks noGrp="1"/>
           </p:cNvSpPr>
@@ -1362,7 +2837,7 @@
         <p:spPr>
           <a:xfrm>
             <a:off x="504000" y="301320"/>
-            <a:ext cx="9071640" cy="1262160"/>
+            <a:ext cx="9071280" cy="1261800"/>
           </a:xfrm>
           <a:prstGeom prst="rect">
             <a:avLst/>
@@ -1388,7 +2863,7 @@
       </p:sp>
       <p:sp>
         <p:nvSpPr>
-          <p:cNvPr id="23" name="PlaceHolder 2"/>
+          <p:cNvPr id="20" name="PlaceHolder 2"/>
           <p:cNvSpPr>
             <a:spLocks noGrp="1"/>
           </p:cNvSpPr>
@@ -1399,7 +2874,7 @@
         <p:spPr>
           <a:xfrm>
             <a:off x="504000" y="1769040"/>
-            <a:ext cx="4426920" cy="2091240"/>
+            <a:ext cx="4426560" cy="2090880"/>
           </a:xfrm>
           <a:prstGeom prst="rect">
             <a:avLst/>
@@ -1424,7 +2899,7 @@
       </p:sp>
       <p:sp>
         <p:nvSpPr>
-          <p:cNvPr id="24" name="PlaceHolder 3"/>
+          <p:cNvPr id="21" name="PlaceHolder 3"/>
           <p:cNvSpPr>
             <a:spLocks noGrp="1"/>
           </p:cNvSpPr>
@@ -1434,8 +2909,8 @@
         </p:nvSpPr>
         <p:spPr>
           <a:xfrm>
-            <a:off x="5152680" y="1769040"/>
-            <a:ext cx="4426920" cy="2091240"/>
+            <a:off x="5152320" y="1769040"/>
+            <a:ext cx="4426560" cy="2090880"/>
           </a:xfrm>
           <a:prstGeom prst="rect">
             <a:avLst/>
@@ -1460,7 +2935,7 @@
       </p:sp>
       <p:sp>
         <p:nvSpPr>
-          <p:cNvPr id="25" name="PlaceHolder 4"/>
+          <p:cNvPr id="22" name="PlaceHolder 4"/>
           <p:cNvSpPr>
             <a:spLocks noGrp="1"/>
           </p:cNvSpPr>
@@ -1470,8 +2945,8 @@
         </p:nvSpPr>
         <p:spPr>
           <a:xfrm>
-            <a:off x="504000" y="4059360"/>
-            <a:ext cx="9071640" cy="2091240"/>
+            <a:off x="504000" y="4059000"/>
+            <a:ext cx="9071280" cy="2090880"/>
           </a:xfrm>
           <a:prstGeom prst="rect">
             <a:avLst/>
@@ -1529,7 +3004,7 @@
         <p:spPr>
           <a:xfrm>
             <a:off x="504000" y="301320"/>
-            <a:ext cx="9071640" cy="1262160"/>
+            <a:ext cx="9071280" cy="1261800"/>
           </a:xfrm>
           <a:prstGeom prst="rect">
             <a:avLst/>
@@ -1538,9 +3013,8 @@
         <p:txBody>
           <a:bodyPr lIns="0" rIns="0" tIns="0" bIns="0" anchor="ctr"/>
           <a:p>
-            <a:pPr algn="ctr"/>
             <a:r>
-              <a:rPr b="0" lang="de-DE" sz="4400" spc="-1" strike="noStrike">
+              <a:rPr b="0" lang="de-DE" sz="1800" spc="-1" strike="noStrike">
                 <a:solidFill>
                   <a:srgbClr val="000000"/>
                 </a:solidFill>
@@ -1553,7 +3027,7 @@
               </a:rPr>
               <a:t>Click to edit the title text format</a:t>
             </a:r>
-            <a:endParaRPr b="0" lang="de-DE" sz="4400" spc="-1" strike="noStrike">
+            <a:endParaRPr b="0" lang="de-DE" sz="1800" spc="-1" strike="noStrike">
               <a:solidFill>
                 <a:srgbClr val="000000"/>
               </a:solidFill>
@@ -1579,8 +3053,8 @@
         </p:nvSpPr>
         <p:spPr>
           <a:xfrm>
-            <a:off x="504000" y="1769040"/>
-            <a:ext cx="9071640" cy="4384440"/>
+            <a:off x="504000" y="1768680"/>
+            <a:ext cx="9072000" cy="4384080"/>
           </a:xfrm>
           <a:prstGeom prst="rect">
             <a:avLst/>
@@ -1831,158 +3305,6 @@
                 </a:solidFill>
               </a:uFill>
               <a:latin typeface="Arial"/>
-            </a:endParaRPr>
-          </a:p>
-        </p:txBody>
-      </p:sp>
-      <p:sp>
-        <p:nvSpPr>
-          <p:cNvPr id="2" name="PlaceHolder 3"/>
-          <p:cNvSpPr>
-            <a:spLocks noGrp="1"/>
-          </p:cNvSpPr>
-          <p:nvPr>
-            <p:ph type="dt"/>
-          </p:nvPr>
-        </p:nvSpPr>
-        <p:spPr>
-          <a:xfrm>
-            <a:off x="504000" y="6887160"/>
-            <a:ext cx="2348280" cy="521280"/>
-          </a:xfrm>
-          <a:prstGeom prst="rect">
-            <a:avLst/>
-          </a:prstGeom>
-        </p:spPr>
-        <p:txBody>
-          <a:bodyPr lIns="0" rIns="0" tIns="0" bIns="0"/>
-          <a:p>
-            <a:r>
-              <a:rPr b="0" lang="de-DE" sz="1400" spc="-1" strike="noStrike">
-                <a:solidFill>
-                  <a:srgbClr val="000000"/>
-                </a:solidFill>
-                <a:uFill>
-                  <a:solidFill>
-                    <a:srgbClr val="ffffff"/>
-                  </a:solidFill>
-                </a:uFill>
-                <a:latin typeface="Times New Roman"/>
-              </a:rPr>
-              <a:t>&lt;date/time&gt;</a:t>
-            </a:r>
-            <a:endParaRPr b="0" lang="de-DE" sz="1400" spc="-1" strike="noStrike">
-              <a:solidFill>
-                <a:srgbClr val="000000"/>
-              </a:solidFill>
-              <a:uFill>
-                <a:solidFill>
-                  <a:srgbClr val="ffffff"/>
-                </a:solidFill>
-              </a:uFill>
-              <a:latin typeface="Times New Roman"/>
-            </a:endParaRPr>
-          </a:p>
-        </p:txBody>
-      </p:sp>
-      <p:sp>
-        <p:nvSpPr>
-          <p:cNvPr id="3" name="PlaceHolder 4"/>
-          <p:cNvSpPr>
-            <a:spLocks noGrp="1"/>
-          </p:cNvSpPr>
-          <p:nvPr>
-            <p:ph type="ftr"/>
-          </p:nvPr>
-        </p:nvSpPr>
-        <p:spPr>
-          <a:xfrm>
-            <a:off x="3447360" y="6887160"/>
-            <a:ext cx="3195000" cy="521280"/>
-          </a:xfrm>
-          <a:prstGeom prst="rect">
-            <a:avLst/>
-          </a:prstGeom>
-        </p:spPr>
-        <p:txBody>
-          <a:bodyPr lIns="0" rIns="0" tIns="0" bIns="0"/>
-          <a:p>
-            <a:pPr algn="ctr"/>
-            <a:r>
-              <a:rPr b="0" lang="de-DE" sz="1400" spc="-1" strike="noStrike">
-                <a:solidFill>
-                  <a:srgbClr val="000000"/>
-                </a:solidFill>
-                <a:uFill>
-                  <a:solidFill>
-                    <a:srgbClr val="ffffff"/>
-                  </a:solidFill>
-                </a:uFill>
-                <a:latin typeface="Times New Roman"/>
-              </a:rPr>
-              <a:t>&lt;footer&gt;</a:t>
-            </a:r>
-            <a:endParaRPr b="0" lang="de-DE" sz="1400" spc="-1" strike="noStrike">
-              <a:solidFill>
-                <a:srgbClr val="000000"/>
-              </a:solidFill>
-              <a:uFill>
-                <a:solidFill>
-                  <a:srgbClr val="ffffff"/>
-                </a:solidFill>
-              </a:uFill>
-              <a:latin typeface="Times New Roman"/>
-            </a:endParaRPr>
-          </a:p>
-        </p:txBody>
-      </p:sp>
-      <p:sp>
-        <p:nvSpPr>
-          <p:cNvPr id="4" name="PlaceHolder 5"/>
-          <p:cNvSpPr>
-            <a:spLocks noGrp="1"/>
-          </p:cNvSpPr>
-          <p:nvPr>
-            <p:ph type="sldNum"/>
-          </p:nvPr>
-        </p:nvSpPr>
-        <p:spPr>
-          <a:xfrm>
-            <a:off x="7227360" y="6887160"/>
-            <a:ext cx="2348280" cy="521280"/>
-          </a:xfrm>
-          <a:prstGeom prst="rect">
-            <a:avLst/>
-          </a:prstGeom>
-        </p:spPr>
-        <p:txBody>
-          <a:bodyPr lIns="0" rIns="0" tIns="0" bIns="0"/>
-          <a:p>
-            <a:pPr algn="r"/>
-            <a:fld id="{3416A4AE-AA50-48FB-95FC-90FBECDD72BF}" type="slidenum">
-              <a:rPr b="0" lang="de-DE" sz="1400" spc="-1" strike="noStrike">
-                <a:solidFill>
-                  <a:srgbClr val="000000"/>
-                </a:solidFill>
-                <a:uFill>
-                  <a:solidFill>
-                    <a:srgbClr val="ffffff"/>
-                  </a:solidFill>
-                </a:uFill>
-                <a:latin typeface="Times New Roman"/>
-              </a:rPr>
-              <a:t>&lt;number&gt;</a:t>
-            </a:fld>
-            <a:endParaRPr b="0" lang="de-DE" sz="1400" spc="-1" strike="noStrike">
-              <a:solidFill>
-                <a:srgbClr val="000000"/>
-              </a:solidFill>
-              <a:uFill>
-                <a:solidFill>
-                  <a:srgbClr val="ffffff"/>
-                </a:solidFill>
-              </a:uFill>
-              <a:latin typeface="Times New Roman"/>
             </a:endParaRPr>
           </a:p>
         </p:txBody>
@@ -2003,6 +3325,361 @@
     <p:sldLayoutId id="2147483658" r:id="rId11"/>
     <p:sldLayoutId id="2147483659" r:id="rId12"/>
     <p:sldLayoutId id="2147483660" r:id="rId13"/>
+  </p:sldLayoutIdLst>
+</p:sldMaster>
+</file>
+
+<file path=ppt/slideMasters/slideMaster2.xml><?xml version="1.0" encoding="utf-8"?>
+<p:sldMaster xmlns:a="http://schemas.openxmlformats.org/drawingml/2006/main" xmlns:p="http://schemas.openxmlformats.org/presentationml/2006/main" xmlns:r="http://schemas.openxmlformats.org/officeDocument/2006/relationships" xmlns:p14="http://schemas.microsoft.com/office/powerpoint/2010/main" xmlns:p15="http://schemas.microsoft.com/office/powerpoint/2012/main" xmlns:mc="http://schemas.openxmlformats.org/markup-compatibility/2006">
+  <p:cSld>
+    <p:spTree>
+      <p:nvGrpSpPr>
+        <p:cNvPr id="1" name=""/>
+        <p:cNvGrpSpPr/>
+        <p:nvPr/>
+      </p:nvGrpSpPr>
+      <p:grpSpPr>
+        <a:xfrm>
+          <a:off x="0" y="0"/>
+          <a:ext cx="0" cy="0"/>
+          <a:chOff x="0" y="0"/>
+          <a:chExt cx="0" cy="0"/>
+        </a:xfrm>
+      </p:grpSpPr>
+      <p:sp>
+        <p:nvSpPr>
+          <p:cNvPr id="36" name="PlaceHolder 1"/>
+          <p:cNvSpPr>
+            <a:spLocks noGrp="1"/>
+          </p:cNvSpPr>
+          <p:nvPr>
+            <p:ph type="title"/>
+          </p:nvPr>
+        </p:nvSpPr>
+        <p:spPr>
+          <a:xfrm>
+            <a:off x="504000" y="301320"/>
+            <a:ext cx="9071280" cy="1261800"/>
+          </a:xfrm>
+          <a:prstGeom prst="rect">
+            <a:avLst/>
+          </a:prstGeom>
+        </p:spPr>
+        <p:txBody>
+          <a:bodyPr lIns="0" rIns="0" tIns="0" bIns="0" anchor="ctr"/>
+          <a:p>
+            <a:r>
+              <a:rPr b="0" lang="de-DE" sz="1800" spc="-1" strike="noStrike">
+                <a:solidFill>
+                  <a:srgbClr val="000000"/>
+                </a:solidFill>
+                <a:uFill>
+                  <a:solidFill>
+                    <a:srgbClr val="ffffff"/>
+                  </a:solidFill>
+                </a:uFill>
+                <a:latin typeface="Arial"/>
+              </a:rPr>
+              <a:t>Click to edit the title text format</a:t>
+            </a:r>
+            <a:endParaRPr b="0" lang="de-DE" sz="1800" spc="-1" strike="noStrike">
+              <a:solidFill>
+                <a:srgbClr val="000000"/>
+              </a:solidFill>
+              <a:uFill>
+                <a:solidFill>
+                  <a:srgbClr val="ffffff"/>
+                </a:solidFill>
+              </a:uFill>
+              <a:latin typeface="Arial"/>
+            </a:endParaRPr>
+          </a:p>
+        </p:txBody>
+      </p:sp>
+      <p:sp>
+        <p:nvSpPr>
+          <p:cNvPr id="37" name="PlaceHolder 2"/>
+          <p:cNvSpPr>
+            <a:spLocks noGrp="1"/>
+          </p:cNvSpPr>
+          <p:nvPr>
+            <p:ph type="body"/>
+          </p:nvPr>
+        </p:nvSpPr>
+        <p:spPr>
+          <a:xfrm>
+            <a:off x="504000" y="1769040"/>
+            <a:ext cx="9071280" cy="4384080"/>
+          </a:xfrm>
+          <a:prstGeom prst="rect">
+            <a:avLst/>
+          </a:prstGeom>
+        </p:spPr>
+        <p:txBody>
+          <a:bodyPr lIns="0" rIns="0" tIns="0" bIns="0"/>
+          <a:p>
+            <a:pPr marL="432000" indent="-324000">
+              <a:buClr>
+                <a:srgbClr val="000000"/>
+              </a:buClr>
+              <a:buSzPct val="45000"/>
+              <a:buFont typeface="Wingdings" charset="2"/>
+              <a:buChar char=""/>
+            </a:pPr>
+            <a:r>
+              <a:rPr b="0" lang="de-DE" sz="1800" spc="-1" strike="noStrike">
+                <a:solidFill>
+                  <a:srgbClr val="000000"/>
+                </a:solidFill>
+                <a:uFill>
+                  <a:solidFill>
+                    <a:srgbClr val="ffffff"/>
+                  </a:solidFill>
+                </a:uFill>
+                <a:latin typeface="Arial"/>
+              </a:rPr>
+              <a:t>Click to edit the outline text format</a:t>
+            </a:r>
+            <a:endParaRPr b="0" lang="de-DE" sz="1800" spc="-1" strike="noStrike">
+              <a:solidFill>
+                <a:srgbClr val="000000"/>
+              </a:solidFill>
+              <a:uFill>
+                <a:solidFill>
+                  <a:srgbClr val="ffffff"/>
+                </a:solidFill>
+              </a:uFill>
+              <a:latin typeface="Arial"/>
+            </a:endParaRPr>
+          </a:p>
+          <a:p>
+            <a:pPr lvl="1" marL="864000" indent="-324000">
+              <a:buClr>
+                <a:srgbClr val="000000"/>
+              </a:buClr>
+              <a:buSzPct val="75000"/>
+              <a:buFont typeface="Symbol" charset="2"/>
+              <a:buChar char=""/>
+            </a:pPr>
+            <a:r>
+              <a:rPr b="0" lang="de-DE" sz="1800" spc="-1" strike="noStrike">
+                <a:solidFill>
+                  <a:srgbClr val="000000"/>
+                </a:solidFill>
+                <a:uFill>
+                  <a:solidFill>
+                    <a:srgbClr val="ffffff"/>
+                  </a:solidFill>
+                </a:uFill>
+                <a:latin typeface="Arial"/>
+              </a:rPr>
+              <a:t>Second Outline Level</a:t>
+            </a:r>
+            <a:endParaRPr b="0" lang="de-DE" sz="1800" spc="-1" strike="noStrike">
+              <a:solidFill>
+                <a:srgbClr val="000000"/>
+              </a:solidFill>
+              <a:uFill>
+                <a:solidFill>
+                  <a:srgbClr val="ffffff"/>
+                </a:solidFill>
+              </a:uFill>
+              <a:latin typeface="Arial"/>
+            </a:endParaRPr>
+          </a:p>
+          <a:p>
+            <a:pPr lvl="2" marL="1296000" indent="-288000">
+              <a:buClr>
+                <a:srgbClr val="000000"/>
+              </a:buClr>
+              <a:buSzPct val="45000"/>
+              <a:buFont typeface="Wingdings" charset="2"/>
+              <a:buChar char=""/>
+            </a:pPr>
+            <a:r>
+              <a:rPr b="0" lang="de-DE" sz="1800" spc="-1" strike="noStrike">
+                <a:solidFill>
+                  <a:srgbClr val="000000"/>
+                </a:solidFill>
+                <a:uFill>
+                  <a:solidFill>
+                    <a:srgbClr val="ffffff"/>
+                  </a:solidFill>
+                </a:uFill>
+                <a:latin typeface="Arial"/>
+              </a:rPr>
+              <a:t>Third Outline Level</a:t>
+            </a:r>
+            <a:endParaRPr b="0" lang="de-DE" sz="1800" spc="-1" strike="noStrike">
+              <a:solidFill>
+                <a:srgbClr val="000000"/>
+              </a:solidFill>
+              <a:uFill>
+                <a:solidFill>
+                  <a:srgbClr val="ffffff"/>
+                </a:solidFill>
+              </a:uFill>
+              <a:latin typeface="Arial"/>
+            </a:endParaRPr>
+          </a:p>
+          <a:p>
+            <a:pPr lvl="3" marL="1728000" indent="-216000">
+              <a:buClr>
+                <a:srgbClr val="000000"/>
+              </a:buClr>
+              <a:buSzPct val="75000"/>
+              <a:buFont typeface="Symbol" charset="2"/>
+              <a:buChar char=""/>
+            </a:pPr>
+            <a:r>
+              <a:rPr b="0" lang="de-DE" sz="1800" spc="-1" strike="noStrike">
+                <a:solidFill>
+                  <a:srgbClr val="000000"/>
+                </a:solidFill>
+                <a:uFill>
+                  <a:solidFill>
+                    <a:srgbClr val="ffffff"/>
+                  </a:solidFill>
+                </a:uFill>
+                <a:latin typeface="Arial"/>
+              </a:rPr>
+              <a:t>Fourth Outline Level</a:t>
+            </a:r>
+            <a:endParaRPr b="0" lang="de-DE" sz="1800" spc="-1" strike="noStrike">
+              <a:solidFill>
+                <a:srgbClr val="000000"/>
+              </a:solidFill>
+              <a:uFill>
+                <a:solidFill>
+                  <a:srgbClr val="ffffff"/>
+                </a:solidFill>
+              </a:uFill>
+              <a:latin typeface="Arial"/>
+            </a:endParaRPr>
+          </a:p>
+          <a:p>
+            <a:pPr lvl="4" marL="2160000" indent="-216000">
+              <a:buClr>
+                <a:srgbClr val="000000"/>
+              </a:buClr>
+              <a:buSzPct val="45000"/>
+              <a:buFont typeface="Wingdings" charset="2"/>
+              <a:buChar char=""/>
+            </a:pPr>
+            <a:r>
+              <a:rPr b="0" lang="de-DE" sz="1800" spc="-1" strike="noStrike">
+                <a:solidFill>
+                  <a:srgbClr val="000000"/>
+                </a:solidFill>
+                <a:uFill>
+                  <a:solidFill>
+                    <a:srgbClr val="ffffff"/>
+                  </a:solidFill>
+                </a:uFill>
+                <a:latin typeface="Arial"/>
+              </a:rPr>
+              <a:t>Fifth Outline Level</a:t>
+            </a:r>
+            <a:endParaRPr b="0" lang="de-DE" sz="1800" spc="-1" strike="noStrike">
+              <a:solidFill>
+                <a:srgbClr val="000000"/>
+              </a:solidFill>
+              <a:uFill>
+                <a:solidFill>
+                  <a:srgbClr val="ffffff"/>
+                </a:solidFill>
+              </a:uFill>
+              <a:latin typeface="Arial"/>
+            </a:endParaRPr>
+          </a:p>
+          <a:p>
+            <a:pPr lvl="5" marL="2592000" indent="-216000">
+              <a:buClr>
+                <a:srgbClr val="000000"/>
+              </a:buClr>
+              <a:buSzPct val="45000"/>
+              <a:buFont typeface="Wingdings" charset="2"/>
+              <a:buChar char=""/>
+            </a:pPr>
+            <a:r>
+              <a:rPr b="0" lang="de-DE" sz="1800" spc="-1" strike="noStrike">
+                <a:solidFill>
+                  <a:srgbClr val="000000"/>
+                </a:solidFill>
+                <a:uFill>
+                  <a:solidFill>
+                    <a:srgbClr val="ffffff"/>
+                  </a:solidFill>
+                </a:uFill>
+                <a:latin typeface="Arial"/>
+              </a:rPr>
+              <a:t>Sixth Outline Level</a:t>
+            </a:r>
+            <a:endParaRPr b="0" lang="de-DE" sz="1800" spc="-1" strike="noStrike">
+              <a:solidFill>
+                <a:srgbClr val="000000"/>
+              </a:solidFill>
+              <a:uFill>
+                <a:solidFill>
+                  <a:srgbClr val="ffffff"/>
+                </a:solidFill>
+              </a:uFill>
+              <a:latin typeface="Arial"/>
+            </a:endParaRPr>
+          </a:p>
+          <a:p>
+            <a:pPr lvl="6" marL="3024000" indent="-216000">
+              <a:buClr>
+                <a:srgbClr val="000000"/>
+              </a:buClr>
+              <a:buSzPct val="45000"/>
+              <a:buFont typeface="Wingdings" charset="2"/>
+              <a:buChar char=""/>
+            </a:pPr>
+            <a:r>
+              <a:rPr b="0" lang="de-DE" sz="1800" spc="-1" strike="noStrike">
+                <a:solidFill>
+                  <a:srgbClr val="000000"/>
+                </a:solidFill>
+                <a:uFill>
+                  <a:solidFill>
+                    <a:srgbClr val="ffffff"/>
+                  </a:solidFill>
+                </a:uFill>
+                <a:latin typeface="Arial"/>
+              </a:rPr>
+              <a:t>Seventh Outline Level</a:t>
+            </a:r>
+            <a:endParaRPr b="0" lang="de-DE" sz="1800" spc="-1" strike="noStrike">
+              <a:solidFill>
+                <a:srgbClr val="000000"/>
+              </a:solidFill>
+              <a:uFill>
+                <a:solidFill>
+                  <a:srgbClr val="ffffff"/>
+                </a:solidFill>
+              </a:uFill>
+              <a:latin typeface="Arial"/>
+            </a:endParaRPr>
+          </a:p>
+        </p:txBody>
+      </p:sp>
+    </p:spTree>
+  </p:cSld>
+  <p:clrMap bg1="lt1" bg2="lt2" tx1="dk1" tx2="dk2" accent1="accent1" accent2="accent2" accent3="accent3" accent4="accent4" accent5="accent5" accent6="accent6" hlink="hlink" folHlink="folHlink"/>
+  <p:sldLayoutIdLst>
+    <p:sldLayoutId id="2147483662" r:id="rId2"/>
+    <p:sldLayoutId id="2147483663" r:id="rId3"/>
+    <p:sldLayoutId id="2147483664" r:id="rId4"/>
+    <p:sldLayoutId id="2147483665" r:id="rId5"/>
+    <p:sldLayoutId id="2147483666" r:id="rId6"/>
+    <p:sldLayoutId id="2147483667" r:id="rId7"/>
+    <p:sldLayoutId id="2147483668" r:id="rId8"/>
+    <p:sldLayoutId id="2147483669" r:id="rId9"/>
+    <p:sldLayoutId id="2147483670" r:id="rId10"/>
+    <p:sldLayoutId id="2147483671" r:id="rId11"/>
+    <p:sldLayoutId id="2147483672" r:id="rId12"/>
+    <p:sldLayoutId id="2147483673" r:id="rId13"/>
   </p:sldLayoutIdLst>
 </p:sldMaster>
 </file>
@@ -2026,14 +3703,14 @@
       </p:grpSpPr>
       <p:sp>
         <p:nvSpPr>
-          <p:cNvPr id="39" name="TextShape 1"/>
-          <p:cNvSpPr txBox="1"/>
+          <p:cNvPr id="72" name="CustomShape 1"/>
+          <p:cNvSpPr/>
           <p:nvPr/>
         </p:nvSpPr>
         <p:spPr>
           <a:xfrm>
             <a:off x="504000" y="301320"/>
-            <a:ext cx="9071640" cy="1262160"/>
+            <a:ext cx="9071280" cy="1261800"/>
           </a:xfrm>
           <a:prstGeom prst="rect">
             <a:avLst/>
@@ -2043,10 +3720,15 @@
             <a:noFill/>
           </a:ln>
         </p:spPr>
+        <p:style>
+          <a:lnRef idx="0"/>
+          <a:fillRef idx="0"/>
+          <a:effectRef idx="0"/>
+          <a:fontRef idx="minor"/>
+        </p:style>
         <p:txBody>
           <a:bodyPr lIns="0" rIns="0" tIns="0" bIns="0" anchor="ctr"/>
           <a:p>
-            <a:pPr algn="ctr"/>
             <a:r>
               <a:rPr b="0" lang="de-DE" sz="4400" spc="-1" strike="noStrike">
                 <a:solidFill>
@@ -2061,45 +3743,48 @@
               </a:rPr>
               <a:t>Bayes’sches Netze</a:t>
             </a:r>
-            <a:r>
-              <a:rPr b="0" lang="de-DE" sz="4400" spc="-1" strike="noStrike">
-                <a:solidFill>
-                  <a:srgbClr val="000000"/>
-                </a:solidFill>
-                <a:uFill>
-                  <a:solidFill>
-                    <a:srgbClr val="ffffff"/>
-                  </a:solidFill>
-                </a:uFill>
-                <a:latin typeface="Arial"/>
-              </a:rPr>
-              <a:t>
-</a:t>
-            </a:r>
-            <a:endParaRPr b="0" lang="de-DE" sz="4400" spc="-1" strike="noStrike">
-              <a:solidFill>
-                <a:srgbClr val="000000"/>
-              </a:solidFill>
-              <a:uFill>
-                <a:solidFill>
-                  <a:srgbClr val="ffffff"/>
-                </a:solidFill>
-              </a:uFill>
-              <a:latin typeface="Arial"/>
-            </a:endParaRPr>
-          </a:p>
-        </p:txBody>
-      </p:sp>
-      <p:sp>
-        <p:nvSpPr>
-          <p:cNvPr id="40" name="TextShape 2"/>
-          <p:cNvSpPr txBox="1"/>
+            <a:endParaRPr b="0" lang="de-DE" sz="1800" spc="-1" strike="noStrike">
+              <a:solidFill>
+                <a:srgbClr val="000000"/>
+              </a:solidFill>
+              <a:uFill>
+                <a:solidFill>
+                  <a:srgbClr val="ffffff"/>
+                </a:solidFill>
+              </a:uFill>
+              <a:latin typeface="Arial"/>
+            </a:endParaRPr>
+          </a:p>
+          <a:p>
+            <a:pPr algn="ctr">
+              <a:lnSpc>
+                <a:spcPct val="100000"/>
+              </a:lnSpc>
+            </a:pPr>
+            <a:endParaRPr b="0" lang="de-DE" sz="1800" spc="-1" strike="noStrike">
+              <a:solidFill>
+                <a:srgbClr val="000000"/>
+              </a:solidFill>
+              <a:uFill>
+                <a:solidFill>
+                  <a:srgbClr val="ffffff"/>
+                </a:solidFill>
+              </a:uFill>
+              <a:latin typeface="Arial"/>
+            </a:endParaRPr>
+          </a:p>
+        </p:txBody>
+      </p:sp>
+      <p:sp>
+        <p:nvSpPr>
+          <p:cNvPr id="73" name="CustomShape 2"/>
+          <p:cNvSpPr/>
           <p:nvPr/>
         </p:nvSpPr>
         <p:spPr>
           <a:xfrm>
             <a:off x="504000" y="1769040"/>
-            <a:ext cx="9071640" cy="4384440"/>
+            <a:ext cx="9071280" cy="4384080"/>
           </a:xfrm>
           <a:prstGeom prst="rect">
             <a:avLst/>
@@ -2109,10 +3794,20 @@
             <a:noFill/>
           </a:ln>
         </p:spPr>
+        <p:style>
+          <a:lnRef idx="0"/>
+          <a:fillRef idx="0"/>
+          <a:effectRef idx="0"/>
+          <a:fontRef idx="minor"/>
+        </p:style>
         <p:txBody>
           <a:bodyPr lIns="0" rIns="0" tIns="0" bIns="0" anchor="ctr"/>
           <a:p>
-            <a:pPr algn="ctr"/>
+            <a:pPr algn="ctr">
+              <a:lnSpc>
+                <a:spcPct val="100000"/>
+              </a:lnSpc>
+            </a:pPr>
             <a:r>
               <a:rPr b="0" lang="de-DE" sz="3200" spc="-1" strike="noStrike">
                 <a:solidFill>
@@ -2127,21 +3822,25 @@
               </a:rPr>
               <a:t>Präsentation zur Hausarbeit von David Preiß</a:t>
             </a:r>
-            <a:endParaRPr b="0" lang="de-DE" sz="3200" spc="-1" strike="noStrike">
-              <a:solidFill>
-                <a:srgbClr val="000000"/>
-              </a:solidFill>
-              <a:uFill>
-                <a:solidFill>
-                  <a:srgbClr val="ffffff"/>
-                </a:solidFill>
-              </a:uFill>
-              <a:latin typeface="Arial"/>
-            </a:endParaRPr>
-          </a:p>
-          <a:p>
-            <a:pPr algn="ctr"/>
-            <a:endParaRPr b="0" lang="de-DE" sz="3200" spc="-1" strike="noStrike">
+            <a:endParaRPr b="0" lang="de-DE" sz="1800" spc="-1" strike="noStrike">
+              <a:solidFill>
+                <a:srgbClr val="000000"/>
+              </a:solidFill>
+              <a:uFill>
+                <a:solidFill>
+                  <a:srgbClr val="ffffff"/>
+                </a:solidFill>
+              </a:uFill>
+              <a:latin typeface="Arial"/>
+            </a:endParaRPr>
+          </a:p>
+          <a:p>
+            <a:pPr algn="ctr">
+              <a:lnSpc>
+                <a:spcPct val="100000"/>
+              </a:lnSpc>
+            </a:pPr>
+            <a:endParaRPr b="0" lang="de-DE" sz="1800" spc="-1" strike="noStrike">
               <a:solidFill>
                 <a:srgbClr val="000000"/>
               </a:solidFill>
@@ -2157,6 +3856,33 @@
       </p:sp>
     </p:spTree>
   </p:cSld>
+  <p:timing>
+    <p:tnLst>
+      <p:par>
+        <p:cTn id="1" dur="indefinite" restart="never" nodeType="tmRoot">
+          <p:childTnLst>
+            <p:seq>
+              <p:cTn id="2" nodeType="mainSeq"/>
+              <p:prevCondLst>
+                <p:cond delay="0" evt="onPrev">
+                  <p:tgtEl>
+                    <p:sldTgt/>
+                  </p:tgtEl>
+                </p:cond>
+              </p:prevCondLst>
+              <p:nextCondLst>
+                <p:cond delay="0" evt="onNext">
+                  <p:tgtEl>
+                    <p:sldTgt/>
+                  </p:tgtEl>
+                </p:cond>
+              </p:nextCondLst>
+            </p:seq>
+          </p:childTnLst>
+        </p:cTn>
+      </p:par>
+    </p:tnLst>
+  </p:timing>
 </p:sld>
 </file>
 
@@ -2179,14 +3905,14 @@
       </p:grpSpPr>
       <p:sp>
         <p:nvSpPr>
-          <p:cNvPr id="66" name="TextShape 1"/>
-          <p:cNvSpPr txBox="1"/>
+          <p:cNvPr id="107" name="CustomShape 1"/>
+          <p:cNvSpPr/>
           <p:nvPr/>
         </p:nvSpPr>
         <p:spPr>
           <a:xfrm>
             <a:off x="504000" y="301320"/>
-            <a:ext cx="9071640" cy="1262160"/>
+            <a:ext cx="9071280" cy="1261800"/>
           </a:xfrm>
           <a:prstGeom prst="rect">
             <a:avLst/>
@@ -2196,10 +3922,20 @@
             <a:noFill/>
           </a:ln>
         </p:spPr>
+        <p:style>
+          <a:lnRef idx="0"/>
+          <a:fillRef idx="0"/>
+          <a:effectRef idx="0"/>
+          <a:fontRef idx="minor"/>
+        </p:style>
         <p:txBody>
           <a:bodyPr lIns="0" rIns="0" tIns="0" bIns="0" anchor="ctr"/>
           <a:p>
-            <a:pPr algn="ctr"/>
+            <a:pPr algn="ctr">
+              <a:lnSpc>
+                <a:spcPct val="100000"/>
+              </a:lnSpc>
+            </a:pPr>
             <a:r>
               <a:rPr b="0" lang="de-DE" sz="4400" spc="-1" strike="noStrike">
                 <a:solidFill>
@@ -2214,30 +3950,30 @@
               </a:rPr>
               <a:t>Beispiel(5)</a:t>
             </a:r>
-            <a:endParaRPr b="0" lang="de-DE" sz="4400" spc="-1" strike="noStrike">
-              <a:solidFill>
-                <a:srgbClr val="000000"/>
-              </a:solidFill>
-              <a:uFill>
-                <a:solidFill>
-                  <a:srgbClr val="ffffff"/>
-                </a:solidFill>
-              </a:uFill>
-              <a:latin typeface="Arial"/>
-            </a:endParaRPr>
-          </a:p>
-        </p:txBody>
-      </p:sp>
-      <p:sp>
-        <p:nvSpPr>
-          <p:cNvPr id="67" name="TextShape 2"/>
-          <p:cNvSpPr txBox="1"/>
+            <a:endParaRPr b="0" lang="de-DE" sz="1800" spc="-1" strike="noStrike">
+              <a:solidFill>
+                <a:srgbClr val="000000"/>
+              </a:solidFill>
+              <a:uFill>
+                <a:solidFill>
+                  <a:srgbClr val="ffffff"/>
+                </a:solidFill>
+              </a:uFill>
+              <a:latin typeface="Arial"/>
+            </a:endParaRPr>
+          </a:p>
+        </p:txBody>
+      </p:sp>
+      <p:sp>
+        <p:nvSpPr>
+          <p:cNvPr id="108" name="CustomShape 2"/>
+          <p:cNvSpPr/>
           <p:nvPr/>
         </p:nvSpPr>
         <p:spPr>
           <a:xfrm>
             <a:off x="504000" y="1769040"/>
-            <a:ext cx="9071640" cy="4384440"/>
+            <a:ext cx="9071280" cy="4384080"/>
           </a:xfrm>
           <a:prstGeom prst="rect">
             <a:avLst/>
@@ -2247,10 +3983,19 @@
             <a:noFill/>
           </a:ln>
         </p:spPr>
+        <p:style>
+          <a:lnRef idx="0"/>
+          <a:fillRef idx="0"/>
+          <a:effectRef idx="0"/>
+          <a:fontRef idx="minor"/>
+        </p:style>
         <p:txBody>
           <a:bodyPr lIns="0" rIns="0" tIns="0" bIns="0"/>
           <a:p>
-            <a:pPr marL="432000" indent="-324000">
+            <a:pPr marL="432000" indent="-323640">
+              <a:lnSpc>
+                <a:spcPct val="100000"/>
+              </a:lnSpc>
               <a:buClr>
                 <a:srgbClr val="000000"/>
               </a:buClr>
@@ -2272,62 +4017,59 @@
               </a:rPr>
               <a:t>Mit welcher Wahrscheinlichkeit ruft John an wenn eingebrochen wurde:</a:t>
             </a:r>
-            <a:endParaRPr b="0" lang="de-DE" sz="3200" spc="-1" strike="noStrike">
-              <a:solidFill>
-                <a:srgbClr val="000000"/>
-              </a:solidFill>
-              <a:uFill>
-                <a:solidFill>
-                  <a:srgbClr val="ffffff"/>
-                </a:solidFill>
-              </a:uFill>
-              <a:latin typeface="Arial"/>
-            </a:endParaRPr>
-          </a:p>
-          <a:p>
-            <a:pPr marL="432000" indent="-324000">
-              <a:buClr>
-                <a:srgbClr val="000000"/>
-              </a:buClr>
-              <a:buSzPct val="45000"/>
-              <a:buFont typeface="Wingdings" charset="2"/>
-              <a:buChar char=""/>
+            <a:endParaRPr b="0" lang="de-DE" sz="1800" spc="-1" strike="noStrike">
+              <a:solidFill>
+                <a:srgbClr val="000000"/>
+              </a:solidFill>
+              <a:uFill>
+                <a:solidFill>
+                  <a:srgbClr val="ffffff"/>
+                </a:solidFill>
+              </a:uFill>
+              <a:latin typeface="Arial"/>
+            </a:endParaRPr>
+          </a:p>
+          <a:p>
+            <a:pPr>
+              <a:lnSpc>
+                <a:spcPct val="100000"/>
+              </a:lnSpc>
             </a:pPr>
-            <a:endParaRPr b="0" lang="de-DE" sz="3200" spc="-1" strike="noStrike">
-              <a:solidFill>
-                <a:srgbClr val="000000"/>
-              </a:solidFill>
-              <a:uFill>
-                <a:solidFill>
-                  <a:srgbClr val="ffffff"/>
-                </a:solidFill>
-              </a:uFill>
-              <a:latin typeface="Arial"/>
-            </a:endParaRPr>
-          </a:p>
-          <a:p>
-            <a:pPr marL="432000" indent="-324000">
-              <a:buClr>
-                <a:srgbClr val="000000"/>
-              </a:buClr>
-              <a:buSzPct val="45000"/>
-              <a:buFont typeface="Wingdings" charset="2"/>
-              <a:buChar char=""/>
+            <a:endParaRPr b="0" lang="de-DE" sz="1800" spc="-1" strike="noStrike">
+              <a:solidFill>
+                <a:srgbClr val="000000"/>
+              </a:solidFill>
+              <a:uFill>
+                <a:solidFill>
+                  <a:srgbClr val="ffffff"/>
+                </a:solidFill>
+              </a:uFill>
+              <a:latin typeface="Arial"/>
+            </a:endParaRPr>
+          </a:p>
+          <a:p>
+            <a:pPr>
+              <a:lnSpc>
+                <a:spcPct val="100000"/>
+              </a:lnSpc>
             </a:pPr>
-            <a:endParaRPr b="0" lang="de-DE" sz="3200" spc="-1" strike="noStrike">
-              <a:solidFill>
-                <a:srgbClr val="000000"/>
-              </a:solidFill>
-              <a:uFill>
-                <a:solidFill>
-                  <a:srgbClr val="ffffff"/>
-                </a:solidFill>
-              </a:uFill>
-              <a:latin typeface="Arial"/>
-            </a:endParaRPr>
-          </a:p>
-          <a:p>
-            <a:pPr marL="432000" indent="-324000">
+            <a:endParaRPr b="0" lang="de-DE" sz="1800" spc="-1" strike="noStrike">
+              <a:solidFill>
+                <a:srgbClr val="000000"/>
+              </a:solidFill>
+              <a:uFill>
+                <a:solidFill>
+                  <a:srgbClr val="ffffff"/>
+                </a:solidFill>
+              </a:uFill>
+              <a:latin typeface="Arial"/>
+            </a:endParaRPr>
+          </a:p>
+          <a:p>
+            <a:pPr marL="432000" indent="-323640">
+              <a:lnSpc>
+                <a:spcPct val="100000"/>
+              </a:lnSpc>
               <a:buClr>
                 <a:srgbClr val="000000"/>
               </a:buClr>
@@ -2349,7 +4091,7 @@
               </a:rPr>
               <a:t>→ </a:t>
             </a:r>
-            <a:endParaRPr b="0" lang="de-DE" sz="3200" spc="-1" strike="noStrike">
+            <a:endParaRPr b="0" lang="de-DE" sz="1800" spc="-1" strike="noStrike">
               <a:solidFill>
                 <a:srgbClr val="000000"/>
               </a:solidFill>
@@ -2365,7 +4107,7 @@
       </p:sp>
       <p:pic>
         <p:nvPicPr>
-          <p:cNvPr id="68" name="" descr=""/>
+          <p:cNvPr id="109" name="" descr=""/>
           <p:cNvPicPr/>
           <p:nvPr/>
         </p:nvPicPr>
@@ -2376,7 +4118,7 @@
         <p:spPr>
           <a:xfrm>
             <a:off x="208800" y="2692800"/>
-            <a:ext cx="9575280" cy="1147680"/>
+            <a:ext cx="9574920" cy="1147320"/>
           </a:xfrm>
           <a:prstGeom prst="rect">
             <a:avLst/>
@@ -2388,7 +4130,7 @@
       </p:pic>
       <p:pic>
         <p:nvPicPr>
-          <p:cNvPr id="69" name="" descr=""/>
+          <p:cNvPr id="110" name="" descr=""/>
           <p:cNvPicPr/>
           <p:nvPr/>
         </p:nvPicPr>
@@ -2399,7 +4141,7 @@
         <p:spPr>
           <a:xfrm>
             <a:off x="1463040" y="4023360"/>
-            <a:ext cx="7406640" cy="618480"/>
+            <a:ext cx="7406280" cy="618120"/>
           </a:xfrm>
           <a:prstGeom prst="rect">
             <a:avLst/>
@@ -2409,8 +4151,99 @@
           </a:ln>
         </p:spPr>
       </p:pic>
+      <p:sp>
+        <p:nvSpPr>
+          <p:cNvPr id="111" name="TextShape 3"/>
+          <p:cNvSpPr txBox="1"/>
+          <p:nvPr/>
+        </p:nvSpPr>
+        <p:spPr>
+          <a:xfrm>
+            <a:off x="549000" y="6614640"/>
+            <a:ext cx="4002840" cy="426600"/>
+          </a:xfrm>
+          <a:prstGeom prst="rect">
+            <a:avLst/>
+          </a:prstGeom>
+          <a:noFill/>
+          <a:ln>
+            <a:noFill/>
+          </a:ln>
+        </p:spPr>
+        <p:txBody>
+          <a:bodyPr lIns="90000" rIns="90000" tIns="45000" bIns="45000"/>
+          <a:p>
+            <a:fld id="{4AA412A8-41CB-49B6-A38D-4823EB362B89}" type="slidenum">
+              <a:rPr b="0" lang="de-DE" sz="1800" spc="-1" strike="noStrike">
+                <a:solidFill>
+                  <a:srgbClr val="000000"/>
+                </a:solidFill>
+                <a:uFill>
+                  <a:solidFill>
+                    <a:srgbClr val="ffffff"/>
+                  </a:solidFill>
+                </a:uFill>
+                <a:latin typeface="Arial"/>
+              </a:rPr>
+              <a:t>&lt;number&gt;</a:t>
+            </a:fld>
+            <a:r>
+              <a:rPr b="0" lang="de-DE" sz="1800" spc="-1" strike="noStrike">
+                <a:solidFill>
+                  <a:srgbClr val="000000"/>
+                </a:solidFill>
+                <a:uFill>
+                  <a:solidFill>
+                    <a:srgbClr val="ffffff"/>
+                  </a:solidFill>
+                </a:uFill>
+                <a:latin typeface="Arial"/>
+              </a:rPr>
+              <a:t> von 14 </a:t>
+            </a:r>
+            <a:endParaRPr b="0" lang="de-DE" sz="1800" spc="-1" strike="noStrike">
+              <a:solidFill>
+                <a:srgbClr val="000000"/>
+              </a:solidFill>
+              <a:uFill>
+                <a:solidFill>
+                  <a:srgbClr val="ffffff"/>
+                </a:solidFill>
+              </a:uFill>
+              <a:latin typeface="Arial"/>
+            </a:endParaRPr>
+          </a:p>
+        </p:txBody>
+      </p:sp>
     </p:spTree>
   </p:cSld>
+  <p:timing>
+    <p:tnLst>
+      <p:par>
+        <p:cTn id="19" dur="indefinite" restart="never" nodeType="tmRoot">
+          <p:childTnLst>
+            <p:seq>
+              <p:cTn id="20" nodeType="mainSeq"/>
+              <p:prevCondLst>
+                <p:cond delay="0" evt="onPrev">
+                  <p:tgtEl>
+                    <p:sldTgt/>
+                  </p:tgtEl>
+                </p:cond>
+              </p:prevCondLst>
+              <p:nextCondLst>
+                <p:cond delay="0" evt="onNext">
+                  <p:tgtEl>
+                    <p:sldTgt/>
+                  </p:tgtEl>
+                </p:cond>
+              </p:nextCondLst>
+            </p:seq>
+          </p:childTnLst>
+        </p:cTn>
+      </p:par>
+    </p:tnLst>
+  </p:timing>
 </p:sld>
 </file>
 
@@ -2433,14 +4266,14 @@
       </p:grpSpPr>
       <p:sp>
         <p:nvSpPr>
-          <p:cNvPr id="70" name="TextShape 1"/>
-          <p:cNvSpPr txBox="1"/>
+          <p:cNvPr id="112" name="CustomShape 1"/>
+          <p:cNvSpPr/>
           <p:nvPr/>
         </p:nvSpPr>
         <p:spPr>
           <a:xfrm>
             <a:off x="504000" y="301320"/>
-            <a:ext cx="9071640" cy="1262160"/>
+            <a:ext cx="9071280" cy="1261800"/>
           </a:xfrm>
           <a:prstGeom prst="rect">
             <a:avLst/>
@@ -2450,10 +4283,20 @@
             <a:noFill/>
           </a:ln>
         </p:spPr>
+        <p:style>
+          <a:lnRef idx="0"/>
+          <a:fillRef idx="0"/>
+          <a:effectRef idx="0"/>
+          <a:fontRef idx="minor"/>
+        </p:style>
         <p:txBody>
           <a:bodyPr lIns="0" rIns="0" tIns="0" bIns="0" anchor="ctr"/>
           <a:p>
-            <a:pPr algn="ctr"/>
+            <a:pPr algn="ctr">
+              <a:lnSpc>
+                <a:spcPct val="100000"/>
+              </a:lnSpc>
+            </a:pPr>
             <a:r>
               <a:rPr b="0" lang="de-DE" sz="4400" spc="-1" strike="noStrike">
                 <a:solidFill>
@@ -2468,30 +4311,30 @@
               </a:rPr>
               <a:t>Lernen von Bayes‘schen Netzen</a:t>
             </a:r>
-            <a:endParaRPr b="0" lang="de-DE" sz="4400" spc="-1" strike="noStrike">
-              <a:solidFill>
-                <a:srgbClr val="000000"/>
-              </a:solidFill>
-              <a:uFill>
-                <a:solidFill>
-                  <a:srgbClr val="ffffff"/>
-                </a:solidFill>
-              </a:uFill>
-              <a:latin typeface="Arial"/>
-            </a:endParaRPr>
-          </a:p>
-        </p:txBody>
-      </p:sp>
-      <p:sp>
-        <p:nvSpPr>
-          <p:cNvPr id="71" name="TextShape 2"/>
-          <p:cNvSpPr txBox="1"/>
+            <a:endParaRPr b="0" lang="de-DE" sz="1800" spc="-1" strike="noStrike">
+              <a:solidFill>
+                <a:srgbClr val="000000"/>
+              </a:solidFill>
+              <a:uFill>
+                <a:solidFill>
+                  <a:srgbClr val="ffffff"/>
+                </a:solidFill>
+              </a:uFill>
+              <a:latin typeface="Arial"/>
+            </a:endParaRPr>
+          </a:p>
+        </p:txBody>
+      </p:sp>
+      <p:sp>
+        <p:nvSpPr>
+          <p:cNvPr id="113" name="CustomShape 2"/>
+          <p:cNvSpPr/>
           <p:nvPr/>
         </p:nvSpPr>
         <p:spPr>
           <a:xfrm>
             <a:off x="504000" y="1769040"/>
-            <a:ext cx="9071640" cy="4384440"/>
+            <a:ext cx="9071280" cy="4384080"/>
           </a:xfrm>
           <a:prstGeom prst="rect">
             <a:avLst/>
@@ -2501,10 +4344,19 @@
             <a:noFill/>
           </a:ln>
         </p:spPr>
+        <p:style>
+          <a:lnRef idx="0"/>
+          <a:fillRef idx="0"/>
+          <a:effectRef idx="0"/>
+          <a:fontRef idx="minor"/>
+        </p:style>
         <p:txBody>
           <a:bodyPr lIns="0" rIns="0" tIns="0" bIns="0"/>
           <a:p>
-            <a:pPr marL="432000" indent="-324000">
+            <a:pPr marL="432000" indent="-323640">
+              <a:lnSpc>
+                <a:spcPct val="100000"/>
+              </a:lnSpc>
               <a:buClr>
                 <a:srgbClr val="000000"/>
               </a:buClr>
@@ -2526,25 +4378,28 @@
               </a:rPr>
               <a:t>Man unterscheidet hier 4 Fälle [Fiedman]:</a:t>
             </a:r>
-            <a:endParaRPr b="0" lang="de-DE" sz="3200" spc="-1" strike="noStrike">
-              <a:solidFill>
-                <a:srgbClr val="000000"/>
-              </a:solidFill>
-              <a:uFill>
-                <a:solidFill>
-                  <a:srgbClr val="ffffff"/>
-                </a:solidFill>
-              </a:uFill>
-              <a:latin typeface="Arial"/>
-            </a:endParaRPr>
-          </a:p>
-          <a:p>
-            <a:pPr lvl="1" marL="864000" indent="-324000">
+            <a:endParaRPr b="0" lang="de-DE" sz="1800" spc="-1" strike="noStrike">
+              <a:solidFill>
+                <a:srgbClr val="000000"/>
+              </a:solidFill>
+              <a:uFill>
+                <a:solidFill>
+                  <a:srgbClr val="ffffff"/>
+                </a:solidFill>
+              </a:uFill>
+              <a:latin typeface="Arial"/>
+            </a:endParaRPr>
+          </a:p>
+          <a:p>
+            <a:pPr lvl="1" marL="864000" indent="-323640">
+              <a:lnSpc>
+                <a:spcPct val="100000"/>
+              </a:lnSpc>
               <a:buClr>
                 <a:srgbClr val="000000"/>
               </a:buClr>
               <a:buSzPct val="75000"/>
-              <a:buFont typeface="Symbol" charset="2"/>
+              <a:buFont typeface="Symbol"/>
               <a:buChar char=""/>
             </a:pPr>
             <a:r>
@@ -2561,25 +4416,28 @@
               </a:rPr>
               <a:t>Bekannte Struktur, vollständige Datenbasis</a:t>
             </a:r>
-            <a:endParaRPr b="0" lang="de-DE" sz="2800" spc="-1" strike="noStrike">
-              <a:solidFill>
-                <a:srgbClr val="000000"/>
-              </a:solidFill>
-              <a:uFill>
-                <a:solidFill>
-                  <a:srgbClr val="ffffff"/>
-                </a:solidFill>
-              </a:uFill>
-              <a:latin typeface="Arial"/>
-            </a:endParaRPr>
-          </a:p>
-          <a:p>
-            <a:pPr lvl="1" marL="864000" indent="-324000">
+            <a:endParaRPr b="0" lang="de-DE" sz="1800" spc="-1" strike="noStrike">
+              <a:solidFill>
+                <a:srgbClr val="000000"/>
+              </a:solidFill>
+              <a:uFill>
+                <a:solidFill>
+                  <a:srgbClr val="ffffff"/>
+                </a:solidFill>
+              </a:uFill>
+              <a:latin typeface="Arial"/>
+            </a:endParaRPr>
+          </a:p>
+          <a:p>
+            <a:pPr lvl="1" marL="864000" indent="-323640">
+              <a:lnSpc>
+                <a:spcPct val="100000"/>
+              </a:lnSpc>
               <a:buClr>
                 <a:srgbClr val="000000"/>
               </a:buClr>
               <a:buSzPct val="75000"/>
-              <a:buFont typeface="Symbol" charset="2"/>
+              <a:buFont typeface="Symbol"/>
               <a:buChar char=""/>
             </a:pPr>
             <a:r>
@@ -2596,25 +4454,28 @@
               </a:rPr>
               <a:t>Unbekannte Struktur, vollständige Datenbasis</a:t>
             </a:r>
-            <a:endParaRPr b="0" lang="de-DE" sz="2800" spc="-1" strike="noStrike">
-              <a:solidFill>
-                <a:srgbClr val="000000"/>
-              </a:solidFill>
-              <a:uFill>
-                <a:solidFill>
-                  <a:srgbClr val="ffffff"/>
-                </a:solidFill>
-              </a:uFill>
-              <a:latin typeface="Arial"/>
-            </a:endParaRPr>
-          </a:p>
-          <a:p>
-            <a:pPr lvl="1" marL="864000" indent="-324000">
+            <a:endParaRPr b="0" lang="de-DE" sz="1800" spc="-1" strike="noStrike">
+              <a:solidFill>
+                <a:srgbClr val="000000"/>
+              </a:solidFill>
+              <a:uFill>
+                <a:solidFill>
+                  <a:srgbClr val="ffffff"/>
+                </a:solidFill>
+              </a:uFill>
+              <a:latin typeface="Arial"/>
+            </a:endParaRPr>
+          </a:p>
+          <a:p>
+            <a:pPr lvl="1" marL="864000" indent="-323640">
+              <a:lnSpc>
+                <a:spcPct val="100000"/>
+              </a:lnSpc>
               <a:buClr>
                 <a:srgbClr val="000000"/>
               </a:buClr>
               <a:buSzPct val="75000"/>
-              <a:buFont typeface="Symbol" charset="2"/>
+              <a:buFont typeface="Symbol"/>
               <a:buChar char=""/>
             </a:pPr>
             <a:r>
@@ -2631,25 +4492,28 @@
               </a:rPr>
               <a:t>Bekannte Struktur, unvollständige Datenbasis</a:t>
             </a:r>
-            <a:endParaRPr b="0" lang="de-DE" sz="2800" spc="-1" strike="noStrike">
-              <a:solidFill>
-                <a:srgbClr val="000000"/>
-              </a:solidFill>
-              <a:uFill>
-                <a:solidFill>
-                  <a:srgbClr val="ffffff"/>
-                </a:solidFill>
-              </a:uFill>
-              <a:latin typeface="Arial"/>
-            </a:endParaRPr>
-          </a:p>
-          <a:p>
-            <a:pPr lvl="1" marL="864000" indent="-324000">
+            <a:endParaRPr b="0" lang="de-DE" sz="1800" spc="-1" strike="noStrike">
+              <a:solidFill>
+                <a:srgbClr val="000000"/>
+              </a:solidFill>
+              <a:uFill>
+                <a:solidFill>
+                  <a:srgbClr val="ffffff"/>
+                </a:solidFill>
+              </a:uFill>
+              <a:latin typeface="Arial"/>
+            </a:endParaRPr>
+          </a:p>
+          <a:p>
+            <a:pPr lvl="1" marL="864000" indent="-323640">
+              <a:lnSpc>
+                <a:spcPct val="100000"/>
+              </a:lnSpc>
               <a:buClr>
                 <a:srgbClr val="000000"/>
               </a:buClr>
               <a:buSzPct val="75000"/>
-              <a:buFont typeface="Symbol" charset="2"/>
+              <a:buFont typeface="Symbol"/>
               <a:buChar char=""/>
             </a:pPr>
             <a:r>
@@ -2666,20 +4530,23 @@
               </a:rPr>
               <a:t>Unbekannte Struktur, unvollständige Datenbasis</a:t>
             </a:r>
-            <a:endParaRPr b="0" lang="de-DE" sz="2800" spc="-1" strike="noStrike">
-              <a:solidFill>
-                <a:srgbClr val="000000"/>
-              </a:solidFill>
-              <a:uFill>
-                <a:solidFill>
-                  <a:srgbClr val="ffffff"/>
-                </a:solidFill>
-              </a:uFill>
-              <a:latin typeface="Arial"/>
-            </a:endParaRPr>
-          </a:p>
-          <a:p>
-            <a:pPr marL="432000" indent="-324000">
+            <a:endParaRPr b="0" lang="de-DE" sz="1800" spc="-1" strike="noStrike">
+              <a:solidFill>
+                <a:srgbClr val="000000"/>
+              </a:solidFill>
+              <a:uFill>
+                <a:solidFill>
+                  <a:srgbClr val="ffffff"/>
+                </a:solidFill>
+              </a:uFill>
+              <a:latin typeface="Arial"/>
+            </a:endParaRPr>
+          </a:p>
+          <a:p>
+            <a:pPr marL="432000" indent="-323640">
+              <a:lnSpc>
+                <a:spcPct val="100000"/>
+              </a:lnSpc>
               <a:buClr>
                 <a:srgbClr val="000000"/>
               </a:buClr>
@@ -2715,30 +4582,30 @@
               </a:rPr>
               <a:t>Eagern-Lerning </a:t>
             </a:r>
-            <a:endParaRPr b="0" lang="de-DE" sz="3200" spc="-1" strike="noStrike">
-              <a:solidFill>
-                <a:srgbClr val="000000"/>
-              </a:solidFill>
-              <a:uFill>
-                <a:solidFill>
-                  <a:srgbClr val="ffffff"/>
-                </a:solidFill>
-              </a:uFill>
-              <a:latin typeface="Arial"/>
-            </a:endParaRPr>
-          </a:p>
-        </p:txBody>
-      </p:sp>
-      <p:sp>
-        <p:nvSpPr>
-          <p:cNvPr id="72" name="TextShape 3"/>
-          <p:cNvSpPr txBox="1"/>
+            <a:endParaRPr b="0" lang="de-DE" sz="1800" spc="-1" strike="noStrike">
+              <a:solidFill>
+                <a:srgbClr val="000000"/>
+              </a:solidFill>
+              <a:uFill>
+                <a:solidFill>
+                  <a:srgbClr val="ffffff"/>
+                </a:solidFill>
+              </a:uFill>
+              <a:latin typeface="Arial"/>
+            </a:endParaRPr>
+          </a:p>
+        </p:txBody>
+      </p:sp>
+      <p:sp>
+        <p:nvSpPr>
+          <p:cNvPr id="114" name="CustomShape 3"/>
+          <p:cNvSpPr/>
           <p:nvPr/>
         </p:nvSpPr>
         <p:spPr>
           <a:xfrm>
             <a:off x="1828800" y="2834640"/>
-            <a:ext cx="180720" cy="427320"/>
+            <a:ext cx="180360" cy="426960"/>
           </a:xfrm>
           <a:prstGeom prst="rect">
             <a:avLst/>
@@ -2748,9 +4615,106 @@
             <a:noFill/>
           </a:ln>
         </p:spPr>
+        <p:style>
+          <a:lnRef idx="0"/>
+          <a:fillRef idx="0"/>
+          <a:effectRef idx="0"/>
+          <a:fontRef idx="minor"/>
+        </p:style>
+      </p:sp>
+      <p:sp>
+        <p:nvSpPr>
+          <p:cNvPr id="115" name="TextShape 4"/>
+          <p:cNvSpPr txBox="1"/>
+          <p:nvPr/>
+        </p:nvSpPr>
+        <p:spPr>
+          <a:xfrm>
+            <a:off x="548640" y="6614280"/>
+            <a:ext cx="4002840" cy="426600"/>
+          </a:xfrm>
+          <a:prstGeom prst="rect">
+            <a:avLst/>
+          </a:prstGeom>
+          <a:noFill/>
+          <a:ln>
+            <a:noFill/>
+          </a:ln>
+        </p:spPr>
+        <p:txBody>
+          <a:bodyPr lIns="90000" rIns="90000" tIns="45000" bIns="45000"/>
+          <a:p>
+            <a:fld id="{112A59EE-A84C-480E-9166-9558CCEE44C9}" type="slidenum">
+              <a:rPr b="0" lang="de-DE" sz="1800" spc="-1" strike="noStrike">
+                <a:solidFill>
+                  <a:srgbClr val="000000"/>
+                </a:solidFill>
+                <a:uFill>
+                  <a:solidFill>
+                    <a:srgbClr val="ffffff"/>
+                  </a:solidFill>
+                </a:uFill>
+                <a:latin typeface="Arial"/>
+              </a:rPr>
+              <a:t>&lt;number&gt;</a:t>
+            </a:fld>
+            <a:r>
+              <a:rPr b="0" lang="de-DE" sz="1800" spc="-1" strike="noStrike">
+                <a:solidFill>
+                  <a:srgbClr val="000000"/>
+                </a:solidFill>
+                <a:uFill>
+                  <a:solidFill>
+                    <a:srgbClr val="ffffff"/>
+                  </a:solidFill>
+                </a:uFill>
+                <a:latin typeface="Arial"/>
+              </a:rPr>
+              <a:t> von 14 </a:t>
+            </a:r>
+            <a:endParaRPr b="0" lang="de-DE" sz="1800" spc="-1" strike="noStrike">
+              <a:solidFill>
+                <a:srgbClr val="000000"/>
+              </a:solidFill>
+              <a:uFill>
+                <a:solidFill>
+                  <a:srgbClr val="ffffff"/>
+                </a:solidFill>
+              </a:uFill>
+              <a:latin typeface="Arial"/>
+            </a:endParaRPr>
+          </a:p>
+        </p:txBody>
       </p:sp>
     </p:spTree>
   </p:cSld>
+  <p:timing>
+    <p:tnLst>
+      <p:par>
+        <p:cTn id="21" dur="indefinite" restart="never" nodeType="tmRoot">
+          <p:childTnLst>
+            <p:seq>
+              <p:cTn id="22" nodeType="mainSeq"/>
+              <p:prevCondLst>
+                <p:cond delay="0" evt="onPrev">
+                  <p:tgtEl>
+                    <p:sldTgt/>
+                  </p:tgtEl>
+                </p:cond>
+              </p:prevCondLst>
+              <p:nextCondLst>
+                <p:cond delay="0" evt="onNext">
+                  <p:tgtEl>
+                    <p:sldTgt/>
+                  </p:tgtEl>
+                </p:cond>
+              </p:nextCondLst>
+            </p:seq>
+          </p:childTnLst>
+        </p:cTn>
+      </p:par>
+    </p:tnLst>
+  </p:timing>
 </p:sld>
 </file>
 
@@ -2773,14 +4737,14 @@
       </p:grpSpPr>
       <p:sp>
         <p:nvSpPr>
-          <p:cNvPr id="73" name="TextShape 1"/>
-          <p:cNvSpPr txBox="1"/>
+          <p:cNvPr id="116" name="CustomShape 1"/>
+          <p:cNvSpPr/>
           <p:nvPr/>
         </p:nvSpPr>
         <p:spPr>
           <a:xfrm>
             <a:off x="504000" y="301320"/>
-            <a:ext cx="9071640" cy="1262160"/>
+            <a:ext cx="9071280" cy="1261800"/>
           </a:xfrm>
           <a:prstGeom prst="rect">
             <a:avLst/>
@@ -2790,10 +4754,20 @@
             <a:noFill/>
           </a:ln>
         </p:spPr>
+        <p:style>
+          <a:lnRef idx="0"/>
+          <a:fillRef idx="0"/>
+          <a:effectRef idx="0"/>
+          <a:fontRef idx="minor"/>
+        </p:style>
         <p:txBody>
           <a:bodyPr lIns="0" rIns="0" tIns="0" bIns="0" anchor="ctr"/>
           <a:p>
-            <a:pPr algn="ctr"/>
+            <a:pPr algn="ctr">
+              <a:lnSpc>
+                <a:spcPct val="100000"/>
+              </a:lnSpc>
+            </a:pPr>
             <a:r>
               <a:rPr b="0" lang="de-DE" sz="4400" spc="-1" strike="noStrike">
                 <a:solidFill>
@@ -2808,30 +4782,30 @@
               </a:rPr>
               <a:t>Anwendung in der Robotik</a:t>
             </a:r>
-            <a:endParaRPr b="0" lang="de-DE" sz="4400" spc="-1" strike="noStrike">
-              <a:solidFill>
-                <a:srgbClr val="000000"/>
-              </a:solidFill>
-              <a:uFill>
-                <a:solidFill>
-                  <a:srgbClr val="ffffff"/>
-                </a:solidFill>
-              </a:uFill>
-              <a:latin typeface="Arial"/>
-            </a:endParaRPr>
-          </a:p>
-        </p:txBody>
-      </p:sp>
-      <p:sp>
-        <p:nvSpPr>
-          <p:cNvPr id="74" name="TextShape 2"/>
-          <p:cNvSpPr txBox="1"/>
+            <a:endParaRPr b="0" lang="de-DE" sz="1800" spc="-1" strike="noStrike">
+              <a:solidFill>
+                <a:srgbClr val="000000"/>
+              </a:solidFill>
+              <a:uFill>
+                <a:solidFill>
+                  <a:srgbClr val="ffffff"/>
+                </a:solidFill>
+              </a:uFill>
+              <a:latin typeface="Arial"/>
+            </a:endParaRPr>
+          </a:p>
+        </p:txBody>
+      </p:sp>
+      <p:sp>
+        <p:nvSpPr>
+          <p:cNvPr id="117" name="CustomShape 2"/>
+          <p:cNvSpPr/>
           <p:nvPr/>
         </p:nvSpPr>
         <p:spPr>
           <a:xfrm>
             <a:off x="504000" y="1769040"/>
-            <a:ext cx="9071640" cy="4384440"/>
+            <a:ext cx="9071280" cy="4384080"/>
           </a:xfrm>
           <a:prstGeom prst="rect">
             <a:avLst/>
@@ -2841,10 +4815,19 @@
             <a:noFill/>
           </a:ln>
         </p:spPr>
+        <p:style>
+          <a:lnRef idx="0"/>
+          <a:fillRef idx="0"/>
+          <a:effectRef idx="0"/>
+          <a:fontRef idx="minor"/>
+        </p:style>
         <p:txBody>
           <a:bodyPr lIns="0" rIns="0" tIns="0" bIns="0"/>
           <a:p>
-            <a:pPr marL="432000" indent="-324000">
+            <a:pPr marL="432000" indent="-323640">
+              <a:lnSpc>
+                <a:spcPct val="100000"/>
+              </a:lnSpc>
               <a:buClr>
                 <a:srgbClr val="000000"/>
               </a:buClr>
@@ -2853,9 +4836,9 @@
               <a:buChar char=""/>
             </a:pPr>
             <a:r>
-              <a:rPr b="0" lang="de-DE" sz="3200" spc="-1" strike="noStrike">
-                <a:solidFill>
-                  <a:srgbClr val="000000"/>
+              <a:rPr b="0" lang="de-DE" sz="3200" spc="-1" strike="noStrike" u="sng">
+                <a:solidFill>
+                  <a:srgbClr val="0000ff"/>
                 </a:solidFill>
                 <a:uFill>
                   <a:solidFill>
@@ -2867,20 +4850,23 @@
               </a:rPr>
               <a:t>Erkennung von Objekten in der Bildverarbeitung</a:t>
             </a:r>
-            <a:endParaRPr b="0" lang="de-DE" sz="3200" spc="-1" strike="noStrike">
-              <a:solidFill>
-                <a:srgbClr val="000000"/>
-              </a:solidFill>
-              <a:uFill>
-                <a:solidFill>
-                  <a:srgbClr val="ffffff"/>
-                </a:solidFill>
-              </a:uFill>
-              <a:latin typeface="Arial"/>
-            </a:endParaRPr>
-          </a:p>
-          <a:p>
-            <a:pPr marL="432000" indent="-324000">
+            <a:endParaRPr b="0" lang="de-DE" sz="1800" spc="-1" strike="noStrike">
+              <a:solidFill>
+                <a:srgbClr val="000000"/>
+              </a:solidFill>
+              <a:uFill>
+                <a:solidFill>
+                  <a:srgbClr val="ffffff"/>
+                </a:solidFill>
+              </a:uFill>
+              <a:latin typeface="Arial"/>
+            </a:endParaRPr>
+          </a:p>
+          <a:p>
+            <a:pPr marL="432000" indent="-323640">
+              <a:lnSpc>
+                <a:spcPct val="100000"/>
+              </a:lnSpc>
               <a:buClr>
                 <a:srgbClr val="000000"/>
               </a:buClr>
@@ -2889,9 +4875,9 @@
               <a:buChar char=""/>
             </a:pPr>
             <a:r>
-              <a:rPr b="0" lang="de-DE" sz="3200" spc="-1" strike="noStrike">
-                <a:solidFill>
-                  <a:srgbClr val="000000"/>
+              <a:rPr b="0" lang="de-DE" sz="3200" spc="-1" strike="noStrike" u="sng">
+                <a:solidFill>
+                  <a:srgbClr val="0000ff"/>
                 </a:solidFill>
                 <a:uFill>
                   <a:solidFill>
@@ -2903,20 +4889,23 @@
               </a:rPr>
               <a:t>Umgang mit falschen Sensordaten</a:t>
             </a:r>
-            <a:endParaRPr b="0" lang="de-DE" sz="3200" spc="-1" strike="noStrike">
-              <a:solidFill>
-                <a:srgbClr val="000000"/>
-              </a:solidFill>
-              <a:uFill>
-                <a:solidFill>
-                  <a:srgbClr val="ffffff"/>
-                </a:solidFill>
-              </a:uFill>
-              <a:latin typeface="Arial"/>
-            </a:endParaRPr>
-          </a:p>
-          <a:p>
-            <a:pPr marL="432000" indent="-324000">
+            <a:endParaRPr b="0" lang="de-DE" sz="1800" spc="-1" strike="noStrike">
+              <a:solidFill>
+                <a:srgbClr val="000000"/>
+              </a:solidFill>
+              <a:uFill>
+                <a:solidFill>
+                  <a:srgbClr val="ffffff"/>
+                </a:solidFill>
+              </a:uFill>
+              <a:latin typeface="Arial"/>
+            </a:endParaRPr>
+          </a:p>
+          <a:p>
+            <a:pPr marL="432000" indent="-323640">
+              <a:lnSpc>
+                <a:spcPct val="100000"/>
+              </a:lnSpc>
               <a:buClr>
                 <a:srgbClr val="000000"/>
               </a:buClr>
@@ -2925,9 +4914,9 @@
               <a:buChar char=""/>
             </a:pPr>
             <a:r>
-              <a:rPr b="0" lang="de-DE" sz="3200" spc="-1" strike="noStrike">
-                <a:solidFill>
-                  <a:srgbClr val="000000"/>
+              <a:rPr b="0" lang="de-DE" sz="3200" spc="-1" strike="noStrike" u="sng">
+                <a:solidFill>
+                  <a:srgbClr val="0000ff"/>
                 </a:solidFill>
                 <a:uFill>
                   <a:solidFill>
@@ -2939,7 +4928,71 @@
               </a:rPr>
               <a:t>Umgang mit falschen Sensordaten in Hinblick auf die Auswertung verschiedener Sensoren</a:t>
             </a:r>
-            <a:endParaRPr b="0" lang="de-DE" sz="3200" spc="-1" strike="noStrike">
+            <a:endParaRPr b="0" lang="de-DE" sz="1800" spc="-1" strike="noStrike">
+              <a:solidFill>
+                <a:srgbClr val="000000"/>
+              </a:solidFill>
+              <a:uFill>
+                <a:solidFill>
+                  <a:srgbClr val="ffffff"/>
+                </a:solidFill>
+              </a:uFill>
+              <a:latin typeface="Arial"/>
+            </a:endParaRPr>
+          </a:p>
+        </p:txBody>
+      </p:sp>
+      <p:sp>
+        <p:nvSpPr>
+          <p:cNvPr id="118" name="TextShape 3"/>
+          <p:cNvSpPr txBox="1"/>
+          <p:nvPr/>
+        </p:nvSpPr>
+        <p:spPr>
+          <a:xfrm>
+            <a:off x="549000" y="6614640"/>
+            <a:ext cx="4002840" cy="426600"/>
+          </a:xfrm>
+          <a:prstGeom prst="rect">
+            <a:avLst/>
+          </a:prstGeom>
+          <a:noFill/>
+          <a:ln>
+            <a:noFill/>
+          </a:ln>
+        </p:spPr>
+        <p:txBody>
+          <a:bodyPr lIns="90000" rIns="90000" tIns="45000" bIns="45000"/>
+          <a:p>
+            <a:fld id="{B69ACC49-21C3-49CB-A89A-CF90AFD0B0DC}" type="slidenum">
+              <a:rPr b="0" lang="de-DE" sz="1800" spc="-1" strike="noStrike">
+                <a:solidFill>
+                  <a:srgbClr val="000000"/>
+                </a:solidFill>
+                <a:uFill>
+                  <a:solidFill>
+                    <a:srgbClr val="ffffff"/>
+                  </a:solidFill>
+                </a:uFill>
+                <a:latin typeface="Arial"/>
+              </a:rPr>
+              <a:t>&lt;number&gt;</a:t>
+            </a:fld>
+            <a:r>
+              <a:rPr b="0" lang="de-DE" sz="1800" spc="-1" strike="noStrike">
+                <a:solidFill>
+                  <a:srgbClr val="000000"/>
+                </a:solidFill>
+                <a:uFill>
+                  <a:solidFill>
+                    <a:srgbClr val="ffffff"/>
+                  </a:solidFill>
+                </a:uFill>
+                <a:latin typeface="Arial"/>
+              </a:rPr>
+              <a:t> von 14 </a:t>
+            </a:r>
+            <a:endParaRPr b="0" lang="de-DE" sz="1800" spc="-1" strike="noStrike">
               <a:solidFill>
                 <a:srgbClr val="000000"/>
               </a:solidFill>
@@ -2955,6 +5008,33 @@
       </p:sp>
     </p:spTree>
   </p:cSld>
+  <p:timing>
+    <p:tnLst>
+      <p:par>
+        <p:cTn id="23" dur="indefinite" restart="never" nodeType="tmRoot">
+          <p:childTnLst>
+            <p:seq>
+              <p:cTn id="24" nodeType="mainSeq"/>
+              <p:prevCondLst>
+                <p:cond delay="0" evt="onPrev">
+                  <p:tgtEl>
+                    <p:sldTgt/>
+                  </p:tgtEl>
+                </p:cond>
+              </p:prevCondLst>
+              <p:nextCondLst>
+                <p:cond delay="0" evt="onNext">
+                  <p:tgtEl>
+                    <p:sldTgt/>
+                  </p:tgtEl>
+                </p:cond>
+              </p:nextCondLst>
+            </p:seq>
+          </p:childTnLst>
+        </p:cTn>
+      </p:par>
+    </p:tnLst>
+  </p:timing>
 </p:sld>
 </file>
 
@@ -2977,14 +5057,14 @@
       </p:grpSpPr>
       <p:sp>
         <p:nvSpPr>
-          <p:cNvPr id="75" name="TextShape 1"/>
-          <p:cNvSpPr txBox="1"/>
+          <p:cNvPr id="119" name="CustomShape 1"/>
+          <p:cNvSpPr/>
           <p:nvPr/>
         </p:nvSpPr>
         <p:spPr>
           <a:xfrm>
             <a:off x="504000" y="301320"/>
-            <a:ext cx="9071640" cy="1262160"/>
+            <a:ext cx="9071280" cy="1261800"/>
           </a:xfrm>
           <a:prstGeom prst="rect">
             <a:avLst/>
@@ -2994,10 +5074,20 @@
             <a:noFill/>
           </a:ln>
         </p:spPr>
+        <p:style>
+          <a:lnRef idx="0"/>
+          <a:fillRef idx="0"/>
+          <a:effectRef idx="0"/>
+          <a:fontRef idx="minor"/>
+        </p:style>
         <p:txBody>
           <a:bodyPr lIns="0" rIns="0" tIns="0" bIns="0" anchor="ctr"/>
           <a:p>
-            <a:pPr algn="ctr"/>
+            <a:pPr algn="ctr">
+              <a:lnSpc>
+                <a:spcPct val="100000"/>
+              </a:lnSpc>
+            </a:pPr>
             <a:r>
               <a:rPr b="0" lang="de-DE" sz="4400" spc="-1" strike="noStrike">
                 <a:solidFill>
@@ -3012,30 +5102,30 @@
               </a:rPr>
               <a:t>Quellen</a:t>
             </a:r>
-            <a:endParaRPr b="0" lang="de-DE" sz="4400" spc="-1" strike="noStrike">
-              <a:solidFill>
-                <a:srgbClr val="000000"/>
-              </a:solidFill>
-              <a:uFill>
-                <a:solidFill>
-                  <a:srgbClr val="ffffff"/>
-                </a:solidFill>
-              </a:uFill>
-              <a:latin typeface="Arial"/>
-            </a:endParaRPr>
-          </a:p>
-        </p:txBody>
-      </p:sp>
-      <p:sp>
-        <p:nvSpPr>
-          <p:cNvPr id="76" name="TextShape 2"/>
-          <p:cNvSpPr txBox="1"/>
+            <a:endParaRPr b="0" lang="de-DE" sz="1800" spc="-1" strike="noStrike">
+              <a:solidFill>
+                <a:srgbClr val="000000"/>
+              </a:solidFill>
+              <a:uFill>
+                <a:solidFill>
+                  <a:srgbClr val="ffffff"/>
+                </a:solidFill>
+              </a:uFill>
+              <a:latin typeface="Arial"/>
+            </a:endParaRPr>
+          </a:p>
+        </p:txBody>
+      </p:sp>
+      <p:sp>
+        <p:nvSpPr>
+          <p:cNvPr id="120" name="CustomShape 2"/>
+          <p:cNvSpPr/>
           <p:nvPr/>
         </p:nvSpPr>
         <p:spPr>
           <a:xfrm>
             <a:off x="504000" y="1769040"/>
-            <a:ext cx="9071640" cy="4384440"/>
+            <a:ext cx="9071280" cy="4384080"/>
           </a:xfrm>
           <a:prstGeom prst="rect">
             <a:avLst/>
@@ -3045,26 +5135,16 @@
             <a:noFill/>
           </a:ln>
         </p:spPr>
-        <p:txBody>
-          <a:bodyPr lIns="0" rIns="0" tIns="0" bIns="0"/>
-          <a:p>
-            <a:endParaRPr b="0" lang="de-DE" sz="3200" spc="-1" strike="noStrike">
-              <a:solidFill>
-                <a:srgbClr val="000000"/>
-              </a:solidFill>
-              <a:uFill>
-                <a:solidFill>
-                  <a:srgbClr val="ffffff"/>
-                </a:solidFill>
-              </a:uFill>
-              <a:latin typeface="Arial"/>
-            </a:endParaRPr>
-          </a:p>
-        </p:txBody>
+        <p:style>
+          <a:lnRef idx="0"/>
+          <a:fillRef idx="0"/>
+          <a:effectRef idx="0"/>
+          <a:fontRef idx="minor"/>
+        </p:style>
       </p:sp>
       <p:pic>
         <p:nvPicPr>
-          <p:cNvPr id="77" name="" descr=""/>
+          <p:cNvPr id="121" name="" descr=""/>
           <p:cNvPicPr/>
           <p:nvPr/>
         </p:nvPicPr>
@@ -3075,7 +5155,7 @@
         <p:spPr>
           <a:xfrm>
             <a:off x="640080" y="1828800"/>
-            <a:ext cx="8723160" cy="2780280"/>
+            <a:ext cx="8722800" cy="2779920"/>
           </a:xfrm>
           <a:prstGeom prst="rect">
             <a:avLst/>
@@ -3085,8 +5165,99 @@
           </a:ln>
         </p:spPr>
       </p:pic>
+      <p:sp>
+        <p:nvSpPr>
+          <p:cNvPr id="122" name="TextShape 3"/>
+          <p:cNvSpPr txBox="1"/>
+          <p:nvPr/>
+        </p:nvSpPr>
+        <p:spPr>
+          <a:xfrm>
+            <a:off x="549000" y="6614640"/>
+            <a:ext cx="4002840" cy="426600"/>
+          </a:xfrm>
+          <a:prstGeom prst="rect">
+            <a:avLst/>
+          </a:prstGeom>
+          <a:noFill/>
+          <a:ln>
+            <a:noFill/>
+          </a:ln>
+        </p:spPr>
+        <p:txBody>
+          <a:bodyPr lIns="90000" rIns="90000" tIns="45000" bIns="45000"/>
+          <a:p>
+            <a:fld id="{59B4F9B1-0AF6-4922-8F96-3B46803A88EA}" type="slidenum">
+              <a:rPr b="0" lang="de-DE" sz="1800" spc="-1" strike="noStrike">
+                <a:solidFill>
+                  <a:srgbClr val="000000"/>
+                </a:solidFill>
+                <a:uFill>
+                  <a:solidFill>
+                    <a:srgbClr val="ffffff"/>
+                  </a:solidFill>
+                </a:uFill>
+                <a:latin typeface="Arial"/>
+              </a:rPr>
+              <a:t>&lt;number&gt;</a:t>
+            </a:fld>
+            <a:r>
+              <a:rPr b="0" lang="de-DE" sz="1800" spc="-1" strike="noStrike">
+                <a:solidFill>
+                  <a:srgbClr val="000000"/>
+                </a:solidFill>
+                <a:uFill>
+                  <a:solidFill>
+                    <a:srgbClr val="ffffff"/>
+                  </a:solidFill>
+                </a:uFill>
+                <a:latin typeface="Arial"/>
+              </a:rPr>
+              <a:t> von 14 </a:t>
+            </a:r>
+            <a:endParaRPr b="0" lang="de-DE" sz="1800" spc="-1" strike="noStrike">
+              <a:solidFill>
+                <a:srgbClr val="000000"/>
+              </a:solidFill>
+              <a:uFill>
+                <a:solidFill>
+                  <a:srgbClr val="ffffff"/>
+                </a:solidFill>
+              </a:uFill>
+              <a:latin typeface="Arial"/>
+            </a:endParaRPr>
+          </a:p>
+        </p:txBody>
+      </p:sp>
     </p:spTree>
   </p:cSld>
+  <p:timing>
+    <p:tnLst>
+      <p:par>
+        <p:cTn id="25" dur="indefinite" restart="never" nodeType="tmRoot">
+          <p:childTnLst>
+            <p:seq>
+              <p:cTn id="26" nodeType="mainSeq"/>
+              <p:prevCondLst>
+                <p:cond delay="0" evt="onPrev">
+                  <p:tgtEl>
+                    <p:sldTgt/>
+                  </p:tgtEl>
+                </p:cond>
+              </p:prevCondLst>
+              <p:nextCondLst>
+                <p:cond delay="0" evt="onNext">
+                  <p:tgtEl>
+                    <p:sldTgt/>
+                  </p:tgtEl>
+                </p:cond>
+              </p:nextCondLst>
+            </p:seq>
+          </p:childTnLst>
+        </p:cTn>
+      </p:par>
+    </p:tnLst>
+  </p:timing>
 </p:sld>
 </file>
 
@@ -3109,14 +5280,14 @@
       </p:grpSpPr>
       <p:sp>
         <p:nvSpPr>
-          <p:cNvPr id="78" name="TextShape 1"/>
-          <p:cNvSpPr txBox="1"/>
+          <p:cNvPr id="123" name="CustomShape 1"/>
+          <p:cNvSpPr/>
           <p:nvPr/>
         </p:nvSpPr>
         <p:spPr>
           <a:xfrm>
             <a:off x="504000" y="301320"/>
-            <a:ext cx="9071640" cy="1262160"/>
+            <a:ext cx="9071280" cy="1261800"/>
           </a:xfrm>
           <a:prstGeom prst="rect">
             <a:avLst/>
@@ -3126,10 +5297,20 @@
             <a:noFill/>
           </a:ln>
         </p:spPr>
+        <p:style>
+          <a:lnRef idx="0"/>
+          <a:fillRef idx="0"/>
+          <a:effectRef idx="0"/>
+          <a:fontRef idx="minor"/>
+        </p:style>
         <p:txBody>
           <a:bodyPr lIns="0" rIns="0" tIns="0" bIns="0" anchor="ctr"/>
           <a:p>
-            <a:pPr algn="ctr"/>
+            <a:pPr algn="ctr">
+              <a:lnSpc>
+                <a:spcPct val="100000"/>
+              </a:lnSpc>
+            </a:pPr>
             <a:r>
               <a:rPr b="0" lang="de-DE" sz="4400" spc="-1" strike="noStrike">
                 <a:solidFill>
@@ -3144,30 +5325,30 @@
               </a:rPr>
               <a:t>Danke</a:t>
             </a:r>
-            <a:endParaRPr b="0" lang="de-DE" sz="4400" spc="-1" strike="noStrike">
-              <a:solidFill>
-                <a:srgbClr val="000000"/>
-              </a:solidFill>
-              <a:uFill>
-                <a:solidFill>
-                  <a:srgbClr val="ffffff"/>
-                </a:solidFill>
-              </a:uFill>
-              <a:latin typeface="Arial"/>
-            </a:endParaRPr>
-          </a:p>
-        </p:txBody>
-      </p:sp>
-      <p:sp>
-        <p:nvSpPr>
-          <p:cNvPr id="79" name="TextShape 2"/>
-          <p:cNvSpPr txBox="1"/>
+            <a:endParaRPr b="0" lang="de-DE" sz="1800" spc="-1" strike="noStrike">
+              <a:solidFill>
+                <a:srgbClr val="000000"/>
+              </a:solidFill>
+              <a:uFill>
+                <a:solidFill>
+                  <a:srgbClr val="ffffff"/>
+                </a:solidFill>
+              </a:uFill>
+              <a:latin typeface="Arial"/>
+            </a:endParaRPr>
+          </a:p>
+        </p:txBody>
+      </p:sp>
+      <p:sp>
+        <p:nvSpPr>
+          <p:cNvPr id="124" name="CustomShape 2"/>
+          <p:cNvSpPr/>
           <p:nvPr/>
         </p:nvSpPr>
         <p:spPr>
           <a:xfrm>
             <a:off x="504000" y="1769040"/>
-            <a:ext cx="9071640" cy="4384440"/>
+            <a:ext cx="9071280" cy="4384080"/>
           </a:xfrm>
           <a:prstGeom prst="rect">
             <a:avLst/>
@@ -3177,10 +5358,64 @@
             <a:noFill/>
           </a:ln>
         </p:spPr>
-        <p:txBody>
-          <a:bodyPr lIns="0" rIns="0" tIns="0" bIns="0"/>
-          <a:p>
-            <a:endParaRPr b="0" lang="de-DE" sz="3200" spc="-1" strike="noStrike">
+        <p:style>
+          <a:lnRef idx="0"/>
+          <a:fillRef idx="0"/>
+          <a:effectRef idx="0"/>
+          <a:fontRef idx="minor"/>
+        </p:style>
+      </p:sp>
+      <p:sp>
+        <p:nvSpPr>
+          <p:cNvPr id="125" name="TextShape 3"/>
+          <p:cNvSpPr txBox="1"/>
+          <p:nvPr/>
+        </p:nvSpPr>
+        <p:spPr>
+          <a:xfrm>
+            <a:off x="549000" y="6614640"/>
+            <a:ext cx="4002840" cy="426600"/>
+          </a:xfrm>
+          <a:prstGeom prst="rect">
+            <a:avLst/>
+          </a:prstGeom>
+          <a:noFill/>
+          <a:ln>
+            <a:noFill/>
+          </a:ln>
+        </p:spPr>
+        <p:txBody>
+          <a:bodyPr lIns="90000" rIns="90000" tIns="45000" bIns="45000"/>
+          <a:p>
+            <a:fld id="{DA414FA3-B258-4F33-9F33-F450DC7E794E}" type="slidenum">
+              <a:rPr b="0" lang="de-DE" sz="1800" spc="-1" strike="noStrike">
+                <a:solidFill>
+                  <a:srgbClr val="000000"/>
+                </a:solidFill>
+                <a:uFill>
+                  <a:solidFill>
+                    <a:srgbClr val="ffffff"/>
+                  </a:solidFill>
+                </a:uFill>
+                <a:latin typeface="Arial"/>
+              </a:rPr>
+              <a:t>&lt;number&gt;</a:t>
+            </a:fld>
+            <a:r>
+              <a:rPr b="0" lang="de-DE" sz="1800" spc="-1" strike="noStrike">
+                <a:solidFill>
+                  <a:srgbClr val="000000"/>
+                </a:solidFill>
+                <a:uFill>
+                  <a:solidFill>
+                    <a:srgbClr val="ffffff"/>
+                  </a:solidFill>
+                </a:uFill>
+                <a:latin typeface="Arial"/>
+              </a:rPr>
+              <a:t> von 14 </a:t>
+            </a:r>
+            <a:endParaRPr b="0" lang="de-DE" sz="1800" spc="-1" strike="noStrike">
               <a:solidFill>
                 <a:srgbClr val="000000"/>
               </a:solidFill>
@@ -3196,6 +5431,33 @@
       </p:sp>
     </p:spTree>
   </p:cSld>
+  <p:timing>
+    <p:tnLst>
+      <p:par>
+        <p:cTn id="27" dur="indefinite" restart="never" nodeType="tmRoot">
+          <p:childTnLst>
+            <p:seq>
+              <p:cTn id="28" nodeType="mainSeq"/>
+              <p:prevCondLst>
+                <p:cond delay="0" evt="onPrev">
+                  <p:tgtEl>
+                    <p:sldTgt/>
+                  </p:tgtEl>
+                </p:cond>
+              </p:prevCondLst>
+              <p:nextCondLst>
+                <p:cond delay="0" evt="onNext">
+                  <p:tgtEl>
+                    <p:sldTgt/>
+                  </p:tgtEl>
+                </p:cond>
+              </p:nextCondLst>
+            </p:seq>
+          </p:childTnLst>
+        </p:cTn>
+      </p:par>
+    </p:tnLst>
+  </p:timing>
 </p:sld>
 </file>
 
@@ -3218,14 +5480,14 @@
       </p:grpSpPr>
       <p:sp>
         <p:nvSpPr>
-          <p:cNvPr id="41" name="TextShape 1"/>
-          <p:cNvSpPr txBox="1"/>
+          <p:cNvPr id="74" name="CustomShape 1"/>
+          <p:cNvSpPr/>
           <p:nvPr/>
         </p:nvSpPr>
         <p:spPr>
           <a:xfrm>
             <a:off x="504000" y="301320"/>
-            <a:ext cx="9071640" cy="1262160"/>
+            <a:ext cx="9071280" cy="1261800"/>
           </a:xfrm>
           <a:prstGeom prst="rect">
             <a:avLst/>
@@ -3235,10 +5497,20 @@
             <a:noFill/>
           </a:ln>
         </p:spPr>
+        <p:style>
+          <a:lnRef idx="0"/>
+          <a:fillRef idx="0"/>
+          <a:effectRef idx="0"/>
+          <a:fontRef idx="minor"/>
+        </p:style>
         <p:txBody>
           <a:bodyPr lIns="0" rIns="0" tIns="0" bIns="0" anchor="ctr"/>
           <a:p>
-            <a:pPr algn="ctr"/>
+            <a:pPr algn="ctr">
+              <a:lnSpc>
+                <a:spcPct val="100000"/>
+              </a:lnSpc>
+            </a:pPr>
             <a:r>
               <a:rPr b="0" lang="de-DE" sz="4400" spc="-1" strike="noStrike">
                 <a:solidFill>
@@ -3253,30 +5525,30 @@
               </a:rPr>
               <a:t>Bayes‘sche Netze?</a:t>
             </a:r>
-            <a:endParaRPr b="0" lang="de-DE" sz="4400" spc="-1" strike="noStrike">
-              <a:solidFill>
-                <a:srgbClr val="000000"/>
-              </a:solidFill>
-              <a:uFill>
-                <a:solidFill>
-                  <a:srgbClr val="ffffff"/>
-                </a:solidFill>
-              </a:uFill>
-              <a:latin typeface="Arial"/>
-            </a:endParaRPr>
-          </a:p>
-        </p:txBody>
-      </p:sp>
-      <p:sp>
-        <p:nvSpPr>
-          <p:cNvPr id="42" name="TextShape 2"/>
-          <p:cNvSpPr txBox="1"/>
+            <a:endParaRPr b="0" lang="de-DE" sz="1800" spc="-1" strike="noStrike">
+              <a:solidFill>
+                <a:srgbClr val="000000"/>
+              </a:solidFill>
+              <a:uFill>
+                <a:solidFill>
+                  <a:srgbClr val="ffffff"/>
+                </a:solidFill>
+              </a:uFill>
+              <a:latin typeface="Arial"/>
+            </a:endParaRPr>
+          </a:p>
+        </p:txBody>
+      </p:sp>
+      <p:sp>
+        <p:nvSpPr>
+          <p:cNvPr id="75" name="CustomShape 2"/>
+          <p:cNvSpPr/>
           <p:nvPr/>
         </p:nvSpPr>
         <p:spPr>
           <a:xfrm>
             <a:off x="504000" y="1769040"/>
-            <a:ext cx="9071640" cy="4384440"/>
+            <a:ext cx="9071280" cy="4384080"/>
           </a:xfrm>
           <a:prstGeom prst="rect">
             <a:avLst/>
@@ -3286,10 +5558,19 @@
             <a:noFill/>
           </a:ln>
         </p:spPr>
+        <p:style>
+          <a:lnRef idx="0"/>
+          <a:fillRef idx="0"/>
+          <a:effectRef idx="0"/>
+          <a:fontRef idx="minor"/>
+        </p:style>
         <p:txBody>
           <a:bodyPr lIns="0" rIns="0" tIns="0" bIns="0"/>
           <a:p>
-            <a:pPr marL="432000" indent="-324000">
+            <a:pPr marL="432000" indent="-323640">
+              <a:lnSpc>
+                <a:spcPct val="100000"/>
+              </a:lnSpc>
               <a:buClr>
                 <a:srgbClr val="000000"/>
               </a:buClr>
@@ -3311,25 +5592,28 @@
               </a:rPr>
               <a:t>Bayes‘sche Netze</a:t>
             </a:r>
-            <a:endParaRPr b="0" lang="de-DE" sz="3200" spc="-1" strike="noStrike">
-              <a:solidFill>
-                <a:srgbClr val="000000"/>
-              </a:solidFill>
-              <a:uFill>
-                <a:solidFill>
-                  <a:srgbClr val="ffffff"/>
-                </a:solidFill>
-              </a:uFill>
-              <a:latin typeface="Arial"/>
-            </a:endParaRPr>
-          </a:p>
-          <a:p>
-            <a:pPr lvl="1" marL="864000" indent="-324000">
+            <a:endParaRPr b="0" lang="de-DE" sz="1800" spc="-1" strike="noStrike">
+              <a:solidFill>
+                <a:srgbClr val="000000"/>
+              </a:solidFill>
+              <a:uFill>
+                <a:solidFill>
+                  <a:srgbClr val="ffffff"/>
+                </a:solidFill>
+              </a:uFill>
+              <a:latin typeface="Arial"/>
+            </a:endParaRPr>
+          </a:p>
+          <a:p>
+            <a:pPr lvl="1" marL="864000" indent="-323640">
+              <a:lnSpc>
+                <a:spcPct val="100000"/>
+              </a:lnSpc>
               <a:buClr>
                 <a:srgbClr val="000000"/>
               </a:buClr>
               <a:buSzPct val="75000"/>
-              <a:buFont typeface="Symbol" charset="2"/>
+              <a:buFont typeface="Symbol"/>
               <a:buChar char=""/>
             </a:pPr>
             <a:r>
@@ -3346,25 +5630,28 @@
               </a:rPr>
               <a:t>Sind eine Darstellung von logischen Kausalitäten</a:t>
             </a:r>
-            <a:endParaRPr b="0" lang="de-DE" sz="2800" spc="-1" strike="noStrike">
-              <a:solidFill>
-                <a:srgbClr val="000000"/>
-              </a:solidFill>
-              <a:uFill>
-                <a:solidFill>
-                  <a:srgbClr val="ffffff"/>
-                </a:solidFill>
-              </a:uFill>
-              <a:latin typeface="Arial"/>
-            </a:endParaRPr>
-          </a:p>
-          <a:p>
-            <a:pPr lvl="1" marL="864000" indent="-324000">
+            <a:endParaRPr b="0" lang="de-DE" sz="1800" spc="-1" strike="noStrike">
+              <a:solidFill>
+                <a:srgbClr val="000000"/>
+              </a:solidFill>
+              <a:uFill>
+                <a:solidFill>
+                  <a:srgbClr val="ffffff"/>
+                </a:solidFill>
+              </a:uFill>
+              <a:latin typeface="Arial"/>
+            </a:endParaRPr>
+          </a:p>
+          <a:p>
+            <a:pPr lvl="1" marL="864000" indent="-323640">
+              <a:lnSpc>
+                <a:spcPct val="100000"/>
+              </a:lnSpc>
               <a:buClr>
                 <a:srgbClr val="000000"/>
               </a:buClr>
               <a:buSzPct val="75000"/>
-              <a:buFont typeface="Symbol" charset="2"/>
+              <a:buFont typeface="Symbol"/>
               <a:buChar char=""/>
             </a:pPr>
             <a:r>
@@ -3381,25 +5668,28 @@
               </a:rPr>
               <a:t>Dienen zur Vereinfachung dieser (Reduzierung des Aufwandes) </a:t>
             </a:r>
-            <a:endParaRPr b="0" lang="de-DE" sz="2800" spc="-1" strike="noStrike">
-              <a:solidFill>
-                <a:srgbClr val="000000"/>
-              </a:solidFill>
-              <a:uFill>
-                <a:solidFill>
-                  <a:srgbClr val="ffffff"/>
-                </a:solidFill>
-              </a:uFill>
-              <a:latin typeface="Arial"/>
-            </a:endParaRPr>
-          </a:p>
-          <a:p>
-            <a:pPr lvl="1" marL="864000" indent="-324000">
+            <a:endParaRPr b="0" lang="de-DE" sz="1800" spc="-1" strike="noStrike">
+              <a:solidFill>
+                <a:srgbClr val="000000"/>
+              </a:solidFill>
+              <a:uFill>
+                <a:solidFill>
+                  <a:srgbClr val="ffffff"/>
+                </a:solidFill>
+              </a:uFill>
+              <a:latin typeface="Arial"/>
+            </a:endParaRPr>
+          </a:p>
+          <a:p>
+            <a:pPr lvl="1" marL="864000" indent="-323640">
+              <a:lnSpc>
+                <a:spcPct val="100000"/>
+              </a:lnSpc>
               <a:buClr>
                 <a:srgbClr val="000000"/>
               </a:buClr>
               <a:buSzPct val="75000"/>
-              <a:buFont typeface="Symbol" charset="2"/>
+              <a:buFont typeface="Symbol"/>
               <a:buChar char=""/>
             </a:pPr>
             <a:r>
@@ -3416,7 +5706,71 @@
               </a:rPr>
               <a:t>Arbeiten mit bedingten Unabhängigkeiten</a:t>
             </a:r>
-            <a:endParaRPr b="0" lang="de-DE" sz="2800" spc="-1" strike="noStrike">
+            <a:endParaRPr b="0" lang="de-DE" sz="1800" spc="-1" strike="noStrike">
+              <a:solidFill>
+                <a:srgbClr val="000000"/>
+              </a:solidFill>
+              <a:uFill>
+                <a:solidFill>
+                  <a:srgbClr val="ffffff"/>
+                </a:solidFill>
+              </a:uFill>
+              <a:latin typeface="Arial"/>
+            </a:endParaRPr>
+          </a:p>
+        </p:txBody>
+      </p:sp>
+      <p:sp>
+        <p:nvSpPr>
+          <p:cNvPr id="76" name="TextShape 3"/>
+          <p:cNvSpPr txBox="1"/>
+          <p:nvPr/>
+        </p:nvSpPr>
+        <p:spPr>
+          <a:xfrm>
+            <a:off x="549000" y="6614640"/>
+            <a:ext cx="4002840" cy="426600"/>
+          </a:xfrm>
+          <a:prstGeom prst="rect">
+            <a:avLst/>
+          </a:prstGeom>
+          <a:noFill/>
+          <a:ln>
+            <a:noFill/>
+          </a:ln>
+        </p:spPr>
+        <p:txBody>
+          <a:bodyPr lIns="90000" rIns="90000" tIns="45000" bIns="45000"/>
+          <a:p>
+            <a:fld id="{8FB3A414-EDFD-4106-A048-CEA99286A41A}" type="slidenum">
+              <a:rPr b="0" lang="de-DE" sz="1800" spc="-1" strike="noStrike">
+                <a:solidFill>
+                  <a:srgbClr val="000000"/>
+                </a:solidFill>
+                <a:uFill>
+                  <a:solidFill>
+                    <a:srgbClr val="ffffff"/>
+                  </a:solidFill>
+                </a:uFill>
+                <a:latin typeface="Arial"/>
+              </a:rPr>
+              <a:t>&lt;number&gt;</a:t>
+            </a:fld>
+            <a:r>
+              <a:rPr b="0" lang="de-DE" sz="1800" spc="-1" strike="noStrike">
+                <a:solidFill>
+                  <a:srgbClr val="000000"/>
+                </a:solidFill>
+                <a:uFill>
+                  <a:solidFill>
+                    <a:srgbClr val="ffffff"/>
+                  </a:solidFill>
+                </a:uFill>
+                <a:latin typeface="Arial"/>
+              </a:rPr>
+              <a:t> von 14 </a:t>
+            </a:r>
+            <a:endParaRPr b="0" lang="de-DE" sz="1800" spc="-1" strike="noStrike">
               <a:solidFill>
                 <a:srgbClr val="000000"/>
               </a:solidFill>
@@ -3432,6 +5786,33 @@
       </p:sp>
     </p:spTree>
   </p:cSld>
+  <p:timing>
+    <p:tnLst>
+      <p:par>
+        <p:cTn id="3" dur="indefinite" restart="never" nodeType="tmRoot">
+          <p:childTnLst>
+            <p:seq>
+              <p:cTn id="4" nodeType="mainSeq"/>
+              <p:prevCondLst>
+                <p:cond delay="0" evt="onPrev">
+                  <p:tgtEl>
+                    <p:sldTgt/>
+                  </p:tgtEl>
+                </p:cond>
+              </p:prevCondLst>
+              <p:nextCondLst>
+                <p:cond delay="0" evt="onNext">
+                  <p:tgtEl>
+                    <p:sldTgt/>
+                  </p:tgtEl>
+                </p:cond>
+              </p:nextCondLst>
+            </p:seq>
+          </p:childTnLst>
+        </p:cTn>
+      </p:par>
+    </p:tnLst>
+  </p:timing>
 </p:sld>
 </file>
 
@@ -3454,14 +5835,14 @@
       </p:grpSpPr>
       <p:sp>
         <p:nvSpPr>
-          <p:cNvPr id="43" name="TextShape 1"/>
-          <p:cNvSpPr txBox="1"/>
+          <p:cNvPr id="77" name="CustomShape 1"/>
+          <p:cNvSpPr/>
           <p:nvPr/>
         </p:nvSpPr>
         <p:spPr>
           <a:xfrm>
             <a:off x="504000" y="301320"/>
-            <a:ext cx="9071640" cy="1262160"/>
+            <a:ext cx="9071280" cy="1261800"/>
           </a:xfrm>
           <a:prstGeom prst="rect">
             <a:avLst/>
@@ -3471,10 +5852,20 @@
             <a:noFill/>
           </a:ln>
         </p:spPr>
+        <p:style>
+          <a:lnRef idx="0"/>
+          <a:fillRef idx="0"/>
+          <a:effectRef idx="0"/>
+          <a:fontRef idx="minor"/>
+        </p:style>
         <p:txBody>
           <a:bodyPr lIns="0" rIns="0" tIns="0" bIns="0" anchor="ctr"/>
           <a:p>
-            <a:pPr algn="ctr"/>
+            <a:pPr algn="ctr">
+              <a:lnSpc>
+                <a:spcPct val="100000"/>
+              </a:lnSpc>
+            </a:pPr>
             <a:r>
               <a:rPr b="0" lang="de-DE" sz="4400" spc="-1" strike="noStrike">
                 <a:solidFill>
@@ -3489,30 +5880,30 @@
               </a:rPr>
               <a:t>Problem: Umgang mit Sensordaten</a:t>
             </a:r>
-            <a:endParaRPr b="0" lang="de-DE" sz="4400" spc="-1" strike="noStrike">
-              <a:solidFill>
-                <a:srgbClr val="000000"/>
-              </a:solidFill>
-              <a:uFill>
-                <a:solidFill>
-                  <a:srgbClr val="ffffff"/>
-                </a:solidFill>
-              </a:uFill>
-              <a:latin typeface="Arial"/>
-            </a:endParaRPr>
-          </a:p>
-        </p:txBody>
-      </p:sp>
-      <p:sp>
-        <p:nvSpPr>
-          <p:cNvPr id="44" name="TextShape 2"/>
-          <p:cNvSpPr txBox="1"/>
+            <a:endParaRPr b="0" lang="de-DE" sz="1800" spc="-1" strike="noStrike">
+              <a:solidFill>
+                <a:srgbClr val="000000"/>
+              </a:solidFill>
+              <a:uFill>
+                <a:solidFill>
+                  <a:srgbClr val="ffffff"/>
+                </a:solidFill>
+              </a:uFill>
+              <a:latin typeface="Arial"/>
+            </a:endParaRPr>
+          </a:p>
+        </p:txBody>
+      </p:sp>
+      <p:sp>
+        <p:nvSpPr>
+          <p:cNvPr id="78" name="CustomShape 2"/>
+          <p:cNvSpPr/>
           <p:nvPr/>
         </p:nvSpPr>
         <p:spPr>
           <a:xfrm>
             <a:off x="504000" y="1769040"/>
-            <a:ext cx="9071640" cy="4384440"/>
+            <a:ext cx="9071280" cy="4384080"/>
           </a:xfrm>
           <a:prstGeom prst="rect">
             <a:avLst/>
@@ -3522,10 +5913,19 @@
             <a:noFill/>
           </a:ln>
         </p:spPr>
+        <p:style>
+          <a:lnRef idx="0"/>
+          <a:fillRef idx="0"/>
+          <a:effectRef idx="0"/>
+          <a:fontRef idx="minor"/>
+        </p:style>
         <p:txBody>
           <a:bodyPr lIns="0" rIns="0" tIns="0" bIns="0"/>
           <a:p>
-            <a:pPr marL="432000" indent="-324000">
+            <a:pPr marL="432000" indent="-323640">
+              <a:lnSpc>
+                <a:spcPct val="100000"/>
+              </a:lnSpc>
               <a:buClr>
                 <a:srgbClr val="000000"/>
               </a:buClr>
@@ -3547,20 +5947,23 @@
               </a:rPr>
               <a:t>Sensordaten können fehlerhaft sein</a:t>
             </a:r>
-            <a:endParaRPr b="0" lang="de-DE" sz="3200" spc="-1" strike="noStrike">
-              <a:solidFill>
-                <a:srgbClr val="000000"/>
-              </a:solidFill>
-              <a:uFill>
-                <a:solidFill>
-                  <a:srgbClr val="ffffff"/>
-                </a:solidFill>
-              </a:uFill>
-              <a:latin typeface="Arial"/>
-            </a:endParaRPr>
-          </a:p>
-          <a:p>
-            <a:pPr marL="432000" indent="-324000">
+            <a:endParaRPr b="0" lang="de-DE" sz="1800" spc="-1" strike="noStrike">
+              <a:solidFill>
+                <a:srgbClr val="000000"/>
+              </a:solidFill>
+              <a:uFill>
+                <a:solidFill>
+                  <a:srgbClr val="ffffff"/>
+                </a:solidFill>
+              </a:uFill>
+              <a:latin typeface="Arial"/>
+            </a:endParaRPr>
+          </a:p>
+          <a:p>
+            <a:pPr marL="432000" indent="-323640">
+              <a:lnSpc>
+                <a:spcPct val="100000"/>
+              </a:lnSpc>
               <a:buClr>
                 <a:srgbClr val="000000"/>
               </a:buClr>
@@ -3582,20 +5985,23 @@
               </a:rPr>
               <a:t>In VL bereits beprochen</a:t>
             </a:r>
-            <a:endParaRPr b="0" lang="de-DE" sz="3200" spc="-1" strike="noStrike">
-              <a:solidFill>
-                <a:srgbClr val="000000"/>
-              </a:solidFill>
-              <a:uFill>
-                <a:solidFill>
-                  <a:srgbClr val="ffffff"/>
-                </a:solidFill>
-              </a:uFill>
-              <a:latin typeface="Arial"/>
-            </a:endParaRPr>
-          </a:p>
-          <a:p>
-            <a:pPr marL="432000" indent="-324000">
+            <a:endParaRPr b="0" lang="de-DE" sz="1800" spc="-1" strike="noStrike">
+              <a:solidFill>
+                <a:srgbClr val="000000"/>
+              </a:solidFill>
+              <a:uFill>
+                <a:solidFill>
+                  <a:srgbClr val="ffffff"/>
+                </a:solidFill>
+              </a:uFill>
+              <a:latin typeface="Arial"/>
+            </a:endParaRPr>
+          </a:p>
+          <a:p>
+            <a:pPr marL="432000" indent="-323640">
+              <a:lnSpc>
+                <a:spcPct val="100000"/>
+              </a:lnSpc>
               <a:buClr>
                 <a:srgbClr val="000000"/>
               </a:buClr>
@@ -3701,7 +6107,71 @@
               </a:rPr>
               <a:t>  </a:t>
             </a:r>
-            <a:endParaRPr b="0" lang="de-DE" sz="3200" spc="-1" strike="noStrike">
+            <a:endParaRPr b="0" lang="de-DE" sz="1800" spc="-1" strike="noStrike">
+              <a:solidFill>
+                <a:srgbClr val="000000"/>
+              </a:solidFill>
+              <a:uFill>
+                <a:solidFill>
+                  <a:srgbClr val="ffffff"/>
+                </a:solidFill>
+              </a:uFill>
+              <a:latin typeface="Arial"/>
+            </a:endParaRPr>
+          </a:p>
+        </p:txBody>
+      </p:sp>
+      <p:sp>
+        <p:nvSpPr>
+          <p:cNvPr id="79" name="TextShape 3"/>
+          <p:cNvSpPr txBox="1"/>
+          <p:nvPr/>
+        </p:nvSpPr>
+        <p:spPr>
+          <a:xfrm>
+            <a:off x="549000" y="6614640"/>
+            <a:ext cx="4002840" cy="426600"/>
+          </a:xfrm>
+          <a:prstGeom prst="rect">
+            <a:avLst/>
+          </a:prstGeom>
+          <a:noFill/>
+          <a:ln>
+            <a:noFill/>
+          </a:ln>
+        </p:spPr>
+        <p:txBody>
+          <a:bodyPr lIns="90000" rIns="90000" tIns="45000" bIns="45000"/>
+          <a:p>
+            <a:fld id="{F992F07D-2465-40D8-B582-78D3A210B6C4}" type="slidenum">
+              <a:rPr b="0" lang="de-DE" sz="1800" spc="-1" strike="noStrike">
+                <a:solidFill>
+                  <a:srgbClr val="000000"/>
+                </a:solidFill>
+                <a:uFill>
+                  <a:solidFill>
+                    <a:srgbClr val="ffffff"/>
+                  </a:solidFill>
+                </a:uFill>
+                <a:latin typeface="Arial"/>
+              </a:rPr>
+              <a:t>&lt;number&gt;</a:t>
+            </a:fld>
+            <a:r>
+              <a:rPr b="0" lang="de-DE" sz="1800" spc="-1" strike="noStrike">
+                <a:solidFill>
+                  <a:srgbClr val="000000"/>
+                </a:solidFill>
+                <a:uFill>
+                  <a:solidFill>
+                    <a:srgbClr val="ffffff"/>
+                  </a:solidFill>
+                </a:uFill>
+                <a:latin typeface="Arial"/>
+              </a:rPr>
+              <a:t> von 14 </a:t>
+            </a:r>
+            <a:endParaRPr b="0" lang="de-DE" sz="1800" spc="-1" strike="noStrike">
               <a:solidFill>
                 <a:srgbClr val="000000"/>
               </a:solidFill>
@@ -3717,6 +6187,33 @@
       </p:sp>
     </p:spTree>
   </p:cSld>
+  <p:timing>
+    <p:tnLst>
+      <p:par>
+        <p:cTn id="5" dur="indefinite" restart="never" nodeType="tmRoot">
+          <p:childTnLst>
+            <p:seq>
+              <p:cTn id="6" nodeType="mainSeq"/>
+              <p:prevCondLst>
+                <p:cond delay="0" evt="onPrev">
+                  <p:tgtEl>
+                    <p:sldTgt/>
+                  </p:tgtEl>
+                </p:cond>
+              </p:prevCondLst>
+              <p:nextCondLst>
+                <p:cond delay="0" evt="onNext">
+                  <p:tgtEl>
+                    <p:sldTgt/>
+                  </p:tgtEl>
+                </p:cond>
+              </p:nextCondLst>
+            </p:seq>
+          </p:childTnLst>
+        </p:cTn>
+      </p:par>
+    </p:tnLst>
+  </p:timing>
 </p:sld>
 </file>
 
@@ -3737,16 +6234,39 @@
           <a:chExt cx="0" cy="0"/>
         </a:xfrm>
       </p:grpSpPr>
-      <p:sp>
-        <p:nvSpPr>
-          <p:cNvPr id="45" name="TextShape 1"/>
-          <p:cNvSpPr txBox="1"/>
+      <p:pic>
+        <p:nvPicPr>
+          <p:cNvPr id="80" name="" descr=""/>
+          <p:cNvPicPr/>
           <p:nvPr/>
+        </p:nvPicPr>
+        <p:blipFill>
+          <a:blip r:embed="rId1"/>
+          <a:stretch/>
+        </p:blipFill>
+        <p:spPr>
+          <a:xfrm>
+            <a:off x="1737360" y="2194560"/>
+            <a:ext cx="5951520" cy="837360"/>
+          </a:xfrm>
+          <a:prstGeom prst="rect">
+            <a:avLst/>
+          </a:prstGeom>
+          <a:ln>
+            <a:noFill/>
+          </a:ln>
+        </p:spPr>
+      </p:pic>
+      <p:sp>
+        <p:nvSpPr>
+          <p:cNvPr id="81" name="CustomShape 1"/>
+          <p:cNvSpPr/>
+          <p:nvPr/>
         </p:nvSpPr>
         <p:spPr>
           <a:xfrm>
             <a:off x="504000" y="301320"/>
-            <a:ext cx="9071640" cy="1262160"/>
+            <a:ext cx="9071280" cy="1261800"/>
           </a:xfrm>
           <a:prstGeom prst="rect">
             <a:avLst/>
@@ -3756,10 +6276,20 @@
             <a:noFill/>
           </a:ln>
         </p:spPr>
+        <p:style>
+          <a:lnRef idx="0"/>
+          <a:fillRef idx="0"/>
+          <a:effectRef idx="0"/>
+          <a:fontRef idx="minor"/>
+        </p:style>
         <p:txBody>
           <a:bodyPr lIns="0" rIns="0" tIns="0" bIns="0" anchor="ctr"/>
           <a:p>
-            <a:pPr algn="ctr"/>
+            <a:pPr algn="ctr">
+              <a:lnSpc>
+                <a:spcPct val="100000"/>
+              </a:lnSpc>
+            </a:pPr>
             <a:r>
               <a:rPr b="0" lang="de-DE" sz="4400" spc="-1" strike="noStrike">
                 <a:solidFill>
@@ -3774,30 +6304,30 @@
               </a:rPr>
               <a:t>Unabhängigkeit</a:t>
             </a:r>
-            <a:endParaRPr b="0" lang="de-DE" sz="4400" spc="-1" strike="noStrike">
-              <a:solidFill>
-                <a:srgbClr val="000000"/>
-              </a:solidFill>
-              <a:uFill>
-                <a:solidFill>
-                  <a:srgbClr val="ffffff"/>
-                </a:solidFill>
-              </a:uFill>
-              <a:latin typeface="Arial"/>
-            </a:endParaRPr>
-          </a:p>
-        </p:txBody>
-      </p:sp>
-      <p:sp>
-        <p:nvSpPr>
-          <p:cNvPr id="46" name="TextShape 2"/>
-          <p:cNvSpPr txBox="1"/>
+            <a:endParaRPr b="0" lang="de-DE" sz="1800" spc="-1" strike="noStrike">
+              <a:solidFill>
+                <a:srgbClr val="000000"/>
+              </a:solidFill>
+              <a:uFill>
+                <a:solidFill>
+                  <a:srgbClr val="ffffff"/>
+                </a:solidFill>
+              </a:uFill>
+              <a:latin typeface="Arial"/>
+            </a:endParaRPr>
+          </a:p>
+        </p:txBody>
+      </p:sp>
+      <p:sp>
+        <p:nvSpPr>
+          <p:cNvPr id="82" name="CustomShape 2"/>
+          <p:cNvSpPr/>
           <p:nvPr/>
         </p:nvSpPr>
         <p:spPr>
           <a:xfrm>
             <a:off x="504000" y="1769040"/>
-            <a:ext cx="9071640" cy="4384440"/>
+            <a:ext cx="9071280" cy="4384080"/>
           </a:xfrm>
           <a:prstGeom prst="rect">
             <a:avLst/>
@@ -3807,10 +6337,19 @@
             <a:noFill/>
           </a:ln>
         </p:spPr>
+        <p:style>
+          <a:lnRef idx="0"/>
+          <a:fillRef idx="0"/>
+          <a:effectRef idx="0"/>
+          <a:fontRef idx="minor"/>
+        </p:style>
         <p:txBody>
           <a:bodyPr lIns="0" rIns="0" tIns="0" bIns="0"/>
           <a:p>
-            <a:pPr marL="432000" indent="-324000">
+            <a:pPr marL="432000" indent="-323640">
+              <a:lnSpc>
+                <a:spcPct val="100000"/>
+              </a:lnSpc>
               <a:buClr>
                 <a:srgbClr val="000000"/>
               </a:buClr>
@@ -3832,41 +6371,41 @@
               </a:rPr>
               <a:t>Unabhängigkeit:</a:t>
             </a:r>
-            <a:endParaRPr b="0" lang="de-DE" sz="3200" spc="-1" strike="noStrike">
-              <a:solidFill>
-                <a:srgbClr val="000000"/>
-              </a:solidFill>
-              <a:uFill>
-                <a:solidFill>
-                  <a:srgbClr val="ffffff"/>
-                </a:solidFill>
-              </a:uFill>
-              <a:latin typeface="Arial"/>
-            </a:endParaRPr>
-          </a:p>
-          <a:p>
-            <a:pPr marL="432000" indent="-324000">
-              <a:buClr>
-                <a:srgbClr val="000000"/>
-              </a:buClr>
-              <a:buSzPct val="45000"/>
-              <a:buFont typeface="Wingdings" charset="2"/>
-              <a:buChar char=""/>
+            <a:endParaRPr b="0" lang="de-DE" sz="1800" spc="-1" strike="noStrike">
+              <a:solidFill>
+                <a:srgbClr val="000000"/>
+              </a:solidFill>
+              <a:uFill>
+                <a:solidFill>
+                  <a:srgbClr val="ffffff"/>
+                </a:solidFill>
+              </a:uFill>
+              <a:latin typeface="Arial"/>
+            </a:endParaRPr>
+          </a:p>
+          <a:p>
+            <a:pPr>
+              <a:lnSpc>
+                <a:spcPct val="100000"/>
+              </a:lnSpc>
             </a:pPr>
-            <a:endParaRPr b="0" lang="de-DE" sz="3200" spc="-1" strike="noStrike">
-              <a:solidFill>
-                <a:srgbClr val="000000"/>
-              </a:solidFill>
-              <a:uFill>
-                <a:solidFill>
-                  <a:srgbClr val="ffffff"/>
-                </a:solidFill>
-              </a:uFill>
-              <a:latin typeface="Arial"/>
-            </a:endParaRPr>
-          </a:p>
-          <a:p>
-            <a:pPr marL="432000" indent="-324000">
+            <a:endParaRPr b="0" lang="de-DE" sz="1800" spc="-1" strike="noStrike">
+              <a:solidFill>
+                <a:srgbClr val="000000"/>
+              </a:solidFill>
+              <a:uFill>
+                <a:solidFill>
+                  <a:srgbClr val="ffffff"/>
+                </a:solidFill>
+              </a:uFill>
+              <a:latin typeface="Arial"/>
+            </a:endParaRPr>
+          </a:p>
+          <a:p>
+            <a:pPr marL="432000" indent="-323640">
+              <a:lnSpc>
+                <a:spcPct val="100000"/>
+              </a:lnSpc>
               <a:buClr>
                 <a:srgbClr val="000000"/>
               </a:buClr>
@@ -3888,28 +6427,25 @@
               </a:rPr>
               <a:t>Unabhängigkeit bei bedingten Wahrscheinlichkeiten: </a:t>
             </a:r>
-            <a:endParaRPr b="0" lang="de-DE" sz="3200" spc="-1" strike="noStrike">
-              <a:solidFill>
-                <a:srgbClr val="000000"/>
-              </a:solidFill>
-              <a:uFill>
-                <a:solidFill>
-                  <a:srgbClr val="ffffff"/>
-                </a:solidFill>
-              </a:uFill>
-              <a:latin typeface="Arial"/>
-            </a:endParaRPr>
-          </a:p>
-          <a:p>
-            <a:pPr marL="432000" indent="-324000">
-              <a:buClr>
-                <a:srgbClr val="000000"/>
-              </a:buClr>
-              <a:buSzPct val="45000"/>
-              <a:buFont typeface="Wingdings" charset="2"/>
-              <a:buChar char=""/>
+            <a:endParaRPr b="0" lang="de-DE" sz="1800" spc="-1" strike="noStrike">
+              <a:solidFill>
+                <a:srgbClr val="000000"/>
+              </a:solidFill>
+              <a:uFill>
+                <a:solidFill>
+                  <a:srgbClr val="ffffff"/>
+                </a:solidFill>
+              </a:uFill>
+              <a:latin typeface="Arial"/>
+            </a:endParaRPr>
+          </a:p>
+          <a:p>
+            <a:pPr>
+              <a:lnSpc>
+                <a:spcPct val="100000"/>
+              </a:lnSpc>
             </a:pPr>
-            <a:endParaRPr b="0" lang="de-DE" sz="3200" spc="-1" strike="noStrike">
+            <a:endParaRPr b="0" lang="de-DE" sz="1800" spc="-1" strike="noStrike">
               <a:solidFill>
                 <a:srgbClr val="000000"/>
               </a:solidFill>
@@ -3925,30 +6461,7 @@
       </p:sp>
       <p:pic>
         <p:nvPicPr>
-          <p:cNvPr id="47" name="" descr=""/>
-          <p:cNvPicPr/>
-          <p:nvPr/>
-        </p:nvPicPr>
-        <p:blipFill>
-          <a:blip r:embed="rId1"/>
-          <a:stretch/>
-        </p:blipFill>
-        <p:spPr>
-          <a:xfrm>
-            <a:off x="1737360" y="2286000"/>
-            <a:ext cx="5951880" cy="837720"/>
-          </a:xfrm>
-          <a:prstGeom prst="rect">
-            <a:avLst/>
-          </a:prstGeom>
-          <a:ln>
-            <a:noFill/>
-          </a:ln>
-        </p:spPr>
-      </p:pic>
-      <p:pic>
-        <p:nvPicPr>
-          <p:cNvPr id="48" name="" descr=""/>
+          <p:cNvPr id="83" name="" descr=""/>
           <p:cNvPicPr/>
           <p:nvPr/>
         </p:nvPicPr>
@@ -3959,7 +6472,7 @@
         <p:spPr>
           <a:xfrm>
             <a:off x="2103120" y="3931920"/>
-            <a:ext cx="5990040" cy="1361520"/>
+            <a:ext cx="5989680" cy="1361160"/>
           </a:xfrm>
           <a:prstGeom prst="rect">
             <a:avLst/>
@@ -3969,8 +6482,99 @@
           </a:ln>
         </p:spPr>
       </p:pic>
+      <p:sp>
+        <p:nvSpPr>
+          <p:cNvPr id="84" name="TextShape 3"/>
+          <p:cNvSpPr txBox="1"/>
+          <p:nvPr/>
+        </p:nvSpPr>
+        <p:spPr>
+          <a:xfrm>
+            <a:off x="549000" y="6614640"/>
+            <a:ext cx="4002840" cy="426600"/>
+          </a:xfrm>
+          <a:prstGeom prst="rect">
+            <a:avLst/>
+          </a:prstGeom>
+          <a:noFill/>
+          <a:ln>
+            <a:noFill/>
+          </a:ln>
+        </p:spPr>
+        <p:txBody>
+          <a:bodyPr lIns="90000" rIns="90000" tIns="45000" bIns="45000"/>
+          <a:p>
+            <a:fld id="{E7DB1D5C-143D-4E43-86EE-DAFBBABA901D}" type="slidenum">
+              <a:rPr b="0" lang="de-DE" sz="1800" spc="-1" strike="noStrike">
+                <a:solidFill>
+                  <a:srgbClr val="000000"/>
+                </a:solidFill>
+                <a:uFill>
+                  <a:solidFill>
+                    <a:srgbClr val="ffffff"/>
+                  </a:solidFill>
+                </a:uFill>
+                <a:latin typeface="Arial"/>
+              </a:rPr>
+              <a:t>&lt;number&gt;</a:t>
+            </a:fld>
+            <a:r>
+              <a:rPr b="0" lang="de-DE" sz="1800" spc="-1" strike="noStrike">
+                <a:solidFill>
+                  <a:srgbClr val="000000"/>
+                </a:solidFill>
+                <a:uFill>
+                  <a:solidFill>
+                    <a:srgbClr val="ffffff"/>
+                  </a:solidFill>
+                </a:uFill>
+                <a:latin typeface="Arial"/>
+              </a:rPr>
+              <a:t> von 14 </a:t>
+            </a:r>
+            <a:endParaRPr b="0" lang="de-DE" sz="1800" spc="-1" strike="noStrike">
+              <a:solidFill>
+                <a:srgbClr val="000000"/>
+              </a:solidFill>
+              <a:uFill>
+                <a:solidFill>
+                  <a:srgbClr val="ffffff"/>
+                </a:solidFill>
+              </a:uFill>
+              <a:latin typeface="Arial"/>
+            </a:endParaRPr>
+          </a:p>
+        </p:txBody>
+      </p:sp>
     </p:spTree>
   </p:cSld>
+  <p:timing>
+    <p:tnLst>
+      <p:par>
+        <p:cTn id="7" dur="indefinite" restart="never" nodeType="tmRoot">
+          <p:childTnLst>
+            <p:seq>
+              <p:cTn id="8" nodeType="mainSeq"/>
+              <p:prevCondLst>
+                <p:cond delay="0" evt="onPrev">
+                  <p:tgtEl>
+                    <p:sldTgt/>
+                  </p:tgtEl>
+                </p:cond>
+              </p:prevCondLst>
+              <p:nextCondLst>
+                <p:cond delay="0" evt="onNext">
+                  <p:tgtEl>
+                    <p:sldTgt/>
+                  </p:tgtEl>
+                </p:cond>
+              </p:nextCondLst>
+            </p:seq>
+          </p:childTnLst>
+        </p:cTn>
+      </p:par>
+    </p:tnLst>
+  </p:timing>
 </p:sld>
 </file>
 
@@ -3993,14 +6597,14 @@
       </p:grpSpPr>
       <p:sp>
         <p:nvSpPr>
-          <p:cNvPr id="49" name="TextShape 1"/>
-          <p:cNvSpPr txBox="1"/>
+          <p:cNvPr id="85" name="CustomShape 1"/>
+          <p:cNvSpPr/>
           <p:nvPr/>
         </p:nvSpPr>
         <p:spPr>
           <a:xfrm>
             <a:off x="504000" y="301320"/>
-            <a:ext cx="9071640" cy="1262160"/>
+            <a:ext cx="9071280" cy="1261800"/>
           </a:xfrm>
           <a:prstGeom prst="rect">
             <a:avLst/>
@@ -4010,10 +6614,20 @@
             <a:noFill/>
           </a:ln>
         </p:spPr>
+        <p:style>
+          <a:lnRef idx="0"/>
+          <a:fillRef idx="0"/>
+          <a:effectRef idx="0"/>
+          <a:fontRef idx="minor"/>
+        </p:style>
         <p:txBody>
           <a:bodyPr lIns="0" rIns="0" tIns="0" bIns="0" anchor="ctr"/>
           <a:p>
-            <a:pPr algn="ctr"/>
+            <a:pPr algn="ctr">
+              <a:lnSpc>
+                <a:spcPct val="100000"/>
+              </a:lnSpc>
+            </a:pPr>
             <a:r>
               <a:rPr b="0" lang="de-DE" sz="4400" spc="-1" strike="noStrike">
                 <a:solidFill>
@@ -4028,30 +6642,30 @@
               </a:rPr>
               <a:t>Bedingte Unabhängigkeit</a:t>
             </a:r>
-            <a:endParaRPr b="0" lang="de-DE" sz="4400" spc="-1" strike="noStrike">
-              <a:solidFill>
-                <a:srgbClr val="000000"/>
-              </a:solidFill>
-              <a:uFill>
-                <a:solidFill>
-                  <a:srgbClr val="ffffff"/>
-                </a:solidFill>
-              </a:uFill>
-              <a:latin typeface="Arial"/>
-            </a:endParaRPr>
-          </a:p>
-        </p:txBody>
-      </p:sp>
-      <p:sp>
-        <p:nvSpPr>
-          <p:cNvPr id="50" name="TextShape 2"/>
-          <p:cNvSpPr txBox="1"/>
+            <a:endParaRPr b="0" lang="de-DE" sz="1800" spc="-1" strike="noStrike">
+              <a:solidFill>
+                <a:srgbClr val="000000"/>
+              </a:solidFill>
+              <a:uFill>
+                <a:solidFill>
+                  <a:srgbClr val="ffffff"/>
+                </a:solidFill>
+              </a:uFill>
+              <a:latin typeface="Arial"/>
+            </a:endParaRPr>
+          </a:p>
+        </p:txBody>
+      </p:sp>
+      <p:sp>
+        <p:nvSpPr>
+          <p:cNvPr id="86" name="CustomShape 2"/>
+          <p:cNvSpPr/>
           <p:nvPr/>
         </p:nvSpPr>
         <p:spPr>
           <a:xfrm>
             <a:off x="504000" y="1769040"/>
-            <a:ext cx="9071640" cy="4384440"/>
+            <a:ext cx="9071280" cy="4384080"/>
           </a:xfrm>
           <a:prstGeom prst="rect">
             <a:avLst/>
@@ -4061,26 +6675,16 @@
             <a:noFill/>
           </a:ln>
         </p:spPr>
-        <p:txBody>
-          <a:bodyPr lIns="0" rIns="0" tIns="0" bIns="0"/>
-          <a:p>
-            <a:endParaRPr b="0" lang="de-DE" sz="3200" spc="-1" strike="noStrike">
-              <a:solidFill>
-                <a:srgbClr val="000000"/>
-              </a:solidFill>
-              <a:uFill>
-                <a:solidFill>
-                  <a:srgbClr val="ffffff"/>
-                </a:solidFill>
-              </a:uFill>
-              <a:latin typeface="Arial"/>
-            </a:endParaRPr>
-          </a:p>
-        </p:txBody>
+        <p:style>
+          <a:lnRef idx="0"/>
+          <a:fillRef idx="0"/>
+          <a:effectRef idx="0"/>
+          <a:fontRef idx="minor"/>
+        </p:style>
       </p:sp>
       <p:pic>
         <p:nvPicPr>
-          <p:cNvPr id="51" name="" descr=""/>
+          <p:cNvPr id="87" name="" descr=""/>
           <p:cNvPicPr/>
           <p:nvPr/>
         </p:nvPicPr>
@@ -4091,7 +6695,7 @@
         <p:spPr>
           <a:xfrm>
             <a:off x="971280" y="2572560"/>
-            <a:ext cx="7989840" cy="1085040"/>
+            <a:ext cx="7989480" cy="1084680"/>
           </a:xfrm>
           <a:prstGeom prst="rect">
             <a:avLst/>
@@ -4101,8 +6705,99 @@
           </a:ln>
         </p:spPr>
       </p:pic>
+      <p:sp>
+        <p:nvSpPr>
+          <p:cNvPr id="88" name="TextShape 3"/>
+          <p:cNvSpPr txBox="1"/>
+          <p:nvPr/>
+        </p:nvSpPr>
+        <p:spPr>
+          <a:xfrm>
+            <a:off x="549000" y="6614640"/>
+            <a:ext cx="4002840" cy="426600"/>
+          </a:xfrm>
+          <a:prstGeom prst="rect">
+            <a:avLst/>
+          </a:prstGeom>
+          <a:noFill/>
+          <a:ln>
+            <a:noFill/>
+          </a:ln>
+        </p:spPr>
+        <p:txBody>
+          <a:bodyPr lIns="90000" rIns="90000" tIns="45000" bIns="45000"/>
+          <a:p>
+            <a:fld id="{49ECAB2A-C7E2-4892-AB90-33B97508BE6B}" type="slidenum">
+              <a:rPr b="0" lang="de-DE" sz="1800" spc="-1" strike="noStrike">
+                <a:solidFill>
+                  <a:srgbClr val="000000"/>
+                </a:solidFill>
+                <a:uFill>
+                  <a:solidFill>
+                    <a:srgbClr val="ffffff"/>
+                  </a:solidFill>
+                </a:uFill>
+                <a:latin typeface="Arial"/>
+              </a:rPr>
+              <a:t>&lt;number&gt;</a:t>
+            </a:fld>
+            <a:r>
+              <a:rPr b="0" lang="de-DE" sz="1800" spc="-1" strike="noStrike">
+                <a:solidFill>
+                  <a:srgbClr val="000000"/>
+                </a:solidFill>
+                <a:uFill>
+                  <a:solidFill>
+                    <a:srgbClr val="ffffff"/>
+                  </a:solidFill>
+                </a:uFill>
+                <a:latin typeface="Arial"/>
+              </a:rPr>
+              <a:t> von 14 </a:t>
+            </a:r>
+            <a:endParaRPr b="0" lang="de-DE" sz="1800" spc="-1" strike="noStrike">
+              <a:solidFill>
+                <a:srgbClr val="000000"/>
+              </a:solidFill>
+              <a:uFill>
+                <a:solidFill>
+                  <a:srgbClr val="ffffff"/>
+                </a:solidFill>
+              </a:uFill>
+              <a:latin typeface="Arial"/>
+            </a:endParaRPr>
+          </a:p>
+        </p:txBody>
+      </p:sp>
     </p:spTree>
   </p:cSld>
+  <p:timing>
+    <p:tnLst>
+      <p:par>
+        <p:cTn id="9" dur="indefinite" restart="never" nodeType="tmRoot">
+          <p:childTnLst>
+            <p:seq>
+              <p:cTn id="10" nodeType="mainSeq"/>
+              <p:prevCondLst>
+                <p:cond delay="0" evt="onPrev">
+                  <p:tgtEl>
+                    <p:sldTgt/>
+                  </p:tgtEl>
+                </p:cond>
+              </p:prevCondLst>
+              <p:nextCondLst>
+                <p:cond delay="0" evt="onNext">
+                  <p:tgtEl>
+                    <p:sldTgt/>
+                  </p:tgtEl>
+                </p:cond>
+              </p:nextCondLst>
+            </p:seq>
+          </p:childTnLst>
+        </p:cTn>
+      </p:par>
+    </p:tnLst>
+  </p:timing>
 </p:sld>
 </file>
 
@@ -4125,14 +6820,14 @@
       </p:grpSpPr>
       <p:sp>
         <p:nvSpPr>
-          <p:cNvPr id="52" name="TextShape 1"/>
-          <p:cNvSpPr txBox="1"/>
+          <p:cNvPr id="89" name="CustomShape 1"/>
+          <p:cNvSpPr/>
           <p:nvPr/>
         </p:nvSpPr>
         <p:spPr>
           <a:xfrm>
             <a:off x="504000" y="301320"/>
-            <a:ext cx="9071640" cy="1262160"/>
+            <a:ext cx="9071280" cy="1261800"/>
           </a:xfrm>
           <a:prstGeom prst="rect">
             <a:avLst/>
@@ -4142,10 +6837,20 @@
             <a:noFill/>
           </a:ln>
         </p:spPr>
+        <p:style>
+          <a:lnRef idx="0"/>
+          <a:fillRef idx="0"/>
+          <a:effectRef idx="0"/>
+          <a:fontRef idx="minor"/>
+        </p:style>
         <p:txBody>
           <a:bodyPr lIns="0" rIns="0" tIns="0" bIns="0" anchor="ctr"/>
           <a:p>
-            <a:pPr algn="ctr"/>
+            <a:pPr algn="ctr">
+              <a:lnSpc>
+                <a:spcPct val="100000"/>
+              </a:lnSpc>
+            </a:pPr>
             <a:r>
               <a:rPr b="0" lang="de-DE" sz="4400" spc="-1" strike="noStrike">
                 <a:solidFill>
@@ -4160,30 +6865,30 @@
               </a:rPr>
               <a:t>Beispiel nach [Perl88]</a:t>
             </a:r>
-            <a:endParaRPr b="0" lang="de-DE" sz="4400" spc="-1" strike="noStrike">
-              <a:solidFill>
-                <a:srgbClr val="000000"/>
-              </a:solidFill>
-              <a:uFill>
-                <a:solidFill>
-                  <a:srgbClr val="ffffff"/>
-                </a:solidFill>
-              </a:uFill>
-              <a:latin typeface="Arial"/>
-            </a:endParaRPr>
-          </a:p>
-        </p:txBody>
-      </p:sp>
-      <p:sp>
-        <p:nvSpPr>
-          <p:cNvPr id="53" name="TextShape 2"/>
-          <p:cNvSpPr txBox="1"/>
+            <a:endParaRPr b="0" lang="de-DE" sz="1800" spc="-1" strike="noStrike">
+              <a:solidFill>
+                <a:srgbClr val="000000"/>
+              </a:solidFill>
+              <a:uFill>
+                <a:solidFill>
+                  <a:srgbClr val="ffffff"/>
+                </a:solidFill>
+              </a:uFill>
+              <a:latin typeface="Arial"/>
+            </a:endParaRPr>
+          </a:p>
+        </p:txBody>
+      </p:sp>
+      <p:sp>
+        <p:nvSpPr>
+          <p:cNvPr id="90" name="CustomShape 2"/>
+          <p:cNvSpPr/>
           <p:nvPr/>
         </p:nvSpPr>
         <p:spPr>
           <a:xfrm>
             <a:off x="504000" y="1769040"/>
-            <a:ext cx="9071640" cy="4384440"/>
+            <a:ext cx="9071280" cy="4384080"/>
           </a:xfrm>
           <a:prstGeom prst="rect">
             <a:avLst/>
@@ -4193,26 +6898,16 @@
             <a:noFill/>
           </a:ln>
         </p:spPr>
-        <p:txBody>
-          <a:bodyPr lIns="0" rIns="0" tIns="0" bIns="0"/>
-          <a:p>
-            <a:endParaRPr b="0" lang="de-DE" sz="3200" spc="-1" strike="noStrike">
-              <a:solidFill>
-                <a:srgbClr val="000000"/>
-              </a:solidFill>
-              <a:uFill>
-                <a:solidFill>
-                  <a:srgbClr val="ffffff"/>
-                </a:solidFill>
-              </a:uFill>
-              <a:latin typeface="Arial"/>
-            </a:endParaRPr>
-          </a:p>
-        </p:txBody>
+        <p:style>
+          <a:lnRef idx="0"/>
+          <a:fillRef idx="0"/>
+          <a:effectRef idx="0"/>
+          <a:fontRef idx="minor"/>
+        </p:style>
       </p:sp>
       <p:pic>
         <p:nvPicPr>
-          <p:cNvPr id="54" name="" descr=""/>
+          <p:cNvPr id="91" name="" descr=""/>
           <p:cNvPicPr/>
           <p:nvPr/>
         </p:nvPicPr>
@@ -4223,7 +6918,7 @@
         <p:spPr>
           <a:xfrm>
             <a:off x="3889080" y="2324880"/>
-            <a:ext cx="2237400" cy="2704320"/>
+            <a:ext cx="2237040" cy="2703960"/>
           </a:xfrm>
           <a:prstGeom prst="rect">
             <a:avLst/>
@@ -4233,8 +6928,99 @@
           </a:ln>
         </p:spPr>
       </p:pic>
+      <p:sp>
+        <p:nvSpPr>
+          <p:cNvPr id="92" name="TextShape 3"/>
+          <p:cNvSpPr txBox="1"/>
+          <p:nvPr/>
+        </p:nvSpPr>
+        <p:spPr>
+          <a:xfrm>
+            <a:off x="549000" y="6614640"/>
+            <a:ext cx="4002840" cy="426600"/>
+          </a:xfrm>
+          <a:prstGeom prst="rect">
+            <a:avLst/>
+          </a:prstGeom>
+          <a:noFill/>
+          <a:ln>
+            <a:noFill/>
+          </a:ln>
+        </p:spPr>
+        <p:txBody>
+          <a:bodyPr lIns="90000" rIns="90000" tIns="45000" bIns="45000"/>
+          <a:p>
+            <a:fld id="{E6ED1428-82AF-4871-88DF-D4ADF47EA127}" type="slidenum">
+              <a:rPr b="0" lang="de-DE" sz="1800" spc="-1" strike="noStrike">
+                <a:solidFill>
+                  <a:srgbClr val="000000"/>
+                </a:solidFill>
+                <a:uFill>
+                  <a:solidFill>
+                    <a:srgbClr val="ffffff"/>
+                  </a:solidFill>
+                </a:uFill>
+                <a:latin typeface="Arial"/>
+              </a:rPr>
+              <a:t>&lt;number&gt;</a:t>
+            </a:fld>
+            <a:r>
+              <a:rPr b="0" lang="de-DE" sz="1800" spc="-1" strike="noStrike">
+                <a:solidFill>
+                  <a:srgbClr val="000000"/>
+                </a:solidFill>
+                <a:uFill>
+                  <a:solidFill>
+                    <a:srgbClr val="ffffff"/>
+                  </a:solidFill>
+                </a:uFill>
+                <a:latin typeface="Arial"/>
+              </a:rPr>
+              <a:t> von 14 </a:t>
+            </a:r>
+            <a:endParaRPr b="0" lang="de-DE" sz="1800" spc="-1" strike="noStrike">
+              <a:solidFill>
+                <a:srgbClr val="000000"/>
+              </a:solidFill>
+              <a:uFill>
+                <a:solidFill>
+                  <a:srgbClr val="ffffff"/>
+                </a:solidFill>
+              </a:uFill>
+              <a:latin typeface="Arial"/>
+            </a:endParaRPr>
+          </a:p>
+        </p:txBody>
+      </p:sp>
     </p:spTree>
   </p:cSld>
+  <p:timing>
+    <p:tnLst>
+      <p:par>
+        <p:cTn id="11" dur="indefinite" restart="never" nodeType="tmRoot">
+          <p:childTnLst>
+            <p:seq>
+              <p:cTn id="12" nodeType="mainSeq"/>
+              <p:prevCondLst>
+                <p:cond delay="0" evt="onPrev">
+                  <p:tgtEl>
+                    <p:sldTgt/>
+                  </p:tgtEl>
+                </p:cond>
+              </p:prevCondLst>
+              <p:nextCondLst>
+                <p:cond delay="0" evt="onNext">
+                  <p:tgtEl>
+                    <p:sldTgt/>
+                  </p:tgtEl>
+                </p:cond>
+              </p:nextCondLst>
+            </p:seq>
+          </p:childTnLst>
+        </p:cTn>
+      </p:par>
+    </p:tnLst>
+  </p:timing>
 </p:sld>
 </file>
 
@@ -4257,14 +7043,14 @@
       </p:grpSpPr>
       <p:sp>
         <p:nvSpPr>
-          <p:cNvPr id="55" name="TextShape 1"/>
-          <p:cNvSpPr txBox="1"/>
+          <p:cNvPr id="93" name="CustomShape 1"/>
+          <p:cNvSpPr/>
           <p:nvPr/>
         </p:nvSpPr>
         <p:spPr>
           <a:xfrm>
             <a:off x="504000" y="301320"/>
-            <a:ext cx="9071640" cy="1262160"/>
+            <a:ext cx="9071280" cy="1261800"/>
           </a:xfrm>
           <a:prstGeom prst="rect">
             <a:avLst/>
@@ -4274,10 +7060,20 @@
             <a:noFill/>
           </a:ln>
         </p:spPr>
+        <p:style>
+          <a:lnRef idx="0"/>
+          <a:fillRef idx="0"/>
+          <a:effectRef idx="0"/>
+          <a:fontRef idx="minor"/>
+        </p:style>
         <p:txBody>
           <a:bodyPr lIns="0" rIns="0" tIns="0" bIns="0" anchor="ctr"/>
           <a:p>
-            <a:pPr algn="ctr"/>
+            <a:pPr algn="ctr">
+              <a:lnSpc>
+                <a:spcPct val="100000"/>
+              </a:lnSpc>
+            </a:pPr>
             <a:r>
               <a:rPr b="0" lang="de-DE" sz="4400" spc="-1" strike="noStrike">
                 <a:solidFill>
@@ -4292,30 +7088,30 @@
               </a:rPr>
               <a:t>Beispiel(2)</a:t>
             </a:r>
-            <a:endParaRPr b="0" lang="de-DE" sz="4400" spc="-1" strike="noStrike">
-              <a:solidFill>
-                <a:srgbClr val="000000"/>
-              </a:solidFill>
-              <a:uFill>
-                <a:solidFill>
-                  <a:srgbClr val="ffffff"/>
-                </a:solidFill>
-              </a:uFill>
-              <a:latin typeface="Arial"/>
-            </a:endParaRPr>
-          </a:p>
-        </p:txBody>
-      </p:sp>
-      <p:sp>
-        <p:nvSpPr>
-          <p:cNvPr id="56" name="TextShape 2"/>
-          <p:cNvSpPr txBox="1"/>
+            <a:endParaRPr b="0" lang="de-DE" sz="1800" spc="-1" strike="noStrike">
+              <a:solidFill>
+                <a:srgbClr val="000000"/>
+              </a:solidFill>
+              <a:uFill>
+                <a:solidFill>
+                  <a:srgbClr val="ffffff"/>
+                </a:solidFill>
+              </a:uFill>
+              <a:latin typeface="Arial"/>
+            </a:endParaRPr>
+          </a:p>
+        </p:txBody>
+      </p:sp>
+      <p:sp>
+        <p:nvSpPr>
+          <p:cNvPr id="94" name="CustomShape 2"/>
+          <p:cNvSpPr/>
           <p:nvPr/>
         </p:nvSpPr>
         <p:spPr>
           <a:xfrm>
             <a:off x="504000" y="1769040"/>
-            <a:ext cx="9071640" cy="4384440"/>
+            <a:ext cx="9071280" cy="4384080"/>
           </a:xfrm>
           <a:prstGeom prst="rect">
             <a:avLst/>
@@ -4325,26 +7121,16 @@
             <a:noFill/>
           </a:ln>
         </p:spPr>
-        <p:txBody>
-          <a:bodyPr lIns="0" rIns="0" tIns="0" bIns="0"/>
-          <a:p>
-            <a:endParaRPr b="0" lang="de-DE" sz="3200" spc="-1" strike="noStrike">
-              <a:solidFill>
-                <a:srgbClr val="000000"/>
-              </a:solidFill>
-              <a:uFill>
-                <a:solidFill>
-                  <a:srgbClr val="ffffff"/>
-                </a:solidFill>
-              </a:uFill>
-              <a:latin typeface="Arial"/>
-            </a:endParaRPr>
-          </a:p>
-        </p:txBody>
+        <p:style>
+          <a:lnRef idx="0"/>
+          <a:fillRef idx="0"/>
+          <a:effectRef idx="0"/>
+          <a:fontRef idx="minor"/>
+        </p:style>
       </p:sp>
       <p:pic>
         <p:nvPicPr>
-          <p:cNvPr id="57" name="" descr=""/>
+          <p:cNvPr id="95" name="" descr=""/>
           <p:cNvPicPr/>
           <p:nvPr/>
         </p:nvPicPr>
@@ -4355,7 +7141,7 @@
         <p:spPr>
           <a:xfrm>
             <a:off x="1737360" y="2489400"/>
-            <a:ext cx="3589920" cy="2732760"/>
+            <a:ext cx="3589560" cy="2732400"/>
           </a:xfrm>
           <a:prstGeom prst="rect">
             <a:avLst/>
@@ -4367,7 +7153,7 @@
       </p:pic>
       <p:pic>
         <p:nvPicPr>
-          <p:cNvPr id="58" name="" descr=""/>
+          <p:cNvPr id="96" name="" descr=""/>
           <p:cNvPicPr/>
           <p:nvPr/>
         </p:nvPicPr>
@@ -4378,7 +7164,7 @@
         <p:spPr>
           <a:xfrm>
             <a:off x="6281640" y="2926080"/>
-            <a:ext cx="2313720" cy="1513800"/>
+            <a:ext cx="2313360" cy="1513440"/>
           </a:xfrm>
           <a:prstGeom prst="rect">
             <a:avLst/>
@@ -4388,8 +7174,99 @@
           </a:ln>
         </p:spPr>
       </p:pic>
+      <p:sp>
+        <p:nvSpPr>
+          <p:cNvPr id="97" name="TextShape 3"/>
+          <p:cNvSpPr txBox="1"/>
+          <p:nvPr/>
+        </p:nvSpPr>
+        <p:spPr>
+          <a:xfrm>
+            <a:off x="549000" y="6614640"/>
+            <a:ext cx="4002840" cy="426600"/>
+          </a:xfrm>
+          <a:prstGeom prst="rect">
+            <a:avLst/>
+          </a:prstGeom>
+          <a:noFill/>
+          <a:ln>
+            <a:noFill/>
+          </a:ln>
+        </p:spPr>
+        <p:txBody>
+          <a:bodyPr lIns="90000" rIns="90000" tIns="45000" bIns="45000"/>
+          <a:p>
+            <a:fld id="{C5B60DB0-96E2-4659-9EF8-483735E2B526}" type="slidenum">
+              <a:rPr b="0" lang="de-DE" sz="1800" spc="-1" strike="noStrike">
+                <a:solidFill>
+                  <a:srgbClr val="000000"/>
+                </a:solidFill>
+                <a:uFill>
+                  <a:solidFill>
+                    <a:srgbClr val="ffffff"/>
+                  </a:solidFill>
+                </a:uFill>
+                <a:latin typeface="Arial"/>
+              </a:rPr>
+              <a:t>&lt;number&gt;</a:t>
+            </a:fld>
+            <a:r>
+              <a:rPr b="0" lang="de-DE" sz="1800" spc="-1" strike="noStrike">
+                <a:solidFill>
+                  <a:srgbClr val="000000"/>
+                </a:solidFill>
+                <a:uFill>
+                  <a:solidFill>
+                    <a:srgbClr val="ffffff"/>
+                  </a:solidFill>
+                </a:uFill>
+                <a:latin typeface="Arial"/>
+              </a:rPr>
+              <a:t> von 14 </a:t>
+            </a:r>
+            <a:endParaRPr b="0" lang="de-DE" sz="1800" spc="-1" strike="noStrike">
+              <a:solidFill>
+                <a:srgbClr val="000000"/>
+              </a:solidFill>
+              <a:uFill>
+                <a:solidFill>
+                  <a:srgbClr val="ffffff"/>
+                </a:solidFill>
+              </a:uFill>
+              <a:latin typeface="Arial"/>
+            </a:endParaRPr>
+          </a:p>
+        </p:txBody>
+      </p:sp>
     </p:spTree>
   </p:cSld>
+  <p:timing>
+    <p:tnLst>
+      <p:par>
+        <p:cTn id="13" dur="indefinite" restart="never" nodeType="tmRoot">
+          <p:childTnLst>
+            <p:seq>
+              <p:cTn id="14" nodeType="mainSeq"/>
+              <p:prevCondLst>
+                <p:cond delay="0" evt="onPrev">
+                  <p:tgtEl>
+                    <p:sldTgt/>
+                  </p:tgtEl>
+                </p:cond>
+              </p:prevCondLst>
+              <p:nextCondLst>
+                <p:cond delay="0" evt="onNext">
+                  <p:tgtEl>
+                    <p:sldTgt/>
+                  </p:tgtEl>
+                </p:cond>
+              </p:nextCondLst>
+            </p:seq>
+          </p:childTnLst>
+        </p:cTn>
+      </p:par>
+    </p:tnLst>
+  </p:timing>
 </p:sld>
 </file>
 
@@ -4412,14 +7289,14 @@
       </p:grpSpPr>
       <p:sp>
         <p:nvSpPr>
-          <p:cNvPr id="59" name="TextShape 1"/>
-          <p:cNvSpPr txBox="1"/>
+          <p:cNvPr id="98" name="CustomShape 1"/>
+          <p:cNvSpPr/>
           <p:nvPr/>
         </p:nvSpPr>
         <p:spPr>
           <a:xfrm>
             <a:off x="504000" y="301320"/>
-            <a:ext cx="9071640" cy="1262160"/>
+            <a:ext cx="9071280" cy="1261800"/>
           </a:xfrm>
           <a:prstGeom prst="rect">
             <a:avLst/>
@@ -4429,10 +7306,20 @@
             <a:noFill/>
           </a:ln>
         </p:spPr>
+        <p:style>
+          <a:lnRef idx="0"/>
+          <a:fillRef idx="0"/>
+          <a:effectRef idx="0"/>
+          <a:fontRef idx="minor"/>
+        </p:style>
         <p:txBody>
           <a:bodyPr lIns="0" rIns="0" tIns="0" bIns="0" anchor="ctr"/>
           <a:p>
-            <a:pPr algn="ctr"/>
+            <a:pPr algn="ctr">
+              <a:lnSpc>
+                <a:spcPct val="100000"/>
+              </a:lnSpc>
+            </a:pPr>
             <a:r>
               <a:rPr b="0" lang="de-DE" sz="4400" spc="-1" strike="noStrike">
                 <a:solidFill>
@@ -4447,30 +7334,30 @@
               </a:rPr>
               <a:t>Beispiel(3)</a:t>
             </a:r>
-            <a:endParaRPr b="0" lang="de-DE" sz="4400" spc="-1" strike="noStrike">
-              <a:solidFill>
-                <a:srgbClr val="000000"/>
-              </a:solidFill>
-              <a:uFill>
-                <a:solidFill>
-                  <a:srgbClr val="ffffff"/>
-                </a:solidFill>
-              </a:uFill>
-              <a:latin typeface="Arial"/>
-            </a:endParaRPr>
-          </a:p>
-        </p:txBody>
-      </p:sp>
-      <p:sp>
-        <p:nvSpPr>
-          <p:cNvPr id="60" name="TextShape 2"/>
-          <p:cNvSpPr txBox="1"/>
+            <a:endParaRPr b="0" lang="de-DE" sz="1800" spc="-1" strike="noStrike">
+              <a:solidFill>
+                <a:srgbClr val="000000"/>
+              </a:solidFill>
+              <a:uFill>
+                <a:solidFill>
+                  <a:srgbClr val="ffffff"/>
+                </a:solidFill>
+              </a:uFill>
+              <a:latin typeface="Arial"/>
+            </a:endParaRPr>
+          </a:p>
+        </p:txBody>
+      </p:sp>
+      <p:sp>
+        <p:nvSpPr>
+          <p:cNvPr id="99" name="CustomShape 2"/>
+          <p:cNvSpPr/>
           <p:nvPr/>
         </p:nvSpPr>
         <p:spPr>
           <a:xfrm>
             <a:off x="504000" y="1769040"/>
-            <a:ext cx="9071640" cy="4384440"/>
+            <a:ext cx="9071280" cy="4384080"/>
           </a:xfrm>
           <a:prstGeom prst="rect">
             <a:avLst/>
@@ -4480,26 +7367,16 @@
             <a:noFill/>
           </a:ln>
         </p:spPr>
-        <p:txBody>
-          <a:bodyPr lIns="0" rIns="0" tIns="0" bIns="0"/>
-          <a:p>
-            <a:endParaRPr b="0" lang="de-DE" sz="3200" spc="-1" strike="noStrike">
-              <a:solidFill>
-                <a:srgbClr val="000000"/>
-              </a:solidFill>
-              <a:uFill>
-                <a:solidFill>
-                  <a:srgbClr val="ffffff"/>
-                </a:solidFill>
-              </a:uFill>
-              <a:latin typeface="Arial"/>
-            </a:endParaRPr>
-          </a:p>
-        </p:txBody>
+        <p:style>
+          <a:lnRef idx="0"/>
+          <a:fillRef idx="0"/>
+          <a:effectRef idx="0"/>
+          <a:fontRef idx="minor"/>
+        </p:style>
       </p:sp>
       <p:pic>
         <p:nvPicPr>
-          <p:cNvPr id="61" name="" descr=""/>
+          <p:cNvPr id="100" name="" descr=""/>
           <p:cNvPicPr/>
           <p:nvPr/>
         </p:nvPicPr>
@@ -4510,7 +7387,7 @@
         <p:spPr>
           <a:xfrm>
             <a:off x="1188720" y="1393920"/>
-            <a:ext cx="8151840" cy="5189760"/>
+            <a:ext cx="8151480" cy="5189400"/>
           </a:xfrm>
           <a:prstGeom prst="rect">
             <a:avLst/>
@@ -4522,14 +7399,14 @@
       </p:pic>
       <p:sp>
         <p:nvSpPr>
-          <p:cNvPr id="62" name="TextShape 3"/>
-          <p:cNvSpPr txBox="1"/>
+          <p:cNvPr id="101" name="CustomShape 3"/>
+          <p:cNvSpPr/>
           <p:nvPr/>
         </p:nvSpPr>
         <p:spPr>
           <a:xfrm>
-            <a:off x="914400" y="6675120"/>
-            <a:ext cx="3383280" cy="346320"/>
+            <a:off x="6492240" y="6786360"/>
+            <a:ext cx="3382920" cy="345960"/>
           </a:xfrm>
           <a:prstGeom prst="rect">
             <a:avLst/>
@@ -4539,6 +7416,12 @@
             <a:noFill/>
           </a:ln>
         </p:spPr>
+        <p:style>
+          <a:lnRef idx="0"/>
+          <a:fillRef idx="0"/>
+          <a:effectRef idx="0"/>
+          <a:fontRef idx="minor"/>
+        </p:style>
         <p:txBody>
           <a:bodyPr lIns="90000" rIns="90000" tIns="45000" bIns="45000"/>
           <a:p>
@@ -4570,8 +7453,99 @@
           </a:p>
         </p:txBody>
       </p:sp>
+      <p:sp>
+        <p:nvSpPr>
+          <p:cNvPr id="102" name="TextShape 4"/>
+          <p:cNvSpPr txBox="1"/>
+          <p:nvPr/>
+        </p:nvSpPr>
+        <p:spPr>
+          <a:xfrm>
+            <a:off x="549000" y="6614640"/>
+            <a:ext cx="4002840" cy="426600"/>
+          </a:xfrm>
+          <a:prstGeom prst="rect">
+            <a:avLst/>
+          </a:prstGeom>
+          <a:noFill/>
+          <a:ln>
+            <a:noFill/>
+          </a:ln>
+        </p:spPr>
+        <p:txBody>
+          <a:bodyPr lIns="90000" rIns="90000" tIns="45000" bIns="45000"/>
+          <a:p>
+            <a:fld id="{7DE6C69F-A648-45CB-9C18-E1CF76BB3878}" type="slidenum">
+              <a:rPr b="0" lang="de-DE" sz="1800" spc="-1" strike="noStrike">
+                <a:solidFill>
+                  <a:srgbClr val="000000"/>
+                </a:solidFill>
+                <a:uFill>
+                  <a:solidFill>
+                    <a:srgbClr val="ffffff"/>
+                  </a:solidFill>
+                </a:uFill>
+                <a:latin typeface="Arial"/>
+              </a:rPr>
+              <a:t>&lt;number&gt;</a:t>
+            </a:fld>
+            <a:r>
+              <a:rPr b="0" lang="de-DE" sz="1800" spc="-1" strike="noStrike">
+                <a:solidFill>
+                  <a:srgbClr val="000000"/>
+                </a:solidFill>
+                <a:uFill>
+                  <a:solidFill>
+                    <a:srgbClr val="ffffff"/>
+                  </a:solidFill>
+                </a:uFill>
+                <a:latin typeface="Arial"/>
+              </a:rPr>
+              <a:t> von 14 </a:t>
+            </a:r>
+            <a:endParaRPr b="0" lang="de-DE" sz="1800" spc="-1" strike="noStrike">
+              <a:solidFill>
+                <a:srgbClr val="000000"/>
+              </a:solidFill>
+              <a:uFill>
+                <a:solidFill>
+                  <a:srgbClr val="ffffff"/>
+                </a:solidFill>
+              </a:uFill>
+              <a:latin typeface="Arial"/>
+            </a:endParaRPr>
+          </a:p>
+        </p:txBody>
+      </p:sp>
     </p:spTree>
   </p:cSld>
+  <p:timing>
+    <p:tnLst>
+      <p:par>
+        <p:cTn id="15" dur="indefinite" restart="never" nodeType="tmRoot">
+          <p:childTnLst>
+            <p:seq>
+              <p:cTn id="16" nodeType="mainSeq"/>
+              <p:prevCondLst>
+                <p:cond delay="0" evt="onPrev">
+                  <p:tgtEl>
+                    <p:sldTgt/>
+                  </p:tgtEl>
+                </p:cond>
+              </p:prevCondLst>
+              <p:nextCondLst>
+                <p:cond delay="0" evt="onNext">
+                  <p:tgtEl>
+                    <p:sldTgt/>
+                  </p:tgtEl>
+                </p:cond>
+              </p:nextCondLst>
+            </p:seq>
+          </p:childTnLst>
+        </p:cTn>
+      </p:par>
+    </p:tnLst>
+  </p:timing>
 </p:sld>
 </file>
 
@@ -4594,14 +7568,14 @@
       </p:grpSpPr>
       <p:sp>
         <p:nvSpPr>
-          <p:cNvPr id="63" name="TextShape 1"/>
-          <p:cNvSpPr txBox="1"/>
+          <p:cNvPr id="103" name="CustomShape 1"/>
+          <p:cNvSpPr/>
           <p:nvPr/>
         </p:nvSpPr>
         <p:spPr>
           <a:xfrm>
             <a:off x="504000" y="301320"/>
-            <a:ext cx="9071640" cy="1262160"/>
+            <a:ext cx="9071280" cy="1261800"/>
           </a:xfrm>
           <a:prstGeom prst="rect">
             <a:avLst/>
@@ -4611,10 +7585,20 @@
             <a:noFill/>
           </a:ln>
         </p:spPr>
+        <p:style>
+          <a:lnRef idx="0"/>
+          <a:fillRef idx="0"/>
+          <a:effectRef idx="0"/>
+          <a:fontRef idx="minor"/>
+        </p:style>
         <p:txBody>
           <a:bodyPr lIns="0" rIns="0" tIns="0" bIns="0" anchor="ctr"/>
           <a:p>
-            <a:pPr algn="ctr"/>
+            <a:pPr algn="ctr">
+              <a:lnSpc>
+                <a:spcPct val="100000"/>
+              </a:lnSpc>
+            </a:pPr>
             <a:r>
               <a:rPr b="0" lang="de-DE" sz="4400" spc="-1" strike="noStrike">
                 <a:solidFill>
@@ -4629,30 +7613,30 @@
               </a:rPr>
               <a:t>Beispiel(4)</a:t>
             </a:r>
-            <a:endParaRPr b="0" lang="de-DE" sz="4400" spc="-1" strike="noStrike">
-              <a:solidFill>
-                <a:srgbClr val="000000"/>
-              </a:solidFill>
-              <a:uFill>
-                <a:solidFill>
-                  <a:srgbClr val="ffffff"/>
-                </a:solidFill>
-              </a:uFill>
-              <a:latin typeface="Arial"/>
-            </a:endParaRPr>
-          </a:p>
-        </p:txBody>
-      </p:sp>
-      <p:sp>
-        <p:nvSpPr>
-          <p:cNvPr id="64" name="TextShape 2"/>
-          <p:cNvSpPr txBox="1"/>
+            <a:endParaRPr b="0" lang="de-DE" sz="1800" spc="-1" strike="noStrike">
+              <a:solidFill>
+                <a:srgbClr val="000000"/>
+              </a:solidFill>
+              <a:uFill>
+                <a:solidFill>
+                  <a:srgbClr val="ffffff"/>
+                </a:solidFill>
+              </a:uFill>
+              <a:latin typeface="Arial"/>
+            </a:endParaRPr>
+          </a:p>
+        </p:txBody>
+      </p:sp>
+      <p:sp>
+        <p:nvSpPr>
+          <p:cNvPr id="104" name="CustomShape 2"/>
+          <p:cNvSpPr/>
           <p:nvPr/>
         </p:nvSpPr>
         <p:spPr>
           <a:xfrm>
             <a:off x="504000" y="1769040"/>
-            <a:ext cx="9071640" cy="4384440"/>
+            <a:ext cx="9071280" cy="4384080"/>
           </a:xfrm>
           <a:prstGeom prst="rect">
             <a:avLst/>
@@ -4662,10 +7646,19 @@
             <a:noFill/>
           </a:ln>
         </p:spPr>
+        <p:style>
+          <a:lnRef idx="0"/>
+          <a:fillRef idx="0"/>
+          <a:effectRef idx="0"/>
+          <a:fontRef idx="minor"/>
+        </p:style>
         <p:txBody>
           <a:bodyPr lIns="0" rIns="0" tIns="0" bIns="0"/>
           <a:p>
-            <a:pPr marL="432000" indent="-324000">
+            <a:pPr marL="432000" indent="-323640">
+              <a:lnSpc>
+                <a:spcPct val="100000"/>
+              </a:lnSpc>
               <a:buClr>
                 <a:srgbClr val="000000"/>
               </a:buClr>
@@ -4687,20 +7680,23 @@
               </a:rPr>
               <a:t>Bedingte Unabhängigkeit:</a:t>
             </a:r>
-            <a:endParaRPr b="0" lang="de-DE" sz="3200" spc="-1" strike="noStrike">
-              <a:solidFill>
-                <a:srgbClr val="000000"/>
-              </a:solidFill>
-              <a:uFill>
-                <a:solidFill>
-                  <a:srgbClr val="ffffff"/>
-                </a:solidFill>
-              </a:uFill>
-              <a:latin typeface="Arial"/>
-            </a:endParaRPr>
-          </a:p>
-          <a:p>
-            <a:pPr marL="432000" indent="-324000">
+            <a:endParaRPr b="0" lang="de-DE" sz="1800" spc="-1" strike="noStrike">
+              <a:solidFill>
+                <a:srgbClr val="000000"/>
+              </a:solidFill>
+              <a:uFill>
+                <a:solidFill>
+                  <a:srgbClr val="ffffff"/>
+                </a:solidFill>
+              </a:uFill>
+              <a:latin typeface="Arial"/>
+            </a:endParaRPr>
+          </a:p>
+          <a:p>
+            <a:pPr marL="432000" indent="-323640">
+              <a:lnSpc>
+                <a:spcPct val="100000"/>
+              </a:lnSpc>
               <a:buClr>
                 <a:srgbClr val="000000"/>
               </a:buClr>
@@ -4722,7 +7718,7 @@
               </a:rPr>
               <a:t> </a:t>
             </a:r>
-            <a:endParaRPr b="0" lang="de-DE" sz="3200" spc="-1" strike="noStrike">
+            <a:endParaRPr b="0" lang="de-DE" sz="1800" spc="-1" strike="noStrike">
               <a:solidFill>
                 <a:srgbClr val="000000"/>
               </a:solidFill>
@@ -4738,7 +7734,7 @@
       </p:sp>
       <p:pic>
         <p:nvPicPr>
-          <p:cNvPr id="65" name="" descr=""/>
+          <p:cNvPr id="105" name="" descr=""/>
           <p:cNvPicPr/>
           <p:nvPr/>
         </p:nvPicPr>
@@ -4749,7 +7745,7 @@
         <p:spPr>
           <a:xfrm>
             <a:off x="1188720" y="3200400"/>
-            <a:ext cx="7420680" cy="904680"/>
+            <a:ext cx="7420320" cy="904320"/>
           </a:xfrm>
           <a:prstGeom prst="rect">
             <a:avLst/>
@@ -4759,8 +7755,99 @@
           </a:ln>
         </p:spPr>
       </p:pic>
+      <p:sp>
+        <p:nvSpPr>
+          <p:cNvPr id="106" name="TextShape 3"/>
+          <p:cNvSpPr txBox="1"/>
+          <p:nvPr/>
+        </p:nvSpPr>
+        <p:spPr>
+          <a:xfrm>
+            <a:off x="549000" y="6614640"/>
+            <a:ext cx="4002840" cy="426600"/>
+          </a:xfrm>
+          <a:prstGeom prst="rect">
+            <a:avLst/>
+          </a:prstGeom>
+          <a:noFill/>
+          <a:ln>
+            <a:noFill/>
+          </a:ln>
+        </p:spPr>
+        <p:txBody>
+          <a:bodyPr lIns="90000" rIns="90000" tIns="45000" bIns="45000"/>
+          <a:p>
+            <a:fld id="{DCC0211D-BEF2-49B8-9EF7-A25BF3F19B70}" type="slidenum">
+              <a:rPr b="0" lang="de-DE" sz="1800" spc="-1" strike="noStrike">
+                <a:solidFill>
+                  <a:srgbClr val="000000"/>
+                </a:solidFill>
+                <a:uFill>
+                  <a:solidFill>
+                    <a:srgbClr val="ffffff"/>
+                  </a:solidFill>
+                </a:uFill>
+                <a:latin typeface="Arial"/>
+              </a:rPr>
+              <a:t>&lt;number&gt;</a:t>
+            </a:fld>
+            <a:r>
+              <a:rPr b="0" lang="de-DE" sz="1800" spc="-1" strike="noStrike">
+                <a:solidFill>
+                  <a:srgbClr val="000000"/>
+                </a:solidFill>
+                <a:uFill>
+                  <a:solidFill>
+                    <a:srgbClr val="ffffff"/>
+                  </a:solidFill>
+                </a:uFill>
+                <a:latin typeface="Arial"/>
+              </a:rPr>
+              <a:t> von 14 </a:t>
+            </a:r>
+            <a:endParaRPr b="0" lang="de-DE" sz="1800" spc="-1" strike="noStrike">
+              <a:solidFill>
+                <a:srgbClr val="000000"/>
+              </a:solidFill>
+              <a:uFill>
+                <a:solidFill>
+                  <a:srgbClr val="ffffff"/>
+                </a:solidFill>
+              </a:uFill>
+              <a:latin typeface="Arial"/>
+            </a:endParaRPr>
+          </a:p>
+        </p:txBody>
+      </p:sp>
     </p:spTree>
   </p:cSld>
+  <p:timing>
+    <p:tnLst>
+      <p:par>
+        <p:cTn id="17" dur="indefinite" restart="never" nodeType="tmRoot">
+          <p:childTnLst>
+            <p:seq>
+              <p:cTn id="18" nodeType="mainSeq"/>
+              <p:prevCondLst>
+                <p:cond delay="0" evt="onPrev">
+                  <p:tgtEl>
+                    <p:sldTgt/>
+                  </p:tgtEl>
+                </p:cond>
+              </p:prevCondLst>
+              <p:nextCondLst>
+                <p:cond delay="0" evt="onNext">
+                  <p:tgtEl>
+                    <p:sldTgt/>
+                  </p:tgtEl>
+                </p:cond>
+              </p:nextCondLst>
+            </p:seq>
+          </p:childTnLst>
+        </p:cTn>
+      </p:par>
+    </p:tnLst>
+  </p:timing>
 </p:sld>
 </file>
 
@@ -4985,4 +8072,227 @@
     </a:fmtScheme>
   </a:themeElements>
 </a:theme>
+</file>
+
+<file path=ppt/theme/theme2.xml><?xml version="1.0" encoding="utf-8"?>
+<a:theme xmlns:a="http://schemas.openxmlformats.org/drawingml/2006/main" name="Office Theme">
+  <a:themeElements>
+    <a:clrScheme name="Office">
+      <a:dk1>
+        <a:sysClr val="windowText" lastClr="000000"/>
+      </a:dk1>
+      <a:lt1>
+        <a:sysClr val="window" lastClr="FFFFFF"/>
+      </a:lt1>
+      <a:dk2>
+        <a:srgbClr val="1F497D"/>
+      </a:dk2>
+      <a:lt2>
+        <a:srgbClr val="EEECE1"/>
+      </a:lt2>
+      <a:accent1>
+        <a:srgbClr val="4F81BD"/>
+      </a:accent1>
+      <a:accent2>
+        <a:srgbClr val="C0504D"/>
+      </a:accent2>
+      <a:accent3>
+        <a:srgbClr val="9BBB59"/>
+      </a:accent3>
+      <a:accent4>
+        <a:srgbClr val="8064A2"/>
+      </a:accent4>
+      <a:accent5>
+        <a:srgbClr val="4BACC6"/>
+      </a:accent5>
+      <a:accent6>
+        <a:srgbClr val="F79646"/>
+      </a:accent6>
+      <a:hlink>
+        <a:srgbClr val="0000FF"/>
+      </a:hlink>
+      <a:folHlink>
+        <a:srgbClr val="800080"/>
+      </a:folHlink>
+    </a:clrScheme>
+    <a:fontScheme name="Office">
+      <a:majorFont>
+        <a:latin typeface="Arial"/>
+        <a:ea typeface="DejaVu Sans"/>
+        <a:cs typeface="DejaVu Sans"/>
+      </a:majorFont>
+      <a:minorFont>
+        <a:latin typeface="Arial"/>
+        <a:ea typeface="DejaVu Sans"/>
+        <a:cs typeface="DejaVu Sans"/>
+      </a:minorFont>
+    </a:fontScheme>
+    <a:fmtScheme name="Office">
+      <a:fillStyleLst>
+        <a:solidFill>
+          <a:schemeClr val="phClr"/>
+        </a:solidFill>
+        <a:gradFill rotWithShape="1">
+          <a:gsLst>
+            <a:gs pos="0">
+              <a:schemeClr val="phClr">
+                <a:tint val="50000"/>
+                <a:satMod val="300000"/>
+              </a:schemeClr>
+            </a:gs>
+            <a:gs pos="35000">
+              <a:schemeClr val="phClr">
+                <a:tint val="37000"/>
+                <a:satMod val="300000"/>
+              </a:schemeClr>
+            </a:gs>
+            <a:gs pos="100000">
+              <a:schemeClr val="phClr">
+                <a:tint val="15000"/>
+                <a:satMod val="350000"/>
+              </a:schemeClr>
+            </a:gs>
+          </a:gsLst>
+          <a:lin ang="16200000" scaled="1"/>
+        </a:gradFill>
+        <a:gradFill rotWithShape="1">
+          <a:gsLst>
+            <a:gs pos="0">
+              <a:schemeClr val="phClr">
+                <a:shade val="51000"/>
+                <a:satMod val="130000"/>
+              </a:schemeClr>
+            </a:gs>
+            <a:gs pos="80000">
+              <a:schemeClr val="phClr">
+                <a:shade val="93000"/>
+                <a:satMod val="130000"/>
+              </a:schemeClr>
+            </a:gs>
+            <a:gs pos="100000">
+              <a:schemeClr val="phClr">
+                <a:shade val="94000"/>
+                <a:satMod val="135000"/>
+              </a:schemeClr>
+            </a:gs>
+          </a:gsLst>
+          <a:lin ang="16200000" scaled="0"/>
+        </a:gradFill>
+      </a:fillStyleLst>
+      <a:lnStyleLst>
+        <a:ln w="9525" cap="flat" cmpd="sng" algn="ctr">
+          <a:solidFill>
+            <a:schemeClr val="phClr">
+              <a:shade val="95000"/>
+              <a:satMod val="105000"/>
+            </a:schemeClr>
+          </a:solidFill>
+          <a:prstDash val="solid"/>
+        </a:ln>
+        <a:ln w="25400" cap="flat" cmpd="sng" algn="ctr">
+          <a:solidFill>
+            <a:schemeClr val="phClr"/>
+          </a:solidFill>
+          <a:prstDash val="solid"/>
+        </a:ln>
+        <a:ln w="38100" cap="flat" cmpd="sng" algn="ctr">
+          <a:solidFill>
+            <a:schemeClr val="phClr"/>
+          </a:solidFill>
+          <a:prstDash val="solid"/>
+        </a:ln>
+      </a:lnStyleLst>
+      <a:effectStyleLst>
+        <a:effectStyle>
+          <a:effectLst>
+            <a:outerShdw blurRad="40000" dist="20000" dir="5400000" rotWithShape="0">
+              <a:srgbClr val="000000">
+                <a:alpha val="38000"/>
+              </a:srgbClr>
+            </a:outerShdw>
+          </a:effectLst>
+        </a:effectStyle>
+        <a:effectStyle>
+          <a:effectLst>
+            <a:outerShdw blurRad="40000" dist="23000" dir="5400000" rotWithShape="0">
+              <a:srgbClr val="000000">
+                <a:alpha val="35000"/>
+              </a:srgbClr>
+            </a:outerShdw>
+          </a:effectLst>
+        </a:effectStyle>
+        <a:effectStyle>
+          <a:effectLst>
+            <a:outerShdw blurRad="40000" dist="23000" dir="5400000" rotWithShape="0">
+              <a:srgbClr val="000000">
+                <a:alpha val="35000"/>
+              </a:srgbClr>
+            </a:outerShdw>
+          </a:effectLst>
+          <a:scene3d>
+            <a:camera prst="orthographicFront">
+              <a:rot lat="0" lon="0" rev="0"/>
+            </a:camera>
+            <a:lightRig rig="threePt" dir="t">
+              <a:rot lat="0" lon="0" rev="1200000"/>
+            </a:lightRig>
+          </a:scene3d>
+          <a:sp3d>
+            <a:bevelT w="63500" h="25400"/>
+          </a:sp3d>
+        </a:effectStyle>
+      </a:effectStyleLst>
+      <a:bgFillStyleLst>
+        <a:solidFill>
+          <a:schemeClr val="phClr"/>
+        </a:solidFill>
+        <a:gradFill rotWithShape="1">
+          <a:gsLst>
+            <a:gs pos="0">
+              <a:schemeClr val="phClr">
+                <a:tint val="40000"/>
+                <a:satMod val="350000"/>
+              </a:schemeClr>
+            </a:gs>
+            <a:gs pos="40000">
+              <a:schemeClr val="phClr">
+                <a:tint val="45000"/>
+                <a:shade val="99000"/>
+                <a:satMod val="350000"/>
+              </a:schemeClr>
+            </a:gs>
+            <a:gs pos="100000">
+              <a:schemeClr val="phClr">
+                <a:shade val="20000"/>
+                <a:satMod val="255000"/>
+              </a:schemeClr>
+            </a:gs>
+          </a:gsLst>
+          <a:path path="circle">
+            <a:fillToRect l="50000" t="-80000" r="50000" b="180000"/>
+          </a:path>
+        </a:gradFill>
+        <a:gradFill rotWithShape="1">
+          <a:gsLst>
+            <a:gs pos="0">
+              <a:schemeClr val="phClr">
+                <a:tint val="80000"/>
+                <a:satMod val="300000"/>
+              </a:schemeClr>
+            </a:gs>
+            <a:gs pos="100000">
+              <a:schemeClr val="phClr">
+                <a:shade val="30000"/>
+                <a:satMod val="200000"/>
+              </a:schemeClr>
+            </a:gs>
+          </a:gsLst>
+          <a:path path="circle">
+            <a:fillToRect l="50000" t="50000" r="50000" b="50000"/>
+          </a:path>
+        </a:gradFill>
+      </a:bgFillStyleLst>
+    </a:fmtScheme>
+  </a:themeElements>
+</a:theme>
 </file>
--- a/praesi.pptx
+++ b/praesi.pptx
@@ -5,25 +5,611 @@
     <p:sldMasterId id="2147483648" r:id="rId2"/>
     <p:sldMasterId id="2147483661" r:id="rId3"/>
   </p:sldMasterIdLst>
+  <p:notesMasterIdLst>
+    <p:notesMasterId r:id="rId4"/>
+  </p:notesMasterIdLst>
   <p:sldIdLst>
-    <p:sldId id="256" r:id="rId4"/>
-    <p:sldId id="257" r:id="rId5"/>
-    <p:sldId id="258" r:id="rId6"/>
-    <p:sldId id="259" r:id="rId7"/>
-    <p:sldId id="260" r:id="rId8"/>
-    <p:sldId id="261" r:id="rId9"/>
-    <p:sldId id="262" r:id="rId10"/>
-    <p:sldId id="263" r:id="rId11"/>
-    <p:sldId id="264" r:id="rId12"/>
-    <p:sldId id="265" r:id="rId13"/>
-    <p:sldId id="266" r:id="rId14"/>
-    <p:sldId id="267" r:id="rId15"/>
-    <p:sldId id="268" r:id="rId16"/>
-    <p:sldId id="269" r:id="rId17"/>
+    <p:sldId id="256" r:id="rId5"/>
+    <p:sldId id="257" r:id="rId6"/>
+    <p:sldId id="258" r:id="rId7"/>
+    <p:sldId id="259" r:id="rId8"/>
+    <p:sldId id="260" r:id="rId9"/>
+    <p:sldId id="261" r:id="rId10"/>
+    <p:sldId id="262" r:id="rId11"/>
+    <p:sldId id="263" r:id="rId12"/>
+    <p:sldId id="264" r:id="rId13"/>
+    <p:sldId id="265" r:id="rId14"/>
+    <p:sldId id="266" r:id="rId15"/>
+    <p:sldId id="267" r:id="rId16"/>
+    <p:sldId id="268" r:id="rId17"/>
+    <p:sldId id="269" r:id="rId18"/>
+    <p:sldId id="270" r:id="rId19"/>
+    <p:sldId id="271" r:id="rId20"/>
   </p:sldIdLst>
   <p:sldSz cx="10080625" cy="7559675"/>
   <p:notesSz cx="7772400" cy="10058400"/>
 </p:presentation>
+</file>
+
+<file path=ppt/notesMasters/notesMaster1.xml><?xml version="1.0" encoding="utf-8"?>
+<p:notesMaster xmlns:a="http://schemas.openxmlformats.org/drawingml/2006/main" xmlns:p="http://schemas.openxmlformats.org/presentationml/2006/main" xmlns:r="http://schemas.openxmlformats.org/officeDocument/2006/relationships" xmlns:p14="http://schemas.microsoft.com/office/powerpoint/2010/main" xmlns:p15="http://schemas.microsoft.com/office/powerpoint/2012/main" xmlns:mc="http://schemas.openxmlformats.org/markup-compatibility/2006">
+  <p:cSld>
+    <p:spTree>
+      <p:nvGrpSpPr>
+        <p:cNvPr id="1" name=""/>
+        <p:cNvGrpSpPr/>
+        <p:nvPr/>
+      </p:nvGrpSpPr>
+      <p:grpSpPr>
+        <a:xfrm>
+          <a:off x="0" y="0"/>
+          <a:ext cx="0" cy="0"/>
+          <a:chOff x="0" y="0"/>
+          <a:chExt cx="0" cy="0"/>
+        </a:xfrm>
+      </p:grpSpPr>
+      <p:sp>
+        <p:nvSpPr>
+          <p:cNvPr id="72" name="PlaceHolder 1"/>
+          <p:cNvSpPr>
+            <a:spLocks noGrp="1"/>
+          </p:cNvSpPr>
+          <p:nvPr>
+            <p:ph type="body"/>
+          </p:nvPr>
+        </p:nvSpPr>
+        <p:spPr>
+          <a:xfrm>
+            <a:off x="777240" y="4777560"/>
+            <a:ext cx="6217560" cy="4525920"/>
+          </a:xfrm>
+          <a:prstGeom prst="rect">
+            <a:avLst/>
+          </a:prstGeom>
+        </p:spPr>
+        <p:txBody>
+          <a:bodyPr lIns="0" rIns="0" tIns="0" bIns="0"/>
+          <a:p>
+            <a:r>
+              <a:rPr b="0" lang="de-DE" sz="2000" spc="-1" strike="noStrike">
+                <a:solidFill>
+                  <a:srgbClr val="000000"/>
+                </a:solidFill>
+                <a:uFill>
+                  <a:solidFill>
+                    <a:srgbClr val="ffffff"/>
+                  </a:solidFill>
+                </a:uFill>
+                <a:latin typeface="Arial"/>
+              </a:rPr>
+              <a:t>Click to edit the notes format</a:t>
+            </a:r>
+            <a:endParaRPr b="0" lang="de-DE" sz="2000" spc="-1" strike="noStrike">
+              <a:solidFill>
+                <a:srgbClr val="000000"/>
+              </a:solidFill>
+              <a:uFill>
+                <a:solidFill>
+                  <a:srgbClr val="ffffff"/>
+                </a:solidFill>
+              </a:uFill>
+              <a:latin typeface="Arial"/>
+            </a:endParaRPr>
+          </a:p>
+        </p:txBody>
+      </p:sp>
+      <p:sp>
+        <p:nvSpPr>
+          <p:cNvPr id="73" name="PlaceHolder 2"/>
+          <p:cNvSpPr>
+            <a:spLocks noGrp="1"/>
+          </p:cNvSpPr>
+          <p:nvPr>
+            <p:ph type="hdr"/>
+          </p:nvPr>
+        </p:nvSpPr>
+        <p:spPr>
+          <a:xfrm>
+            <a:off x="0" y="0"/>
+            <a:ext cx="3372840" cy="502560"/>
+          </a:xfrm>
+          <a:prstGeom prst="rect">
+            <a:avLst/>
+          </a:prstGeom>
+        </p:spPr>
+        <p:txBody>
+          <a:bodyPr lIns="0" rIns="0" tIns="0" bIns="0"/>
+          <a:p>
+            <a:r>
+              <a:rPr b="0" lang="de-DE" sz="1400" spc="-1" strike="noStrike">
+                <a:solidFill>
+                  <a:srgbClr val="000000"/>
+                </a:solidFill>
+                <a:uFill>
+                  <a:solidFill>
+                    <a:srgbClr val="ffffff"/>
+                  </a:solidFill>
+                </a:uFill>
+                <a:latin typeface="Times New Roman"/>
+              </a:rPr>
+              <a:t>&lt;header&gt;</a:t>
+            </a:r>
+            <a:endParaRPr b="0" lang="de-DE" sz="1400" spc="-1" strike="noStrike">
+              <a:solidFill>
+                <a:srgbClr val="000000"/>
+              </a:solidFill>
+              <a:uFill>
+                <a:solidFill>
+                  <a:srgbClr val="ffffff"/>
+                </a:solidFill>
+              </a:uFill>
+              <a:latin typeface="Times New Roman"/>
+            </a:endParaRPr>
+          </a:p>
+        </p:txBody>
+      </p:sp>
+      <p:sp>
+        <p:nvSpPr>
+          <p:cNvPr id="74" name="PlaceHolder 3"/>
+          <p:cNvSpPr>
+            <a:spLocks noGrp="1"/>
+          </p:cNvSpPr>
+          <p:nvPr>
+            <p:ph type="dt"/>
+          </p:nvPr>
+        </p:nvSpPr>
+        <p:spPr>
+          <a:xfrm>
+            <a:off x="4399200" y="0"/>
+            <a:ext cx="3372840" cy="502560"/>
+          </a:xfrm>
+          <a:prstGeom prst="rect">
+            <a:avLst/>
+          </a:prstGeom>
+        </p:spPr>
+        <p:txBody>
+          <a:bodyPr lIns="0" rIns="0" tIns="0" bIns="0"/>
+          <a:p>
+            <a:pPr algn="r"/>
+            <a:r>
+              <a:rPr b="0" lang="de-DE" sz="1400" spc="-1" strike="noStrike">
+                <a:solidFill>
+                  <a:srgbClr val="000000"/>
+                </a:solidFill>
+                <a:uFill>
+                  <a:solidFill>
+                    <a:srgbClr val="ffffff"/>
+                  </a:solidFill>
+                </a:uFill>
+                <a:latin typeface="Times New Roman"/>
+              </a:rPr>
+              <a:t>&lt;date/time&gt;</a:t>
+            </a:r>
+            <a:endParaRPr b="0" lang="de-DE" sz="1400" spc="-1" strike="noStrike">
+              <a:solidFill>
+                <a:srgbClr val="000000"/>
+              </a:solidFill>
+              <a:uFill>
+                <a:solidFill>
+                  <a:srgbClr val="ffffff"/>
+                </a:solidFill>
+              </a:uFill>
+              <a:latin typeface="Times New Roman"/>
+            </a:endParaRPr>
+          </a:p>
+        </p:txBody>
+      </p:sp>
+      <p:sp>
+        <p:nvSpPr>
+          <p:cNvPr id="75" name="PlaceHolder 4"/>
+          <p:cNvSpPr>
+            <a:spLocks noGrp="1"/>
+          </p:cNvSpPr>
+          <p:nvPr>
+            <p:ph type="ftr"/>
+          </p:nvPr>
+        </p:nvSpPr>
+        <p:spPr>
+          <a:xfrm>
+            <a:off x="0" y="9555480"/>
+            <a:ext cx="3372840" cy="502560"/>
+          </a:xfrm>
+          <a:prstGeom prst="rect">
+            <a:avLst/>
+          </a:prstGeom>
+        </p:spPr>
+        <p:txBody>
+          <a:bodyPr lIns="0" rIns="0" tIns="0" bIns="0" anchor="b"/>
+          <a:p>
+            <a:r>
+              <a:rPr b="0" lang="de-DE" sz="1400" spc="-1" strike="noStrike">
+                <a:solidFill>
+                  <a:srgbClr val="000000"/>
+                </a:solidFill>
+                <a:uFill>
+                  <a:solidFill>
+                    <a:srgbClr val="ffffff"/>
+                  </a:solidFill>
+                </a:uFill>
+                <a:latin typeface="Times New Roman"/>
+              </a:rPr>
+              <a:t>&lt;footer&gt;</a:t>
+            </a:r>
+            <a:endParaRPr b="0" lang="de-DE" sz="1400" spc="-1" strike="noStrike">
+              <a:solidFill>
+                <a:srgbClr val="000000"/>
+              </a:solidFill>
+              <a:uFill>
+                <a:solidFill>
+                  <a:srgbClr val="ffffff"/>
+                </a:solidFill>
+              </a:uFill>
+              <a:latin typeface="Times New Roman"/>
+            </a:endParaRPr>
+          </a:p>
+        </p:txBody>
+      </p:sp>
+      <p:sp>
+        <p:nvSpPr>
+          <p:cNvPr id="76" name="PlaceHolder 5"/>
+          <p:cNvSpPr>
+            <a:spLocks noGrp="1"/>
+          </p:cNvSpPr>
+          <p:nvPr>
+            <p:ph type="sldNum"/>
+          </p:nvPr>
+        </p:nvSpPr>
+        <p:spPr>
+          <a:xfrm>
+            <a:off x="4399200" y="9555480"/>
+            <a:ext cx="3372840" cy="502560"/>
+          </a:xfrm>
+          <a:prstGeom prst="rect">
+            <a:avLst/>
+          </a:prstGeom>
+        </p:spPr>
+        <p:txBody>
+          <a:bodyPr lIns="0" rIns="0" tIns="0" bIns="0" anchor="b"/>
+          <a:p>
+            <a:pPr algn="r"/>
+            <a:fld id="{7C9D208F-FFEE-4273-9756-2E27A6F91A80}" type="slidenum">
+              <a:rPr b="0" lang="de-DE" sz="1400" spc="-1" strike="noStrike">
+                <a:solidFill>
+                  <a:srgbClr val="000000"/>
+                </a:solidFill>
+                <a:uFill>
+                  <a:solidFill>
+                    <a:srgbClr val="ffffff"/>
+                  </a:solidFill>
+                </a:uFill>
+                <a:latin typeface="Times New Roman"/>
+              </a:rPr>
+              <a:t>&lt;number&gt;</a:t>
+            </a:fld>
+            <a:endParaRPr b="0" lang="de-DE" sz="1400" spc="-1" strike="noStrike">
+              <a:solidFill>
+                <a:srgbClr val="000000"/>
+              </a:solidFill>
+              <a:uFill>
+                <a:solidFill>
+                  <a:srgbClr val="ffffff"/>
+                </a:solidFill>
+              </a:uFill>
+              <a:latin typeface="Times New Roman"/>
+            </a:endParaRPr>
+          </a:p>
+        </p:txBody>
+      </p:sp>
+    </p:spTree>
+  </p:cSld>
+  <p:clrMap bg1="lt1" bg2="lt2" tx1="dk1" tx2="dk2" accent1="accent1" accent2="accent2" accent3="accent3" accent4="accent4" accent5="accent5" accent6="accent6" hlink="hlink" folHlink="folHlink"/>
+</p:notesMaster>
+</file>
+
+<file path=ppt/notesSlides/notesSlide13.xml><?xml version="1.0" encoding="utf-8"?>
+<p:notes xmlns:a="http://schemas.openxmlformats.org/drawingml/2006/main" xmlns:p="http://schemas.openxmlformats.org/presentationml/2006/main" xmlns:r="http://schemas.openxmlformats.org/officeDocument/2006/relationships" xmlns:p14="http://schemas.microsoft.com/office/powerpoint/2010/main" xmlns:p15="http://schemas.microsoft.com/office/powerpoint/2012/main" xmlns:mc="http://schemas.openxmlformats.org/markup-compatibility/2006">
+  <p:cSld>
+    <p:spTree>
+      <p:nvGrpSpPr>
+        <p:cNvPr id="1" name=""/>
+        <p:cNvGrpSpPr/>
+        <p:nvPr/>
+      </p:nvGrpSpPr>
+      <p:grpSpPr>
+        <a:xfrm>
+          <a:off x="0" y="0"/>
+          <a:ext cx="0" cy="0"/>
+          <a:chOff x="0" y="0"/>
+          <a:chExt cx="0" cy="0"/>
+        </a:xfrm>
+      </p:grpSpPr>
+      <p:sp>
+        <p:nvSpPr>
+          <p:cNvPr id="139" name="PlaceHolder 1"/>
+          <p:cNvSpPr>
+            <a:spLocks noGrp="1"/>
+          </p:cNvSpPr>
+          <p:nvPr>
+            <p:ph type="body"/>
+          </p:nvPr>
+        </p:nvSpPr>
+        <p:spPr>
+          <a:xfrm>
+            <a:off x="777240" y="4777560"/>
+            <a:ext cx="6217200" cy="4525560"/>
+          </a:xfrm>
+          <a:prstGeom prst="rect">
+            <a:avLst/>
+          </a:prstGeom>
+        </p:spPr>
+        <p:txBody>
+          <a:bodyPr lIns="0" rIns="0" tIns="0" bIns="0"/>
+          <a:p>
+            <a:r>
+              <a:rPr b="0" lang="de-DE" sz="2000" spc="-1" strike="noStrike">
+                <a:solidFill>
+                  <a:srgbClr val="000000"/>
+                </a:solidFill>
+                <a:uFill>
+                  <a:solidFill>
+                    <a:srgbClr val="ffffff"/>
+                  </a:solidFill>
+                </a:uFill>
+                <a:latin typeface="Arial"/>
+              </a:rPr>
+              <a:t>- Door crossing</a:t>
+            </a:r>
+            <a:endParaRPr b="0" lang="de-DE" sz="2000" spc="-1" strike="noStrike">
+              <a:solidFill>
+                <a:srgbClr val="000000"/>
+              </a:solidFill>
+              <a:uFill>
+                <a:solidFill>
+                  <a:srgbClr val="ffffff"/>
+                </a:solidFill>
+              </a:uFill>
+              <a:latin typeface="Arial"/>
+            </a:endParaRPr>
+          </a:p>
+          <a:p>
+            <a:r>
+              <a:rPr b="0" lang="de-DE" sz="2000" spc="-1" strike="noStrike">
+                <a:solidFill>
+                  <a:srgbClr val="000000"/>
+                </a:solidFill>
+                <a:uFill>
+                  <a:solidFill>
+                    <a:srgbClr val="ffffff"/>
+                  </a:solidFill>
+                </a:uFill>
+                <a:latin typeface="Arial"/>
+              </a:rPr>
+              <a:t>- links oder rechts oder weiter</a:t>
+            </a:r>
+            <a:endParaRPr b="0" lang="de-DE" sz="2000" spc="-1" strike="noStrike">
+              <a:solidFill>
+                <a:srgbClr val="000000"/>
+              </a:solidFill>
+              <a:uFill>
+                <a:solidFill>
+                  <a:srgbClr val="ffffff"/>
+                </a:solidFill>
+              </a:uFill>
+              <a:latin typeface="Arial"/>
+            </a:endParaRPr>
+          </a:p>
+          <a:p>
+            <a:r>
+              <a:rPr b="0" lang="de-DE" sz="2000" spc="-1" strike="noStrike">
+                <a:solidFill>
+                  <a:srgbClr val="000000"/>
+                </a:solidFill>
+                <a:uFill>
+                  <a:solidFill>
+                    <a:srgbClr val="ffffff"/>
+                  </a:solidFill>
+                </a:uFill>
+                <a:latin typeface="Arial"/>
+              </a:rPr>
+              <a:t>- </a:t>
+            </a:r>
+            <a:endParaRPr b="0" lang="de-DE" sz="2000" spc="-1" strike="noStrike">
+              <a:solidFill>
+                <a:srgbClr val="000000"/>
+              </a:solidFill>
+              <a:uFill>
+                <a:solidFill>
+                  <a:srgbClr val="ffffff"/>
+                </a:solidFill>
+              </a:uFill>
+              <a:latin typeface="Arial"/>
+            </a:endParaRPr>
+          </a:p>
+          <a:p>
+            <a:r>
+              <a:rPr b="0" lang="de-DE" sz="2000" spc="-1" strike="noStrike">
+                <a:solidFill>
+                  <a:srgbClr val="000000"/>
+                </a:solidFill>
+                <a:uFill>
+                  <a:solidFill>
+                    <a:srgbClr val="ffffff"/>
+                  </a:solidFill>
+                </a:uFill>
+                <a:latin typeface="Arial"/>
+              </a:rPr>
+              <a:t>- </a:t>
+            </a:r>
+            <a:endParaRPr b="0" lang="de-DE" sz="2000" spc="-1" strike="noStrike">
+              <a:solidFill>
+                <a:srgbClr val="000000"/>
+              </a:solidFill>
+              <a:uFill>
+                <a:solidFill>
+                  <a:srgbClr val="ffffff"/>
+                </a:solidFill>
+              </a:uFill>
+              <a:latin typeface="Arial"/>
+            </a:endParaRPr>
+          </a:p>
+        </p:txBody>
+      </p:sp>
+    </p:spTree>
+  </p:cSld>
+</p:notes>
+</file>
+
+<file path=ppt/notesSlides/notesSlide14.xml><?xml version="1.0" encoding="utf-8"?>
+<p:notes xmlns:a="http://schemas.openxmlformats.org/drawingml/2006/main" xmlns:p="http://schemas.openxmlformats.org/presentationml/2006/main" xmlns:r="http://schemas.openxmlformats.org/officeDocument/2006/relationships" xmlns:p14="http://schemas.microsoft.com/office/powerpoint/2010/main" xmlns:p15="http://schemas.microsoft.com/office/powerpoint/2012/main" xmlns:mc="http://schemas.openxmlformats.org/markup-compatibility/2006">
+  <p:cSld>
+    <p:spTree>
+      <p:nvGrpSpPr>
+        <p:cNvPr id="1" name=""/>
+        <p:cNvGrpSpPr/>
+        <p:nvPr/>
+      </p:nvGrpSpPr>
+      <p:grpSpPr>
+        <a:xfrm>
+          <a:off x="0" y="0"/>
+          <a:ext cx="0" cy="0"/>
+          <a:chOff x="0" y="0"/>
+          <a:chExt cx="0" cy="0"/>
+        </a:xfrm>
+      </p:grpSpPr>
+      <p:sp>
+        <p:nvSpPr>
+          <p:cNvPr id="140" name="PlaceHolder 1"/>
+          <p:cNvSpPr>
+            <a:spLocks noGrp="1"/>
+          </p:cNvSpPr>
+          <p:nvPr>
+            <p:ph type="body"/>
+          </p:nvPr>
+        </p:nvSpPr>
+        <p:spPr>
+          <a:xfrm>
+            <a:off x="777240" y="4777560"/>
+            <a:ext cx="6217200" cy="4525560"/>
+          </a:xfrm>
+          <a:prstGeom prst="rect">
+            <a:avLst/>
+          </a:prstGeom>
+        </p:spPr>
+        <p:txBody>
+          <a:bodyPr lIns="0" rIns="0" tIns="0" bIns="0"/>
+          <a:p>
+            <a:r>
+              <a:rPr b="0" lang="de-DE" sz="2000" spc="-1" strike="noStrike">
+                <a:solidFill>
+                  <a:srgbClr val="000000"/>
+                </a:solidFill>
+                <a:uFill>
+                  <a:solidFill>
+                    <a:srgbClr val="ffffff"/>
+                  </a:solidFill>
+                </a:uFill>
+                <a:latin typeface="Arial"/>
+              </a:rPr>
+              <a:t>- Door crossing</a:t>
+            </a:r>
+            <a:endParaRPr b="0" lang="de-DE" sz="2000" spc="-1" strike="noStrike">
+              <a:solidFill>
+                <a:srgbClr val="000000"/>
+              </a:solidFill>
+              <a:uFill>
+                <a:solidFill>
+                  <a:srgbClr val="ffffff"/>
+                </a:solidFill>
+              </a:uFill>
+              <a:latin typeface="Arial"/>
+            </a:endParaRPr>
+          </a:p>
+          <a:p>
+            <a:r>
+              <a:rPr b="0" lang="de-DE" sz="2000" spc="-1" strike="noStrike">
+                <a:solidFill>
+                  <a:srgbClr val="000000"/>
+                </a:solidFill>
+                <a:uFill>
+                  <a:solidFill>
+                    <a:srgbClr val="ffffff"/>
+                  </a:solidFill>
+                </a:uFill>
+                <a:latin typeface="Arial"/>
+              </a:rPr>
+              <a:t>- links oder rechts oder weiter</a:t>
+            </a:r>
+            <a:endParaRPr b="0" lang="de-DE" sz="2000" spc="-1" strike="noStrike">
+              <a:solidFill>
+                <a:srgbClr val="000000"/>
+              </a:solidFill>
+              <a:uFill>
+                <a:solidFill>
+                  <a:srgbClr val="ffffff"/>
+                </a:solidFill>
+              </a:uFill>
+              <a:latin typeface="Arial"/>
+            </a:endParaRPr>
+          </a:p>
+          <a:p>
+            <a:r>
+              <a:rPr b="0" lang="de-DE" sz="2000" spc="-1" strike="noStrike">
+                <a:solidFill>
+                  <a:srgbClr val="000000"/>
+                </a:solidFill>
+                <a:uFill>
+                  <a:solidFill>
+                    <a:srgbClr val="ffffff"/>
+                  </a:solidFill>
+                </a:uFill>
+                <a:latin typeface="Arial"/>
+              </a:rPr>
+              <a:t>- </a:t>
+            </a:r>
+            <a:endParaRPr b="0" lang="de-DE" sz="2000" spc="-1" strike="noStrike">
+              <a:solidFill>
+                <a:srgbClr val="000000"/>
+              </a:solidFill>
+              <a:uFill>
+                <a:solidFill>
+                  <a:srgbClr val="ffffff"/>
+                </a:solidFill>
+              </a:uFill>
+              <a:latin typeface="Arial"/>
+            </a:endParaRPr>
+          </a:p>
+          <a:p>
+            <a:r>
+              <a:rPr b="0" lang="de-DE" sz="2000" spc="-1" strike="noStrike">
+                <a:solidFill>
+                  <a:srgbClr val="000000"/>
+                </a:solidFill>
+                <a:uFill>
+                  <a:solidFill>
+                    <a:srgbClr val="ffffff"/>
+                  </a:solidFill>
+                </a:uFill>
+                <a:latin typeface="Arial"/>
+              </a:rPr>
+              <a:t>- </a:t>
+            </a:r>
+            <a:endParaRPr b="0" lang="de-DE" sz="2000" spc="-1" strike="noStrike">
+              <a:solidFill>
+                <a:srgbClr val="000000"/>
+              </a:solidFill>
+              <a:uFill>
+                <a:solidFill>
+                  <a:srgbClr val="ffffff"/>
+                </a:solidFill>
+              </a:uFill>
+              <a:latin typeface="Arial"/>
+            </a:endParaRPr>
+          </a:p>
+        </p:txBody>
+      </p:sp>
+    </p:spTree>
+  </p:cSld>
+</p:notes>
 </file>
 
 <file path=ppt/slideLayouts/slideLayout1.xml><?xml version="1.0" encoding="utf-8"?>
@@ -78,7 +664,7 @@
         <p:spPr>
           <a:xfrm>
             <a:off x="504000" y="301320"/>
-            <a:ext cx="9071280" cy="1261800"/>
+            <a:ext cx="9072000" cy="1261800"/>
           </a:xfrm>
           <a:prstGeom prst="rect">
             <a:avLst/>
@@ -114,8 +700,8 @@
         </p:nvSpPr>
         <p:spPr>
           <a:xfrm>
-            <a:off x="504000" y="1769040"/>
-            <a:ext cx="9071280" cy="2090880"/>
+            <a:off x="504000" y="1768680"/>
+            <a:ext cx="9072000" cy="2090880"/>
           </a:xfrm>
           <a:prstGeom prst="rect">
             <a:avLst/>
@@ -150,8 +736,8 @@
         </p:nvSpPr>
         <p:spPr>
           <a:xfrm>
-            <a:off x="504000" y="4059000"/>
-            <a:ext cx="9071280" cy="2090880"/>
+            <a:off x="504000" y="4058640"/>
+            <a:ext cx="9072000" cy="2090880"/>
           </a:xfrm>
           <a:prstGeom prst="rect">
             <a:avLst/>
@@ -209,7 +795,7 @@
         <p:spPr>
           <a:xfrm>
             <a:off x="504000" y="301320"/>
-            <a:ext cx="9071280" cy="1261800"/>
+            <a:ext cx="9072000" cy="1261800"/>
           </a:xfrm>
           <a:prstGeom prst="rect">
             <a:avLst/>
@@ -245,8 +831,8 @@
         </p:nvSpPr>
         <p:spPr>
           <a:xfrm>
-            <a:off x="504000" y="1769040"/>
-            <a:ext cx="4426560" cy="2090880"/>
+            <a:off x="504000" y="1768680"/>
+            <a:ext cx="4426920" cy="2090880"/>
           </a:xfrm>
           <a:prstGeom prst="rect">
             <a:avLst/>
@@ -281,8 +867,8 @@
         </p:nvSpPr>
         <p:spPr>
           <a:xfrm>
-            <a:off x="5152320" y="1769040"/>
-            <a:ext cx="4426560" cy="2090880"/>
+            <a:off x="5152680" y="1768680"/>
+            <a:ext cx="4426920" cy="2090880"/>
           </a:xfrm>
           <a:prstGeom prst="rect">
             <a:avLst/>
@@ -317,8 +903,8 @@
         </p:nvSpPr>
         <p:spPr>
           <a:xfrm>
-            <a:off x="5152320" y="4059000"/>
-            <a:ext cx="4426560" cy="2090880"/>
+            <a:off x="5152680" y="4058640"/>
+            <a:ext cx="4426920" cy="2090880"/>
           </a:xfrm>
           <a:prstGeom prst="rect">
             <a:avLst/>
@@ -353,8 +939,8 @@
         </p:nvSpPr>
         <p:spPr>
           <a:xfrm>
-            <a:off x="504000" y="4059000"/>
-            <a:ext cx="4426560" cy="2090880"/>
+            <a:off x="504000" y="4058640"/>
+            <a:ext cx="4426920" cy="2090880"/>
           </a:xfrm>
           <a:prstGeom prst="rect">
             <a:avLst/>
@@ -412,7 +998,7 @@
         <p:spPr>
           <a:xfrm>
             <a:off x="504000" y="301320"/>
-            <a:ext cx="9071280" cy="1261800"/>
+            <a:ext cx="9072000" cy="1261800"/>
           </a:xfrm>
           <a:prstGeom prst="rect">
             <a:avLst/>
@@ -448,8 +1034,8 @@
         </p:nvSpPr>
         <p:spPr>
           <a:xfrm>
-            <a:off x="504000" y="1769040"/>
-            <a:ext cx="9071280" cy="4384080"/>
+            <a:off x="504000" y="1768680"/>
+            <a:ext cx="9072000" cy="4384080"/>
           </a:xfrm>
           <a:prstGeom prst="rect">
             <a:avLst/>
@@ -484,8 +1070,8 @@
         </p:nvSpPr>
         <p:spPr>
           <a:xfrm>
-            <a:off x="504000" y="1769040"/>
-            <a:ext cx="9071280" cy="4384080"/>
+            <a:off x="504000" y="1768680"/>
+            <a:ext cx="9072000" cy="4384080"/>
           </a:xfrm>
           <a:prstGeom prst="rect">
             <a:avLst/>
@@ -520,7 +1106,7 @@
         </p:blipFill>
         <p:spPr>
           <a:xfrm>
-            <a:off x="2292120" y="1769040"/>
+            <a:off x="2292480" y="1768680"/>
             <a:ext cx="5494680" cy="4384080"/>
           </a:xfrm>
           <a:prstGeom prst="rect">
@@ -543,7 +1129,7 @@
         </p:blipFill>
         <p:spPr>
           <a:xfrm>
-            <a:off x="2292120" y="1769040"/>
+            <a:off x="2292480" y="1768680"/>
             <a:ext cx="5494680" cy="4384080"/>
           </a:xfrm>
           <a:prstGeom prst="rect">
@@ -611,7 +1197,7 @@
         <p:spPr>
           <a:xfrm>
             <a:off x="504000" y="301320"/>
-            <a:ext cx="9071280" cy="1261800"/>
+            <a:ext cx="9072000" cy="1261800"/>
           </a:xfrm>
           <a:prstGeom prst="rect">
             <a:avLst/>
@@ -647,8 +1233,8 @@
         </p:nvSpPr>
         <p:spPr>
           <a:xfrm>
-            <a:off x="504000" y="1769040"/>
-            <a:ext cx="9071280" cy="4384080"/>
+            <a:off x="504000" y="1768680"/>
+            <a:ext cx="9072000" cy="4384080"/>
           </a:xfrm>
           <a:prstGeom prst="rect">
             <a:avLst/>
@@ -707,7 +1293,7 @@
         <p:spPr>
           <a:xfrm>
             <a:off x="504000" y="301320"/>
-            <a:ext cx="9071280" cy="1261800"/>
+            <a:ext cx="9072000" cy="1261800"/>
           </a:xfrm>
           <a:prstGeom prst="rect">
             <a:avLst/>
@@ -743,8 +1329,8 @@
         </p:nvSpPr>
         <p:spPr>
           <a:xfrm>
-            <a:off x="504000" y="1769040"/>
-            <a:ext cx="9071280" cy="4384080"/>
+            <a:off x="504000" y="1768680"/>
+            <a:ext cx="9072000" cy="4384080"/>
           </a:xfrm>
           <a:prstGeom prst="rect">
             <a:avLst/>
@@ -802,7 +1388,7 @@
         <p:spPr>
           <a:xfrm>
             <a:off x="504000" y="301320"/>
-            <a:ext cx="9071280" cy="1261800"/>
+            <a:ext cx="9072000" cy="1261800"/>
           </a:xfrm>
           <a:prstGeom prst="rect">
             <a:avLst/>
@@ -838,8 +1424,8 @@
         </p:nvSpPr>
         <p:spPr>
           <a:xfrm>
-            <a:off x="504000" y="1769040"/>
-            <a:ext cx="4426560" cy="4384080"/>
+            <a:off x="504000" y="1768680"/>
+            <a:ext cx="4426920" cy="4384080"/>
           </a:xfrm>
           <a:prstGeom prst="rect">
             <a:avLst/>
@@ -874,8 +1460,8 @@
         </p:nvSpPr>
         <p:spPr>
           <a:xfrm>
-            <a:off x="5152320" y="1769040"/>
-            <a:ext cx="4426560" cy="4384080"/>
+            <a:off x="5152680" y="1768680"/>
+            <a:ext cx="4426920" cy="4384080"/>
           </a:xfrm>
           <a:prstGeom prst="rect">
             <a:avLst/>
@@ -933,7 +1519,7 @@
         <p:spPr>
           <a:xfrm>
             <a:off x="504000" y="301320"/>
-            <a:ext cx="9071280" cy="1261800"/>
+            <a:ext cx="9072000" cy="1261800"/>
           </a:xfrm>
           <a:prstGeom prst="rect">
             <a:avLst/>
@@ -992,7 +1578,7 @@
         <p:spPr>
           <a:xfrm>
             <a:off x="504000" y="301320"/>
-            <a:ext cx="9071280" cy="5850360"/>
+            <a:ext cx="9072000" cy="5850360"/>
           </a:xfrm>
           <a:prstGeom prst="rect">
             <a:avLst/>
@@ -1051,7 +1637,7 @@
         <p:spPr>
           <a:xfrm>
             <a:off x="504000" y="301320"/>
-            <a:ext cx="9071280" cy="1261800"/>
+            <a:ext cx="9072000" cy="1261800"/>
           </a:xfrm>
           <a:prstGeom prst="rect">
             <a:avLst/>
@@ -1087,8 +1673,8 @@
         </p:nvSpPr>
         <p:spPr>
           <a:xfrm>
-            <a:off x="504000" y="1769040"/>
-            <a:ext cx="4426560" cy="2090880"/>
+            <a:off x="504000" y="1768680"/>
+            <a:ext cx="4426920" cy="2090880"/>
           </a:xfrm>
           <a:prstGeom prst="rect">
             <a:avLst/>
@@ -1123,8 +1709,8 @@
         </p:nvSpPr>
         <p:spPr>
           <a:xfrm>
-            <a:off x="504000" y="4059000"/>
-            <a:ext cx="4426560" cy="2090880"/>
+            <a:off x="504000" y="4058640"/>
+            <a:ext cx="4426920" cy="2090880"/>
           </a:xfrm>
           <a:prstGeom prst="rect">
             <a:avLst/>
@@ -1159,8 +1745,8 @@
         </p:nvSpPr>
         <p:spPr>
           <a:xfrm>
-            <a:off x="5152320" y="1769040"/>
-            <a:ext cx="4426560" cy="4384080"/>
+            <a:off x="5152680" y="1768680"/>
+            <a:ext cx="4426920" cy="4384080"/>
           </a:xfrm>
           <a:prstGeom prst="rect">
             <a:avLst/>
@@ -1218,7 +1804,7 @@
         <p:spPr>
           <a:xfrm>
             <a:off x="504000" y="301320"/>
-            <a:ext cx="9071280" cy="1261800"/>
+            <a:ext cx="9072000" cy="1261800"/>
           </a:xfrm>
           <a:prstGeom prst="rect">
             <a:avLst/>
@@ -1254,8 +1840,8 @@
         </p:nvSpPr>
         <p:spPr>
           <a:xfrm>
-            <a:off x="504000" y="1769040"/>
-            <a:ext cx="9071280" cy="4384080"/>
+            <a:off x="504000" y="1768680"/>
+            <a:ext cx="9072000" cy="4384080"/>
           </a:xfrm>
           <a:prstGeom prst="rect">
             <a:avLst/>
@@ -1314,7 +1900,7 @@
         <p:spPr>
           <a:xfrm>
             <a:off x="504000" y="301320"/>
-            <a:ext cx="9071280" cy="1261800"/>
+            <a:ext cx="9072000" cy="1261800"/>
           </a:xfrm>
           <a:prstGeom prst="rect">
             <a:avLst/>
@@ -1350,8 +1936,8 @@
         </p:nvSpPr>
         <p:spPr>
           <a:xfrm>
-            <a:off x="504000" y="1769040"/>
-            <a:ext cx="4426560" cy="4384080"/>
+            <a:off x="504000" y="1768680"/>
+            <a:ext cx="4426920" cy="4384080"/>
           </a:xfrm>
           <a:prstGeom prst="rect">
             <a:avLst/>
@@ -1386,8 +1972,8 @@
         </p:nvSpPr>
         <p:spPr>
           <a:xfrm>
-            <a:off x="5152320" y="1769040"/>
-            <a:ext cx="4426560" cy="2090880"/>
+            <a:off x="5152680" y="1768680"/>
+            <a:ext cx="4426920" cy="2090880"/>
           </a:xfrm>
           <a:prstGeom prst="rect">
             <a:avLst/>
@@ -1422,8 +2008,8 @@
         </p:nvSpPr>
         <p:spPr>
           <a:xfrm>
-            <a:off x="5152320" y="4059000"/>
-            <a:ext cx="4426560" cy="2090880"/>
+            <a:off x="5152680" y="4058640"/>
+            <a:ext cx="4426920" cy="2090880"/>
           </a:xfrm>
           <a:prstGeom prst="rect">
             <a:avLst/>
@@ -1481,7 +2067,7 @@
         <p:spPr>
           <a:xfrm>
             <a:off x="504000" y="301320"/>
-            <a:ext cx="9071280" cy="1261800"/>
+            <a:ext cx="9072000" cy="1261800"/>
           </a:xfrm>
           <a:prstGeom prst="rect">
             <a:avLst/>
@@ -1517,8 +2103,8 @@
         </p:nvSpPr>
         <p:spPr>
           <a:xfrm>
-            <a:off x="504000" y="1769040"/>
-            <a:ext cx="4426560" cy="2090880"/>
+            <a:off x="504000" y="1768680"/>
+            <a:ext cx="4426920" cy="2090880"/>
           </a:xfrm>
           <a:prstGeom prst="rect">
             <a:avLst/>
@@ -1553,8 +2139,8 @@
         </p:nvSpPr>
         <p:spPr>
           <a:xfrm>
-            <a:off x="5152320" y="1769040"/>
-            <a:ext cx="4426560" cy="2090880"/>
+            <a:off x="5152680" y="1768680"/>
+            <a:ext cx="4426920" cy="2090880"/>
           </a:xfrm>
           <a:prstGeom prst="rect">
             <a:avLst/>
@@ -1589,8 +2175,8 @@
         </p:nvSpPr>
         <p:spPr>
           <a:xfrm>
-            <a:off x="504000" y="4059000"/>
-            <a:ext cx="9071280" cy="2090880"/>
+            <a:off x="504000" y="4058640"/>
+            <a:ext cx="9072000" cy="2090880"/>
           </a:xfrm>
           <a:prstGeom prst="rect">
             <a:avLst/>
@@ -1648,7 +2234,7 @@
         <p:spPr>
           <a:xfrm>
             <a:off x="504000" y="301320"/>
-            <a:ext cx="9071280" cy="1261800"/>
+            <a:ext cx="9072000" cy="1261800"/>
           </a:xfrm>
           <a:prstGeom prst="rect">
             <a:avLst/>
@@ -1684,8 +2270,8 @@
         </p:nvSpPr>
         <p:spPr>
           <a:xfrm>
-            <a:off x="504000" y="1769040"/>
-            <a:ext cx="9071280" cy="2090880"/>
+            <a:off x="504000" y="1768680"/>
+            <a:ext cx="9072000" cy="2090880"/>
           </a:xfrm>
           <a:prstGeom prst="rect">
             <a:avLst/>
@@ -1720,8 +2306,8 @@
         </p:nvSpPr>
         <p:spPr>
           <a:xfrm>
-            <a:off x="504000" y="4059000"/>
-            <a:ext cx="9071280" cy="2090880"/>
+            <a:off x="504000" y="4058640"/>
+            <a:ext cx="9072000" cy="2090880"/>
           </a:xfrm>
           <a:prstGeom prst="rect">
             <a:avLst/>
@@ -1779,7 +2365,7 @@
         <p:spPr>
           <a:xfrm>
             <a:off x="504000" y="301320"/>
-            <a:ext cx="9071280" cy="1261800"/>
+            <a:ext cx="9072000" cy="1261800"/>
           </a:xfrm>
           <a:prstGeom prst="rect">
             <a:avLst/>
@@ -1815,8 +2401,8 @@
         </p:nvSpPr>
         <p:spPr>
           <a:xfrm>
-            <a:off x="504000" y="1769040"/>
-            <a:ext cx="4426560" cy="2090880"/>
+            <a:off x="504000" y="1768680"/>
+            <a:ext cx="4426920" cy="2090880"/>
           </a:xfrm>
           <a:prstGeom prst="rect">
             <a:avLst/>
@@ -1851,8 +2437,8 @@
         </p:nvSpPr>
         <p:spPr>
           <a:xfrm>
-            <a:off x="5152320" y="1769040"/>
-            <a:ext cx="4426560" cy="2090880"/>
+            <a:off x="5152680" y="1768680"/>
+            <a:ext cx="4426920" cy="2090880"/>
           </a:xfrm>
           <a:prstGeom prst="rect">
             <a:avLst/>
@@ -1887,8 +2473,8 @@
         </p:nvSpPr>
         <p:spPr>
           <a:xfrm>
-            <a:off x="5152320" y="4059000"/>
-            <a:ext cx="4426560" cy="2090880"/>
+            <a:off x="5152680" y="4058640"/>
+            <a:ext cx="4426920" cy="2090880"/>
           </a:xfrm>
           <a:prstGeom prst="rect">
             <a:avLst/>
@@ -1923,8 +2509,8 @@
         </p:nvSpPr>
         <p:spPr>
           <a:xfrm>
-            <a:off x="504000" y="4059000"/>
-            <a:ext cx="4426560" cy="2090880"/>
+            <a:off x="504000" y="4058640"/>
+            <a:ext cx="4426920" cy="2090880"/>
           </a:xfrm>
           <a:prstGeom prst="rect">
             <a:avLst/>
@@ -1982,7 +2568,7 @@
         <p:spPr>
           <a:xfrm>
             <a:off x="504000" y="301320"/>
-            <a:ext cx="9071280" cy="1261800"/>
+            <a:ext cx="9072000" cy="1261800"/>
           </a:xfrm>
           <a:prstGeom prst="rect">
             <a:avLst/>
@@ -2018,8 +2604,8 @@
         </p:nvSpPr>
         <p:spPr>
           <a:xfrm>
-            <a:off x="504000" y="1769040"/>
-            <a:ext cx="9071280" cy="4384080"/>
+            <a:off x="504000" y="1768680"/>
+            <a:ext cx="9072000" cy="4384080"/>
           </a:xfrm>
           <a:prstGeom prst="rect">
             <a:avLst/>
@@ -2054,8 +2640,8 @@
         </p:nvSpPr>
         <p:spPr>
           <a:xfrm>
-            <a:off x="504000" y="1769040"/>
-            <a:ext cx="9071280" cy="4384080"/>
+            <a:off x="504000" y="1768680"/>
+            <a:ext cx="9072000" cy="4384080"/>
           </a:xfrm>
           <a:prstGeom prst="rect">
             <a:avLst/>
@@ -2090,7 +2676,7 @@
         </p:blipFill>
         <p:spPr>
           <a:xfrm>
-            <a:off x="2292120" y="1769040"/>
+            <a:off x="2292480" y="1768680"/>
             <a:ext cx="5494680" cy="4384080"/>
           </a:xfrm>
           <a:prstGeom prst="rect">
@@ -2113,7 +2699,7 @@
         </p:blipFill>
         <p:spPr>
           <a:xfrm>
-            <a:off x="2292120" y="1769040"/>
+            <a:off x="2292480" y="1768680"/>
             <a:ext cx="5494680" cy="4384080"/>
           </a:xfrm>
           <a:prstGeom prst="rect">
@@ -2159,7 +2745,7 @@
         <p:spPr>
           <a:xfrm>
             <a:off x="504000" y="301320"/>
-            <a:ext cx="9071280" cy="1261800"/>
+            <a:ext cx="9072000" cy="1261800"/>
           </a:xfrm>
           <a:prstGeom prst="rect">
             <a:avLst/>
@@ -2195,8 +2781,8 @@
         </p:nvSpPr>
         <p:spPr>
           <a:xfrm>
-            <a:off x="504000" y="1769040"/>
-            <a:ext cx="9071280" cy="4384080"/>
+            <a:off x="504000" y="1768680"/>
+            <a:ext cx="9072000" cy="4384080"/>
           </a:xfrm>
           <a:prstGeom prst="rect">
             <a:avLst/>
@@ -2254,7 +2840,7 @@
         <p:spPr>
           <a:xfrm>
             <a:off x="504000" y="301320"/>
-            <a:ext cx="9071280" cy="1261800"/>
+            <a:ext cx="9072000" cy="1261800"/>
           </a:xfrm>
           <a:prstGeom prst="rect">
             <a:avLst/>
@@ -2290,8 +2876,8 @@
         </p:nvSpPr>
         <p:spPr>
           <a:xfrm>
-            <a:off x="504000" y="1769040"/>
-            <a:ext cx="4426560" cy="4384080"/>
+            <a:off x="504000" y="1768680"/>
+            <a:ext cx="4426920" cy="4384080"/>
           </a:xfrm>
           <a:prstGeom prst="rect">
             <a:avLst/>
@@ -2326,8 +2912,8 @@
         </p:nvSpPr>
         <p:spPr>
           <a:xfrm>
-            <a:off x="5152320" y="1769040"/>
-            <a:ext cx="4426560" cy="4384080"/>
+            <a:off x="5152680" y="1768680"/>
+            <a:ext cx="4426920" cy="4384080"/>
           </a:xfrm>
           <a:prstGeom prst="rect">
             <a:avLst/>
@@ -2385,7 +2971,7 @@
         <p:spPr>
           <a:xfrm>
             <a:off x="504000" y="301320"/>
-            <a:ext cx="9071280" cy="1261800"/>
+            <a:ext cx="9072000" cy="1261800"/>
           </a:xfrm>
           <a:prstGeom prst="rect">
             <a:avLst/>
@@ -2444,7 +3030,7 @@
         <p:spPr>
           <a:xfrm>
             <a:off x="504000" y="301320"/>
-            <a:ext cx="9071280" cy="5850360"/>
+            <a:ext cx="9072000" cy="5850360"/>
           </a:xfrm>
           <a:prstGeom prst="rect">
             <a:avLst/>
@@ -2503,7 +3089,7 @@
         <p:spPr>
           <a:xfrm>
             <a:off x="504000" y="301320"/>
-            <a:ext cx="9071280" cy="1261800"/>
+            <a:ext cx="9072000" cy="1261800"/>
           </a:xfrm>
           <a:prstGeom prst="rect">
             <a:avLst/>
@@ -2539,8 +3125,8 @@
         </p:nvSpPr>
         <p:spPr>
           <a:xfrm>
-            <a:off x="504000" y="1769040"/>
-            <a:ext cx="4426560" cy="2090880"/>
+            <a:off x="504000" y="1768680"/>
+            <a:ext cx="4426920" cy="2090880"/>
           </a:xfrm>
           <a:prstGeom prst="rect">
             <a:avLst/>
@@ -2575,8 +3161,8 @@
         </p:nvSpPr>
         <p:spPr>
           <a:xfrm>
-            <a:off x="504000" y="4059000"/>
-            <a:ext cx="4426560" cy="2090880"/>
+            <a:off x="504000" y="4058640"/>
+            <a:ext cx="4426920" cy="2090880"/>
           </a:xfrm>
           <a:prstGeom prst="rect">
             <a:avLst/>
@@ -2611,8 +3197,8 @@
         </p:nvSpPr>
         <p:spPr>
           <a:xfrm>
-            <a:off x="5152320" y="1769040"/>
-            <a:ext cx="4426560" cy="4384080"/>
+            <a:off x="5152680" y="1768680"/>
+            <a:ext cx="4426920" cy="4384080"/>
           </a:xfrm>
           <a:prstGeom prst="rect">
             <a:avLst/>
@@ -2670,7 +3256,7 @@
         <p:spPr>
           <a:xfrm>
             <a:off x="504000" y="301320"/>
-            <a:ext cx="9071280" cy="1261800"/>
+            <a:ext cx="9072000" cy="1261800"/>
           </a:xfrm>
           <a:prstGeom prst="rect">
             <a:avLst/>
@@ -2706,8 +3292,8 @@
         </p:nvSpPr>
         <p:spPr>
           <a:xfrm>
-            <a:off x="504000" y="1769040"/>
-            <a:ext cx="4426560" cy="4384080"/>
+            <a:off x="504000" y="1768680"/>
+            <a:ext cx="4426920" cy="4384080"/>
           </a:xfrm>
           <a:prstGeom prst="rect">
             <a:avLst/>
@@ -2742,8 +3328,8 @@
         </p:nvSpPr>
         <p:spPr>
           <a:xfrm>
-            <a:off x="5152320" y="1769040"/>
-            <a:ext cx="4426560" cy="2090880"/>
+            <a:off x="5152680" y="1768680"/>
+            <a:ext cx="4426920" cy="2090880"/>
           </a:xfrm>
           <a:prstGeom prst="rect">
             <a:avLst/>
@@ -2778,8 +3364,8 @@
         </p:nvSpPr>
         <p:spPr>
           <a:xfrm>
-            <a:off x="5152320" y="4059000"/>
-            <a:ext cx="4426560" cy="2090880"/>
+            <a:off x="5152680" y="4058640"/>
+            <a:ext cx="4426920" cy="2090880"/>
           </a:xfrm>
           <a:prstGeom prst="rect">
             <a:avLst/>
@@ -2837,7 +3423,7 @@
         <p:spPr>
           <a:xfrm>
             <a:off x="504000" y="301320"/>
-            <a:ext cx="9071280" cy="1261800"/>
+            <a:ext cx="9072000" cy="1261800"/>
           </a:xfrm>
           <a:prstGeom prst="rect">
             <a:avLst/>
@@ -2873,8 +3459,8 @@
         </p:nvSpPr>
         <p:spPr>
           <a:xfrm>
-            <a:off x="504000" y="1769040"/>
-            <a:ext cx="4426560" cy="2090880"/>
+            <a:off x="504000" y="1768680"/>
+            <a:ext cx="4426920" cy="2090880"/>
           </a:xfrm>
           <a:prstGeom prst="rect">
             <a:avLst/>
@@ -2909,8 +3495,8 @@
         </p:nvSpPr>
         <p:spPr>
           <a:xfrm>
-            <a:off x="5152320" y="1769040"/>
-            <a:ext cx="4426560" cy="2090880"/>
+            <a:off x="5152680" y="1768680"/>
+            <a:ext cx="4426920" cy="2090880"/>
           </a:xfrm>
           <a:prstGeom prst="rect">
             <a:avLst/>
@@ -2945,8 +3531,8 @@
         </p:nvSpPr>
         <p:spPr>
           <a:xfrm>
-            <a:off x="504000" y="4059000"/>
-            <a:ext cx="9071280" cy="2090880"/>
+            <a:off x="504000" y="4058640"/>
+            <a:ext cx="9072000" cy="2090880"/>
           </a:xfrm>
           <a:prstGeom prst="rect">
             <a:avLst/>
@@ -3004,7 +3590,7 @@
         <p:spPr>
           <a:xfrm>
             <a:off x="504000" y="301320"/>
-            <a:ext cx="9071280" cy="1261800"/>
+            <a:ext cx="9072000" cy="1261800"/>
           </a:xfrm>
           <a:prstGeom prst="rect">
             <a:avLst/>
@@ -3013,8 +3599,9 @@
         <p:txBody>
           <a:bodyPr lIns="0" rIns="0" tIns="0" bIns="0" anchor="ctr"/>
           <a:p>
-            <a:r>
-              <a:rPr b="0" lang="de-DE" sz="1800" spc="-1" strike="noStrike">
+            <a:pPr algn="ctr"/>
+            <a:r>
+              <a:rPr b="0" lang="de-DE" sz="4400" spc="-1" strike="noStrike">
                 <a:solidFill>
                   <a:srgbClr val="000000"/>
                 </a:solidFill>
@@ -3027,7 +3614,7 @@
               </a:rPr>
               <a:t>Click to edit the title text format</a:t>
             </a:r>
-            <a:endParaRPr b="0" lang="de-DE" sz="1800" spc="-1" strike="noStrike">
+            <a:endParaRPr b="0" lang="de-DE" sz="4400" spc="-1" strike="noStrike">
               <a:solidFill>
                 <a:srgbClr val="000000"/>
               </a:solidFill>
@@ -3359,7 +3946,7 @@
         <p:spPr>
           <a:xfrm>
             <a:off x="504000" y="301320"/>
-            <a:ext cx="9071280" cy="1261800"/>
+            <a:ext cx="9072000" cy="1261800"/>
           </a:xfrm>
           <a:prstGeom prst="rect">
             <a:avLst/>
@@ -3368,8 +3955,9 @@
         <p:txBody>
           <a:bodyPr lIns="0" rIns="0" tIns="0" bIns="0" anchor="ctr"/>
           <a:p>
-            <a:r>
-              <a:rPr b="0" lang="de-DE" sz="1800" spc="-1" strike="noStrike">
+            <a:pPr algn="ctr"/>
+            <a:r>
+              <a:rPr b="0" lang="de-DE" sz="4400" spc="-1" strike="noStrike">
                 <a:solidFill>
                   <a:srgbClr val="000000"/>
                 </a:solidFill>
@@ -3382,7 +3970,7 @@
               </a:rPr>
               <a:t>Click to edit the title text format</a:t>
             </a:r>
-            <a:endParaRPr b="0" lang="de-DE" sz="1800" spc="-1" strike="noStrike">
+            <a:endParaRPr b="0" lang="de-DE" sz="4400" spc="-1" strike="noStrike">
               <a:solidFill>
                 <a:srgbClr val="000000"/>
               </a:solidFill>
@@ -3408,8 +3996,8 @@
         </p:nvSpPr>
         <p:spPr>
           <a:xfrm>
-            <a:off x="504000" y="1769040"/>
-            <a:ext cx="9071280" cy="4384080"/>
+            <a:off x="504000" y="1768680"/>
+            <a:ext cx="9072000" cy="4384080"/>
           </a:xfrm>
           <a:prstGeom prst="rect">
             <a:avLst/>
@@ -3427,7 +4015,7 @@
               <a:buChar char=""/>
             </a:pPr>
             <a:r>
-              <a:rPr b="0" lang="de-DE" sz="1800" spc="-1" strike="noStrike">
+              <a:rPr b="0" lang="de-DE" sz="3200" spc="-1" strike="noStrike">
                 <a:solidFill>
                   <a:srgbClr val="000000"/>
                 </a:solidFill>
@@ -3440,7 +4028,7 @@
               </a:rPr>
               <a:t>Click to edit the outline text format</a:t>
             </a:r>
-            <a:endParaRPr b="0" lang="de-DE" sz="1800" spc="-1" strike="noStrike">
+            <a:endParaRPr b="0" lang="de-DE" sz="3200" spc="-1" strike="noStrike">
               <a:solidFill>
                 <a:srgbClr val="000000"/>
               </a:solidFill>
@@ -3462,7 +4050,7 @@
               <a:buChar char=""/>
             </a:pPr>
             <a:r>
-              <a:rPr b="0" lang="de-DE" sz="1800" spc="-1" strike="noStrike">
+              <a:rPr b="0" lang="de-DE" sz="2800" spc="-1" strike="noStrike">
                 <a:solidFill>
                   <a:srgbClr val="000000"/>
                 </a:solidFill>
@@ -3475,7 +4063,7 @@
               </a:rPr>
               <a:t>Second Outline Level</a:t>
             </a:r>
-            <a:endParaRPr b="0" lang="de-DE" sz="1800" spc="-1" strike="noStrike">
+            <a:endParaRPr b="0" lang="de-DE" sz="2800" spc="-1" strike="noStrike">
               <a:solidFill>
                 <a:srgbClr val="000000"/>
               </a:solidFill>
@@ -3497,7 +4085,7 @@
               <a:buChar char=""/>
             </a:pPr>
             <a:r>
-              <a:rPr b="0" lang="de-DE" sz="1800" spc="-1" strike="noStrike">
+              <a:rPr b="0" lang="de-DE" sz="2400" spc="-1" strike="noStrike">
                 <a:solidFill>
                   <a:srgbClr val="000000"/>
                 </a:solidFill>
@@ -3510,7 +4098,7 @@
               </a:rPr>
               <a:t>Third Outline Level</a:t>
             </a:r>
-            <a:endParaRPr b="0" lang="de-DE" sz="1800" spc="-1" strike="noStrike">
+            <a:endParaRPr b="0" lang="de-DE" sz="2400" spc="-1" strike="noStrike">
               <a:solidFill>
                 <a:srgbClr val="000000"/>
               </a:solidFill>
@@ -3532,7 +4120,7 @@
               <a:buChar char=""/>
             </a:pPr>
             <a:r>
-              <a:rPr b="0" lang="de-DE" sz="1800" spc="-1" strike="noStrike">
+              <a:rPr b="0" lang="de-DE" sz="2000" spc="-1" strike="noStrike">
                 <a:solidFill>
                   <a:srgbClr val="000000"/>
                 </a:solidFill>
@@ -3545,7 +4133,7 @@
               </a:rPr>
               <a:t>Fourth Outline Level</a:t>
             </a:r>
-            <a:endParaRPr b="0" lang="de-DE" sz="1800" spc="-1" strike="noStrike">
+            <a:endParaRPr b="0" lang="de-DE" sz="2000" spc="-1" strike="noStrike">
               <a:solidFill>
                 <a:srgbClr val="000000"/>
               </a:solidFill>
@@ -3567,7 +4155,7 @@
               <a:buChar char=""/>
             </a:pPr>
             <a:r>
-              <a:rPr b="0" lang="de-DE" sz="1800" spc="-1" strike="noStrike">
+              <a:rPr b="0" lang="de-DE" sz="2000" spc="-1" strike="noStrike">
                 <a:solidFill>
                   <a:srgbClr val="000000"/>
                 </a:solidFill>
@@ -3580,7 +4168,7 @@
               </a:rPr>
               <a:t>Fifth Outline Level</a:t>
             </a:r>
-            <a:endParaRPr b="0" lang="de-DE" sz="1800" spc="-1" strike="noStrike">
+            <a:endParaRPr b="0" lang="de-DE" sz="2000" spc="-1" strike="noStrike">
               <a:solidFill>
                 <a:srgbClr val="000000"/>
               </a:solidFill>
@@ -3602,7 +4190,7 @@
               <a:buChar char=""/>
             </a:pPr>
             <a:r>
-              <a:rPr b="0" lang="de-DE" sz="1800" spc="-1" strike="noStrike">
+              <a:rPr b="0" lang="de-DE" sz="2000" spc="-1" strike="noStrike">
                 <a:solidFill>
                   <a:srgbClr val="000000"/>
                 </a:solidFill>
@@ -3615,7 +4203,7 @@
               </a:rPr>
               <a:t>Sixth Outline Level</a:t>
             </a:r>
-            <a:endParaRPr b="0" lang="de-DE" sz="1800" spc="-1" strike="noStrike">
+            <a:endParaRPr b="0" lang="de-DE" sz="2000" spc="-1" strike="noStrike">
               <a:solidFill>
                 <a:srgbClr val="000000"/>
               </a:solidFill>
@@ -3637,7 +4225,7 @@
               <a:buChar char=""/>
             </a:pPr>
             <a:r>
-              <a:rPr b="0" lang="de-DE" sz="1800" spc="-1" strike="noStrike">
+              <a:rPr b="0" lang="de-DE" sz="2000" spc="-1" strike="noStrike">
                 <a:solidFill>
                   <a:srgbClr val="000000"/>
                 </a:solidFill>
@@ -3650,7 +4238,7 @@
               </a:rPr>
               <a:t>Seventh Outline Level</a:t>
             </a:r>
-            <a:endParaRPr b="0" lang="de-DE" sz="1800" spc="-1" strike="noStrike">
+            <a:endParaRPr b="0" lang="de-DE" sz="2000" spc="-1" strike="noStrike">
               <a:solidFill>
                 <a:srgbClr val="000000"/>
               </a:solidFill>
@@ -3703,14 +4291,14 @@
       </p:grpSpPr>
       <p:sp>
         <p:nvSpPr>
-          <p:cNvPr id="72" name="CustomShape 1"/>
+          <p:cNvPr id="77" name="CustomShape 1"/>
           <p:cNvSpPr/>
           <p:nvPr/>
         </p:nvSpPr>
         <p:spPr>
           <a:xfrm>
             <a:off x="504000" y="301320"/>
-            <a:ext cx="9071280" cy="1261800"/>
+            <a:ext cx="9070560" cy="1261080"/>
           </a:xfrm>
           <a:prstGeom prst="rect">
             <a:avLst/>
@@ -3740,6 +4328,7 @@
                   </a:solidFill>
                 </a:uFill>
                 <a:latin typeface="Arial"/>
+                <a:ea typeface="DejaVu Sans"/>
               </a:rPr>
               <a:t>Bayes’sches Netze</a:t>
             </a:r>
@@ -3777,14 +4366,14 @@
       </p:sp>
       <p:sp>
         <p:nvSpPr>
-          <p:cNvPr id="73" name="CustomShape 2"/>
+          <p:cNvPr id="78" name="CustomShape 2"/>
           <p:cNvSpPr/>
           <p:nvPr/>
         </p:nvSpPr>
         <p:spPr>
           <a:xfrm>
             <a:off x="504000" y="1769040"/>
-            <a:ext cx="9071280" cy="4384080"/>
+            <a:ext cx="9070560" cy="4383360"/>
           </a:xfrm>
           <a:prstGeom prst="rect">
             <a:avLst/>
@@ -3819,6 +4408,7 @@
                   </a:solidFill>
                 </a:uFill>
                 <a:latin typeface="Arial"/>
+                <a:ea typeface="DejaVu Sans"/>
               </a:rPr>
               <a:t>Präsentation zur Hausarbeit von David Preiß</a:t>
             </a:r>
@@ -3905,14 +4495,14 @@
       </p:grpSpPr>
       <p:sp>
         <p:nvSpPr>
-          <p:cNvPr id="107" name="CustomShape 1"/>
+          <p:cNvPr id="112" name="CustomShape 1"/>
           <p:cNvSpPr/>
           <p:nvPr/>
         </p:nvSpPr>
         <p:spPr>
           <a:xfrm>
             <a:off x="504000" y="301320"/>
-            <a:ext cx="9071280" cy="1261800"/>
+            <a:ext cx="9070560" cy="1261080"/>
           </a:xfrm>
           <a:prstGeom prst="rect">
             <a:avLst/>
@@ -3947,6 +4537,7 @@
                   </a:solidFill>
                 </a:uFill>
                 <a:latin typeface="Arial"/>
+                <a:ea typeface="DejaVu Sans"/>
               </a:rPr>
               <a:t>Beispiel(5)</a:t>
             </a:r>
@@ -3966,14 +4557,14 @@
       </p:sp>
       <p:sp>
         <p:nvSpPr>
-          <p:cNvPr id="108" name="CustomShape 2"/>
+          <p:cNvPr id="113" name="CustomShape 2"/>
           <p:cNvSpPr/>
           <p:nvPr/>
         </p:nvSpPr>
         <p:spPr>
           <a:xfrm>
             <a:off x="504000" y="1769040"/>
-            <a:ext cx="9071280" cy="4384080"/>
+            <a:ext cx="9070560" cy="4383360"/>
           </a:xfrm>
           <a:prstGeom prst="rect">
             <a:avLst/>
@@ -3992,7 +4583,7 @@
         <p:txBody>
           <a:bodyPr lIns="0" rIns="0" tIns="0" bIns="0"/>
           <a:p>
-            <a:pPr marL="432000" indent="-323640">
+            <a:pPr marL="432000" indent="-322920">
               <a:lnSpc>
                 <a:spcPct val="100000"/>
               </a:lnSpc>
@@ -4014,6 +4605,7 @@
                   </a:solidFill>
                 </a:uFill>
                 <a:latin typeface="Arial"/>
+                <a:ea typeface="DejaVu Sans"/>
               </a:rPr>
               <a:t>Mit welcher Wahrscheinlichkeit ruft John an wenn eingebrochen wurde:</a:t>
             </a:r>
@@ -4066,7 +4658,7 @@
             </a:endParaRPr>
           </a:p>
           <a:p>
-            <a:pPr marL="432000" indent="-323640">
+            <a:pPr marL="432000" indent="-322920">
               <a:lnSpc>
                 <a:spcPct val="100000"/>
               </a:lnSpc>
@@ -4088,6 +4680,7 @@
                   </a:solidFill>
                 </a:uFill>
                 <a:latin typeface="Arial"/>
+                <a:ea typeface="DejaVu Sans"/>
               </a:rPr>
               <a:t>→ </a:t>
             </a:r>
@@ -4107,7 +4700,7 @@
       </p:sp>
       <p:pic>
         <p:nvPicPr>
-          <p:cNvPr id="109" name="" descr=""/>
+          <p:cNvPr id="114" name="" descr=""/>
           <p:cNvPicPr/>
           <p:nvPr/>
         </p:nvPicPr>
@@ -4118,7 +4711,7 @@
         <p:spPr>
           <a:xfrm>
             <a:off x="208800" y="2692800"/>
-            <a:ext cx="9574920" cy="1147320"/>
+            <a:ext cx="9574200" cy="1146600"/>
           </a:xfrm>
           <a:prstGeom prst="rect">
             <a:avLst/>
@@ -4130,7 +4723,7 @@
       </p:pic>
       <p:pic>
         <p:nvPicPr>
-          <p:cNvPr id="110" name="" descr=""/>
+          <p:cNvPr id="115" name="" descr=""/>
           <p:cNvPicPr/>
           <p:nvPr/>
         </p:nvPicPr>
@@ -4141,7 +4734,7 @@
         <p:spPr>
           <a:xfrm>
             <a:off x="1463040" y="4023360"/>
-            <a:ext cx="7406280" cy="618120"/>
+            <a:ext cx="7405560" cy="617400"/>
           </a:xfrm>
           <a:prstGeom prst="rect">
             <a:avLst/>
@@ -4153,14 +4746,14 @@
       </p:pic>
       <p:sp>
         <p:nvSpPr>
-          <p:cNvPr id="111" name="TextShape 3"/>
-          <p:cNvSpPr txBox="1"/>
+          <p:cNvPr id="116" name="CustomShape 3"/>
+          <p:cNvSpPr/>
           <p:nvPr/>
         </p:nvSpPr>
         <p:spPr>
           <a:xfrm>
             <a:off x="549000" y="6614640"/>
-            <a:ext cx="4002840" cy="426600"/>
+            <a:ext cx="4002120" cy="425880"/>
           </a:xfrm>
           <a:prstGeom prst="rect">
             <a:avLst/>
@@ -4170,10 +4763,16 @@
             <a:noFill/>
           </a:ln>
         </p:spPr>
+        <p:style>
+          <a:lnRef idx="0"/>
+          <a:fillRef idx="0"/>
+          <a:effectRef idx="0"/>
+          <a:fontRef idx="minor"/>
+        </p:style>
         <p:txBody>
           <a:bodyPr lIns="90000" rIns="90000" tIns="45000" bIns="45000"/>
           <a:p>
-            <a:fld id="{4AA412A8-41CB-49B6-A38D-4823EB362B89}" type="slidenum">
+            <a:r>
               <a:rPr b="0" lang="de-DE" sz="1800" spc="-1" strike="noStrike">
                 <a:solidFill>
                   <a:srgbClr val="000000"/>
@@ -4184,9 +4783,10 @@
                   </a:solidFill>
                 </a:uFill>
                 <a:latin typeface="Arial"/>
-              </a:rPr>
-              <a:t>&lt;number&gt;</a:t>
-            </a:fld>
+                <a:ea typeface="DejaVu Sans"/>
+              </a:rPr>
+              <a:t> </a:t>
+            </a:r>
             <a:r>
               <a:rPr b="0" lang="de-DE" sz="1800" spc="-1" strike="noStrike">
                 <a:solidFill>
@@ -4198,8 +4798,9 @@
                   </a:solidFill>
                 </a:uFill>
                 <a:latin typeface="Arial"/>
-              </a:rPr>
-              <a:t> von 14 </a:t>
+                <a:ea typeface="DejaVu Sans"/>
+              </a:rPr>
+              <a:t>von 14 </a:t>
             </a:r>
             <a:endParaRPr b="0" lang="de-DE" sz="1800" spc="-1" strike="noStrike">
               <a:solidFill>
@@ -4266,14 +4867,14 @@
       </p:grpSpPr>
       <p:sp>
         <p:nvSpPr>
-          <p:cNvPr id="112" name="CustomShape 1"/>
+          <p:cNvPr id="117" name="CustomShape 1"/>
           <p:cNvSpPr/>
           <p:nvPr/>
         </p:nvSpPr>
         <p:spPr>
           <a:xfrm>
             <a:off x="504000" y="301320"/>
-            <a:ext cx="9071280" cy="1261800"/>
+            <a:ext cx="9070560" cy="1261080"/>
           </a:xfrm>
           <a:prstGeom prst="rect">
             <a:avLst/>
@@ -4308,6 +4909,7 @@
                   </a:solidFill>
                 </a:uFill>
                 <a:latin typeface="Arial"/>
+                <a:ea typeface="DejaVu Sans"/>
               </a:rPr>
               <a:t>Lernen von Bayes‘schen Netzen</a:t>
             </a:r>
@@ -4327,14 +4929,14 @@
       </p:sp>
       <p:sp>
         <p:nvSpPr>
-          <p:cNvPr id="113" name="CustomShape 2"/>
+          <p:cNvPr id="118" name="CustomShape 2"/>
           <p:cNvSpPr/>
           <p:nvPr/>
         </p:nvSpPr>
         <p:spPr>
           <a:xfrm>
             <a:off x="504000" y="1769040"/>
-            <a:ext cx="9071280" cy="4384080"/>
+            <a:ext cx="9070560" cy="4383360"/>
           </a:xfrm>
           <a:prstGeom prst="rect">
             <a:avLst/>
@@ -4353,7 +4955,7 @@
         <p:txBody>
           <a:bodyPr lIns="0" rIns="0" tIns="0" bIns="0"/>
           <a:p>
-            <a:pPr marL="432000" indent="-323640">
+            <a:pPr marL="432000" indent="-322920">
               <a:lnSpc>
                 <a:spcPct val="100000"/>
               </a:lnSpc>
@@ -4375,6 +4977,7 @@
                   </a:solidFill>
                 </a:uFill>
                 <a:latin typeface="Arial"/>
+                <a:ea typeface="DejaVu Sans"/>
               </a:rPr>
               <a:t>Man unterscheidet hier 4 Fälle [Fiedman]:</a:t>
             </a:r>
@@ -4391,7 +4994,7 @@
             </a:endParaRPr>
           </a:p>
           <a:p>
-            <a:pPr lvl="1" marL="864000" indent="-323640">
+            <a:pPr lvl="1" marL="864000" indent="-322920">
               <a:lnSpc>
                 <a:spcPct val="100000"/>
               </a:lnSpc>
@@ -4413,6 +5016,7 @@
                   </a:solidFill>
                 </a:uFill>
                 <a:latin typeface="Arial"/>
+                <a:ea typeface="DejaVu Sans"/>
               </a:rPr>
               <a:t>Bekannte Struktur, vollständige Datenbasis</a:t>
             </a:r>
@@ -4429,7 +5033,7 @@
             </a:endParaRPr>
           </a:p>
           <a:p>
-            <a:pPr lvl="1" marL="864000" indent="-323640">
+            <a:pPr lvl="1" marL="864000" indent="-322920">
               <a:lnSpc>
                 <a:spcPct val="100000"/>
               </a:lnSpc>
@@ -4451,6 +5055,7 @@
                   </a:solidFill>
                 </a:uFill>
                 <a:latin typeface="Arial"/>
+                <a:ea typeface="DejaVu Sans"/>
               </a:rPr>
               <a:t>Unbekannte Struktur, vollständige Datenbasis</a:t>
             </a:r>
@@ -4467,7 +5072,7 @@
             </a:endParaRPr>
           </a:p>
           <a:p>
-            <a:pPr lvl="1" marL="864000" indent="-323640">
+            <a:pPr lvl="1" marL="864000" indent="-322920">
               <a:lnSpc>
                 <a:spcPct val="100000"/>
               </a:lnSpc>
@@ -4489,6 +5094,7 @@
                   </a:solidFill>
                 </a:uFill>
                 <a:latin typeface="Arial"/>
+                <a:ea typeface="DejaVu Sans"/>
               </a:rPr>
               <a:t>Bekannte Struktur, unvollständige Datenbasis</a:t>
             </a:r>
@@ -4505,7 +5111,7 @@
             </a:endParaRPr>
           </a:p>
           <a:p>
-            <a:pPr lvl="1" marL="864000" indent="-323640">
+            <a:pPr lvl="1" marL="864000" indent="-322920">
               <a:lnSpc>
                 <a:spcPct val="100000"/>
               </a:lnSpc>
@@ -4527,6 +5133,7 @@
                   </a:solidFill>
                 </a:uFill>
                 <a:latin typeface="Arial"/>
+                <a:ea typeface="DejaVu Sans"/>
               </a:rPr>
               <a:t>Unbekannte Struktur, unvollständige Datenbasis</a:t>
             </a:r>
@@ -4543,7 +5150,7 @@
             </a:endParaRPr>
           </a:p>
           <a:p>
-            <a:pPr marL="432000" indent="-323640">
+            <a:pPr marL="432000" indent="-322920">
               <a:lnSpc>
                 <a:spcPct val="100000"/>
               </a:lnSpc>
@@ -4565,6 +5172,7 @@
                   </a:solidFill>
                 </a:uFill>
                 <a:latin typeface="Arial"/>
+                <a:ea typeface="DejaVu Sans"/>
               </a:rPr>
               <a:t>→</a:t>
             </a:r>
@@ -4579,6 +5187,7 @@
                   </a:solidFill>
                 </a:uFill>
                 <a:latin typeface="Arial"/>
+                <a:ea typeface="DejaVu Sans"/>
               </a:rPr>
               <a:t>Eagern-Lerning </a:t>
             </a:r>
@@ -4598,14 +5207,14 @@
       </p:sp>
       <p:sp>
         <p:nvSpPr>
-          <p:cNvPr id="114" name="CustomShape 3"/>
+          <p:cNvPr id="119" name="CustomShape 3"/>
           <p:cNvSpPr/>
           <p:nvPr/>
         </p:nvSpPr>
         <p:spPr>
           <a:xfrm>
             <a:off x="1828800" y="2834640"/>
-            <a:ext cx="180360" cy="426960"/>
+            <a:ext cx="179640" cy="426240"/>
           </a:xfrm>
           <a:prstGeom prst="rect">
             <a:avLst/>
@@ -4624,14 +5233,14 @@
       </p:sp>
       <p:sp>
         <p:nvSpPr>
-          <p:cNvPr id="115" name="TextShape 4"/>
-          <p:cNvSpPr txBox="1"/>
+          <p:cNvPr id="120" name="CustomShape 4"/>
+          <p:cNvSpPr/>
           <p:nvPr/>
         </p:nvSpPr>
         <p:spPr>
           <a:xfrm>
             <a:off x="548640" y="6614280"/>
-            <a:ext cx="4002840" cy="426600"/>
+            <a:ext cx="4002120" cy="425880"/>
           </a:xfrm>
           <a:prstGeom prst="rect">
             <a:avLst/>
@@ -4641,10 +5250,16 @@
             <a:noFill/>
           </a:ln>
         </p:spPr>
+        <p:style>
+          <a:lnRef idx="0"/>
+          <a:fillRef idx="0"/>
+          <a:effectRef idx="0"/>
+          <a:fontRef idx="minor"/>
+        </p:style>
         <p:txBody>
           <a:bodyPr lIns="90000" rIns="90000" tIns="45000" bIns="45000"/>
           <a:p>
-            <a:fld id="{112A59EE-A84C-480E-9166-9558CCEE44C9}" type="slidenum">
+            <a:r>
               <a:rPr b="0" lang="de-DE" sz="1800" spc="-1" strike="noStrike">
                 <a:solidFill>
                   <a:srgbClr val="000000"/>
@@ -4655,9 +5270,10 @@
                   </a:solidFill>
                 </a:uFill>
                 <a:latin typeface="Arial"/>
-              </a:rPr>
-              <a:t>&lt;number&gt;</a:t>
-            </a:fld>
+                <a:ea typeface="DejaVu Sans"/>
+              </a:rPr>
+              <a:t> </a:t>
+            </a:r>
             <a:r>
               <a:rPr b="0" lang="de-DE" sz="1800" spc="-1" strike="noStrike">
                 <a:solidFill>
@@ -4669,8 +5285,9 @@
                   </a:solidFill>
                 </a:uFill>
                 <a:latin typeface="Arial"/>
-              </a:rPr>
-              <a:t> von 14 </a:t>
+                <a:ea typeface="DejaVu Sans"/>
+              </a:rPr>
+              <a:t>von 14 </a:t>
             </a:r>
             <a:endParaRPr b="0" lang="de-DE" sz="1800" spc="-1" strike="noStrike">
               <a:solidFill>
@@ -4737,14 +5354,14 @@
       </p:grpSpPr>
       <p:sp>
         <p:nvSpPr>
-          <p:cNvPr id="116" name="CustomShape 1"/>
+          <p:cNvPr id="121" name="CustomShape 1"/>
           <p:cNvSpPr/>
           <p:nvPr/>
         </p:nvSpPr>
         <p:spPr>
           <a:xfrm>
             <a:off x="504000" y="301320"/>
-            <a:ext cx="9071280" cy="1261800"/>
+            <a:ext cx="9070560" cy="1261080"/>
           </a:xfrm>
           <a:prstGeom prst="rect">
             <a:avLst/>
@@ -4779,6 +5396,7 @@
                   </a:solidFill>
                 </a:uFill>
                 <a:latin typeface="Arial"/>
+                <a:ea typeface="DejaVu Sans"/>
               </a:rPr>
               <a:t>Anwendung in der Robotik</a:t>
             </a:r>
@@ -4798,14 +5416,14 @@
       </p:sp>
       <p:sp>
         <p:nvSpPr>
-          <p:cNvPr id="117" name="CustomShape 2"/>
+          <p:cNvPr id="122" name="CustomShape 2"/>
           <p:cNvSpPr/>
           <p:nvPr/>
         </p:nvSpPr>
         <p:spPr>
           <a:xfrm>
             <a:off x="504000" y="1769040"/>
-            <a:ext cx="9071280" cy="4384080"/>
+            <a:ext cx="9070560" cy="4383360"/>
           </a:xfrm>
           <a:prstGeom prst="rect">
             <a:avLst/>
@@ -4824,16 +5442,10 @@
         <p:txBody>
           <a:bodyPr lIns="0" rIns="0" tIns="0" bIns="0"/>
           <a:p>
-            <a:pPr marL="432000" indent="-323640">
+            <a:pPr>
               <a:lnSpc>
                 <a:spcPct val="100000"/>
               </a:lnSpc>
-              <a:buClr>
-                <a:srgbClr val="000000"/>
-              </a:buClr>
-              <a:buSzPct val="45000"/>
-              <a:buFont typeface="Wingdings" charset="2"/>
-              <a:buChar char=""/>
             </a:pPr>
             <a:r>
               <a:rPr b="0" lang="de-DE" sz="3200" spc="-1" strike="noStrike" u="sng">
@@ -4846,10 +5458,26 @@
                   </a:solidFill>
                 </a:uFill>
                 <a:latin typeface="Arial"/>
+                <a:ea typeface="DejaVu Sans"/>
                 <a:hlinkClick r:id="rId1"/>
               </a:rPr>
               <a:t>Erkennung von Objekten in der Bildverarbeitung</a:t>
             </a:r>
+            <a:r>
+              <a:rPr b="0" lang="de-DE" sz="3200" spc="-1" strike="noStrike" u="sng">
+                <a:solidFill>
+                  <a:srgbClr val="0000ff"/>
+                </a:solidFill>
+                <a:uFill>
+                  <a:solidFill>
+                    <a:srgbClr val="ffffff"/>
+                  </a:solidFill>
+                </a:uFill>
+                <a:latin typeface="Arial"/>
+                <a:ea typeface="DejaVu Sans"/>
+              </a:rPr>
+              <a:t>(1)</a:t>
+            </a:r>
             <a:endParaRPr b="0" lang="de-DE" sz="1800" spc="-1" strike="noStrike">
               <a:solidFill>
                 <a:srgbClr val="000000"/>
@@ -4863,32 +5491,11 @@
             </a:endParaRPr>
           </a:p>
           <a:p>
-            <a:pPr marL="432000" indent="-323640">
+            <a:pPr>
               <a:lnSpc>
                 <a:spcPct val="100000"/>
               </a:lnSpc>
-              <a:buClr>
-                <a:srgbClr val="000000"/>
-              </a:buClr>
-              <a:buSzPct val="45000"/>
-              <a:buFont typeface="Wingdings" charset="2"/>
-              <a:buChar char=""/>
             </a:pPr>
-            <a:r>
-              <a:rPr b="0" lang="de-DE" sz="3200" spc="-1" strike="noStrike" u="sng">
-                <a:solidFill>
-                  <a:srgbClr val="0000ff"/>
-                </a:solidFill>
-                <a:uFill>
-                  <a:solidFill>
-                    <a:srgbClr val="ffffff"/>
-                  </a:solidFill>
-                </a:uFill>
-                <a:latin typeface="Arial"/>
-                <a:hlinkClick r:id="rId2"/>
-              </a:rPr>
-              <a:t>Umgang mit falschen Sensordaten</a:t>
-            </a:r>
             <a:endParaRPr b="0" lang="de-DE" sz="1800" spc="-1" strike="noStrike">
               <a:solidFill>
                 <a:srgbClr val="000000"/>
@@ -4902,16 +5509,10 @@
             </a:endParaRPr>
           </a:p>
           <a:p>
-            <a:pPr marL="432000" indent="-323640">
+            <a:pPr>
               <a:lnSpc>
                 <a:spcPct val="100000"/>
               </a:lnSpc>
-              <a:buClr>
-                <a:srgbClr val="000000"/>
-              </a:buClr>
-              <a:buSzPct val="45000"/>
-              <a:buFont typeface="Wingdings" charset="2"/>
-              <a:buChar char=""/>
             </a:pPr>
             <a:r>
               <a:rPr b="0" lang="de-DE" sz="3200" spc="-1" strike="noStrike" u="sng">
@@ -4924,10 +5525,93 @@
                   </a:solidFill>
                 </a:uFill>
                 <a:latin typeface="Arial"/>
+                <a:ea typeface="DejaVu Sans"/>
+                <a:hlinkClick r:id="rId2"/>
+              </a:rPr>
+              <a:t>Umgang mit falschen Sensordaten</a:t>
+            </a:r>
+            <a:r>
+              <a:rPr b="0" lang="de-DE" sz="3200" spc="-1" strike="noStrike" u="sng">
+                <a:solidFill>
+                  <a:srgbClr val="0000ff"/>
+                </a:solidFill>
+                <a:uFill>
+                  <a:solidFill>
+                    <a:srgbClr val="ffffff"/>
+                  </a:solidFill>
+                </a:uFill>
+                <a:latin typeface="Arial"/>
+                <a:ea typeface="DejaVu Sans"/>
+              </a:rPr>
+              <a:t>(2)</a:t>
+            </a:r>
+            <a:endParaRPr b="0" lang="de-DE" sz="1800" spc="-1" strike="noStrike">
+              <a:solidFill>
+                <a:srgbClr val="000000"/>
+              </a:solidFill>
+              <a:uFill>
+                <a:solidFill>
+                  <a:srgbClr val="ffffff"/>
+                </a:solidFill>
+              </a:uFill>
+              <a:latin typeface="Arial"/>
+            </a:endParaRPr>
+          </a:p>
+          <a:p>
+            <a:pPr>
+              <a:lnSpc>
+                <a:spcPct val="100000"/>
+              </a:lnSpc>
+            </a:pPr>
+            <a:endParaRPr b="0" lang="de-DE" sz="1800" spc="-1" strike="noStrike">
+              <a:solidFill>
+                <a:srgbClr val="000000"/>
+              </a:solidFill>
+              <a:uFill>
+                <a:solidFill>
+                  <a:srgbClr val="ffffff"/>
+                </a:solidFill>
+              </a:uFill>
+              <a:latin typeface="Arial"/>
+            </a:endParaRPr>
+          </a:p>
+          <a:p>
+            <a:pPr>
+              <a:lnSpc>
+                <a:spcPct val="100000"/>
+              </a:lnSpc>
+            </a:pPr>
+            <a:r>
+              <a:rPr b="0" lang="de-DE" sz="3200" spc="-1" strike="noStrike" u="sng">
+                <a:solidFill>
+                  <a:srgbClr val="0000ff"/>
+                </a:solidFill>
+                <a:uFill>
+                  <a:solidFill>
+                    <a:srgbClr val="ffffff"/>
+                  </a:solidFill>
+                </a:uFill>
+                <a:latin typeface="Arial"/>
+                <a:ea typeface="DejaVu Sans"/>
                 <a:hlinkClick r:id="rId3"/>
               </a:rPr>
               <a:t>Umgang mit falschen Sensordaten in Hinblick auf die Auswertung verschiedener Sensoren</a:t>
             </a:r>
+            <a:r>
+              <a:rPr b="0" lang="de-DE" sz="3200" spc="-1" strike="noStrike" u="sng">
+                <a:solidFill>
+                  <a:srgbClr val="0000ff"/>
+                </a:solidFill>
+                <a:uFill>
+                  <a:solidFill>
+                    <a:srgbClr val="ffffff"/>
+                  </a:solidFill>
+                </a:uFill>
+                <a:latin typeface="Arial"/>
+                <a:ea typeface="DejaVu Sans"/>
+              </a:rPr>
+              <a:t>(3)</a:t>
+            </a:r>
             <a:endParaRPr b="0" lang="de-DE" sz="1800" spc="-1" strike="noStrike">
               <a:solidFill>
                 <a:srgbClr val="000000"/>
@@ -4944,14 +5628,14 @@
       </p:sp>
       <p:sp>
         <p:nvSpPr>
-          <p:cNvPr id="118" name="TextShape 3"/>
-          <p:cNvSpPr txBox="1"/>
+          <p:cNvPr id="123" name="CustomShape 3"/>
+          <p:cNvSpPr/>
           <p:nvPr/>
         </p:nvSpPr>
         <p:spPr>
           <a:xfrm>
             <a:off x="549000" y="6614640"/>
-            <a:ext cx="4002840" cy="426600"/>
+            <a:ext cx="4002120" cy="425880"/>
           </a:xfrm>
           <a:prstGeom prst="rect">
             <a:avLst/>
@@ -4961,10 +5645,16 @@
             <a:noFill/>
           </a:ln>
         </p:spPr>
+        <p:style>
+          <a:lnRef idx="0"/>
+          <a:fillRef idx="0"/>
+          <a:effectRef idx="0"/>
+          <a:fontRef idx="minor"/>
+        </p:style>
         <p:txBody>
           <a:bodyPr lIns="90000" rIns="90000" tIns="45000" bIns="45000"/>
           <a:p>
-            <a:fld id="{B69ACC49-21C3-49CB-A89A-CF90AFD0B0DC}" type="slidenum">
+            <a:r>
               <a:rPr b="0" lang="de-DE" sz="1800" spc="-1" strike="noStrike">
                 <a:solidFill>
                   <a:srgbClr val="000000"/>
@@ -4975,9 +5665,10 @@
                   </a:solidFill>
                 </a:uFill>
                 <a:latin typeface="Arial"/>
-              </a:rPr>
-              <a:t>&lt;number&gt;</a:t>
-            </a:fld>
+                <a:ea typeface="DejaVu Sans"/>
+              </a:rPr>
+              <a:t> </a:t>
+            </a:r>
             <a:r>
               <a:rPr b="0" lang="de-DE" sz="1800" spc="-1" strike="noStrike">
                 <a:solidFill>
@@ -4989,8 +5680,9 @@
                   </a:solidFill>
                 </a:uFill>
                 <a:latin typeface="Arial"/>
-              </a:rPr>
-              <a:t> von 14 </a:t>
+                <a:ea typeface="DejaVu Sans"/>
+              </a:rPr>
+              <a:t>von 14 </a:t>
             </a:r>
             <a:endParaRPr b="0" lang="de-DE" sz="1800" spc="-1" strike="noStrike">
               <a:solidFill>
@@ -5057,14 +5749,14 @@
       </p:grpSpPr>
       <p:sp>
         <p:nvSpPr>
-          <p:cNvPr id="119" name="CustomShape 1"/>
+          <p:cNvPr id="124" name="CustomShape 1"/>
           <p:cNvSpPr/>
           <p:nvPr/>
         </p:nvSpPr>
         <p:spPr>
           <a:xfrm>
             <a:off x="504000" y="301320"/>
-            <a:ext cx="9071280" cy="1261800"/>
+            <a:ext cx="9070560" cy="1261080"/>
           </a:xfrm>
           <a:prstGeom prst="rect">
             <a:avLst/>
@@ -5099,8 +5791,9 @@
                   </a:solidFill>
                 </a:uFill>
                 <a:latin typeface="Arial"/>
-              </a:rPr>
-              <a:t>Quellen</a:t>
+                <a:ea typeface="DejaVu Sans"/>
+              </a:rPr>
+              <a:t>Umgang mit falschen Senordaten(2)</a:t>
             </a:r>
             <a:endParaRPr b="0" lang="de-DE" sz="1800" spc="-1" strike="noStrike">
               <a:solidFill>
@@ -5118,14 +5811,14 @@
       </p:sp>
       <p:sp>
         <p:nvSpPr>
-          <p:cNvPr id="120" name="CustomShape 2"/>
+          <p:cNvPr id="125" name="CustomShape 2"/>
           <p:cNvSpPr/>
           <p:nvPr/>
         </p:nvSpPr>
         <p:spPr>
           <a:xfrm>
             <a:off x="504000" y="1769040"/>
-            <a:ext cx="9071280" cy="4384080"/>
+            <a:ext cx="9070560" cy="4383360"/>
           </a:xfrm>
           <a:prstGeom prst="rect">
             <a:avLst/>
@@ -5142,39 +5835,16 @@
           <a:fontRef idx="minor"/>
         </p:style>
       </p:sp>
-      <p:pic>
-        <p:nvPicPr>
-          <p:cNvPr id="121" name="" descr=""/>
-          <p:cNvPicPr/>
+      <p:sp>
+        <p:nvSpPr>
+          <p:cNvPr id="126" name="CustomShape 3"/>
+          <p:cNvSpPr/>
           <p:nvPr/>
-        </p:nvPicPr>
-        <p:blipFill>
-          <a:blip r:embed="rId1"/>
-          <a:stretch/>
-        </p:blipFill>
-        <p:spPr>
-          <a:xfrm>
-            <a:off x="640080" y="1828800"/>
-            <a:ext cx="8722800" cy="2779920"/>
-          </a:xfrm>
-          <a:prstGeom prst="rect">
-            <a:avLst/>
-          </a:prstGeom>
-          <a:ln>
-            <a:noFill/>
-          </a:ln>
-        </p:spPr>
-      </p:pic>
-      <p:sp>
-        <p:nvSpPr>
-          <p:cNvPr id="122" name="TextShape 3"/>
-          <p:cNvSpPr txBox="1"/>
-          <p:nvPr/>
         </p:nvSpPr>
         <p:spPr>
           <a:xfrm>
             <a:off x="549000" y="6614640"/>
-            <a:ext cx="4002840" cy="426600"/>
+            <a:ext cx="4002120" cy="425880"/>
           </a:xfrm>
           <a:prstGeom prst="rect">
             <a:avLst/>
@@ -5184,10 +5854,16 @@
             <a:noFill/>
           </a:ln>
         </p:spPr>
+        <p:style>
+          <a:lnRef idx="0"/>
+          <a:fillRef idx="0"/>
+          <a:effectRef idx="0"/>
+          <a:fontRef idx="minor"/>
+        </p:style>
         <p:txBody>
           <a:bodyPr lIns="90000" rIns="90000" tIns="45000" bIns="45000"/>
           <a:p>
-            <a:fld id="{59B4F9B1-0AF6-4922-8F96-3B46803A88EA}" type="slidenum">
+            <a:r>
               <a:rPr b="0" lang="de-DE" sz="1800" spc="-1" strike="noStrike">
                 <a:solidFill>
                   <a:srgbClr val="000000"/>
@@ -5198,9 +5874,10 @@
                   </a:solidFill>
                 </a:uFill>
                 <a:latin typeface="Arial"/>
-              </a:rPr>
-              <a:t>&lt;number&gt;</a:t>
-            </a:fld>
+                <a:ea typeface="DejaVu Sans"/>
+              </a:rPr>
+              <a:t> </a:t>
+            </a:r>
             <a:r>
               <a:rPr b="0" lang="de-DE" sz="1800" spc="-1" strike="noStrike">
                 <a:solidFill>
@@ -5212,8 +5889,209 @@
                   </a:solidFill>
                 </a:uFill>
                 <a:latin typeface="Arial"/>
-              </a:rPr>
-              <a:t> von 14 </a:t>
+                <a:ea typeface="DejaVu Sans"/>
+              </a:rPr>
+              <a:t>von 14 </a:t>
+            </a:r>
+            <a:endParaRPr b="0" lang="de-DE" sz="1800" spc="-1" strike="noStrike">
+              <a:solidFill>
+                <a:srgbClr val="000000"/>
+              </a:solidFill>
+              <a:uFill>
+                <a:solidFill>
+                  <a:srgbClr val="ffffff"/>
+                </a:solidFill>
+              </a:uFill>
+              <a:latin typeface="Arial"/>
+            </a:endParaRPr>
+          </a:p>
+        </p:txBody>
+      </p:sp>
+      <p:sp>
+        <p:nvSpPr>
+          <p:cNvPr id="127" name="CustomShape 4"/>
+          <p:cNvSpPr/>
+          <p:nvPr/>
+        </p:nvSpPr>
+        <p:spPr>
+          <a:xfrm>
+            <a:off x="504000" y="1769040"/>
+            <a:ext cx="9070560" cy="4383360"/>
+          </a:xfrm>
+          <a:prstGeom prst="rect">
+            <a:avLst/>
+          </a:prstGeom>
+          <a:noFill/>
+          <a:ln>
+            <a:noFill/>
+          </a:ln>
+        </p:spPr>
+        <p:style>
+          <a:lnRef idx="0"/>
+          <a:fillRef idx="0"/>
+          <a:effectRef idx="0"/>
+          <a:fontRef idx="minor"/>
+        </p:style>
+        <p:txBody>
+          <a:bodyPr lIns="0" rIns="0" tIns="0" bIns="0"/>
+          <a:p>
+            <a:pPr marL="432000" indent="-322920">
+              <a:lnSpc>
+                <a:spcPct val="100000"/>
+              </a:lnSpc>
+              <a:buClr>
+                <a:srgbClr val="000000"/>
+              </a:buClr>
+              <a:buSzPct val="45000"/>
+              <a:buFont typeface="Wingdings" charset="2"/>
+              <a:buChar char=""/>
+            </a:pPr>
+            <a:r>
+              <a:rPr b="0" lang="de-DE" sz="3200" spc="-1" strike="noStrike">
+                <a:solidFill>
+                  <a:srgbClr val="000000"/>
+                </a:solidFill>
+                <a:uFill>
+                  <a:solidFill>
+                    <a:srgbClr val="ffffff"/>
+                  </a:solidFill>
+                </a:uFill>
+                <a:latin typeface="Arial"/>
+                <a:ea typeface="DejaVu Sans"/>
+              </a:rPr>
+              <a:t>Verhaltensbasierte Diagnose</a:t>
+            </a:r>
+            <a:endParaRPr b="0" lang="de-DE" sz="1800" spc="-1" strike="noStrike">
+              <a:solidFill>
+                <a:srgbClr val="000000"/>
+              </a:solidFill>
+              <a:uFill>
+                <a:solidFill>
+                  <a:srgbClr val="ffffff"/>
+                </a:solidFill>
+              </a:uFill>
+              <a:latin typeface="Arial"/>
+            </a:endParaRPr>
+          </a:p>
+          <a:p>
+            <a:pPr marL="432000" indent="-322920">
+              <a:lnSpc>
+                <a:spcPct val="100000"/>
+              </a:lnSpc>
+              <a:buClr>
+                <a:srgbClr val="000000"/>
+              </a:buClr>
+              <a:buSzPct val="45000"/>
+              <a:buFont typeface="Wingdings" charset="2"/>
+              <a:buChar char=""/>
+            </a:pPr>
+            <a:r>
+              <a:rPr b="0" lang="de-DE" sz="3200" spc="-1" strike="noStrike">
+                <a:solidFill>
+                  <a:srgbClr val="000000"/>
+                </a:solidFill>
+                <a:uFill>
+                  <a:solidFill>
+                    <a:srgbClr val="ffffff"/>
+                  </a:solidFill>
+                </a:uFill>
+                <a:latin typeface="Arial"/>
+                <a:ea typeface="DejaVu Sans"/>
+              </a:rPr>
+              <a:t>Entscheidung zwischen links, rechts oder geradeaus</a:t>
+            </a:r>
+            <a:endParaRPr b="0" lang="de-DE" sz="1800" spc="-1" strike="noStrike">
+              <a:solidFill>
+                <a:srgbClr val="000000"/>
+              </a:solidFill>
+              <a:uFill>
+                <a:solidFill>
+                  <a:srgbClr val="ffffff"/>
+                </a:solidFill>
+              </a:uFill>
+              <a:latin typeface="Arial"/>
+            </a:endParaRPr>
+          </a:p>
+          <a:p>
+            <a:pPr lvl="1" marL="432000" indent="-215640">
+              <a:lnSpc>
+                <a:spcPct val="100000"/>
+              </a:lnSpc>
+              <a:buClr>
+                <a:srgbClr val="000000"/>
+              </a:buClr>
+              <a:buSzPct val="45000"/>
+              <a:buFont typeface="Wingdings" charset="2"/>
+              <a:buChar char=""/>
+            </a:pPr>
+            <a:r>
+              <a:rPr b="0" lang="de-DE" sz="3200" spc="-1" strike="noStrike">
+                <a:solidFill>
+                  <a:srgbClr val="000000"/>
+                </a:solidFill>
+                <a:uFill>
+                  <a:solidFill>
+                    <a:srgbClr val="ffffff"/>
+                  </a:solidFill>
+                </a:uFill>
+                <a:latin typeface="Arial"/>
+                <a:ea typeface="DejaVu Sans"/>
+              </a:rPr>
+              <a:t> </a:t>
+            </a:r>
+            <a:r>
+              <a:rPr b="0" lang="de-DE" sz="3200" spc="-1" strike="noStrike">
+                <a:solidFill>
+                  <a:srgbClr val="000000"/>
+                </a:solidFill>
+                <a:uFill>
+                  <a:solidFill>
+                    <a:srgbClr val="ffffff"/>
+                  </a:solidFill>
+                </a:uFill>
+                <a:latin typeface="Arial"/>
+                <a:ea typeface="DejaVu Sans"/>
+              </a:rPr>
+              <a:t>jeder Sensor hat Wahrscheinlichkeit</a:t>
+            </a:r>
+            <a:endParaRPr b="0" lang="de-DE" sz="1800" spc="-1" strike="noStrike">
+              <a:solidFill>
+                <a:srgbClr val="000000"/>
+              </a:solidFill>
+              <a:uFill>
+                <a:solidFill>
+                  <a:srgbClr val="ffffff"/>
+                </a:solidFill>
+              </a:uFill>
+              <a:latin typeface="Arial"/>
+            </a:endParaRPr>
+          </a:p>
+          <a:p>
+            <a:pPr lvl="1" marL="432000" indent="-215640">
+              <a:lnSpc>
+                <a:spcPct val="100000"/>
+              </a:lnSpc>
+              <a:buClr>
+                <a:srgbClr val="000000"/>
+              </a:buClr>
+              <a:buSzPct val="45000"/>
+              <a:buFont typeface="Wingdings" charset="2"/>
+              <a:buChar char=""/>
+            </a:pPr>
+            <a:r>
+              <a:rPr b="0" lang="de-DE" sz="3200" spc="-1" strike="noStrike">
+                <a:solidFill>
+                  <a:srgbClr val="000000"/>
+                </a:solidFill>
+                <a:uFill>
+                  <a:solidFill>
+                    <a:srgbClr val="ffffff"/>
+                  </a:solidFill>
+                </a:uFill>
+                <a:latin typeface="Arial"/>
+                <a:ea typeface="DejaVu Sans"/>
+              </a:rPr>
+              <a:t>Sensor muss durch zwei weitere bestätigt werden</a:t>
             </a:r>
             <a:endParaRPr b="0" lang="de-DE" sz="1800" spc="-1" strike="noStrike">
               <a:solidFill>
@@ -5280,14 +6158,14 @@
       </p:grpSpPr>
       <p:sp>
         <p:nvSpPr>
-          <p:cNvPr id="123" name="CustomShape 1"/>
+          <p:cNvPr id="128" name="CustomShape 1"/>
           <p:cNvSpPr/>
           <p:nvPr/>
         </p:nvSpPr>
         <p:spPr>
           <a:xfrm>
             <a:off x="504000" y="301320"/>
-            <a:ext cx="9071280" cy="1261800"/>
+            <a:ext cx="9070560" cy="1261080"/>
           </a:xfrm>
           <a:prstGeom prst="rect">
             <a:avLst/>
@@ -5322,8 +6200,9 @@
                   </a:solidFill>
                 </a:uFill>
                 <a:latin typeface="Arial"/>
-              </a:rPr>
-              <a:t>Danke</a:t>
+                <a:ea typeface="DejaVu Sans"/>
+              </a:rPr>
+              <a:t>Umgang mit falschen Senordaten(2): Ergebnis</a:t>
             </a:r>
             <a:endParaRPr b="0" lang="de-DE" sz="1800" spc="-1" strike="noStrike">
               <a:solidFill>
@@ -5341,14 +6220,14 @@
       </p:sp>
       <p:sp>
         <p:nvSpPr>
-          <p:cNvPr id="124" name="CustomShape 2"/>
+          <p:cNvPr id="129" name="CustomShape 2"/>
           <p:cNvSpPr/>
           <p:nvPr/>
         </p:nvSpPr>
         <p:spPr>
           <a:xfrm>
             <a:off x="504000" y="1769040"/>
-            <a:ext cx="9071280" cy="4384080"/>
+            <a:ext cx="9070560" cy="4383360"/>
           </a:xfrm>
           <a:prstGeom prst="rect">
             <a:avLst/>
@@ -5367,14 +6246,14 @@
       </p:sp>
       <p:sp>
         <p:nvSpPr>
-          <p:cNvPr id="125" name="TextShape 3"/>
-          <p:cNvSpPr txBox="1"/>
+          <p:cNvPr id="130" name="CustomShape 3"/>
+          <p:cNvSpPr/>
           <p:nvPr/>
         </p:nvSpPr>
         <p:spPr>
           <a:xfrm>
             <a:off x="549000" y="6614640"/>
-            <a:ext cx="4002840" cy="426600"/>
+            <a:ext cx="4002120" cy="425880"/>
           </a:xfrm>
           <a:prstGeom prst="rect">
             <a:avLst/>
@@ -5384,10 +6263,16 @@
             <a:noFill/>
           </a:ln>
         </p:spPr>
+        <p:style>
+          <a:lnRef idx="0"/>
+          <a:fillRef idx="0"/>
+          <a:effectRef idx="0"/>
+          <a:fontRef idx="minor"/>
+        </p:style>
         <p:txBody>
           <a:bodyPr lIns="90000" rIns="90000" tIns="45000" bIns="45000"/>
           <a:p>
-            <a:fld id="{DA414FA3-B258-4F33-9F33-F450DC7E794E}" type="slidenum">
+            <a:r>
               <a:rPr b="0" lang="de-DE" sz="1800" spc="-1" strike="noStrike">
                 <a:solidFill>
                   <a:srgbClr val="000000"/>
@@ -5398,9 +6283,10 @@
                   </a:solidFill>
                 </a:uFill>
                 <a:latin typeface="Arial"/>
-              </a:rPr>
-              <a:t>&lt;number&gt;</a:t>
-            </a:fld>
+                <a:ea typeface="DejaVu Sans"/>
+              </a:rPr>
+              <a:t> </a:t>
+            </a:r>
             <a:r>
               <a:rPr b="0" lang="de-DE" sz="1800" spc="-1" strike="noStrike">
                 <a:solidFill>
@@ -5412,8 +6298,116 @@
                   </a:solidFill>
                 </a:uFill>
                 <a:latin typeface="Arial"/>
-              </a:rPr>
-              <a:t> von 14 </a:t>
+                <a:ea typeface="DejaVu Sans"/>
+              </a:rPr>
+              <a:t>von 14 </a:t>
+            </a:r>
+            <a:endParaRPr b="0" lang="de-DE" sz="1800" spc="-1" strike="noStrike">
+              <a:solidFill>
+                <a:srgbClr val="000000"/>
+              </a:solidFill>
+              <a:uFill>
+                <a:solidFill>
+                  <a:srgbClr val="ffffff"/>
+                </a:solidFill>
+              </a:uFill>
+              <a:latin typeface="Arial"/>
+            </a:endParaRPr>
+          </a:p>
+        </p:txBody>
+      </p:sp>
+      <p:sp>
+        <p:nvSpPr>
+          <p:cNvPr id="131" name="CustomShape 4"/>
+          <p:cNvSpPr/>
+          <p:nvPr/>
+        </p:nvSpPr>
+        <p:spPr>
+          <a:xfrm>
+            <a:off x="365760" y="1769040"/>
+            <a:ext cx="9070560" cy="4383360"/>
+          </a:xfrm>
+          <a:prstGeom prst="rect">
+            <a:avLst/>
+          </a:prstGeom>
+          <a:noFill/>
+          <a:ln>
+            <a:noFill/>
+          </a:ln>
+        </p:spPr>
+        <p:style>
+          <a:lnRef idx="0"/>
+          <a:fillRef idx="0"/>
+          <a:effectRef idx="0"/>
+          <a:fontRef idx="minor"/>
+        </p:style>
+        <p:txBody>
+          <a:bodyPr lIns="0" rIns="0" tIns="0" bIns="0"/>
+          <a:p>
+            <a:pPr marL="432000" indent="-322920">
+              <a:lnSpc>
+                <a:spcPct val="100000"/>
+              </a:lnSpc>
+              <a:buClr>
+                <a:srgbClr val="000000"/>
+              </a:buClr>
+              <a:buSzPct val="45000"/>
+              <a:buFont typeface="Wingdings" charset="2"/>
+              <a:buChar char=""/>
+            </a:pPr>
+            <a:r>
+              <a:rPr b="0" lang="de-DE" sz="3200" spc="-1" strike="noStrike">
+                <a:solidFill>
+                  <a:srgbClr val="000000"/>
+                </a:solidFill>
+                <a:uFill>
+                  <a:solidFill>
+                    <a:srgbClr val="ffffff"/>
+                  </a:solidFill>
+                </a:uFill>
+                <a:latin typeface="Arial"/>
+                <a:ea typeface="DejaVu Sans"/>
+              </a:rPr>
+              <a:t>Echtzeitverhalten erreicht</a:t>
+            </a:r>
+            <a:endParaRPr b="0" lang="de-DE" sz="1800" spc="-1" strike="noStrike">
+              <a:solidFill>
+                <a:srgbClr val="000000"/>
+              </a:solidFill>
+              <a:uFill>
+                <a:solidFill>
+                  <a:srgbClr val="ffffff"/>
+                </a:solidFill>
+              </a:uFill>
+              <a:latin typeface="Arial"/>
+            </a:endParaRPr>
+          </a:p>
+          <a:p>
+            <a:pPr marL="432000" indent="-322920">
+              <a:lnSpc>
+                <a:spcPct val="100000"/>
+              </a:lnSpc>
+              <a:buClr>
+                <a:srgbClr val="000000"/>
+              </a:buClr>
+              <a:buSzPct val="45000"/>
+              <a:buFont typeface="Wingdings" charset="2"/>
+              <a:buChar char=""/>
+            </a:pPr>
+            <a:r>
+              <a:rPr b="0" lang="de-DE" sz="3200" spc="-1" strike="noStrike">
+                <a:solidFill>
+                  <a:srgbClr val="000000"/>
+                </a:solidFill>
+                <a:uFill>
+                  <a:solidFill>
+                    <a:srgbClr val="ffffff"/>
+                  </a:solidFill>
+                </a:uFill>
+                <a:latin typeface="Arial"/>
+                <a:ea typeface="DejaVu Sans"/>
+              </a:rPr>
+              <a:t>Einfluss der Messfehler signifikant reduziert</a:t>
             </a:r>
             <a:endParaRPr b="0" lang="de-DE" sz="1800" spc="-1" strike="noStrike">
               <a:solidFill>
@@ -5438,6 +6432,447 @@
           <p:childTnLst>
             <p:seq>
               <p:cTn id="28" nodeType="mainSeq"/>
+              <p:prevCondLst>
+                <p:cond delay="0" evt="onPrev">
+                  <p:tgtEl>
+                    <p:sldTgt/>
+                  </p:tgtEl>
+                </p:cond>
+              </p:prevCondLst>
+              <p:nextCondLst>
+                <p:cond delay="0" evt="onNext">
+                  <p:tgtEl>
+                    <p:sldTgt/>
+                  </p:tgtEl>
+                </p:cond>
+              </p:nextCondLst>
+            </p:seq>
+          </p:childTnLst>
+        </p:cTn>
+      </p:par>
+    </p:tnLst>
+  </p:timing>
+</p:sld>
+</file>
+
+<file path=ppt/slides/slide15.xml><?xml version="1.0" encoding="utf-8"?>
+<p:sld xmlns:a="http://schemas.openxmlformats.org/drawingml/2006/main" xmlns:p="http://schemas.openxmlformats.org/presentationml/2006/main" xmlns:r="http://schemas.openxmlformats.org/officeDocument/2006/relationships" xmlns:p14="http://schemas.microsoft.com/office/powerpoint/2010/main" xmlns:p15="http://schemas.microsoft.com/office/powerpoint/2012/main" xmlns:mc="http://schemas.openxmlformats.org/markup-compatibility/2006">
+  <p:cSld>
+    <p:spTree>
+      <p:nvGrpSpPr>
+        <p:cNvPr id="1" name=""/>
+        <p:cNvGrpSpPr/>
+        <p:nvPr/>
+      </p:nvGrpSpPr>
+      <p:grpSpPr>
+        <a:xfrm>
+          <a:off x="0" y="0"/>
+          <a:ext cx="0" cy="0"/>
+          <a:chOff x="0" y="0"/>
+          <a:chExt cx="0" cy="0"/>
+        </a:xfrm>
+      </p:grpSpPr>
+      <p:sp>
+        <p:nvSpPr>
+          <p:cNvPr id="132" name="CustomShape 1"/>
+          <p:cNvSpPr/>
+          <p:nvPr/>
+        </p:nvSpPr>
+        <p:spPr>
+          <a:xfrm>
+            <a:off x="504000" y="301320"/>
+            <a:ext cx="9070560" cy="1261080"/>
+          </a:xfrm>
+          <a:prstGeom prst="rect">
+            <a:avLst/>
+          </a:prstGeom>
+          <a:noFill/>
+          <a:ln>
+            <a:noFill/>
+          </a:ln>
+        </p:spPr>
+        <p:style>
+          <a:lnRef idx="0"/>
+          <a:fillRef idx="0"/>
+          <a:effectRef idx="0"/>
+          <a:fontRef idx="minor"/>
+        </p:style>
+        <p:txBody>
+          <a:bodyPr lIns="0" rIns="0" tIns="0" bIns="0" anchor="ctr"/>
+          <a:p>
+            <a:pPr algn="ctr">
+              <a:lnSpc>
+                <a:spcPct val="100000"/>
+              </a:lnSpc>
+            </a:pPr>
+            <a:r>
+              <a:rPr b="0" lang="de-DE" sz="4400" spc="-1" strike="noStrike">
+                <a:solidFill>
+                  <a:srgbClr val="000000"/>
+                </a:solidFill>
+                <a:uFill>
+                  <a:solidFill>
+                    <a:srgbClr val="ffffff"/>
+                  </a:solidFill>
+                </a:uFill>
+                <a:latin typeface="Arial"/>
+                <a:ea typeface="DejaVu Sans"/>
+              </a:rPr>
+              <a:t>Quellen</a:t>
+            </a:r>
+            <a:endParaRPr b="0" lang="de-DE" sz="1800" spc="-1" strike="noStrike">
+              <a:solidFill>
+                <a:srgbClr val="000000"/>
+              </a:solidFill>
+              <a:uFill>
+                <a:solidFill>
+                  <a:srgbClr val="ffffff"/>
+                </a:solidFill>
+              </a:uFill>
+              <a:latin typeface="Arial"/>
+            </a:endParaRPr>
+          </a:p>
+        </p:txBody>
+      </p:sp>
+      <p:sp>
+        <p:nvSpPr>
+          <p:cNvPr id="133" name="CustomShape 2"/>
+          <p:cNvSpPr/>
+          <p:nvPr/>
+        </p:nvSpPr>
+        <p:spPr>
+          <a:xfrm>
+            <a:off x="504000" y="1769040"/>
+            <a:ext cx="9070560" cy="4383360"/>
+          </a:xfrm>
+          <a:prstGeom prst="rect">
+            <a:avLst/>
+          </a:prstGeom>
+          <a:noFill/>
+          <a:ln>
+            <a:noFill/>
+          </a:ln>
+        </p:spPr>
+        <p:style>
+          <a:lnRef idx="0"/>
+          <a:fillRef idx="0"/>
+          <a:effectRef idx="0"/>
+          <a:fontRef idx="minor"/>
+        </p:style>
+      </p:sp>
+      <p:pic>
+        <p:nvPicPr>
+          <p:cNvPr id="134" name="" descr=""/>
+          <p:cNvPicPr/>
+          <p:nvPr/>
+        </p:nvPicPr>
+        <p:blipFill>
+          <a:blip r:embed="rId1"/>
+          <a:stretch/>
+        </p:blipFill>
+        <p:spPr>
+          <a:xfrm>
+            <a:off x="640080" y="1828800"/>
+            <a:ext cx="8722080" cy="2779200"/>
+          </a:xfrm>
+          <a:prstGeom prst="rect">
+            <a:avLst/>
+          </a:prstGeom>
+          <a:ln>
+            <a:noFill/>
+          </a:ln>
+        </p:spPr>
+      </p:pic>
+      <p:sp>
+        <p:nvSpPr>
+          <p:cNvPr id="135" name="CustomShape 3"/>
+          <p:cNvSpPr/>
+          <p:nvPr/>
+        </p:nvSpPr>
+        <p:spPr>
+          <a:xfrm>
+            <a:off x="549000" y="6614640"/>
+            <a:ext cx="4002120" cy="425880"/>
+          </a:xfrm>
+          <a:prstGeom prst="rect">
+            <a:avLst/>
+          </a:prstGeom>
+          <a:noFill/>
+          <a:ln>
+            <a:noFill/>
+          </a:ln>
+        </p:spPr>
+        <p:style>
+          <a:lnRef idx="0"/>
+          <a:fillRef idx="0"/>
+          <a:effectRef idx="0"/>
+          <a:fontRef idx="minor"/>
+        </p:style>
+        <p:txBody>
+          <a:bodyPr lIns="90000" rIns="90000" tIns="45000" bIns="45000"/>
+          <a:p>
+            <a:r>
+              <a:rPr b="0" lang="de-DE" sz="1800" spc="-1" strike="noStrike">
+                <a:solidFill>
+                  <a:srgbClr val="000000"/>
+                </a:solidFill>
+                <a:uFill>
+                  <a:solidFill>
+                    <a:srgbClr val="ffffff"/>
+                  </a:solidFill>
+                </a:uFill>
+                <a:latin typeface="Arial"/>
+                <a:ea typeface="DejaVu Sans"/>
+              </a:rPr>
+              <a:t> </a:t>
+            </a:r>
+            <a:r>
+              <a:rPr b="0" lang="de-DE" sz="1800" spc="-1" strike="noStrike">
+                <a:solidFill>
+                  <a:srgbClr val="000000"/>
+                </a:solidFill>
+                <a:uFill>
+                  <a:solidFill>
+                    <a:srgbClr val="ffffff"/>
+                  </a:solidFill>
+                </a:uFill>
+                <a:latin typeface="Arial"/>
+                <a:ea typeface="DejaVu Sans"/>
+              </a:rPr>
+              <a:t>von 14 </a:t>
+            </a:r>
+            <a:endParaRPr b="0" lang="de-DE" sz="1800" spc="-1" strike="noStrike">
+              <a:solidFill>
+                <a:srgbClr val="000000"/>
+              </a:solidFill>
+              <a:uFill>
+                <a:solidFill>
+                  <a:srgbClr val="ffffff"/>
+                </a:solidFill>
+              </a:uFill>
+              <a:latin typeface="Arial"/>
+            </a:endParaRPr>
+          </a:p>
+        </p:txBody>
+      </p:sp>
+    </p:spTree>
+  </p:cSld>
+  <p:timing>
+    <p:tnLst>
+      <p:par>
+        <p:cTn id="29" dur="indefinite" restart="never" nodeType="tmRoot">
+          <p:childTnLst>
+            <p:seq>
+              <p:cTn id="30" nodeType="mainSeq"/>
+              <p:prevCondLst>
+                <p:cond delay="0" evt="onPrev">
+                  <p:tgtEl>
+                    <p:sldTgt/>
+                  </p:tgtEl>
+                </p:cond>
+              </p:prevCondLst>
+              <p:nextCondLst>
+                <p:cond delay="0" evt="onNext">
+                  <p:tgtEl>
+                    <p:sldTgt/>
+                  </p:tgtEl>
+                </p:cond>
+              </p:nextCondLst>
+            </p:seq>
+          </p:childTnLst>
+        </p:cTn>
+      </p:par>
+    </p:tnLst>
+  </p:timing>
+</p:sld>
+</file>
+
+<file path=ppt/slides/slide16.xml><?xml version="1.0" encoding="utf-8"?>
+<p:sld xmlns:a="http://schemas.openxmlformats.org/drawingml/2006/main" xmlns:p="http://schemas.openxmlformats.org/presentationml/2006/main" xmlns:r="http://schemas.openxmlformats.org/officeDocument/2006/relationships" xmlns:p14="http://schemas.microsoft.com/office/powerpoint/2010/main" xmlns:p15="http://schemas.microsoft.com/office/powerpoint/2012/main" xmlns:mc="http://schemas.openxmlformats.org/markup-compatibility/2006">
+  <p:cSld>
+    <p:spTree>
+      <p:nvGrpSpPr>
+        <p:cNvPr id="1" name=""/>
+        <p:cNvGrpSpPr/>
+        <p:nvPr/>
+      </p:nvGrpSpPr>
+      <p:grpSpPr>
+        <a:xfrm>
+          <a:off x="0" y="0"/>
+          <a:ext cx="0" cy="0"/>
+          <a:chOff x="0" y="0"/>
+          <a:chExt cx="0" cy="0"/>
+        </a:xfrm>
+      </p:grpSpPr>
+      <p:sp>
+        <p:nvSpPr>
+          <p:cNvPr id="136" name="CustomShape 1"/>
+          <p:cNvSpPr/>
+          <p:nvPr/>
+        </p:nvSpPr>
+        <p:spPr>
+          <a:xfrm>
+            <a:off x="504000" y="301320"/>
+            <a:ext cx="9070560" cy="1261080"/>
+          </a:xfrm>
+          <a:prstGeom prst="rect">
+            <a:avLst/>
+          </a:prstGeom>
+          <a:noFill/>
+          <a:ln>
+            <a:noFill/>
+          </a:ln>
+        </p:spPr>
+        <p:style>
+          <a:lnRef idx="0"/>
+          <a:fillRef idx="0"/>
+          <a:effectRef idx="0"/>
+          <a:fontRef idx="minor"/>
+        </p:style>
+        <p:txBody>
+          <a:bodyPr lIns="0" rIns="0" tIns="0" bIns="0" anchor="ctr"/>
+          <a:p>
+            <a:pPr algn="ctr">
+              <a:lnSpc>
+                <a:spcPct val="100000"/>
+              </a:lnSpc>
+            </a:pPr>
+            <a:r>
+              <a:rPr b="0" lang="de-DE" sz="4400" spc="-1" strike="noStrike">
+                <a:solidFill>
+                  <a:srgbClr val="000000"/>
+                </a:solidFill>
+                <a:uFill>
+                  <a:solidFill>
+                    <a:srgbClr val="ffffff"/>
+                  </a:solidFill>
+                </a:uFill>
+                <a:latin typeface="Arial"/>
+                <a:ea typeface="DejaVu Sans"/>
+              </a:rPr>
+              <a:t>Danke</a:t>
+            </a:r>
+            <a:endParaRPr b="0" lang="de-DE" sz="1800" spc="-1" strike="noStrike">
+              <a:solidFill>
+                <a:srgbClr val="000000"/>
+              </a:solidFill>
+              <a:uFill>
+                <a:solidFill>
+                  <a:srgbClr val="ffffff"/>
+                </a:solidFill>
+              </a:uFill>
+              <a:latin typeface="Arial"/>
+            </a:endParaRPr>
+          </a:p>
+        </p:txBody>
+      </p:sp>
+      <p:sp>
+        <p:nvSpPr>
+          <p:cNvPr id="137" name="CustomShape 2"/>
+          <p:cNvSpPr/>
+          <p:nvPr/>
+        </p:nvSpPr>
+        <p:spPr>
+          <a:xfrm>
+            <a:off x="504000" y="1769040"/>
+            <a:ext cx="9070560" cy="4383360"/>
+          </a:xfrm>
+          <a:prstGeom prst="rect">
+            <a:avLst/>
+          </a:prstGeom>
+          <a:noFill/>
+          <a:ln>
+            <a:noFill/>
+          </a:ln>
+        </p:spPr>
+        <p:style>
+          <a:lnRef idx="0"/>
+          <a:fillRef idx="0"/>
+          <a:effectRef idx="0"/>
+          <a:fontRef idx="minor"/>
+        </p:style>
+      </p:sp>
+      <p:sp>
+        <p:nvSpPr>
+          <p:cNvPr id="138" name="CustomShape 3"/>
+          <p:cNvSpPr/>
+          <p:nvPr/>
+        </p:nvSpPr>
+        <p:spPr>
+          <a:xfrm>
+            <a:off x="549000" y="6614640"/>
+            <a:ext cx="4002120" cy="425880"/>
+          </a:xfrm>
+          <a:prstGeom prst="rect">
+            <a:avLst/>
+          </a:prstGeom>
+          <a:noFill/>
+          <a:ln>
+            <a:noFill/>
+          </a:ln>
+        </p:spPr>
+        <p:style>
+          <a:lnRef idx="0"/>
+          <a:fillRef idx="0"/>
+          <a:effectRef idx="0"/>
+          <a:fontRef idx="minor"/>
+        </p:style>
+        <p:txBody>
+          <a:bodyPr lIns="90000" rIns="90000" tIns="45000" bIns="45000"/>
+          <a:p>
+            <a:r>
+              <a:rPr b="0" lang="de-DE" sz="1800" spc="-1" strike="noStrike">
+                <a:solidFill>
+                  <a:srgbClr val="000000"/>
+                </a:solidFill>
+                <a:uFill>
+                  <a:solidFill>
+                    <a:srgbClr val="ffffff"/>
+                  </a:solidFill>
+                </a:uFill>
+                <a:latin typeface="Arial"/>
+                <a:ea typeface="DejaVu Sans"/>
+              </a:rPr>
+              <a:t> </a:t>
+            </a:r>
+            <a:r>
+              <a:rPr b="0" lang="de-DE" sz="1800" spc="-1" strike="noStrike">
+                <a:solidFill>
+                  <a:srgbClr val="000000"/>
+                </a:solidFill>
+                <a:uFill>
+                  <a:solidFill>
+                    <a:srgbClr val="ffffff"/>
+                  </a:solidFill>
+                </a:uFill>
+                <a:latin typeface="Arial"/>
+                <a:ea typeface="DejaVu Sans"/>
+              </a:rPr>
+              <a:t>von 14 </a:t>
+            </a:r>
+            <a:endParaRPr b="0" lang="de-DE" sz="1800" spc="-1" strike="noStrike">
+              <a:solidFill>
+                <a:srgbClr val="000000"/>
+              </a:solidFill>
+              <a:uFill>
+                <a:solidFill>
+                  <a:srgbClr val="ffffff"/>
+                </a:solidFill>
+              </a:uFill>
+              <a:latin typeface="Arial"/>
+            </a:endParaRPr>
+          </a:p>
+        </p:txBody>
+      </p:sp>
+    </p:spTree>
+  </p:cSld>
+  <p:timing>
+    <p:tnLst>
+      <p:par>
+        <p:cTn id="31" dur="indefinite" restart="never" nodeType="tmRoot">
+          <p:childTnLst>
+            <p:seq>
+              <p:cTn id="32" nodeType="mainSeq"/>
               <p:prevCondLst>
                 <p:cond delay="0" evt="onPrev">
                   <p:tgtEl>
@@ -5480,14 +6915,14 @@
       </p:grpSpPr>
       <p:sp>
         <p:nvSpPr>
-          <p:cNvPr id="74" name="CustomShape 1"/>
+          <p:cNvPr id="79" name="CustomShape 1"/>
           <p:cNvSpPr/>
           <p:nvPr/>
         </p:nvSpPr>
         <p:spPr>
           <a:xfrm>
             <a:off x="504000" y="301320"/>
-            <a:ext cx="9071280" cy="1261800"/>
+            <a:ext cx="9070560" cy="1261080"/>
           </a:xfrm>
           <a:prstGeom prst="rect">
             <a:avLst/>
@@ -5522,6 +6957,7 @@
                   </a:solidFill>
                 </a:uFill>
                 <a:latin typeface="Arial"/>
+                <a:ea typeface="DejaVu Sans"/>
               </a:rPr>
               <a:t>Bayes‘sche Netze?</a:t>
             </a:r>
@@ -5541,14 +6977,14 @@
       </p:sp>
       <p:sp>
         <p:nvSpPr>
-          <p:cNvPr id="75" name="CustomShape 2"/>
+          <p:cNvPr id="80" name="CustomShape 2"/>
           <p:cNvSpPr/>
           <p:nvPr/>
         </p:nvSpPr>
         <p:spPr>
           <a:xfrm>
             <a:off x="504000" y="1769040"/>
-            <a:ext cx="9071280" cy="4384080"/>
+            <a:ext cx="9070560" cy="4383360"/>
           </a:xfrm>
           <a:prstGeom prst="rect">
             <a:avLst/>
@@ -5567,7 +7003,7 @@
         <p:txBody>
           <a:bodyPr lIns="0" rIns="0" tIns="0" bIns="0"/>
           <a:p>
-            <a:pPr marL="432000" indent="-323640">
+            <a:pPr marL="432000" indent="-322920">
               <a:lnSpc>
                 <a:spcPct val="100000"/>
               </a:lnSpc>
@@ -5589,6 +7025,7 @@
                   </a:solidFill>
                 </a:uFill>
                 <a:latin typeface="Arial"/>
+                <a:ea typeface="DejaVu Sans"/>
               </a:rPr>
               <a:t>Bayes‘sche Netze</a:t>
             </a:r>
@@ -5605,7 +7042,7 @@
             </a:endParaRPr>
           </a:p>
           <a:p>
-            <a:pPr lvl="1" marL="864000" indent="-323640">
+            <a:pPr lvl="1" marL="864000" indent="-322920">
               <a:lnSpc>
                 <a:spcPct val="100000"/>
               </a:lnSpc>
@@ -5627,6 +7064,7 @@
                   </a:solidFill>
                 </a:uFill>
                 <a:latin typeface="Arial"/>
+                <a:ea typeface="DejaVu Sans"/>
               </a:rPr>
               <a:t>Sind eine Darstellung von logischen Kausalitäten</a:t>
             </a:r>
@@ -5643,7 +7081,7 @@
             </a:endParaRPr>
           </a:p>
           <a:p>
-            <a:pPr lvl="1" marL="864000" indent="-323640">
+            <a:pPr lvl="1" marL="864000" indent="-322920">
               <a:lnSpc>
                 <a:spcPct val="100000"/>
               </a:lnSpc>
@@ -5665,6 +7103,7 @@
                   </a:solidFill>
                 </a:uFill>
                 <a:latin typeface="Arial"/>
+                <a:ea typeface="DejaVu Sans"/>
               </a:rPr>
               <a:t>Dienen zur Vereinfachung dieser (Reduzierung des Aufwandes) </a:t>
             </a:r>
@@ -5681,7 +7120,7 @@
             </a:endParaRPr>
           </a:p>
           <a:p>
-            <a:pPr lvl="1" marL="864000" indent="-323640">
+            <a:pPr lvl="1" marL="864000" indent="-322920">
               <a:lnSpc>
                 <a:spcPct val="100000"/>
               </a:lnSpc>
@@ -5703,6 +7142,7 @@
                   </a:solidFill>
                 </a:uFill>
                 <a:latin typeface="Arial"/>
+                <a:ea typeface="DejaVu Sans"/>
               </a:rPr>
               <a:t>Arbeiten mit bedingten Unabhängigkeiten</a:t>
             </a:r>
@@ -5722,14 +7162,14 @@
       </p:sp>
       <p:sp>
         <p:nvSpPr>
-          <p:cNvPr id="76" name="TextShape 3"/>
-          <p:cNvSpPr txBox="1"/>
+          <p:cNvPr id="81" name="CustomShape 3"/>
+          <p:cNvSpPr/>
           <p:nvPr/>
         </p:nvSpPr>
         <p:spPr>
           <a:xfrm>
             <a:off x="549000" y="6614640"/>
-            <a:ext cx="4002840" cy="426600"/>
+            <a:ext cx="4002120" cy="425880"/>
           </a:xfrm>
           <a:prstGeom prst="rect">
             <a:avLst/>
@@ -5739,10 +7179,16 @@
             <a:noFill/>
           </a:ln>
         </p:spPr>
+        <p:style>
+          <a:lnRef idx="0"/>
+          <a:fillRef idx="0"/>
+          <a:effectRef idx="0"/>
+          <a:fontRef idx="minor"/>
+        </p:style>
         <p:txBody>
           <a:bodyPr lIns="90000" rIns="90000" tIns="45000" bIns="45000"/>
           <a:p>
-            <a:fld id="{8FB3A414-EDFD-4106-A048-CEA99286A41A}" type="slidenum">
+            <a:r>
               <a:rPr b="0" lang="de-DE" sz="1800" spc="-1" strike="noStrike">
                 <a:solidFill>
                   <a:srgbClr val="000000"/>
@@ -5753,9 +7199,10 @@
                   </a:solidFill>
                 </a:uFill>
                 <a:latin typeface="Arial"/>
-              </a:rPr>
-              <a:t>&lt;number&gt;</a:t>
-            </a:fld>
+                <a:ea typeface="DejaVu Sans"/>
+              </a:rPr>
+              <a:t> </a:t>
+            </a:r>
             <a:r>
               <a:rPr b="0" lang="de-DE" sz="1800" spc="-1" strike="noStrike">
                 <a:solidFill>
@@ -5767,8 +7214,9 @@
                   </a:solidFill>
                 </a:uFill>
                 <a:latin typeface="Arial"/>
-              </a:rPr>
-              <a:t> von 14 </a:t>
+                <a:ea typeface="DejaVu Sans"/>
+              </a:rPr>
+              <a:t>von 14 </a:t>
             </a:r>
             <a:endParaRPr b="0" lang="de-DE" sz="1800" spc="-1" strike="noStrike">
               <a:solidFill>
@@ -5835,14 +7283,14 @@
       </p:grpSpPr>
       <p:sp>
         <p:nvSpPr>
-          <p:cNvPr id="77" name="CustomShape 1"/>
+          <p:cNvPr id="82" name="CustomShape 1"/>
           <p:cNvSpPr/>
           <p:nvPr/>
         </p:nvSpPr>
         <p:spPr>
           <a:xfrm>
             <a:off x="504000" y="301320"/>
-            <a:ext cx="9071280" cy="1261800"/>
+            <a:ext cx="9070560" cy="1261080"/>
           </a:xfrm>
           <a:prstGeom prst="rect">
             <a:avLst/>
@@ -5877,6 +7325,7 @@
                   </a:solidFill>
                 </a:uFill>
                 <a:latin typeface="Arial"/>
+                <a:ea typeface="DejaVu Sans"/>
               </a:rPr>
               <a:t>Problem: Umgang mit Sensordaten</a:t>
             </a:r>
@@ -5896,14 +7345,14 @@
       </p:sp>
       <p:sp>
         <p:nvSpPr>
-          <p:cNvPr id="78" name="CustomShape 2"/>
+          <p:cNvPr id="83" name="CustomShape 2"/>
           <p:cNvSpPr/>
           <p:nvPr/>
         </p:nvSpPr>
         <p:spPr>
           <a:xfrm>
             <a:off x="504000" y="1769040"/>
-            <a:ext cx="9071280" cy="4384080"/>
+            <a:ext cx="9070560" cy="4383360"/>
           </a:xfrm>
           <a:prstGeom prst="rect">
             <a:avLst/>
@@ -5922,7 +7371,7 @@
         <p:txBody>
           <a:bodyPr lIns="0" rIns="0" tIns="0" bIns="0"/>
           <a:p>
-            <a:pPr marL="432000" indent="-323640">
+            <a:pPr marL="432000" indent="-322920">
               <a:lnSpc>
                 <a:spcPct val="100000"/>
               </a:lnSpc>
@@ -5944,6 +7393,7 @@
                   </a:solidFill>
                 </a:uFill>
                 <a:latin typeface="Arial"/>
+                <a:ea typeface="DejaVu Sans"/>
               </a:rPr>
               <a:t>Sensordaten können fehlerhaft sein</a:t>
             </a:r>
@@ -5960,7 +7410,7 @@
             </a:endParaRPr>
           </a:p>
           <a:p>
-            <a:pPr marL="432000" indent="-323640">
+            <a:pPr marL="432000" indent="-322920">
               <a:lnSpc>
                 <a:spcPct val="100000"/>
               </a:lnSpc>
@@ -5982,6 +7432,7 @@
                   </a:solidFill>
                 </a:uFill>
                 <a:latin typeface="Arial"/>
+                <a:ea typeface="DejaVu Sans"/>
               </a:rPr>
               <a:t>In VL bereits beprochen</a:t>
             </a:r>
@@ -5998,7 +7449,7 @@
             </a:endParaRPr>
           </a:p>
           <a:p>
-            <a:pPr marL="432000" indent="-323640">
+            <a:pPr marL="432000" indent="-322920">
               <a:lnSpc>
                 <a:spcPct val="100000"/>
               </a:lnSpc>
@@ -6020,6 +7471,7 @@
                   </a:solidFill>
                 </a:uFill>
                 <a:latin typeface="Arial"/>
+                <a:ea typeface="DejaVu Sans"/>
               </a:rPr>
               <a:t>Bayes‘sche Netze können die Einträge in der Wahrscheinlichkeitstabelle von m</a:t>
             </a:r>
@@ -6034,6 +7486,7 @@
                   </a:solidFill>
                 </a:uFill>
                 <a:latin typeface="Arial"/>
+                <a:ea typeface="DejaVu Sans"/>
               </a:rPr>
               <a:t>n </a:t>
             </a:r>
@@ -6048,6 +7501,7 @@
                   </a:solidFill>
                 </a:uFill>
                 <a:latin typeface="Arial"/>
+                <a:ea typeface="DejaVu Sans"/>
               </a:rPr>
               <a:t>auf n(m-1)m</a:t>
             </a:r>
@@ -6062,6 +7516,7 @@
                   </a:solidFill>
                 </a:uFill>
                 <a:latin typeface="Arial"/>
+                <a:ea typeface="DejaVu Sans"/>
               </a:rPr>
               <a:t>k</a:t>
             </a:r>
@@ -6076,6 +7531,7 @@
                   </a:solidFill>
                 </a:uFill>
                 <a:latin typeface="Arial"/>
+                <a:ea typeface="DejaVu Sans"/>
               </a:rPr>
               <a:t> verringern </a:t>
             </a:r>
@@ -6090,6 +7546,7 @@
                   </a:solidFill>
                 </a:uFill>
                 <a:latin typeface="Arial"/>
+                <a:ea typeface="DejaVu Sans"/>
               </a:rPr>
               <a:t>  </a:t>
             </a:r>
@@ -6104,6 +7561,7 @@
                   </a:solidFill>
                 </a:uFill>
                 <a:latin typeface="Arial"/>
+                <a:ea typeface="DejaVu Sans"/>
               </a:rPr>
               <a:t>  </a:t>
             </a:r>
@@ -6123,14 +7581,14 @@
       </p:sp>
       <p:sp>
         <p:nvSpPr>
-          <p:cNvPr id="79" name="TextShape 3"/>
-          <p:cNvSpPr txBox="1"/>
+          <p:cNvPr id="84" name="CustomShape 3"/>
+          <p:cNvSpPr/>
           <p:nvPr/>
         </p:nvSpPr>
         <p:spPr>
           <a:xfrm>
             <a:off x="549000" y="6614640"/>
-            <a:ext cx="4002840" cy="426600"/>
+            <a:ext cx="4002120" cy="425880"/>
           </a:xfrm>
           <a:prstGeom prst="rect">
             <a:avLst/>
@@ -6140,10 +7598,16 @@
             <a:noFill/>
           </a:ln>
         </p:spPr>
+        <p:style>
+          <a:lnRef idx="0"/>
+          <a:fillRef idx="0"/>
+          <a:effectRef idx="0"/>
+          <a:fontRef idx="minor"/>
+        </p:style>
         <p:txBody>
           <a:bodyPr lIns="90000" rIns="90000" tIns="45000" bIns="45000"/>
           <a:p>
-            <a:fld id="{F992F07D-2465-40D8-B582-78D3A210B6C4}" type="slidenum">
+            <a:r>
               <a:rPr b="0" lang="de-DE" sz="1800" spc="-1" strike="noStrike">
                 <a:solidFill>
                   <a:srgbClr val="000000"/>
@@ -6154,9 +7618,10 @@
                   </a:solidFill>
                 </a:uFill>
                 <a:latin typeface="Arial"/>
-              </a:rPr>
-              <a:t>&lt;number&gt;</a:t>
-            </a:fld>
+                <a:ea typeface="DejaVu Sans"/>
+              </a:rPr>
+              <a:t> </a:t>
+            </a:r>
             <a:r>
               <a:rPr b="0" lang="de-DE" sz="1800" spc="-1" strike="noStrike">
                 <a:solidFill>
@@ -6168,8 +7633,9 @@
                   </a:solidFill>
                 </a:uFill>
                 <a:latin typeface="Arial"/>
-              </a:rPr>
-              <a:t> von 14 </a:t>
+                <a:ea typeface="DejaVu Sans"/>
+              </a:rPr>
+              <a:t>von 14 </a:t>
             </a:r>
             <a:endParaRPr b="0" lang="de-DE" sz="1800" spc="-1" strike="noStrike">
               <a:solidFill>
@@ -6236,7 +7702,7 @@
       </p:grpSpPr>
       <p:pic>
         <p:nvPicPr>
-          <p:cNvPr id="80" name="" descr=""/>
+          <p:cNvPr id="85" name="" descr=""/>
           <p:cNvPicPr/>
           <p:nvPr/>
         </p:nvPicPr>
@@ -6247,7 +7713,7 @@
         <p:spPr>
           <a:xfrm>
             <a:off x="1737360" y="2194560"/>
-            <a:ext cx="5951520" cy="837360"/>
+            <a:ext cx="5950800" cy="836640"/>
           </a:xfrm>
           <a:prstGeom prst="rect">
             <a:avLst/>
@@ -6259,14 +7725,14 @@
       </p:pic>
       <p:sp>
         <p:nvSpPr>
-          <p:cNvPr id="81" name="CustomShape 1"/>
+          <p:cNvPr id="86" name="CustomShape 1"/>
           <p:cNvSpPr/>
           <p:nvPr/>
         </p:nvSpPr>
         <p:spPr>
           <a:xfrm>
             <a:off x="504000" y="301320"/>
-            <a:ext cx="9071280" cy="1261800"/>
+            <a:ext cx="9070560" cy="1261080"/>
           </a:xfrm>
           <a:prstGeom prst="rect">
             <a:avLst/>
@@ -6301,6 +7767,7 @@
                   </a:solidFill>
                 </a:uFill>
                 <a:latin typeface="Arial"/>
+                <a:ea typeface="DejaVu Sans"/>
               </a:rPr>
               <a:t>Unabhängigkeit</a:t>
             </a:r>
@@ -6320,14 +7787,14 @@
       </p:sp>
       <p:sp>
         <p:nvSpPr>
-          <p:cNvPr id="82" name="CustomShape 2"/>
+          <p:cNvPr id="87" name="CustomShape 2"/>
           <p:cNvSpPr/>
           <p:nvPr/>
         </p:nvSpPr>
         <p:spPr>
           <a:xfrm>
             <a:off x="504000" y="1769040"/>
-            <a:ext cx="9071280" cy="4384080"/>
+            <a:ext cx="9070560" cy="4383360"/>
           </a:xfrm>
           <a:prstGeom prst="rect">
             <a:avLst/>
@@ -6346,7 +7813,7 @@
         <p:txBody>
           <a:bodyPr lIns="0" rIns="0" tIns="0" bIns="0"/>
           <a:p>
-            <a:pPr marL="432000" indent="-323640">
+            <a:pPr marL="432000" indent="-322920">
               <a:lnSpc>
                 <a:spcPct val="100000"/>
               </a:lnSpc>
@@ -6368,6 +7835,7 @@
                   </a:solidFill>
                 </a:uFill>
                 <a:latin typeface="Arial"/>
+                <a:ea typeface="DejaVu Sans"/>
               </a:rPr>
               <a:t>Unabhängigkeit:</a:t>
             </a:r>
@@ -6402,7 +7870,7 @@
             </a:endParaRPr>
           </a:p>
           <a:p>
-            <a:pPr marL="432000" indent="-323640">
+            <a:pPr marL="432000" indent="-322920">
               <a:lnSpc>
                 <a:spcPct val="100000"/>
               </a:lnSpc>
@@ -6424,6 +7892,7 @@
                   </a:solidFill>
                 </a:uFill>
                 <a:latin typeface="Arial"/>
+                <a:ea typeface="DejaVu Sans"/>
               </a:rPr>
               <a:t>Unabhängigkeit bei bedingten Wahrscheinlichkeiten: </a:t>
             </a:r>
@@ -6461,7 +7930,7 @@
       </p:sp>
       <p:pic>
         <p:nvPicPr>
-          <p:cNvPr id="83" name="" descr=""/>
+          <p:cNvPr id="88" name="" descr=""/>
           <p:cNvPicPr/>
           <p:nvPr/>
         </p:nvPicPr>
@@ -6472,7 +7941,7 @@
         <p:spPr>
           <a:xfrm>
             <a:off x="2103120" y="3931920"/>
-            <a:ext cx="5989680" cy="1361160"/>
+            <a:ext cx="5988960" cy="1360440"/>
           </a:xfrm>
           <a:prstGeom prst="rect">
             <a:avLst/>
@@ -6484,14 +7953,14 @@
       </p:pic>
       <p:sp>
         <p:nvSpPr>
-          <p:cNvPr id="84" name="TextShape 3"/>
-          <p:cNvSpPr txBox="1"/>
+          <p:cNvPr id="89" name="CustomShape 3"/>
+          <p:cNvSpPr/>
           <p:nvPr/>
         </p:nvSpPr>
         <p:spPr>
           <a:xfrm>
             <a:off x="549000" y="6614640"/>
-            <a:ext cx="4002840" cy="426600"/>
+            <a:ext cx="4002120" cy="425880"/>
           </a:xfrm>
           <a:prstGeom prst="rect">
             <a:avLst/>
@@ -6501,10 +7970,16 @@
             <a:noFill/>
           </a:ln>
         </p:spPr>
+        <p:style>
+          <a:lnRef idx="0"/>
+          <a:fillRef idx="0"/>
+          <a:effectRef idx="0"/>
+          <a:fontRef idx="minor"/>
+        </p:style>
         <p:txBody>
           <a:bodyPr lIns="90000" rIns="90000" tIns="45000" bIns="45000"/>
           <a:p>
-            <a:fld id="{E7DB1D5C-143D-4E43-86EE-DAFBBABA901D}" type="slidenum">
+            <a:r>
               <a:rPr b="0" lang="de-DE" sz="1800" spc="-1" strike="noStrike">
                 <a:solidFill>
                   <a:srgbClr val="000000"/>
@@ -6515,9 +7990,10 @@
                   </a:solidFill>
                 </a:uFill>
                 <a:latin typeface="Arial"/>
-              </a:rPr>
-              <a:t>&lt;number&gt;</a:t>
-            </a:fld>
+                <a:ea typeface="DejaVu Sans"/>
+              </a:rPr>
+              <a:t> </a:t>
+            </a:r>
             <a:r>
               <a:rPr b="0" lang="de-DE" sz="1800" spc="-1" strike="noStrike">
                 <a:solidFill>
@@ -6529,8 +8005,9 @@
                   </a:solidFill>
                 </a:uFill>
                 <a:latin typeface="Arial"/>
-              </a:rPr>
-              <a:t> von 14 </a:t>
+                <a:ea typeface="DejaVu Sans"/>
+              </a:rPr>
+              <a:t>von 14 </a:t>
             </a:r>
             <a:endParaRPr b="0" lang="de-DE" sz="1800" spc="-1" strike="noStrike">
               <a:solidFill>
@@ -6597,14 +8074,14 @@
       </p:grpSpPr>
       <p:sp>
         <p:nvSpPr>
-          <p:cNvPr id="85" name="CustomShape 1"/>
+          <p:cNvPr id="90" name="CustomShape 1"/>
           <p:cNvSpPr/>
           <p:nvPr/>
         </p:nvSpPr>
         <p:spPr>
           <a:xfrm>
             <a:off x="504000" y="301320"/>
-            <a:ext cx="9071280" cy="1261800"/>
+            <a:ext cx="9070560" cy="1261080"/>
           </a:xfrm>
           <a:prstGeom prst="rect">
             <a:avLst/>
@@ -6639,6 +8116,7 @@
                   </a:solidFill>
                 </a:uFill>
                 <a:latin typeface="Arial"/>
+                <a:ea typeface="DejaVu Sans"/>
               </a:rPr>
               <a:t>Bedingte Unabhängigkeit</a:t>
             </a:r>
@@ -6658,14 +8136,14 @@
       </p:sp>
       <p:sp>
         <p:nvSpPr>
-          <p:cNvPr id="86" name="CustomShape 2"/>
+          <p:cNvPr id="91" name="CustomShape 2"/>
           <p:cNvSpPr/>
           <p:nvPr/>
         </p:nvSpPr>
         <p:spPr>
           <a:xfrm>
             <a:off x="504000" y="1769040"/>
-            <a:ext cx="9071280" cy="4384080"/>
+            <a:ext cx="9070560" cy="4383360"/>
           </a:xfrm>
           <a:prstGeom prst="rect">
             <a:avLst/>
@@ -6684,7 +8162,7 @@
       </p:sp>
       <p:pic>
         <p:nvPicPr>
-          <p:cNvPr id="87" name="" descr=""/>
+          <p:cNvPr id="92" name="" descr=""/>
           <p:cNvPicPr/>
           <p:nvPr/>
         </p:nvPicPr>
@@ -6695,7 +8173,7 @@
         <p:spPr>
           <a:xfrm>
             <a:off x="971280" y="2572560"/>
-            <a:ext cx="7989480" cy="1084680"/>
+            <a:ext cx="7988760" cy="1083960"/>
           </a:xfrm>
           <a:prstGeom prst="rect">
             <a:avLst/>
@@ -6707,14 +8185,14 @@
       </p:pic>
       <p:sp>
         <p:nvSpPr>
-          <p:cNvPr id="88" name="TextShape 3"/>
-          <p:cNvSpPr txBox="1"/>
+          <p:cNvPr id="93" name="CustomShape 3"/>
+          <p:cNvSpPr/>
           <p:nvPr/>
         </p:nvSpPr>
         <p:spPr>
           <a:xfrm>
             <a:off x="549000" y="6614640"/>
-            <a:ext cx="4002840" cy="426600"/>
+            <a:ext cx="4002120" cy="425880"/>
           </a:xfrm>
           <a:prstGeom prst="rect">
             <a:avLst/>
@@ -6724,10 +8202,16 @@
             <a:noFill/>
           </a:ln>
         </p:spPr>
+        <p:style>
+          <a:lnRef idx="0"/>
+          <a:fillRef idx="0"/>
+          <a:effectRef idx="0"/>
+          <a:fontRef idx="minor"/>
+        </p:style>
         <p:txBody>
           <a:bodyPr lIns="90000" rIns="90000" tIns="45000" bIns="45000"/>
           <a:p>
-            <a:fld id="{49ECAB2A-C7E2-4892-AB90-33B97508BE6B}" type="slidenum">
+            <a:r>
               <a:rPr b="0" lang="de-DE" sz="1800" spc="-1" strike="noStrike">
                 <a:solidFill>
                   <a:srgbClr val="000000"/>
@@ -6738,9 +8222,10 @@
                   </a:solidFill>
                 </a:uFill>
                 <a:latin typeface="Arial"/>
-              </a:rPr>
-              <a:t>&lt;number&gt;</a:t>
-            </a:fld>
+                <a:ea typeface="DejaVu Sans"/>
+              </a:rPr>
+              <a:t> </a:t>
+            </a:r>
             <a:r>
               <a:rPr b="0" lang="de-DE" sz="1800" spc="-1" strike="noStrike">
                 <a:solidFill>
@@ -6752,8 +8237,9 @@
                   </a:solidFill>
                 </a:uFill>
                 <a:latin typeface="Arial"/>
-              </a:rPr>
-              <a:t> von 14 </a:t>
+                <a:ea typeface="DejaVu Sans"/>
+              </a:rPr>
+              <a:t>von 14 </a:t>
             </a:r>
             <a:endParaRPr b="0" lang="de-DE" sz="1800" spc="-1" strike="noStrike">
               <a:solidFill>
@@ -6820,14 +8306,14 @@
       </p:grpSpPr>
       <p:sp>
         <p:nvSpPr>
-          <p:cNvPr id="89" name="CustomShape 1"/>
+          <p:cNvPr id="94" name="CustomShape 1"/>
           <p:cNvSpPr/>
           <p:nvPr/>
         </p:nvSpPr>
         <p:spPr>
           <a:xfrm>
             <a:off x="504000" y="301320"/>
-            <a:ext cx="9071280" cy="1261800"/>
+            <a:ext cx="9070560" cy="1261080"/>
           </a:xfrm>
           <a:prstGeom prst="rect">
             <a:avLst/>
@@ -6862,6 +8348,7 @@
                   </a:solidFill>
                 </a:uFill>
                 <a:latin typeface="Arial"/>
+                <a:ea typeface="DejaVu Sans"/>
               </a:rPr>
               <a:t>Beispiel nach [Perl88]</a:t>
             </a:r>
@@ -6881,14 +8368,14 @@
       </p:sp>
       <p:sp>
         <p:nvSpPr>
-          <p:cNvPr id="90" name="CustomShape 2"/>
+          <p:cNvPr id="95" name="CustomShape 2"/>
           <p:cNvSpPr/>
           <p:nvPr/>
         </p:nvSpPr>
         <p:spPr>
           <a:xfrm>
             <a:off x="504000" y="1769040"/>
-            <a:ext cx="9071280" cy="4384080"/>
+            <a:ext cx="9070560" cy="4383360"/>
           </a:xfrm>
           <a:prstGeom prst="rect">
             <a:avLst/>
@@ -6907,7 +8394,7 @@
       </p:sp>
       <p:pic>
         <p:nvPicPr>
-          <p:cNvPr id="91" name="" descr=""/>
+          <p:cNvPr id="96" name="" descr=""/>
           <p:cNvPicPr/>
           <p:nvPr/>
         </p:nvPicPr>
@@ -6918,7 +8405,7 @@
         <p:spPr>
           <a:xfrm>
             <a:off x="3889080" y="2324880"/>
-            <a:ext cx="2237040" cy="2703960"/>
+            <a:ext cx="2236320" cy="2703240"/>
           </a:xfrm>
           <a:prstGeom prst="rect">
             <a:avLst/>
@@ -6930,14 +8417,14 @@
       </p:pic>
       <p:sp>
         <p:nvSpPr>
-          <p:cNvPr id="92" name="TextShape 3"/>
-          <p:cNvSpPr txBox="1"/>
+          <p:cNvPr id="97" name="CustomShape 3"/>
+          <p:cNvSpPr/>
           <p:nvPr/>
         </p:nvSpPr>
         <p:spPr>
           <a:xfrm>
             <a:off x="549000" y="6614640"/>
-            <a:ext cx="4002840" cy="426600"/>
+            <a:ext cx="4002120" cy="425880"/>
           </a:xfrm>
           <a:prstGeom prst="rect">
             <a:avLst/>
@@ -6947,10 +8434,16 @@
             <a:noFill/>
           </a:ln>
         </p:spPr>
+        <p:style>
+          <a:lnRef idx="0"/>
+          <a:fillRef idx="0"/>
+          <a:effectRef idx="0"/>
+          <a:fontRef idx="minor"/>
+        </p:style>
         <p:txBody>
           <a:bodyPr lIns="90000" rIns="90000" tIns="45000" bIns="45000"/>
           <a:p>
-            <a:fld id="{E6ED1428-82AF-4871-88DF-D4ADF47EA127}" type="slidenum">
+            <a:r>
               <a:rPr b="0" lang="de-DE" sz="1800" spc="-1" strike="noStrike">
                 <a:solidFill>
                   <a:srgbClr val="000000"/>
@@ -6961,9 +8454,10 @@
                   </a:solidFill>
                 </a:uFill>
                 <a:latin typeface="Arial"/>
-              </a:rPr>
-              <a:t>&lt;number&gt;</a:t>
-            </a:fld>
+                <a:ea typeface="DejaVu Sans"/>
+              </a:rPr>
+              <a:t> </a:t>
+            </a:r>
             <a:r>
               <a:rPr b="0" lang="de-DE" sz="1800" spc="-1" strike="noStrike">
                 <a:solidFill>
@@ -6975,8 +8469,9 @@
                   </a:solidFill>
                 </a:uFill>
                 <a:latin typeface="Arial"/>
-              </a:rPr>
-              <a:t> von 14 </a:t>
+                <a:ea typeface="DejaVu Sans"/>
+              </a:rPr>
+              <a:t>von 14 </a:t>
             </a:r>
             <a:endParaRPr b="0" lang="de-DE" sz="1800" spc="-1" strike="noStrike">
               <a:solidFill>
@@ -7043,14 +8538,14 @@
       </p:grpSpPr>
       <p:sp>
         <p:nvSpPr>
-          <p:cNvPr id="93" name="CustomShape 1"/>
+          <p:cNvPr id="98" name="CustomShape 1"/>
           <p:cNvSpPr/>
           <p:nvPr/>
         </p:nvSpPr>
         <p:spPr>
           <a:xfrm>
             <a:off x="504000" y="301320"/>
-            <a:ext cx="9071280" cy="1261800"/>
+            <a:ext cx="9070560" cy="1261080"/>
           </a:xfrm>
           <a:prstGeom prst="rect">
             <a:avLst/>
@@ -7085,6 +8580,7 @@
                   </a:solidFill>
                 </a:uFill>
                 <a:latin typeface="Arial"/>
+                <a:ea typeface="DejaVu Sans"/>
               </a:rPr>
               <a:t>Beispiel(2)</a:t>
             </a:r>
@@ -7104,14 +8600,14 @@
       </p:sp>
       <p:sp>
         <p:nvSpPr>
-          <p:cNvPr id="94" name="CustomShape 2"/>
+          <p:cNvPr id="99" name="CustomShape 2"/>
           <p:cNvSpPr/>
           <p:nvPr/>
         </p:nvSpPr>
         <p:spPr>
           <a:xfrm>
             <a:off x="504000" y="1769040"/>
-            <a:ext cx="9071280" cy="4384080"/>
+            <a:ext cx="9070560" cy="4383360"/>
           </a:xfrm>
           <a:prstGeom prst="rect">
             <a:avLst/>
@@ -7130,7 +8626,7 @@
       </p:sp>
       <p:pic>
         <p:nvPicPr>
-          <p:cNvPr id="95" name="" descr=""/>
+          <p:cNvPr id="100" name="" descr=""/>
           <p:cNvPicPr/>
           <p:nvPr/>
         </p:nvPicPr>
@@ -7141,7 +8637,7 @@
         <p:spPr>
           <a:xfrm>
             <a:off x="1737360" y="2489400"/>
-            <a:ext cx="3589560" cy="2732400"/>
+            <a:ext cx="3588840" cy="2731680"/>
           </a:xfrm>
           <a:prstGeom prst="rect">
             <a:avLst/>
@@ -7153,7 +8649,7 @@
       </p:pic>
       <p:pic>
         <p:nvPicPr>
-          <p:cNvPr id="96" name="" descr=""/>
+          <p:cNvPr id="101" name="" descr=""/>
           <p:cNvPicPr/>
           <p:nvPr/>
         </p:nvPicPr>
@@ -7164,7 +8660,7 @@
         <p:spPr>
           <a:xfrm>
             <a:off x="6281640" y="2926080"/>
-            <a:ext cx="2313360" cy="1513440"/>
+            <a:ext cx="2312640" cy="1512720"/>
           </a:xfrm>
           <a:prstGeom prst="rect">
             <a:avLst/>
@@ -7176,14 +8672,14 @@
       </p:pic>
       <p:sp>
         <p:nvSpPr>
-          <p:cNvPr id="97" name="TextShape 3"/>
-          <p:cNvSpPr txBox="1"/>
+          <p:cNvPr id="102" name="CustomShape 3"/>
+          <p:cNvSpPr/>
           <p:nvPr/>
         </p:nvSpPr>
         <p:spPr>
           <a:xfrm>
             <a:off x="549000" y="6614640"/>
-            <a:ext cx="4002840" cy="426600"/>
+            <a:ext cx="4002120" cy="425880"/>
           </a:xfrm>
           <a:prstGeom prst="rect">
             <a:avLst/>
@@ -7193,10 +8689,16 @@
             <a:noFill/>
           </a:ln>
         </p:spPr>
+        <p:style>
+          <a:lnRef idx="0"/>
+          <a:fillRef idx="0"/>
+          <a:effectRef idx="0"/>
+          <a:fontRef idx="minor"/>
+        </p:style>
         <p:txBody>
           <a:bodyPr lIns="90000" rIns="90000" tIns="45000" bIns="45000"/>
           <a:p>
-            <a:fld id="{C5B60DB0-96E2-4659-9EF8-483735E2B526}" type="slidenum">
+            <a:r>
               <a:rPr b="0" lang="de-DE" sz="1800" spc="-1" strike="noStrike">
                 <a:solidFill>
                   <a:srgbClr val="000000"/>
@@ -7207,9 +8709,10 @@
                   </a:solidFill>
                 </a:uFill>
                 <a:latin typeface="Arial"/>
-              </a:rPr>
-              <a:t>&lt;number&gt;</a:t>
-            </a:fld>
+                <a:ea typeface="DejaVu Sans"/>
+              </a:rPr>
+              <a:t> </a:t>
+            </a:r>
             <a:r>
               <a:rPr b="0" lang="de-DE" sz="1800" spc="-1" strike="noStrike">
                 <a:solidFill>
@@ -7221,8 +8724,9 @@
                   </a:solidFill>
                 </a:uFill>
                 <a:latin typeface="Arial"/>
-              </a:rPr>
-              <a:t> von 14 </a:t>
+                <a:ea typeface="DejaVu Sans"/>
+              </a:rPr>
+              <a:t>von 14 </a:t>
             </a:r>
             <a:endParaRPr b="0" lang="de-DE" sz="1800" spc="-1" strike="noStrike">
               <a:solidFill>
@@ -7289,14 +8793,14 @@
       </p:grpSpPr>
       <p:sp>
         <p:nvSpPr>
-          <p:cNvPr id="98" name="CustomShape 1"/>
+          <p:cNvPr id="103" name="CustomShape 1"/>
           <p:cNvSpPr/>
           <p:nvPr/>
         </p:nvSpPr>
         <p:spPr>
           <a:xfrm>
             <a:off x="504000" y="301320"/>
-            <a:ext cx="9071280" cy="1261800"/>
+            <a:ext cx="9070560" cy="1261080"/>
           </a:xfrm>
           <a:prstGeom prst="rect">
             <a:avLst/>
@@ -7331,6 +8835,7 @@
                   </a:solidFill>
                 </a:uFill>
                 <a:latin typeface="Arial"/>
+                <a:ea typeface="DejaVu Sans"/>
               </a:rPr>
               <a:t>Beispiel(3)</a:t>
             </a:r>
@@ -7350,14 +8855,14 @@
       </p:sp>
       <p:sp>
         <p:nvSpPr>
-          <p:cNvPr id="99" name="CustomShape 2"/>
+          <p:cNvPr id="104" name="CustomShape 2"/>
           <p:cNvSpPr/>
           <p:nvPr/>
         </p:nvSpPr>
         <p:spPr>
           <a:xfrm>
             <a:off x="504000" y="1769040"/>
-            <a:ext cx="9071280" cy="4384080"/>
+            <a:ext cx="9070560" cy="4383360"/>
           </a:xfrm>
           <a:prstGeom prst="rect">
             <a:avLst/>
@@ -7376,7 +8881,7 @@
       </p:sp>
       <p:pic>
         <p:nvPicPr>
-          <p:cNvPr id="100" name="" descr=""/>
+          <p:cNvPr id="105" name="" descr=""/>
           <p:cNvPicPr/>
           <p:nvPr/>
         </p:nvPicPr>
@@ -7387,7 +8892,7 @@
         <p:spPr>
           <a:xfrm>
             <a:off x="1188720" y="1393920"/>
-            <a:ext cx="8151480" cy="5189400"/>
+            <a:ext cx="8150760" cy="5188680"/>
           </a:xfrm>
           <a:prstGeom prst="rect">
             <a:avLst/>
@@ -7399,14 +8904,14 @@
       </p:pic>
       <p:sp>
         <p:nvSpPr>
-          <p:cNvPr id="101" name="CustomShape 3"/>
+          <p:cNvPr id="106" name="CustomShape 3"/>
           <p:cNvSpPr/>
           <p:nvPr/>
         </p:nvSpPr>
         <p:spPr>
           <a:xfrm>
             <a:off x="6492240" y="6786360"/>
-            <a:ext cx="3382920" cy="345960"/>
+            <a:ext cx="3382200" cy="345240"/>
           </a:xfrm>
           <a:prstGeom prst="rect">
             <a:avLst/>
@@ -7436,6 +8941,7 @@
                   </a:solidFill>
                 </a:uFill>
                 <a:latin typeface="Arial"/>
+                <a:ea typeface="DejaVu Sans"/>
               </a:rPr>
               <a:t>Quelle: Ertel16</a:t>
             </a:r>
@@ -7455,14 +8961,14 @@
       </p:sp>
       <p:sp>
         <p:nvSpPr>
-          <p:cNvPr id="102" name="TextShape 4"/>
-          <p:cNvSpPr txBox="1"/>
+          <p:cNvPr id="107" name="CustomShape 4"/>
+          <p:cNvSpPr/>
           <p:nvPr/>
         </p:nvSpPr>
         <p:spPr>
           <a:xfrm>
             <a:off x="549000" y="6614640"/>
-            <a:ext cx="4002840" cy="426600"/>
+            <a:ext cx="4002120" cy="425880"/>
           </a:xfrm>
           <a:prstGeom prst="rect">
             <a:avLst/>
@@ -7472,10 +8978,16 @@
             <a:noFill/>
           </a:ln>
         </p:spPr>
+        <p:style>
+          <a:lnRef idx="0"/>
+          <a:fillRef idx="0"/>
+          <a:effectRef idx="0"/>
+          <a:fontRef idx="minor"/>
+        </p:style>
         <p:txBody>
           <a:bodyPr lIns="90000" rIns="90000" tIns="45000" bIns="45000"/>
           <a:p>
-            <a:fld id="{7DE6C69F-A648-45CB-9C18-E1CF76BB3878}" type="slidenum">
+            <a:r>
               <a:rPr b="0" lang="de-DE" sz="1800" spc="-1" strike="noStrike">
                 <a:solidFill>
                   <a:srgbClr val="000000"/>
@@ -7486,9 +8998,10 @@
                   </a:solidFill>
                 </a:uFill>
                 <a:latin typeface="Arial"/>
-              </a:rPr>
-              <a:t>&lt;number&gt;</a:t>
-            </a:fld>
+                <a:ea typeface="DejaVu Sans"/>
+              </a:rPr>
+              <a:t> </a:t>
+            </a:r>
             <a:r>
               <a:rPr b="0" lang="de-DE" sz="1800" spc="-1" strike="noStrike">
                 <a:solidFill>
@@ -7500,8 +9013,9 @@
                   </a:solidFill>
                 </a:uFill>
                 <a:latin typeface="Arial"/>
-              </a:rPr>
-              <a:t> von 14 </a:t>
+                <a:ea typeface="DejaVu Sans"/>
+              </a:rPr>
+              <a:t>von 14 </a:t>
             </a:r>
             <a:endParaRPr b="0" lang="de-DE" sz="1800" spc="-1" strike="noStrike">
               <a:solidFill>
@@ -7568,14 +9082,14 @@
       </p:grpSpPr>
       <p:sp>
         <p:nvSpPr>
-          <p:cNvPr id="103" name="CustomShape 1"/>
+          <p:cNvPr id="108" name="CustomShape 1"/>
           <p:cNvSpPr/>
           <p:nvPr/>
         </p:nvSpPr>
         <p:spPr>
           <a:xfrm>
             <a:off x="504000" y="301320"/>
-            <a:ext cx="9071280" cy="1261800"/>
+            <a:ext cx="9070560" cy="1261080"/>
           </a:xfrm>
           <a:prstGeom prst="rect">
             <a:avLst/>
@@ -7610,6 +9124,7 @@
                   </a:solidFill>
                 </a:uFill>
                 <a:latin typeface="Arial"/>
+                <a:ea typeface="DejaVu Sans"/>
               </a:rPr>
               <a:t>Beispiel(4)</a:t>
             </a:r>
@@ -7629,14 +9144,14 @@
       </p:sp>
       <p:sp>
         <p:nvSpPr>
-          <p:cNvPr id="104" name="CustomShape 2"/>
+          <p:cNvPr id="109" name="CustomShape 2"/>
           <p:cNvSpPr/>
           <p:nvPr/>
         </p:nvSpPr>
         <p:spPr>
           <a:xfrm>
             <a:off x="504000" y="1769040"/>
-            <a:ext cx="9071280" cy="4384080"/>
+            <a:ext cx="9070560" cy="4383360"/>
           </a:xfrm>
           <a:prstGeom prst="rect">
             <a:avLst/>
@@ -7655,7 +9170,7 @@
         <p:txBody>
           <a:bodyPr lIns="0" rIns="0" tIns="0" bIns="0"/>
           <a:p>
-            <a:pPr marL="432000" indent="-323640">
+            <a:pPr marL="432000" indent="-322920">
               <a:lnSpc>
                 <a:spcPct val="100000"/>
               </a:lnSpc>
@@ -7677,6 +9192,7 @@
                   </a:solidFill>
                 </a:uFill>
                 <a:latin typeface="Arial"/>
+                <a:ea typeface="DejaVu Sans"/>
               </a:rPr>
               <a:t>Bedingte Unabhängigkeit:</a:t>
             </a:r>
@@ -7693,7 +9209,7 @@
             </a:endParaRPr>
           </a:p>
           <a:p>
-            <a:pPr marL="432000" indent="-323640">
+            <a:pPr marL="432000" indent="-322920">
               <a:lnSpc>
                 <a:spcPct val="100000"/>
               </a:lnSpc>
@@ -7715,6 +9231,7 @@
                   </a:solidFill>
                 </a:uFill>
                 <a:latin typeface="Arial"/>
+                <a:ea typeface="DejaVu Sans"/>
               </a:rPr>
               <a:t> </a:t>
             </a:r>
@@ -7734,7 +9251,7 @@
       </p:sp>
       <p:pic>
         <p:nvPicPr>
-          <p:cNvPr id="105" name="" descr=""/>
+          <p:cNvPr id="110" name="" descr=""/>
           <p:cNvPicPr/>
           <p:nvPr/>
         </p:nvPicPr>
@@ -7745,7 +9262,7 @@
         <p:spPr>
           <a:xfrm>
             <a:off x="1188720" y="3200400"/>
-            <a:ext cx="7420320" cy="904320"/>
+            <a:ext cx="7419600" cy="903600"/>
           </a:xfrm>
           <a:prstGeom prst="rect">
             <a:avLst/>
@@ -7757,14 +9274,14 @@
       </p:pic>
       <p:sp>
         <p:nvSpPr>
-          <p:cNvPr id="106" name="TextShape 3"/>
-          <p:cNvSpPr txBox="1"/>
+          <p:cNvPr id="111" name="CustomShape 3"/>
+          <p:cNvSpPr/>
           <p:nvPr/>
         </p:nvSpPr>
         <p:spPr>
           <a:xfrm>
             <a:off x="549000" y="6614640"/>
-            <a:ext cx="4002840" cy="426600"/>
+            <a:ext cx="4002120" cy="425880"/>
           </a:xfrm>
           <a:prstGeom prst="rect">
             <a:avLst/>
@@ -7774,10 +9291,16 @@
             <a:noFill/>
           </a:ln>
         </p:spPr>
+        <p:style>
+          <a:lnRef idx="0"/>
+          <a:fillRef idx="0"/>
+          <a:effectRef idx="0"/>
+          <a:fontRef idx="minor"/>
+        </p:style>
         <p:txBody>
           <a:bodyPr lIns="90000" rIns="90000" tIns="45000" bIns="45000"/>
           <a:p>
-            <a:fld id="{DCC0211D-BEF2-49B8-9EF7-A25BF3F19B70}" type="slidenum">
+            <a:r>
               <a:rPr b="0" lang="de-DE" sz="1800" spc="-1" strike="noStrike">
                 <a:solidFill>
                   <a:srgbClr val="000000"/>
@@ -7788,9 +9311,10 @@
                   </a:solidFill>
                 </a:uFill>
                 <a:latin typeface="Arial"/>
-              </a:rPr>
-              <a:t>&lt;number&gt;</a:t>
-            </a:fld>
+                <a:ea typeface="DejaVu Sans"/>
+              </a:rPr>
+              <a:t> </a:t>
+            </a:r>
             <a:r>
               <a:rPr b="0" lang="de-DE" sz="1800" spc="-1" strike="noStrike">
                 <a:solidFill>
@@ -7802,8 +9326,9 @@
                   </a:solidFill>
                 </a:uFill>
                 <a:latin typeface="Arial"/>
-              </a:rPr>
-              <a:t> von 14 </a:t>
+                <a:ea typeface="DejaVu Sans"/>
+              </a:rPr>
+              <a:t>von 14 </a:t>
             </a:r>
             <a:endParaRPr b="0" lang="de-DE" sz="1800" spc="-1" strike="noStrike">
               <a:solidFill>
@@ -8295,4 +9820,227 @@
     </a:fmtScheme>
   </a:themeElements>
 </a:theme>
+</file>
+
+<file path=ppt/theme/theme3.xml><?xml version="1.0" encoding="utf-8"?>
+<a:theme xmlns:a="http://schemas.openxmlformats.org/drawingml/2006/main" name="Office Theme">
+  <a:themeElements>
+    <a:clrScheme name="Office">
+      <a:dk1>
+        <a:sysClr val="windowText" lastClr="000000"/>
+      </a:dk1>
+      <a:lt1>
+        <a:sysClr val="window" lastClr="FFFFFF"/>
+      </a:lt1>
+      <a:dk2>
+        <a:srgbClr val="1F497D"/>
+      </a:dk2>
+      <a:lt2>
+        <a:srgbClr val="EEECE1"/>
+      </a:lt2>
+      <a:accent1>
+        <a:srgbClr val="4F81BD"/>
+      </a:accent1>
+      <a:accent2>
+        <a:srgbClr val="C0504D"/>
+      </a:accent2>
+      <a:accent3>
+        <a:srgbClr val="9BBB59"/>
+      </a:accent3>
+      <a:accent4>
+        <a:srgbClr val="8064A2"/>
+      </a:accent4>
+      <a:accent5>
+        <a:srgbClr val="4BACC6"/>
+      </a:accent5>
+      <a:accent6>
+        <a:srgbClr val="F79646"/>
+      </a:accent6>
+      <a:hlink>
+        <a:srgbClr val="0000FF"/>
+      </a:hlink>
+      <a:folHlink>
+        <a:srgbClr val="800080"/>
+      </a:folHlink>
+    </a:clrScheme>
+    <a:fontScheme name="Office">
+      <a:majorFont>
+        <a:latin typeface="Arial"/>
+        <a:ea typeface="DejaVu Sans"/>
+        <a:cs typeface="DejaVu Sans"/>
+      </a:majorFont>
+      <a:minorFont>
+        <a:latin typeface="Arial"/>
+        <a:ea typeface="DejaVu Sans"/>
+        <a:cs typeface="DejaVu Sans"/>
+      </a:minorFont>
+    </a:fontScheme>
+    <a:fmtScheme name="Office">
+      <a:fillStyleLst>
+        <a:solidFill>
+          <a:schemeClr val="phClr"/>
+        </a:solidFill>
+        <a:gradFill rotWithShape="1">
+          <a:gsLst>
+            <a:gs pos="0">
+              <a:schemeClr val="phClr">
+                <a:tint val="50000"/>
+                <a:satMod val="300000"/>
+              </a:schemeClr>
+            </a:gs>
+            <a:gs pos="35000">
+              <a:schemeClr val="phClr">
+                <a:tint val="37000"/>
+                <a:satMod val="300000"/>
+              </a:schemeClr>
+            </a:gs>
+            <a:gs pos="100000">
+              <a:schemeClr val="phClr">
+                <a:tint val="15000"/>
+                <a:satMod val="350000"/>
+              </a:schemeClr>
+            </a:gs>
+          </a:gsLst>
+          <a:lin ang="16200000" scaled="1"/>
+        </a:gradFill>
+        <a:gradFill rotWithShape="1">
+          <a:gsLst>
+            <a:gs pos="0">
+              <a:schemeClr val="phClr">
+                <a:shade val="51000"/>
+                <a:satMod val="130000"/>
+              </a:schemeClr>
+            </a:gs>
+            <a:gs pos="80000">
+              <a:schemeClr val="phClr">
+                <a:shade val="93000"/>
+                <a:satMod val="130000"/>
+              </a:schemeClr>
+            </a:gs>
+            <a:gs pos="100000">
+              <a:schemeClr val="phClr">
+                <a:shade val="94000"/>
+                <a:satMod val="135000"/>
+              </a:schemeClr>
+            </a:gs>
+          </a:gsLst>
+          <a:lin ang="16200000" scaled="0"/>
+        </a:gradFill>
+      </a:fillStyleLst>
+      <a:lnStyleLst>
+        <a:ln w="9525" cap="flat" cmpd="sng" algn="ctr">
+          <a:solidFill>
+            <a:schemeClr val="phClr">
+              <a:shade val="95000"/>
+              <a:satMod val="105000"/>
+            </a:schemeClr>
+          </a:solidFill>
+          <a:prstDash val="solid"/>
+        </a:ln>
+        <a:ln w="25400" cap="flat" cmpd="sng" algn="ctr">
+          <a:solidFill>
+            <a:schemeClr val="phClr"/>
+          </a:solidFill>
+          <a:prstDash val="solid"/>
+        </a:ln>
+        <a:ln w="38100" cap="flat" cmpd="sng" algn="ctr">
+          <a:solidFill>
+            <a:schemeClr val="phClr"/>
+          </a:solidFill>
+          <a:prstDash val="solid"/>
+        </a:ln>
+      </a:lnStyleLst>
+      <a:effectStyleLst>
+        <a:effectStyle>
+          <a:effectLst>
+            <a:outerShdw blurRad="40000" dist="20000" dir="5400000" rotWithShape="0">
+              <a:srgbClr val="000000">
+                <a:alpha val="38000"/>
+              </a:srgbClr>
+            </a:outerShdw>
+          </a:effectLst>
+        </a:effectStyle>
+        <a:effectStyle>
+          <a:effectLst>
+            <a:outerShdw blurRad="40000" dist="23000" dir="5400000" rotWithShape="0">
+              <a:srgbClr val="000000">
+                <a:alpha val="35000"/>
+              </a:srgbClr>
+            </a:outerShdw>
+          </a:effectLst>
+        </a:effectStyle>
+        <a:effectStyle>
+          <a:effectLst>
+            <a:outerShdw blurRad="40000" dist="23000" dir="5400000" rotWithShape="0">
+              <a:srgbClr val="000000">
+                <a:alpha val="35000"/>
+              </a:srgbClr>
+            </a:outerShdw>
+          </a:effectLst>
+          <a:scene3d>
+            <a:camera prst="orthographicFront">
+              <a:rot lat="0" lon="0" rev="0"/>
+            </a:camera>
+            <a:lightRig rig="threePt" dir="t">
+              <a:rot lat="0" lon="0" rev="1200000"/>
+            </a:lightRig>
+          </a:scene3d>
+          <a:sp3d>
+            <a:bevelT w="63500" h="25400"/>
+          </a:sp3d>
+        </a:effectStyle>
+      </a:effectStyleLst>
+      <a:bgFillStyleLst>
+        <a:solidFill>
+          <a:schemeClr val="phClr"/>
+        </a:solidFill>
+        <a:gradFill rotWithShape="1">
+          <a:gsLst>
+            <a:gs pos="0">
+              <a:schemeClr val="phClr">
+                <a:tint val="40000"/>
+                <a:satMod val="350000"/>
+              </a:schemeClr>
+            </a:gs>
+            <a:gs pos="40000">
+              <a:schemeClr val="phClr">
+                <a:tint val="45000"/>
+                <a:shade val="99000"/>
+                <a:satMod val="350000"/>
+              </a:schemeClr>
+            </a:gs>
+            <a:gs pos="100000">
+              <a:schemeClr val="phClr">
+                <a:shade val="20000"/>
+                <a:satMod val="255000"/>
+              </a:schemeClr>
+            </a:gs>
+          </a:gsLst>
+          <a:path path="circle">
+            <a:fillToRect l="50000" t="-80000" r="50000" b="180000"/>
+          </a:path>
+        </a:gradFill>
+        <a:gradFill rotWithShape="1">
+          <a:gsLst>
+            <a:gs pos="0">
+              <a:schemeClr val="phClr">
+                <a:tint val="80000"/>
+                <a:satMod val="300000"/>
+              </a:schemeClr>
+            </a:gs>
+            <a:gs pos="100000">
+              <a:schemeClr val="phClr">
+                <a:shade val="30000"/>
+                <a:satMod val="200000"/>
+              </a:schemeClr>
+            </a:gs>
+          </a:gsLst>
+          <a:path path="circle">
+            <a:fillToRect l="50000" t="50000" r="50000" b="50000"/>
+          </a:path>
+        </a:gradFill>
+      </a:bgFillStyleLst>
+    </a:fmtScheme>
+  </a:themeElements>
+</a:theme>
 </file>
--- a/praesi.pptx
+++ b/praesi.pptx
@@ -4,27 +4,28 @@
   <p:sldMasterIdLst>
     <p:sldMasterId id="2147483648" r:id="rId2"/>
     <p:sldMasterId id="2147483661" r:id="rId3"/>
+    <p:sldMasterId id="2147483674" r:id="rId4"/>
   </p:sldMasterIdLst>
   <p:notesMasterIdLst>
-    <p:notesMasterId r:id="rId4"/>
+    <p:notesMasterId r:id="rId5"/>
   </p:notesMasterIdLst>
   <p:sldIdLst>
-    <p:sldId id="256" r:id="rId5"/>
-    <p:sldId id="257" r:id="rId6"/>
-    <p:sldId id="258" r:id="rId7"/>
-    <p:sldId id="259" r:id="rId8"/>
-    <p:sldId id="260" r:id="rId9"/>
-    <p:sldId id="261" r:id="rId10"/>
-    <p:sldId id="262" r:id="rId11"/>
-    <p:sldId id="263" r:id="rId12"/>
-    <p:sldId id="264" r:id="rId13"/>
-    <p:sldId id="265" r:id="rId14"/>
-    <p:sldId id="266" r:id="rId15"/>
-    <p:sldId id="267" r:id="rId16"/>
-    <p:sldId id="268" r:id="rId17"/>
-    <p:sldId id="269" r:id="rId18"/>
-    <p:sldId id="270" r:id="rId19"/>
-    <p:sldId id="271" r:id="rId20"/>
+    <p:sldId id="256" r:id="rId6"/>
+    <p:sldId id="257" r:id="rId7"/>
+    <p:sldId id="258" r:id="rId8"/>
+    <p:sldId id="259" r:id="rId9"/>
+    <p:sldId id="260" r:id="rId10"/>
+    <p:sldId id="261" r:id="rId11"/>
+    <p:sldId id="262" r:id="rId12"/>
+    <p:sldId id="263" r:id="rId13"/>
+    <p:sldId id="264" r:id="rId14"/>
+    <p:sldId id="265" r:id="rId15"/>
+    <p:sldId id="266" r:id="rId16"/>
+    <p:sldId id="267" r:id="rId17"/>
+    <p:sldId id="268" r:id="rId18"/>
+    <p:sldId id="269" r:id="rId19"/>
+    <p:sldId id="270" r:id="rId20"/>
+    <p:sldId id="271" r:id="rId21"/>
   </p:sldIdLst>
   <p:sldSz cx="10080625" cy="7559675"/>
   <p:notesSz cx="7772400" cy="10058400"/>
@@ -50,7 +51,7 @@
       </p:grpSpPr>
       <p:sp>
         <p:nvSpPr>
-          <p:cNvPr id="72" name="PlaceHolder 1"/>
+          <p:cNvPr id="117" name="PlaceHolder 1"/>
           <p:cNvSpPr>
             <a:spLocks noGrp="1"/>
           </p:cNvSpPr>
@@ -71,7 +72,7 @@
           <a:bodyPr lIns="0" rIns="0" tIns="0" bIns="0"/>
           <a:p>
             <a:r>
-              <a:rPr b="0" lang="de-DE" sz="2000" spc="-1" strike="noStrike">
+              <a:rPr b="0" lang="en-US" sz="2640" spc="-1" strike="noStrike">
                 <a:solidFill>
                   <a:srgbClr val="000000"/>
                 </a:solidFill>
@@ -80,27 +81,27 @@
                     <a:srgbClr val="ffffff"/>
                   </a:solidFill>
                 </a:uFill>
-                <a:latin typeface="Arial"/>
+                <a:latin typeface="Source Sans Pro"/>
               </a:rPr>
               <a:t>Click to edit the notes format</a:t>
             </a:r>
-            <a:endParaRPr b="0" lang="de-DE" sz="2000" spc="-1" strike="noStrike">
-              <a:solidFill>
-                <a:srgbClr val="000000"/>
-              </a:solidFill>
-              <a:uFill>
-                <a:solidFill>
-                  <a:srgbClr val="ffffff"/>
-                </a:solidFill>
-              </a:uFill>
-              <a:latin typeface="Arial"/>
-            </a:endParaRPr>
-          </a:p>
-        </p:txBody>
-      </p:sp>
-      <p:sp>
-        <p:nvSpPr>
-          <p:cNvPr id="73" name="PlaceHolder 2"/>
+            <a:endParaRPr b="0" lang="en-US" sz="2640" spc="-1" strike="noStrike">
+              <a:solidFill>
+                <a:srgbClr val="000000"/>
+              </a:solidFill>
+              <a:uFill>
+                <a:solidFill>
+                  <a:srgbClr val="ffffff"/>
+                </a:solidFill>
+              </a:uFill>
+              <a:latin typeface="Source Sans Pro"/>
+            </a:endParaRPr>
+          </a:p>
+        </p:txBody>
+      </p:sp>
+      <p:sp>
+        <p:nvSpPr>
+          <p:cNvPr id="118" name="PlaceHolder 2"/>
           <p:cNvSpPr>
             <a:spLocks noGrp="1"/>
           </p:cNvSpPr>
@@ -121,36 +122,36 @@
           <a:bodyPr lIns="0" rIns="0" tIns="0" bIns="0"/>
           <a:p>
             <a:r>
-              <a:rPr b="0" lang="de-DE" sz="1400" spc="-1" strike="noStrike">
-                <a:solidFill>
-                  <a:srgbClr val="000000"/>
+              <a:rPr b="1" lang="en-US" sz="1400" spc="-1" strike="noStrike">
+                <a:solidFill>
+                  <a:srgbClr val="ffffff"/>
                 </a:solidFill>
                 <a:uFill>
                   <a:solidFill>
                     <a:srgbClr val="ffffff"/>
                   </a:solidFill>
                 </a:uFill>
-                <a:latin typeface="Times New Roman"/>
+                <a:latin typeface="Source Sans Pro Black"/>
               </a:rPr>
               <a:t>&lt;header&gt;</a:t>
             </a:r>
-            <a:endParaRPr b="0" lang="de-DE" sz="1400" spc="-1" strike="noStrike">
-              <a:solidFill>
-                <a:srgbClr val="000000"/>
-              </a:solidFill>
-              <a:uFill>
-                <a:solidFill>
-                  <a:srgbClr val="ffffff"/>
-                </a:solidFill>
-              </a:uFill>
-              <a:latin typeface="Times New Roman"/>
-            </a:endParaRPr>
-          </a:p>
-        </p:txBody>
-      </p:sp>
-      <p:sp>
-        <p:nvSpPr>
-          <p:cNvPr id="74" name="PlaceHolder 3"/>
+            <a:endParaRPr b="1" lang="en-US" sz="1400" spc="-1" strike="noStrike">
+              <a:solidFill>
+                <a:srgbClr val="ffffff"/>
+              </a:solidFill>
+              <a:uFill>
+                <a:solidFill>
+                  <a:srgbClr val="ffffff"/>
+                </a:solidFill>
+              </a:uFill>
+              <a:latin typeface="Source Sans Pro Black"/>
+            </a:endParaRPr>
+          </a:p>
+        </p:txBody>
+      </p:sp>
+      <p:sp>
+        <p:nvSpPr>
+          <p:cNvPr id="119" name="PlaceHolder 3"/>
           <p:cNvSpPr>
             <a:spLocks noGrp="1"/>
           </p:cNvSpPr>
@@ -160,7 +161,7 @@
         </p:nvSpPr>
         <p:spPr>
           <a:xfrm>
-            <a:off x="4399200" y="0"/>
+            <a:off x="4398840" y="0"/>
             <a:ext cx="3372840" cy="502560"/>
           </a:xfrm>
           <a:prstGeom prst="rect">
@@ -172,36 +173,36 @@
           <a:p>
             <a:pPr algn="r"/>
             <a:r>
-              <a:rPr b="0" lang="de-DE" sz="1400" spc="-1" strike="noStrike">
-                <a:solidFill>
-                  <a:srgbClr val="000000"/>
+              <a:rPr b="1" lang="en-US" sz="1400" spc="-1" strike="noStrike">
+                <a:solidFill>
+                  <a:srgbClr val="ffffff"/>
                 </a:solidFill>
                 <a:uFill>
                   <a:solidFill>
                     <a:srgbClr val="ffffff"/>
                   </a:solidFill>
                 </a:uFill>
-                <a:latin typeface="Times New Roman"/>
+                <a:latin typeface="Source Sans Pro Black"/>
               </a:rPr>
               <a:t>&lt;date/time&gt;</a:t>
             </a:r>
-            <a:endParaRPr b="0" lang="de-DE" sz="1400" spc="-1" strike="noStrike">
-              <a:solidFill>
-                <a:srgbClr val="000000"/>
-              </a:solidFill>
-              <a:uFill>
-                <a:solidFill>
-                  <a:srgbClr val="ffffff"/>
-                </a:solidFill>
-              </a:uFill>
-              <a:latin typeface="Times New Roman"/>
-            </a:endParaRPr>
-          </a:p>
-        </p:txBody>
-      </p:sp>
-      <p:sp>
-        <p:nvSpPr>
-          <p:cNvPr id="75" name="PlaceHolder 4"/>
+            <a:endParaRPr b="1" lang="en-US" sz="1400" spc="-1" strike="noStrike">
+              <a:solidFill>
+                <a:srgbClr val="ffffff"/>
+              </a:solidFill>
+              <a:uFill>
+                <a:solidFill>
+                  <a:srgbClr val="ffffff"/>
+                </a:solidFill>
+              </a:uFill>
+              <a:latin typeface="Source Sans Pro Black"/>
+            </a:endParaRPr>
+          </a:p>
+        </p:txBody>
+      </p:sp>
+      <p:sp>
+        <p:nvSpPr>
+          <p:cNvPr id="120" name="PlaceHolder 4"/>
           <p:cNvSpPr>
             <a:spLocks noGrp="1"/>
           </p:cNvSpPr>
@@ -222,36 +223,36 @@
           <a:bodyPr lIns="0" rIns="0" tIns="0" bIns="0" anchor="b"/>
           <a:p>
             <a:r>
-              <a:rPr b="0" lang="de-DE" sz="1400" spc="-1" strike="noStrike">
-                <a:solidFill>
-                  <a:srgbClr val="000000"/>
+              <a:rPr b="1" lang="en-US" sz="1400" spc="-1" strike="noStrike">
+                <a:solidFill>
+                  <a:srgbClr val="ffffff"/>
                 </a:solidFill>
                 <a:uFill>
                   <a:solidFill>
                     <a:srgbClr val="ffffff"/>
                   </a:solidFill>
                 </a:uFill>
-                <a:latin typeface="Times New Roman"/>
+                <a:latin typeface="Source Sans Pro Black"/>
               </a:rPr>
               <a:t>&lt;footer&gt;</a:t>
             </a:r>
-            <a:endParaRPr b="0" lang="de-DE" sz="1400" spc="-1" strike="noStrike">
-              <a:solidFill>
-                <a:srgbClr val="000000"/>
-              </a:solidFill>
-              <a:uFill>
-                <a:solidFill>
-                  <a:srgbClr val="ffffff"/>
-                </a:solidFill>
-              </a:uFill>
-              <a:latin typeface="Times New Roman"/>
-            </a:endParaRPr>
-          </a:p>
-        </p:txBody>
-      </p:sp>
-      <p:sp>
-        <p:nvSpPr>
-          <p:cNvPr id="76" name="PlaceHolder 5"/>
+            <a:endParaRPr b="1" lang="en-US" sz="1400" spc="-1" strike="noStrike">
+              <a:solidFill>
+                <a:srgbClr val="ffffff"/>
+              </a:solidFill>
+              <a:uFill>
+                <a:solidFill>
+                  <a:srgbClr val="ffffff"/>
+                </a:solidFill>
+              </a:uFill>
+              <a:latin typeface="Source Sans Pro Black"/>
+            </a:endParaRPr>
+          </a:p>
+        </p:txBody>
+      </p:sp>
+      <p:sp>
+        <p:nvSpPr>
+          <p:cNvPr id="121" name="PlaceHolder 5"/>
           <p:cNvSpPr>
             <a:spLocks noGrp="1"/>
           </p:cNvSpPr>
@@ -261,7 +262,7 @@
         </p:nvSpPr>
         <p:spPr>
           <a:xfrm>
-            <a:off x="4399200" y="9555480"/>
+            <a:off x="4398840" y="9555480"/>
             <a:ext cx="3372840" cy="502560"/>
           </a:xfrm>
           <a:prstGeom prst="rect">
@@ -272,30 +273,30 @@
           <a:bodyPr lIns="0" rIns="0" tIns="0" bIns="0" anchor="b"/>
           <a:p>
             <a:pPr algn="r"/>
-            <a:fld id="{7C9D208F-FFEE-4273-9756-2E27A6F91A80}" type="slidenum">
-              <a:rPr b="0" lang="de-DE" sz="1400" spc="-1" strike="noStrike">
-                <a:solidFill>
-                  <a:srgbClr val="000000"/>
+            <a:fld id="{41C4D03B-4DE9-4CF3-BE1A-C93448D5EB60}" type="slidenum">
+              <a:rPr b="1" lang="en-US" sz="1400" spc="-1" strike="noStrike">
+                <a:solidFill>
+                  <a:srgbClr val="ffffff"/>
                 </a:solidFill>
                 <a:uFill>
                   <a:solidFill>
                     <a:srgbClr val="ffffff"/>
                   </a:solidFill>
                 </a:uFill>
-                <a:latin typeface="Times New Roman"/>
+                <a:latin typeface="Source Sans Pro Black"/>
               </a:rPr>
               <a:t>&lt;number&gt;</a:t>
             </a:fld>
-            <a:endParaRPr b="0" lang="de-DE" sz="1400" spc="-1" strike="noStrike">
-              <a:solidFill>
-                <a:srgbClr val="000000"/>
-              </a:solidFill>
-              <a:uFill>
-                <a:solidFill>
-                  <a:srgbClr val="ffffff"/>
-                </a:solidFill>
-              </a:uFill>
-              <a:latin typeface="Times New Roman"/>
+            <a:endParaRPr b="1" lang="en-US" sz="1400" spc="-1" strike="noStrike">
+              <a:solidFill>
+                <a:srgbClr val="ffffff"/>
+              </a:solidFill>
+              <a:uFill>
+                <a:solidFill>
+                  <a:srgbClr val="ffffff"/>
+                </a:solidFill>
+              </a:uFill>
+              <a:latin typeface="Source Sans Pro Black"/>
             </a:endParaRPr>
           </a:p>
         </p:txBody>
@@ -325,7 +326,7 @@
       </p:grpSpPr>
       <p:sp>
         <p:nvSpPr>
-          <p:cNvPr id="139" name="PlaceHolder 1"/>
+          <p:cNvPr id="171" name="PlaceHolder 1"/>
           <p:cNvSpPr>
             <a:spLocks noGrp="1"/>
           </p:cNvSpPr>
@@ -336,7 +337,7 @@
         <p:spPr>
           <a:xfrm>
             <a:off x="777240" y="4777560"/>
-            <a:ext cx="6217200" cy="4525560"/>
+            <a:ext cx="6216840" cy="4525200"/>
           </a:xfrm>
           <a:prstGeom prst="rect">
             <a:avLst/>
@@ -346,7 +347,7 @@
           <a:bodyPr lIns="0" rIns="0" tIns="0" bIns="0"/>
           <a:p>
             <a:r>
-              <a:rPr b="0" lang="de-DE" sz="2000" spc="-1" strike="noStrike">
+              <a:rPr b="0" lang="en-US" sz="2000" spc="-1" strike="noStrike">
                 <a:solidFill>
                   <a:srgbClr val="000000"/>
                 </a:solidFill>
@@ -359,21 +360,21 @@
               </a:rPr>
               <a:t>- Door crossing</a:t>
             </a:r>
-            <a:endParaRPr b="0" lang="de-DE" sz="2000" spc="-1" strike="noStrike">
-              <a:solidFill>
-                <a:srgbClr val="000000"/>
-              </a:solidFill>
-              <a:uFill>
-                <a:solidFill>
-                  <a:srgbClr val="ffffff"/>
-                </a:solidFill>
-              </a:uFill>
-              <a:latin typeface="Arial"/>
+            <a:endParaRPr b="0" lang="en-US" sz="2640" spc="-1" strike="noStrike">
+              <a:solidFill>
+                <a:srgbClr val="000000"/>
+              </a:solidFill>
+              <a:uFill>
+                <a:solidFill>
+                  <a:srgbClr val="ffffff"/>
+                </a:solidFill>
+              </a:uFill>
+              <a:latin typeface="Source Sans Pro"/>
             </a:endParaRPr>
           </a:p>
           <a:p>
             <a:r>
-              <a:rPr b="0" lang="de-DE" sz="2000" spc="-1" strike="noStrike">
+              <a:rPr b="0" lang="en-US" sz="2000" spc="-1" strike="noStrike">
                 <a:solidFill>
                   <a:srgbClr val="000000"/>
                 </a:solidFill>
@@ -386,21 +387,21 @@
               </a:rPr>
               <a:t>- links oder rechts oder weiter</a:t>
             </a:r>
-            <a:endParaRPr b="0" lang="de-DE" sz="2000" spc="-1" strike="noStrike">
-              <a:solidFill>
-                <a:srgbClr val="000000"/>
-              </a:solidFill>
-              <a:uFill>
-                <a:solidFill>
-                  <a:srgbClr val="ffffff"/>
-                </a:solidFill>
-              </a:uFill>
-              <a:latin typeface="Arial"/>
+            <a:endParaRPr b="0" lang="en-US" sz="2640" spc="-1" strike="noStrike">
+              <a:solidFill>
+                <a:srgbClr val="000000"/>
+              </a:solidFill>
+              <a:uFill>
+                <a:solidFill>
+                  <a:srgbClr val="ffffff"/>
+                </a:solidFill>
+              </a:uFill>
+              <a:latin typeface="Source Sans Pro"/>
             </a:endParaRPr>
           </a:p>
           <a:p>
             <a:r>
-              <a:rPr b="0" lang="de-DE" sz="2000" spc="-1" strike="noStrike">
+              <a:rPr b="0" lang="en-US" sz="2000" spc="-1" strike="noStrike">
                 <a:solidFill>
                   <a:srgbClr val="000000"/>
                 </a:solidFill>
@@ -413,21 +414,21 @@
               </a:rPr>
               <a:t>- </a:t>
             </a:r>
-            <a:endParaRPr b="0" lang="de-DE" sz="2000" spc="-1" strike="noStrike">
-              <a:solidFill>
-                <a:srgbClr val="000000"/>
-              </a:solidFill>
-              <a:uFill>
-                <a:solidFill>
-                  <a:srgbClr val="ffffff"/>
-                </a:solidFill>
-              </a:uFill>
-              <a:latin typeface="Arial"/>
+            <a:endParaRPr b="0" lang="en-US" sz="2640" spc="-1" strike="noStrike">
+              <a:solidFill>
+                <a:srgbClr val="000000"/>
+              </a:solidFill>
+              <a:uFill>
+                <a:solidFill>
+                  <a:srgbClr val="ffffff"/>
+                </a:solidFill>
+              </a:uFill>
+              <a:latin typeface="Source Sans Pro"/>
             </a:endParaRPr>
           </a:p>
           <a:p>
             <a:r>
-              <a:rPr b="0" lang="de-DE" sz="2000" spc="-1" strike="noStrike">
+              <a:rPr b="0" lang="en-US" sz="2000" spc="-1" strike="noStrike">
                 <a:solidFill>
                   <a:srgbClr val="000000"/>
                 </a:solidFill>
@@ -440,16 +441,16 @@
               </a:rPr>
               <a:t>- </a:t>
             </a:r>
-            <a:endParaRPr b="0" lang="de-DE" sz="2000" spc="-1" strike="noStrike">
-              <a:solidFill>
-                <a:srgbClr val="000000"/>
-              </a:solidFill>
-              <a:uFill>
-                <a:solidFill>
-                  <a:srgbClr val="ffffff"/>
-                </a:solidFill>
-              </a:uFill>
-              <a:latin typeface="Arial"/>
+            <a:endParaRPr b="0" lang="en-US" sz="2640" spc="-1" strike="noStrike">
+              <a:solidFill>
+                <a:srgbClr val="000000"/>
+              </a:solidFill>
+              <a:uFill>
+                <a:solidFill>
+                  <a:srgbClr val="ffffff"/>
+                </a:solidFill>
+              </a:uFill>
+              <a:latin typeface="Source Sans Pro"/>
             </a:endParaRPr>
           </a:p>
         </p:txBody>
@@ -478,7 +479,7 @@
       </p:grpSpPr>
       <p:sp>
         <p:nvSpPr>
-          <p:cNvPr id="140" name="PlaceHolder 1"/>
+          <p:cNvPr id="172" name="PlaceHolder 1"/>
           <p:cNvSpPr>
             <a:spLocks noGrp="1"/>
           </p:cNvSpPr>
@@ -489,7 +490,7 @@
         <p:spPr>
           <a:xfrm>
             <a:off x="777240" y="4777560"/>
-            <a:ext cx="6217200" cy="4525560"/>
+            <a:ext cx="6216840" cy="4525200"/>
           </a:xfrm>
           <a:prstGeom prst="rect">
             <a:avLst/>
@@ -499,7 +500,7 @@
           <a:bodyPr lIns="0" rIns="0" tIns="0" bIns="0"/>
           <a:p>
             <a:r>
-              <a:rPr b="0" lang="de-DE" sz="2000" spc="-1" strike="noStrike">
+              <a:rPr b="0" lang="en-US" sz="2000" spc="-1" strike="noStrike">
                 <a:solidFill>
                   <a:srgbClr val="000000"/>
                 </a:solidFill>
@@ -512,21 +513,21 @@
               </a:rPr>
               <a:t>- Door crossing</a:t>
             </a:r>
-            <a:endParaRPr b="0" lang="de-DE" sz="2000" spc="-1" strike="noStrike">
-              <a:solidFill>
-                <a:srgbClr val="000000"/>
-              </a:solidFill>
-              <a:uFill>
-                <a:solidFill>
-                  <a:srgbClr val="ffffff"/>
-                </a:solidFill>
-              </a:uFill>
-              <a:latin typeface="Arial"/>
+            <a:endParaRPr b="0" lang="en-US" sz="2640" spc="-1" strike="noStrike">
+              <a:solidFill>
+                <a:srgbClr val="000000"/>
+              </a:solidFill>
+              <a:uFill>
+                <a:solidFill>
+                  <a:srgbClr val="ffffff"/>
+                </a:solidFill>
+              </a:uFill>
+              <a:latin typeface="Source Sans Pro"/>
             </a:endParaRPr>
           </a:p>
           <a:p>
             <a:r>
-              <a:rPr b="0" lang="de-DE" sz="2000" spc="-1" strike="noStrike">
+              <a:rPr b="0" lang="en-US" sz="2000" spc="-1" strike="noStrike">
                 <a:solidFill>
                   <a:srgbClr val="000000"/>
                 </a:solidFill>
@@ -539,21 +540,21 @@
               </a:rPr>
               <a:t>- links oder rechts oder weiter</a:t>
             </a:r>
-            <a:endParaRPr b="0" lang="de-DE" sz="2000" spc="-1" strike="noStrike">
-              <a:solidFill>
-                <a:srgbClr val="000000"/>
-              </a:solidFill>
-              <a:uFill>
-                <a:solidFill>
-                  <a:srgbClr val="ffffff"/>
-                </a:solidFill>
-              </a:uFill>
-              <a:latin typeface="Arial"/>
+            <a:endParaRPr b="0" lang="en-US" sz="2640" spc="-1" strike="noStrike">
+              <a:solidFill>
+                <a:srgbClr val="000000"/>
+              </a:solidFill>
+              <a:uFill>
+                <a:solidFill>
+                  <a:srgbClr val="ffffff"/>
+                </a:solidFill>
+              </a:uFill>
+              <a:latin typeface="Source Sans Pro"/>
             </a:endParaRPr>
           </a:p>
           <a:p>
             <a:r>
-              <a:rPr b="0" lang="de-DE" sz="2000" spc="-1" strike="noStrike">
+              <a:rPr b="0" lang="en-US" sz="2000" spc="-1" strike="noStrike">
                 <a:solidFill>
                   <a:srgbClr val="000000"/>
                 </a:solidFill>
@@ -566,21 +567,21 @@
               </a:rPr>
               <a:t>- </a:t>
             </a:r>
-            <a:endParaRPr b="0" lang="de-DE" sz="2000" spc="-1" strike="noStrike">
-              <a:solidFill>
-                <a:srgbClr val="000000"/>
-              </a:solidFill>
-              <a:uFill>
-                <a:solidFill>
-                  <a:srgbClr val="ffffff"/>
-                </a:solidFill>
-              </a:uFill>
-              <a:latin typeface="Arial"/>
+            <a:endParaRPr b="0" lang="en-US" sz="2640" spc="-1" strike="noStrike">
+              <a:solidFill>
+                <a:srgbClr val="000000"/>
+              </a:solidFill>
+              <a:uFill>
+                <a:solidFill>
+                  <a:srgbClr val="ffffff"/>
+                </a:solidFill>
+              </a:uFill>
+              <a:latin typeface="Source Sans Pro"/>
             </a:endParaRPr>
           </a:p>
           <a:p>
             <a:r>
-              <a:rPr b="0" lang="de-DE" sz="2000" spc="-1" strike="noStrike">
+              <a:rPr b="0" lang="en-US" sz="2000" spc="-1" strike="noStrike">
                 <a:solidFill>
                   <a:srgbClr val="000000"/>
                 </a:solidFill>
@@ -593,16 +594,16 @@
               </a:rPr>
               <a:t>- </a:t>
             </a:r>
-            <a:endParaRPr b="0" lang="de-DE" sz="2000" spc="-1" strike="noStrike">
-              <a:solidFill>
-                <a:srgbClr val="000000"/>
-              </a:solidFill>
-              <a:uFill>
-                <a:solidFill>
-                  <a:srgbClr val="ffffff"/>
-                </a:solidFill>
-              </a:uFill>
-              <a:latin typeface="Arial"/>
+            <a:endParaRPr b="0" lang="en-US" sz="2640" spc="-1" strike="noStrike">
+              <a:solidFill>
+                <a:srgbClr val="000000"/>
+              </a:solidFill>
+              <a:uFill>
+                <a:solidFill>
+                  <a:srgbClr val="ffffff"/>
+                </a:solidFill>
+              </a:uFill>
+              <a:latin typeface="Source Sans Pro"/>
             </a:endParaRPr>
           </a:p>
         </p:txBody>
@@ -663,27 +664,26 @@
         </p:nvSpPr>
         <p:spPr>
           <a:xfrm>
-            <a:off x="504000" y="301320"/>
-            <a:ext cx="9072000" cy="1261800"/>
-          </a:xfrm>
-          <a:prstGeom prst="rect">
-            <a:avLst/>
-          </a:prstGeom>
-        </p:spPr>
-        <p:txBody>
-          <a:bodyPr lIns="0" rIns="0" tIns="0" bIns="0" anchor="ctr"/>
-          <a:p>
-            <a:pPr algn="ctr"/>
-            <a:endParaRPr b="0" lang="de-DE" sz="4400" spc="-1" strike="noStrike">
-              <a:solidFill>
-                <a:srgbClr val="000000"/>
-              </a:solidFill>
-              <a:uFill>
-                <a:solidFill>
-                  <a:srgbClr val="ffffff"/>
-                </a:solidFill>
-              </a:uFill>
-              <a:latin typeface="Arial"/>
+            <a:off x="360000" y="359640"/>
+            <a:ext cx="9360720" cy="900000"/>
+          </a:xfrm>
+          <a:prstGeom prst="rect">
+            <a:avLst/>
+          </a:prstGeom>
+        </p:spPr>
+        <p:txBody>
+          <a:bodyPr lIns="0" rIns="0" tIns="0" bIns="0" anchor="b"/>
+          <a:p>
+            <a:endParaRPr b="1" lang="en-US" sz="2830" spc="-1" strike="noStrike">
+              <a:solidFill>
+                <a:srgbClr val="ffffff"/>
+              </a:solidFill>
+              <a:uFill>
+                <a:solidFill>
+                  <a:srgbClr val="ffffff"/>
+                </a:solidFill>
+              </a:uFill>
+              <a:latin typeface="Source Sans Pro Black"/>
             </a:endParaRPr>
           </a:p>
         </p:txBody>
@@ -700,8 +700,8 @@
         </p:nvSpPr>
         <p:spPr>
           <a:xfrm>
-            <a:off x="504000" y="1768680"/>
-            <a:ext cx="9072000" cy="2090880"/>
+            <a:off x="360000" y="1979640"/>
+            <a:ext cx="9180720" cy="2232000"/>
           </a:xfrm>
           <a:prstGeom prst="rect">
             <a:avLst/>
@@ -710,16 +710,16 @@
         <p:txBody>
           <a:bodyPr lIns="0" rIns="0" tIns="0" bIns="0"/>
           <a:p>
-            <a:endParaRPr b="0" lang="de-DE" sz="3200" spc="-1" strike="noStrike">
-              <a:solidFill>
-                <a:srgbClr val="000000"/>
-              </a:solidFill>
-              <a:uFill>
-                <a:solidFill>
-                  <a:srgbClr val="ffffff"/>
-                </a:solidFill>
-              </a:uFill>
-              <a:latin typeface="Arial"/>
+            <a:endParaRPr b="1" lang="en-US" sz="2600" spc="-1" strike="noStrike">
+              <a:solidFill>
+                <a:srgbClr val="1c1c1c"/>
+              </a:solidFill>
+              <a:uFill>
+                <a:solidFill>
+                  <a:srgbClr val="ffffff"/>
+                </a:solidFill>
+              </a:uFill>
+              <a:latin typeface="Source Sans Pro Semibold"/>
             </a:endParaRPr>
           </a:p>
         </p:txBody>
@@ -736,8 +736,8 @@
         </p:nvSpPr>
         <p:spPr>
           <a:xfrm>
-            <a:off x="504000" y="4058640"/>
-            <a:ext cx="9072000" cy="2090880"/>
+            <a:off x="360000" y="4424040"/>
+            <a:ext cx="9180720" cy="2232000"/>
           </a:xfrm>
           <a:prstGeom prst="rect">
             <a:avLst/>
@@ -746,16 +746,16 @@
         <p:txBody>
           <a:bodyPr lIns="0" rIns="0" tIns="0" bIns="0"/>
           <a:p>
-            <a:endParaRPr b="0" lang="de-DE" sz="3200" spc="-1" strike="noStrike">
-              <a:solidFill>
-                <a:srgbClr val="000000"/>
-              </a:solidFill>
-              <a:uFill>
-                <a:solidFill>
-                  <a:srgbClr val="ffffff"/>
-                </a:solidFill>
-              </a:uFill>
-              <a:latin typeface="Arial"/>
+            <a:endParaRPr b="1" lang="en-US" sz="2600" spc="-1" strike="noStrike">
+              <a:solidFill>
+                <a:srgbClr val="1c1c1c"/>
+              </a:solidFill>
+              <a:uFill>
+                <a:solidFill>
+                  <a:srgbClr val="ffffff"/>
+                </a:solidFill>
+              </a:uFill>
+              <a:latin typeface="Source Sans Pro Semibold"/>
             </a:endParaRPr>
           </a:p>
         </p:txBody>
@@ -794,27 +794,26 @@
         </p:nvSpPr>
         <p:spPr>
           <a:xfrm>
-            <a:off x="504000" y="301320"/>
-            <a:ext cx="9072000" cy="1261800"/>
-          </a:xfrm>
-          <a:prstGeom prst="rect">
-            <a:avLst/>
-          </a:prstGeom>
-        </p:spPr>
-        <p:txBody>
-          <a:bodyPr lIns="0" rIns="0" tIns="0" bIns="0" anchor="ctr"/>
-          <a:p>
-            <a:pPr algn="ctr"/>
-            <a:endParaRPr b="0" lang="de-DE" sz="4400" spc="-1" strike="noStrike">
-              <a:solidFill>
-                <a:srgbClr val="000000"/>
-              </a:solidFill>
-              <a:uFill>
-                <a:solidFill>
-                  <a:srgbClr val="ffffff"/>
-                </a:solidFill>
-              </a:uFill>
-              <a:latin typeface="Arial"/>
+            <a:off x="360000" y="359640"/>
+            <a:ext cx="9360720" cy="900000"/>
+          </a:xfrm>
+          <a:prstGeom prst="rect">
+            <a:avLst/>
+          </a:prstGeom>
+        </p:spPr>
+        <p:txBody>
+          <a:bodyPr lIns="0" rIns="0" tIns="0" bIns="0" anchor="b"/>
+          <a:p>
+            <a:endParaRPr b="1" lang="en-US" sz="2830" spc="-1" strike="noStrike">
+              <a:solidFill>
+                <a:srgbClr val="ffffff"/>
+              </a:solidFill>
+              <a:uFill>
+                <a:solidFill>
+                  <a:srgbClr val="ffffff"/>
+                </a:solidFill>
+              </a:uFill>
+              <a:latin typeface="Source Sans Pro Black"/>
             </a:endParaRPr>
           </a:p>
         </p:txBody>
@@ -831,8 +830,8 @@
         </p:nvSpPr>
         <p:spPr>
           <a:xfrm>
-            <a:off x="504000" y="1768680"/>
-            <a:ext cx="4426920" cy="2090880"/>
+            <a:off x="360000" y="1979640"/>
+            <a:ext cx="4479840" cy="2232000"/>
           </a:xfrm>
           <a:prstGeom prst="rect">
             <a:avLst/>
@@ -841,16 +840,16 @@
         <p:txBody>
           <a:bodyPr lIns="0" rIns="0" tIns="0" bIns="0"/>
           <a:p>
-            <a:endParaRPr b="0" lang="de-DE" sz="3200" spc="-1" strike="noStrike">
-              <a:solidFill>
-                <a:srgbClr val="000000"/>
-              </a:solidFill>
-              <a:uFill>
-                <a:solidFill>
-                  <a:srgbClr val="ffffff"/>
-                </a:solidFill>
-              </a:uFill>
-              <a:latin typeface="Arial"/>
+            <a:endParaRPr b="1" lang="en-US" sz="2600" spc="-1" strike="noStrike">
+              <a:solidFill>
+                <a:srgbClr val="1c1c1c"/>
+              </a:solidFill>
+              <a:uFill>
+                <a:solidFill>
+                  <a:srgbClr val="ffffff"/>
+                </a:solidFill>
+              </a:uFill>
+              <a:latin typeface="Source Sans Pro Semibold"/>
             </a:endParaRPr>
           </a:p>
         </p:txBody>
@@ -867,8 +866,8 @@
         </p:nvSpPr>
         <p:spPr>
           <a:xfrm>
-            <a:off x="5152680" y="1768680"/>
-            <a:ext cx="4426920" cy="2090880"/>
+            <a:off x="5064120" y="1979640"/>
+            <a:ext cx="4479840" cy="2232000"/>
           </a:xfrm>
           <a:prstGeom prst="rect">
             <a:avLst/>
@@ -877,16 +876,16 @@
         <p:txBody>
           <a:bodyPr lIns="0" rIns="0" tIns="0" bIns="0"/>
           <a:p>
-            <a:endParaRPr b="0" lang="de-DE" sz="3200" spc="-1" strike="noStrike">
-              <a:solidFill>
-                <a:srgbClr val="000000"/>
-              </a:solidFill>
-              <a:uFill>
-                <a:solidFill>
-                  <a:srgbClr val="ffffff"/>
-                </a:solidFill>
-              </a:uFill>
-              <a:latin typeface="Arial"/>
+            <a:endParaRPr b="1" lang="en-US" sz="2600" spc="-1" strike="noStrike">
+              <a:solidFill>
+                <a:srgbClr val="1c1c1c"/>
+              </a:solidFill>
+              <a:uFill>
+                <a:solidFill>
+                  <a:srgbClr val="ffffff"/>
+                </a:solidFill>
+              </a:uFill>
+              <a:latin typeface="Source Sans Pro Semibold"/>
             </a:endParaRPr>
           </a:p>
         </p:txBody>
@@ -903,8 +902,8 @@
         </p:nvSpPr>
         <p:spPr>
           <a:xfrm>
-            <a:off x="5152680" y="4058640"/>
-            <a:ext cx="4426920" cy="2090880"/>
+            <a:off x="5064120" y="4424040"/>
+            <a:ext cx="4479840" cy="2232000"/>
           </a:xfrm>
           <a:prstGeom prst="rect">
             <a:avLst/>
@@ -913,16 +912,16 @@
         <p:txBody>
           <a:bodyPr lIns="0" rIns="0" tIns="0" bIns="0"/>
           <a:p>
-            <a:endParaRPr b="0" lang="de-DE" sz="3200" spc="-1" strike="noStrike">
-              <a:solidFill>
-                <a:srgbClr val="000000"/>
-              </a:solidFill>
-              <a:uFill>
-                <a:solidFill>
-                  <a:srgbClr val="ffffff"/>
-                </a:solidFill>
-              </a:uFill>
-              <a:latin typeface="Arial"/>
+            <a:endParaRPr b="1" lang="en-US" sz="2600" spc="-1" strike="noStrike">
+              <a:solidFill>
+                <a:srgbClr val="1c1c1c"/>
+              </a:solidFill>
+              <a:uFill>
+                <a:solidFill>
+                  <a:srgbClr val="ffffff"/>
+                </a:solidFill>
+              </a:uFill>
+              <a:latin typeface="Source Sans Pro Semibold"/>
             </a:endParaRPr>
           </a:p>
         </p:txBody>
@@ -939,8 +938,8 @@
         </p:nvSpPr>
         <p:spPr>
           <a:xfrm>
-            <a:off x="504000" y="4058640"/>
-            <a:ext cx="4426920" cy="2090880"/>
+            <a:off x="360000" y="4424040"/>
+            <a:ext cx="4479840" cy="2232000"/>
           </a:xfrm>
           <a:prstGeom prst="rect">
             <a:avLst/>
@@ -949,16 +948,16 @@
         <p:txBody>
           <a:bodyPr lIns="0" rIns="0" tIns="0" bIns="0"/>
           <a:p>
-            <a:endParaRPr b="0" lang="de-DE" sz="3200" spc="-1" strike="noStrike">
-              <a:solidFill>
-                <a:srgbClr val="000000"/>
-              </a:solidFill>
-              <a:uFill>
-                <a:solidFill>
-                  <a:srgbClr val="ffffff"/>
-                </a:solidFill>
-              </a:uFill>
-              <a:latin typeface="Arial"/>
+            <a:endParaRPr b="1" lang="en-US" sz="2600" spc="-1" strike="noStrike">
+              <a:solidFill>
+                <a:srgbClr val="1c1c1c"/>
+              </a:solidFill>
+              <a:uFill>
+                <a:solidFill>
+                  <a:srgbClr val="ffffff"/>
+                </a:solidFill>
+              </a:uFill>
+              <a:latin typeface="Source Sans Pro Semibold"/>
             </a:endParaRPr>
           </a:p>
         </p:txBody>
@@ -997,27 +996,26 @@
         </p:nvSpPr>
         <p:spPr>
           <a:xfrm>
-            <a:off x="504000" y="301320"/>
-            <a:ext cx="9072000" cy="1261800"/>
-          </a:xfrm>
-          <a:prstGeom prst="rect">
-            <a:avLst/>
-          </a:prstGeom>
-        </p:spPr>
-        <p:txBody>
-          <a:bodyPr lIns="0" rIns="0" tIns="0" bIns="0" anchor="ctr"/>
-          <a:p>
-            <a:pPr algn="ctr"/>
-            <a:endParaRPr b="0" lang="de-DE" sz="4400" spc="-1" strike="noStrike">
-              <a:solidFill>
-                <a:srgbClr val="000000"/>
-              </a:solidFill>
-              <a:uFill>
-                <a:solidFill>
-                  <a:srgbClr val="ffffff"/>
-                </a:solidFill>
-              </a:uFill>
-              <a:latin typeface="Arial"/>
+            <a:off x="360000" y="359640"/>
+            <a:ext cx="9360720" cy="900000"/>
+          </a:xfrm>
+          <a:prstGeom prst="rect">
+            <a:avLst/>
+          </a:prstGeom>
+        </p:spPr>
+        <p:txBody>
+          <a:bodyPr lIns="0" rIns="0" tIns="0" bIns="0" anchor="b"/>
+          <a:p>
+            <a:endParaRPr b="1" lang="en-US" sz="2830" spc="-1" strike="noStrike">
+              <a:solidFill>
+                <a:srgbClr val="ffffff"/>
+              </a:solidFill>
+              <a:uFill>
+                <a:solidFill>
+                  <a:srgbClr val="ffffff"/>
+                </a:solidFill>
+              </a:uFill>
+              <a:latin typeface="Source Sans Pro Black"/>
             </a:endParaRPr>
           </a:p>
         </p:txBody>
@@ -1034,8 +1032,8 @@
         </p:nvSpPr>
         <p:spPr>
           <a:xfrm>
-            <a:off x="504000" y="1768680"/>
-            <a:ext cx="9072000" cy="4384080"/>
+            <a:off x="360000" y="1979640"/>
+            <a:ext cx="9180720" cy="4679640"/>
           </a:xfrm>
           <a:prstGeom prst="rect">
             <a:avLst/>
@@ -1044,16 +1042,16 @@
         <p:txBody>
           <a:bodyPr lIns="0" rIns="0" tIns="0" bIns="0"/>
           <a:p>
-            <a:endParaRPr b="0" lang="de-DE" sz="3200" spc="-1" strike="noStrike">
-              <a:solidFill>
-                <a:srgbClr val="000000"/>
-              </a:solidFill>
-              <a:uFill>
-                <a:solidFill>
-                  <a:srgbClr val="ffffff"/>
-                </a:solidFill>
-              </a:uFill>
-              <a:latin typeface="Arial"/>
+            <a:endParaRPr b="1" lang="en-US" sz="2600" spc="-1" strike="noStrike">
+              <a:solidFill>
+                <a:srgbClr val="1c1c1c"/>
+              </a:solidFill>
+              <a:uFill>
+                <a:solidFill>
+                  <a:srgbClr val="ffffff"/>
+                </a:solidFill>
+              </a:uFill>
+              <a:latin typeface="Source Sans Pro Semibold"/>
             </a:endParaRPr>
           </a:p>
         </p:txBody>
@@ -1070,8 +1068,8 @@
         </p:nvSpPr>
         <p:spPr>
           <a:xfrm>
-            <a:off x="504000" y="1768680"/>
-            <a:ext cx="9072000" cy="4384080"/>
+            <a:off x="360000" y="1979640"/>
+            <a:ext cx="9180720" cy="4679640"/>
           </a:xfrm>
           <a:prstGeom prst="rect">
             <a:avLst/>
@@ -1080,16 +1078,16 @@
         <p:txBody>
           <a:bodyPr lIns="0" rIns="0" tIns="0" bIns="0"/>
           <a:p>
-            <a:endParaRPr b="0" lang="de-DE" sz="3200" spc="-1" strike="noStrike">
-              <a:solidFill>
-                <a:srgbClr val="000000"/>
-              </a:solidFill>
-              <a:uFill>
-                <a:solidFill>
-                  <a:srgbClr val="ffffff"/>
-                </a:solidFill>
-              </a:uFill>
-              <a:latin typeface="Arial"/>
+            <a:endParaRPr b="1" lang="en-US" sz="2600" spc="-1" strike="noStrike">
+              <a:solidFill>
+                <a:srgbClr val="1c1c1c"/>
+              </a:solidFill>
+              <a:uFill>
+                <a:solidFill>
+                  <a:srgbClr val="ffffff"/>
+                </a:solidFill>
+              </a:uFill>
+              <a:latin typeface="Source Sans Pro Semibold"/>
             </a:endParaRPr>
           </a:p>
         </p:txBody>
@@ -1106,8 +1104,8 @@
         </p:blipFill>
         <p:spPr>
           <a:xfrm>
-            <a:off x="2292480" y="1768680"/>
-            <a:ext cx="5494680" cy="4384080"/>
+            <a:off x="2017800" y="1979280"/>
+            <a:ext cx="5865120" cy="4679640"/>
           </a:xfrm>
           <a:prstGeom prst="rect">
             <a:avLst/>
@@ -1129,8 +1127,8 @@
         </p:blipFill>
         <p:spPr>
           <a:xfrm>
-            <a:off x="2292480" y="1768680"/>
-            <a:ext cx="5494680" cy="4384080"/>
+            <a:off x="2017800" y="1979280"/>
+            <a:ext cx="5865120" cy="4679640"/>
           </a:xfrm>
           <a:prstGeom prst="rect">
             <a:avLst/>
@@ -1186,7 +1184,7 @@
       </p:grpSpPr>
       <p:sp>
         <p:nvSpPr>
-          <p:cNvPr id="38" name="PlaceHolder 1"/>
+          <p:cNvPr id="39" name="PlaceHolder 1"/>
           <p:cNvSpPr>
             <a:spLocks noGrp="1"/>
           </p:cNvSpPr>
@@ -1196,34 +1194,33 @@
         </p:nvSpPr>
         <p:spPr>
           <a:xfrm>
-            <a:off x="504000" y="301320"/>
-            <a:ext cx="9072000" cy="1261800"/>
-          </a:xfrm>
-          <a:prstGeom prst="rect">
-            <a:avLst/>
-          </a:prstGeom>
-        </p:spPr>
-        <p:txBody>
-          <a:bodyPr lIns="0" rIns="0" tIns="0" bIns="0" anchor="ctr"/>
-          <a:p>
-            <a:pPr algn="ctr"/>
-            <a:endParaRPr b="0" lang="de-DE" sz="4400" spc="-1" strike="noStrike">
-              <a:solidFill>
-                <a:srgbClr val="000000"/>
-              </a:solidFill>
-              <a:uFill>
-                <a:solidFill>
-                  <a:srgbClr val="ffffff"/>
-                </a:solidFill>
-              </a:uFill>
-              <a:latin typeface="Arial"/>
-            </a:endParaRPr>
-          </a:p>
-        </p:txBody>
-      </p:sp>
-      <p:sp>
-        <p:nvSpPr>
-          <p:cNvPr id="39" name="PlaceHolder 2"/>
+            <a:off x="360000" y="359640"/>
+            <a:ext cx="9360720" cy="900000"/>
+          </a:xfrm>
+          <a:prstGeom prst="rect">
+            <a:avLst/>
+          </a:prstGeom>
+        </p:spPr>
+        <p:txBody>
+          <a:bodyPr lIns="0" rIns="0" tIns="0" bIns="0" anchor="b"/>
+          <a:p>
+            <a:endParaRPr b="1" lang="en-US" sz="2830" spc="-1" strike="noStrike">
+              <a:solidFill>
+                <a:srgbClr val="ffffff"/>
+              </a:solidFill>
+              <a:uFill>
+                <a:solidFill>
+                  <a:srgbClr val="ffffff"/>
+                </a:solidFill>
+              </a:uFill>
+              <a:latin typeface="Source Sans Pro Black"/>
+            </a:endParaRPr>
+          </a:p>
+        </p:txBody>
+      </p:sp>
+      <p:sp>
+        <p:nvSpPr>
+          <p:cNvPr id="40" name="PlaceHolder 2"/>
           <p:cNvSpPr>
             <a:spLocks noGrp="1"/>
           </p:cNvSpPr>
@@ -1233,27 +1230,26 @@
         </p:nvSpPr>
         <p:spPr>
           <a:xfrm>
-            <a:off x="504000" y="1768680"/>
-            <a:ext cx="9072000" cy="4384080"/>
-          </a:xfrm>
-          <a:prstGeom prst="rect">
-            <a:avLst/>
-          </a:prstGeom>
-        </p:spPr>
-        <p:txBody>
-          <a:bodyPr lIns="0" rIns="0" tIns="0" bIns="0" anchor="ctr"/>
-          <a:p>
-            <a:pPr algn="ctr"/>
-            <a:endParaRPr b="0" lang="de-DE" sz="3200" spc="-1" strike="noStrike">
-              <a:solidFill>
-                <a:srgbClr val="000000"/>
-              </a:solidFill>
-              <a:uFill>
-                <a:solidFill>
-                  <a:srgbClr val="ffffff"/>
-                </a:solidFill>
-              </a:uFill>
-              <a:latin typeface="Arial"/>
+            <a:off x="360000" y="1979640"/>
+            <a:ext cx="9180720" cy="4679640"/>
+          </a:xfrm>
+          <a:prstGeom prst="rect">
+            <a:avLst/>
+          </a:prstGeom>
+        </p:spPr>
+        <p:txBody>
+          <a:bodyPr lIns="0" rIns="0" tIns="0" bIns="0"/>
+          <a:p>
+            <a:endParaRPr b="0" lang="en-US" sz="2600" spc="-1" strike="noStrike">
+              <a:solidFill>
+                <a:srgbClr val="1c1c1c"/>
+              </a:solidFill>
+              <a:uFill>
+                <a:solidFill>
+                  <a:srgbClr val="ffffff"/>
+                </a:solidFill>
+              </a:uFill>
+              <a:latin typeface="Source Sans Pro Light"/>
             </a:endParaRPr>
           </a:p>
         </p:txBody>
@@ -1282,7 +1278,7 @@
       </p:grpSpPr>
       <p:sp>
         <p:nvSpPr>
-          <p:cNvPr id="40" name="PlaceHolder 1"/>
+          <p:cNvPr id="41" name="PlaceHolder 1"/>
           <p:cNvSpPr>
             <a:spLocks noGrp="1"/>
           </p:cNvSpPr>
@@ -1292,34 +1288,33 @@
         </p:nvSpPr>
         <p:spPr>
           <a:xfrm>
-            <a:off x="504000" y="301320"/>
-            <a:ext cx="9072000" cy="1261800"/>
-          </a:xfrm>
-          <a:prstGeom prst="rect">
-            <a:avLst/>
-          </a:prstGeom>
-        </p:spPr>
-        <p:txBody>
-          <a:bodyPr lIns="0" rIns="0" tIns="0" bIns="0" anchor="ctr"/>
-          <a:p>
-            <a:pPr algn="ctr"/>
-            <a:endParaRPr b="0" lang="de-DE" sz="4400" spc="-1" strike="noStrike">
-              <a:solidFill>
-                <a:srgbClr val="000000"/>
-              </a:solidFill>
-              <a:uFill>
-                <a:solidFill>
-                  <a:srgbClr val="ffffff"/>
-                </a:solidFill>
-              </a:uFill>
-              <a:latin typeface="Arial"/>
-            </a:endParaRPr>
-          </a:p>
-        </p:txBody>
-      </p:sp>
-      <p:sp>
-        <p:nvSpPr>
-          <p:cNvPr id="41" name="PlaceHolder 2"/>
+            <a:off x="360000" y="359640"/>
+            <a:ext cx="9360720" cy="900000"/>
+          </a:xfrm>
+          <a:prstGeom prst="rect">
+            <a:avLst/>
+          </a:prstGeom>
+        </p:spPr>
+        <p:txBody>
+          <a:bodyPr lIns="0" rIns="0" tIns="0" bIns="0" anchor="b"/>
+          <a:p>
+            <a:endParaRPr b="1" lang="en-US" sz="2830" spc="-1" strike="noStrike">
+              <a:solidFill>
+                <a:srgbClr val="ffffff"/>
+              </a:solidFill>
+              <a:uFill>
+                <a:solidFill>
+                  <a:srgbClr val="ffffff"/>
+                </a:solidFill>
+              </a:uFill>
+              <a:latin typeface="Source Sans Pro Black"/>
+            </a:endParaRPr>
+          </a:p>
+        </p:txBody>
+      </p:sp>
+      <p:sp>
+        <p:nvSpPr>
+          <p:cNvPr id="42" name="PlaceHolder 2"/>
           <p:cNvSpPr>
             <a:spLocks noGrp="1"/>
           </p:cNvSpPr>
@@ -1329,8 +1324,8 @@
         </p:nvSpPr>
         <p:spPr>
           <a:xfrm>
-            <a:off x="504000" y="1768680"/>
-            <a:ext cx="9072000" cy="4384080"/>
+            <a:off x="360000" y="1979640"/>
+            <a:ext cx="9180720" cy="4679640"/>
           </a:xfrm>
           <a:prstGeom prst="rect">
             <a:avLst/>
@@ -1339,16 +1334,16 @@
         <p:txBody>
           <a:bodyPr lIns="0" rIns="0" tIns="0" bIns="0"/>
           <a:p>
-            <a:endParaRPr b="0" lang="de-DE" sz="3200" spc="-1" strike="noStrike">
-              <a:solidFill>
-                <a:srgbClr val="000000"/>
-              </a:solidFill>
-              <a:uFill>
-                <a:solidFill>
-                  <a:srgbClr val="ffffff"/>
-                </a:solidFill>
-              </a:uFill>
-              <a:latin typeface="Arial"/>
+            <a:endParaRPr b="1" lang="en-US" sz="2600" spc="-1" strike="noStrike">
+              <a:solidFill>
+                <a:srgbClr val="1c1c1c"/>
+              </a:solidFill>
+              <a:uFill>
+                <a:solidFill>
+                  <a:srgbClr val="ffffff"/>
+                </a:solidFill>
+              </a:uFill>
+              <a:latin typeface="Source Sans Pro Semibold"/>
             </a:endParaRPr>
           </a:p>
         </p:txBody>
@@ -1377,7 +1372,7 @@
       </p:grpSpPr>
       <p:sp>
         <p:nvSpPr>
-          <p:cNvPr id="42" name="PlaceHolder 1"/>
+          <p:cNvPr id="43" name="PlaceHolder 1"/>
           <p:cNvSpPr>
             <a:spLocks noGrp="1"/>
           </p:cNvSpPr>
@@ -1387,34 +1382,33 @@
         </p:nvSpPr>
         <p:spPr>
           <a:xfrm>
-            <a:off x="504000" y="301320"/>
-            <a:ext cx="9072000" cy="1261800"/>
-          </a:xfrm>
-          <a:prstGeom prst="rect">
-            <a:avLst/>
-          </a:prstGeom>
-        </p:spPr>
-        <p:txBody>
-          <a:bodyPr lIns="0" rIns="0" tIns="0" bIns="0" anchor="ctr"/>
-          <a:p>
-            <a:pPr algn="ctr"/>
-            <a:endParaRPr b="0" lang="de-DE" sz="4400" spc="-1" strike="noStrike">
-              <a:solidFill>
-                <a:srgbClr val="000000"/>
-              </a:solidFill>
-              <a:uFill>
-                <a:solidFill>
-                  <a:srgbClr val="ffffff"/>
-                </a:solidFill>
-              </a:uFill>
-              <a:latin typeface="Arial"/>
-            </a:endParaRPr>
-          </a:p>
-        </p:txBody>
-      </p:sp>
-      <p:sp>
-        <p:nvSpPr>
-          <p:cNvPr id="43" name="PlaceHolder 2"/>
+            <a:off x="360000" y="359640"/>
+            <a:ext cx="9360720" cy="900000"/>
+          </a:xfrm>
+          <a:prstGeom prst="rect">
+            <a:avLst/>
+          </a:prstGeom>
+        </p:spPr>
+        <p:txBody>
+          <a:bodyPr lIns="0" rIns="0" tIns="0" bIns="0" anchor="b"/>
+          <a:p>
+            <a:endParaRPr b="1" lang="en-US" sz="2830" spc="-1" strike="noStrike">
+              <a:solidFill>
+                <a:srgbClr val="ffffff"/>
+              </a:solidFill>
+              <a:uFill>
+                <a:solidFill>
+                  <a:srgbClr val="ffffff"/>
+                </a:solidFill>
+              </a:uFill>
+              <a:latin typeface="Source Sans Pro Black"/>
+            </a:endParaRPr>
+          </a:p>
+        </p:txBody>
+      </p:sp>
+      <p:sp>
+        <p:nvSpPr>
+          <p:cNvPr id="44" name="PlaceHolder 2"/>
           <p:cNvSpPr>
             <a:spLocks noGrp="1"/>
           </p:cNvSpPr>
@@ -1424,8 +1418,8 @@
         </p:nvSpPr>
         <p:spPr>
           <a:xfrm>
-            <a:off x="504000" y="1768680"/>
-            <a:ext cx="4426920" cy="4384080"/>
+            <a:off x="360000" y="1979640"/>
+            <a:ext cx="4479840" cy="4679640"/>
           </a:xfrm>
           <a:prstGeom prst="rect">
             <a:avLst/>
@@ -1434,23 +1428,23 @@
         <p:txBody>
           <a:bodyPr lIns="0" rIns="0" tIns="0" bIns="0"/>
           <a:p>
-            <a:endParaRPr b="0" lang="de-DE" sz="3200" spc="-1" strike="noStrike">
-              <a:solidFill>
-                <a:srgbClr val="000000"/>
-              </a:solidFill>
-              <a:uFill>
-                <a:solidFill>
-                  <a:srgbClr val="ffffff"/>
-                </a:solidFill>
-              </a:uFill>
-              <a:latin typeface="Arial"/>
-            </a:endParaRPr>
-          </a:p>
-        </p:txBody>
-      </p:sp>
-      <p:sp>
-        <p:nvSpPr>
-          <p:cNvPr id="44" name="PlaceHolder 3"/>
+            <a:endParaRPr b="1" lang="en-US" sz="2600" spc="-1" strike="noStrike">
+              <a:solidFill>
+                <a:srgbClr val="1c1c1c"/>
+              </a:solidFill>
+              <a:uFill>
+                <a:solidFill>
+                  <a:srgbClr val="ffffff"/>
+                </a:solidFill>
+              </a:uFill>
+              <a:latin typeface="Source Sans Pro Semibold"/>
+            </a:endParaRPr>
+          </a:p>
+        </p:txBody>
+      </p:sp>
+      <p:sp>
+        <p:nvSpPr>
+          <p:cNvPr id="45" name="PlaceHolder 3"/>
           <p:cNvSpPr>
             <a:spLocks noGrp="1"/>
           </p:cNvSpPr>
@@ -1460,8 +1454,8 @@
         </p:nvSpPr>
         <p:spPr>
           <a:xfrm>
-            <a:off x="5152680" y="1768680"/>
-            <a:ext cx="4426920" cy="4384080"/>
+            <a:off x="5064120" y="1979640"/>
+            <a:ext cx="4479840" cy="4679640"/>
           </a:xfrm>
           <a:prstGeom prst="rect">
             <a:avLst/>
@@ -1470,16 +1464,16 @@
         <p:txBody>
           <a:bodyPr lIns="0" rIns="0" tIns="0" bIns="0"/>
           <a:p>
-            <a:endParaRPr b="0" lang="de-DE" sz="3200" spc="-1" strike="noStrike">
-              <a:solidFill>
-                <a:srgbClr val="000000"/>
-              </a:solidFill>
-              <a:uFill>
-                <a:solidFill>
-                  <a:srgbClr val="ffffff"/>
-                </a:solidFill>
-              </a:uFill>
-              <a:latin typeface="Arial"/>
+            <a:endParaRPr b="1" lang="en-US" sz="2600" spc="-1" strike="noStrike">
+              <a:solidFill>
+                <a:srgbClr val="1c1c1c"/>
+              </a:solidFill>
+              <a:uFill>
+                <a:solidFill>
+                  <a:srgbClr val="ffffff"/>
+                </a:solidFill>
+              </a:uFill>
+              <a:latin typeface="Source Sans Pro Semibold"/>
             </a:endParaRPr>
           </a:p>
         </p:txBody>
@@ -1508,7 +1502,7 @@
       </p:grpSpPr>
       <p:sp>
         <p:nvSpPr>
-          <p:cNvPr id="45" name="PlaceHolder 1"/>
+          <p:cNvPr id="46" name="PlaceHolder 1"/>
           <p:cNvSpPr>
             <a:spLocks noGrp="1"/>
           </p:cNvSpPr>
@@ -1518,27 +1512,26 @@
         </p:nvSpPr>
         <p:spPr>
           <a:xfrm>
-            <a:off x="504000" y="301320"/>
-            <a:ext cx="9072000" cy="1261800"/>
-          </a:xfrm>
-          <a:prstGeom prst="rect">
-            <a:avLst/>
-          </a:prstGeom>
-        </p:spPr>
-        <p:txBody>
-          <a:bodyPr lIns="0" rIns="0" tIns="0" bIns="0" anchor="ctr"/>
-          <a:p>
-            <a:pPr algn="ctr"/>
-            <a:endParaRPr b="0" lang="de-DE" sz="4400" spc="-1" strike="noStrike">
-              <a:solidFill>
-                <a:srgbClr val="000000"/>
-              </a:solidFill>
-              <a:uFill>
-                <a:solidFill>
-                  <a:srgbClr val="ffffff"/>
-                </a:solidFill>
-              </a:uFill>
-              <a:latin typeface="Arial"/>
+            <a:off x="360000" y="359640"/>
+            <a:ext cx="9360720" cy="900000"/>
+          </a:xfrm>
+          <a:prstGeom prst="rect">
+            <a:avLst/>
+          </a:prstGeom>
+        </p:spPr>
+        <p:txBody>
+          <a:bodyPr lIns="0" rIns="0" tIns="0" bIns="0" anchor="b"/>
+          <a:p>
+            <a:endParaRPr b="1" lang="en-US" sz="2830" spc="-1" strike="noStrike">
+              <a:solidFill>
+                <a:srgbClr val="ffffff"/>
+              </a:solidFill>
+              <a:uFill>
+                <a:solidFill>
+                  <a:srgbClr val="ffffff"/>
+                </a:solidFill>
+              </a:uFill>
+              <a:latin typeface="Source Sans Pro Black"/>
             </a:endParaRPr>
           </a:p>
         </p:txBody>
@@ -1567,7 +1560,7 @@
       </p:grpSpPr>
       <p:sp>
         <p:nvSpPr>
-          <p:cNvPr id="46" name="PlaceHolder 1"/>
+          <p:cNvPr id="47" name="PlaceHolder 1"/>
           <p:cNvSpPr>
             <a:spLocks noGrp="1"/>
           </p:cNvSpPr>
@@ -1577,27 +1570,26 @@
         </p:nvSpPr>
         <p:spPr>
           <a:xfrm>
-            <a:off x="504000" y="301320"/>
-            <a:ext cx="9072000" cy="5850360"/>
-          </a:xfrm>
-          <a:prstGeom prst="rect">
-            <a:avLst/>
-          </a:prstGeom>
-        </p:spPr>
-        <p:txBody>
-          <a:bodyPr lIns="0" rIns="0" tIns="0" bIns="0" anchor="ctr"/>
-          <a:p>
-            <a:pPr algn="ctr"/>
-            <a:endParaRPr b="0" lang="de-DE" sz="3200" spc="-1" strike="noStrike">
-              <a:solidFill>
-                <a:srgbClr val="000000"/>
-              </a:solidFill>
-              <a:uFill>
-                <a:solidFill>
-                  <a:srgbClr val="ffffff"/>
-                </a:solidFill>
-              </a:uFill>
-              <a:latin typeface="Arial"/>
+            <a:off x="360000" y="359640"/>
+            <a:ext cx="9360720" cy="4173120"/>
+          </a:xfrm>
+          <a:prstGeom prst="rect">
+            <a:avLst/>
+          </a:prstGeom>
+        </p:spPr>
+        <p:txBody>
+          <a:bodyPr lIns="0" rIns="0" tIns="0" bIns="0"/>
+          <a:p>
+            <a:endParaRPr b="0" lang="en-US" sz="2600" spc="-1" strike="noStrike">
+              <a:solidFill>
+                <a:srgbClr val="1c1c1c"/>
+              </a:solidFill>
+              <a:uFill>
+                <a:solidFill>
+                  <a:srgbClr val="ffffff"/>
+                </a:solidFill>
+              </a:uFill>
+              <a:latin typeface="Source Sans Pro Light"/>
             </a:endParaRPr>
           </a:p>
         </p:txBody>
@@ -1626,7 +1618,7 @@
       </p:grpSpPr>
       <p:sp>
         <p:nvSpPr>
-          <p:cNvPr id="47" name="PlaceHolder 1"/>
+          <p:cNvPr id="48" name="PlaceHolder 1"/>
           <p:cNvSpPr>
             <a:spLocks noGrp="1"/>
           </p:cNvSpPr>
@@ -1636,34 +1628,33 @@
         </p:nvSpPr>
         <p:spPr>
           <a:xfrm>
-            <a:off x="504000" y="301320"/>
-            <a:ext cx="9072000" cy="1261800"/>
-          </a:xfrm>
-          <a:prstGeom prst="rect">
-            <a:avLst/>
-          </a:prstGeom>
-        </p:spPr>
-        <p:txBody>
-          <a:bodyPr lIns="0" rIns="0" tIns="0" bIns="0" anchor="ctr"/>
-          <a:p>
-            <a:pPr algn="ctr"/>
-            <a:endParaRPr b="0" lang="de-DE" sz="4400" spc="-1" strike="noStrike">
-              <a:solidFill>
-                <a:srgbClr val="000000"/>
-              </a:solidFill>
-              <a:uFill>
-                <a:solidFill>
-                  <a:srgbClr val="ffffff"/>
-                </a:solidFill>
-              </a:uFill>
-              <a:latin typeface="Arial"/>
-            </a:endParaRPr>
-          </a:p>
-        </p:txBody>
-      </p:sp>
-      <p:sp>
-        <p:nvSpPr>
-          <p:cNvPr id="48" name="PlaceHolder 2"/>
+            <a:off x="360000" y="359640"/>
+            <a:ext cx="9360720" cy="900000"/>
+          </a:xfrm>
+          <a:prstGeom prst="rect">
+            <a:avLst/>
+          </a:prstGeom>
+        </p:spPr>
+        <p:txBody>
+          <a:bodyPr lIns="0" rIns="0" tIns="0" bIns="0" anchor="b"/>
+          <a:p>
+            <a:endParaRPr b="1" lang="en-US" sz="2830" spc="-1" strike="noStrike">
+              <a:solidFill>
+                <a:srgbClr val="ffffff"/>
+              </a:solidFill>
+              <a:uFill>
+                <a:solidFill>
+                  <a:srgbClr val="ffffff"/>
+                </a:solidFill>
+              </a:uFill>
+              <a:latin typeface="Source Sans Pro Black"/>
+            </a:endParaRPr>
+          </a:p>
+        </p:txBody>
+      </p:sp>
+      <p:sp>
+        <p:nvSpPr>
+          <p:cNvPr id="49" name="PlaceHolder 2"/>
           <p:cNvSpPr>
             <a:spLocks noGrp="1"/>
           </p:cNvSpPr>
@@ -1673,8 +1664,8 @@
         </p:nvSpPr>
         <p:spPr>
           <a:xfrm>
-            <a:off x="504000" y="1768680"/>
-            <a:ext cx="4426920" cy="2090880"/>
+            <a:off x="360000" y="1979640"/>
+            <a:ext cx="4479840" cy="2232000"/>
           </a:xfrm>
           <a:prstGeom prst="rect">
             <a:avLst/>
@@ -1683,23 +1674,23 @@
         <p:txBody>
           <a:bodyPr lIns="0" rIns="0" tIns="0" bIns="0"/>
           <a:p>
-            <a:endParaRPr b="0" lang="de-DE" sz="3200" spc="-1" strike="noStrike">
-              <a:solidFill>
-                <a:srgbClr val="000000"/>
-              </a:solidFill>
-              <a:uFill>
-                <a:solidFill>
-                  <a:srgbClr val="ffffff"/>
-                </a:solidFill>
-              </a:uFill>
-              <a:latin typeface="Arial"/>
-            </a:endParaRPr>
-          </a:p>
-        </p:txBody>
-      </p:sp>
-      <p:sp>
-        <p:nvSpPr>
-          <p:cNvPr id="49" name="PlaceHolder 3"/>
+            <a:endParaRPr b="1" lang="en-US" sz="2600" spc="-1" strike="noStrike">
+              <a:solidFill>
+                <a:srgbClr val="1c1c1c"/>
+              </a:solidFill>
+              <a:uFill>
+                <a:solidFill>
+                  <a:srgbClr val="ffffff"/>
+                </a:solidFill>
+              </a:uFill>
+              <a:latin typeface="Source Sans Pro Semibold"/>
+            </a:endParaRPr>
+          </a:p>
+        </p:txBody>
+      </p:sp>
+      <p:sp>
+        <p:nvSpPr>
+          <p:cNvPr id="50" name="PlaceHolder 3"/>
           <p:cNvSpPr>
             <a:spLocks noGrp="1"/>
           </p:cNvSpPr>
@@ -1709,8 +1700,8 @@
         </p:nvSpPr>
         <p:spPr>
           <a:xfrm>
-            <a:off x="504000" y="4058640"/>
-            <a:ext cx="4426920" cy="2090880"/>
+            <a:off x="360000" y="4424040"/>
+            <a:ext cx="4479840" cy="2232000"/>
           </a:xfrm>
           <a:prstGeom prst="rect">
             <a:avLst/>
@@ -1719,23 +1710,23 @@
         <p:txBody>
           <a:bodyPr lIns="0" rIns="0" tIns="0" bIns="0"/>
           <a:p>
-            <a:endParaRPr b="0" lang="de-DE" sz="3200" spc="-1" strike="noStrike">
-              <a:solidFill>
-                <a:srgbClr val="000000"/>
-              </a:solidFill>
-              <a:uFill>
-                <a:solidFill>
-                  <a:srgbClr val="ffffff"/>
-                </a:solidFill>
-              </a:uFill>
-              <a:latin typeface="Arial"/>
-            </a:endParaRPr>
-          </a:p>
-        </p:txBody>
-      </p:sp>
-      <p:sp>
-        <p:nvSpPr>
-          <p:cNvPr id="50" name="PlaceHolder 4"/>
+            <a:endParaRPr b="1" lang="en-US" sz="2600" spc="-1" strike="noStrike">
+              <a:solidFill>
+                <a:srgbClr val="1c1c1c"/>
+              </a:solidFill>
+              <a:uFill>
+                <a:solidFill>
+                  <a:srgbClr val="ffffff"/>
+                </a:solidFill>
+              </a:uFill>
+              <a:latin typeface="Source Sans Pro Semibold"/>
+            </a:endParaRPr>
+          </a:p>
+        </p:txBody>
+      </p:sp>
+      <p:sp>
+        <p:nvSpPr>
+          <p:cNvPr id="51" name="PlaceHolder 4"/>
           <p:cNvSpPr>
             <a:spLocks noGrp="1"/>
           </p:cNvSpPr>
@@ -1745,8 +1736,8 @@
         </p:nvSpPr>
         <p:spPr>
           <a:xfrm>
-            <a:off x="5152680" y="1768680"/>
-            <a:ext cx="4426920" cy="4384080"/>
+            <a:off x="5064120" y="1979640"/>
+            <a:ext cx="4479840" cy="4679640"/>
           </a:xfrm>
           <a:prstGeom prst="rect">
             <a:avLst/>
@@ -1755,16 +1746,16 @@
         <p:txBody>
           <a:bodyPr lIns="0" rIns="0" tIns="0" bIns="0"/>
           <a:p>
-            <a:endParaRPr b="0" lang="de-DE" sz="3200" spc="-1" strike="noStrike">
-              <a:solidFill>
-                <a:srgbClr val="000000"/>
-              </a:solidFill>
-              <a:uFill>
-                <a:solidFill>
-                  <a:srgbClr val="ffffff"/>
-                </a:solidFill>
-              </a:uFill>
-              <a:latin typeface="Arial"/>
+            <a:endParaRPr b="1" lang="en-US" sz="2600" spc="-1" strike="noStrike">
+              <a:solidFill>
+                <a:srgbClr val="1c1c1c"/>
+              </a:solidFill>
+              <a:uFill>
+                <a:solidFill>
+                  <a:srgbClr val="ffffff"/>
+                </a:solidFill>
+              </a:uFill>
+              <a:latin typeface="Source Sans Pro Semibold"/>
             </a:endParaRPr>
           </a:p>
         </p:txBody>
@@ -1803,27 +1794,26 @@
         </p:nvSpPr>
         <p:spPr>
           <a:xfrm>
-            <a:off x="504000" y="301320"/>
-            <a:ext cx="9072000" cy="1261800"/>
-          </a:xfrm>
-          <a:prstGeom prst="rect">
-            <a:avLst/>
-          </a:prstGeom>
-        </p:spPr>
-        <p:txBody>
-          <a:bodyPr lIns="0" rIns="0" tIns="0" bIns="0" anchor="ctr"/>
-          <a:p>
-            <a:pPr algn="ctr"/>
-            <a:endParaRPr b="0" lang="de-DE" sz="4400" spc="-1" strike="noStrike">
-              <a:solidFill>
-                <a:srgbClr val="000000"/>
-              </a:solidFill>
-              <a:uFill>
-                <a:solidFill>
-                  <a:srgbClr val="ffffff"/>
-                </a:solidFill>
-              </a:uFill>
-              <a:latin typeface="Arial"/>
+            <a:off x="360000" y="359640"/>
+            <a:ext cx="9360720" cy="900000"/>
+          </a:xfrm>
+          <a:prstGeom prst="rect">
+            <a:avLst/>
+          </a:prstGeom>
+        </p:spPr>
+        <p:txBody>
+          <a:bodyPr lIns="0" rIns="0" tIns="0" bIns="0" anchor="b"/>
+          <a:p>
+            <a:endParaRPr b="1" lang="en-US" sz="2830" spc="-1" strike="noStrike">
+              <a:solidFill>
+                <a:srgbClr val="ffffff"/>
+              </a:solidFill>
+              <a:uFill>
+                <a:solidFill>
+                  <a:srgbClr val="ffffff"/>
+                </a:solidFill>
+              </a:uFill>
+              <a:latin typeface="Source Sans Pro Black"/>
             </a:endParaRPr>
           </a:p>
         </p:txBody>
@@ -1840,27 +1830,26 @@
         </p:nvSpPr>
         <p:spPr>
           <a:xfrm>
-            <a:off x="504000" y="1768680"/>
-            <a:ext cx="9072000" cy="4384080"/>
-          </a:xfrm>
-          <a:prstGeom prst="rect">
-            <a:avLst/>
-          </a:prstGeom>
-        </p:spPr>
-        <p:txBody>
-          <a:bodyPr lIns="0" rIns="0" tIns="0" bIns="0" anchor="ctr"/>
-          <a:p>
-            <a:pPr algn="ctr"/>
-            <a:endParaRPr b="0" lang="de-DE" sz="3200" spc="-1" strike="noStrike">
-              <a:solidFill>
-                <a:srgbClr val="000000"/>
-              </a:solidFill>
-              <a:uFill>
-                <a:solidFill>
-                  <a:srgbClr val="ffffff"/>
-                </a:solidFill>
-              </a:uFill>
-              <a:latin typeface="Arial"/>
+            <a:off x="360000" y="1979640"/>
+            <a:ext cx="9180720" cy="4679640"/>
+          </a:xfrm>
+          <a:prstGeom prst="rect">
+            <a:avLst/>
+          </a:prstGeom>
+        </p:spPr>
+        <p:txBody>
+          <a:bodyPr lIns="0" rIns="0" tIns="0" bIns="0"/>
+          <a:p>
+            <a:endParaRPr b="0" lang="en-US" sz="2600" spc="-1" strike="noStrike">
+              <a:solidFill>
+                <a:srgbClr val="1c1c1c"/>
+              </a:solidFill>
+              <a:uFill>
+                <a:solidFill>
+                  <a:srgbClr val="ffffff"/>
+                </a:solidFill>
+              </a:uFill>
+              <a:latin typeface="Source Sans Pro Light"/>
             </a:endParaRPr>
           </a:p>
         </p:txBody>
@@ -1889,7 +1878,7 @@
       </p:grpSpPr>
       <p:sp>
         <p:nvSpPr>
-          <p:cNvPr id="51" name="PlaceHolder 1"/>
+          <p:cNvPr id="52" name="PlaceHolder 1"/>
           <p:cNvSpPr>
             <a:spLocks noGrp="1"/>
           </p:cNvSpPr>
@@ -1899,34 +1888,33 @@
         </p:nvSpPr>
         <p:spPr>
           <a:xfrm>
-            <a:off x="504000" y="301320"/>
-            <a:ext cx="9072000" cy="1261800"/>
-          </a:xfrm>
-          <a:prstGeom prst="rect">
-            <a:avLst/>
-          </a:prstGeom>
-        </p:spPr>
-        <p:txBody>
-          <a:bodyPr lIns="0" rIns="0" tIns="0" bIns="0" anchor="ctr"/>
-          <a:p>
-            <a:pPr algn="ctr"/>
-            <a:endParaRPr b="0" lang="de-DE" sz="4400" spc="-1" strike="noStrike">
-              <a:solidFill>
-                <a:srgbClr val="000000"/>
-              </a:solidFill>
-              <a:uFill>
-                <a:solidFill>
-                  <a:srgbClr val="ffffff"/>
-                </a:solidFill>
-              </a:uFill>
-              <a:latin typeface="Arial"/>
-            </a:endParaRPr>
-          </a:p>
-        </p:txBody>
-      </p:sp>
-      <p:sp>
-        <p:nvSpPr>
-          <p:cNvPr id="52" name="PlaceHolder 2"/>
+            <a:off x="360000" y="359640"/>
+            <a:ext cx="9360720" cy="900000"/>
+          </a:xfrm>
+          <a:prstGeom prst="rect">
+            <a:avLst/>
+          </a:prstGeom>
+        </p:spPr>
+        <p:txBody>
+          <a:bodyPr lIns="0" rIns="0" tIns="0" bIns="0" anchor="b"/>
+          <a:p>
+            <a:endParaRPr b="1" lang="en-US" sz="2830" spc="-1" strike="noStrike">
+              <a:solidFill>
+                <a:srgbClr val="ffffff"/>
+              </a:solidFill>
+              <a:uFill>
+                <a:solidFill>
+                  <a:srgbClr val="ffffff"/>
+                </a:solidFill>
+              </a:uFill>
+              <a:latin typeface="Source Sans Pro Black"/>
+            </a:endParaRPr>
+          </a:p>
+        </p:txBody>
+      </p:sp>
+      <p:sp>
+        <p:nvSpPr>
+          <p:cNvPr id="53" name="PlaceHolder 2"/>
           <p:cNvSpPr>
             <a:spLocks noGrp="1"/>
           </p:cNvSpPr>
@@ -1936,8 +1924,8 @@
         </p:nvSpPr>
         <p:spPr>
           <a:xfrm>
-            <a:off x="504000" y="1768680"/>
-            <a:ext cx="4426920" cy="4384080"/>
+            <a:off x="360000" y="1979640"/>
+            <a:ext cx="4479840" cy="4679640"/>
           </a:xfrm>
           <a:prstGeom prst="rect">
             <a:avLst/>
@@ -1946,23 +1934,23 @@
         <p:txBody>
           <a:bodyPr lIns="0" rIns="0" tIns="0" bIns="0"/>
           <a:p>
-            <a:endParaRPr b="0" lang="de-DE" sz="3200" spc="-1" strike="noStrike">
-              <a:solidFill>
-                <a:srgbClr val="000000"/>
-              </a:solidFill>
-              <a:uFill>
-                <a:solidFill>
-                  <a:srgbClr val="ffffff"/>
-                </a:solidFill>
-              </a:uFill>
-              <a:latin typeface="Arial"/>
-            </a:endParaRPr>
-          </a:p>
-        </p:txBody>
-      </p:sp>
-      <p:sp>
-        <p:nvSpPr>
-          <p:cNvPr id="53" name="PlaceHolder 3"/>
+            <a:endParaRPr b="1" lang="en-US" sz="2600" spc="-1" strike="noStrike">
+              <a:solidFill>
+                <a:srgbClr val="1c1c1c"/>
+              </a:solidFill>
+              <a:uFill>
+                <a:solidFill>
+                  <a:srgbClr val="ffffff"/>
+                </a:solidFill>
+              </a:uFill>
+              <a:latin typeface="Source Sans Pro Semibold"/>
+            </a:endParaRPr>
+          </a:p>
+        </p:txBody>
+      </p:sp>
+      <p:sp>
+        <p:nvSpPr>
+          <p:cNvPr id="54" name="PlaceHolder 3"/>
           <p:cNvSpPr>
             <a:spLocks noGrp="1"/>
           </p:cNvSpPr>
@@ -1972,8 +1960,8 @@
         </p:nvSpPr>
         <p:spPr>
           <a:xfrm>
-            <a:off x="5152680" y="1768680"/>
-            <a:ext cx="4426920" cy="2090880"/>
+            <a:off x="5064120" y="1979640"/>
+            <a:ext cx="4479840" cy="2232000"/>
           </a:xfrm>
           <a:prstGeom prst="rect">
             <a:avLst/>
@@ -1982,23 +1970,23 @@
         <p:txBody>
           <a:bodyPr lIns="0" rIns="0" tIns="0" bIns="0"/>
           <a:p>
-            <a:endParaRPr b="0" lang="de-DE" sz="3200" spc="-1" strike="noStrike">
-              <a:solidFill>
-                <a:srgbClr val="000000"/>
-              </a:solidFill>
-              <a:uFill>
-                <a:solidFill>
-                  <a:srgbClr val="ffffff"/>
-                </a:solidFill>
-              </a:uFill>
-              <a:latin typeface="Arial"/>
-            </a:endParaRPr>
-          </a:p>
-        </p:txBody>
-      </p:sp>
-      <p:sp>
-        <p:nvSpPr>
-          <p:cNvPr id="54" name="PlaceHolder 4"/>
+            <a:endParaRPr b="1" lang="en-US" sz="2600" spc="-1" strike="noStrike">
+              <a:solidFill>
+                <a:srgbClr val="1c1c1c"/>
+              </a:solidFill>
+              <a:uFill>
+                <a:solidFill>
+                  <a:srgbClr val="ffffff"/>
+                </a:solidFill>
+              </a:uFill>
+              <a:latin typeface="Source Sans Pro Semibold"/>
+            </a:endParaRPr>
+          </a:p>
+        </p:txBody>
+      </p:sp>
+      <p:sp>
+        <p:nvSpPr>
+          <p:cNvPr id="55" name="PlaceHolder 4"/>
           <p:cNvSpPr>
             <a:spLocks noGrp="1"/>
           </p:cNvSpPr>
@@ -2008,8 +1996,8 @@
         </p:nvSpPr>
         <p:spPr>
           <a:xfrm>
-            <a:off x="5152680" y="4058640"/>
-            <a:ext cx="4426920" cy="2090880"/>
+            <a:off x="5064120" y="4424040"/>
+            <a:ext cx="4479840" cy="2232000"/>
           </a:xfrm>
           <a:prstGeom prst="rect">
             <a:avLst/>
@@ -2018,16 +2006,16 @@
         <p:txBody>
           <a:bodyPr lIns="0" rIns="0" tIns="0" bIns="0"/>
           <a:p>
-            <a:endParaRPr b="0" lang="de-DE" sz="3200" spc="-1" strike="noStrike">
-              <a:solidFill>
-                <a:srgbClr val="000000"/>
-              </a:solidFill>
-              <a:uFill>
-                <a:solidFill>
-                  <a:srgbClr val="ffffff"/>
-                </a:solidFill>
-              </a:uFill>
-              <a:latin typeface="Arial"/>
+            <a:endParaRPr b="1" lang="en-US" sz="2600" spc="-1" strike="noStrike">
+              <a:solidFill>
+                <a:srgbClr val="1c1c1c"/>
+              </a:solidFill>
+              <a:uFill>
+                <a:solidFill>
+                  <a:srgbClr val="ffffff"/>
+                </a:solidFill>
+              </a:uFill>
+              <a:latin typeface="Source Sans Pro Semibold"/>
             </a:endParaRPr>
           </a:p>
         </p:txBody>
@@ -2056,7 +2044,7 @@
       </p:grpSpPr>
       <p:sp>
         <p:nvSpPr>
-          <p:cNvPr id="55" name="PlaceHolder 1"/>
+          <p:cNvPr id="56" name="PlaceHolder 1"/>
           <p:cNvSpPr>
             <a:spLocks noGrp="1"/>
           </p:cNvSpPr>
@@ -2066,34 +2054,33 @@
         </p:nvSpPr>
         <p:spPr>
           <a:xfrm>
-            <a:off x="504000" y="301320"/>
-            <a:ext cx="9072000" cy="1261800"/>
-          </a:xfrm>
-          <a:prstGeom prst="rect">
-            <a:avLst/>
-          </a:prstGeom>
-        </p:spPr>
-        <p:txBody>
-          <a:bodyPr lIns="0" rIns="0" tIns="0" bIns="0" anchor="ctr"/>
-          <a:p>
-            <a:pPr algn="ctr"/>
-            <a:endParaRPr b="0" lang="de-DE" sz="4400" spc="-1" strike="noStrike">
-              <a:solidFill>
-                <a:srgbClr val="000000"/>
-              </a:solidFill>
-              <a:uFill>
-                <a:solidFill>
-                  <a:srgbClr val="ffffff"/>
-                </a:solidFill>
-              </a:uFill>
-              <a:latin typeface="Arial"/>
-            </a:endParaRPr>
-          </a:p>
-        </p:txBody>
-      </p:sp>
-      <p:sp>
-        <p:nvSpPr>
-          <p:cNvPr id="56" name="PlaceHolder 2"/>
+            <a:off x="360000" y="359640"/>
+            <a:ext cx="9360720" cy="900000"/>
+          </a:xfrm>
+          <a:prstGeom prst="rect">
+            <a:avLst/>
+          </a:prstGeom>
+        </p:spPr>
+        <p:txBody>
+          <a:bodyPr lIns="0" rIns="0" tIns="0" bIns="0" anchor="b"/>
+          <a:p>
+            <a:endParaRPr b="1" lang="en-US" sz="2830" spc="-1" strike="noStrike">
+              <a:solidFill>
+                <a:srgbClr val="ffffff"/>
+              </a:solidFill>
+              <a:uFill>
+                <a:solidFill>
+                  <a:srgbClr val="ffffff"/>
+                </a:solidFill>
+              </a:uFill>
+              <a:latin typeface="Source Sans Pro Black"/>
+            </a:endParaRPr>
+          </a:p>
+        </p:txBody>
+      </p:sp>
+      <p:sp>
+        <p:nvSpPr>
+          <p:cNvPr id="57" name="PlaceHolder 2"/>
           <p:cNvSpPr>
             <a:spLocks noGrp="1"/>
           </p:cNvSpPr>
@@ -2103,8 +2090,8 @@
         </p:nvSpPr>
         <p:spPr>
           <a:xfrm>
-            <a:off x="504000" y="1768680"/>
-            <a:ext cx="4426920" cy="2090880"/>
+            <a:off x="360000" y="1979640"/>
+            <a:ext cx="4479840" cy="2232000"/>
           </a:xfrm>
           <a:prstGeom prst="rect">
             <a:avLst/>
@@ -2113,23 +2100,23 @@
         <p:txBody>
           <a:bodyPr lIns="0" rIns="0" tIns="0" bIns="0"/>
           <a:p>
-            <a:endParaRPr b="0" lang="de-DE" sz="3200" spc="-1" strike="noStrike">
-              <a:solidFill>
-                <a:srgbClr val="000000"/>
-              </a:solidFill>
-              <a:uFill>
-                <a:solidFill>
-                  <a:srgbClr val="ffffff"/>
-                </a:solidFill>
-              </a:uFill>
-              <a:latin typeface="Arial"/>
-            </a:endParaRPr>
-          </a:p>
-        </p:txBody>
-      </p:sp>
-      <p:sp>
-        <p:nvSpPr>
-          <p:cNvPr id="57" name="PlaceHolder 3"/>
+            <a:endParaRPr b="1" lang="en-US" sz="2600" spc="-1" strike="noStrike">
+              <a:solidFill>
+                <a:srgbClr val="1c1c1c"/>
+              </a:solidFill>
+              <a:uFill>
+                <a:solidFill>
+                  <a:srgbClr val="ffffff"/>
+                </a:solidFill>
+              </a:uFill>
+              <a:latin typeface="Source Sans Pro Semibold"/>
+            </a:endParaRPr>
+          </a:p>
+        </p:txBody>
+      </p:sp>
+      <p:sp>
+        <p:nvSpPr>
+          <p:cNvPr id="58" name="PlaceHolder 3"/>
           <p:cNvSpPr>
             <a:spLocks noGrp="1"/>
           </p:cNvSpPr>
@@ -2139,8 +2126,8 @@
         </p:nvSpPr>
         <p:spPr>
           <a:xfrm>
-            <a:off x="5152680" y="1768680"/>
-            <a:ext cx="4426920" cy="2090880"/>
+            <a:off x="5064120" y="1979640"/>
+            <a:ext cx="4479840" cy="2232000"/>
           </a:xfrm>
           <a:prstGeom prst="rect">
             <a:avLst/>
@@ -2149,23 +2136,23 @@
         <p:txBody>
           <a:bodyPr lIns="0" rIns="0" tIns="0" bIns="0"/>
           <a:p>
-            <a:endParaRPr b="0" lang="de-DE" sz="3200" spc="-1" strike="noStrike">
-              <a:solidFill>
-                <a:srgbClr val="000000"/>
-              </a:solidFill>
-              <a:uFill>
-                <a:solidFill>
-                  <a:srgbClr val="ffffff"/>
-                </a:solidFill>
-              </a:uFill>
-              <a:latin typeface="Arial"/>
-            </a:endParaRPr>
-          </a:p>
-        </p:txBody>
-      </p:sp>
-      <p:sp>
-        <p:nvSpPr>
-          <p:cNvPr id="58" name="PlaceHolder 4"/>
+            <a:endParaRPr b="1" lang="en-US" sz="2600" spc="-1" strike="noStrike">
+              <a:solidFill>
+                <a:srgbClr val="1c1c1c"/>
+              </a:solidFill>
+              <a:uFill>
+                <a:solidFill>
+                  <a:srgbClr val="ffffff"/>
+                </a:solidFill>
+              </a:uFill>
+              <a:latin typeface="Source Sans Pro Semibold"/>
+            </a:endParaRPr>
+          </a:p>
+        </p:txBody>
+      </p:sp>
+      <p:sp>
+        <p:nvSpPr>
+          <p:cNvPr id="59" name="PlaceHolder 4"/>
           <p:cNvSpPr>
             <a:spLocks noGrp="1"/>
           </p:cNvSpPr>
@@ -2175,8 +2162,8 @@
         </p:nvSpPr>
         <p:spPr>
           <a:xfrm>
-            <a:off x="504000" y="4058640"/>
-            <a:ext cx="9072000" cy="2090880"/>
+            <a:off x="360000" y="4424040"/>
+            <a:ext cx="9180720" cy="2232000"/>
           </a:xfrm>
           <a:prstGeom prst="rect">
             <a:avLst/>
@@ -2185,16 +2172,16 @@
         <p:txBody>
           <a:bodyPr lIns="0" rIns="0" tIns="0" bIns="0"/>
           <a:p>
-            <a:endParaRPr b="0" lang="de-DE" sz="3200" spc="-1" strike="noStrike">
-              <a:solidFill>
-                <a:srgbClr val="000000"/>
-              </a:solidFill>
-              <a:uFill>
-                <a:solidFill>
-                  <a:srgbClr val="ffffff"/>
-                </a:solidFill>
-              </a:uFill>
-              <a:latin typeface="Arial"/>
+            <a:endParaRPr b="1" lang="en-US" sz="2600" spc="-1" strike="noStrike">
+              <a:solidFill>
+                <a:srgbClr val="1c1c1c"/>
+              </a:solidFill>
+              <a:uFill>
+                <a:solidFill>
+                  <a:srgbClr val="ffffff"/>
+                </a:solidFill>
+              </a:uFill>
+              <a:latin typeface="Source Sans Pro Semibold"/>
             </a:endParaRPr>
           </a:p>
         </p:txBody>
@@ -2223,7 +2210,7 @@
       </p:grpSpPr>
       <p:sp>
         <p:nvSpPr>
-          <p:cNvPr id="59" name="PlaceHolder 1"/>
+          <p:cNvPr id="60" name="PlaceHolder 1"/>
           <p:cNvSpPr>
             <a:spLocks noGrp="1"/>
           </p:cNvSpPr>
@@ -2233,34 +2220,33 @@
         </p:nvSpPr>
         <p:spPr>
           <a:xfrm>
-            <a:off x="504000" y="301320"/>
-            <a:ext cx="9072000" cy="1261800"/>
-          </a:xfrm>
-          <a:prstGeom prst="rect">
-            <a:avLst/>
-          </a:prstGeom>
-        </p:spPr>
-        <p:txBody>
-          <a:bodyPr lIns="0" rIns="0" tIns="0" bIns="0" anchor="ctr"/>
-          <a:p>
-            <a:pPr algn="ctr"/>
-            <a:endParaRPr b="0" lang="de-DE" sz="4400" spc="-1" strike="noStrike">
-              <a:solidFill>
-                <a:srgbClr val="000000"/>
-              </a:solidFill>
-              <a:uFill>
-                <a:solidFill>
-                  <a:srgbClr val="ffffff"/>
-                </a:solidFill>
-              </a:uFill>
-              <a:latin typeface="Arial"/>
-            </a:endParaRPr>
-          </a:p>
-        </p:txBody>
-      </p:sp>
-      <p:sp>
-        <p:nvSpPr>
-          <p:cNvPr id="60" name="PlaceHolder 2"/>
+            <a:off x="360000" y="359640"/>
+            <a:ext cx="9360720" cy="900000"/>
+          </a:xfrm>
+          <a:prstGeom prst="rect">
+            <a:avLst/>
+          </a:prstGeom>
+        </p:spPr>
+        <p:txBody>
+          <a:bodyPr lIns="0" rIns="0" tIns="0" bIns="0" anchor="b"/>
+          <a:p>
+            <a:endParaRPr b="1" lang="en-US" sz="2830" spc="-1" strike="noStrike">
+              <a:solidFill>
+                <a:srgbClr val="ffffff"/>
+              </a:solidFill>
+              <a:uFill>
+                <a:solidFill>
+                  <a:srgbClr val="ffffff"/>
+                </a:solidFill>
+              </a:uFill>
+              <a:latin typeface="Source Sans Pro Black"/>
+            </a:endParaRPr>
+          </a:p>
+        </p:txBody>
+      </p:sp>
+      <p:sp>
+        <p:nvSpPr>
+          <p:cNvPr id="61" name="PlaceHolder 2"/>
           <p:cNvSpPr>
             <a:spLocks noGrp="1"/>
           </p:cNvSpPr>
@@ -2270,8 +2256,8 @@
         </p:nvSpPr>
         <p:spPr>
           <a:xfrm>
-            <a:off x="504000" y="1768680"/>
-            <a:ext cx="9072000" cy="2090880"/>
+            <a:off x="360000" y="1979640"/>
+            <a:ext cx="9180720" cy="2232000"/>
           </a:xfrm>
           <a:prstGeom prst="rect">
             <a:avLst/>
@@ -2280,23 +2266,23 @@
         <p:txBody>
           <a:bodyPr lIns="0" rIns="0" tIns="0" bIns="0"/>
           <a:p>
-            <a:endParaRPr b="0" lang="de-DE" sz="3200" spc="-1" strike="noStrike">
-              <a:solidFill>
-                <a:srgbClr val="000000"/>
-              </a:solidFill>
-              <a:uFill>
-                <a:solidFill>
-                  <a:srgbClr val="ffffff"/>
-                </a:solidFill>
-              </a:uFill>
-              <a:latin typeface="Arial"/>
-            </a:endParaRPr>
-          </a:p>
-        </p:txBody>
-      </p:sp>
-      <p:sp>
-        <p:nvSpPr>
-          <p:cNvPr id="61" name="PlaceHolder 3"/>
+            <a:endParaRPr b="1" lang="en-US" sz="2600" spc="-1" strike="noStrike">
+              <a:solidFill>
+                <a:srgbClr val="1c1c1c"/>
+              </a:solidFill>
+              <a:uFill>
+                <a:solidFill>
+                  <a:srgbClr val="ffffff"/>
+                </a:solidFill>
+              </a:uFill>
+              <a:latin typeface="Source Sans Pro Semibold"/>
+            </a:endParaRPr>
+          </a:p>
+        </p:txBody>
+      </p:sp>
+      <p:sp>
+        <p:nvSpPr>
+          <p:cNvPr id="62" name="PlaceHolder 3"/>
           <p:cNvSpPr>
             <a:spLocks noGrp="1"/>
           </p:cNvSpPr>
@@ -2306,8 +2292,8 @@
         </p:nvSpPr>
         <p:spPr>
           <a:xfrm>
-            <a:off x="504000" y="4058640"/>
-            <a:ext cx="9072000" cy="2090880"/>
+            <a:off x="360000" y="4424040"/>
+            <a:ext cx="9180720" cy="2232000"/>
           </a:xfrm>
           <a:prstGeom prst="rect">
             <a:avLst/>
@@ -2316,16 +2302,16 @@
         <p:txBody>
           <a:bodyPr lIns="0" rIns="0" tIns="0" bIns="0"/>
           <a:p>
-            <a:endParaRPr b="0" lang="de-DE" sz="3200" spc="-1" strike="noStrike">
-              <a:solidFill>
-                <a:srgbClr val="000000"/>
-              </a:solidFill>
-              <a:uFill>
-                <a:solidFill>
-                  <a:srgbClr val="ffffff"/>
-                </a:solidFill>
-              </a:uFill>
-              <a:latin typeface="Arial"/>
+            <a:endParaRPr b="1" lang="en-US" sz="2600" spc="-1" strike="noStrike">
+              <a:solidFill>
+                <a:srgbClr val="1c1c1c"/>
+              </a:solidFill>
+              <a:uFill>
+                <a:solidFill>
+                  <a:srgbClr val="ffffff"/>
+                </a:solidFill>
+              </a:uFill>
+              <a:latin typeface="Source Sans Pro Semibold"/>
             </a:endParaRPr>
           </a:p>
         </p:txBody>
@@ -2354,7 +2340,7 @@
       </p:grpSpPr>
       <p:sp>
         <p:nvSpPr>
-          <p:cNvPr id="62" name="PlaceHolder 1"/>
+          <p:cNvPr id="63" name="PlaceHolder 1"/>
           <p:cNvSpPr>
             <a:spLocks noGrp="1"/>
           </p:cNvSpPr>
@@ -2364,34 +2350,33 @@
         </p:nvSpPr>
         <p:spPr>
           <a:xfrm>
-            <a:off x="504000" y="301320"/>
-            <a:ext cx="9072000" cy="1261800"/>
-          </a:xfrm>
-          <a:prstGeom prst="rect">
-            <a:avLst/>
-          </a:prstGeom>
-        </p:spPr>
-        <p:txBody>
-          <a:bodyPr lIns="0" rIns="0" tIns="0" bIns="0" anchor="ctr"/>
-          <a:p>
-            <a:pPr algn="ctr"/>
-            <a:endParaRPr b="0" lang="de-DE" sz="4400" spc="-1" strike="noStrike">
-              <a:solidFill>
-                <a:srgbClr val="000000"/>
-              </a:solidFill>
-              <a:uFill>
-                <a:solidFill>
-                  <a:srgbClr val="ffffff"/>
-                </a:solidFill>
-              </a:uFill>
-              <a:latin typeface="Arial"/>
-            </a:endParaRPr>
-          </a:p>
-        </p:txBody>
-      </p:sp>
-      <p:sp>
-        <p:nvSpPr>
-          <p:cNvPr id="63" name="PlaceHolder 2"/>
+            <a:off x="360000" y="359640"/>
+            <a:ext cx="9360720" cy="900000"/>
+          </a:xfrm>
+          <a:prstGeom prst="rect">
+            <a:avLst/>
+          </a:prstGeom>
+        </p:spPr>
+        <p:txBody>
+          <a:bodyPr lIns="0" rIns="0" tIns="0" bIns="0" anchor="b"/>
+          <a:p>
+            <a:endParaRPr b="1" lang="en-US" sz="2830" spc="-1" strike="noStrike">
+              <a:solidFill>
+                <a:srgbClr val="ffffff"/>
+              </a:solidFill>
+              <a:uFill>
+                <a:solidFill>
+                  <a:srgbClr val="ffffff"/>
+                </a:solidFill>
+              </a:uFill>
+              <a:latin typeface="Source Sans Pro Black"/>
+            </a:endParaRPr>
+          </a:p>
+        </p:txBody>
+      </p:sp>
+      <p:sp>
+        <p:nvSpPr>
+          <p:cNvPr id="64" name="PlaceHolder 2"/>
           <p:cNvSpPr>
             <a:spLocks noGrp="1"/>
           </p:cNvSpPr>
@@ -2401,8 +2386,8 @@
         </p:nvSpPr>
         <p:spPr>
           <a:xfrm>
-            <a:off x="504000" y="1768680"/>
-            <a:ext cx="4426920" cy="2090880"/>
+            <a:off x="360000" y="1979640"/>
+            <a:ext cx="4479840" cy="2232000"/>
           </a:xfrm>
           <a:prstGeom prst="rect">
             <a:avLst/>
@@ -2411,23 +2396,23 @@
         <p:txBody>
           <a:bodyPr lIns="0" rIns="0" tIns="0" bIns="0"/>
           <a:p>
-            <a:endParaRPr b="0" lang="de-DE" sz="3200" spc="-1" strike="noStrike">
-              <a:solidFill>
-                <a:srgbClr val="000000"/>
-              </a:solidFill>
-              <a:uFill>
-                <a:solidFill>
-                  <a:srgbClr val="ffffff"/>
-                </a:solidFill>
-              </a:uFill>
-              <a:latin typeface="Arial"/>
-            </a:endParaRPr>
-          </a:p>
-        </p:txBody>
-      </p:sp>
-      <p:sp>
-        <p:nvSpPr>
-          <p:cNvPr id="64" name="PlaceHolder 3"/>
+            <a:endParaRPr b="1" lang="en-US" sz="2600" spc="-1" strike="noStrike">
+              <a:solidFill>
+                <a:srgbClr val="1c1c1c"/>
+              </a:solidFill>
+              <a:uFill>
+                <a:solidFill>
+                  <a:srgbClr val="ffffff"/>
+                </a:solidFill>
+              </a:uFill>
+              <a:latin typeface="Source Sans Pro Semibold"/>
+            </a:endParaRPr>
+          </a:p>
+        </p:txBody>
+      </p:sp>
+      <p:sp>
+        <p:nvSpPr>
+          <p:cNvPr id="65" name="PlaceHolder 3"/>
           <p:cNvSpPr>
             <a:spLocks noGrp="1"/>
           </p:cNvSpPr>
@@ -2437,8 +2422,8 @@
         </p:nvSpPr>
         <p:spPr>
           <a:xfrm>
-            <a:off x="5152680" y="1768680"/>
-            <a:ext cx="4426920" cy="2090880"/>
+            <a:off x="5064120" y="1979640"/>
+            <a:ext cx="4479840" cy="2232000"/>
           </a:xfrm>
           <a:prstGeom prst="rect">
             <a:avLst/>
@@ -2447,23 +2432,23 @@
         <p:txBody>
           <a:bodyPr lIns="0" rIns="0" tIns="0" bIns="0"/>
           <a:p>
-            <a:endParaRPr b="0" lang="de-DE" sz="3200" spc="-1" strike="noStrike">
-              <a:solidFill>
-                <a:srgbClr val="000000"/>
-              </a:solidFill>
-              <a:uFill>
-                <a:solidFill>
-                  <a:srgbClr val="ffffff"/>
-                </a:solidFill>
-              </a:uFill>
-              <a:latin typeface="Arial"/>
-            </a:endParaRPr>
-          </a:p>
-        </p:txBody>
-      </p:sp>
-      <p:sp>
-        <p:nvSpPr>
-          <p:cNvPr id="65" name="PlaceHolder 4"/>
+            <a:endParaRPr b="1" lang="en-US" sz="2600" spc="-1" strike="noStrike">
+              <a:solidFill>
+                <a:srgbClr val="1c1c1c"/>
+              </a:solidFill>
+              <a:uFill>
+                <a:solidFill>
+                  <a:srgbClr val="ffffff"/>
+                </a:solidFill>
+              </a:uFill>
+              <a:latin typeface="Source Sans Pro Semibold"/>
+            </a:endParaRPr>
+          </a:p>
+        </p:txBody>
+      </p:sp>
+      <p:sp>
+        <p:nvSpPr>
+          <p:cNvPr id="66" name="PlaceHolder 4"/>
           <p:cNvSpPr>
             <a:spLocks noGrp="1"/>
           </p:cNvSpPr>
@@ -2473,8 +2458,8 @@
         </p:nvSpPr>
         <p:spPr>
           <a:xfrm>
-            <a:off x="5152680" y="4058640"/>
-            <a:ext cx="4426920" cy="2090880"/>
+            <a:off x="5064120" y="4424040"/>
+            <a:ext cx="4479840" cy="2232000"/>
           </a:xfrm>
           <a:prstGeom prst="rect">
             <a:avLst/>
@@ -2483,23 +2468,23 @@
         <p:txBody>
           <a:bodyPr lIns="0" rIns="0" tIns="0" bIns="0"/>
           <a:p>
-            <a:endParaRPr b="0" lang="de-DE" sz="3200" spc="-1" strike="noStrike">
-              <a:solidFill>
-                <a:srgbClr val="000000"/>
-              </a:solidFill>
-              <a:uFill>
-                <a:solidFill>
-                  <a:srgbClr val="ffffff"/>
-                </a:solidFill>
-              </a:uFill>
-              <a:latin typeface="Arial"/>
-            </a:endParaRPr>
-          </a:p>
-        </p:txBody>
-      </p:sp>
-      <p:sp>
-        <p:nvSpPr>
-          <p:cNvPr id="66" name="PlaceHolder 5"/>
+            <a:endParaRPr b="1" lang="en-US" sz="2600" spc="-1" strike="noStrike">
+              <a:solidFill>
+                <a:srgbClr val="1c1c1c"/>
+              </a:solidFill>
+              <a:uFill>
+                <a:solidFill>
+                  <a:srgbClr val="ffffff"/>
+                </a:solidFill>
+              </a:uFill>
+              <a:latin typeface="Source Sans Pro Semibold"/>
+            </a:endParaRPr>
+          </a:p>
+        </p:txBody>
+      </p:sp>
+      <p:sp>
+        <p:nvSpPr>
+          <p:cNvPr id="67" name="PlaceHolder 5"/>
           <p:cNvSpPr>
             <a:spLocks noGrp="1"/>
           </p:cNvSpPr>
@@ -2509,8 +2494,8 @@
         </p:nvSpPr>
         <p:spPr>
           <a:xfrm>
-            <a:off x="504000" y="4058640"/>
-            <a:ext cx="4426920" cy="2090880"/>
+            <a:off x="360000" y="4424040"/>
+            <a:ext cx="4479840" cy="2232000"/>
           </a:xfrm>
           <a:prstGeom prst="rect">
             <a:avLst/>
@@ -2519,16 +2504,16 @@
         <p:txBody>
           <a:bodyPr lIns="0" rIns="0" tIns="0" bIns="0"/>
           <a:p>
-            <a:endParaRPr b="0" lang="de-DE" sz="3200" spc="-1" strike="noStrike">
-              <a:solidFill>
-                <a:srgbClr val="000000"/>
-              </a:solidFill>
-              <a:uFill>
-                <a:solidFill>
-                  <a:srgbClr val="ffffff"/>
-                </a:solidFill>
-              </a:uFill>
-              <a:latin typeface="Arial"/>
+            <a:endParaRPr b="1" lang="en-US" sz="2600" spc="-1" strike="noStrike">
+              <a:solidFill>
+                <a:srgbClr val="1c1c1c"/>
+              </a:solidFill>
+              <a:uFill>
+                <a:solidFill>
+                  <a:srgbClr val="ffffff"/>
+                </a:solidFill>
+              </a:uFill>
+              <a:latin typeface="Source Sans Pro Semibold"/>
             </a:endParaRPr>
           </a:p>
         </p:txBody>
@@ -2557,7 +2542,7 @@
       </p:grpSpPr>
       <p:sp>
         <p:nvSpPr>
-          <p:cNvPr id="67" name="PlaceHolder 1"/>
+          <p:cNvPr id="68" name="PlaceHolder 1"/>
           <p:cNvSpPr>
             <a:spLocks noGrp="1"/>
           </p:cNvSpPr>
@@ -2567,34 +2552,33 @@
         </p:nvSpPr>
         <p:spPr>
           <a:xfrm>
-            <a:off x="504000" y="301320"/>
-            <a:ext cx="9072000" cy="1261800"/>
-          </a:xfrm>
-          <a:prstGeom prst="rect">
-            <a:avLst/>
-          </a:prstGeom>
-        </p:spPr>
-        <p:txBody>
-          <a:bodyPr lIns="0" rIns="0" tIns="0" bIns="0" anchor="ctr"/>
-          <a:p>
-            <a:pPr algn="ctr"/>
-            <a:endParaRPr b="0" lang="de-DE" sz="4400" spc="-1" strike="noStrike">
-              <a:solidFill>
-                <a:srgbClr val="000000"/>
-              </a:solidFill>
-              <a:uFill>
-                <a:solidFill>
-                  <a:srgbClr val="ffffff"/>
-                </a:solidFill>
-              </a:uFill>
-              <a:latin typeface="Arial"/>
-            </a:endParaRPr>
-          </a:p>
-        </p:txBody>
-      </p:sp>
-      <p:sp>
-        <p:nvSpPr>
-          <p:cNvPr id="68" name="PlaceHolder 2"/>
+            <a:off x="360000" y="359640"/>
+            <a:ext cx="9360720" cy="900000"/>
+          </a:xfrm>
+          <a:prstGeom prst="rect">
+            <a:avLst/>
+          </a:prstGeom>
+        </p:spPr>
+        <p:txBody>
+          <a:bodyPr lIns="0" rIns="0" tIns="0" bIns="0" anchor="b"/>
+          <a:p>
+            <a:endParaRPr b="1" lang="en-US" sz="2830" spc="-1" strike="noStrike">
+              <a:solidFill>
+                <a:srgbClr val="ffffff"/>
+              </a:solidFill>
+              <a:uFill>
+                <a:solidFill>
+                  <a:srgbClr val="ffffff"/>
+                </a:solidFill>
+              </a:uFill>
+              <a:latin typeface="Source Sans Pro Black"/>
+            </a:endParaRPr>
+          </a:p>
+        </p:txBody>
+      </p:sp>
+      <p:sp>
+        <p:nvSpPr>
+          <p:cNvPr id="69" name="PlaceHolder 2"/>
           <p:cNvSpPr>
             <a:spLocks noGrp="1"/>
           </p:cNvSpPr>
@@ -2604,8 +2588,8 @@
         </p:nvSpPr>
         <p:spPr>
           <a:xfrm>
-            <a:off x="504000" y="1768680"/>
-            <a:ext cx="9072000" cy="4384080"/>
+            <a:off x="360000" y="1979640"/>
+            <a:ext cx="9180720" cy="4679640"/>
           </a:xfrm>
           <a:prstGeom prst="rect">
             <a:avLst/>
@@ -2614,23 +2598,23 @@
         <p:txBody>
           <a:bodyPr lIns="0" rIns="0" tIns="0" bIns="0"/>
           <a:p>
-            <a:endParaRPr b="0" lang="de-DE" sz="3200" spc="-1" strike="noStrike">
-              <a:solidFill>
-                <a:srgbClr val="000000"/>
-              </a:solidFill>
-              <a:uFill>
-                <a:solidFill>
-                  <a:srgbClr val="ffffff"/>
-                </a:solidFill>
-              </a:uFill>
-              <a:latin typeface="Arial"/>
-            </a:endParaRPr>
-          </a:p>
-        </p:txBody>
-      </p:sp>
-      <p:sp>
-        <p:nvSpPr>
-          <p:cNvPr id="69" name="PlaceHolder 3"/>
+            <a:endParaRPr b="1" lang="en-US" sz="2600" spc="-1" strike="noStrike">
+              <a:solidFill>
+                <a:srgbClr val="1c1c1c"/>
+              </a:solidFill>
+              <a:uFill>
+                <a:solidFill>
+                  <a:srgbClr val="ffffff"/>
+                </a:solidFill>
+              </a:uFill>
+              <a:latin typeface="Source Sans Pro Semibold"/>
+            </a:endParaRPr>
+          </a:p>
+        </p:txBody>
+      </p:sp>
+      <p:sp>
+        <p:nvSpPr>
+          <p:cNvPr id="70" name="PlaceHolder 3"/>
           <p:cNvSpPr>
             <a:spLocks noGrp="1"/>
           </p:cNvSpPr>
@@ -2640,8 +2624,8 @@
         </p:nvSpPr>
         <p:spPr>
           <a:xfrm>
-            <a:off x="504000" y="1768680"/>
-            <a:ext cx="9072000" cy="4384080"/>
+            <a:off x="360000" y="1979640"/>
+            <a:ext cx="9180720" cy="4679640"/>
           </a:xfrm>
           <a:prstGeom prst="rect">
             <a:avLst/>
@@ -2650,23 +2634,23 @@
         <p:txBody>
           <a:bodyPr lIns="0" rIns="0" tIns="0" bIns="0"/>
           <a:p>
-            <a:endParaRPr b="0" lang="de-DE" sz="3200" spc="-1" strike="noStrike">
-              <a:solidFill>
-                <a:srgbClr val="000000"/>
-              </a:solidFill>
-              <a:uFill>
-                <a:solidFill>
-                  <a:srgbClr val="ffffff"/>
-                </a:solidFill>
-              </a:uFill>
-              <a:latin typeface="Arial"/>
+            <a:endParaRPr b="1" lang="en-US" sz="2600" spc="-1" strike="noStrike">
+              <a:solidFill>
+                <a:srgbClr val="1c1c1c"/>
+              </a:solidFill>
+              <a:uFill>
+                <a:solidFill>
+                  <a:srgbClr val="ffffff"/>
+                </a:solidFill>
+              </a:uFill>
+              <a:latin typeface="Source Sans Pro Semibold"/>
             </a:endParaRPr>
           </a:p>
         </p:txBody>
       </p:sp>
       <p:pic>
         <p:nvPicPr>
-          <p:cNvPr id="70" name="" descr=""/>
+          <p:cNvPr id="71" name="" descr=""/>
           <p:cNvPicPr/>
           <p:nvPr/>
         </p:nvPicPr>
@@ -2676,8 +2660,8 @@
         </p:blipFill>
         <p:spPr>
           <a:xfrm>
-            <a:off x="2292480" y="1768680"/>
-            <a:ext cx="5494680" cy="4384080"/>
+            <a:off x="2017800" y="1979280"/>
+            <a:ext cx="5865120" cy="4679640"/>
           </a:xfrm>
           <a:prstGeom prst="rect">
             <a:avLst/>
@@ -2689,7 +2673,7 @@
       </p:pic>
       <p:pic>
         <p:nvPicPr>
-          <p:cNvPr id="71" name="" descr=""/>
+          <p:cNvPr id="72" name="" descr=""/>
           <p:cNvPicPr/>
           <p:nvPr/>
         </p:nvPicPr>
@@ -2699,8 +2683,8 @@
         </p:blipFill>
         <p:spPr>
           <a:xfrm>
-            <a:off x="2292480" y="1768680"/>
-            <a:ext cx="5494680" cy="4384080"/>
+            <a:off x="2017800" y="1979280"/>
+            <a:ext cx="5865120" cy="4679640"/>
           </a:xfrm>
           <a:prstGeom prst="rect">
             <a:avLst/>
@@ -2710,6 +2694,404 @@
           </a:ln>
         </p:spPr>
       </p:pic>
+    </p:spTree>
+  </p:cSld>
+</p:sldLayout>
+</file>
+
+<file path=ppt/slideLayouts/slideLayout25.xml><?xml version="1.0" encoding="utf-8"?>
+<p:sldLayout xmlns:a="http://schemas.openxmlformats.org/drawingml/2006/main" xmlns:p="http://schemas.openxmlformats.org/presentationml/2006/main" xmlns:r="http://schemas.openxmlformats.org/officeDocument/2006/relationships" xmlns:p14="http://schemas.microsoft.com/office/powerpoint/2010/main" xmlns:p15="http://schemas.microsoft.com/office/powerpoint/2012/main" xmlns:mc="http://schemas.openxmlformats.org/markup-compatibility/2006" type="blank" preserve="1">
+  <p:cSld name="Blank Slide">
+    <p:spTree>
+      <p:nvGrpSpPr>
+        <p:cNvPr id="1" name=""/>
+        <p:cNvGrpSpPr/>
+        <p:nvPr/>
+      </p:nvGrpSpPr>
+      <p:grpSpPr>
+        <a:xfrm>
+          <a:off x="0" y="0"/>
+          <a:ext cx="0" cy="0"/>
+          <a:chOff x="0" y="0"/>
+          <a:chExt cx="0" cy="0"/>
+        </a:xfrm>
+      </p:grpSpPr>
+    </p:spTree>
+  </p:cSld>
+</p:sldLayout>
+</file>
+
+<file path=ppt/slideLayouts/slideLayout26.xml><?xml version="1.0" encoding="utf-8"?>
+<p:sldLayout xmlns:a="http://schemas.openxmlformats.org/drawingml/2006/main" xmlns:p="http://schemas.openxmlformats.org/presentationml/2006/main" xmlns:r="http://schemas.openxmlformats.org/officeDocument/2006/relationships" xmlns:p14="http://schemas.microsoft.com/office/powerpoint/2010/main" xmlns:p15="http://schemas.microsoft.com/office/powerpoint/2012/main" xmlns:mc="http://schemas.openxmlformats.org/markup-compatibility/2006" type="tx" preserve="1">
+  <p:cSld name="Title Slide">
+    <p:spTree>
+      <p:nvGrpSpPr>
+        <p:cNvPr id="1" name=""/>
+        <p:cNvGrpSpPr/>
+        <p:nvPr/>
+      </p:nvGrpSpPr>
+      <p:grpSpPr>
+        <a:xfrm>
+          <a:off x="0" y="0"/>
+          <a:ext cx="0" cy="0"/>
+          <a:chOff x="0" y="0"/>
+          <a:chExt cx="0" cy="0"/>
+        </a:xfrm>
+      </p:grpSpPr>
+      <p:sp>
+        <p:nvSpPr>
+          <p:cNvPr id="83" name="PlaceHolder 1"/>
+          <p:cNvSpPr>
+            <a:spLocks noGrp="1"/>
+          </p:cNvSpPr>
+          <p:nvPr>
+            <p:ph type="title"/>
+          </p:nvPr>
+        </p:nvSpPr>
+        <p:spPr>
+          <a:xfrm>
+            <a:off x="360000" y="359640"/>
+            <a:ext cx="9360720" cy="900000"/>
+          </a:xfrm>
+          <a:prstGeom prst="rect">
+            <a:avLst/>
+          </a:prstGeom>
+        </p:spPr>
+        <p:txBody>
+          <a:bodyPr lIns="0" rIns="0" tIns="0" bIns="0" anchor="b"/>
+          <a:p>
+            <a:endParaRPr b="1" lang="en-US" sz="2830" spc="-1" strike="noStrike">
+              <a:solidFill>
+                <a:srgbClr val="ffffff"/>
+              </a:solidFill>
+              <a:uFill>
+                <a:solidFill>
+                  <a:srgbClr val="ffffff"/>
+                </a:solidFill>
+              </a:uFill>
+              <a:latin typeface="Source Sans Pro Black"/>
+            </a:endParaRPr>
+          </a:p>
+        </p:txBody>
+      </p:sp>
+      <p:sp>
+        <p:nvSpPr>
+          <p:cNvPr id="84" name="PlaceHolder 2"/>
+          <p:cNvSpPr>
+            <a:spLocks noGrp="1"/>
+          </p:cNvSpPr>
+          <p:nvPr>
+            <p:ph type="subTitle"/>
+          </p:nvPr>
+        </p:nvSpPr>
+        <p:spPr>
+          <a:xfrm>
+            <a:off x="360000" y="1979640"/>
+            <a:ext cx="9180720" cy="4679640"/>
+          </a:xfrm>
+          <a:prstGeom prst="rect">
+            <a:avLst/>
+          </a:prstGeom>
+        </p:spPr>
+        <p:txBody>
+          <a:bodyPr lIns="0" rIns="0" tIns="0" bIns="0"/>
+          <a:p>
+            <a:endParaRPr b="0" lang="en-US" sz="2600" spc="-1" strike="noStrike">
+              <a:solidFill>
+                <a:srgbClr val="1c1c1c"/>
+              </a:solidFill>
+              <a:uFill>
+                <a:solidFill>
+                  <a:srgbClr val="ffffff"/>
+                </a:solidFill>
+              </a:uFill>
+              <a:latin typeface="Source Sans Pro Light"/>
+            </a:endParaRPr>
+          </a:p>
+        </p:txBody>
+      </p:sp>
+    </p:spTree>
+  </p:cSld>
+</p:sldLayout>
+</file>
+
+<file path=ppt/slideLayouts/slideLayout27.xml><?xml version="1.0" encoding="utf-8"?>
+<p:sldLayout xmlns:a="http://schemas.openxmlformats.org/drawingml/2006/main" xmlns:p="http://schemas.openxmlformats.org/presentationml/2006/main" xmlns:r="http://schemas.openxmlformats.org/officeDocument/2006/relationships" xmlns:p14="http://schemas.microsoft.com/office/powerpoint/2010/main" xmlns:p15="http://schemas.microsoft.com/office/powerpoint/2012/main" xmlns:mc="http://schemas.openxmlformats.org/markup-compatibility/2006" type="obj" preserve="1">
+  <p:cSld name="Title, Content">
+    <p:spTree>
+      <p:nvGrpSpPr>
+        <p:cNvPr id="1" name=""/>
+        <p:cNvGrpSpPr/>
+        <p:nvPr/>
+      </p:nvGrpSpPr>
+      <p:grpSpPr>
+        <a:xfrm>
+          <a:off x="0" y="0"/>
+          <a:ext cx="0" cy="0"/>
+          <a:chOff x="0" y="0"/>
+          <a:chExt cx="0" cy="0"/>
+        </a:xfrm>
+      </p:grpSpPr>
+      <p:sp>
+        <p:nvSpPr>
+          <p:cNvPr id="85" name="PlaceHolder 1"/>
+          <p:cNvSpPr>
+            <a:spLocks noGrp="1"/>
+          </p:cNvSpPr>
+          <p:nvPr>
+            <p:ph type="title"/>
+          </p:nvPr>
+        </p:nvSpPr>
+        <p:spPr>
+          <a:xfrm>
+            <a:off x="360000" y="359640"/>
+            <a:ext cx="9360720" cy="900000"/>
+          </a:xfrm>
+          <a:prstGeom prst="rect">
+            <a:avLst/>
+          </a:prstGeom>
+        </p:spPr>
+        <p:txBody>
+          <a:bodyPr lIns="0" rIns="0" tIns="0" bIns="0" anchor="b"/>
+          <a:p>
+            <a:endParaRPr b="1" lang="en-US" sz="2830" spc="-1" strike="noStrike">
+              <a:solidFill>
+                <a:srgbClr val="ffffff"/>
+              </a:solidFill>
+              <a:uFill>
+                <a:solidFill>
+                  <a:srgbClr val="ffffff"/>
+                </a:solidFill>
+              </a:uFill>
+              <a:latin typeface="Source Sans Pro Black"/>
+            </a:endParaRPr>
+          </a:p>
+        </p:txBody>
+      </p:sp>
+      <p:sp>
+        <p:nvSpPr>
+          <p:cNvPr id="86" name="PlaceHolder 2"/>
+          <p:cNvSpPr>
+            <a:spLocks noGrp="1"/>
+          </p:cNvSpPr>
+          <p:nvPr>
+            <p:ph type="body"/>
+          </p:nvPr>
+        </p:nvSpPr>
+        <p:spPr>
+          <a:xfrm>
+            <a:off x="360000" y="1979640"/>
+            <a:ext cx="9180720" cy="4679640"/>
+          </a:xfrm>
+          <a:prstGeom prst="rect">
+            <a:avLst/>
+          </a:prstGeom>
+        </p:spPr>
+        <p:txBody>
+          <a:bodyPr lIns="0" rIns="0" tIns="0" bIns="0"/>
+          <a:p>
+            <a:endParaRPr b="1" lang="en-US" sz="2600" spc="-1" strike="noStrike">
+              <a:solidFill>
+                <a:srgbClr val="1c1c1c"/>
+              </a:solidFill>
+              <a:uFill>
+                <a:solidFill>
+                  <a:srgbClr val="ffffff"/>
+                </a:solidFill>
+              </a:uFill>
+              <a:latin typeface="Source Sans Pro Semibold"/>
+            </a:endParaRPr>
+          </a:p>
+        </p:txBody>
+      </p:sp>
+    </p:spTree>
+  </p:cSld>
+</p:sldLayout>
+</file>
+
+<file path=ppt/slideLayouts/slideLayout28.xml><?xml version="1.0" encoding="utf-8"?>
+<p:sldLayout xmlns:a="http://schemas.openxmlformats.org/drawingml/2006/main" xmlns:p="http://schemas.openxmlformats.org/presentationml/2006/main" xmlns:r="http://schemas.openxmlformats.org/officeDocument/2006/relationships" xmlns:p14="http://schemas.microsoft.com/office/powerpoint/2010/main" xmlns:p15="http://schemas.microsoft.com/office/powerpoint/2012/main" xmlns:mc="http://schemas.openxmlformats.org/markup-compatibility/2006" type="twoObj" preserve="1">
+  <p:cSld name="Title, 2 Content">
+    <p:spTree>
+      <p:nvGrpSpPr>
+        <p:cNvPr id="1" name=""/>
+        <p:cNvGrpSpPr/>
+        <p:nvPr/>
+      </p:nvGrpSpPr>
+      <p:grpSpPr>
+        <a:xfrm>
+          <a:off x="0" y="0"/>
+          <a:ext cx="0" cy="0"/>
+          <a:chOff x="0" y="0"/>
+          <a:chExt cx="0" cy="0"/>
+        </a:xfrm>
+      </p:grpSpPr>
+      <p:sp>
+        <p:nvSpPr>
+          <p:cNvPr id="87" name="PlaceHolder 1"/>
+          <p:cNvSpPr>
+            <a:spLocks noGrp="1"/>
+          </p:cNvSpPr>
+          <p:nvPr>
+            <p:ph type="title"/>
+          </p:nvPr>
+        </p:nvSpPr>
+        <p:spPr>
+          <a:xfrm>
+            <a:off x="360000" y="359640"/>
+            <a:ext cx="9360720" cy="900000"/>
+          </a:xfrm>
+          <a:prstGeom prst="rect">
+            <a:avLst/>
+          </a:prstGeom>
+        </p:spPr>
+        <p:txBody>
+          <a:bodyPr lIns="0" rIns="0" tIns="0" bIns="0" anchor="b"/>
+          <a:p>
+            <a:endParaRPr b="1" lang="en-US" sz="2830" spc="-1" strike="noStrike">
+              <a:solidFill>
+                <a:srgbClr val="ffffff"/>
+              </a:solidFill>
+              <a:uFill>
+                <a:solidFill>
+                  <a:srgbClr val="ffffff"/>
+                </a:solidFill>
+              </a:uFill>
+              <a:latin typeface="Source Sans Pro Black"/>
+            </a:endParaRPr>
+          </a:p>
+        </p:txBody>
+      </p:sp>
+      <p:sp>
+        <p:nvSpPr>
+          <p:cNvPr id="88" name="PlaceHolder 2"/>
+          <p:cNvSpPr>
+            <a:spLocks noGrp="1"/>
+          </p:cNvSpPr>
+          <p:nvPr>
+            <p:ph type="body"/>
+          </p:nvPr>
+        </p:nvSpPr>
+        <p:spPr>
+          <a:xfrm>
+            <a:off x="360000" y="1979640"/>
+            <a:ext cx="4479840" cy="4679640"/>
+          </a:xfrm>
+          <a:prstGeom prst="rect">
+            <a:avLst/>
+          </a:prstGeom>
+        </p:spPr>
+        <p:txBody>
+          <a:bodyPr lIns="0" rIns="0" tIns="0" bIns="0"/>
+          <a:p>
+            <a:endParaRPr b="1" lang="en-US" sz="2600" spc="-1" strike="noStrike">
+              <a:solidFill>
+                <a:srgbClr val="1c1c1c"/>
+              </a:solidFill>
+              <a:uFill>
+                <a:solidFill>
+                  <a:srgbClr val="ffffff"/>
+                </a:solidFill>
+              </a:uFill>
+              <a:latin typeface="Source Sans Pro Semibold"/>
+            </a:endParaRPr>
+          </a:p>
+        </p:txBody>
+      </p:sp>
+      <p:sp>
+        <p:nvSpPr>
+          <p:cNvPr id="89" name="PlaceHolder 3"/>
+          <p:cNvSpPr>
+            <a:spLocks noGrp="1"/>
+          </p:cNvSpPr>
+          <p:nvPr>
+            <p:ph type="body"/>
+          </p:nvPr>
+        </p:nvSpPr>
+        <p:spPr>
+          <a:xfrm>
+            <a:off x="5064120" y="1979640"/>
+            <a:ext cx="4479840" cy="4679640"/>
+          </a:xfrm>
+          <a:prstGeom prst="rect">
+            <a:avLst/>
+          </a:prstGeom>
+        </p:spPr>
+        <p:txBody>
+          <a:bodyPr lIns="0" rIns="0" tIns="0" bIns="0"/>
+          <a:p>
+            <a:endParaRPr b="1" lang="en-US" sz="2600" spc="-1" strike="noStrike">
+              <a:solidFill>
+                <a:srgbClr val="1c1c1c"/>
+              </a:solidFill>
+              <a:uFill>
+                <a:solidFill>
+                  <a:srgbClr val="ffffff"/>
+                </a:solidFill>
+              </a:uFill>
+              <a:latin typeface="Source Sans Pro Semibold"/>
+            </a:endParaRPr>
+          </a:p>
+        </p:txBody>
+      </p:sp>
+    </p:spTree>
+  </p:cSld>
+</p:sldLayout>
+</file>
+
+<file path=ppt/slideLayouts/slideLayout29.xml><?xml version="1.0" encoding="utf-8"?>
+<p:sldLayout xmlns:a="http://schemas.openxmlformats.org/drawingml/2006/main" xmlns:p="http://schemas.openxmlformats.org/presentationml/2006/main" xmlns:r="http://schemas.openxmlformats.org/officeDocument/2006/relationships" xmlns:p14="http://schemas.microsoft.com/office/powerpoint/2010/main" xmlns:p15="http://schemas.microsoft.com/office/powerpoint/2012/main" xmlns:mc="http://schemas.openxmlformats.org/markup-compatibility/2006" type="titleOnly" preserve="1">
+  <p:cSld name="Title Only">
+    <p:spTree>
+      <p:nvGrpSpPr>
+        <p:cNvPr id="1" name=""/>
+        <p:cNvGrpSpPr/>
+        <p:nvPr/>
+      </p:nvGrpSpPr>
+      <p:grpSpPr>
+        <a:xfrm>
+          <a:off x="0" y="0"/>
+          <a:ext cx="0" cy="0"/>
+          <a:chOff x="0" y="0"/>
+          <a:chExt cx="0" cy="0"/>
+        </a:xfrm>
+      </p:grpSpPr>
+      <p:sp>
+        <p:nvSpPr>
+          <p:cNvPr id="90" name="PlaceHolder 1"/>
+          <p:cNvSpPr>
+            <a:spLocks noGrp="1"/>
+          </p:cNvSpPr>
+          <p:nvPr>
+            <p:ph type="title"/>
+          </p:nvPr>
+        </p:nvSpPr>
+        <p:spPr>
+          <a:xfrm>
+            <a:off x="360000" y="359640"/>
+            <a:ext cx="9360720" cy="900000"/>
+          </a:xfrm>
+          <a:prstGeom prst="rect">
+            <a:avLst/>
+          </a:prstGeom>
+        </p:spPr>
+        <p:txBody>
+          <a:bodyPr lIns="0" rIns="0" tIns="0" bIns="0" anchor="b"/>
+          <a:p>
+            <a:endParaRPr b="1" lang="en-US" sz="2830" spc="-1" strike="noStrike">
+              <a:solidFill>
+                <a:srgbClr val="ffffff"/>
+              </a:solidFill>
+              <a:uFill>
+                <a:solidFill>
+                  <a:srgbClr val="ffffff"/>
+                </a:solidFill>
+              </a:uFill>
+              <a:latin typeface="Source Sans Pro Black"/>
+            </a:endParaRPr>
+          </a:p>
+        </p:txBody>
+      </p:sp>
     </p:spTree>
   </p:cSld>
 </p:sldLayout>
@@ -2744,27 +3126,26 @@
         </p:nvSpPr>
         <p:spPr>
           <a:xfrm>
-            <a:off x="504000" y="301320"/>
-            <a:ext cx="9072000" cy="1261800"/>
-          </a:xfrm>
-          <a:prstGeom prst="rect">
-            <a:avLst/>
-          </a:prstGeom>
-        </p:spPr>
-        <p:txBody>
-          <a:bodyPr lIns="0" rIns="0" tIns="0" bIns="0" anchor="ctr"/>
-          <a:p>
-            <a:pPr algn="ctr"/>
-            <a:endParaRPr b="0" lang="de-DE" sz="4400" spc="-1" strike="noStrike">
-              <a:solidFill>
-                <a:srgbClr val="000000"/>
-              </a:solidFill>
-              <a:uFill>
-                <a:solidFill>
-                  <a:srgbClr val="ffffff"/>
-                </a:solidFill>
-              </a:uFill>
-              <a:latin typeface="Arial"/>
+            <a:off x="360000" y="359640"/>
+            <a:ext cx="9360720" cy="900000"/>
+          </a:xfrm>
+          <a:prstGeom prst="rect">
+            <a:avLst/>
+          </a:prstGeom>
+        </p:spPr>
+        <p:txBody>
+          <a:bodyPr lIns="0" rIns="0" tIns="0" bIns="0" anchor="b"/>
+          <a:p>
+            <a:endParaRPr b="1" lang="en-US" sz="2830" spc="-1" strike="noStrike">
+              <a:solidFill>
+                <a:srgbClr val="ffffff"/>
+              </a:solidFill>
+              <a:uFill>
+                <a:solidFill>
+                  <a:srgbClr val="ffffff"/>
+                </a:solidFill>
+              </a:uFill>
+              <a:latin typeface="Source Sans Pro Black"/>
             </a:endParaRPr>
           </a:p>
         </p:txBody>
@@ -2781,8 +3162,8 @@
         </p:nvSpPr>
         <p:spPr>
           <a:xfrm>
-            <a:off x="504000" y="1768680"/>
-            <a:ext cx="9072000" cy="4384080"/>
+            <a:off x="360000" y="1979640"/>
+            <a:ext cx="9180720" cy="4679640"/>
           </a:xfrm>
           <a:prstGeom prst="rect">
             <a:avLst/>
@@ -2791,20 +3172,1084 @@
         <p:txBody>
           <a:bodyPr lIns="0" rIns="0" tIns="0" bIns="0"/>
           <a:p>
-            <a:endParaRPr b="0" lang="de-DE" sz="3200" spc="-1" strike="noStrike">
-              <a:solidFill>
-                <a:srgbClr val="000000"/>
-              </a:solidFill>
-              <a:uFill>
-                <a:solidFill>
-                  <a:srgbClr val="ffffff"/>
-                </a:solidFill>
-              </a:uFill>
-              <a:latin typeface="Arial"/>
-            </a:endParaRPr>
-          </a:p>
-        </p:txBody>
-      </p:sp>
+            <a:endParaRPr b="1" lang="en-US" sz="2600" spc="-1" strike="noStrike">
+              <a:solidFill>
+                <a:srgbClr val="1c1c1c"/>
+              </a:solidFill>
+              <a:uFill>
+                <a:solidFill>
+                  <a:srgbClr val="ffffff"/>
+                </a:solidFill>
+              </a:uFill>
+              <a:latin typeface="Source Sans Pro Semibold"/>
+            </a:endParaRPr>
+          </a:p>
+        </p:txBody>
+      </p:sp>
+    </p:spTree>
+  </p:cSld>
+</p:sldLayout>
+</file>
+
+<file path=ppt/slideLayouts/slideLayout30.xml><?xml version="1.0" encoding="utf-8"?>
+<p:sldLayout xmlns:a="http://schemas.openxmlformats.org/drawingml/2006/main" xmlns:p="http://schemas.openxmlformats.org/presentationml/2006/main" xmlns:r="http://schemas.openxmlformats.org/officeDocument/2006/relationships" xmlns:p14="http://schemas.microsoft.com/office/powerpoint/2010/main" xmlns:p15="http://schemas.microsoft.com/office/powerpoint/2012/main" xmlns:mc="http://schemas.openxmlformats.org/markup-compatibility/2006" type="objOnly" preserve="1">
+  <p:cSld name="Centered Text">
+    <p:spTree>
+      <p:nvGrpSpPr>
+        <p:cNvPr id="1" name=""/>
+        <p:cNvGrpSpPr/>
+        <p:nvPr/>
+      </p:nvGrpSpPr>
+      <p:grpSpPr>
+        <a:xfrm>
+          <a:off x="0" y="0"/>
+          <a:ext cx="0" cy="0"/>
+          <a:chOff x="0" y="0"/>
+          <a:chExt cx="0" cy="0"/>
+        </a:xfrm>
+      </p:grpSpPr>
+      <p:sp>
+        <p:nvSpPr>
+          <p:cNvPr id="91" name="PlaceHolder 1"/>
+          <p:cNvSpPr>
+            <a:spLocks noGrp="1"/>
+          </p:cNvSpPr>
+          <p:nvPr>
+            <p:ph type="subTitle"/>
+          </p:nvPr>
+        </p:nvSpPr>
+        <p:spPr>
+          <a:xfrm>
+            <a:off x="360000" y="359640"/>
+            <a:ext cx="9360720" cy="4173120"/>
+          </a:xfrm>
+          <a:prstGeom prst="rect">
+            <a:avLst/>
+          </a:prstGeom>
+        </p:spPr>
+        <p:txBody>
+          <a:bodyPr lIns="0" rIns="0" tIns="0" bIns="0"/>
+          <a:p>
+            <a:endParaRPr b="0" lang="en-US" sz="2600" spc="-1" strike="noStrike">
+              <a:solidFill>
+                <a:srgbClr val="1c1c1c"/>
+              </a:solidFill>
+              <a:uFill>
+                <a:solidFill>
+                  <a:srgbClr val="ffffff"/>
+                </a:solidFill>
+              </a:uFill>
+              <a:latin typeface="Source Sans Pro Light"/>
+            </a:endParaRPr>
+          </a:p>
+        </p:txBody>
+      </p:sp>
+    </p:spTree>
+  </p:cSld>
+</p:sldLayout>
+</file>
+
+<file path=ppt/slideLayouts/slideLayout31.xml><?xml version="1.0" encoding="utf-8"?>
+<p:sldLayout xmlns:a="http://schemas.openxmlformats.org/drawingml/2006/main" xmlns:p="http://schemas.openxmlformats.org/presentationml/2006/main" xmlns:r="http://schemas.openxmlformats.org/officeDocument/2006/relationships" xmlns:p14="http://schemas.microsoft.com/office/powerpoint/2010/main" xmlns:p15="http://schemas.microsoft.com/office/powerpoint/2012/main" xmlns:mc="http://schemas.openxmlformats.org/markup-compatibility/2006" type="twoObjAndObj" preserve="1">
+  <p:cSld name="Title, 2 Content and Content">
+    <p:spTree>
+      <p:nvGrpSpPr>
+        <p:cNvPr id="1" name=""/>
+        <p:cNvGrpSpPr/>
+        <p:nvPr/>
+      </p:nvGrpSpPr>
+      <p:grpSpPr>
+        <a:xfrm>
+          <a:off x="0" y="0"/>
+          <a:ext cx="0" cy="0"/>
+          <a:chOff x="0" y="0"/>
+          <a:chExt cx="0" cy="0"/>
+        </a:xfrm>
+      </p:grpSpPr>
+      <p:sp>
+        <p:nvSpPr>
+          <p:cNvPr id="92" name="PlaceHolder 1"/>
+          <p:cNvSpPr>
+            <a:spLocks noGrp="1"/>
+          </p:cNvSpPr>
+          <p:nvPr>
+            <p:ph type="title"/>
+          </p:nvPr>
+        </p:nvSpPr>
+        <p:spPr>
+          <a:xfrm>
+            <a:off x="360000" y="359640"/>
+            <a:ext cx="9360720" cy="900000"/>
+          </a:xfrm>
+          <a:prstGeom prst="rect">
+            <a:avLst/>
+          </a:prstGeom>
+        </p:spPr>
+        <p:txBody>
+          <a:bodyPr lIns="0" rIns="0" tIns="0" bIns="0" anchor="b"/>
+          <a:p>
+            <a:endParaRPr b="1" lang="en-US" sz="2830" spc="-1" strike="noStrike">
+              <a:solidFill>
+                <a:srgbClr val="ffffff"/>
+              </a:solidFill>
+              <a:uFill>
+                <a:solidFill>
+                  <a:srgbClr val="ffffff"/>
+                </a:solidFill>
+              </a:uFill>
+              <a:latin typeface="Source Sans Pro Black"/>
+            </a:endParaRPr>
+          </a:p>
+        </p:txBody>
+      </p:sp>
+      <p:sp>
+        <p:nvSpPr>
+          <p:cNvPr id="93" name="PlaceHolder 2"/>
+          <p:cNvSpPr>
+            <a:spLocks noGrp="1"/>
+          </p:cNvSpPr>
+          <p:nvPr>
+            <p:ph type="body"/>
+          </p:nvPr>
+        </p:nvSpPr>
+        <p:spPr>
+          <a:xfrm>
+            <a:off x="360000" y="1979640"/>
+            <a:ext cx="4479840" cy="2232000"/>
+          </a:xfrm>
+          <a:prstGeom prst="rect">
+            <a:avLst/>
+          </a:prstGeom>
+        </p:spPr>
+        <p:txBody>
+          <a:bodyPr lIns="0" rIns="0" tIns="0" bIns="0"/>
+          <a:p>
+            <a:endParaRPr b="1" lang="en-US" sz="2600" spc="-1" strike="noStrike">
+              <a:solidFill>
+                <a:srgbClr val="1c1c1c"/>
+              </a:solidFill>
+              <a:uFill>
+                <a:solidFill>
+                  <a:srgbClr val="ffffff"/>
+                </a:solidFill>
+              </a:uFill>
+              <a:latin typeface="Source Sans Pro Semibold"/>
+            </a:endParaRPr>
+          </a:p>
+        </p:txBody>
+      </p:sp>
+      <p:sp>
+        <p:nvSpPr>
+          <p:cNvPr id="94" name="PlaceHolder 3"/>
+          <p:cNvSpPr>
+            <a:spLocks noGrp="1"/>
+          </p:cNvSpPr>
+          <p:nvPr>
+            <p:ph type="body"/>
+          </p:nvPr>
+        </p:nvSpPr>
+        <p:spPr>
+          <a:xfrm>
+            <a:off x="360000" y="4424040"/>
+            <a:ext cx="4479840" cy="2232000"/>
+          </a:xfrm>
+          <a:prstGeom prst="rect">
+            <a:avLst/>
+          </a:prstGeom>
+        </p:spPr>
+        <p:txBody>
+          <a:bodyPr lIns="0" rIns="0" tIns="0" bIns="0"/>
+          <a:p>
+            <a:endParaRPr b="1" lang="en-US" sz="2600" spc="-1" strike="noStrike">
+              <a:solidFill>
+                <a:srgbClr val="1c1c1c"/>
+              </a:solidFill>
+              <a:uFill>
+                <a:solidFill>
+                  <a:srgbClr val="ffffff"/>
+                </a:solidFill>
+              </a:uFill>
+              <a:latin typeface="Source Sans Pro Semibold"/>
+            </a:endParaRPr>
+          </a:p>
+        </p:txBody>
+      </p:sp>
+      <p:sp>
+        <p:nvSpPr>
+          <p:cNvPr id="95" name="PlaceHolder 4"/>
+          <p:cNvSpPr>
+            <a:spLocks noGrp="1"/>
+          </p:cNvSpPr>
+          <p:nvPr>
+            <p:ph type="body"/>
+          </p:nvPr>
+        </p:nvSpPr>
+        <p:spPr>
+          <a:xfrm>
+            <a:off x="5064120" y="1979640"/>
+            <a:ext cx="4479840" cy="4679640"/>
+          </a:xfrm>
+          <a:prstGeom prst="rect">
+            <a:avLst/>
+          </a:prstGeom>
+        </p:spPr>
+        <p:txBody>
+          <a:bodyPr lIns="0" rIns="0" tIns="0" bIns="0"/>
+          <a:p>
+            <a:endParaRPr b="1" lang="en-US" sz="2600" spc="-1" strike="noStrike">
+              <a:solidFill>
+                <a:srgbClr val="1c1c1c"/>
+              </a:solidFill>
+              <a:uFill>
+                <a:solidFill>
+                  <a:srgbClr val="ffffff"/>
+                </a:solidFill>
+              </a:uFill>
+              <a:latin typeface="Source Sans Pro Semibold"/>
+            </a:endParaRPr>
+          </a:p>
+        </p:txBody>
+      </p:sp>
+    </p:spTree>
+  </p:cSld>
+</p:sldLayout>
+</file>
+
+<file path=ppt/slideLayouts/slideLayout32.xml><?xml version="1.0" encoding="utf-8"?>
+<p:sldLayout xmlns:a="http://schemas.openxmlformats.org/drawingml/2006/main" xmlns:p="http://schemas.openxmlformats.org/presentationml/2006/main" xmlns:r="http://schemas.openxmlformats.org/officeDocument/2006/relationships" xmlns:p14="http://schemas.microsoft.com/office/powerpoint/2010/main" xmlns:p15="http://schemas.microsoft.com/office/powerpoint/2012/main" xmlns:mc="http://schemas.openxmlformats.org/markup-compatibility/2006" type="objAndTwoObj" preserve="1">
+  <p:cSld name="Title Content and 2 Content">
+    <p:spTree>
+      <p:nvGrpSpPr>
+        <p:cNvPr id="1" name=""/>
+        <p:cNvGrpSpPr/>
+        <p:nvPr/>
+      </p:nvGrpSpPr>
+      <p:grpSpPr>
+        <a:xfrm>
+          <a:off x="0" y="0"/>
+          <a:ext cx="0" cy="0"/>
+          <a:chOff x="0" y="0"/>
+          <a:chExt cx="0" cy="0"/>
+        </a:xfrm>
+      </p:grpSpPr>
+      <p:sp>
+        <p:nvSpPr>
+          <p:cNvPr id="96" name="PlaceHolder 1"/>
+          <p:cNvSpPr>
+            <a:spLocks noGrp="1"/>
+          </p:cNvSpPr>
+          <p:nvPr>
+            <p:ph type="title"/>
+          </p:nvPr>
+        </p:nvSpPr>
+        <p:spPr>
+          <a:xfrm>
+            <a:off x="360000" y="359640"/>
+            <a:ext cx="9360720" cy="900000"/>
+          </a:xfrm>
+          <a:prstGeom prst="rect">
+            <a:avLst/>
+          </a:prstGeom>
+        </p:spPr>
+        <p:txBody>
+          <a:bodyPr lIns="0" rIns="0" tIns="0" bIns="0" anchor="b"/>
+          <a:p>
+            <a:endParaRPr b="1" lang="en-US" sz="2830" spc="-1" strike="noStrike">
+              <a:solidFill>
+                <a:srgbClr val="ffffff"/>
+              </a:solidFill>
+              <a:uFill>
+                <a:solidFill>
+                  <a:srgbClr val="ffffff"/>
+                </a:solidFill>
+              </a:uFill>
+              <a:latin typeface="Source Sans Pro Black"/>
+            </a:endParaRPr>
+          </a:p>
+        </p:txBody>
+      </p:sp>
+      <p:sp>
+        <p:nvSpPr>
+          <p:cNvPr id="97" name="PlaceHolder 2"/>
+          <p:cNvSpPr>
+            <a:spLocks noGrp="1"/>
+          </p:cNvSpPr>
+          <p:nvPr>
+            <p:ph type="body"/>
+          </p:nvPr>
+        </p:nvSpPr>
+        <p:spPr>
+          <a:xfrm>
+            <a:off x="360000" y="1979640"/>
+            <a:ext cx="4479840" cy="4679640"/>
+          </a:xfrm>
+          <a:prstGeom prst="rect">
+            <a:avLst/>
+          </a:prstGeom>
+        </p:spPr>
+        <p:txBody>
+          <a:bodyPr lIns="0" rIns="0" tIns="0" bIns="0"/>
+          <a:p>
+            <a:endParaRPr b="1" lang="en-US" sz="2600" spc="-1" strike="noStrike">
+              <a:solidFill>
+                <a:srgbClr val="1c1c1c"/>
+              </a:solidFill>
+              <a:uFill>
+                <a:solidFill>
+                  <a:srgbClr val="ffffff"/>
+                </a:solidFill>
+              </a:uFill>
+              <a:latin typeface="Source Sans Pro Semibold"/>
+            </a:endParaRPr>
+          </a:p>
+        </p:txBody>
+      </p:sp>
+      <p:sp>
+        <p:nvSpPr>
+          <p:cNvPr id="98" name="PlaceHolder 3"/>
+          <p:cNvSpPr>
+            <a:spLocks noGrp="1"/>
+          </p:cNvSpPr>
+          <p:nvPr>
+            <p:ph type="body"/>
+          </p:nvPr>
+        </p:nvSpPr>
+        <p:spPr>
+          <a:xfrm>
+            <a:off x="5064120" y="1979640"/>
+            <a:ext cx="4479840" cy="2232000"/>
+          </a:xfrm>
+          <a:prstGeom prst="rect">
+            <a:avLst/>
+          </a:prstGeom>
+        </p:spPr>
+        <p:txBody>
+          <a:bodyPr lIns="0" rIns="0" tIns="0" bIns="0"/>
+          <a:p>
+            <a:endParaRPr b="1" lang="en-US" sz="2600" spc="-1" strike="noStrike">
+              <a:solidFill>
+                <a:srgbClr val="1c1c1c"/>
+              </a:solidFill>
+              <a:uFill>
+                <a:solidFill>
+                  <a:srgbClr val="ffffff"/>
+                </a:solidFill>
+              </a:uFill>
+              <a:latin typeface="Source Sans Pro Semibold"/>
+            </a:endParaRPr>
+          </a:p>
+        </p:txBody>
+      </p:sp>
+      <p:sp>
+        <p:nvSpPr>
+          <p:cNvPr id="99" name="PlaceHolder 4"/>
+          <p:cNvSpPr>
+            <a:spLocks noGrp="1"/>
+          </p:cNvSpPr>
+          <p:nvPr>
+            <p:ph type="body"/>
+          </p:nvPr>
+        </p:nvSpPr>
+        <p:spPr>
+          <a:xfrm>
+            <a:off x="5064120" y="4424040"/>
+            <a:ext cx="4479840" cy="2232000"/>
+          </a:xfrm>
+          <a:prstGeom prst="rect">
+            <a:avLst/>
+          </a:prstGeom>
+        </p:spPr>
+        <p:txBody>
+          <a:bodyPr lIns="0" rIns="0" tIns="0" bIns="0"/>
+          <a:p>
+            <a:endParaRPr b="1" lang="en-US" sz="2600" spc="-1" strike="noStrike">
+              <a:solidFill>
+                <a:srgbClr val="1c1c1c"/>
+              </a:solidFill>
+              <a:uFill>
+                <a:solidFill>
+                  <a:srgbClr val="ffffff"/>
+                </a:solidFill>
+              </a:uFill>
+              <a:latin typeface="Source Sans Pro Semibold"/>
+            </a:endParaRPr>
+          </a:p>
+        </p:txBody>
+      </p:sp>
+    </p:spTree>
+  </p:cSld>
+</p:sldLayout>
+</file>
+
+<file path=ppt/slideLayouts/slideLayout33.xml><?xml version="1.0" encoding="utf-8"?>
+<p:sldLayout xmlns:a="http://schemas.openxmlformats.org/drawingml/2006/main" xmlns:p="http://schemas.openxmlformats.org/presentationml/2006/main" xmlns:r="http://schemas.openxmlformats.org/officeDocument/2006/relationships" xmlns:p14="http://schemas.microsoft.com/office/powerpoint/2010/main" xmlns:p15="http://schemas.microsoft.com/office/powerpoint/2012/main" xmlns:mc="http://schemas.openxmlformats.org/markup-compatibility/2006" type="twoObjOverTx" preserve="1">
+  <p:cSld name="Title, 2 Content over Content">
+    <p:spTree>
+      <p:nvGrpSpPr>
+        <p:cNvPr id="1" name=""/>
+        <p:cNvGrpSpPr/>
+        <p:nvPr/>
+      </p:nvGrpSpPr>
+      <p:grpSpPr>
+        <a:xfrm>
+          <a:off x="0" y="0"/>
+          <a:ext cx="0" cy="0"/>
+          <a:chOff x="0" y="0"/>
+          <a:chExt cx="0" cy="0"/>
+        </a:xfrm>
+      </p:grpSpPr>
+      <p:sp>
+        <p:nvSpPr>
+          <p:cNvPr id="100" name="PlaceHolder 1"/>
+          <p:cNvSpPr>
+            <a:spLocks noGrp="1"/>
+          </p:cNvSpPr>
+          <p:nvPr>
+            <p:ph type="title"/>
+          </p:nvPr>
+        </p:nvSpPr>
+        <p:spPr>
+          <a:xfrm>
+            <a:off x="360000" y="359640"/>
+            <a:ext cx="9360720" cy="900000"/>
+          </a:xfrm>
+          <a:prstGeom prst="rect">
+            <a:avLst/>
+          </a:prstGeom>
+        </p:spPr>
+        <p:txBody>
+          <a:bodyPr lIns="0" rIns="0" tIns="0" bIns="0" anchor="b"/>
+          <a:p>
+            <a:endParaRPr b="1" lang="en-US" sz="2830" spc="-1" strike="noStrike">
+              <a:solidFill>
+                <a:srgbClr val="ffffff"/>
+              </a:solidFill>
+              <a:uFill>
+                <a:solidFill>
+                  <a:srgbClr val="ffffff"/>
+                </a:solidFill>
+              </a:uFill>
+              <a:latin typeface="Source Sans Pro Black"/>
+            </a:endParaRPr>
+          </a:p>
+        </p:txBody>
+      </p:sp>
+      <p:sp>
+        <p:nvSpPr>
+          <p:cNvPr id="101" name="PlaceHolder 2"/>
+          <p:cNvSpPr>
+            <a:spLocks noGrp="1"/>
+          </p:cNvSpPr>
+          <p:nvPr>
+            <p:ph type="body"/>
+          </p:nvPr>
+        </p:nvSpPr>
+        <p:spPr>
+          <a:xfrm>
+            <a:off x="360000" y="1979640"/>
+            <a:ext cx="4479840" cy="2232000"/>
+          </a:xfrm>
+          <a:prstGeom prst="rect">
+            <a:avLst/>
+          </a:prstGeom>
+        </p:spPr>
+        <p:txBody>
+          <a:bodyPr lIns="0" rIns="0" tIns="0" bIns="0"/>
+          <a:p>
+            <a:endParaRPr b="1" lang="en-US" sz="2600" spc="-1" strike="noStrike">
+              <a:solidFill>
+                <a:srgbClr val="1c1c1c"/>
+              </a:solidFill>
+              <a:uFill>
+                <a:solidFill>
+                  <a:srgbClr val="ffffff"/>
+                </a:solidFill>
+              </a:uFill>
+              <a:latin typeface="Source Sans Pro Semibold"/>
+            </a:endParaRPr>
+          </a:p>
+        </p:txBody>
+      </p:sp>
+      <p:sp>
+        <p:nvSpPr>
+          <p:cNvPr id="102" name="PlaceHolder 3"/>
+          <p:cNvSpPr>
+            <a:spLocks noGrp="1"/>
+          </p:cNvSpPr>
+          <p:nvPr>
+            <p:ph type="body"/>
+          </p:nvPr>
+        </p:nvSpPr>
+        <p:spPr>
+          <a:xfrm>
+            <a:off x="5064120" y="1979640"/>
+            <a:ext cx="4479840" cy="2232000"/>
+          </a:xfrm>
+          <a:prstGeom prst="rect">
+            <a:avLst/>
+          </a:prstGeom>
+        </p:spPr>
+        <p:txBody>
+          <a:bodyPr lIns="0" rIns="0" tIns="0" bIns="0"/>
+          <a:p>
+            <a:endParaRPr b="1" lang="en-US" sz="2600" spc="-1" strike="noStrike">
+              <a:solidFill>
+                <a:srgbClr val="1c1c1c"/>
+              </a:solidFill>
+              <a:uFill>
+                <a:solidFill>
+                  <a:srgbClr val="ffffff"/>
+                </a:solidFill>
+              </a:uFill>
+              <a:latin typeface="Source Sans Pro Semibold"/>
+            </a:endParaRPr>
+          </a:p>
+        </p:txBody>
+      </p:sp>
+      <p:sp>
+        <p:nvSpPr>
+          <p:cNvPr id="103" name="PlaceHolder 4"/>
+          <p:cNvSpPr>
+            <a:spLocks noGrp="1"/>
+          </p:cNvSpPr>
+          <p:nvPr>
+            <p:ph type="body"/>
+          </p:nvPr>
+        </p:nvSpPr>
+        <p:spPr>
+          <a:xfrm>
+            <a:off x="360000" y="4424040"/>
+            <a:ext cx="9180720" cy="2232000"/>
+          </a:xfrm>
+          <a:prstGeom prst="rect">
+            <a:avLst/>
+          </a:prstGeom>
+        </p:spPr>
+        <p:txBody>
+          <a:bodyPr lIns="0" rIns="0" tIns="0" bIns="0"/>
+          <a:p>
+            <a:endParaRPr b="1" lang="en-US" sz="2600" spc="-1" strike="noStrike">
+              <a:solidFill>
+                <a:srgbClr val="1c1c1c"/>
+              </a:solidFill>
+              <a:uFill>
+                <a:solidFill>
+                  <a:srgbClr val="ffffff"/>
+                </a:solidFill>
+              </a:uFill>
+              <a:latin typeface="Source Sans Pro Semibold"/>
+            </a:endParaRPr>
+          </a:p>
+        </p:txBody>
+      </p:sp>
+    </p:spTree>
+  </p:cSld>
+</p:sldLayout>
+</file>
+
+<file path=ppt/slideLayouts/slideLayout34.xml><?xml version="1.0" encoding="utf-8"?>
+<p:sldLayout xmlns:a="http://schemas.openxmlformats.org/drawingml/2006/main" xmlns:p="http://schemas.openxmlformats.org/presentationml/2006/main" xmlns:r="http://schemas.openxmlformats.org/officeDocument/2006/relationships" xmlns:p14="http://schemas.microsoft.com/office/powerpoint/2010/main" xmlns:p15="http://schemas.microsoft.com/office/powerpoint/2012/main" xmlns:mc="http://schemas.openxmlformats.org/markup-compatibility/2006" type="objOverTx" preserve="1">
+  <p:cSld name="Title, Content over Content">
+    <p:spTree>
+      <p:nvGrpSpPr>
+        <p:cNvPr id="1" name=""/>
+        <p:cNvGrpSpPr/>
+        <p:nvPr/>
+      </p:nvGrpSpPr>
+      <p:grpSpPr>
+        <a:xfrm>
+          <a:off x="0" y="0"/>
+          <a:ext cx="0" cy="0"/>
+          <a:chOff x="0" y="0"/>
+          <a:chExt cx="0" cy="0"/>
+        </a:xfrm>
+      </p:grpSpPr>
+      <p:sp>
+        <p:nvSpPr>
+          <p:cNvPr id="104" name="PlaceHolder 1"/>
+          <p:cNvSpPr>
+            <a:spLocks noGrp="1"/>
+          </p:cNvSpPr>
+          <p:nvPr>
+            <p:ph type="title"/>
+          </p:nvPr>
+        </p:nvSpPr>
+        <p:spPr>
+          <a:xfrm>
+            <a:off x="360000" y="359640"/>
+            <a:ext cx="9360720" cy="900000"/>
+          </a:xfrm>
+          <a:prstGeom prst="rect">
+            <a:avLst/>
+          </a:prstGeom>
+        </p:spPr>
+        <p:txBody>
+          <a:bodyPr lIns="0" rIns="0" tIns="0" bIns="0" anchor="b"/>
+          <a:p>
+            <a:endParaRPr b="1" lang="en-US" sz="2830" spc="-1" strike="noStrike">
+              <a:solidFill>
+                <a:srgbClr val="ffffff"/>
+              </a:solidFill>
+              <a:uFill>
+                <a:solidFill>
+                  <a:srgbClr val="ffffff"/>
+                </a:solidFill>
+              </a:uFill>
+              <a:latin typeface="Source Sans Pro Black"/>
+            </a:endParaRPr>
+          </a:p>
+        </p:txBody>
+      </p:sp>
+      <p:sp>
+        <p:nvSpPr>
+          <p:cNvPr id="105" name="PlaceHolder 2"/>
+          <p:cNvSpPr>
+            <a:spLocks noGrp="1"/>
+          </p:cNvSpPr>
+          <p:nvPr>
+            <p:ph type="body"/>
+          </p:nvPr>
+        </p:nvSpPr>
+        <p:spPr>
+          <a:xfrm>
+            <a:off x="360000" y="1979640"/>
+            <a:ext cx="9180720" cy="2232000"/>
+          </a:xfrm>
+          <a:prstGeom prst="rect">
+            <a:avLst/>
+          </a:prstGeom>
+        </p:spPr>
+        <p:txBody>
+          <a:bodyPr lIns="0" rIns="0" tIns="0" bIns="0"/>
+          <a:p>
+            <a:endParaRPr b="1" lang="en-US" sz="2600" spc="-1" strike="noStrike">
+              <a:solidFill>
+                <a:srgbClr val="1c1c1c"/>
+              </a:solidFill>
+              <a:uFill>
+                <a:solidFill>
+                  <a:srgbClr val="ffffff"/>
+                </a:solidFill>
+              </a:uFill>
+              <a:latin typeface="Source Sans Pro Semibold"/>
+            </a:endParaRPr>
+          </a:p>
+        </p:txBody>
+      </p:sp>
+      <p:sp>
+        <p:nvSpPr>
+          <p:cNvPr id="106" name="PlaceHolder 3"/>
+          <p:cNvSpPr>
+            <a:spLocks noGrp="1"/>
+          </p:cNvSpPr>
+          <p:nvPr>
+            <p:ph type="body"/>
+          </p:nvPr>
+        </p:nvSpPr>
+        <p:spPr>
+          <a:xfrm>
+            <a:off x="360000" y="4424040"/>
+            <a:ext cx="9180720" cy="2232000"/>
+          </a:xfrm>
+          <a:prstGeom prst="rect">
+            <a:avLst/>
+          </a:prstGeom>
+        </p:spPr>
+        <p:txBody>
+          <a:bodyPr lIns="0" rIns="0" tIns="0" bIns="0"/>
+          <a:p>
+            <a:endParaRPr b="1" lang="en-US" sz="2600" spc="-1" strike="noStrike">
+              <a:solidFill>
+                <a:srgbClr val="1c1c1c"/>
+              </a:solidFill>
+              <a:uFill>
+                <a:solidFill>
+                  <a:srgbClr val="ffffff"/>
+                </a:solidFill>
+              </a:uFill>
+              <a:latin typeface="Source Sans Pro Semibold"/>
+            </a:endParaRPr>
+          </a:p>
+        </p:txBody>
+      </p:sp>
+    </p:spTree>
+  </p:cSld>
+</p:sldLayout>
+</file>
+
+<file path=ppt/slideLayouts/slideLayout35.xml><?xml version="1.0" encoding="utf-8"?>
+<p:sldLayout xmlns:a="http://schemas.openxmlformats.org/drawingml/2006/main" xmlns:p="http://schemas.openxmlformats.org/presentationml/2006/main" xmlns:r="http://schemas.openxmlformats.org/officeDocument/2006/relationships" xmlns:p14="http://schemas.microsoft.com/office/powerpoint/2010/main" xmlns:p15="http://schemas.microsoft.com/office/powerpoint/2012/main" xmlns:mc="http://schemas.openxmlformats.org/markup-compatibility/2006" type="fourObj" preserve="1">
+  <p:cSld name="Title, 4 Content">
+    <p:spTree>
+      <p:nvGrpSpPr>
+        <p:cNvPr id="1" name=""/>
+        <p:cNvGrpSpPr/>
+        <p:nvPr/>
+      </p:nvGrpSpPr>
+      <p:grpSpPr>
+        <a:xfrm>
+          <a:off x="0" y="0"/>
+          <a:ext cx="0" cy="0"/>
+          <a:chOff x="0" y="0"/>
+          <a:chExt cx="0" cy="0"/>
+        </a:xfrm>
+      </p:grpSpPr>
+      <p:sp>
+        <p:nvSpPr>
+          <p:cNvPr id="107" name="PlaceHolder 1"/>
+          <p:cNvSpPr>
+            <a:spLocks noGrp="1"/>
+          </p:cNvSpPr>
+          <p:nvPr>
+            <p:ph type="title"/>
+          </p:nvPr>
+        </p:nvSpPr>
+        <p:spPr>
+          <a:xfrm>
+            <a:off x="360000" y="359640"/>
+            <a:ext cx="9360720" cy="900000"/>
+          </a:xfrm>
+          <a:prstGeom prst="rect">
+            <a:avLst/>
+          </a:prstGeom>
+        </p:spPr>
+        <p:txBody>
+          <a:bodyPr lIns="0" rIns="0" tIns="0" bIns="0" anchor="b"/>
+          <a:p>
+            <a:endParaRPr b="1" lang="en-US" sz="2830" spc="-1" strike="noStrike">
+              <a:solidFill>
+                <a:srgbClr val="ffffff"/>
+              </a:solidFill>
+              <a:uFill>
+                <a:solidFill>
+                  <a:srgbClr val="ffffff"/>
+                </a:solidFill>
+              </a:uFill>
+              <a:latin typeface="Source Sans Pro Black"/>
+            </a:endParaRPr>
+          </a:p>
+        </p:txBody>
+      </p:sp>
+      <p:sp>
+        <p:nvSpPr>
+          <p:cNvPr id="108" name="PlaceHolder 2"/>
+          <p:cNvSpPr>
+            <a:spLocks noGrp="1"/>
+          </p:cNvSpPr>
+          <p:nvPr>
+            <p:ph type="body"/>
+          </p:nvPr>
+        </p:nvSpPr>
+        <p:spPr>
+          <a:xfrm>
+            <a:off x="360000" y="1979640"/>
+            <a:ext cx="4479840" cy="2232000"/>
+          </a:xfrm>
+          <a:prstGeom prst="rect">
+            <a:avLst/>
+          </a:prstGeom>
+        </p:spPr>
+        <p:txBody>
+          <a:bodyPr lIns="0" rIns="0" tIns="0" bIns="0"/>
+          <a:p>
+            <a:endParaRPr b="1" lang="en-US" sz="2600" spc="-1" strike="noStrike">
+              <a:solidFill>
+                <a:srgbClr val="1c1c1c"/>
+              </a:solidFill>
+              <a:uFill>
+                <a:solidFill>
+                  <a:srgbClr val="ffffff"/>
+                </a:solidFill>
+              </a:uFill>
+              <a:latin typeface="Source Sans Pro Semibold"/>
+            </a:endParaRPr>
+          </a:p>
+        </p:txBody>
+      </p:sp>
+      <p:sp>
+        <p:nvSpPr>
+          <p:cNvPr id="109" name="PlaceHolder 3"/>
+          <p:cNvSpPr>
+            <a:spLocks noGrp="1"/>
+          </p:cNvSpPr>
+          <p:nvPr>
+            <p:ph type="body"/>
+          </p:nvPr>
+        </p:nvSpPr>
+        <p:spPr>
+          <a:xfrm>
+            <a:off x="5064120" y="1979640"/>
+            <a:ext cx="4479840" cy="2232000"/>
+          </a:xfrm>
+          <a:prstGeom prst="rect">
+            <a:avLst/>
+          </a:prstGeom>
+        </p:spPr>
+        <p:txBody>
+          <a:bodyPr lIns="0" rIns="0" tIns="0" bIns="0"/>
+          <a:p>
+            <a:endParaRPr b="1" lang="en-US" sz="2600" spc="-1" strike="noStrike">
+              <a:solidFill>
+                <a:srgbClr val="1c1c1c"/>
+              </a:solidFill>
+              <a:uFill>
+                <a:solidFill>
+                  <a:srgbClr val="ffffff"/>
+                </a:solidFill>
+              </a:uFill>
+              <a:latin typeface="Source Sans Pro Semibold"/>
+            </a:endParaRPr>
+          </a:p>
+        </p:txBody>
+      </p:sp>
+      <p:sp>
+        <p:nvSpPr>
+          <p:cNvPr id="110" name="PlaceHolder 4"/>
+          <p:cNvSpPr>
+            <a:spLocks noGrp="1"/>
+          </p:cNvSpPr>
+          <p:nvPr>
+            <p:ph type="body"/>
+          </p:nvPr>
+        </p:nvSpPr>
+        <p:spPr>
+          <a:xfrm>
+            <a:off x="5064120" y="4424040"/>
+            <a:ext cx="4479840" cy="2232000"/>
+          </a:xfrm>
+          <a:prstGeom prst="rect">
+            <a:avLst/>
+          </a:prstGeom>
+        </p:spPr>
+        <p:txBody>
+          <a:bodyPr lIns="0" rIns="0" tIns="0" bIns="0"/>
+          <a:p>
+            <a:endParaRPr b="1" lang="en-US" sz="2600" spc="-1" strike="noStrike">
+              <a:solidFill>
+                <a:srgbClr val="1c1c1c"/>
+              </a:solidFill>
+              <a:uFill>
+                <a:solidFill>
+                  <a:srgbClr val="ffffff"/>
+                </a:solidFill>
+              </a:uFill>
+              <a:latin typeface="Source Sans Pro Semibold"/>
+            </a:endParaRPr>
+          </a:p>
+        </p:txBody>
+      </p:sp>
+      <p:sp>
+        <p:nvSpPr>
+          <p:cNvPr id="111" name="PlaceHolder 5"/>
+          <p:cNvSpPr>
+            <a:spLocks noGrp="1"/>
+          </p:cNvSpPr>
+          <p:nvPr>
+            <p:ph type="body"/>
+          </p:nvPr>
+        </p:nvSpPr>
+        <p:spPr>
+          <a:xfrm>
+            <a:off x="360000" y="4424040"/>
+            <a:ext cx="4479840" cy="2232000"/>
+          </a:xfrm>
+          <a:prstGeom prst="rect">
+            <a:avLst/>
+          </a:prstGeom>
+        </p:spPr>
+        <p:txBody>
+          <a:bodyPr lIns="0" rIns="0" tIns="0" bIns="0"/>
+          <a:p>
+            <a:endParaRPr b="1" lang="en-US" sz="2600" spc="-1" strike="noStrike">
+              <a:solidFill>
+                <a:srgbClr val="1c1c1c"/>
+              </a:solidFill>
+              <a:uFill>
+                <a:solidFill>
+                  <a:srgbClr val="ffffff"/>
+                </a:solidFill>
+              </a:uFill>
+              <a:latin typeface="Source Sans Pro Semibold"/>
+            </a:endParaRPr>
+          </a:p>
+        </p:txBody>
+      </p:sp>
+    </p:spTree>
+  </p:cSld>
+</p:sldLayout>
+</file>
+
+<file path=ppt/slideLayouts/slideLayout36.xml><?xml version="1.0" encoding="utf-8"?>
+<p:sldLayout xmlns:a="http://schemas.openxmlformats.org/drawingml/2006/main" xmlns:p="http://schemas.openxmlformats.org/presentationml/2006/main" xmlns:r="http://schemas.openxmlformats.org/officeDocument/2006/relationships" xmlns:p14="http://schemas.microsoft.com/office/powerpoint/2010/main" xmlns:p15="http://schemas.microsoft.com/office/powerpoint/2012/main" xmlns:mc="http://schemas.openxmlformats.org/markup-compatibility/2006" type="blank" preserve="1">
+  <p:cSld name="Title, 6 Content">
+    <p:spTree>
+      <p:nvGrpSpPr>
+        <p:cNvPr id="1" name=""/>
+        <p:cNvGrpSpPr/>
+        <p:nvPr/>
+      </p:nvGrpSpPr>
+      <p:grpSpPr>
+        <a:xfrm>
+          <a:off x="0" y="0"/>
+          <a:ext cx="0" cy="0"/>
+          <a:chOff x="0" y="0"/>
+          <a:chExt cx="0" cy="0"/>
+        </a:xfrm>
+      </p:grpSpPr>
+      <p:sp>
+        <p:nvSpPr>
+          <p:cNvPr id="112" name="PlaceHolder 1"/>
+          <p:cNvSpPr>
+            <a:spLocks noGrp="1"/>
+          </p:cNvSpPr>
+          <p:nvPr>
+            <p:ph type="title"/>
+          </p:nvPr>
+        </p:nvSpPr>
+        <p:spPr>
+          <a:xfrm>
+            <a:off x="360000" y="359640"/>
+            <a:ext cx="9360720" cy="900000"/>
+          </a:xfrm>
+          <a:prstGeom prst="rect">
+            <a:avLst/>
+          </a:prstGeom>
+        </p:spPr>
+        <p:txBody>
+          <a:bodyPr lIns="0" rIns="0" tIns="0" bIns="0" anchor="b"/>
+          <a:p>
+            <a:endParaRPr b="1" lang="en-US" sz="2830" spc="-1" strike="noStrike">
+              <a:solidFill>
+                <a:srgbClr val="ffffff"/>
+              </a:solidFill>
+              <a:uFill>
+                <a:solidFill>
+                  <a:srgbClr val="ffffff"/>
+                </a:solidFill>
+              </a:uFill>
+              <a:latin typeface="Source Sans Pro Black"/>
+            </a:endParaRPr>
+          </a:p>
+        </p:txBody>
+      </p:sp>
+      <p:sp>
+        <p:nvSpPr>
+          <p:cNvPr id="113" name="PlaceHolder 2"/>
+          <p:cNvSpPr>
+            <a:spLocks noGrp="1"/>
+          </p:cNvSpPr>
+          <p:nvPr>
+            <p:ph type="body"/>
+          </p:nvPr>
+        </p:nvSpPr>
+        <p:spPr>
+          <a:xfrm>
+            <a:off x="360000" y="1979640"/>
+            <a:ext cx="9180720" cy="4679640"/>
+          </a:xfrm>
+          <a:prstGeom prst="rect">
+            <a:avLst/>
+          </a:prstGeom>
+        </p:spPr>
+        <p:txBody>
+          <a:bodyPr lIns="0" rIns="0" tIns="0" bIns="0"/>
+          <a:p>
+            <a:endParaRPr b="1" lang="en-US" sz="2600" spc="-1" strike="noStrike">
+              <a:solidFill>
+                <a:srgbClr val="1c1c1c"/>
+              </a:solidFill>
+              <a:uFill>
+                <a:solidFill>
+                  <a:srgbClr val="ffffff"/>
+                </a:solidFill>
+              </a:uFill>
+              <a:latin typeface="Source Sans Pro Semibold"/>
+            </a:endParaRPr>
+          </a:p>
+        </p:txBody>
+      </p:sp>
+      <p:sp>
+        <p:nvSpPr>
+          <p:cNvPr id="114" name="PlaceHolder 3"/>
+          <p:cNvSpPr>
+            <a:spLocks noGrp="1"/>
+          </p:cNvSpPr>
+          <p:nvPr>
+            <p:ph type="body"/>
+          </p:nvPr>
+        </p:nvSpPr>
+        <p:spPr>
+          <a:xfrm>
+            <a:off x="360000" y="1979640"/>
+            <a:ext cx="9180720" cy="4679640"/>
+          </a:xfrm>
+          <a:prstGeom prst="rect">
+            <a:avLst/>
+          </a:prstGeom>
+        </p:spPr>
+        <p:txBody>
+          <a:bodyPr lIns="0" rIns="0" tIns="0" bIns="0"/>
+          <a:p>
+            <a:endParaRPr b="1" lang="en-US" sz="2600" spc="-1" strike="noStrike">
+              <a:solidFill>
+                <a:srgbClr val="1c1c1c"/>
+              </a:solidFill>
+              <a:uFill>
+                <a:solidFill>
+                  <a:srgbClr val="ffffff"/>
+                </a:solidFill>
+              </a:uFill>
+              <a:latin typeface="Source Sans Pro Semibold"/>
+            </a:endParaRPr>
+          </a:p>
+        </p:txBody>
+      </p:sp>
+      <p:pic>
+        <p:nvPicPr>
+          <p:cNvPr id="115" name="" descr=""/>
+          <p:cNvPicPr/>
+          <p:nvPr/>
+        </p:nvPicPr>
+        <p:blipFill>
+          <a:blip r:embed="rId2"/>
+          <a:stretch/>
+        </p:blipFill>
+        <p:spPr>
+          <a:xfrm>
+            <a:off x="2017800" y="1979280"/>
+            <a:ext cx="5865120" cy="4679640"/>
+          </a:xfrm>
+          <a:prstGeom prst="rect">
+            <a:avLst/>
+          </a:prstGeom>
+          <a:ln>
+            <a:noFill/>
+          </a:ln>
+        </p:spPr>
+      </p:pic>
+      <p:pic>
+        <p:nvPicPr>
+          <p:cNvPr id="116" name="" descr=""/>
+          <p:cNvPicPr/>
+          <p:nvPr/>
+        </p:nvPicPr>
+        <p:blipFill>
+          <a:blip r:embed="rId3"/>
+          <a:stretch/>
+        </p:blipFill>
+        <p:spPr>
+          <a:xfrm>
+            <a:off x="2017800" y="1979280"/>
+            <a:ext cx="5865120" cy="4679640"/>
+          </a:xfrm>
+          <a:prstGeom prst="rect">
+            <a:avLst/>
+          </a:prstGeom>
+          <a:ln>
+            <a:noFill/>
+          </a:ln>
+        </p:spPr>
+      </p:pic>
     </p:spTree>
   </p:cSld>
 </p:sldLayout>
@@ -2839,27 +4284,26 @@
         </p:nvSpPr>
         <p:spPr>
           <a:xfrm>
-            <a:off x="504000" y="301320"/>
-            <a:ext cx="9072000" cy="1261800"/>
-          </a:xfrm>
-          <a:prstGeom prst="rect">
-            <a:avLst/>
-          </a:prstGeom>
-        </p:spPr>
-        <p:txBody>
-          <a:bodyPr lIns="0" rIns="0" tIns="0" bIns="0" anchor="ctr"/>
-          <a:p>
-            <a:pPr algn="ctr"/>
-            <a:endParaRPr b="0" lang="de-DE" sz="4400" spc="-1" strike="noStrike">
-              <a:solidFill>
-                <a:srgbClr val="000000"/>
-              </a:solidFill>
-              <a:uFill>
-                <a:solidFill>
-                  <a:srgbClr val="ffffff"/>
-                </a:solidFill>
-              </a:uFill>
-              <a:latin typeface="Arial"/>
+            <a:off x="360000" y="359640"/>
+            <a:ext cx="9360720" cy="900000"/>
+          </a:xfrm>
+          <a:prstGeom prst="rect">
+            <a:avLst/>
+          </a:prstGeom>
+        </p:spPr>
+        <p:txBody>
+          <a:bodyPr lIns="0" rIns="0" tIns="0" bIns="0" anchor="b"/>
+          <a:p>
+            <a:endParaRPr b="1" lang="en-US" sz="2830" spc="-1" strike="noStrike">
+              <a:solidFill>
+                <a:srgbClr val="ffffff"/>
+              </a:solidFill>
+              <a:uFill>
+                <a:solidFill>
+                  <a:srgbClr val="ffffff"/>
+                </a:solidFill>
+              </a:uFill>
+              <a:latin typeface="Source Sans Pro Black"/>
             </a:endParaRPr>
           </a:p>
         </p:txBody>
@@ -2876,8 +4320,8 @@
         </p:nvSpPr>
         <p:spPr>
           <a:xfrm>
-            <a:off x="504000" y="1768680"/>
-            <a:ext cx="4426920" cy="4384080"/>
+            <a:off x="360000" y="1979640"/>
+            <a:ext cx="4479840" cy="4679640"/>
           </a:xfrm>
           <a:prstGeom prst="rect">
             <a:avLst/>
@@ -2886,16 +4330,16 @@
         <p:txBody>
           <a:bodyPr lIns="0" rIns="0" tIns="0" bIns="0"/>
           <a:p>
-            <a:endParaRPr b="0" lang="de-DE" sz="3200" spc="-1" strike="noStrike">
-              <a:solidFill>
-                <a:srgbClr val="000000"/>
-              </a:solidFill>
-              <a:uFill>
-                <a:solidFill>
-                  <a:srgbClr val="ffffff"/>
-                </a:solidFill>
-              </a:uFill>
-              <a:latin typeface="Arial"/>
+            <a:endParaRPr b="1" lang="en-US" sz="2600" spc="-1" strike="noStrike">
+              <a:solidFill>
+                <a:srgbClr val="1c1c1c"/>
+              </a:solidFill>
+              <a:uFill>
+                <a:solidFill>
+                  <a:srgbClr val="ffffff"/>
+                </a:solidFill>
+              </a:uFill>
+              <a:latin typeface="Source Sans Pro Semibold"/>
             </a:endParaRPr>
           </a:p>
         </p:txBody>
@@ -2912,8 +4356,8 @@
         </p:nvSpPr>
         <p:spPr>
           <a:xfrm>
-            <a:off x="5152680" y="1768680"/>
-            <a:ext cx="4426920" cy="4384080"/>
+            <a:off x="5064120" y="1979640"/>
+            <a:ext cx="4479840" cy="4679640"/>
           </a:xfrm>
           <a:prstGeom prst="rect">
             <a:avLst/>
@@ -2922,16 +4366,16 @@
         <p:txBody>
           <a:bodyPr lIns="0" rIns="0" tIns="0" bIns="0"/>
           <a:p>
-            <a:endParaRPr b="0" lang="de-DE" sz="3200" spc="-1" strike="noStrike">
-              <a:solidFill>
-                <a:srgbClr val="000000"/>
-              </a:solidFill>
-              <a:uFill>
-                <a:solidFill>
-                  <a:srgbClr val="ffffff"/>
-                </a:solidFill>
-              </a:uFill>
-              <a:latin typeface="Arial"/>
+            <a:endParaRPr b="1" lang="en-US" sz="2600" spc="-1" strike="noStrike">
+              <a:solidFill>
+                <a:srgbClr val="1c1c1c"/>
+              </a:solidFill>
+              <a:uFill>
+                <a:solidFill>
+                  <a:srgbClr val="ffffff"/>
+                </a:solidFill>
+              </a:uFill>
+              <a:latin typeface="Source Sans Pro Semibold"/>
             </a:endParaRPr>
           </a:p>
         </p:txBody>
@@ -2970,27 +4414,26 @@
         </p:nvSpPr>
         <p:spPr>
           <a:xfrm>
-            <a:off x="504000" y="301320"/>
-            <a:ext cx="9072000" cy="1261800"/>
-          </a:xfrm>
-          <a:prstGeom prst="rect">
-            <a:avLst/>
-          </a:prstGeom>
-        </p:spPr>
-        <p:txBody>
-          <a:bodyPr lIns="0" rIns="0" tIns="0" bIns="0" anchor="ctr"/>
-          <a:p>
-            <a:pPr algn="ctr"/>
-            <a:endParaRPr b="0" lang="de-DE" sz="4400" spc="-1" strike="noStrike">
-              <a:solidFill>
-                <a:srgbClr val="000000"/>
-              </a:solidFill>
-              <a:uFill>
-                <a:solidFill>
-                  <a:srgbClr val="ffffff"/>
-                </a:solidFill>
-              </a:uFill>
-              <a:latin typeface="Arial"/>
+            <a:off x="360000" y="359640"/>
+            <a:ext cx="9360720" cy="900000"/>
+          </a:xfrm>
+          <a:prstGeom prst="rect">
+            <a:avLst/>
+          </a:prstGeom>
+        </p:spPr>
+        <p:txBody>
+          <a:bodyPr lIns="0" rIns="0" tIns="0" bIns="0" anchor="b"/>
+          <a:p>
+            <a:endParaRPr b="1" lang="en-US" sz="2830" spc="-1" strike="noStrike">
+              <a:solidFill>
+                <a:srgbClr val="ffffff"/>
+              </a:solidFill>
+              <a:uFill>
+                <a:solidFill>
+                  <a:srgbClr val="ffffff"/>
+                </a:solidFill>
+              </a:uFill>
+              <a:latin typeface="Source Sans Pro Black"/>
             </a:endParaRPr>
           </a:p>
         </p:txBody>
@@ -3029,27 +4472,26 @@
         </p:nvSpPr>
         <p:spPr>
           <a:xfrm>
-            <a:off x="504000" y="301320"/>
-            <a:ext cx="9072000" cy="5850360"/>
-          </a:xfrm>
-          <a:prstGeom prst="rect">
-            <a:avLst/>
-          </a:prstGeom>
-        </p:spPr>
-        <p:txBody>
-          <a:bodyPr lIns="0" rIns="0" tIns="0" bIns="0" anchor="ctr"/>
-          <a:p>
-            <a:pPr algn="ctr"/>
-            <a:endParaRPr b="0" lang="de-DE" sz="3200" spc="-1" strike="noStrike">
-              <a:solidFill>
-                <a:srgbClr val="000000"/>
-              </a:solidFill>
-              <a:uFill>
-                <a:solidFill>
-                  <a:srgbClr val="ffffff"/>
-                </a:solidFill>
-              </a:uFill>
-              <a:latin typeface="Arial"/>
+            <a:off x="360000" y="359640"/>
+            <a:ext cx="9360720" cy="4173120"/>
+          </a:xfrm>
+          <a:prstGeom prst="rect">
+            <a:avLst/>
+          </a:prstGeom>
+        </p:spPr>
+        <p:txBody>
+          <a:bodyPr lIns="0" rIns="0" tIns="0" bIns="0"/>
+          <a:p>
+            <a:endParaRPr b="0" lang="en-US" sz="2600" spc="-1" strike="noStrike">
+              <a:solidFill>
+                <a:srgbClr val="1c1c1c"/>
+              </a:solidFill>
+              <a:uFill>
+                <a:solidFill>
+                  <a:srgbClr val="ffffff"/>
+                </a:solidFill>
+              </a:uFill>
+              <a:latin typeface="Source Sans Pro Light"/>
             </a:endParaRPr>
           </a:p>
         </p:txBody>
@@ -3088,27 +4530,26 @@
         </p:nvSpPr>
         <p:spPr>
           <a:xfrm>
-            <a:off x="504000" y="301320"/>
-            <a:ext cx="9072000" cy="1261800"/>
-          </a:xfrm>
-          <a:prstGeom prst="rect">
-            <a:avLst/>
-          </a:prstGeom>
-        </p:spPr>
-        <p:txBody>
-          <a:bodyPr lIns="0" rIns="0" tIns="0" bIns="0" anchor="ctr"/>
-          <a:p>
-            <a:pPr algn="ctr"/>
-            <a:endParaRPr b="0" lang="de-DE" sz="4400" spc="-1" strike="noStrike">
-              <a:solidFill>
-                <a:srgbClr val="000000"/>
-              </a:solidFill>
-              <a:uFill>
-                <a:solidFill>
-                  <a:srgbClr val="ffffff"/>
-                </a:solidFill>
-              </a:uFill>
-              <a:latin typeface="Arial"/>
+            <a:off x="360000" y="359640"/>
+            <a:ext cx="9360720" cy="900000"/>
+          </a:xfrm>
+          <a:prstGeom prst="rect">
+            <a:avLst/>
+          </a:prstGeom>
+        </p:spPr>
+        <p:txBody>
+          <a:bodyPr lIns="0" rIns="0" tIns="0" bIns="0" anchor="b"/>
+          <a:p>
+            <a:endParaRPr b="1" lang="en-US" sz="2830" spc="-1" strike="noStrike">
+              <a:solidFill>
+                <a:srgbClr val="ffffff"/>
+              </a:solidFill>
+              <a:uFill>
+                <a:solidFill>
+                  <a:srgbClr val="ffffff"/>
+                </a:solidFill>
+              </a:uFill>
+              <a:latin typeface="Source Sans Pro Black"/>
             </a:endParaRPr>
           </a:p>
         </p:txBody>
@@ -3125,8 +4566,8 @@
         </p:nvSpPr>
         <p:spPr>
           <a:xfrm>
-            <a:off x="504000" y="1768680"/>
-            <a:ext cx="4426920" cy="2090880"/>
+            <a:off x="360000" y="1979640"/>
+            <a:ext cx="4479840" cy="2232000"/>
           </a:xfrm>
           <a:prstGeom prst="rect">
             <a:avLst/>
@@ -3135,16 +4576,16 @@
         <p:txBody>
           <a:bodyPr lIns="0" rIns="0" tIns="0" bIns="0"/>
           <a:p>
-            <a:endParaRPr b="0" lang="de-DE" sz="3200" spc="-1" strike="noStrike">
-              <a:solidFill>
-                <a:srgbClr val="000000"/>
-              </a:solidFill>
-              <a:uFill>
-                <a:solidFill>
-                  <a:srgbClr val="ffffff"/>
-                </a:solidFill>
-              </a:uFill>
-              <a:latin typeface="Arial"/>
+            <a:endParaRPr b="1" lang="en-US" sz="2600" spc="-1" strike="noStrike">
+              <a:solidFill>
+                <a:srgbClr val="1c1c1c"/>
+              </a:solidFill>
+              <a:uFill>
+                <a:solidFill>
+                  <a:srgbClr val="ffffff"/>
+                </a:solidFill>
+              </a:uFill>
+              <a:latin typeface="Source Sans Pro Semibold"/>
             </a:endParaRPr>
           </a:p>
         </p:txBody>
@@ -3161,8 +4602,8 @@
         </p:nvSpPr>
         <p:spPr>
           <a:xfrm>
-            <a:off x="504000" y="4058640"/>
-            <a:ext cx="4426920" cy="2090880"/>
+            <a:off x="360000" y="4424040"/>
+            <a:ext cx="4479840" cy="2232000"/>
           </a:xfrm>
           <a:prstGeom prst="rect">
             <a:avLst/>
@@ -3171,16 +4612,16 @@
         <p:txBody>
           <a:bodyPr lIns="0" rIns="0" tIns="0" bIns="0"/>
           <a:p>
-            <a:endParaRPr b="0" lang="de-DE" sz="3200" spc="-1" strike="noStrike">
-              <a:solidFill>
-                <a:srgbClr val="000000"/>
-              </a:solidFill>
-              <a:uFill>
-                <a:solidFill>
-                  <a:srgbClr val="ffffff"/>
-                </a:solidFill>
-              </a:uFill>
-              <a:latin typeface="Arial"/>
+            <a:endParaRPr b="1" lang="en-US" sz="2600" spc="-1" strike="noStrike">
+              <a:solidFill>
+                <a:srgbClr val="1c1c1c"/>
+              </a:solidFill>
+              <a:uFill>
+                <a:solidFill>
+                  <a:srgbClr val="ffffff"/>
+                </a:solidFill>
+              </a:uFill>
+              <a:latin typeface="Source Sans Pro Semibold"/>
             </a:endParaRPr>
           </a:p>
         </p:txBody>
@@ -3197,8 +4638,8 @@
         </p:nvSpPr>
         <p:spPr>
           <a:xfrm>
-            <a:off x="5152680" y="1768680"/>
-            <a:ext cx="4426920" cy="4384080"/>
+            <a:off x="5064120" y="1979640"/>
+            <a:ext cx="4479840" cy="4679640"/>
           </a:xfrm>
           <a:prstGeom prst="rect">
             <a:avLst/>
@@ -3207,16 +4648,16 @@
         <p:txBody>
           <a:bodyPr lIns="0" rIns="0" tIns="0" bIns="0"/>
           <a:p>
-            <a:endParaRPr b="0" lang="de-DE" sz="3200" spc="-1" strike="noStrike">
-              <a:solidFill>
-                <a:srgbClr val="000000"/>
-              </a:solidFill>
-              <a:uFill>
-                <a:solidFill>
-                  <a:srgbClr val="ffffff"/>
-                </a:solidFill>
-              </a:uFill>
-              <a:latin typeface="Arial"/>
+            <a:endParaRPr b="1" lang="en-US" sz="2600" spc="-1" strike="noStrike">
+              <a:solidFill>
+                <a:srgbClr val="1c1c1c"/>
+              </a:solidFill>
+              <a:uFill>
+                <a:solidFill>
+                  <a:srgbClr val="ffffff"/>
+                </a:solidFill>
+              </a:uFill>
+              <a:latin typeface="Source Sans Pro Semibold"/>
             </a:endParaRPr>
           </a:p>
         </p:txBody>
@@ -3255,27 +4696,26 @@
         </p:nvSpPr>
         <p:spPr>
           <a:xfrm>
-            <a:off x="504000" y="301320"/>
-            <a:ext cx="9072000" cy="1261800"/>
-          </a:xfrm>
-          <a:prstGeom prst="rect">
-            <a:avLst/>
-          </a:prstGeom>
-        </p:spPr>
-        <p:txBody>
-          <a:bodyPr lIns="0" rIns="0" tIns="0" bIns="0" anchor="ctr"/>
-          <a:p>
-            <a:pPr algn="ctr"/>
-            <a:endParaRPr b="0" lang="de-DE" sz="4400" spc="-1" strike="noStrike">
-              <a:solidFill>
-                <a:srgbClr val="000000"/>
-              </a:solidFill>
-              <a:uFill>
-                <a:solidFill>
-                  <a:srgbClr val="ffffff"/>
-                </a:solidFill>
-              </a:uFill>
-              <a:latin typeface="Arial"/>
+            <a:off x="360000" y="359640"/>
+            <a:ext cx="9360720" cy="900000"/>
+          </a:xfrm>
+          <a:prstGeom prst="rect">
+            <a:avLst/>
+          </a:prstGeom>
+        </p:spPr>
+        <p:txBody>
+          <a:bodyPr lIns="0" rIns="0" tIns="0" bIns="0" anchor="b"/>
+          <a:p>
+            <a:endParaRPr b="1" lang="en-US" sz="2830" spc="-1" strike="noStrike">
+              <a:solidFill>
+                <a:srgbClr val="ffffff"/>
+              </a:solidFill>
+              <a:uFill>
+                <a:solidFill>
+                  <a:srgbClr val="ffffff"/>
+                </a:solidFill>
+              </a:uFill>
+              <a:latin typeface="Source Sans Pro Black"/>
             </a:endParaRPr>
           </a:p>
         </p:txBody>
@@ -3292,8 +4732,8 @@
         </p:nvSpPr>
         <p:spPr>
           <a:xfrm>
-            <a:off x="504000" y="1768680"/>
-            <a:ext cx="4426920" cy="4384080"/>
+            <a:off x="360000" y="1979640"/>
+            <a:ext cx="4479840" cy="4679640"/>
           </a:xfrm>
           <a:prstGeom prst="rect">
             <a:avLst/>
@@ -3302,16 +4742,16 @@
         <p:txBody>
           <a:bodyPr lIns="0" rIns="0" tIns="0" bIns="0"/>
           <a:p>
-            <a:endParaRPr b="0" lang="de-DE" sz="3200" spc="-1" strike="noStrike">
-              <a:solidFill>
-                <a:srgbClr val="000000"/>
-              </a:solidFill>
-              <a:uFill>
-                <a:solidFill>
-                  <a:srgbClr val="ffffff"/>
-                </a:solidFill>
-              </a:uFill>
-              <a:latin typeface="Arial"/>
+            <a:endParaRPr b="1" lang="en-US" sz="2600" spc="-1" strike="noStrike">
+              <a:solidFill>
+                <a:srgbClr val="1c1c1c"/>
+              </a:solidFill>
+              <a:uFill>
+                <a:solidFill>
+                  <a:srgbClr val="ffffff"/>
+                </a:solidFill>
+              </a:uFill>
+              <a:latin typeface="Source Sans Pro Semibold"/>
             </a:endParaRPr>
           </a:p>
         </p:txBody>
@@ -3328,8 +4768,8 @@
         </p:nvSpPr>
         <p:spPr>
           <a:xfrm>
-            <a:off x="5152680" y="1768680"/>
-            <a:ext cx="4426920" cy="2090880"/>
+            <a:off x="5064120" y="1979640"/>
+            <a:ext cx="4479840" cy="2232000"/>
           </a:xfrm>
           <a:prstGeom prst="rect">
             <a:avLst/>
@@ -3338,16 +4778,16 @@
         <p:txBody>
           <a:bodyPr lIns="0" rIns="0" tIns="0" bIns="0"/>
           <a:p>
-            <a:endParaRPr b="0" lang="de-DE" sz="3200" spc="-1" strike="noStrike">
-              <a:solidFill>
-                <a:srgbClr val="000000"/>
-              </a:solidFill>
-              <a:uFill>
-                <a:solidFill>
-                  <a:srgbClr val="ffffff"/>
-                </a:solidFill>
-              </a:uFill>
-              <a:latin typeface="Arial"/>
+            <a:endParaRPr b="1" lang="en-US" sz="2600" spc="-1" strike="noStrike">
+              <a:solidFill>
+                <a:srgbClr val="1c1c1c"/>
+              </a:solidFill>
+              <a:uFill>
+                <a:solidFill>
+                  <a:srgbClr val="ffffff"/>
+                </a:solidFill>
+              </a:uFill>
+              <a:latin typeface="Source Sans Pro Semibold"/>
             </a:endParaRPr>
           </a:p>
         </p:txBody>
@@ -3364,8 +4804,8 @@
         </p:nvSpPr>
         <p:spPr>
           <a:xfrm>
-            <a:off x="5152680" y="4058640"/>
-            <a:ext cx="4426920" cy="2090880"/>
+            <a:off x="5064120" y="4424040"/>
+            <a:ext cx="4479840" cy="2232000"/>
           </a:xfrm>
           <a:prstGeom prst="rect">
             <a:avLst/>
@@ -3374,16 +4814,16 @@
         <p:txBody>
           <a:bodyPr lIns="0" rIns="0" tIns="0" bIns="0"/>
           <a:p>
-            <a:endParaRPr b="0" lang="de-DE" sz="3200" spc="-1" strike="noStrike">
-              <a:solidFill>
-                <a:srgbClr val="000000"/>
-              </a:solidFill>
-              <a:uFill>
-                <a:solidFill>
-                  <a:srgbClr val="ffffff"/>
-                </a:solidFill>
-              </a:uFill>
-              <a:latin typeface="Arial"/>
+            <a:endParaRPr b="1" lang="en-US" sz="2600" spc="-1" strike="noStrike">
+              <a:solidFill>
+                <a:srgbClr val="1c1c1c"/>
+              </a:solidFill>
+              <a:uFill>
+                <a:solidFill>
+                  <a:srgbClr val="ffffff"/>
+                </a:solidFill>
+              </a:uFill>
+              <a:latin typeface="Source Sans Pro Semibold"/>
             </a:endParaRPr>
           </a:p>
         </p:txBody>
@@ -3422,27 +4862,26 @@
         </p:nvSpPr>
         <p:spPr>
           <a:xfrm>
-            <a:off x="504000" y="301320"/>
-            <a:ext cx="9072000" cy="1261800"/>
-          </a:xfrm>
-          <a:prstGeom prst="rect">
-            <a:avLst/>
-          </a:prstGeom>
-        </p:spPr>
-        <p:txBody>
-          <a:bodyPr lIns="0" rIns="0" tIns="0" bIns="0" anchor="ctr"/>
-          <a:p>
-            <a:pPr algn="ctr"/>
-            <a:endParaRPr b="0" lang="de-DE" sz="4400" spc="-1" strike="noStrike">
-              <a:solidFill>
-                <a:srgbClr val="000000"/>
-              </a:solidFill>
-              <a:uFill>
-                <a:solidFill>
-                  <a:srgbClr val="ffffff"/>
-                </a:solidFill>
-              </a:uFill>
-              <a:latin typeface="Arial"/>
+            <a:off x="360000" y="359640"/>
+            <a:ext cx="9360720" cy="900000"/>
+          </a:xfrm>
+          <a:prstGeom prst="rect">
+            <a:avLst/>
+          </a:prstGeom>
+        </p:spPr>
+        <p:txBody>
+          <a:bodyPr lIns="0" rIns="0" tIns="0" bIns="0" anchor="b"/>
+          <a:p>
+            <a:endParaRPr b="1" lang="en-US" sz="2830" spc="-1" strike="noStrike">
+              <a:solidFill>
+                <a:srgbClr val="ffffff"/>
+              </a:solidFill>
+              <a:uFill>
+                <a:solidFill>
+                  <a:srgbClr val="ffffff"/>
+                </a:solidFill>
+              </a:uFill>
+              <a:latin typeface="Source Sans Pro Black"/>
             </a:endParaRPr>
           </a:p>
         </p:txBody>
@@ -3459,8 +4898,8 @@
         </p:nvSpPr>
         <p:spPr>
           <a:xfrm>
-            <a:off x="504000" y="1768680"/>
-            <a:ext cx="4426920" cy="2090880"/>
+            <a:off x="360000" y="1979640"/>
+            <a:ext cx="4479840" cy="2232000"/>
           </a:xfrm>
           <a:prstGeom prst="rect">
             <a:avLst/>
@@ -3469,16 +4908,16 @@
         <p:txBody>
           <a:bodyPr lIns="0" rIns="0" tIns="0" bIns="0"/>
           <a:p>
-            <a:endParaRPr b="0" lang="de-DE" sz="3200" spc="-1" strike="noStrike">
-              <a:solidFill>
-                <a:srgbClr val="000000"/>
-              </a:solidFill>
-              <a:uFill>
-                <a:solidFill>
-                  <a:srgbClr val="ffffff"/>
-                </a:solidFill>
-              </a:uFill>
-              <a:latin typeface="Arial"/>
+            <a:endParaRPr b="1" lang="en-US" sz="2600" spc="-1" strike="noStrike">
+              <a:solidFill>
+                <a:srgbClr val="1c1c1c"/>
+              </a:solidFill>
+              <a:uFill>
+                <a:solidFill>
+                  <a:srgbClr val="ffffff"/>
+                </a:solidFill>
+              </a:uFill>
+              <a:latin typeface="Source Sans Pro Semibold"/>
             </a:endParaRPr>
           </a:p>
         </p:txBody>
@@ -3495,8 +4934,8 @@
         </p:nvSpPr>
         <p:spPr>
           <a:xfrm>
-            <a:off x="5152680" y="1768680"/>
-            <a:ext cx="4426920" cy="2090880"/>
+            <a:off x="5064120" y="1979640"/>
+            <a:ext cx="4479840" cy="2232000"/>
           </a:xfrm>
           <a:prstGeom prst="rect">
             <a:avLst/>
@@ -3505,16 +4944,16 @@
         <p:txBody>
           <a:bodyPr lIns="0" rIns="0" tIns="0" bIns="0"/>
           <a:p>
-            <a:endParaRPr b="0" lang="de-DE" sz="3200" spc="-1" strike="noStrike">
-              <a:solidFill>
-                <a:srgbClr val="000000"/>
-              </a:solidFill>
-              <a:uFill>
-                <a:solidFill>
-                  <a:srgbClr val="ffffff"/>
-                </a:solidFill>
-              </a:uFill>
-              <a:latin typeface="Arial"/>
+            <a:endParaRPr b="1" lang="en-US" sz="2600" spc="-1" strike="noStrike">
+              <a:solidFill>
+                <a:srgbClr val="1c1c1c"/>
+              </a:solidFill>
+              <a:uFill>
+                <a:solidFill>
+                  <a:srgbClr val="ffffff"/>
+                </a:solidFill>
+              </a:uFill>
+              <a:latin typeface="Source Sans Pro Semibold"/>
             </a:endParaRPr>
           </a:p>
         </p:txBody>
@@ -3531,8 +4970,8 @@
         </p:nvSpPr>
         <p:spPr>
           <a:xfrm>
-            <a:off x="504000" y="4058640"/>
-            <a:ext cx="9072000" cy="2090880"/>
+            <a:off x="360000" y="4424040"/>
+            <a:ext cx="9180720" cy="2232000"/>
           </a:xfrm>
           <a:prstGeom prst="rect">
             <a:avLst/>
@@ -3541,16 +4980,16 @@
         <p:txBody>
           <a:bodyPr lIns="0" rIns="0" tIns="0" bIns="0"/>
           <a:p>
-            <a:endParaRPr b="0" lang="de-DE" sz="3200" spc="-1" strike="noStrike">
-              <a:solidFill>
-                <a:srgbClr val="000000"/>
-              </a:solidFill>
-              <a:uFill>
-                <a:solidFill>
-                  <a:srgbClr val="ffffff"/>
-                </a:solidFill>
-              </a:uFill>
-              <a:latin typeface="Arial"/>
+            <a:endParaRPr b="1" lang="en-US" sz="2600" spc="-1" strike="noStrike">
+              <a:solidFill>
+                <a:srgbClr val="1c1c1c"/>
+              </a:solidFill>
+              <a:uFill>
+                <a:solidFill>
+                  <a:srgbClr val="ffffff"/>
+                </a:solidFill>
+              </a:uFill>
+              <a:latin typeface="Source Sans Pro Semibold"/>
             </a:endParaRPr>
           </a:p>
         </p:txBody>
@@ -3601,7 +5040,7 @@
           <a:p>
             <a:pPr algn="ctr"/>
             <a:r>
-              <a:rPr b="0" lang="de-DE" sz="4400" spc="-1" strike="noStrike">
+              <a:rPr b="0" lang="en-US" sz="4400" spc="-1" strike="noStrike">
                 <a:solidFill>
                   <a:srgbClr val="000000"/>
                 </a:solidFill>
@@ -3614,7 +5053,7 @@
               </a:rPr>
               <a:t>Click to edit the title text format</a:t>
             </a:r>
-            <a:endParaRPr b="0" lang="de-DE" sz="4400" spc="-1" strike="noStrike">
+            <a:endParaRPr b="0" lang="en-US" sz="4400" spc="-1" strike="noStrike">
               <a:solidFill>
                 <a:srgbClr val="000000"/>
               </a:solidFill>
@@ -3659,7 +5098,7 @@
               <a:buChar char=""/>
             </a:pPr>
             <a:r>
-              <a:rPr b="0" lang="de-DE" sz="3200" spc="-1" strike="noStrike">
+              <a:rPr b="0" lang="en-US" sz="3200" spc="-1" strike="noStrike">
                 <a:solidFill>
                   <a:srgbClr val="000000"/>
                 </a:solidFill>
@@ -3672,7 +5111,7 @@
               </a:rPr>
               <a:t>Click to edit the outline text format</a:t>
             </a:r>
-            <a:endParaRPr b="0" lang="de-DE" sz="3200" spc="-1" strike="noStrike">
+            <a:endParaRPr b="0" lang="en-US" sz="3200" spc="-1" strike="noStrike">
               <a:solidFill>
                 <a:srgbClr val="000000"/>
               </a:solidFill>
@@ -3694,7 +5133,7 @@
               <a:buChar char=""/>
             </a:pPr>
             <a:r>
-              <a:rPr b="0" lang="de-DE" sz="2800" spc="-1" strike="noStrike">
+              <a:rPr b="0" lang="en-US" sz="2800" spc="-1" strike="noStrike">
                 <a:solidFill>
                   <a:srgbClr val="000000"/>
                 </a:solidFill>
@@ -3707,7 +5146,7 @@
               </a:rPr>
               <a:t>Second Outline Level</a:t>
             </a:r>
-            <a:endParaRPr b="0" lang="de-DE" sz="2800" spc="-1" strike="noStrike">
+            <a:endParaRPr b="0" lang="en-US" sz="2800" spc="-1" strike="noStrike">
               <a:solidFill>
                 <a:srgbClr val="000000"/>
               </a:solidFill>
@@ -3729,7 +5168,7 @@
               <a:buChar char=""/>
             </a:pPr>
             <a:r>
-              <a:rPr b="0" lang="de-DE" sz="2400" spc="-1" strike="noStrike">
+              <a:rPr b="0" lang="en-US" sz="2400" spc="-1" strike="noStrike">
                 <a:solidFill>
                   <a:srgbClr val="000000"/>
                 </a:solidFill>
@@ -3742,7 +5181,7 @@
               </a:rPr>
               <a:t>Third Outline Level</a:t>
             </a:r>
-            <a:endParaRPr b="0" lang="de-DE" sz="2400" spc="-1" strike="noStrike">
+            <a:endParaRPr b="0" lang="en-US" sz="2400" spc="-1" strike="noStrike">
               <a:solidFill>
                 <a:srgbClr val="000000"/>
               </a:solidFill>
@@ -3764,7 +5203,7 @@
               <a:buChar char=""/>
             </a:pPr>
             <a:r>
-              <a:rPr b="0" lang="de-DE" sz="2000" spc="-1" strike="noStrike">
+              <a:rPr b="0" lang="en-US" sz="2000" spc="-1" strike="noStrike">
                 <a:solidFill>
                   <a:srgbClr val="000000"/>
                 </a:solidFill>
@@ -3777,7 +5216,7 @@
               </a:rPr>
               <a:t>Fourth Outline Level</a:t>
             </a:r>
-            <a:endParaRPr b="0" lang="de-DE" sz="2000" spc="-1" strike="noStrike">
+            <a:endParaRPr b="0" lang="en-US" sz="2000" spc="-1" strike="noStrike">
               <a:solidFill>
                 <a:srgbClr val="000000"/>
               </a:solidFill>
@@ -3799,7 +5238,7 @@
               <a:buChar char=""/>
             </a:pPr>
             <a:r>
-              <a:rPr b="0" lang="de-DE" sz="2000" spc="-1" strike="noStrike">
+              <a:rPr b="0" lang="en-US" sz="2000" spc="-1" strike="noStrike">
                 <a:solidFill>
                   <a:srgbClr val="000000"/>
                 </a:solidFill>
@@ -3812,7 +5251,7 @@
               </a:rPr>
               <a:t>Fifth Outline Level</a:t>
             </a:r>
-            <a:endParaRPr b="0" lang="de-DE" sz="2000" spc="-1" strike="noStrike">
+            <a:endParaRPr b="0" lang="en-US" sz="2000" spc="-1" strike="noStrike">
               <a:solidFill>
                 <a:srgbClr val="000000"/>
               </a:solidFill>
@@ -3834,7 +5273,7 @@
               <a:buChar char=""/>
             </a:pPr>
             <a:r>
-              <a:rPr b="0" lang="de-DE" sz="2000" spc="-1" strike="noStrike">
+              <a:rPr b="0" lang="en-US" sz="2000" spc="-1" strike="noStrike">
                 <a:solidFill>
                   <a:srgbClr val="000000"/>
                 </a:solidFill>
@@ -3847,7 +5286,7 @@
               </a:rPr>
               <a:t>Sixth Outline Level</a:t>
             </a:r>
-            <a:endParaRPr b="0" lang="de-DE" sz="2000" spc="-1" strike="noStrike">
+            <a:endParaRPr b="0" lang="en-US" sz="2000" spc="-1" strike="noStrike">
               <a:solidFill>
                 <a:srgbClr val="000000"/>
               </a:solidFill>
@@ -3869,7 +5308,7 @@
               <a:buChar char=""/>
             </a:pPr>
             <a:r>
-              <a:rPr b="0" lang="de-DE" sz="2000" spc="-1" strike="noStrike">
+              <a:rPr b="0" lang="en-US" sz="2000" spc="-1" strike="noStrike">
                 <a:solidFill>
                   <a:srgbClr val="000000"/>
                 </a:solidFill>
@@ -3882,7 +5321,7 @@
               </a:rPr>
               <a:t>Seventh Outline Level</a:t>
             </a:r>
-            <a:endParaRPr b="0" lang="de-DE" sz="2000" spc="-1" strike="noStrike">
+            <a:endParaRPr b="0" lang="en-US" sz="2000" spc="-1" strike="noStrike">
               <a:solidFill>
                 <a:srgbClr val="000000"/>
               </a:solidFill>
@@ -3957,7 +5396,7 @@
           <a:p>
             <a:pPr algn="ctr"/>
             <a:r>
-              <a:rPr b="0" lang="de-DE" sz="4400" spc="-1" strike="noStrike">
+              <a:rPr b="0" lang="en-US" sz="4400" spc="-1" strike="noStrike">
                 <a:solidFill>
                   <a:srgbClr val="000000"/>
                 </a:solidFill>
@@ -3970,7 +5409,7 @@
               </a:rPr>
               <a:t>Click to edit the title text format</a:t>
             </a:r>
-            <a:endParaRPr b="0" lang="de-DE" sz="4400" spc="-1" strike="noStrike">
+            <a:endParaRPr b="0" lang="en-US" sz="4400" spc="-1" strike="noStrike">
               <a:solidFill>
                 <a:srgbClr val="000000"/>
               </a:solidFill>
@@ -4015,7 +5454,7 @@
               <a:buChar char=""/>
             </a:pPr>
             <a:r>
-              <a:rPr b="0" lang="de-DE" sz="3200" spc="-1" strike="noStrike">
+              <a:rPr b="0" lang="en-US" sz="3200" spc="-1" strike="noStrike">
                 <a:solidFill>
                   <a:srgbClr val="000000"/>
                 </a:solidFill>
@@ -4028,7 +5467,7 @@
               </a:rPr>
               <a:t>Click to edit the outline text format</a:t>
             </a:r>
-            <a:endParaRPr b="0" lang="de-DE" sz="3200" spc="-1" strike="noStrike">
+            <a:endParaRPr b="0" lang="en-US" sz="3200" spc="-1" strike="noStrike">
               <a:solidFill>
                 <a:srgbClr val="000000"/>
               </a:solidFill>
@@ -4050,7 +5489,7 @@
               <a:buChar char=""/>
             </a:pPr>
             <a:r>
-              <a:rPr b="0" lang="de-DE" sz="2800" spc="-1" strike="noStrike">
+              <a:rPr b="0" lang="en-US" sz="2800" spc="-1" strike="noStrike">
                 <a:solidFill>
                   <a:srgbClr val="000000"/>
                 </a:solidFill>
@@ -4063,7 +5502,7 @@
               </a:rPr>
               <a:t>Second Outline Level</a:t>
             </a:r>
-            <a:endParaRPr b="0" lang="de-DE" sz="2800" spc="-1" strike="noStrike">
+            <a:endParaRPr b="0" lang="en-US" sz="2800" spc="-1" strike="noStrike">
               <a:solidFill>
                 <a:srgbClr val="000000"/>
               </a:solidFill>
@@ -4085,7 +5524,7 @@
               <a:buChar char=""/>
             </a:pPr>
             <a:r>
-              <a:rPr b="0" lang="de-DE" sz="2400" spc="-1" strike="noStrike">
+              <a:rPr b="0" lang="en-US" sz="2400" spc="-1" strike="noStrike">
                 <a:solidFill>
                   <a:srgbClr val="000000"/>
                 </a:solidFill>
@@ -4098,7 +5537,7 @@
               </a:rPr>
               <a:t>Third Outline Level</a:t>
             </a:r>
-            <a:endParaRPr b="0" lang="de-DE" sz="2400" spc="-1" strike="noStrike">
+            <a:endParaRPr b="0" lang="en-US" sz="2400" spc="-1" strike="noStrike">
               <a:solidFill>
                 <a:srgbClr val="000000"/>
               </a:solidFill>
@@ -4120,7 +5559,7 @@
               <a:buChar char=""/>
             </a:pPr>
             <a:r>
-              <a:rPr b="0" lang="de-DE" sz="2000" spc="-1" strike="noStrike">
+              <a:rPr b="0" lang="en-US" sz="2000" spc="-1" strike="noStrike">
                 <a:solidFill>
                   <a:srgbClr val="000000"/>
                 </a:solidFill>
@@ -4133,7 +5572,7 @@
               </a:rPr>
               <a:t>Fourth Outline Level</a:t>
             </a:r>
-            <a:endParaRPr b="0" lang="de-DE" sz="2000" spc="-1" strike="noStrike">
+            <a:endParaRPr b="0" lang="en-US" sz="2000" spc="-1" strike="noStrike">
               <a:solidFill>
                 <a:srgbClr val="000000"/>
               </a:solidFill>
@@ -4155,7 +5594,7 @@
               <a:buChar char=""/>
             </a:pPr>
             <a:r>
-              <a:rPr b="0" lang="de-DE" sz="2000" spc="-1" strike="noStrike">
+              <a:rPr b="0" lang="en-US" sz="2000" spc="-1" strike="noStrike">
                 <a:solidFill>
                   <a:srgbClr val="000000"/>
                 </a:solidFill>
@@ -4168,7 +5607,7 @@
               </a:rPr>
               <a:t>Fifth Outline Level</a:t>
             </a:r>
-            <a:endParaRPr b="0" lang="de-DE" sz="2000" spc="-1" strike="noStrike">
+            <a:endParaRPr b="0" lang="en-US" sz="2000" spc="-1" strike="noStrike">
               <a:solidFill>
                 <a:srgbClr val="000000"/>
               </a:solidFill>
@@ -4190,7 +5629,7 @@
               <a:buChar char=""/>
             </a:pPr>
             <a:r>
-              <a:rPr b="0" lang="de-DE" sz="2000" spc="-1" strike="noStrike">
+              <a:rPr b="0" lang="en-US" sz="2000" spc="-1" strike="noStrike">
                 <a:solidFill>
                   <a:srgbClr val="000000"/>
                 </a:solidFill>
@@ -4203,7 +5642,7 @@
               </a:rPr>
               <a:t>Sixth Outline Level</a:t>
             </a:r>
-            <a:endParaRPr b="0" lang="de-DE" sz="2000" spc="-1" strike="noStrike">
+            <a:endParaRPr b="0" lang="en-US" sz="2000" spc="-1" strike="noStrike">
               <a:solidFill>
                 <a:srgbClr val="000000"/>
               </a:solidFill>
@@ -4225,7 +5664,7 @@
               <a:buChar char=""/>
             </a:pPr>
             <a:r>
-              <a:rPr b="0" lang="de-DE" sz="2000" spc="-1" strike="noStrike">
+              <a:rPr b="0" lang="en-US" sz="2000" spc="-1" strike="noStrike">
                 <a:solidFill>
                   <a:srgbClr val="000000"/>
                 </a:solidFill>
@@ -4238,7 +5677,71 @@
               </a:rPr>
               <a:t>Seventh Outline Level</a:t>
             </a:r>
-            <a:endParaRPr b="0" lang="de-DE" sz="2000" spc="-1" strike="noStrike">
+            <a:endParaRPr b="0" lang="en-US" sz="2000" spc="-1" strike="noStrike">
+              <a:solidFill>
+                <a:srgbClr val="000000"/>
+              </a:solidFill>
+              <a:uFill>
+                <a:solidFill>
+                  <a:srgbClr val="ffffff"/>
+                </a:solidFill>
+              </a:uFill>
+              <a:latin typeface="Arial"/>
+            </a:endParaRPr>
+          </a:p>
+        </p:txBody>
+      </p:sp>
+      <p:sp>
+        <p:nvSpPr>
+          <p:cNvPr id="38" name="TextShape 3"/>
+          <p:cNvSpPr txBox="1"/>
+          <p:nvPr/>
+        </p:nvSpPr>
+        <p:spPr>
+          <a:xfrm>
+            <a:off x="477720" y="6583680"/>
+            <a:ext cx="4002840" cy="426600"/>
+          </a:xfrm>
+          <a:prstGeom prst="rect">
+            <a:avLst/>
+          </a:prstGeom>
+          <a:noFill/>
+          <a:ln>
+            <a:noFill/>
+          </a:ln>
+        </p:spPr>
+        <p:txBody>
+          <a:bodyPr lIns="90000" rIns="90000" tIns="45000" bIns="45000"/>
+          <a:p>
+            <a:fld id="{DBC8AE12-82BA-4948-8A6A-47D4A2911394}" type="slidenum">
+              <a:rPr b="0" lang="en-US" sz="1800" spc="-1" strike="noStrike">
+                <a:solidFill>
+                  <a:srgbClr val="000000"/>
+                </a:solidFill>
+                <a:uFill>
+                  <a:solidFill>
+                    <a:srgbClr val="ffffff"/>
+                  </a:solidFill>
+                </a:uFill>
+                <a:latin typeface="Arial"/>
+              </a:rPr>
+              <a:t>&lt;number&gt;</a:t>
+            </a:fld>
+            <a:r>
+              <a:rPr b="0" lang="en-US" sz="1800" spc="-1" strike="noStrike">
+                <a:solidFill>
+                  <a:srgbClr val="000000"/>
+                </a:solidFill>
+                <a:uFill>
+                  <a:solidFill>
+                    <a:srgbClr val="ffffff"/>
+                  </a:solidFill>
+                </a:uFill>
+                <a:latin typeface="Arial"/>
+              </a:rPr>
+              <a:t> von 16</a:t>
+            </a:r>
+            <a:endParaRPr b="0" lang="en-US" sz="1800" spc="-1" strike="noStrike">
               <a:solidFill>
                 <a:srgbClr val="000000"/>
               </a:solidFill>
@@ -4268,6 +5771,640 @@
     <p:sldLayoutId id="2147483671" r:id="rId11"/>
     <p:sldLayoutId id="2147483672" r:id="rId12"/>
     <p:sldLayoutId id="2147483673" r:id="rId13"/>
+  </p:sldLayoutIdLst>
+</p:sldMaster>
+</file>
+
+<file path=ppt/slideMasters/slideMaster3.xml><?xml version="1.0" encoding="utf-8"?>
+<p:sldMaster xmlns:a="http://schemas.openxmlformats.org/drawingml/2006/main" xmlns:p="http://schemas.openxmlformats.org/presentationml/2006/main" xmlns:r="http://schemas.openxmlformats.org/officeDocument/2006/relationships" xmlns:p14="http://schemas.microsoft.com/office/powerpoint/2010/main" xmlns:p15="http://schemas.microsoft.com/office/powerpoint/2012/main" xmlns:mc="http://schemas.openxmlformats.org/markup-compatibility/2006">
+  <p:cSld>
+    <p:spTree>
+      <p:nvGrpSpPr>
+        <p:cNvPr id="1" name=""/>
+        <p:cNvGrpSpPr/>
+        <p:nvPr/>
+      </p:nvGrpSpPr>
+      <p:grpSpPr>
+        <a:xfrm>
+          <a:off x="0" y="0"/>
+          <a:ext cx="0" cy="0"/>
+          <a:chOff x="0" y="0"/>
+          <a:chExt cx="0" cy="0"/>
+        </a:xfrm>
+      </p:grpSpPr>
+      <p:sp>
+        <p:nvSpPr>
+          <p:cNvPr id="73" name="CustomShape 1"/>
+          <p:cNvSpPr/>
+          <p:nvPr/>
+        </p:nvSpPr>
+        <p:spPr>
+          <a:xfrm>
+            <a:off x="0" y="179640"/>
+            <a:ext cx="9720720" cy="1260000"/>
+          </a:xfrm>
+          <a:prstGeom prst="rect">
+            <a:avLst/>
+          </a:prstGeom>
+          <a:solidFill>
+            <a:srgbClr val="e74c3c"/>
+          </a:solidFill>
+          <a:ln w="72000">
+            <a:noFill/>
+          </a:ln>
+        </p:spPr>
+        <p:style>
+          <a:lnRef idx="0"/>
+          <a:fillRef idx="0"/>
+          <a:effectRef idx="0"/>
+          <a:fontRef idx="minor"/>
+        </p:style>
+      </p:sp>
+      <p:sp>
+        <p:nvSpPr>
+          <p:cNvPr id="74" name="CustomShape 2"/>
+          <p:cNvSpPr/>
+          <p:nvPr/>
+        </p:nvSpPr>
+        <p:spPr>
+          <a:xfrm>
+            <a:off x="7560360" y="6839640"/>
+            <a:ext cx="2520000" cy="540000"/>
+          </a:xfrm>
+          <a:prstGeom prst="rect">
+            <a:avLst/>
+          </a:prstGeom>
+          <a:solidFill>
+            <a:srgbClr val="e74c3c"/>
+          </a:solidFill>
+          <a:ln w="72000">
+            <a:noFill/>
+          </a:ln>
+        </p:spPr>
+        <p:style>
+          <a:lnRef idx="0"/>
+          <a:fillRef idx="0"/>
+          <a:effectRef idx="0"/>
+          <a:fontRef idx="minor"/>
+        </p:style>
+      </p:sp>
+      <p:sp>
+        <p:nvSpPr>
+          <p:cNvPr id="75" name="CustomShape 3"/>
+          <p:cNvSpPr/>
+          <p:nvPr/>
+        </p:nvSpPr>
+        <p:spPr>
+          <a:xfrm>
+            <a:off x="900000" y="6839640"/>
+            <a:ext cx="6480360" cy="540000"/>
+          </a:xfrm>
+          <a:prstGeom prst="rect">
+            <a:avLst/>
+          </a:prstGeom>
+          <a:solidFill>
+            <a:srgbClr val="bdc3c7"/>
+          </a:solidFill>
+          <a:ln w="72000">
+            <a:noFill/>
+          </a:ln>
+        </p:spPr>
+        <p:style>
+          <a:lnRef idx="0"/>
+          <a:fillRef idx="0"/>
+          <a:effectRef idx="0"/>
+          <a:fontRef idx="minor"/>
+        </p:style>
+      </p:sp>
+      <p:sp>
+        <p:nvSpPr>
+          <p:cNvPr id="76" name="CustomShape 4"/>
+          <p:cNvSpPr/>
+          <p:nvPr/>
+        </p:nvSpPr>
+        <p:spPr>
+          <a:xfrm>
+            <a:off x="180000" y="6839640"/>
+            <a:ext cx="540000" cy="540000"/>
+          </a:xfrm>
+          <a:prstGeom prst="rect">
+            <a:avLst/>
+          </a:prstGeom>
+          <a:solidFill>
+            <a:srgbClr val="f44336"/>
+          </a:solidFill>
+          <a:ln w="72000">
+            <a:noFill/>
+          </a:ln>
+        </p:spPr>
+        <p:style>
+          <a:lnRef idx="0"/>
+          <a:fillRef idx="0"/>
+          <a:effectRef idx="0"/>
+          <a:fontRef idx="minor"/>
+        </p:style>
+      </p:sp>
+      <p:sp>
+        <p:nvSpPr>
+          <p:cNvPr id="77" name="PlaceHolder 5"/>
+          <p:cNvSpPr>
+            <a:spLocks noGrp="1"/>
+          </p:cNvSpPr>
+          <p:nvPr>
+            <p:ph type="title"/>
+          </p:nvPr>
+        </p:nvSpPr>
+        <p:spPr>
+          <a:xfrm>
+            <a:off x="360000" y="359640"/>
+            <a:ext cx="9360720" cy="900000"/>
+          </a:xfrm>
+          <a:prstGeom prst="rect">
+            <a:avLst/>
+          </a:prstGeom>
+        </p:spPr>
+        <p:txBody>
+          <a:bodyPr lIns="0" rIns="0" tIns="0" bIns="0" anchor="b"/>
+          <a:p>
+            <a:r>
+              <a:rPr b="1" lang="en-US" sz="2830" spc="-1" strike="noStrike">
+                <a:solidFill>
+                  <a:srgbClr val="ffffff"/>
+                </a:solidFill>
+                <a:uFill>
+                  <a:solidFill>
+                    <a:srgbClr val="ffffff"/>
+                  </a:solidFill>
+                </a:uFill>
+                <a:latin typeface="Source Sans Pro Black"/>
+              </a:rPr>
+              <a:t>Click to edit the title text format</a:t>
+            </a:r>
+            <a:endParaRPr b="1" lang="en-US" sz="2830" spc="-1" strike="noStrike">
+              <a:solidFill>
+                <a:srgbClr val="ffffff"/>
+              </a:solidFill>
+              <a:uFill>
+                <a:solidFill>
+                  <a:srgbClr val="ffffff"/>
+                </a:solidFill>
+              </a:uFill>
+              <a:latin typeface="Source Sans Pro Black"/>
+            </a:endParaRPr>
+          </a:p>
+        </p:txBody>
+      </p:sp>
+      <p:sp>
+        <p:nvSpPr>
+          <p:cNvPr id="78" name="PlaceHolder 6"/>
+          <p:cNvSpPr>
+            <a:spLocks noGrp="1"/>
+          </p:cNvSpPr>
+          <p:nvPr>
+            <p:ph type="body"/>
+          </p:nvPr>
+        </p:nvSpPr>
+        <p:spPr>
+          <a:xfrm>
+            <a:off x="360000" y="1979640"/>
+            <a:ext cx="9180720" cy="4679640"/>
+          </a:xfrm>
+          <a:prstGeom prst="rect">
+            <a:avLst/>
+          </a:prstGeom>
+        </p:spPr>
+        <p:txBody>
+          <a:bodyPr lIns="0" rIns="0" tIns="0" bIns="0"/>
+          <a:p>
+            <a:pPr/>
+            <a:r>
+              <a:rPr b="1" lang="en-US" sz="2600" spc="-1" strike="noStrike">
+                <a:solidFill>
+                  <a:srgbClr val="1c1c1c"/>
+                </a:solidFill>
+                <a:uFill>
+                  <a:solidFill>
+                    <a:srgbClr val="ffffff"/>
+                  </a:solidFill>
+                </a:uFill>
+                <a:latin typeface="Source Sans Pro Semibold"/>
+              </a:rPr>
+              <a:t>Click to edit the outline text format</a:t>
+            </a:r>
+            <a:endParaRPr b="1" lang="en-US" sz="2600" spc="-1" strike="noStrike">
+              <a:solidFill>
+                <a:srgbClr val="1c1c1c"/>
+              </a:solidFill>
+              <a:uFill>
+                <a:solidFill>
+                  <a:srgbClr val="ffffff"/>
+                </a:solidFill>
+              </a:uFill>
+              <a:latin typeface="Source Sans Pro Semibold"/>
+            </a:endParaRPr>
+          </a:p>
+          <a:p>
+            <a:pPr lvl="1" marL="288000"/>
+            <a:r>
+              <a:rPr b="0" lang="en-US" sz="2200" spc="-1" strike="noStrike">
+                <a:solidFill>
+                  <a:srgbClr val="1c1c1c"/>
+                </a:solidFill>
+                <a:uFill>
+                  <a:solidFill>
+                    <a:srgbClr val="ffffff"/>
+                  </a:solidFill>
+                </a:uFill>
+                <a:latin typeface="Source Sans Pro Light"/>
+              </a:rPr>
+              <a:t>Second Outline Level</a:t>
+            </a:r>
+            <a:endParaRPr b="0" lang="en-US" sz="2200" spc="-1" strike="noStrike">
+              <a:solidFill>
+                <a:srgbClr val="1c1c1c"/>
+              </a:solidFill>
+              <a:uFill>
+                <a:solidFill>
+                  <a:srgbClr val="ffffff"/>
+                </a:solidFill>
+              </a:uFill>
+              <a:latin typeface="Source Sans Pro Light"/>
+            </a:endParaRPr>
+          </a:p>
+          <a:p>
+            <a:pPr lvl="2" marL="576000"/>
+            <a:r>
+              <a:rPr b="0" lang="en-US" sz="1800" spc="-1" strike="noStrike">
+                <a:solidFill>
+                  <a:srgbClr val="1c1c1c"/>
+                </a:solidFill>
+                <a:uFill>
+                  <a:solidFill>
+                    <a:srgbClr val="ffffff"/>
+                  </a:solidFill>
+                </a:uFill>
+                <a:latin typeface="Source Sans Pro Light"/>
+              </a:rPr>
+              <a:t>Third Outline Level</a:t>
+            </a:r>
+            <a:endParaRPr b="0" lang="en-US" sz="1800" spc="-1" strike="noStrike">
+              <a:solidFill>
+                <a:srgbClr val="1c1c1c"/>
+              </a:solidFill>
+              <a:uFill>
+                <a:solidFill>
+                  <a:srgbClr val="ffffff"/>
+                </a:solidFill>
+              </a:uFill>
+              <a:latin typeface="Source Sans Pro Light"/>
+            </a:endParaRPr>
+          </a:p>
+          <a:p>
+            <a:pPr lvl="3" marL="864000"/>
+            <a:r>
+              <a:rPr b="0" lang="en-US" sz="1600" spc="-1" strike="noStrike">
+                <a:solidFill>
+                  <a:srgbClr val="1c1c1c"/>
+                </a:solidFill>
+                <a:uFill>
+                  <a:solidFill>
+                    <a:srgbClr val="ffffff"/>
+                  </a:solidFill>
+                </a:uFill>
+                <a:latin typeface="Source Sans Pro Light"/>
+              </a:rPr>
+              <a:t>Fourth Outline Level</a:t>
+            </a:r>
+            <a:endParaRPr b="0" lang="en-US" sz="1600" spc="-1" strike="noStrike">
+              <a:solidFill>
+                <a:srgbClr val="1c1c1c"/>
+              </a:solidFill>
+              <a:uFill>
+                <a:solidFill>
+                  <a:srgbClr val="ffffff"/>
+                </a:solidFill>
+              </a:uFill>
+              <a:latin typeface="Source Sans Pro Light"/>
+            </a:endParaRPr>
+          </a:p>
+          <a:p>
+            <a:pPr lvl="4" marL="1152000"/>
+            <a:r>
+              <a:rPr b="0" lang="en-US" sz="1600" spc="-1" strike="noStrike">
+                <a:solidFill>
+                  <a:srgbClr val="1c1c1c"/>
+                </a:solidFill>
+                <a:uFill>
+                  <a:solidFill>
+                    <a:srgbClr val="ffffff"/>
+                  </a:solidFill>
+                </a:uFill>
+                <a:latin typeface="Source Sans Pro Light"/>
+              </a:rPr>
+              <a:t>Fifth Outline Level</a:t>
+            </a:r>
+            <a:endParaRPr b="0" lang="en-US" sz="1600" spc="-1" strike="noStrike">
+              <a:solidFill>
+                <a:srgbClr val="1c1c1c"/>
+              </a:solidFill>
+              <a:uFill>
+                <a:solidFill>
+                  <a:srgbClr val="ffffff"/>
+                </a:solidFill>
+              </a:uFill>
+              <a:latin typeface="Source Sans Pro Light"/>
+            </a:endParaRPr>
+          </a:p>
+          <a:p>
+            <a:pPr lvl="5" marL="1440000"/>
+            <a:r>
+              <a:rPr b="0" lang="en-US" sz="1600" spc="-1" strike="noStrike">
+                <a:solidFill>
+                  <a:srgbClr val="1c1c1c"/>
+                </a:solidFill>
+                <a:uFill>
+                  <a:solidFill>
+                    <a:srgbClr val="ffffff"/>
+                  </a:solidFill>
+                </a:uFill>
+                <a:latin typeface="Source Sans Pro Light"/>
+              </a:rPr>
+              <a:t>Sixth Outline Level</a:t>
+            </a:r>
+            <a:endParaRPr b="0" lang="en-US" sz="1600" spc="-1" strike="noStrike">
+              <a:solidFill>
+                <a:srgbClr val="1c1c1c"/>
+              </a:solidFill>
+              <a:uFill>
+                <a:solidFill>
+                  <a:srgbClr val="ffffff"/>
+                </a:solidFill>
+              </a:uFill>
+              <a:latin typeface="Source Sans Pro Light"/>
+            </a:endParaRPr>
+          </a:p>
+          <a:p>
+            <a:pPr lvl="6" marL="1728000"/>
+            <a:r>
+              <a:rPr b="0" lang="en-US" sz="1600" spc="-1" strike="noStrike">
+                <a:solidFill>
+                  <a:srgbClr val="1c1c1c"/>
+                </a:solidFill>
+                <a:uFill>
+                  <a:solidFill>
+                    <a:srgbClr val="ffffff"/>
+                  </a:solidFill>
+                </a:uFill>
+                <a:latin typeface="Source Sans Pro Light"/>
+              </a:rPr>
+              <a:t>Seventh Outline Level</a:t>
+            </a:r>
+            <a:endParaRPr b="0" lang="en-US" sz="1600" spc="-1" strike="noStrike">
+              <a:solidFill>
+                <a:srgbClr val="1c1c1c"/>
+              </a:solidFill>
+              <a:uFill>
+                <a:solidFill>
+                  <a:srgbClr val="ffffff"/>
+                </a:solidFill>
+              </a:uFill>
+              <a:latin typeface="Source Sans Pro Light"/>
+            </a:endParaRPr>
+          </a:p>
+        </p:txBody>
+      </p:sp>
+      <p:sp>
+        <p:nvSpPr>
+          <p:cNvPr id="79" name="PlaceHolder 7"/>
+          <p:cNvSpPr>
+            <a:spLocks noGrp="1"/>
+          </p:cNvSpPr>
+          <p:nvPr>
+            <p:ph type="dt"/>
+          </p:nvPr>
+        </p:nvSpPr>
+        <p:spPr>
+          <a:xfrm>
+            <a:off x="7560360" y="6839640"/>
+            <a:ext cx="2340000" cy="540000"/>
+          </a:xfrm>
+          <a:prstGeom prst="rect">
+            <a:avLst/>
+          </a:prstGeom>
+        </p:spPr>
+        <p:txBody>
+          <a:bodyPr lIns="0" rIns="0" tIns="0" bIns="0" anchor="ctr"/>
+          <a:p>
+            <a:r>
+              <a:rPr b="1" lang="en-US" sz="1800" spc="-1" strike="noStrike">
+                <a:solidFill>
+                  <a:srgbClr val="ffffff"/>
+                </a:solidFill>
+                <a:uFill>
+                  <a:solidFill>
+                    <a:srgbClr val="ffffff"/>
+                  </a:solidFill>
+                </a:uFill>
+                <a:latin typeface="Source Sans Pro Black"/>
+              </a:rPr>
+              <a:t>&lt;date/time&gt;</a:t>
+            </a:r>
+            <a:endParaRPr b="1" lang="en-US" sz="1800" spc="-1" strike="noStrike">
+              <a:solidFill>
+                <a:srgbClr val="ffffff"/>
+              </a:solidFill>
+              <a:uFill>
+                <a:solidFill>
+                  <a:srgbClr val="ffffff"/>
+                </a:solidFill>
+              </a:uFill>
+              <a:latin typeface="Source Sans Pro Black"/>
+            </a:endParaRPr>
+          </a:p>
+        </p:txBody>
+      </p:sp>
+      <p:sp>
+        <p:nvSpPr>
+          <p:cNvPr id="80" name="PlaceHolder 8"/>
+          <p:cNvSpPr>
+            <a:spLocks noGrp="1"/>
+          </p:cNvSpPr>
+          <p:nvPr>
+            <p:ph type="ftr"/>
+          </p:nvPr>
+        </p:nvSpPr>
+        <p:spPr>
+          <a:xfrm>
+            <a:off x="1080000" y="6839640"/>
+            <a:ext cx="3240360" cy="540000"/>
+          </a:xfrm>
+          <a:prstGeom prst="rect">
+            <a:avLst/>
+          </a:prstGeom>
+        </p:spPr>
+        <p:txBody>
+          <a:bodyPr lIns="0" rIns="0" tIns="0" bIns="0" anchor="ctr"/>
+          <a:p>
+            <a:pPr algn="ctr"/>
+            <a:r>
+              <a:rPr b="1" lang="en-US" sz="1800" spc="-1" strike="noStrike">
+                <a:solidFill>
+                  <a:srgbClr val="ffffff"/>
+                </a:solidFill>
+                <a:uFill>
+                  <a:solidFill>
+                    <a:srgbClr val="ffffff"/>
+                  </a:solidFill>
+                </a:uFill>
+                <a:latin typeface="Source Sans Pro Black"/>
+              </a:rPr>
+              <a:t>&lt;footer&gt;</a:t>
+            </a:r>
+            <a:endParaRPr b="1" lang="en-US" sz="1800" spc="-1" strike="noStrike">
+              <a:solidFill>
+                <a:srgbClr val="ffffff"/>
+              </a:solidFill>
+              <a:uFill>
+                <a:solidFill>
+                  <a:srgbClr val="ffffff"/>
+                </a:solidFill>
+              </a:uFill>
+              <a:latin typeface="Source Sans Pro Black"/>
+            </a:endParaRPr>
+          </a:p>
+        </p:txBody>
+      </p:sp>
+      <p:sp>
+        <p:nvSpPr>
+          <p:cNvPr id="81" name="PlaceHolder 9"/>
+          <p:cNvSpPr>
+            <a:spLocks noGrp="1"/>
+          </p:cNvSpPr>
+          <p:nvPr>
+            <p:ph type="sldNum"/>
+          </p:nvPr>
+        </p:nvSpPr>
+        <p:spPr>
+          <a:xfrm>
+            <a:off x="180000" y="6839640"/>
+            <a:ext cx="540000" cy="540000"/>
+          </a:xfrm>
+          <a:prstGeom prst="rect">
+            <a:avLst/>
+          </a:prstGeom>
+        </p:spPr>
+        <p:txBody>
+          <a:bodyPr lIns="0" rIns="0" tIns="0" bIns="0" anchor="ctr"/>
+          <a:p>
+            <a:pPr algn="ctr"/>
+            <a:fld id="{7724CE33-52D0-4F51-BE62-8FBC3947A13E}" type="slidenum">
+              <a:rPr b="1" lang="en-US" sz="1800" spc="-1" strike="noStrike">
+                <a:solidFill>
+                  <a:srgbClr val="ffffff"/>
+                </a:solidFill>
+                <a:uFill>
+                  <a:solidFill>
+                    <a:srgbClr val="ffffff"/>
+                  </a:solidFill>
+                </a:uFill>
+                <a:latin typeface="Source Sans Pro Black"/>
+              </a:rPr>
+              <a:t>&lt;number&gt;</a:t>
+            </a:fld>
+            <a:endParaRPr b="1" lang="en-US" sz="1800" spc="-1" strike="noStrike">
+              <a:solidFill>
+                <a:srgbClr val="ffffff"/>
+              </a:solidFill>
+              <a:uFill>
+                <a:solidFill>
+                  <a:srgbClr val="ffffff"/>
+                </a:solidFill>
+              </a:uFill>
+              <a:latin typeface="Source Sans Pro Black"/>
+            </a:endParaRPr>
+          </a:p>
+        </p:txBody>
+      </p:sp>
+      <p:sp>
+        <p:nvSpPr>
+          <p:cNvPr id="82" name="TextShape 10"/>
+          <p:cNvSpPr txBox="1"/>
+          <p:nvPr/>
+        </p:nvSpPr>
+        <p:spPr>
+          <a:xfrm>
+            <a:off x="900000" y="6888600"/>
+            <a:ext cx="1827000" cy="426600"/>
+          </a:xfrm>
+          <a:prstGeom prst="rect">
+            <a:avLst/>
+          </a:prstGeom>
+          <a:noFill/>
+          <a:ln>
+            <a:noFill/>
+          </a:ln>
+        </p:spPr>
+        <p:txBody>
+          <a:bodyPr lIns="90000" rIns="90000" tIns="45000" bIns="45000"/>
+          <a:p>
+            <a:r>
+              <a:rPr b="0" lang="en-US" sz="1800" spc="-1" strike="noStrike">
+                <a:solidFill>
+                  <a:srgbClr val="000000"/>
+                </a:solidFill>
+                <a:uFill>
+                  <a:solidFill>
+                    <a:srgbClr val="ffffff"/>
+                  </a:solidFill>
+                </a:uFill>
+                <a:latin typeface="Arial"/>
+              </a:rPr>
+              <a:t>von </a:t>
+            </a:r>
+            <a:fld id="{F68AE81E-5774-4630-84D4-3E23171B4380}" type="slidecount">
+              <a:rPr b="0" lang="en-US" sz="1800" spc="-1" strike="noStrike">
+                <a:solidFill>
+                  <a:srgbClr val="000000"/>
+                </a:solidFill>
+                <a:uFill>
+                  <a:solidFill>
+                    <a:srgbClr val="ffffff"/>
+                  </a:solidFill>
+                </a:uFill>
+                <a:latin typeface="Arial"/>
+              </a:rPr>
+              <a:t>16</a:t>
+            </a:fld>
+            <a:endParaRPr b="0" lang="en-US" sz="1800" spc="-1" strike="noStrike">
+              <a:solidFill>
+                <a:srgbClr val="000000"/>
+              </a:solidFill>
+              <a:uFill>
+                <a:solidFill>
+                  <a:srgbClr val="ffffff"/>
+                </a:solidFill>
+              </a:uFill>
+              <a:latin typeface="Arial"/>
+            </a:endParaRPr>
+          </a:p>
+        </p:txBody>
+      </p:sp>
+    </p:spTree>
+  </p:cSld>
+  <p:clrMap bg1="lt1" bg2="lt2" tx1="dk1" tx2="dk2" accent1="accent1" accent2="accent2" accent3="accent3" accent4="accent4" accent5="accent5" accent6="accent6" hlink="hlink" folHlink="folHlink"/>
+  <p:sldLayoutIdLst>
+    <p:sldLayoutId id="2147483675" r:id="rId2"/>
+    <p:sldLayoutId id="2147483676" r:id="rId3"/>
+    <p:sldLayoutId id="2147483677" r:id="rId4"/>
+    <p:sldLayoutId id="2147483678" r:id="rId5"/>
+    <p:sldLayoutId id="2147483679" r:id="rId6"/>
+    <p:sldLayoutId id="2147483680" r:id="rId7"/>
+    <p:sldLayoutId id="2147483681" r:id="rId8"/>
+    <p:sldLayoutId id="2147483682" r:id="rId9"/>
+    <p:sldLayoutId id="2147483683" r:id="rId10"/>
+    <p:sldLayoutId id="2147483684" r:id="rId11"/>
+    <p:sldLayoutId id="2147483685" r:id="rId12"/>
+    <p:sldLayoutId id="2147483686" r:id="rId13"/>
   </p:sldLayoutIdLst>
 </p:sldMaster>
 </file>
@@ -4291,14 +6428,14 @@
       </p:grpSpPr>
       <p:sp>
         <p:nvSpPr>
-          <p:cNvPr id="77" name="CustomShape 1"/>
+          <p:cNvPr id="122" name="CustomShape 1"/>
           <p:cNvSpPr/>
           <p:nvPr/>
         </p:nvSpPr>
         <p:spPr>
           <a:xfrm>
             <a:off x="504000" y="301320"/>
-            <a:ext cx="9070560" cy="1261080"/>
+            <a:ext cx="9070200" cy="1260720"/>
           </a:xfrm>
           <a:prstGeom prst="rect">
             <a:avLst/>
@@ -4318,7 +6455,7 @@
           <a:bodyPr lIns="0" rIns="0" tIns="0" bIns="0" anchor="ctr"/>
           <a:p>
             <a:r>
-              <a:rPr b="0" lang="de-DE" sz="4400" spc="-1" strike="noStrike">
+              <a:rPr b="0" lang="en-US" sz="4400" spc="-1" strike="noStrike">
                 <a:solidFill>
                   <a:srgbClr val="000000"/>
                 </a:solidFill>
@@ -4332,7 +6469,7 @@
               </a:rPr>
               <a:t>Bayes’sches Netze</a:t>
             </a:r>
-            <a:endParaRPr b="0" lang="de-DE" sz="1800" spc="-1" strike="noStrike">
+            <a:endParaRPr b="0" lang="en-US" sz="1800" spc="-1" strike="noStrike">
               <a:solidFill>
                 <a:srgbClr val="000000"/>
               </a:solidFill>
@@ -4350,7 +6487,7 @@
                 <a:spcPct val="100000"/>
               </a:lnSpc>
             </a:pPr>
-            <a:endParaRPr b="0" lang="de-DE" sz="1800" spc="-1" strike="noStrike">
+            <a:endParaRPr b="0" lang="en-US" sz="1800" spc="-1" strike="noStrike">
               <a:solidFill>
                 <a:srgbClr val="000000"/>
               </a:solidFill>
@@ -4366,14 +6503,14 @@
       </p:sp>
       <p:sp>
         <p:nvSpPr>
-          <p:cNvPr id="78" name="CustomShape 2"/>
+          <p:cNvPr id="123" name="CustomShape 2"/>
           <p:cNvSpPr/>
           <p:nvPr/>
         </p:nvSpPr>
         <p:spPr>
           <a:xfrm>
             <a:off x="504000" y="1769040"/>
-            <a:ext cx="9070560" cy="4383360"/>
+            <a:ext cx="9070200" cy="4383000"/>
           </a:xfrm>
           <a:prstGeom prst="rect">
             <a:avLst/>
@@ -4398,7 +6535,7 @@
               </a:lnSpc>
             </a:pPr>
             <a:r>
-              <a:rPr b="0" lang="de-DE" sz="3200" spc="-1" strike="noStrike">
+              <a:rPr b="0" lang="en-US" sz="3200" spc="-1" strike="noStrike">
                 <a:solidFill>
                   <a:srgbClr val="000000"/>
                 </a:solidFill>
@@ -4412,7 +6549,7 @@
               </a:rPr>
               <a:t>Präsentation zur Hausarbeit von David Preiß</a:t>
             </a:r>
-            <a:endParaRPr b="0" lang="de-DE" sz="1800" spc="-1" strike="noStrike">
+            <a:endParaRPr b="0" lang="en-US" sz="1800" spc="-1" strike="noStrike">
               <a:solidFill>
                 <a:srgbClr val="000000"/>
               </a:solidFill>
@@ -4430,9 +6567,59 @@
                 <a:spcPct val="100000"/>
               </a:lnSpc>
             </a:pPr>
-            <a:endParaRPr b="0" lang="de-DE" sz="1800" spc="-1" strike="noStrike">
-              <a:solidFill>
-                <a:srgbClr val="000000"/>
+            <a:endParaRPr b="0" lang="en-US" sz="1800" spc="-1" strike="noStrike">
+              <a:solidFill>
+                <a:srgbClr val="000000"/>
+              </a:solidFill>
+              <a:uFill>
+                <a:solidFill>
+                  <a:srgbClr val="ffffff"/>
+                </a:solidFill>
+              </a:uFill>
+              <a:latin typeface="Arial"/>
+            </a:endParaRPr>
+          </a:p>
+        </p:txBody>
+      </p:sp>
+      <p:sp>
+        <p:nvSpPr>
+          <p:cNvPr id="124" name="TextShape 3"/>
+          <p:cNvSpPr txBox="1"/>
+          <p:nvPr/>
+        </p:nvSpPr>
+        <p:spPr>
+          <a:xfrm>
+            <a:off x="274320" y="6949440"/>
+            <a:ext cx="548640" cy="346320"/>
+          </a:xfrm>
+          <a:prstGeom prst="rect">
+            <a:avLst/>
+          </a:prstGeom>
+          <a:noFill/>
+          <a:ln>
+            <a:noFill/>
+          </a:ln>
+        </p:spPr>
+        <p:txBody>
+          <a:bodyPr lIns="90000" rIns="90000" tIns="45000" bIns="45000"/>
+          <a:p>
+            <a:r>
+              <a:rPr b="1" lang="en-US" sz="1800" spc="-1" strike="noStrike">
+                <a:solidFill>
+                  <a:srgbClr val="ffffff"/>
+                </a:solidFill>
+                <a:uFill>
+                  <a:solidFill>
+                    <a:srgbClr val="ffffff"/>
+                  </a:solidFill>
+                </a:uFill>
+                <a:latin typeface="Arial"/>
+              </a:rPr>
+              <a:t>1</a:t>
+            </a:r>
+            <a:endParaRPr b="1" lang="en-US" sz="1800" spc="-1" strike="noStrike">
+              <a:solidFill>
+                <a:srgbClr val="ffffff"/>
               </a:solidFill>
               <a:uFill>
                 <a:solidFill>
@@ -4495,14 +6682,14 @@
       </p:grpSpPr>
       <p:sp>
         <p:nvSpPr>
-          <p:cNvPr id="112" name="CustomShape 1"/>
+          <p:cNvPr id="150" name="CustomShape 1"/>
           <p:cNvSpPr/>
           <p:nvPr/>
         </p:nvSpPr>
         <p:spPr>
           <a:xfrm>
             <a:off x="504000" y="301320"/>
-            <a:ext cx="9070560" cy="1261080"/>
+            <a:ext cx="9070200" cy="1260720"/>
           </a:xfrm>
           <a:prstGeom prst="rect">
             <a:avLst/>
@@ -4527,7 +6714,7 @@
               </a:lnSpc>
             </a:pPr>
             <a:r>
-              <a:rPr b="0" lang="de-DE" sz="4400" spc="-1" strike="noStrike">
+              <a:rPr b="0" lang="en-US" sz="4400" spc="-1" strike="noStrike">
                 <a:solidFill>
                   <a:srgbClr val="000000"/>
                 </a:solidFill>
@@ -4541,7 +6728,7 @@
               </a:rPr>
               <a:t>Beispiel(5)</a:t>
             </a:r>
-            <a:endParaRPr b="0" lang="de-DE" sz="1800" spc="-1" strike="noStrike">
+            <a:endParaRPr b="0" lang="en-US" sz="1800" spc="-1" strike="noStrike">
               <a:solidFill>
                 <a:srgbClr val="000000"/>
               </a:solidFill>
@@ -4557,14 +6744,14 @@
       </p:sp>
       <p:sp>
         <p:nvSpPr>
-          <p:cNvPr id="113" name="CustomShape 2"/>
+          <p:cNvPr id="151" name="CustomShape 2"/>
           <p:cNvSpPr/>
           <p:nvPr/>
         </p:nvSpPr>
         <p:spPr>
           <a:xfrm>
             <a:off x="504000" y="1769040"/>
-            <a:ext cx="9070560" cy="4383360"/>
+            <a:ext cx="9070200" cy="4383000"/>
           </a:xfrm>
           <a:prstGeom prst="rect">
             <a:avLst/>
@@ -4583,7 +6770,7 @@
         <p:txBody>
           <a:bodyPr lIns="0" rIns="0" tIns="0" bIns="0"/>
           <a:p>
-            <a:pPr marL="432000" indent="-322920">
+            <a:pPr marL="432000" indent="-322560">
               <a:lnSpc>
                 <a:spcPct val="100000"/>
               </a:lnSpc>
@@ -4595,7 +6782,7 @@
               <a:buChar char=""/>
             </a:pPr>
             <a:r>
-              <a:rPr b="0" lang="de-DE" sz="3200" spc="-1" strike="noStrike">
+              <a:rPr b="0" lang="en-US" sz="3200" spc="-1" strike="noStrike">
                 <a:solidFill>
                   <a:srgbClr val="000000"/>
                 </a:solidFill>
@@ -4609,7 +6796,7 @@
               </a:rPr>
               <a:t>Mit welcher Wahrscheinlichkeit ruft John an wenn eingebrochen wurde:</a:t>
             </a:r>
-            <a:endParaRPr b="0" lang="de-DE" sz="1800" spc="-1" strike="noStrike">
+            <a:endParaRPr b="0" lang="en-US" sz="1800" spc="-1" strike="noStrike">
               <a:solidFill>
                 <a:srgbClr val="000000"/>
               </a:solidFill>
@@ -4627,7 +6814,7 @@
                 <a:spcPct val="100000"/>
               </a:lnSpc>
             </a:pPr>
-            <a:endParaRPr b="0" lang="de-DE" sz="1800" spc="-1" strike="noStrike">
+            <a:endParaRPr b="0" lang="en-US" sz="1800" spc="-1" strike="noStrike">
               <a:solidFill>
                 <a:srgbClr val="000000"/>
               </a:solidFill>
@@ -4645,7 +6832,7 @@
                 <a:spcPct val="100000"/>
               </a:lnSpc>
             </a:pPr>
-            <a:endParaRPr b="0" lang="de-DE" sz="1800" spc="-1" strike="noStrike">
+            <a:endParaRPr b="0" lang="en-US" sz="1800" spc="-1" strike="noStrike">
               <a:solidFill>
                 <a:srgbClr val="000000"/>
               </a:solidFill>
@@ -4658,7 +6845,7 @@
             </a:endParaRPr>
           </a:p>
           <a:p>
-            <a:pPr marL="432000" indent="-322920">
+            <a:pPr marL="432000" indent="-322560">
               <a:lnSpc>
                 <a:spcPct val="100000"/>
               </a:lnSpc>
@@ -4670,7 +6857,7 @@
               <a:buChar char=""/>
             </a:pPr>
             <a:r>
-              <a:rPr b="0" lang="de-DE" sz="3200" spc="-1" strike="noStrike">
+              <a:rPr b="0" lang="en-US" sz="3200" spc="-1" strike="noStrike">
                 <a:solidFill>
                   <a:srgbClr val="000000"/>
                 </a:solidFill>
@@ -4684,7 +6871,7 @@
               </a:rPr>
               <a:t>→ </a:t>
             </a:r>
-            <a:endParaRPr b="0" lang="de-DE" sz="1800" spc="-1" strike="noStrike">
+            <a:endParaRPr b="0" lang="en-US" sz="1800" spc="-1" strike="noStrike">
               <a:solidFill>
                 <a:srgbClr val="000000"/>
               </a:solidFill>
@@ -4700,7 +6887,7 @@
       </p:sp>
       <p:pic>
         <p:nvPicPr>
-          <p:cNvPr id="114" name="" descr=""/>
+          <p:cNvPr id="152" name="" descr=""/>
           <p:cNvPicPr/>
           <p:nvPr/>
         </p:nvPicPr>
@@ -4711,7 +6898,7 @@
         <p:spPr>
           <a:xfrm>
             <a:off x="208800" y="2692800"/>
-            <a:ext cx="9574200" cy="1146600"/>
+            <a:ext cx="9573840" cy="1146240"/>
           </a:xfrm>
           <a:prstGeom prst="rect">
             <a:avLst/>
@@ -4723,7 +6910,7 @@
       </p:pic>
       <p:pic>
         <p:nvPicPr>
-          <p:cNvPr id="115" name="" descr=""/>
+          <p:cNvPr id="153" name="" descr=""/>
           <p:cNvPicPr/>
           <p:nvPr/>
         </p:nvPicPr>
@@ -4734,7 +6921,7 @@
         <p:spPr>
           <a:xfrm>
             <a:off x="1463040" y="4023360"/>
-            <a:ext cx="7405560" cy="617400"/>
+            <a:ext cx="7405200" cy="617040"/>
           </a:xfrm>
           <a:prstGeom prst="rect">
             <a:avLst/>
@@ -4744,78 +6931,6 @@
           </a:ln>
         </p:spPr>
       </p:pic>
-      <p:sp>
-        <p:nvSpPr>
-          <p:cNvPr id="116" name="CustomShape 3"/>
-          <p:cNvSpPr/>
-          <p:nvPr/>
-        </p:nvSpPr>
-        <p:spPr>
-          <a:xfrm>
-            <a:off x="549000" y="6614640"/>
-            <a:ext cx="4002120" cy="425880"/>
-          </a:xfrm>
-          <a:prstGeom prst="rect">
-            <a:avLst/>
-          </a:prstGeom>
-          <a:noFill/>
-          <a:ln>
-            <a:noFill/>
-          </a:ln>
-        </p:spPr>
-        <p:style>
-          <a:lnRef idx="0"/>
-          <a:fillRef idx="0"/>
-          <a:effectRef idx="0"/>
-          <a:fontRef idx="minor"/>
-        </p:style>
-        <p:txBody>
-          <a:bodyPr lIns="90000" rIns="90000" tIns="45000" bIns="45000"/>
-          <a:p>
-            <a:r>
-              <a:rPr b="0" lang="de-DE" sz="1800" spc="-1" strike="noStrike">
-                <a:solidFill>
-                  <a:srgbClr val="000000"/>
-                </a:solidFill>
-                <a:uFill>
-                  <a:solidFill>
-                    <a:srgbClr val="ffffff"/>
-                  </a:solidFill>
-                </a:uFill>
-                <a:latin typeface="Arial"/>
-                <a:ea typeface="DejaVu Sans"/>
-              </a:rPr>
-              <a:t> </a:t>
-            </a:r>
-            <a:r>
-              <a:rPr b="0" lang="de-DE" sz="1800" spc="-1" strike="noStrike">
-                <a:solidFill>
-                  <a:srgbClr val="000000"/>
-                </a:solidFill>
-                <a:uFill>
-                  <a:solidFill>
-                    <a:srgbClr val="ffffff"/>
-                  </a:solidFill>
-                </a:uFill>
-                <a:latin typeface="Arial"/>
-                <a:ea typeface="DejaVu Sans"/>
-              </a:rPr>
-              <a:t>von 14 </a:t>
-            </a:r>
-            <a:endParaRPr b="0" lang="de-DE" sz="1800" spc="-1" strike="noStrike">
-              <a:solidFill>
-                <a:srgbClr val="000000"/>
-              </a:solidFill>
-              <a:uFill>
-                <a:solidFill>
-                  <a:srgbClr val="ffffff"/>
-                </a:solidFill>
-              </a:uFill>
-              <a:latin typeface="Arial"/>
-            </a:endParaRPr>
-          </a:p>
-        </p:txBody>
-      </p:sp>
     </p:spTree>
   </p:cSld>
   <p:timing>
@@ -4867,14 +6982,14 @@
       </p:grpSpPr>
       <p:sp>
         <p:nvSpPr>
-          <p:cNvPr id="117" name="CustomShape 1"/>
+          <p:cNvPr id="154" name="CustomShape 1"/>
           <p:cNvSpPr/>
           <p:nvPr/>
         </p:nvSpPr>
         <p:spPr>
           <a:xfrm>
             <a:off x="504000" y="301320"/>
-            <a:ext cx="9070560" cy="1261080"/>
+            <a:ext cx="9070200" cy="1260720"/>
           </a:xfrm>
           <a:prstGeom prst="rect">
             <a:avLst/>
@@ -4899,7 +7014,7 @@
               </a:lnSpc>
             </a:pPr>
             <a:r>
-              <a:rPr b="0" lang="de-DE" sz="4400" spc="-1" strike="noStrike">
+              <a:rPr b="0" lang="en-US" sz="4400" spc="-1" strike="noStrike">
                 <a:solidFill>
                   <a:srgbClr val="000000"/>
                 </a:solidFill>
@@ -4913,7 +7028,7 @@
               </a:rPr>
               <a:t>Lernen von Bayes‘schen Netzen</a:t>
             </a:r>
-            <a:endParaRPr b="0" lang="de-DE" sz="1800" spc="-1" strike="noStrike">
+            <a:endParaRPr b="0" lang="en-US" sz="1800" spc="-1" strike="noStrike">
               <a:solidFill>
                 <a:srgbClr val="000000"/>
               </a:solidFill>
@@ -4929,14 +7044,14 @@
       </p:sp>
       <p:sp>
         <p:nvSpPr>
-          <p:cNvPr id="118" name="CustomShape 2"/>
+          <p:cNvPr id="155" name="CustomShape 2"/>
           <p:cNvSpPr/>
           <p:nvPr/>
         </p:nvSpPr>
         <p:spPr>
           <a:xfrm>
             <a:off x="504000" y="1769040"/>
-            <a:ext cx="9070560" cy="4383360"/>
+            <a:ext cx="9070200" cy="4383000"/>
           </a:xfrm>
           <a:prstGeom prst="rect">
             <a:avLst/>
@@ -4955,7 +7070,7 @@
         <p:txBody>
           <a:bodyPr lIns="0" rIns="0" tIns="0" bIns="0"/>
           <a:p>
-            <a:pPr marL="432000" indent="-322920">
+            <a:pPr marL="432000" indent="-322560">
               <a:lnSpc>
                 <a:spcPct val="100000"/>
               </a:lnSpc>
@@ -4967,7 +7082,7 @@
               <a:buChar char=""/>
             </a:pPr>
             <a:r>
-              <a:rPr b="0" lang="de-DE" sz="3200" spc="-1" strike="noStrike">
+              <a:rPr b="0" lang="en-US" sz="3200" spc="-1" strike="noStrike">
                 <a:solidFill>
                   <a:srgbClr val="000000"/>
                 </a:solidFill>
@@ -4981,7 +7096,7 @@
               </a:rPr>
               <a:t>Man unterscheidet hier 4 Fälle [Fiedman]:</a:t>
             </a:r>
-            <a:endParaRPr b="0" lang="de-DE" sz="1800" spc="-1" strike="noStrike">
+            <a:endParaRPr b="0" lang="en-US" sz="1800" spc="-1" strike="noStrike">
               <a:solidFill>
                 <a:srgbClr val="000000"/>
               </a:solidFill>
@@ -4994,7 +7109,7 @@
             </a:endParaRPr>
           </a:p>
           <a:p>
-            <a:pPr lvl="1" marL="864000" indent="-322920">
+            <a:pPr lvl="1" marL="864000" indent="-322560">
               <a:lnSpc>
                 <a:spcPct val="100000"/>
               </a:lnSpc>
@@ -5006,7 +7121,7 @@
               <a:buChar char=""/>
             </a:pPr>
             <a:r>
-              <a:rPr b="0" lang="de-DE" sz="2800" spc="-1" strike="noStrike">
+              <a:rPr b="0" lang="en-US" sz="2800" spc="-1" strike="noStrike">
                 <a:solidFill>
                   <a:srgbClr val="000000"/>
                 </a:solidFill>
@@ -5020,7 +7135,7 @@
               </a:rPr>
               <a:t>Bekannte Struktur, vollständige Datenbasis</a:t>
             </a:r>
-            <a:endParaRPr b="0" lang="de-DE" sz="1800" spc="-1" strike="noStrike">
+            <a:endParaRPr b="0" lang="en-US" sz="1800" spc="-1" strike="noStrike">
               <a:solidFill>
                 <a:srgbClr val="000000"/>
               </a:solidFill>
@@ -5033,7 +7148,7 @@
             </a:endParaRPr>
           </a:p>
           <a:p>
-            <a:pPr lvl="1" marL="864000" indent="-322920">
+            <a:pPr lvl="1" marL="864000" indent="-322560">
               <a:lnSpc>
                 <a:spcPct val="100000"/>
               </a:lnSpc>
@@ -5045,7 +7160,7 @@
               <a:buChar char=""/>
             </a:pPr>
             <a:r>
-              <a:rPr b="0" lang="de-DE" sz="2800" spc="-1" strike="noStrike">
+              <a:rPr b="0" lang="en-US" sz="2800" spc="-1" strike="noStrike">
                 <a:solidFill>
                   <a:srgbClr val="000000"/>
                 </a:solidFill>
@@ -5059,7 +7174,7 @@
               </a:rPr>
               <a:t>Unbekannte Struktur, vollständige Datenbasis</a:t>
             </a:r>
-            <a:endParaRPr b="0" lang="de-DE" sz="1800" spc="-1" strike="noStrike">
+            <a:endParaRPr b="0" lang="en-US" sz="1800" spc="-1" strike="noStrike">
               <a:solidFill>
                 <a:srgbClr val="000000"/>
               </a:solidFill>
@@ -5072,7 +7187,7 @@
             </a:endParaRPr>
           </a:p>
           <a:p>
-            <a:pPr lvl="1" marL="864000" indent="-322920">
+            <a:pPr lvl="1" marL="864000" indent="-322560">
               <a:lnSpc>
                 <a:spcPct val="100000"/>
               </a:lnSpc>
@@ -5084,7 +7199,7 @@
               <a:buChar char=""/>
             </a:pPr>
             <a:r>
-              <a:rPr b="0" lang="de-DE" sz="2800" spc="-1" strike="noStrike">
+              <a:rPr b="0" lang="en-US" sz="2800" spc="-1" strike="noStrike">
                 <a:solidFill>
                   <a:srgbClr val="000000"/>
                 </a:solidFill>
@@ -5098,7 +7213,7 @@
               </a:rPr>
               <a:t>Bekannte Struktur, unvollständige Datenbasis</a:t>
             </a:r>
-            <a:endParaRPr b="0" lang="de-DE" sz="1800" spc="-1" strike="noStrike">
+            <a:endParaRPr b="0" lang="en-US" sz="1800" spc="-1" strike="noStrike">
               <a:solidFill>
                 <a:srgbClr val="000000"/>
               </a:solidFill>
@@ -5111,7 +7226,7 @@
             </a:endParaRPr>
           </a:p>
           <a:p>
-            <a:pPr lvl="1" marL="864000" indent="-322920">
+            <a:pPr lvl="1" marL="864000" indent="-322560">
               <a:lnSpc>
                 <a:spcPct val="100000"/>
               </a:lnSpc>
@@ -5123,7 +7238,7 @@
               <a:buChar char=""/>
             </a:pPr>
             <a:r>
-              <a:rPr b="0" lang="de-DE" sz="2800" spc="-1" strike="noStrike">
+              <a:rPr b="0" lang="en-US" sz="2800" spc="-1" strike="noStrike">
                 <a:solidFill>
                   <a:srgbClr val="000000"/>
                 </a:solidFill>
@@ -5137,7 +7252,7 @@
               </a:rPr>
               <a:t>Unbekannte Struktur, unvollständige Datenbasis</a:t>
             </a:r>
-            <a:endParaRPr b="0" lang="de-DE" sz="1800" spc="-1" strike="noStrike">
+            <a:endParaRPr b="0" lang="en-US" sz="1800" spc="-1" strike="noStrike">
               <a:solidFill>
                 <a:srgbClr val="000000"/>
               </a:solidFill>
@@ -5150,7 +7265,7 @@
             </a:endParaRPr>
           </a:p>
           <a:p>
-            <a:pPr marL="432000" indent="-322920">
+            <a:pPr marL="432000" indent="-322560">
               <a:lnSpc>
                 <a:spcPct val="100000"/>
               </a:lnSpc>
@@ -5162,7 +7277,7 @@
               <a:buChar char=""/>
             </a:pPr>
             <a:r>
-              <a:rPr b="0" lang="de-DE" sz="3200" spc="-1" strike="noStrike">
+              <a:rPr b="0" lang="en-US" sz="3200" spc="-1" strike="noStrike">
                 <a:solidFill>
                   <a:srgbClr val="000000"/>
                 </a:solidFill>
@@ -5177,7 +7292,7 @@
               <a:t>→</a:t>
             </a:r>
             <a:r>
-              <a:rPr b="0" lang="de-DE" sz="3200" spc="-1" strike="noStrike">
+              <a:rPr b="0" lang="en-US" sz="3200" spc="-1" strike="noStrike">
                 <a:solidFill>
                   <a:srgbClr val="000000"/>
                 </a:solidFill>
@@ -5191,7 +7306,7 @@
               </a:rPr>
               <a:t>Eagern-Lerning </a:t>
             </a:r>
-            <a:endParaRPr b="0" lang="de-DE" sz="1800" spc="-1" strike="noStrike">
+            <a:endParaRPr b="0" lang="en-US" sz="1800" spc="-1" strike="noStrike">
               <a:solidFill>
                 <a:srgbClr val="000000"/>
               </a:solidFill>
@@ -5207,14 +7322,14 @@
       </p:sp>
       <p:sp>
         <p:nvSpPr>
-          <p:cNvPr id="119" name="CustomShape 3"/>
+          <p:cNvPr id="156" name="CustomShape 3"/>
           <p:cNvSpPr/>
           <p:nvPr/>
         </p:nvSpPr>
         <p:spPr>
           <a:xfrm>
             <a:off x="1828800" y="2834640"/>
-            <a:ext cx="179640" cy="426240"/>
+            <a:ext cx="179280" cy="425880"/>
           </a:xfrm>
           <a:prstGeom prst="rect">
             <a:avLst/>
@@ -5230,78 +7345,6 @@
           <a:effectRef idx="0"/>
           <a:fontRef idx="minor"/>
         </p:style>
-      </p:sp>
-      <p:sp>
-        <p:nvSpPr>
-          <p:cNvPr id="120" name="CustomShape 4"/>
-          <p:cNvSpPr/>
-          <p:nvPr/>
-        </p:nvSpPr>
-        <p:spPr>
-          <a:xfrm>
-            <a:off x="548640" y="6614280"/>
-            <a:ext cx="4002120" cy="425880"/>
-          </a:xfrm>
-          <a:prstGeom prst="rect">
-            <a:avLst/>
-          </a:prstGeom>
-          <a:noFill/>
-          <a:ln>
-            <a:noFill/>
-          </a:ln>
-        </p:spPr>
-        <p:style>
-          <a:lnRef idx="0"/>
-          <a:fillRef idx="0"/>
-          <a:effectRef idx="0"/>
-          <a:fontRef idx="minor"/>
-        </p:style>
-        <p:txBody>
-          <a:bodyPr lIns="90000" rIns="90000" tIns="45000" bIns="45000"/>
-          <a:p>
-            <a:r>
-              <a:rPr b="0" lang="de-DE" sz="1800" spc="-1" strike="noStrike">
-                <a:solidFill>
-                  <a:srgbClr val="000000"/>
-                </a:solidFill>
-                <a:uFill>
-                  <a:solidFill>
-                    <a:srgbClr val="ffffff"/>
-                  </a:solidFill>
-                </a:uFill>
-                <a:latin typeface="Arial"/>
-                <a:ea typeface="DejaVu Sans"/>
-              </a:rPr>
-              <a:t> </a:t>
-            </a:r>
-            <a:r>
-              <a:rPr b="0" lang="de-DE" sz="1800" spc="-1" strike="noStrike">
-                <a:solidFill>
-                  <a:srgbClr val="000000"/>
-                </a:solidFill>
-                <a:uFill>
-                  <a:solidFill>
-                    <a:srgbClr val="ffffff"/>
-                  </a:solidFill>
-                </a:uFill>
-                <a:latin typeface="Arial"/>
-                <a:ea typeface="DejaVu Sans"/>
-              </a:rPr>
-              <a:t>von 14 </a:t>
-            </a:r>
-            <a:endParaRPr b="0" lang="de-DE" sz="1800" spc="-1" strike="noStrike">
-              <a:solidFill>
-                <a:srgbClr val="000000"/>
-              </a:solidFill>
-              <a:uFill>
-                <a:solidFill>
-                  <a:srgbClr val="ffffff"/>
-                </a:solidFill>
-              </a:uFill>
-              <a:latin typeface="Arial"/>
-            </a:endParaRPr>
-          </a:p>
-        </p:txBody>
       </p:sp>
     </p:spTree>
   </p:cSld>
@@ -5354,14 +7397,14 @@
       </p:grpSpPr>
       <p:sp>
         <p:nvSpPr>
-          <p:cNvPr id="121" name="CustomShape 1"/>
+          <p:cNvPr id="157" name="CustomShape 1"/>
           <p:cNvSpPr/>
           <p:nvPr/>
         </p:nvSpPr>
         <p:spPr>
           <a:xfrm>
             <a:off x="504000" y="301320"/>
-            <a:ext cx="9070560" cy="1261080"/>
+            <a:ext cx="9070200" cy="1260720"/>
           </a:xfrm>
           <a:prstGeom prst="rect">
             <a:avLst/>
@@ -5386,7 +7429,7 @@
               </a:lnSpc>
             </a:pPr>
             <a:r>
-              <a:rPr b="0" lang="de-DE" sz="4400" spc="-1" strike="noStrike">
+              <a:rPr b="0" lang="en-US" sz="4400" spc="-1" strike="noStrike">
                 <a:solidFill>
                   <a:srgbClr val="000000"/>
                 </a:solidFill>
@@ -5400,7 +7443,7 @@
               </a:rPr>
               <a:t>Anwendung in der Robotik</a:t>
             </a:r>
-            <a:endParaRPr b="0" lang="de-DE" sz="1800" spc="-1" strike="noStrike">
+            <a:endParaRPr b="0" lang="en-US" sz="1800" spc="-1" strike="noStrike">
               <a:solidFill>
                 <a:srgbClr val="000000"/>
               </a:solidFill>
@@ -5416,14 +7459,14 @@
       </p:sp>
       <p:sp>
         <p:nvSpPr>
-          <p:cNvPr id="122" name="CustomShape 2"/>
+          <p:cNvPr id="158" name="CustomShape 2"/>
           <p:cNvSpPr/>
           <p:nvPr/>
         </p:nvSpPr>
         <p:spPr>
           <a:xfrm>
             <a:off x="504000" y="1769040"/>
-            <a:ext cx="9070560" cy="4383360"/>
+            <a:ext cx="9070200" cy="4383000"/>
           </a:xfrm>
           <a:prstGeom prst="rect">
             <a:avLst/>
@@ -5448,7 +7491,7 @@
               </a:lnSpc>
             </a:pPr>
             <a:r>
-              <a:rPr b="0" lang="de-DE" sz="3200" spc="-1" strike="noStrike" u="sng">
+              <a:rPr b="0" lang="en-US" sz="3200" spc="-1" strike="noStrike" u="sng">
                 <a:solidFill>
                   <a:srgbClr val="0000ff"/>
                 </a:solidFill>
@@ -5464,7 +7507,7 @@
               <a:t>Erkennung von Objekten in der Bildverarbeitung</a:t>
             </a:r>
             <a:r>
-              <a:rPr b="0" lang="de-DE" sz="3200" spc="-1" strike="noStrike" u="sng">
+              <a:rPr b="0" lang="en-US" sz="3200" spc="-1" strike="noStrike" u="sng">
                 <a:solidFill>
                   <a:srgbClr val="0000ff"/>
                 </a:solidFill>
@@ -5478,7 +7521,7 @@
               </a:rPr>
               <a:t>(1)</a:t>
             </a:r>
-            <a:endParaRPr b="0" lang="de-DE" sz="1800" spc="-1" strike="noStrike">
+            <a:endParaRPr b="0" lang="en-US" sz="1800" spc="-1" strike="noStrike">
               <a:solidFill>
                 <a:srgbClr val="000000"/>
               </a:solidFill>
@@ -5496,7 +7539,7 @@
                 <a:spcPct val="100000"/>
               </a:lnSpc>
             </a:pPr>
-            <a:endParaRPr b="0" lang="de-DE" sz="1800" spc="-1" strike="noStrike">
+            <a:endParaRPr b="0" lang="en-US" sz="1800" spc="-1" strike="noStrike">
               <a:solidFill>
                 <a:srgbClr val="000000"/>
               </a:solidFill>
@@ -5515,7 +7558,7 @@
               </a:lnSpc>
             </a:pPr>
             <a:r>
-              <a:rPr b="0" lang="de-DE" sz="3200" spc="-1" strike="noStrike" u="sng">
+              <a:rPr b="0" lang="en-US" sz="3200" spc="-1" strike="noStrike" u="sng">
                 <a:solidFill>
                   <a:srgbClr val="0000ff"/>
                 </a:solidFill>
@@ -5531,7 +7574,7 @@
               <a:t>Umgang mit falschen Sensordaten</a:t>
             </a:r>
             <a:r>
-              <a:rPr b="0" lang="de-DE" sz="3200" spc="-1" strike="noStrike" u="sng">
+              <a:rPr b="0" lang="en-US" sz="3200" spc="-1" strike="noStrike" u="sng">
                 <a:solidFill>
                   <a:srgbClr val="0000ff"/>
                 </a:solidFill>
@@ -5545,7 +7588,7 @@
               </a:rPr>
               <a:t>(2)</a:t>
             </a:r>
-            <a:endParaRPr b="0" lang="de-DE" sz="1800" spc="-1" strike="noStrike">
+            <a:endParaRPr b="0" lang="en-US" sz="1800" spc="-1" strike="noStrike">
               <a:solidFill>
                 <a:srgbClr val="000000"/>
               </a:solidFill>
@@ -5563,7 +7606,7 @@
                 <a:spcPct val="100000"/>
               </a:lnSpc>
             </a:pPr>
-            <a:endParaRPr b="0" lang="de-DE" sz="1800" spc="-1" strike="noStrike">
+            <a:endParaRPr b="0" lang="en-US" sz="1800" spc="-1" strike="noStrike">
               <a:solidFill>
                 <a:srgbClr val="000000"/>
               </a:solidFill>
@@ -5582,7 +7625,7 @@
               </a:lnSpc>
             </a:pPr>
             <a:r>
-              <a:rPr b="0" lang="de-DE" sz="3200" spc="-1" strike="noStrike" u="sng">
+              <a:rPr b="0" lang="en-US" sz="3200" spc="-1" strike="noStrike" u="sng">
                 <a:solidFill>
                   <a:srgbClr val="0000ff"/>
                 </a:solidFill>
@@ -5598,7 +7641,7 @@
               <a:t>Umgang mit falschen Sensordaten in Hinblick auf die Auswertung verschiedener Sensoren</a:t>
             </a:r>
             <a:r>
-              <a:rPr b="0" lang="de-DE" sz="3200" spc="-1" strike="noStrike" u="sng">
+              <a:rPr b="0" lang="en-US" sz="3200" spc="-1" strike="noStrike" u="sng">
                 <a:solidFill>
                   <a:srgbClr val="0000ff"/>
                 </a:solidFill>
@@ -5612,79 +7655,7 @@
               </a:rPr>
               <a:t>(3)</a:t>
             </a:r>
-            <a:endParaRPr b="0" lang="de-DE" sz="1800" spc="-1" strike="noStrike">
-              <a:solidFill>
-                <a:srgbClr val="000000"/>
-              </a:solidFill>
-              <a:uFill>
-                <a:solidFill>
-                  <a:srgbClr val="ffffff"/>
-                </a:solidFill>
-              </a:uFill>
-              <a:latin typeface="Arial"/>
-            </a:endParaRPr>
-          </a:p>
-        </p:txBody>
-      </p:sp>
-      <p:sp>
-        <p:nvSpPr>
-          <p:cNvPr id="123" name="CustomShape 3"/>
-          <p:cNvSpPr/>
-          <p:nvPr/>
-        </p:nvSpPr>
-        <p:spPr>
-          <a:xfrm>
-            <a:off x="549000" y="6614640"/>
-            <a:ext cx="4002120" cy="425880"/>
-          </a:xfrm>
-          <a:prstGeom prst="rect">
-            <a:avLst/>
-          </a:prstGeom>
-          <a:noFill/>
-          <a:ln>
-            <a:noFill/>
-          </a:ln>
-        </p:spPr>
-        <p:style>
-          <a:lnRef idx="0"/>
-          <a:fillRef idx="0"/>
-          <a:effectRef idx="0"/>
-          <a:fontRef idx="minor"/>
-        </p:style>
-        <p:txBody>
-          <a:bodyPr lIns="90000" rIns="90000" tIns="45000" bIns="45000"/>
-          <a:p>
-            <a:r>
-              <a:rPr b="0" lang="de-DE" sz="1800" spc="-1" strike="noStrike">
-                <a:solidFill>
-                  <a:srgbClr val="000000"/>
-                </a:solidFill>
-                <a:uFill>
-                  <a:solidFill>
-                    <a:srgbClr val="ffffff"/>
-                  </a:solidFill>
-                </a:uFill>
-                <a:latin typeface="Arial"/>
-                <a:ea typeface="DejaVu Sans"/>
-              </a:rPr>
-              <a:t> </a:t>
-            </a:r>
-            <a:r>
-              <a:rPr b="0" lang="de-DE" sz="1800" spc="-1" strike="noStrike">
-                <a:solidFill>
-                  <a:srgbClr val="000000"/>
-                </a:solidFill>
-                <a:uFill>
-                  <a:solidFill>
-                    <a:srgbClr val="ffffff"/>
-                  </a:solidFill>
-                </a:uFill>
-                <a:latin typeface="Arial"/>
-                <a:ea typeface="DejaVu Sans"/>
-              </a:rPr>
-              <a:t>von 14 </a:t>
-            </a:r>
-            <a:endParaRPr b="0" lang="de-DE" sz="1800" spc="-1" strike="noStrike">
+            <a:endParaRPr b="0" lang="en-US" sz="1800" spc="-1" strike="noStrike">
               <a:solidFill>
                 <a:srgbClr val="000000"/>
               </a:solidFill>
@@ -5749,14 +7720,14 @@
       </p:grpSpPr>
       <p:sp>
         <p:nvSpPr>
-          <p:cNvPr id="124" name="CustomShape 1"/>
+          <p:cNvPr id="159" name="CustomShape 1"/>
           <p:cNvSpPr/>
           <p:nvPr/>
         </p:nvSpPr>
         <p:spPr>
           <a:xfrm>
             <a:off x="504000" y="301320"/>
-            <a:ext cx="9070560" cy="1261080"/>
+            <a:ext cx="9070200" cy="1260720"/>
           </a:xfrm>
           <a:prstGeom prst="rect">
             <a:avLst/>
@@ -5781,7 +7752,7 @@
               </a:lnSpc>
             </a:pPr>
             <a:r>
-              <a:rPr b="0" lang="de-DE" sz="4400" spc="-1" strike="noStrike">
+              <a:rPr b="0" lang="en-US" sz="4400" spc="-1" strike="noStrike">
                 <a:solidFill>
                   <a:srgbClr val="000000"/>
                 </a:solidFill>
@@ -5795,7 +7766,7 @@
               </a:rPr>
               <a:t>Umgang mit falschen Senordaten(2)</a:t>
             </a:r>
-            <a:endParaRPr b="0" lang="de-DE" sz="1800" spc="-1" strike="noStrike">
+            <a:endParaRPr b="0" lang="en-US" sz="1800" spc="-1" strike="noStrike">
               <a:solidFill>
                 <a:srgbClr val="000000"/>
               </a:solidFill>
@@ -5811,14 +7782,14 @@
       </p:sp>
       <p:sp>
         <p:nvSpPr>
-          <p:cNvPr id="125" name="CustomShape 2"/>
+          <p:cNvPr id="160" name="CustomShape 2"/>
           <p:cNvSpPr/>
           <p:nvPr/>
         </p:nvSpPr>
         <p:spPr>
           <a:xfrm>
             <a:off x="504000" y="1769040"/>
-            <a:ext cx="9070560" cy="4383360"/>
+            <a:ext cx="9070200" cy="4383000"/>
           </a:xfrm>
           <a:prstGeom prst="rect">
             <a:avLst/>
@@ -5837,14 +7808,14 @@
       </p:sp>
       <p:sp>
         <p:nvSpPr>
-          <p:cNvPr id="126" name="CustomShape 3"/>
+          <p:cNvPr id="161" name="CustomShape 3"/>
           <p:cNvSpPr/>
           <p:nvPr/>
         </p:nvSpPr>
         <p:spPr>
           <a:xfrm>
-            <a:off x="549000" y="6614640"/>
-            <a:ext cx="4002120" cy="425880"/>
+            <a:off x="504000" y="1769040"/>
+            <a:ext cx="9070200" cy="4383000"/>
           </a:xfrm>
           <a:prstGeom prst="rect">
             <a:avLst/>
@@ -5861,10 +7832,99 @@
           <a:fontRef idx="minor"/>
         </p:style>
         <p:txBody>
-          <a:bodyPr lIns="90000" rIns="90000" tIns="45000" bIns="45000"/>
-          <a:p>
+          <a:bodyPr lIns="0" rIns="0" tIns="0" bIns="0"/>
+          <a:p>
+            <a:pPr marL="432000" indent="-322560">
+              <a:lnSpc>
+                <a:spcPct val="100000"/>
+              </a:lnSpc>
+              <a:buClr>
+                <a:srgbClr val="000000"/>
+              </a:buClr>
+              <a:buSzPct val="45000"/>
+              <a:buFont typeface="Wingdings" charset="2"/>
+              <a:buChar char=""/>
+            </a:pPr>
             <a:r>
-              <a:rPr b="0" lang="de-DE" sz="1800" spc="-1" strike="noStrike">
+              <a:rPr b="0" lang="en-US" sz="3200" spc="-1" strike="noStrike">
+                <a:solidFill>
+                  <a:srgbClr val="000000"/>
+                </a:solidFill>
+                <a:uFill>
+                  <a:solidFill>
+                    <a:srgbClr val="ffffff"/>
+                  </a:solidFill>
+                </a:uFill>
+                <a:latin typeface="Arial"/>
+                <a:ea typeface="DejaVu Sans"/>
+              </a:rPr>
+              <a:t>Verhaltensbasierte Diagnose</a:t>
+            </a:r>
+            <a:endParaRPr b="0" lang="en-US" sz="1800" spc="-1" strike="noStrike">
+              <a:solidFill>
+                <a:srgbClr val="000000"/>
+              </a:solidFill>
+              <a:uFill>
+                <a:solidFill>
+                  <a:srgbClr val="ffffff"/>
+                </a:solidFill>
+              </a:uFill>
+              <a:latin typeface="Arial"/>
+            </a:endParaRPr>
+          </a:p>
+          <a:p>
+            <a:pPr marL="432000" indent="-322560">
+              <a:lnSpc>
+                <a:spcPct val="100000"/>
+              </a:lnSpc>
+              <a:buClr>
+                <a:srgbClr val="000000"/>
+              </a:buClr>
+              <a:buSzPct val="45000"/>
+              <a:buFont typeface="Wingdings" charset="2"/>
+              <a:buChar char=""/>
+            </a:pPr>
+            <a:r>
+              <a:rPr b="0" lang="en-US" sz="3200" spc="-1" strike="noStrike">
+                <a:solidFill>
+                  <a:srgbClr val="000000"/>
+                </a:solidFill>
+                <a:uFill>
+                  <a:solidFill>
+                    <a:srgbClr val="ffffff"/>
+                  </a:solidFill>
+                </a:uFill>
+                <a:latin typeface="Arial"/>
+                <a:ea typeface="DejaVu Sans"/>
+              </a:rPr>
+              <a:t>Entscheidung zwischen links, rechts oder geradeaus</a:t>
+            </a:r>
+            <a:endParaRPr b="0" lang="en-US" sz="1800" spc="-1" strike="noStrike">
+              <a:solidFill>
+                <a:srgbClr val="000000"/>
+              </a:solidFill>
+              <a:uFill>
+                <a:solidFill>
+                  <a:srgbClr val="ffffff"/>
+                </a:solidFill>
+              </a:uFill>
+              <a:latin typeface="Arial"/>
+            </a:endParaRPr>
+          </a:p>
+          <a:p>
+            <a:pPr lvl="1" marL="432000" indent="-215280">
+              <a:lnSpc>
+                <a:spcPct val="100000"/>
+              </a:lnSpc>
+              <a:buClr>
+                <a:srgbClr val="000000"/>
+              </a:buClr>
+              <a:buSzPct val="45000"/>
+              <a:buFont typeface="Wingdings" charset="2"/>
+              <a:buChar char=""/>
+            </a:pPr>
+            <a:r>
+              <a:rPr b="0" lang="en-US" sz="3200" spc="-1" strike="noStrike">
                 <a:solidFill>
                   <a:srgbClr val="000000"/>
                 </a:solidFill>
@@ -5879,168 +7939,7 @@
               <a:t> </a:t>
             </a:r>
             <a:r>
-              <a:rPr b="0" lang="de-DE" sz="1800" spc="-1" strike="noStrike">
-                <a:solidFill>
-                  <a:srgbClr val="000000"/>
-                </a:solidFill>
-                <a:uFill>
-                  <a:solidFill>
-                    <a:srgbClr val="ffffff"/>
-                  </a:solidFill>
-                </a:uFill>
-                <a:latin typeface="Arial"/>
-                <a:ea typeface="DejaVu Sans"/>
-              </a:rPr>
-              <a:t>von 14 </a:t>
-            </a:r>
-            <a:endParaRPr b="0" lang="de-DE" sz="1800" spc="-1" strike="noStrike">
-              <a:solidFill>
-                <a:srgbClr val="000000"/>
-              </a:solidFill>
-              <a:uFill>
-                <a:solidFill>
-                  <a:srgbClr val="ffffff"/>
-                </a:solidFill>
-              </a:uFill>
-              <a:latin typeface="Arial"/>
-            </a:endParaRPr>
-          </a:p>
-        </p:txBody>
-      </p:sp>
-      <p:sp>
-        <p:nvSpPr>
-          <p:cNvPr id="127" name="CustomShape 4"/>
-          <p:cNvSpPr/>
-          <p:nvPr/>
-        </p:nvSpPr>
-        <p:spPr>
-          <a:xfrm>
-            <a:off x="504000" y="1769040"/>
-            <a:ext cx="9070560" cy="4383360"/>
-          </a:xfrm>
-          <a:prstGeom prst="rect">
-            <a:avLst/>
-          </a:prstGeom>
-          <a:noFill/>
-          <a:ln>
-            <a:noFill/>
-          </a:ln>
-        </p:spPr>
-        <p:style>
-          <a:lnRef idx="0"/>
-          <a:fillRef idx="0"/>
-          <a:effectRef idx="0"/>
-          <a:fontRef idx="minor"/>
-        </p:style>
-        <p:txBody>
-          <a:bodyPr lIns="0" rIns="0" tIns="0" bIns="0"/>
-          <a:p>
-            <a:pPr marL="432000" indent="-322920">
-              <a:lnSpc>
-                <a:spcPct val="100000"/>
-              </a:lnSpc>
-              <a:buClr>
-                <a:srgbClr val="000000"/>
-              </a:buClr>
-              <a:buSzPct val="45000"/>
-              <a:buFont typeface="Wingdings" charset="2"/>
-              <a:buChar char=""/>
-            </a:pPr>
-            <a:r>
-              <a:rPr b="0" lang="de-DE" sz="3200" spc="-1" strike="noStrike">
-                <a:solidFill>
-                  <a:srgbClr val="000000"/>
-                </a:solidFill>
-                <a:uFill>
-                  <a:solidFill>
-                    <a:srgbClr val="ffffff"/>
-                  </a:solidFill>
-                </a:uFill>
-                <a:latin typeface="Arial"/>
-                <a:ea typeface="DejaVu Sans"/>
-              </a:rPr>
-              <a:t>Verhaltensbasierte Diagnose</a:t>
-            </a:r>
-            <a:endParaRPr b="0" lang="de-DE" sz="1800" spc="-1" strike="noStrike">
-              <a:solidFill>
-                <a:srgbClr val="000000"/>
-              </a:solidFill>
-              <a:uFill>
-                <a:solidFill>
-                  <a:srgbClr val="ffffff"/>
-                </a:solidFill>
-              </a:uFill>
-              <a:latin typeface="Arial"/>
-            </a:endParaRPr>
-          </a:p>
-          <a:p>
-            <a:pPr marL="432000" indent="-322920">
-              <a:lnSpc>
-                <a:spcPct val="100000"/>
-              </a:lnSpc>
-              <a:buClr>
-                <a:srgbClr val="000000"/>
-              </a:buClr>
-              <a:buSzPct val="45000"/>
-              <a:buFont typeface="Wingdings" charset="2"/>
-              <a:buChar char=""/>
-            </a:pPr>
-            <a:r>
-              <a:rPr b="0" lang="de-DE" sz="3200" spc="-1" strike="noStrike">
-                <a:solidFill>
-                  <a:srgbClr val="000000"/>
-                </a:solidFill>
-                <a:uFill>
-                  <a:solidFill>
-                    <a:srgbClr val="ffffff"/>
-                  </a:solidFill>
-                </a:uFill>
-                <a:latin typeface="Arial"/>
-                <a:ea typeface="DejaVu Sans"/>
-              </a:rPr>
-              <a:t>Entscheidung zwischen links, rechts oder geradeaus</a:t>
-            </a:r>
-            <a:endParaRPr b="0" lang="de-DE" sz="1800" spc="-1" strike="noStrike">
-              <a:solidFill>
-                <a:srgbClr val="000000"/>
-              </a:solidFill>
-              <a:uFill>
-                <a:solidFill>
-                  <a:srgbClr val="ffffff"/>
-                </a:solidFill>
-              </a:uFill>
-              <a:latin typeface="Arial"/>
-            </a:endParaRPr>
-          </a:p>
-          <a:p>
-            <a:pPr lvl="1" marL="432000" indent="-215640">
-              <a:lnSpc>
-                <a:spcPct val="100000"/>
-              </a:lnSpc>
-              <a:buClr>
-                <a:srgbClr val="000000"/>
-              </a:buClr>
-              <a:buSzPct val="45000"/>
-              <a:buFont typeface="Wingdings" charset="2"/>
-              <a:buChar char=""/>
-            </a:pPr>
-            <a:r>
-              <a:rPr b="0" lang="de-DE" sz="3200" spc="-1" strike="noStrike">
-                <a:solidFill>
-                  <a:srgbClr val="000000"/>
-                </a:solidFill>
-                <a:uFill>
-                  <a:solidFill>
-                    <a:srgbClr val="ffffff"/>
-                  </a:solidFill>
-                </a:uFill>
-                <a:latin typeface="Arial"/>
-                <a:ea typeface="DejaVu Sans"/>
-              </a:rPr>
-              <a:t> </a:t>
-            </a:r>
-            <a:r>
-              <a:rPr b="0" lang="de-DE" sz="3200" spc="-1" strike="noStrike">
+              <a:rPr b="0" lang="en-US" sz="3200" spc="-1" strike="noStrike">
                 <a:solidFill>
                   <a:srgbClr val="000000"/>
                 </a:solidFill>
@@ -6054,7 +7953,7 @@
               </a:rPr>
               <a:t>jeder Sensor hat Wahrscheinlichkeit</a:t>
             </a:r>
-            <a:endParaRPr b="0" lang="de-DE" sz="1800" spc="-1" strike="noStrike">
+            <a:endParaRPr b="0" lang="en-US" sz="1800" spc="-1" strike="noStrike">
               <a:solidFill>
                 <a:srgbClr val="000000"/>
               </a:solidFill>
@@ -6067,7 +7966,7 @@
             </a:endParaRPr>
           </a:p>
           <a:p>
-            <a:pPr lvl="1" marL="432000" indent="-215640">
+            <a:pPr lvl="1" marL="432000" indent="-215280">
               <a:lnSpc>
                 <a:spcPct val="100000"/>
               </a:lnSpc>
@@ -6079,7 +7978,7 @@
               <a:buChar char=""/>
             </a:pPr>
             <a:r>
-              <a:rPr b="0" lang="de-DE" sz="3200" spc="-1" strike="noStrike">
+              <a:rPr b="0" lang="en-US" sz="3200" spc="-1" strike="noStrike">
                 <a:solidFill>
                   <a:srgbClr val="000000"/>
                 </a:solidFill>
@@ -6093,7 +7992,7 @@
               </a:rPr>
               <a:t>Sensor muss durch zwei weitere bestätigt werden</a:t>
             </a:r>
-            <a:endParaRPr b="0" lang="de-DE" sz="1800" spc="-1" strike="noStrike">
+            <a:endParaRPr b="0" lang="en-US" sz="1800" spc="-1" strike="noStrike">
               <a:solidFill>
                 <a:srgbClr val="000000"/>
               </a:solidFill>
@@ -6158,14 +8057,14 @@
       </p:grpSpPr>
       <p:sp>
         <p:nvSpPr>
-          <p:cNvPr id="128" name="CustomShape 1"/>
+          <p:cNvPr id="162" name="CustomShape 1"/>
           <p:cNvSpPr/>
           <p:nvPr/>
         </p:nvSpPr>
         <p:spPr>
           <a:xfrm>
-            <a:off x="504000" y="301320"/>
-            <a:ext cx="9070560" cy="1261080"/>
+            <a:off x="504000" y="110880"/>
+            <a:ext cx="9070200" cy="1260720"/>
           </a:xfrm>
           <a:prstGeom prst="rect">
             <a:avLst/>
@@ -6190,7 +8089,7 @@
               </a:lnSpc>
             </a:pPr>
             <a:r>
-              <a:rPr b="0" lang="de-DE" sz="4400" spc="-1" strike="noStrike">
+              <a:rPr b="0" lang="en-US" sz="4400" spc="-1" strike="noStrike">
                 <a:solidFill>
                   <a:srgbClr val="000000"/>
                 </a:solidFill>
@@ -6204,7 +8103,7 @@
               </a:rPr>
               <a:t>Umgang mit falschen Senordaten(2): Ergebnis</a:t>
             </a:r>
-            <a:endParaRPr b="0" lang="de-DE" sz="1800" spc="-1" strike="noStrike">
+            <a:endParaRPr b="0" lang="en-US" sz="1800" spc="-1" strike="noStrike">
               <a:solidFill>
                 <a:srgbClr val="000000"/>
               </a:solidFill>
@@ -6220,14 +8119,14 @@
       </p:sp>
       <p:sp>
         <p:nvSpPr>
-          <p:cNvPr id="129" name="CustomShape 2"/>
+          <p:cNvPr id="163" name="CustomShape 2"/>
           <p:cNvSpPr/>
           <p:nvPr/>
         </p:nvSpPr>
         <p:spPr>
           <a:xfrm>
             <a:off x="504000" y="1769040"/>
-            <a:ext cx="9070560" cy="4383360"/>
+            <a:ext cx="9070200" cy="4383000"/>
           </a:xfrm>
           <a:prstGeom prst="rect">
             <a:avLst/>
@@ -6246,14 +8145,14 @@
       </p:sp>
       <p:sp>
         <p:nvSpPr>
-          <p:cNvPr id="130" name="CustomShape 3"/>
+          <p:cNvPr id="164" name="CustomShape 3"/>
           <p:cNvSpPr/>
           <p:nvPr/>
         </p:nvSpPr>
         <p:spPr>
           <a:xfrm>
-            <a:off x="549000" y="6614640"/>
-            <a:ext cx="4002120" cy="425880"/>
+            <a:off x="365760" y="1769040"/>
+            <a:ext cx="9070200" cy="4383000"/>
           </a:xfrm>
           <a:prstGeom prst="rect">
             <a:avLst/>
@@ -6270,81 +8169,9 @@
           <a:fontRef idx="minor"/>
         </p:style>
         <p:txBody>
-          <a:bodyPr lIns="90000" rIns="90000" tIns="45000" bIns="45000"/>
-          <a:p>
-            <a:r>
-              <a:rPr b="0" lang="de-DE" sz="1800" spc="-1" strike="noStrike">
-                <a:solidFill>
-                  <a:srgbClr val="000000"/>
-                </a:solidFill>
-                <a:uFill>
-                  <a:solidFill>
-                    <a:srgbClr val="ffffff"/>
-                  </a:solidFill>
-                </a:uFill>
-                <a:latin typeface="Arial"/>
-                <a:ea typeface="DejaVu Sans"/>
-              </a:rPr>
-              <a:t> </a:t>
-            </a:r>
-            <a:r>
-              <a:rPr b="0" lang="de-DE" sz="1800" spc="-1" strike="noStrike">
-                <a:solidFill>
-                  <a:srgbClr val="000000"/>
-                </a:solidFill>
-                <a:uFill>
-                  <a:solidFill>
-                    <a:srgbClr val="ffffff"/>
-                  </a:solidFill>
-                </a:uFill>
-                <a:latin typeface="Arial"/>
-                <a:ea typeface="DejaVu Sans"/>
-              </a:rPr>
-              <a:t>von 14 </a:t>
-            </a:r>
-            <a:endParaRPr b="0" lang="de-DE" sz="1800" spc="-1" strike="noStrike">
-              <a:solidFill>
-                <a:srgbClr val="000000"/>
-              </a:solidFill>
-              <a:uFill>
-                <a:solidFill>
-                  <a:srgbClr val="ffffff"/>
-                </a:solidFill>
-              </a:uFill>
-              <a:latin typeface="Arial"/>
-            </a:endParaRPr>
-          </a:p>
-        </p:txBody>
-      </p:sp>
-      <p:sp>
-        <p:nvSpPr>
-          <p:cNvPr id="131" name="CustomShape 4"/>
-          <p:cNvSpPr/>
-          <p:nvPr/>
-        </p:nvSpPr>
-        <p:spPr>
-          <a:xfrm>
-            <a:off x="365760" y="1769040"/>
-            <a:ext cx="9070560" cy="4383360"/>
-          </a:xfrm>
-          <a:prstGeom prst="rect">
-            <a:avLst/>
-          </a:prstGeom>
-          <a:noFill/>
-          <a:ln>
-            <a:noFill/>
-          </a:ln>
-        </p:spPr>
-        <p:style>
-          <a:lnRef idx="0"/>
-          <a:fillRef idx="0"/>
-          <a:effectRef idx="0"/>
-          <a:fontRef idx="minor"/>
-        </p:style>
-        <p:txBody>
           <a:bodyPr lIns="0" rIns="0" tIns="0" bIns="0"/>
           <a:p>
-            <a:pPr marL="432000" indent="-322920">
+            <a:pPr marL="432000" indent="-322560">
               <a:lnSpc>
                 <a:spcPct val="100000"/>
               </a:lnSpc>
@@ -6356,7 +8183,7 @@
               <a:buChar char=""/>
             </a:pPr>
             <a:r>
-              <a:rPr b="0" lang="de-DE" sz="3200" spc="-1" strike="noStrike">
+              <a:rPr b="0" lang="en-US" sz="3200" spc="-1" strike="noStrike">
                 <a:solidFill>
                   <a:srgbClr val="000000"/>
                 </a:solidFill>
@@ -6370,7 +8197,7 @@
               </a:rPr>
               <a:t>Echtzeitverhalten erreicht</a:t>
             </a:r>
-            <a:endParaRPr b="0" lang="de-DE" sz="1800" spc="-1" strike="noStrike">
+            <a:endParaRPr b="0" lang="en-US" sz="1800" spc="-1" strike="noStrike">
               <a:solidFill>
                 <a:srgbClr val="000000"/>
               </a:solidFill>
@@ -6383,7 +8210,7 @@
             </a:endParaRPr>
           </a:p>
           <a:p>
-            <a:pPr marL="432000" indent="-322920">
+            <a:pPr marL="432000" indent="-322560">
               <a:lnSpc>
                 <a:spcPct val="100000"/>
               </a:lnSpc>
@@ -6395,7 +8222,7 @@
               <a:buChar char=""/>
             </a:pPr>
             <a:r>
-              <a:rPr b="0" lang="de-DE" sz="3200" spc="-1" strike="noStrike">
+              <a:rPr b="0" lang="en-US" sz="3200" spc="-1" strike="noStrike">
                 <a:solidFill>
                   <a:srgbClr val="000000"/>
                 </a:solidFill>
@@ -6409,7 +8236,7 @@
               </a:rPr>
               <a:t>Einfluss der Messfehler signifikant reduziert</a:t>
             </a:r>
-            <a:endParaRPr b="0" lang="de-DE" sz="1800" spc="-1" strike="noStrike">
+            <a:endParaRPr b="0" lang="en-US" sz="1800" spc="-1" strike="noStrike">
               <a:solidFill>
                 <a:srgbClr val="000000"/>
               </a:solidFill>
@@ -6474,14 +8301,14 @@
       </p:grpSpPr>
       <p:sp>
         <p:nvSpPr>
-          <p:cNvPr id="132" name="CustomShape 1"/>
+          <p:cNvPr id="165" name="CustomShape 1"/>
           <p:cNvSpPr/>
           <p:nvPr/>
         </p:nvSpPr>
         <p:spPr>
           <a:xfrm>
             <a:off x="504000" y="301320"/>
-            <a:ext cx="9070560" cy="1261080"/>
+            <a:ext cx="9070200" cy="1260720"/>
           </a:xfrm>
           <a:prstGeom prst="rect">
             <a:avLst/>
@@ -6506,7 +8333,7 @@
               </a:lnSpc>
             </a:pPr>
             <a:r>
-              <a:rPr b="0" lang="de-DE" sz="4400" spc="-1" strike="noStrike">
+              <a:rPr b="0" lang="en-US" sz="4400" spc="-1" strike="noStrike">
                 <a:solidFill>
                   <a:srgbClr val="000000"/>
                 </a:solidFill>
@@ -6520,7 +8347,7 @@
               </a:rPr>
               <a:t>Quellen</a:t>
             </a:r>
-            <a:endParaRPr b="0" lang="de-DE" sz="1800" spc="-1" strike="noStrike">
+            <a:endParaRPr b="0" lang="en-US" sz="1800" spc="-1" strike="noStrike">
               <a:solidFill>
                 <a:srgbClr val="000000"/>
               </a:solidFill>
@@ -6536,14 +8363,14 @@
       </p:sp>
       <p:sp>
         <p:nvSpPr>
-          <p:cNvPr id="133" name="CustomShape 2"/>
+          <p:cNvPr id="166" name="CustomShape 2"/>
           <p:cNvSpPr/>
           <p:nvPr/>
         </p:nvSpPr>
         <p:spPr>
           <a:xfrm>
             <a:off x="504000" y="1769040"/>
-            <a:ext cx="9070560" cy="4383360"/>
+            <a:ext cx="9070200" cy="4383000"/>
           </a:xfrm>
           <a:prstGeom prst="rect">
             <a:avLst/>
@@ -6562,7 +8389,7 @@
       </p:sp>
       <p:pic>
         <p:nvPicPr>
-          <p:cNvPr id="134" name="" descr=""/>
+          <p:cNvPr id="167" name="" descr=""/>
           <p:cNvPicPr/>
           <p:nvPr/>
         </p:nvPicPr>
@@ -6573,7 +8400,7 @@
         <p:spPr>
           <a:xfrm>
             <a:off x="640080" y="1828800"/>
-            <a:ext cx="8722080" cy="2779200"/>
+            <a:ext cx="8721720" cy="2778840"/>
           </a:xfrm>
           <a:prstGeom prst="rect">
             <a:avLst/>
@@ -6583,78 +8410,6 @@
           </a:ln>
         </p:spPr>
       </p:pic>
-      <p:sp>
-        <p:nvSpPr>
-          <p:cNvPr id="135" name="CustomShape 3"/>
-          <p:cNvSpPr/>
-          <p:nvPr/>
-        </p:nvSpPr>
-        <p:spPr>
-          <a:xfrm>
-            <a:off x="549000" y="6614640"/>
-            <a:ext cx="4002120" cy="425880"/>
-          </a:xfrm>
-          <a:prstGeom prst="rect">
-            <a:avLst/>
-          </a:prstGeom>
-          <a:noFill/>
-          <a:ln>
-            <a:noFill/>
-          </a:ln>
-        </p:spPr>
-        <p:style>
-          <a:lnRef idx="0"/>
-          <a:fillRef idx="0"/>
-          <a:effectRef idx="0"/>
-          <a:fontRef idx="minor"/>
-        </p:style>
-        <p:txBody>
-          <a:bodyPr lIns="90000" rIns="90000" tIns="45000" bIns="45000"/>
-          <a:p>
-            <a:r>
-              <a:rPr b="0" lang="de-DE" sz="1800" spc="-1" strike="noStrike">
-                <a:solidFill>
-                  <a:srgbClr val="000000"/>
-                </a:solidFill>
-                <a:uFill>
-                  <a:solidFill>
-                    <a:srgbClr val="ffffff"/>
-                  </a:solidFill>
-                </a:uFill>
-                <a:latin typeface="Arial"/>
-                <a:ea typeface="DejaVu Sans"/>
-              </a:rPr>
-              <a:t> </a:t>
-            </a:r>
-            <a:r>
-              <a:rPr b="0" lang="de-DE" sz="1800" spc="-1" strike="noStrike">
-                <a:solidFill>
-                  <a:srgbClr val="000000"/>
-                </a:solidFill>
-                <a:uFill>
-                  <a:solidFill>
-                    <a:srgbClr val="ffffff"/>
-                  </a:solidFill>
-                </a:uFill>
-                <a:latin typeface="Arial"/>
-                <a:ea typeface="DejaVu Sans"/>
-              </a:rPr>
-              <a:t>von 14 </a:t>
-            </a:r>
-            <a:endParaRPr b="0" lang="de-DE" sz="1800" spc="-1" strike="noStrike">
-              <a:solidFill>
-                <a:srgbClr val="000000"/>
-              </a:solidFill>
-              <a:uFill>
-                <a:solidFill>
-                  <a:srgbClr val="ffffff"/>
-                </a:solidFill>
-              </a:uFill>
-              <a:latin typeface="Arial"/>
-            </a:endParaRPr>
-          </a:p>
-        </p:txBody>
-      </p:sp>
     </p:spTree>
   </p:cSld>
   <p:timing>
@@ -6706,14 +8461,14 @@
       </p:grpSpPr>
       <p:sp>
         <p:nvSpPr>
-          <p:cNvPr id="136" name="CustomShape 1"/>
+          <p:cNvPr id="168" name="CustomShape 1"/>
           <p:cNvSpPr/>
           <p:nvPr/>
         </p:nvSpPr>
         <p:spPr>
           <a:xfrm>
             <a:off x="504000" y="301320"/>
-            <a:ext cx="9070560" cy="1261080"/>
+            <a:ext cx="9070200" cy="1260720"/>
           </a:xfrm>
           <a:prstGeom prst="rect">
             <a:avLst/>
@@ -6729,16 +8484,74 @@
           <a:effectRef idx="0"/>
           <a:fontRef idx="minor"/>
         </p:style>
-        <p:txBody>
-          <a:bodyPr lIns="0" rIns="0" tIns="0" bIns="0" anchor="ctr"/>
-          <a:p>
-            <a:pPr algn="ctr">
+      </p:sp>
+      <p:sp>
+        <p:nvSpPr>
+          <p:cNvPr id="169" name="CustomShape 2"/>
+          <p:cNvSpPr/>
+          <p:nvPr/>
+        </p:nvSpPr>
+        <p:spPr>
+          <a:xfrm>
+            <a:off x="504000" y="1769040"/>
+            <a:ext cx="9070200" cy="4383000"/>
+          </a:xfrm>
+          <a:prstGeom prst="rect">
+            <a:avLst/>
+          </a:prstGeom>
+          <a:noFill/>
+          <a:ln>
+            <a:noFill/>
+          </a:ln>
+        </p:spPr>
+        <p:style>
+          <a:lnRef idx="0"/>
+          <a:fillRef idx="0"/>
+          <a:effectRef idx="0"/>
+          <a:fontRef idx="minor"/>
+        </p:style>
+      </p:sp>
+      <p:sp>
+        <p:nvSpPr>
+          <p:cNvPr id="170" name="CustomShape 3"/>
+          <p:cNvSpPr/>
+          <p:nvPr/>
+        </p:nvSpPr>
+        <p:spPr>
+          <a:xfrm>
+            <a:off x="365760" y="1769040"/>
+            <a:ext cx="9070200" cy="4383000"/>
+          </a:xfrm>
+          <a:prstGeom prst="rect">
+            <a:avLst/>
+          </a:prstGeom>
+          <a:noFill/>
+          <a:ln>
+            <a:noFill/>
+          </a:ln>
+        </p:spPr>
+        <p:style>
+          <a:lnRef idx="0"/>
+          <a:fillRef idx="0"/>
+          <a:effectRef idx="0"/>
+          <a:fontRef idx="minor"/>
+        </p:style>
+        <p:txBody>
+          <a:bodyPr lIns="0" rIns="0" tIns="0" bIns="0"/>
+          <a:p>
+            <a:pPr marL="432000" indent="-322560">
               <a:lnSpc>
                 <a:spcPct val="100000"/>
               </a:lnSpc>
+              <a:buClr>
+                <a:srgbClr val="000000"/>
+              </a:buClr>
+              <a:buSzPct val="45000"/>
+              <a:buFont typeface="Wingdings" charset="2"/>
+              <a:buChar char=""/>
             </a:pPr>
             <a:r>
-              <a:rPr b="0" lang="de-DE" sz="4400" spc="-1" strike="noStrike">
+              <a:rPr b="0" lang="en-US" sz="3200" spc="-1" strike="noStrike">
                 <a:solidFill>
                   <a:srgbClr val="000000"/>
                 </a:solidFill>
@@ -6752,105 +8565,7 @@
               </a:rPr>
               <a:t>Danke</a:t>
             </a:r>
-            <a:endParaRPr b="0" lang="de-DE" sz="1800" spc="-1" strike="noStrike">
-              <a:solidFill>
-                <a:srgbClr val="000000"/>
-              </a:solidFill>
-              <a:uFill>
-                <a:solidFill>
-                  <a:srgbClr val="ffffff"/>
-                </a:solidFill>
-              </a:uFill>
-              <a:latin typeface="Arial"/>
-            </a:endParaRPr>
-          </a:p>
-        </p:txBody>
-      </p:sp>
-      <p:sp>
-        <p:nvSpPr>
-          <p:cNvPr id="137" name="CustomShape 2"/>
-          <p:cNvSpPr/>
-          <p:nvPr/>
-        </p:nvSpPr>
-        <p:spPr>
-          <a:xfrm>
-            <a:off x="504000" y="1769040"/>
-            <a:ext cx="9070560" cy="4383360"/>
-          </a:xfrm>
-          <a:prstGeom prst="rect">
-            <a:avLst/>
-          </a:prstGeom>
-          <a:noFill/>
-          <a:ln>
-            <a:noFill/>
-          </a:ln>
-        </p:spPr>
-        <p:style>
-          <a:lnRef idx="0"/>
-          <a:fillRef idx="0"/>
-          <a:effectRef idx="0"/>
-          <a:fontRef idx="minor"/>
-        </p:style>
-      </p:sp>
-      <p:sp>
-        <p:nvSpPr>
-          <p:cNvPr id="138" name="CustomShape 3"/>
-          <p:cNvSpPr/>
-          <p:nvPr/>
-        </p:nvSpPr>
-        <p:spPr>
-          <a:xfrm>
-            <a:off x="549000" y="6614640"/>
-            <a:ext cx="4002120" cy="425880"/>
-          </a:xfrm>
-          <a:prstGeom prst="rect">
-            <a:avLst/>
-          </a:prstGeom>
-          <a:noFill/>
-          <a:ln>
-            <a:noFill/>
-          </a:ln>
-        </p:spPr>
-        <p:style>
-          <a:lnRef idx="0"/>
-          <a:fillRef idx="0"/>
-          <a:effectRef idx="0"/>
-          <a:fontRef idx="minor"/>
-        </p:style>
-        <p:txBody>
-          <a:bodyPr lIns="90000" rIns="90000" tIns="45000" bIns="45000"/>
-          <a:p>
-            <a:r>
-              <a:rPr b="0" lang="de-DE" sz="1800" spc="-1" strike="noStrike">
-                <a:solidFill>
-                  <a:srgbClr val="000000"/>
-                </a:solidFill>
-                <a:uFill>
-                  <a:solidFill>
-                    <a:srgbClr val="ffffff"/>
-                  </a:solidFill>
-                </a:uFill>
-                <a:latin typeface="Arial"/>
-                <a:ea typeface="DejaVu Sans"/>
-              </a:rPr>
-              <a:t> </a:t>
-            </a:r>
-            <a:r>
-              <a:rPr b="0" lang="de-DE" sz="1800" spc="-1" strike="noStrike">
-                <a:solidFill>
-                  <a:srgbClr val="000000"/>
-                </a:solidFill>
-                <a:uFill>
-                  <a:solidFill>
-                    <a:srgbClr val="ffffff"/>
-                  </a:solidFill>
-                </a:uFill>
-                <a:latin typeface="Arial"/>
-                <a:ea typeface="DejaVu Sans"/>
-              </a:rPr>
-              <a:t>von 14 </a:t>
-            </a:r>
-            <a:endParaRPr b="0" lang="de-DE" sz="1800" spc="-1" strike="noStrike">
+            <a:endParaRPr b="0" lang="en-US" sz="1800" spc="-1" strike="noStrike">
               <a:solidFill>
                 <a:srgbClr val="000000"/>
               </a:solidFill>
@@ -6915,14 +8630,14 @@
       </p:grpSpPr>
       <p:sp>
         <p:nvSpPr>
-          <p:cNvPr id="79" name="CustomShape 1"/>
+          <p:cNvPr id="125" name="CustomShape 1"/>
           <p:cNvSpPr/>
           <p:nvPr/>
         </p:nvSpPr>
         <p:spPr>
           <a:xfrm>
             <a:off x="504000" y="301320"/>
-            <a:ext cx="9070560" cy="1261080"/>
+            <a:ext cx="9070200" cy="1260720"/>
           </a:xfrm>
           <a:prstGeom prst="rect">
             <a:avLst/>
@@ -6947,7 +8662,7 @@
               </a:lnSpc>
             </a:pPr>
             <a:r>
-              <a:rPr b="0" lang="de-DE" sz="4400" spc="-1" strike="noStrike">
+              <a:rPr b="0" lang="en-US" sz="4400" spc="-1" strike="noStrike">
                 <a:solidFill>
                   <a:srgbClr val="000000"/>
                 </a:solidFill>
@@ -6961,7 +8676,7 @@
               </a:rPr>
               <a:t>Bayes‘sche Netze?</a:t>
             </a:r>
-            <a:endParaRPr b="0" lang="de-DE" sz="1800" spc="-1" strike="noStrike">
+            <a:endParaRPr b="0" lang="en-US" sz="1800" spc="-1" strike="noStrike">
               <a:solidFill>
                 <a:srgbClr val="000000"/>
               </a:solidFill>
@@ -6977,14 +8692,14 @@
       </p:sp>
       <p:sp>
         <p:nvSpPr>
-          <p:cNvPr id="80" name="CustomShape 2"/>
+          <p:cNvPr id="126" name="CustomShape 2"/>
           <p:cNvSpPr/>
           <p:nvPr/>
         </p:nvSpPr>
         <p:spPr>
           <a:xfrm>
             <a:off x="504000" y="1769040"/>
-            <a:ext cx="9070560" cy="4383360"/>
+            <a:ext cx="9070200" cy="4383000"/>
           </a:xfrm>
           <a:prstGeom prst="rect">
             <a:avLst/>
@@ -7003,7 +8718,7 @@
         <p:txBody>
           <a:bodyPr lIns="0" rIns="0" tIns="0" bIns="0"/>
           <a:p>
-            <a:pPr marL="432000" indent="-322920">
+            <a:pPr marL="432000" indent="-322560">
               <a:lnSpc>
                 <a:spcPct val="100000"/>
               </a:lnSpc>
@@ -7015,7 +8730,7 @@
               <a:buChar char=""/>
             </a:pPr>
             <a:r>
-              <a:rPr b="0" lang="de-DE" sz="3200" spc="-1" strike="noStrike">
+              <a:rPr b="0" lang="en-US" sz="3200" spc="-1" strike="noStrike">
                 <a:solidFill>
                   <a:srgbClr val="000000"/>
                 </a:solidFill>
@@ -7029,7 +8744,7 @@
               </a:rPr>
               <a:t>Bayes‘sche Netze</a:t>
             </a:r>
-            <a:endParaRPr b="0" lang="de-DE" sz="1800" spc="-1" strike="noStrike">
+            <a:endParaRPr b="0" lang="en-US" sz="1800" spc="-1" strike="noStrike">
               <a:solidFill>
                 <a:srgbClr val="000000"/>
               </a:solidFill>
@@ -7042,7 +8757,7 @@
             </a:endParaRPr>
           </a:p>
           <a:p>
-            <a:pPr lvl="1" marL="864000" indent="-322920">
+            <a:pPr lvl="1" marL="864000" indent="-322560">
               <a:lnSpc>
                 <a:spcPct val="100000"/>
               </a:lnSpc>
@@ -7054,7 +8769,7 @@
               <a:buChar char=""/>
             </a:pPr>
             <a:r>
-              <a:rPr b="0" lang="de-DE" sz="2800" spc="-1" strike="noStrike">
+              <a:rPr b="0" lang="en-US" sz="2800" spc="-1" strike="noStrike">
                 <a:solidFill>
                   <a:srgbClr val="000000"/>
                 </a:solidFill>
@@ -7068,7 +8783,7 @@
               </a:rPr>
               <a:t>Sind eine Darstellung von logischen Kausalitäten</a:t>
             </a:r>
-            <a:endParaRPr b="0" lang="de-DE" sz="1800" spc="-1" strike="noStrike">
+            <a:endParaRPr b="0" lang="en-US" sz="1800" spc="-1" strike="noStrike">
               <a:solidFill>
                 <a:srgbClr val="000000"/>
               </a:solidFill>
@@ -7081,7 +8796,7 @@
             </a:endParaRPr>
           </a:p>
           <a:p>
-            <a:pPr lvl="1" marL="864000" indent="-322920">
+            <a:pPr lvl="1" marL="864000" indent="-322560">
               <a:lnSpc>
                 <a:spcPct val="100000"/>
               </a:lnSpc>
@@ -7093,7 +8808,7 @@
               <a:buChar char=""/>
             </a:pPr>
             <a:r>
-              <a:rPr b="0" lang="de-DE" sz="2800" spc="-1" strike="noStrike">
+              <a:rPr b="0" lang="en-US" sz="2800" spc="-1" strike="noStrike">
                 <a:solidFill>
                   <a:srgbClr val="000000"/>
                 </a:solidFill>
@@ -7107,7 +8822,7 @@
               </a:rPr>
               <a:t>Dienen zur Vereinfachung dieser (Reduzierung des Aufwandes) </a:t>
             </a:r>
-            <a:endParaRPr b="0" lang="de-DE" sz="1800" spc="-1" strike="noStrike">
+            <a:endParaRPr b="0" lang="en-US" sz="1800" spc="-1" strike="noStrike">
               <a:solidFill>
                 <a:srgbClr val="000000"/>
               </a:solidFill>
@@ -7120,7 +8835,7 @@
             </a:endParaRPr>
           </a:p>
           <a:p>
-            <a:pPr lvl="1" marL="864000" indent="-322920">
+            <a:pPr lvl="1" marL="864000" indent="-322560">
               <a:lnSpc>
                 <a:spcPct val="100000"/>
               </a:lnSpc>
@@ -7132,7 +8847,7 @@
               <a:buChar char=""/>
             </a:pPr>
             <a:r>
-              <a:rPr b="0" lang="de-DE" sz="2800" spc="-1" strike="noStrike">
+              <a:rPr b="0" lang="en-US" sz="2800" spc="-1" strike="noStrike">
                 <a:solidFill>
                   <a:srgbClr val="000000"/>
                 </a:solidFill>
@@ -7146,79 +8861,7 @@
               </a:rPr>
               <a:t>Arbeiten mit bedingten Unabhängigkeiten</a:t>
             </a:r>
-            <a:endParaRPr b="0" lang="de-DE" sz="1800" spc="-1" strike="noStrike">
-              <a:solidFill>
-                <a:srgbClr val="000000"/>
-              </a:solidFill>
-              <a:uFill>
-                <a:solidFill>
-                  <a:srgbClr val="ffffff"/>
-                </a:solidFill>
-              </a:uFill>
-              <a:latin typeface="Arial"/>
-            </a:endParaRPr>
-          </a:p>
-        </p:txBody>
-      </p:sp>
-      <p:sp>
-        <p:nvSpPr>
-          <p:cNvPr id="81" name="CustomShape 3"/>
-          <p:cNvSpPr/>
-          <p:nvPr/>
-        </p:nvSpPr>
-        <p:spPr>
-          <a:xfrm>
-            <a:off x="549000" y="6614640"/>
-            <a:ext cx="4002120" cy="425880"/>
-          </a:xfrm>
-          <a:prstGeom prst="rect">
-            <a:avLst/>
-          </a:prstGeom>
-          <a:noFill/>
-          <a:ln>
-            <a:noFill/>
-          </a:ln>
-        </p:spPr>
-        <p:style>
-          <a:lnRef idx="0"/>
-          <a:fillRef idx="0"/>
-          <a:effectRef idx="0"/>
-          <a:fontRef idx="minor"/>
-        </p:style>
-        <p:txBody>
-          <a:bodyPr lIns="90000" rIns="90000" tIns="45000" bIns="45000"/>
-          <a:p>
-            <a:r>
-              <a:rPr b="0" lang="de-DE" sz="1800" spc="-1" strike="noStrike">
-                <a:solidFill>
-                  <a:srgbClr val="000000"/>
-                </a:solidFill>
-                <a:uFill>
-                  <a:solidFill>
-                    <a:srgbClr val="ffffff"/>
-                  </a:solidFill>
-                </a:uFill>
-                <a:latin typeface="Arial"/>
-                <a:ea typeface="DejaVu Sans"/>
-              </a:rPr>
-              <a:t> </a:t>
-            </a:r>
-            <a:r>
-              <a:rPr b="0" lang="de-DE" sz="1800" spc="-1" strike="noStrike">
-                <a:solidFill>
-                  <a:srgbClr val="000000"/>
-                </a:solidFill>
-                <a:uFill>
-                  <a:solidFill>
-                    <a:srgbClr val="ffffff"/>
-                  </a:solidFill>
-                </a:uFill>
-                <a:latin typeface="Arial"/>
-                <a:ea typeface="DejaVu Sans"/>
-              </a:rPr>
-              <a:t>von 14 </a:t>
-            </a:r>
-            <a:endParaRPr b="0" lang="de-DE" sz="1800" spc="-1" strike="noStrike">
+            <a:endParaRPr b="0" lang="en-US" sz="1800" spc="-1" strike="noStrike">
               <a:solidFill>
                 <a:srgbClr val="000000"/>
               </a:solidFill>
@@ -7283,14 +8926,14 @@
       </p:grpSpPr>
       <p:sp>
         <p:nvSpPr>
-          <p:cNvPr id="82" name="CustomShape 1"/>
+          <p:cNvPr id="127" name="CustomShape 1"/>
           <p:cNvSpPr/>
           <p:nvPr/>
         </p:nvSpPr>
         <p:spPr>
           <a:xfrm>
             <a:off x="504000" y="301320"/>
-            <a:ext cx="9070560" cy="1261080"/>
+            <a:ext cx="9070200" cy="1260720"/>
           </a:xfrm>
           <a:prstGeom prst="rect">
             <a:avLst/>
@@ -7315,7 +8958,7 @@
               </a:lnSpc>
             </a:pPr>
             <a:r>
-              <a:rPr b="0" lang="de-DE" sz="4400" spc="-1" strike="noStrike">
+              <a:rPr b="0" lang="en-US" sz="4400" spc="-1" strike="noStrike">
                 <a:solidFill>
                   <a:srgbClr val="000000"/>
                 </a:solidFill>
@@ -7329,7 +8972,7 @@
               </a:rPr>
               <a:t>Problem: Umgang mit Sensordaten</a:t>
             </a:r>
-            <a:endParaRPr b="0" lang="de-DE" sz="1800" spc="-1" strike="noStrike">
+            <a:endParaRPr b="0" lang="en-US" sz="1800" spc="-1" strike="noStrike">
               <a:solidFill>
                 <a:srgbClr val="000000"/>
               </a:solidFill>
@@ -7345,14 +8988,14 @@
       </p:sp>
       <p:sp>
         <p:nvSpPr>
-          <p:cNvPr id="83" name="CustomShape 2"/>
+          <p:cNvPr id="128" name="CustomShape 2"/>
           <p:cNvSpPr/>
           <p:nvPr/>
         </p:nvSpPr>
         <p:spPr>
           <a:xfrm>
             <a:off x="504000" y="1769040"/>
-            <a:ext cx="9070560" cy="4383360"/>
+            <a:ext cx="9070200" cy="4383000"/>
           </a:xfrm>
           <a:prstGeom prst="rect">
             <a:avLst/>
@@ -7371,7 +9014,7 @@
         <p:txBody>
           <a:bodyPr lIns="0" rIns="0" tIns="0" bIns="0"/>
           <a:p>
-            <a:pPr marL="432000" indent="-322920">
+            <a:pPr marL="432000" indent="-322560">
               <a:lnSpc>
                 <a:spcPct val="100000"/>
               </a:lnSpc>
@@ -7383,7 +9026,7 @@
               <a:buChar char=""/>
             </a:pPr>
             <a:r>
-              <a:rPr b="0" lang="de-DE" sz="3200" spc="-1" strike="noStrike">
+              <a:rPr b="0" lang="en-US" sz="3200" spc="-1" strike="noStrike">
                 <a:solidFill>
                   <a:srgbClr val="000000"/>
                 </a:solidFill>
@@ -7397,7 +9040,7 @@
               </a:rPr>
               <a:t>Sensordaten können fehlerhaft sein</a:t>
             </a:r>
-            <a:endParaRPr b="0" lang="de-DE" sz="1800" spc="-1" strike="noStrike">
+            <a:endParaRPr b="0" lang="en-US" sz="1800" spc="-1" strike="noStrike">
               <a:solidFill>
                 <a:srgbClr val="000000"/>
               </a:solidFill>
@@ -7410,7 +9053,7 @@
             </a:endParaRPr>
           </a:p>
           <a:p>
-            <a:pPr marL="432000" indent="-322920">
+            <a:pPr marL="432000" indent="-322560">
               <a:lnSpc>
                 <a:spcPct val="100000"/>
               </a:lnSpc>
@@ -7422,7 +9065,7 @@
               <a:buChar char=""/>
             </a:pPr>
             <a:r>
-              <a:rPr b="0" lang="de-DE" sz="3200" spc="-1" strike="noStrike">
+              <a:rPr b="0" lang="en-US" sz="3200" spc="-1" strike="noStrike">
                 <a:solidFill>
                   <a:srgbClr val="000000"/>
                 </a:solidFill>
@@ -7436,7 +9079,7 @@
               </a:rPr>
               <a:t>In VL bereits beprochen</a:t>
             </a:r>
-            <a:endParaRPr b="0" lang="de-DE" sz="1800" spc="-1" strike="noStrike">
+            <a:endParaRPr b="0" lang="en-US" sz="1800" spc="-1" strike="noStrike">
               <a:solidFill>
                 <a:srgbClr val="000000"/>
               </a:solidFill>
@@ -7449,7 +9092,7 @@
             </a:endParaRPr>
           </a:p>
           <a:p>
-            <a:pPr marL="432000" indent="-322920">
+            <a:pPr marL="432000" indent="-322560">
               <a:lnSpc>
                 <a:spcPct val="100000"/>
               </a:lnSpc>
@@ -7461,7 +9104,7 @@
               <a:buChar char=""/>
             </a:pPr>
             <a:r>
-              <a:rPr b="0" lang="de-DE" sz="3200" spc="-1" strike="noStrike">
+              <a:rPr b="0" lang="en-US" sz="3200" spc="-1" strike="noStrike">
                 <a:solidFill>
                   <a:srgbClr val="000000"/>
                 </a:solidFill>
@@ -7476,7 +9119,7 @@
               <a:t>Bayes‘sche Netze können die Einträge in der Wahrscheinlichkeitstabelle von m</a:t>
             </a:r>
             <a:r>
-              <a:rPr b="0" lang="de-DE" sz="3200" spc="-1" strike="noStrike" baseline="33000">
+              <a:rPr b="0" lang="en-US" sz="3200" spc="-1" strike="noStrike" baseline="33000">
                 <a:solidFill>
                   <a:srgbClr val="000000"/>
                 </a:solidFill>
@@ -7491,7 +9134,7 @@
               <a:t>n </a:t>
             </a:r>
             <a:r>
-              <a:rPr b="0" lang="de-DE" sz="3200" spc="-1" strike="noStrike">
+              <a:rPr b="0" lang="en-US" sz="3200" spc="-1" strike="noStrike">
                 <a:solidFill>
                   <a:srgbClr val="000000"/>
                 </a:solidFill>
@@ -7506,7 +9149,7 @@
               <a:t>auf n(m-1)m</a:t>
             </a:r>
             <a:r>
-              <a:rPr b="0" lang="de-DE" sz="3200" spc="-1" strike="noStrike" baseline="33000">
+              <a:rPr b="0" lang="en-US" sz="3200" spc="-1" strike="noStrike" baseline="33000">
                 <a:solidFill>
                   <a:srgbClr val="000000"/>
                 </a:solidFill>
@@ -7521,7 +9164,7 @@
               <a:t>k</a:t>
             </a:r>
             <a:r>
-              <a:rPr b="0" lang="de-DE" sz="3200" spc="-1" strike="noStrike">
+              <a:rPr b="0" lang="en-US" sz="3200" spc="-1" strike="noStrike">
                 <a:solidFill>
                   <a:srgbClr val="000000"/>
                 </a:solidFill>
@@ -7536,7 +9179,7 @@
               <a:t> verringern </a:t>
             </a:r>
             <a:r>
-              <a:rPr b="0" lang="de-DE" sz="3200" spc="-1" strike="noStrike" baseline="33000">
+              <a:rPr b="0" lang="en-US" sz="3200" spc="-1" strike="noStrike" baseline="33000">
                 <a:solidFill>
                   <a:srgbClr val="000000"/>
                 </a:solidFill>
@@ -7551,7 +9194,7 @@
               <a:t>  </a:t>
             </a:r>
             <a:r>
-              <a:rPr b="0" lang="de-DE" sz="3200" spc="-1" strike="noStrike">
+              <a:rPr b="0" lang="en-US" sz="3200" spc="-1" strike="noStrike">
                 <a:solidFill>
                   <a:srgbClr val="000000"/>
                 </a:solidFill>
@@ -7565,79 +9208,7 @@
               </a:rPr>
               <a:t>  </a:t>
             </a:r>
-            <a:endParaRPr b="0" lang="de-DE" sz="1800" spc="-1" strike="noStrike">
-              <a:solidFill>
-                <a:srgbClr val="000000"/>
-              </a:solidFill>
-              <a:uFill>
-                <a:solidFill>
-                  <a:srgbClr val="ffffff"/>
-                </a:solidFill>
-              </a:uFill>
-              <a:latin typeface="Arial"/>
-            </a:endParaRPr>
-          </a:p>
-        </p:txBody>
-      </p:sp>
-      <p:sp>
-        <p:nvSpPr>
-          <p:cNvPr id="84" name="CustomShape 3"/>
-          <p:cNvSpPr/>
-          <p:nvPr/>
-        </p:nvSpPr>
-        <p:spPr>
-          <a:xfrm>
-            <a:off x="549000" y="6614640"/>
-            <a:ext cx="4002120" cy="425880"/>
-          </a:xfrm>
-          <a:prstGeom prst="rect">
-            <a:avLst/>
-          </a:prstGeom>
-          <a:noFill/>
-          <a:ln>
-            <a:noFill/>
-          </a:ln>
-        </p:spPr>
-        <p:style>
-          <a:lnRef idx="0"/>
-          <a:fillRef idx="0"/>
-          <a:effectRef idx="0"/>
-          <a:fontRef idx="minor"/>
-        </p:style>
-        <p:txBody>
-          <a:bodyPr lIns="90000" rIns="90000" tIns="45000" bIns="45000"/>
-          <a:p>
-            <a:r>
-              <a:rPr b="0" lang="de-DE" sz="1800" spc="-1" strike="noStrike">
-                <a:solidFill>
-                  <a:srgbClr val="000000"/>
-                </a:solidFill>
-                <a:uFill>
-                  <a:solidFill>
-                    <a:srgbClr val="ffffff"/>
-                  </a:solidFill>
-                </a:uFill>
-                <a:latin typeface="Arial"/>
-                <a:ea typeface="DejaVu Sans"/>
-              </a:rPr>
-              <a:t> </a:t>
-            </a:r>
-            <a:r>
-              <a:rPr b="0" lang="de-DE" sz="1800" spc="-1" strike="noStrike">
-                <a:solidFill>
-                  <a:srgbClr val="000000"/>
-                </a:solidFill>
-                <a:uFill>
-                  <a:solidFill>
-                    <a:srgbClr val="ffffff"/>
-                  </a:solidFill>
-                </a:uFill>
-                <a:latin typeface="Arial"/>
-                <a:ea typeface="DejaVu Sans"/>
-              </a:rPr>
-              <a:t>von 14 </a:t>
-            </a:r>
-            <a:endParaRPr b="0" lang="de-DE" sz="1800" spc="-1" strike="noStrike">
+            <a:endParaRPr b="0" lang="en-US" sz="1800" spc="-1" strike="noStrike">
               <a:solidFill>
                 <a:srgbClr val="000000"/>
               </a:solidFill>
@@ -7702,7 +9273,7 @@
       </p:grpSpPr>
       <p:pic>
         <p:nvPicPr>
-          <p:cNvPr id="85" name="" descr=""/>
+          <p:cNvPr id="129" name="" descr=""/>
           <p:cNvPicPr/>
           <p:nvPr/>
         </p:nvPicPr>
@@ -7712,8 +9283,8 @@
         </p:blipFill>
         <p:spPr>
           <a:xfrm>
-            <a:off x="1737360" y="2194560"/>
-            <a:ext cx="5950800" cy="836640"/>
+            <a:off x="1730520" y="2272680"/>
+            <a:ext cx="5950440" cy="836280"/>
           </a:xfrm>
           <a:prstGeom prst="rect">
             <a:avLst/>
@@ -7725,14 +9296,14 @@
       </p:pic>
       <p:sp>
         <p:nvSpPr>
-          <p:cNvPr id="86" name="CustomShape 1"/>
+          <p:cNvPr id="130" name="CustomShape 1"/>
           <p:cNvSpPr/>
           <p:nvPr/>
         </p:nvSpPr>
         <p:spPr>
           <a:xfrm>
             <a:off x="504000" y="301320"/>
-            <a:ext cx="9070560" cy="1261080"/>
+            <a:ext cx="9070200" cy="1260720"/>
           </a:xfrm>
           <a:prstGeom prst="rect">
             <a:avLst/>
@@ -7757,7 +9328,7 @@
               </a:lnSpc>
             </a:pPr>
             <a:r>
-              <a:rPr b="0" lang="de-DE" sz="4400" spc="-1" strike="noStrike">
+              <a:rPr b="0" lang="en-US" sz="4400" spc="-1" strike="noStrike">
                 <a:solidFill>
                   <a:srgbClr val="000000"/>
                 </a:solidFill>
@@ -7771,7 +9342,7 @@
               </a:rPr>
               <a:t>Unabhängigkeit</a:t>
             </a:r>
-            <a:endParaRPr b="0" lang="de-DE" sz="1800" spc="-1" strike="noStrike">
+            <a:endParaRPr b="0" lang="en-US" sz="1800" spc="-1" strike="noStrike">
               <a:solidFill>
                 <a:srgbClr val="000000"/>
               </a:solidFill>
@@ -7787,14 +9358,14 @@
       </p:sp>
       <p:sp>
         <p:nvSpPr>
-          <p:cNvPr id="87" name="CustomShape 2"/>
+          <p:cNvPr id="131" name="CustomShape 2"/>
           <p:cNvSpPr/>
           <p:nvPr/>
         </p:nvSpPr>
         <p:spPr>
           <a:xfrm>
             <a:off x="504000" y="1769040"/>
-            <a:ext cx="9070560" cy="4383360"/>
+            <a:ext cx="9070200" cy="4383000"/>
           </a:xfrm>
           <a:prstGeom prst="rect">
             <a:avLst/>
@@ -7813,7 +9384,7 @@
         <p:txBody>
           <a:bodyPr lIns="0" rIns="0" tIns="0" bIns="0"/>
           <a:p>
-            <a:pPr marL="432000" indent="-322920">
+            <a:pPr marL="432000" indent="-322560">
               <a:lnSpc>
                 <a:spcPct val="100000"/>
               </a:lnSpc>
@@ -7825,7 +9396,7 @@
               <a:buChar char=""/>
             </a:pPr>
             <a:r>
-              <a:rPr b="0" lang="de-DE" sz="3200" spc="-1" strike="noStrike">
+              <a:rPr b="0" lang="en-US" sz="3200" spc="-1" strike="noStrike">
                 <a:solidFill>
                   <a:srgbClr val="000000"/>
                 </a:solidFill>
@@ -7839,7 +9410,7 @@
               </a:rPr>
               <a:t>Unabhängigkeit:</a:t>
             </a:r>
-            <a:endParaRPr b="0" lang="de-DE" sz="1800" spc="-1" strike="noStrike">
+            <a:endParaRPr b="0" lang="en-US" sz="1800" spc="-1" strike="noStrike">
               <a:solidFill>
                 <a:srgbClr val="000000"/>
               </a:solidFill>
@@ -7857,7 +9428,7 @@
                 <a:spcPct val="100000"/>
               </a:lnSpc>
             </a:pPr>
-            <a:endParaRPr b="0" lang="de-DE" sz="1800" spc="-1" strike="noStrike">
+            <a:endParaRPr b="0" lang="en-US" sz="1800" spc="-1" strike="noStrike">
               <a:solidFill>
                 <a:srgbClr val="000000"/>
               </a:solidFill>
@@ -7870,7 +9441,31 @@
             </a:endParaRPr>
           </a:p>
           <a:p>
-            <a:pPr marL="432000" indent="-322920">
+            <a:pPr marL="432000" indent="-322560">
+              <a:lnSpc>
+                <a:spcPct val="100000"/>
+              </a:lnSpc>
+              <a:buClr>
+                <a:srgbClr val="000000"/>
+              </a:buClr>
+              <a:buSzPct val="45000"/>
+              <a:buFont typeface="Wingdings" charset="2"/>
+              <a:buChar char=""/>
+            </a:pPr>
+            <a:endParaRPr b="0" lang="en-US" sz="1800" spc="-1" strike="noStrike">
+              <a:solidFill>
+                <a:srgbClr val="000000"/>
+              </a:solidFill>
+              <a:uFill>
+                <a:solidFill>
+                  <a:srgbClr val="ffffff"/>
+                </a:solidFill>
+              </a:uFill>
+              <a:latin typeface="Arial"/>
+            </a:endParaRPr>
+          </a:p>
+          <a:p>
+            <a:pPr marL="432000" indent="-322560">
               <a:lnSpc>
                 <a:spcPct val="100000"/>
               </a:lnSpc>
@@ -7882,7 +9477,7 @@
               <a:buChar char=""/>
             </a:pPr>
             <a:r>
-              <a:rPr b="0" lang="de-DE" sz="3200" spc="-1" strike="noStrike">
+              <a:rPr b="0" lang="en-US" sz="3200" spc="-1" strike="noStrike">
                 <a:solidFill>
                   <a:srgbClr val="000000"/>
                 </a:solidFill>
@@ -7896,7 +9491,7 @@
               </a:rPr>
               <a:t>Unabhängigkeit bei bedingten Wahrscheinlichkeiten: </a:t>
             </a:r>
-            <a:endParaRPr b="0" lang="de-DE" sz="1800" spc="-1" strike="noStrike">
+            <a:endParaRPr b="0" lang="en-US" sz="1800" spc="-1" strike="noStrike">
               <a:solidFill>
                 <a:srgbClr val="000000"/>
               </a:solidFill>
@@ -7914,7 +9509,7 @@
                 <a:spcPct val="100000"/>
               </a:lnSpc>
             </a:pPr>
-            <a:endParaRPr b="0" lang="de-DE" sz="1800" spc="-1" strike="noStrike">
+            <a:endParaRPr b="0" lang="en-US" sz="1800" spc="-1" strike="noStrike">
               <a:solidFill>
                 <a:srgbClr val="000000"/>
               </a:solidFill>
@@ -7930,7 +9525,7 @@
       </p:sp>
       <p:pic>
         <p:nvPicPr>
-          <p:cNvPr id="88" name="" descr=""/>
+          <p:cNvPr id="132" name="" descr=""/>
           <p:cNvPicPr/>
           <p:nvPr/>
         </p:nvPicPr>
@@ -7941,7 +9536,7 @@
         <p:spPr>
           <a:xfrm>
             <a:off x="2103120" y="3931920"/>
-            <a:ext cx="5988960" cy="1360440"/>
+            <a:ext cx="5988600" cy="1360080"/>
           </a:xfrm>
           <a:prstGeom prst="rect">
             <a:avLst/>
@@ -7951,78 +9546,6 @@
           </a:ln>
         </p:spPr>
       </p:pic>
-      <p:sp>
-        <p:nvSpPr>
-          <p:cNvPr id="89" name="CustomShape 3"/>
-          <p:cNvSpPr/>
-          <p:nvPr/>
-        </p:nvSpPr>
-        <p:spPr>
-          <a:xfrm>
-            <a:off x="549000" y="6614640"/>
-            <a:ext cx="4002120" cy="425880"/>
-          </a:xfrm>
-          <a:prstGeom prst="rect">
-            <a:avLst/>
-          </a:prstGeom>
-          <a:noFill/>
-          <a:ln>
-            <a:noFill/>
-          </a:ln>
-        </p:spPr>
-        <p:style>
-          <a:lnRef idx="0"/>
-          <a:fillRef idx="0"/>
-          <a:effectRef idx="0"/>
-          <a:fontRef idx="minor"/>
-        </p:style>
-        <p:txBody>
-          <a:bodyPr lIns="90000" rIns="90000" tIns="45000" bIns="45000"/>
-          <a:p>
-            <a:r>
-              <a:rPr b="0" lang="de-DE" sz="1800" spc="-1" strike="noStrike">
-                <a:solidFill>
-                  <a:srgbClr val="000000"/>
-                </a:solidFill>
-                <a:uFill>
-                  <a:solidFill>
-                    <a:srgbClr val="ffffff"/>
-                  </a:solidFill>
-                </a:uFill>
-                <a:latin typeface="Arial"/>
-                <a:ea typeface="DejaVu Sans"/>
-              </a:rPr>
-              <a:t> </a:t>
-            </a:r>
-            <a:r>
-              <a:rPr b="0" lang="de-DE" sz="1800" spc="-1" strike="noStrike">
-                <a:solidFill>
-                  <a:srgbClr val="000000"/>
-                </a:solidFill>
-                <a:uFill>
-                  <a:solidFill>
-                    <a:srgbClr val="ffffff"/>
-                  </a:solidFill>
-                </a:uFill>
-                <a:latin typeface="Arial"/>
-                <a:ea typeface="DejaVu Sans"/>
-              </a:rPr>
-              <a:t>von 14 </a:t>
-            </a:r>
-            <a:endParaRPr b="0" lang="de-DE" sz="1800" spc="-1" strike="noStrike">
-              <a:solidFill>
-                <a:srgbClr val="000000"/>
-              </a:solidFill>
-              <a:uFill>
-                <a:solidFill>
-                  <a:srgbClr val="ffffff"/>
-                </a:solidFill>
-              </a:uFill>
-              <a:latin typeface="Arial"/>
-            </a:endParaRPr>
-          </a:p>
-        </p:txBody>
-      </p:sp>
     </p:spTree>
   </p:cSld>
   <p:timing>
@@ -8074,14 +9597,14 @@
       </p:grpSpPr>
       <p:sp>
         <p:nvSpPr>
-          <p:cNvPr id="90" name="CustomShape 1"/>
+          <p:cNvPr id="133" name="CustomShape 1"/>
           <p:cNvSpPr/>
           <p:nvPr/>
         </p:nvSpPr>
         <p:spPr>
           <a:xfrm>
             <a:off x="504000" y="301320"/>
-            <a:ext cx="9070560" cy="1261080"/>
+            <a:ext cx="9070200" cy="1260720"/>
           </a:xfrm>
           <a:prstGeom prst="rect">
             <a:avLst/>
@@ -8106,7 +9629,7 @@
               </a:lnSpc>
             </a:pPr>
             <a:r>
-              <a:rPr b="0" lang="de-DE" sz="4400" spc="-1" strike="noStrike">
+              <a:rPr b="0" lang="en-US" sz="4400" spc="-1" strike="noStrike">
                 <a:solidFill>
                   <a:srgbClr val="000000"/>
                 </a:solidFill>
@@ -8120,7 +9643,7 @@
               </a:rPr>
               <a:t>Bedingte Unabhängigkeit</a:t>
             </a:r>
-            <a:endParaRPr b="0" lang="de-DE" sz="1800" spc="-1" strike="noStrike">
+            <a:endParaRPr b="0" lang="en-US" sz="1800" spc="-1" strike="noStrike">
               <a:solidFill>
                 <a:srgbClr val="000000"/>
               </a:solidFill>
@@ -8136,14 +9659,14 @@
       </p:sp>
       <p:sp>
         <p:nvSpPr>
-          <p:cNvPr id="91" name="CustomShape 2"/>
+          <p:cNvPr id="134" name="CustomShape 2"/>
           <p:cNvSpPr/>
           <p:nvPr/>
         </p:nvSpPr>
         <p:spPr>
           <a:xfrm>
             <a:off x="504000" y="1769040"/>
-            <a:ext cx="9070560" cy="4383360"/>
+            <a:ext cx="9070200" cy="4383000"/>
           </a:xfrm>
           <a:prstGeom prst="rect">
             <a:avLst/>
@@ -8162,7 +9685,7 @@
       </p:sp>
       <p:pic>
         <p:nvPicPr>
-          <p:cNvPr id="92" name="" descr=""/>
+          <p:cNvPr id="135" name="" descr=""/>
           <p:cNvPicPr/>
           <p:nvPr/>
         </p:nvPicPr>
@@ -8173,7 +9696,7 @@
         <p:spPr>
           <a:xfrm>
             <a:off x="971280" y="2572560"/>
-            <a:ext cx="7988760" cy="1083960"/>
+            <a:ext cx="7988400" cy="1083600"/>
           </a:xfrm>
           <a:prstGeom prst="rect">
             <a:avLst/>
@@ -8183,78 +9706,6 @@
           </a:ln>
         </p:spPr>
       </p:pic>
-      <p:sp>
-        <p:nvSpPr>
-          <p:cNvPr id="93" name="CustomShape 3"/>
-          <p:cNvSpPr/>
-          <p:nvPr/>
-        </p:nvSpPr>
-        <p:spPr>
-          <a:xfrm>
-            <a:off x="549000" y="6614640"/>
-            <a:ext cx="4002120" cy="425880"/>
-          </a:xfrm>
-          <a:prstGeom prst="rect">
-            <a:avLst/>
-          </a:prstGeom>
-          <a:noFill/>
-          <a:ln>
-            <a:noFill/>
-          </a:ln>
-        </p:spPr>
-        <p:style>
-          <a:lnRef idx="0"/>
-          <a:fillRef idx="0"/>
-          <a:effectRef idx="0"/>
-          <a:fontRef idx="minor"/>
-        </p:style>
-        <p:txBody>
-          <a:bodyPr lIns="90000" rIns="90000" tIns="45000" bIns="45000"/>
-          <a:p>
-            <a:r>
-              <a:rPr b="0" lang="de-DE" sz="1800" spc="-1" strike="noStrike">
-                <a:solidFill>
-                  <a:srgbClr val="000000"/>
-                </a:solidFill>
-                <a:uFill>
-                  <a:solidFill>
-                    <a:srgbClr val="ffffff"/>
-                  </a:solidFill>
-                </a:uFill>
-                <a:latin typeface="Arial"/>
-                <a:ea typeface="DejaVu Sans"/>
-              </a:rPr>
-              <a:t> </a:t>
-            </a:r>
-            <a:r>
-              <a:rPr b="0" lang="de-DE" sz="1800" spc="-1" strike="noStrike">
-                <a:solidFill>
-                  <a:srgbClr val="000000"/>
-                </a:solidFill>
-                <a:uFill>
-                  <a:solidFill>
-                    <a:srgbClr val="ffffff"/>
-                  </a:solidFill>
-                </a:uFill>
-                <a:latin typeface="Arial"/>
-                <a:ea typeface="DejaVu Sans"/>
-              </a:rPr>
-              <a:t>von 14 </a:t>
-            </a:r>
-            <a:endParaRPr b="0" lang="de-DE" sz="1800" spc="-1" strike="noStrike">
-              <a:solidFill>
-                <a:srgbClr val="000000"/>
-              </a:solidFill>
-              <a:uFill>
-                <a:solidFill>
-                  <a:srgbClr val="ffffff"/>
-                </a:solidFill>
-              </a:uFill>
-              <a:latin typeface="Arial"/>
-            </a:endParaRPr>
-          </a:p>
-        </p:txBody>
-      </p:sp>
     </p:spTree>
   </p:cSld>
   <p:timing>
@@ -8306,14 +9757,14 @@
       </p:grpSpPr>
       <p:sp>
         <p:nvSpPr>
-          <p:cNvPr id="94" name="CustomShape 1"/>
+          <p:cNvPr id="136" name="CustomShape 1"/>
           <p:cNvSpPr/>
           <p:nvPr/>
         </p:nvSpPr>
         <p:spPr>
           <a:xfrm>
             <a:off x="504000" y="301320"/>
-            <a:ext cx="9070560" cy="1261080"/>
+            <a:ext cx="9070200" cy="1260720"/>
           </a:xfrm>
           <a:prstGeom prst="rect">
             <a:avLst/>
@@ -8338,7 +9789,7 @@
               </a:lnSpc>
             </a:pPr>
             <a:r>
-              <a:rPr b="0" lang="de-DE" sz="4400" spc="-1" strike="noStrike">
+              <a:rPr b="0" lang="en-US" sz="4400" spc="-1" strike="noStrike">
                 <a:solidFill>
                   <a:srgbClr val="000000"/>
                 </a:solidFill>
@@ -8352,7 +9803,7 @@
               </a:rPr>
               <a:t>Beispiel nach [Perl88]</a:t>
             </a:r>
-            <a:endParaRPr b="0" lang="de-DE" sz="1800" spc="-1" strike="noStrike">
+            <a:endParaRPr b="0" lang="en-US" sz="1800" spc="-1" strike="noStrike">
               <a:solidFill>
                 <a:srgbClr val="000000"/>
               </a:solidFill>
@@ -8368,14 +9819,14 @@
       </p:sp>
       <p:sp>
         <p:nvSpPr>
-          <p:cNvPr id="95" name="CustomShape 2"/>
+          <p:cNvPr id="137" name="CustomShape 2"/>
           <p:cNvSpPr/>
           <p:nvPr/>
         </p:nvSpPr>
         <p:spPr>
           <a:xfrm>
             <a:off x="504000" y="1769040"/>
-            <a:ext cx="9070560" cy="4383360"/>
+            <a:ext cx="9070200" cy="4383000"/>
           </a:xfrm>
           <a:prstGeom prst="rect">
             <a:avLst/>
@@ -8394,7 +9845,7 @@
       </p:sp>
       <p:pic>
         <p:nvPicPr>
-          <p:cNvPr id="96" name="" descr=""/>
+          <p:cNvPr id="138" name="" descr=""/>
           <p:cNvPicPr/>
           <p:nvPr/>
         </p:nvPicPr>
@@ -8405,7 +9856,7 @@
         <p:spPr>
           <a:xfrm>
             <a:off x="3889080" y="2324880"/>
-            <a:ext cx="2236320" cy="2703240"/>
+            <a:ext cx="2235960" cy="2702880"/>
           </a:xfrm>
           <a:prstGeom prst="rect">
             <a:avLst/>
@@ -8415,78 +9866,6 @@
           </a:ln>
         </p:spPr>
       </p:pic>
-      <p:sp>
-        <p:nvSpPr>
-          <p:cNvPr id="97" name="CustomShape 3"/>
-          <p:cNvSpPr/>
-          <p:nvPr/>
-        </p:nvSpPr>
-        <p:spPr>
-          <a:xfrm>
-            <a:off x="549000" y="6614640"/>
-            <a:ext cx="4002120" cy="425880"/>
-          </a:xfrm>
-          <a:prstGeom prst="rect">
-            <a:avLst/>
-          </a:prstGeom>
-          <a:noFill/>
-          <a:ln>
-            <a:noFill/>
-          </a:ln>
-        </p:spPr>
-        <p:style>
-          <a:lnRef idx="0"/>
-          <a:fillRef idx="0"/>
-          <a:effectRef idx="0"/>
-          <a:fontRef idx="minor"/>
-        </p:style>
-        <p:txBody>
-          <a:bodyPr lIns="90000" rIns="90000" tIns="45000" bIns="45000"/>
-          <a:p>
-            <a:r>
-              <a:rPr b="0" lang="de-DE" sz="1800" spc="-1" strike="noStrike">
-                <a:solidFill>
-                  <a:srgbClr val="000000"/>
-                </a:solidFill>
-                <a:uFill>
-                  <a:solidFill>
-                    <a:srgbClr val="ffffff"/>
-                  </a:solidFill>
-                </a:uFill>
-                <a:latin typeface="Arial"/>
-                <a:ea typeface="DejaVu Sans"/>
-              </a:rPr>
-              <a:t> </a:t>
-            </a:r>
-            <a:r>
-              <a:rPr b="0" lang="de-DE" sz="1800" spc="-1" strike="noStrike">
-                <a:solidFill>
-                  <a:srgbClr val="000000"/>
-                </a:solidFill>
-                <a:uFill>
-                  <a:solidFill>
-                    <a:srgbClr val="ffffff"/>
-                  </a:solidFill>
-                </a:uFill>
-                <a:latin typeface="Arial"/>
-                <a:ea typeface="DejaVu Sans"/>
-              </a:rPr>
-              <a:t>von 14 </a:t>
-            </a:r>
-            <a:endParaRPr b="0" lang="de-DE" sz="1800" spc="-1" strike="noStrike">
-              <a:solidFill>
-                <a:srgbClr val="000000"/>
-              </a:solidFill>
-              <a:uFill>
-                <a:solidFill>
-                  <a:srgbClr val="ffffff"/>
-                </a:solidFill>
-              </a:uFill>
-              <a:latin typeface="Arial"/>
-            </a:endParaRPr>
-          </a:p>
-        </p:txBody>
-      </p:sp>
     </p:spTree>
   </p:cSld>
   <p:timing>
@@ -8538,14 +9917,14 @@
       </p:grpSpPr>
       <p:sp>
         <p:nvSpPr>
-          <p:cNvPr id="98" name="CustomShape 1"/>
+          <p:cNvPr id="139" name="CustomShape 1"/>
           <p:cNvSpPr/>
           <p:nvPr/>
         </p:nvSpPr>
         <p:spPr>
           <a:xfrm>
             <a:off x="504000" y="301320"/>
-            <a:ext cx="9070560" cy="1261080"/>
+            <a:ext cx="9070200" cy="1260720"/>
           </a:xfrm>
           <a:prstGeom prst="rect">
             <a:avLst/>
@@ -8570,7 +9949,7 @@
               </a:lnSpc>
             </a:pPr>
             <a:r>
-              <a:rPr b="0" lang="de-DE" sz="4400" spc="-1" strike="noStrike">
+              <a:rPr b="0" lang="en-US" sz="4400" spc="-1" strike="noStrike">
                 <a:solidFill>
                   <a:srgbClr val="000000"/>
                 </a:solidFill>
@@ -8584,7 +9963,7 @@
               </a:rPr>
               <a:t>Beispiel(2)</a:t>
             </a:r>
-            <a:endParaRPr b="0" lang="de-DE" sz="1800" spc="-1" strike="noStrike">
+            <a:endParaRPr b="0" lang="en-US" sz="1800" spc="-1" strike="noStrike">
               <a:solidFill>
                 <a:srgbClr val="000000"/>
               </a:solidFill>
@@ -8600,14 +9979,14 @@
       </p:sp>
       <p:sp>
         <p:nvSpPr>
-          <p:cNvPr id="99" name="CustomShape 2"/>
+          <p:cNvPr id="140" name="CustomShape 2"/>
           <p:cNvSpPr/>
           <p:nvPr/>
         </p:nvSpPr>
         <p:spPr>
           <a:xfrm>
             <a:off x="504000" y="1769040"/>
-            <a:ext cx="9070560" cy="4383360"/>
+            <a:ext cx="9070200" cy="4383000"/>
           </a:xfrm>
           <a:prstGeom prst="rect">
             <a:avLst/>
@@ -8626,7 +10005,7 @@
       </p:sp>
       <p:pic>
         <p:nvPicPr>
-          <p:cNvPr id="100" name="" descr=""/>
+          <p:cNvPr id="141" name="" descr=""/>
           <p:cNvPicPr/>
           <p:nvPr/>
         </p:nvPicPr>
@@ -8637,7 +10016,7 @@
         <p:spPr>
           <a:xfrm>
             <a:off x="1737360" y="2489400"/>
-            <a:ext cx="3588840" cy="2731680"/>
+            <a:ext cx="3588480" cy="2731320"/>
           </a:xfrm>
           <a:prstGeom prst="rect">
             <a:avLst/>
@@ -8649,7 +10028,7 @@
       </p:pic>
       <p:pic>
         <p:nvPicPr>
-          <p:cNvPr id="101" name="" descr=""/>
+          <p:cNvPr id="142" name="" descr=""/>
           <p:cNvPicPr/>
           <p:nvPr/>
         </p:nvPicPr>
@@ -8660,7 +10039,7 @@
         <p:spPr>
           <a:xfrm>
             <a:off x="6281640" y="2926080"/>
-            <a:ext cx="2312640" cy="1512720"/>
+            <a:ext cx="2312280" cy="1512360"/>
           </a:xfrm>
           <a:prstGeom prst="rect">
             <a:avLst/>
@@ -8670,78 +10049,6 @@
           </a:ln>
         </p:spPr>
       </p:pic>
-      <p:sp>
-        <p:nvSpPr>
-          <p:cNvPr id="102" name="CustomShape 3"/>
-          <p:cNvSpPr/>
-          <p:nvPr/>
-        </p:nvSpPr>
-        <p:spPr>
-          <a:xfrm>
-            <a:off x="549000" y="6614640"/>
-            <a:ext cx="4002120" cy="425880"/>
-          </a:xfrm>
-          <a:prstGeom prst="rect">
-            <a:avLst/>
-          </a:prstGeom>
-          <a:noFill/>
-          <a:ln>
-            <a:noFill/>
-          </a:ln>
-        </p:spPr>
-        <p:style>
-          <a:lnRef idx="0"/>
-          <a:fillRef idx="0"/>
-          <a:effectRef idx="0"/>
-          <a:fontRef idx="minor"/>
-        </p:style>
-        <p:txBody>
-          <a:bodyPr lIns="90000" rIns="90000" tIns="45000" bIns="45000"/>
-          <a:p>
-            <a:r>
-              <a:rPr b="0" lang="de-DE" sz="1800" spc="-1" strike="noStrike">
-                <a:solidFill>
-                  <a:srgbClr val="000000"/>
-                </a:solidFill>
-                <a:uFill>
-                  <a:solidFill>
-                    <a:srgbClr val="ffffff"/>
-                  </a:solidFill>
-                </a:uFill>
-                <a:latin typeface="Arial"/>
-                <a:ea typeface="DejaVu Sans"/>
-              </a:rPr>
-              <a:t> </a:t>
-            </a:r>
-            <a:r>
-              <a:rPr b="0" lang="de-DE" sz="1800" spc="-1" strike="noStrike">
-                <a:solidFill>
-                  <a:srgbClr val="000000"/>
-                </a:solidFill>
-                <a:uFill>
-                  <a:solidFill>
-                    <a:srgbClr val="ffffff"/>
-                  </a:solidFill>
-                </a:uFill>
-                <a:latin typeface="Arial"/>
-                <a:ea typeface="DejaVu Sans"/>
-              </a:rPr>
-              <a:t>von 14 </a:t>
-            </a:r>
-            <a:endParaRPr b="0" lang="de-DE" sz="1800" spc="-1" strike="noStrike">
-              <a:solidFill>
-                <a:srgbClr val="000000"/>
-              </a:solidFill>
-              <a:uFill>
-                <a:solidFill>
-                  <a:srgbClr val="ffffff"/>
-                </a:solidFill>
-              </a:uFill>
-              <a:latin typeface="Arial"/>
-            </a:endParaRPr>
-          </a:p>
-        </p:txBody>
-      </p:sp>
     </p:spTree>
   </p:cSld>
   <p:timing>
@@ -8793,14 +10100,14 @@
       </p:grpSpPr>
       <p:sp>
         <p:nvSpPr>
-          <p:cNvPr id="103" name="CustomShape 1"/>
+          <p:cNvPr id="143" name="CustomShape 1"/>
           <p:cNvSpPr/>
           <p:nvPr/>
         </p:nvSpPr>
         <p:spPr>
           <a:xfrm>
             <a:off x="504000" y="301320"/>
-            <a:ext cx="9070560" cy="1261080"/>
+            <a:ext cx="9070200" cy="1260720"/>
           </a:xfrm>
           <a:prstGeom prst="rect">
             <a:avLst/>
@@ -8825,7 +10132,7 @@
               </a:lnSpc>
             </a:pPr>
             <a:r>
-              <a:rPr b="0" lang="de-DE" sz="4400" spc="-1" strike="noStrike">
+              <a:rPr b="0" lang="en-US" sz="4400" spc="-1" strike="noStrike">
                 <a:solidFill>
                   <a:srgbClr val="000000"/>
                 </a:solidFill>
@@ -8839,7 +10146,7 @@
               </a:rPr>
               <a:t>Beispiel(3)</a:t>
             </a:r>
-            <a:endParaRPr b="0" lang="de-DE" sz="1800" spc="-1" strike="noStrike">
+            <a:endParaRPr b="0" lang="en-US" sz="1800" spc="-1" strike="noStrike">
               <a:solidFill>
                 <a:srgbClr val="000000"/>
               </a:solidFill>
@@ -8855,14 +10162,14 @@
       </p:sp>
       <p:sp>
         <p:nvSpPr>
-          <p:cNvPr id="104" name="CustomShape 2"/>
+          <p:cNvPr id="144" name="CustomShape 2"/>
           <p:cNvSpPr/>
           <p:nvPr/>
         </p:nvSpPr>
         <p:spPr>
           <a:xfrm>
             <a:off x="504000" y="1769040"/>
-            <a:ext cx="9070560" cy="4383360"/>
+            <a:ext cx="9070200" cy="4383000"/>
           </a:xfrm>
           <a:prstGeom prst="rect">
             <a:avLst/>
@@ -8881,7 +10188,7 @@
       </p:sp>
       <p:pic>
         <p:nvPicPr>
-          <p:cNvPr id="105" name="" descr=""/>
+          <p:cNvPr id="145" name="" descr=""/>
           <p:cNvPicPr/>
           <p:nvPr/>
         </p:nvPicPr>
@@ -8892,7 +10199,7 @@
         <p:spPr>
           <a:xfrm>
             <a:off x="1188720" y="1393920"/>
-            <a:ext cx="8150760" cy="5188680"/>
+            <a:ext cx="8150400" cy="5188320"/>
           </a:xfrm>
           <a:prstGeom prst="rect">
             <a:avLst/>
@@ -8904,14 +10211,14 @@
       </p:pic>
       <p:sp>
         <p:nvSpPr>
-          <p:cNvPr id="106" name="CustomShape 3"/>
+          <p:cNvPr id="146" name="CustomShape 3"/>
           <p:cNvSpPr/>
           <p:nvPr/>
         </p:nvSpPr>
         <p:spPr>
           <a:xfrm>
             <a:off x="6492240" y="6786360"/>
-            <a:ext cx="3382200" cy="345240"/>
+            <a:ext cx="3381840" cy="344880"/>
           </a:xfrm>
           <a:prstGeom prst="rect">
             <a:avLst/>
@@ -8931,7 +10238,7 @@
           <a:bodyPr lIns="90000" rIns="90000" tIns="45000" bIns="45000"/>
           <a:p>
             <a:r>
-              <a:rPr b="0" lang="de-DE" sz="1800" spc="-1" strike="noStrike">
+              <a:rPr b="0" lang="en-US" sz="1800" spc="-1" strike="noStrike">
                 <a:solidFill>
                   <a:srgbClr val="000000"/>
                 </a:solidFill>
@@ -8945,79 +10252,7 @@
               </a:rPr>
               <a:t>Quelle: Ertel16</a:t>
             </a:r>
-            <a:endParaRPr b="0" lang="de-DE" sz="1800" spc="-1" strike="noStrike">
-              <a:solidFill>
-                <a:srgbClr val="000000"/>
-              </a:solidFill>
-              <a:uFill>
-                <a:solidFill>
-                  <a:srgbClr val="ffffff"/>
-                </a:solidFill>
-              </a:uFill>
-              <a:latin typeface="Arial"/>
-            </a:endParaRPr>
-          </a:p>
-        </p:txBody>
-      </p:sp>
-      <p:sp>
-        <p:nvSpPr>
-          <p:cNvPr id="107" name="CustomShape 4"/>
-          <p:cNvSpPr/>
-          <p:nvPr/>
-        </p:nvSpPr>
-        <p:spPr>
-          <a:xfrm>
-            <a:off x="549000" y="6614640"/>
-            <a:ext cx="4002120" cy="425880"/>
-          </a:xfrm>
-          <a:prstGeom prst="rect">
-            <a:avLst/>
-          </a:prstGeom>
-          <a:noFill/>
-          <a:ln>
-            <a:noFill/>
-          </a:ln>
-        </p:spPr>
-        <p:style>
-          <a:lnRef idx="0"/>
-          <a:fillRef idx="0"/>
-          <a:effectRef idx="0"/>
-          <a:fontRef idx="minor"/>
-        </p:style>
-        <p:txBody>
-          <a:bodyPr lIns="90000" rIns="90000" tIns="45000" bIns="45000"/>
-          <a:p>
-            <a:r>
-              <a:rPr b="0" lang="de-DE" sz="1800" spc="-1" strike="noStrike">
-                <a:solidFill>
-                  <a:srgbClr val="000000"/>
-                </a:solidFill>
-                <a:uFill>
-                  <a:solidFill>
-                    <a:srgbClr val="ffffff"/>
-                  </a:solidFill>
-                </a:uFill>
-                <a:latin typeface="Arial"/>
-                <a:ea typeface="DejaVu Sans"/>
-              </a:rPr>
-              <a:t> </a:t>
-            </a:r>
-            <a:r>
-              <a:rPr b="0" lang="de-DE" sz="1800" spc="-1" strike="noStrike">
-                <a:solidFill>
-                  <a:srgbClr val="000000"/>
-                </a:solidFill>
-                <a:uFill>
-                  <a:solidFill>
-                    <a:srgbClr val="ffffff"/>
-                  </a:solidFill>
-                </a:uFill>
-                <a:latin typeface="Arial"/>
-                <a:ea typeface="DejaVu Sans"/>
-              </a:rPr>
-              <a:t>von 14 </a:t>
-            </a:r>
-            <a:endParaRPr b="0" lang="de-DE" sz="1800" spc="-1" strike="noStrike">
+            <a:endParaRPr b="0" lang="en-US" sz="1800" spc="-1" strike="noStrike">
               <a:solidFill>
                 <a:srgbClr val="000000"/>
               </a:solidFill>
@@ -9082,14 +10317,14 @@
       </p:grpSpPr>
       <p:sp>
         <p:nvSpPr>
-          <p:cNvPr id="108" name="CustomShape 1"/>
+          <p:cNvPr id="147" name="CustomShape 1"/>
           <p:cNvSpPr/>
           <p:nvPr/>
         </p:nvSpPr>
         <p:spPr>
           <a:xfrm>
             <a:off x="504000" y="301320"/>
-            <a:ext cx="9070560" cy="1261080"/>
+            <a:ext cx="9070200" cy="1260720"/>
           </a:xfrm>
           <a:prstGeom prst="rect">
             <a:avLst/>
@@ -9114,7 +10349,7 @@
               </a:lnSpc>
             </a:pPr>
             <a:r>
-              <a:rPr b="0" lang="de-DE" sz="4400" spc="-1" strike="noStrike">
+              <a:rPr b="0" lang="en-US" sz="4400" spc="-1" strike="noStrike">
                 <a:solidFill>
                   <a:srgbClr val="000000"/>
                 </a:solidFill>
@@ -9128,7 +10363,7 @@
               </a:rPr>
               <a:t>Beispiel(4)</a:t>
             </a:r>
-            <a:endParaRPr b="0" lang="de-DE" sz="1800" spc="-1" strike="noStrike">
+            <a:endParaRPr b="0" lang="en-US" sz="1800" spc="-1" strike="noStrike">
               <a:solidFill>
                 <a:srgbClr val="000000"/>
               </a:solidFill>
@@ -9144,14 +10379,14 @@
       </p:sp>
       <p:sp>
         <p:nvSpPr>
-          <p:cNvPr id="109" name="CustomShape 2"/>
+          <p:cNvPr id="148" name="CustomShape 2"/>
           <p:cNvSpPr/>
           <p:nvPr/>
         </p:nvSpPr>
         <p:spPr>
           <a:xfrm>
             <a:off x="504000" y="1769040"/>
-            <a:ext cx="9070560" cy="4383360"/>
+            <a:ext cx="9070200" cy="4383000"/>
           </a:xfrm>
           <a:prstGeom prst="rect">
             <a:avLst/>
@@ -9170,7 +10405,7 @@
         <p:txBody>
           <a:bodyPr lIns="0" rIns="0" tIns="0" bIns="0"/>
           <a:p>
-            <a:pPr marL="432000" indent="-322920">
+            <a:pPr marL="432000" indent="-322560">
               <a:lnSpc>
                 <a:spcPct val="100000"/>
               </a:lnSpc>
@@ -9182,7 +10417,7 @@
               <a:buChar char=""/>
             </a:pPr>
             <a:r>
-              <a:rPr b="0" lang="de-DE" sz="3200" spc="-1" strike="noStrike">
+              <a:rPr b="0" lang="en-US" sz="3200" spc="-1" strike="noStrike">
                 <a:solidFill>
                   <a:srgbClr val="000000"/>
                 </a:solidFill>
@@ -9196,7 +10431,7 @@
               </a:rPr>
               <a:t>Bedingte Unabhängigkeit:</a:t>
             </a:r>
-            <a:endParaRPr b="0" lang="de-DE" sz="1800" spc="-1" strike="noStrike">
+            <a:endParaRPr b="0" lang="en-US" sz="1800" spc="-1" strike="noStrike">
               <a:solidFill>
                 <a:srgbClr val="000000"/>
               </a:solidFill>
@@ -9209,7 +10444,7 @@
             </a:endParaRPr>
           </a:p>
           <a:p>
-            <a:pPr marL="432000" indent="-322920">
+            <a:pPr marL="432000" indent="-322560">
               <a:lnSpc>
                 <a:spcPct val="100000"/>
               </a:lnSpc>
@@ -9221,7 +10456,7 @@
               <a:buChar char=""/>
             </a:pPr>
             <a:r>
-              <a:rPr b="0" lang="de-DE" sz="3200" spc="-1" strike="noStrike">
+              <a:rPr b="0" lang="en-US" sz="3200" spc="-1" strike="noStrike">
                 <a:solidFill>
                   <a:srgbClr val="000000"/>
                 </a:solidFill>
@@ -9235,7 +10470,7 @@
               </a:rPr>
               <a:t> </a:t>
             </a:r>
-            <a:endParaRPr b="0" lang="de-DE" sz="1800" spc="-1" strike="noStrike">
+            <a:endParaRPr b="0" lang="en-US" sz="1800" spc="-1" strike="noStrike">
               <a:solidFill>
                 <a:srgbClr val="000000"/>
               </a:solidFill>
@@ -9251,7 +10486,7 @@
       </p:sp>
       <p:pic>
         <p:nvPicPr>
-          <p:cNvPr id="110" name="" descr=""/>
+          <p:cNvPr id="149" name="" descr=""/>
           <p:cNvPicPr/>
           <p:nvPr/>
         </p:nvPicPr>
@@ -9262,7 +10497,7 @@
         <p:spPr>
           <a:xfrm>
             <a:off x="1188720" y="3200400"/>
-            <a:ext cx="7419600" cy="903600"/>
+            <a:ext cx="7419240" cy="903240"/>
           </a:xfrm>
           <a:prstGeom prst="rect">
             <a:avLst/>
@@ -9272,78 +10507,6 @@
           </a:ln>
         </p:spPr>
       </p:pic>
-      <p:sp>
-        <p:nvSpPr>
-          <p:cNvPr id="111" name="CustomShape 3"/>
-          <p:cNvSpPr/>
-          <p:nvPr/>
-        </p:nvSpPr>
-        <p:spPr>
-          <a:xfrm>
-            <a:off x="549000" y="6614640"/>
-            <a:ext cx="4002120" cy="425880"/>
-          </a:xfrm>
-          <a:prstGeom prst="rect">
-            <a:avLst/>
-          </a:prstGeom>
-          <a:noFill/>
-          <a:ln>
-            <a:noFill/>
-          </a:ln>
-        </p:spPr>
-        <p:style>
-          <a:lnRef idx="0"/>
-          <a:fillRef idx="0"/>
-          <a:effectRef idx="0"/>
-          <a:fontRef idx="minor"/>
-        </p:style>
-        <p:txBody>
-          <a:bodyPr lIns="90000" rIns="90000" tIns="45000" bIns="45000"/>
-          <a:p>
-            <a:r>
-              <a:rPr b="0" lang="de-DE" sz="1800" spc="-1" strike="noStrike">
-                <a:solidFill>
-                  <a:srgbClr val="000000"/>
-                </a:solidFill>
-                <a:uFill>
-                  <a:solidFill>
-                    <a:srgbClr val="ffffff"/>
-                  </a:solidFill>
-                </a:uFill>
-                <a:latin typeface="Arial"/>
-                <a:ea typeface="DejaVu Sans"/>
-              </a:rPr>
-              <a:t> </a:t>
-            </a:r>
-            <a:r>
-              <a:rPr b="0" lang="de-DE" sz="1800" spc="-1" strike="noStrike">
-                <a:solidFill>
-                  <a:srgbClr val="000000"/>
-                </a:solidFill>
-                <a:uFill>
-                  <a:solidFill>
-                    <a:srgbClr val="ffffff"/>
-                  </a:solidFill>
-                </a:uFill>
-                <a:latin typeface="Arial"/>
-                <a:ea typeface="DejaVu Sans"/>
-              </a:rPr>
-              <a:t>von 14 </a:t>
-            </a:r>
-            <a:endParaRPr b="0" lang="de-DE" sz="1800" spc="-1" strike="noStrike">
-              <a:solidFill>
-                <a:srgbClr val="000000"/>
-              </a:solidFill>
-              <a:uFill>
-                <a:solidFill>
-                  <a:srgbClr val="ffffff"/>
-                </a:solidFill>
-              </a:uFill>
-              <a:latin typeface="Arial"/>
-            </a:endParaRPr>
-          </a:p>
-        </p:txBody>
-      </p:sp>
     </p:spTree>
   </p:cSld>
   <p:timing>
@@ -10043,4 +11206,227 @@
     </a:fmtScheme>
   </a:themeElements>
 </a:theme>
+</file>
+
+<file path=ppt/theme/theme4.xml><?xml version="1.0" encoding="utf-8"?>
+<a:theme xmlns:a="http://schemas.openxmlformats.org/drawingml/2006/main" name="Office Theme">
+  <a:themeElements>
+    <a:clrScheme name="Office">
+      <a:dk1>
+        <a:sysClr val="windowText" lastClr="000000"/>
+      </a:dk1>
+      <a:lt1>
+        <a:sysClr val="window" lastClr="FFFFFF"/>
+      </a:lt1>
+      <a:dk2>
+        <a:srgbClr val="1F497D"/>
+      </a:dk2>
+      <a:lt2>
+        <a:srgbClr val="EEECE1"/>
+      </a:lt2>
+      <a:accent1>
+        <a:srgbClr val="4F81BD"/>
+      </a:accent1>
+      <a:accent2>
+        <a:srgbClr val="C0504D"/>
+      </a:accent2>
+      <a:accent3>
+        <a:srgbClr val="9BBB59"/>
+      </a:accent3>
+      <a:accent4>
+        <a:srgbClr val="8064A2"/>
+      </a:accent4>
+      <a:accent5>
+        <a:srgbClr val="4BACC6"/>
+      </a:accent5>
+      <a:accent6>
+        <a:srgbClr val="F79646"/>
+      </a:accent6>
+      <a:hlink>
+        <a:srgbClr val="0000FF"/>
+      </a:hlink>
+      <a:folHlink>
+        <a:srgbClr val="800080"/>
+      </a:folHlink>
+    </a:clrScheme>
+    <a:fontScheme name="Office">
+      <a:majorFont>
+        <a:latin typeface="Arial"/>
+        <a:ea typeface="DejaVu Sans"/>
+        <a:cs typeface="DejaVu Sans"/>
+      </a:majorFont>
+      <a:minorFont>
+        <a:latin typeface="Arial"/>
+        <a:ea typeface="DejaVu Sans"/>
+        <a:cs typeface="DejaVu Sans"/>
+      </a:minorFont>
+    </a:fontScheme>
+    <a:fmtScheme name="Office">
+      <a:fillStyleLst>
+        <a:solidFill>
+          <a:schemeClr val="phClr"/>
+        </a:solidFill>
+        <a:gradFill rotWithShape="1">
+          <a:gsLst>
+            <a:gs pos="0">
+              <a:schemeClr val="phClr">
+                <a:tint val="50000"/>
+                <a:satMod val="300000"/>
+              </a:schemeClr>
+            </a:gs>
+            <a:gs pos="35000">
+              <a:schemeClr val="phClr">
+                <a:tint val="37000"/>
+                <a:satMod val="300000"/>
+              </a:schemeClr>
+            </a:gs>
+            <a:gs pos="100000">
+              <a:schemeClr val="phClr">
+                <a:tint val="15000"/>
+                <a:satMod val="350000"/>
+              </a:schemeClr>
+            </a:gs>
+          </a:gsLst>
+          <a:lin ang="16200000" scaled="1"/>
+        </a:gradFill>
+        <a:gradFill rotWithShape="1">
+          <a:gsLst>
+            <a:gs pos="0">
+              <a:schemeClr val="phClr">
+                <a:shade val="51000"/>
+                <a:satMod val="130000"/>
+              </a:schemeClr>
+            </a:gs>
+            <a:gs pos="80000">
+              <a:schemeClr val="phClr">
+                <a:shade val="93000"/>
+                <a:satMod val="130000"/>
+              </a:schemeClr>
+            </a:gs>
+            <a:gs pos="100000">
+              <a:schemeClr val="phClr">
+                <a:shade val="94000"/>
+                <a:satMod val="135000"/>
+              </a:schemeClr>
+            </a:gs>
+          </a:gsLst>
+          <a:lin ang="16200000" scaled="0"/>
+        </a:gradFill>
+      </a:fillStyleLst>
+      <a:lnStyleLst>
+        <a:ln w="9525" cap="flat" cmpd="sng" algn="ctr">
+          <a:solidFill>
+            <a:schemeClr val="phClr">
+              <a:shade val="95000"/>
+              <a:satMod val="105000"/>
+            </a:schemeClr>
+          </a:solidFill>
+          <a:prstDash val="solid"/>
+        </a:ln>
+        <a:ln w="25400" cap="flat" cmpd="sng" algn="ctr">
+          <a:solidFill>
+            <a:schemeClr val="phClr"/>
+          </a:solidFill>
+          <a:prstDash val="solid"/>
+        </a:ln>
+        <a:ln w="38100" cap="flat" cmpd="sng" algn="ctr">
+          <a:solidFill>
+            <a:schemeClr val="phClr"/>
+          </a:solidFill>
+          <a:prstDash val="solid"/>
+        </a:ln>
+      </a:lnStyleLst>
+      <a:effectStyleLst>
+        <a:effectStyle>
+          <a:effectLst>
+            <a:outerShdw blurRad="40000" dist="20000" dir="5400000" rotWithShape="0">
+              <a:srgbClr val="000000">
+                <a:alpha val="38000"/>
+              </a:srgbClr>
+            </a:outerShdw>
+          </a:effectLst>
+        </a:effectStyle>
+        <a:effectStyle>
+          <a:effectLst>
+            <a:outerShdw blurRad="40000" dist="23000" dir="5400000" rotWithShape="0">
+              <a:srgbClr val="000000">
+                <a:alpha val="35000"/>
+              </a:srgbClr>
+            </a:outerShdw>
+          </a:effectLst>
+        </a:effectStyle>
+        <a:effectStyle>
+          <a:effectLst>
+            <a:outerShdw blurRad="40000" dist="23000" dir="5400000" rotWithShape="0">
+              <a:srgbClr val="000000">
+                <a:alpha val="35000"/>
+              </a:srgbClr>
+            </a:outerShdw>
+          </a:effectLst>
+          <a:scene3d>
+            <a:camera prst="orthographicFront">
+              <a:rot lat="0" lon="0" rev="0"/>
+            </a:camera>
+            <a:lightRig rig="threePt" dir="t">
+              <a:rot lat="0" lon="0" rev="1200000"/>
+            </a:lightRig>
+          </a:scene3d>
+          <a:sp3d>
+            <a:bevelT w="63500" h="25400"/>
+          </a:sp3d>
+        </a:effectStyle>
+      </a:effectStyleLst>
+      <a:bgFillStyleLst>
+        <a:solidFill>
+          <a:schemeClr val="phClr"/>
+        </a:solidFill>
+        <a:gradFill rotWithShape="1">
+          <a:gsLst>
+            <a:gs pos="0">
+              <a:schemeClr val="phClr">
+                <a:tint val="40000"/>
+                <a:satMod val="350000"/>
+              </a:schemeClr>
+            </a:gs>
+            <a:gs pos="40000">
+              <a:schemeClr val="phClr">
+                <a:tint val="45000"/>
+                <a:shade val="99000"/>
+                <a:satMod val="350000"/>
+              </a:schemeClr>
+            </a:gs>
+            <a:gs pos="100000">
+              <a:schemeClr val="phClr">
+                <a:shade val="20000"/>
+                <a:satMod val="255000"/>
+              </a:schemeClr>
+            </a:gs>
+          </a:gsLst>
+          <a:path path="circle">
+            <a:fillToRect l="50000" t="-80000" r="50000" b="180000"/>
+          </a:path>
+        </a:gradFill>
+        <a:gradFill rotWithShape="1">
+          <a:gsLst>
+            <a:gs pos="0">
+              <a:schemeClr val="phClr">
+                <a:tint val="80000"/>
+                <a:satMod val="300000"/>
+              </a:schemeClr>
+            </a:gs>
+            <a:gs pos="100000">
+              <a:schemeClr val="phClr">
+                <a:shade val="30000"/>
+                <a:satMod val="200000"/>
+              </a:schemeClr>
+            </a:gs>
+          </a:gsLst>
+          <a:path path="circle">
+            <a:fillToRect l="50000" t="50000" r="50000" b="50000"/>
+          </a:path>
+        </a:gradFill>
+      </a:bgFillStyleLst>
+    </a:fmtScheme>
+  </a:themeElements>
+</a:theme>
 </file>